--- a/EDSI-Template.pptx
+++ b/EDSI-Template.pptx
@@ -269,7 +269,7 @@
           <a:p>
             <a:fld id="{41926A8E-B695-4DD9-BDA6-AB6F2D592177}" type="datetimeFigureOut">
               <a:rPr lang="en-DE" smtClean="0"/>
-              <a:t>09/02/2020</a:t>
+              <a:t>09/03/2020</a:t>
             </a:fld>
             <a:endParaRPr lang="en-DE"/>
           </a:p>
@@ -469,7 +469,7 @@
           <a:p>
             <a:fld id="{41926A8E-B695-4DD9-BDA6-AB6F2D592177}" type="datetimeFigureOut">
               <a:rPr lang="en-DE" smtClean="0"/>
-              <a:t>09/02/2020</a:t>
+              <a:t>09/03/2020</a:t>
             </a:fld>
             <a:endParaRPr lang="en-DE"/>
           </a:p>
@@ -679,7 +679,7 @@
           <a:p>
             <a:fld id="{41926A8E-B695-4DD9-BDA6-AB6F2D592177}" type="datetimeFigureOut">
               <a:rPr lang="en-DE" smtClean="0"/>
-              <a:t>09/02/2020</a:t>
+              <a:t>09/03/2020</a:t>
             </a:fld>
             <a:endParaRPr lang="en-DE"/>
           </a:p>
@@ -879,7 +879,7 @@
           <a:p>
             <a:fld id="{41926A8E-B695-4DD9-BDA6-AB6F2D592177}" type="datetimeFigureOut">
               <a:rPr lang="en-DE" smtClean="0"/>
-              <a:t>09/02/2020</a:t>
+              <a:t>09/03/2020</a:t>
             </a:fld>
             <a:endParaRPr lang="en-DE"/>
           </a:p>
@@ -1155,7 +1155,7 @@
           <a:p>
             <a:fld id="{41926A8E-B695-4DD9-BDA6-AB6F2D592177}" type="datetimeFigureOut">
               <a:rPr lang="en-DE" smtClean="0"/>
-              <a:t>09/02/2020</a:t>
+              <a:t>09/03/2020</a:t>
             </a:fld>
             <a:endParaRPr lang="en-DE"/>
           </a:p>
@@ -1423,7 +1423,7 @@
           <a:p>
             <a:fld id="{41926A8E-B695-4DD9-BDA6-AB6F2D592177}" type="datetimeFigureOut">
               <a:rPr lang="en-DE" smtClean="0"/>
-              <a:t>09/02/2020</a:t>
+              <a:t>09/03/2020</a:t>
             </a:fld>
             <a:endParaRPr lang="en-DE"/>
           </a:p>
@@ -1838,7 +1838,7 @@
           <a:p>
             <a:fld id="{41926A8E-B695-4DD9-BDA6-AB6F2D592177}" type="datetimeFigureOut">
               <a:rPr lang="en-DE" smtClean="0"/>
-              <a:t>09/02/2020</a:t>
+              <a:t>09/03/2020</a:t>
             </a:fld>
             <a:endParaRPr lang="en-DE"/>
           </a:p>
@@ -1980,7 +1980,7 @@
           <a:p>
             <a:fld id="{41926A8E-B695-4DD9-BDA6-AB6F2D592177}" type="datetimeFigureOut">
               <a:rPr lang="en-DE" smtClean="0"/>
-              <a:t>09/02/2020</a:t>
+              <a:t>09/03/2020</a:t>
             </a:fld>
             <a:endParaRPr lang="en-DE"/>
           </a:p>
@@ -2093,7 +2093,7 @@
           <a:p>
             <a:fld id="{41926A8E-B695-4DD9-BDA6-AB6F2D592177}" type="datetimeFigureOut">
               <a:rPr lang="en-DE" smtClean="0"/>
-              <a:t>09/02/2020</a:t>
+              <a:t>09/03/2020</a:t>
             </a:fld>
             <a:endParaRPr lang="en-DE"/>
           </a:p>
@@ -2406,7 +2406,7 @@
           <a:p>
             <a:fld id="{41926A8E-B695-4DD9-BDA6-AB6F2D592177}" type="datetimeFigureOut">
               <a:rPr lang="en-DE" smtClean="0"/>
-              <a:t>09/02/2020</a:t>
+              <a:t>09/03/2020</a:t>
             </a:fld>
             <a:endParaRPr lang="en-DE"/>
           </a:p>
@@ -2695,7 +2695,7 @@
           <a:p>
             <a:fld id="{41926A8E-B695-4DD9-BDA6-AB6F2D592177}" type="datetimeFigureOut">
               <a:rPr lang="en-DE" smtClean="0"/>
-              <a:t>09/02/2020</a:t>
+              <a:t>09/03/2020</a:t>
             </a:fld>
             <a:endParaRPr lang="en-DE"/>
           </a:p>
@@ -2938,7 +2938,7 @@
           <a:p>
             <a:fld id="{41926A8E-B695-4DD9-BDA6-AB6F2D592177}" type="datetimeFigureOut">
               <a:rPr lang="en-DE" smtClean="0"/>
-              <a:t>09/02/2020</a:t>
+              <a:t>09/03/2020</a:t>
             </a:fld>
             <a:endParaRPr lang="en-DE"/>
           </a:p>
@@ -7156,10 +7156,10 @@
       </p:grpSpPr>
       <p:grpSp>
         <p:nvGrpSpPr>
-          <p:cNvPr id="107" name="Gruppieren 106">
+          <p:cNvPr id="72" name="Gruppieren 71">
             <a:extLst>
               <a:ext uri="{FF2B5EF4-FFF2-40B4-BE49-F238E27FC236}">
-                <a16:creationId xmlns:a16="http://schemas.microsoft.com/office/drawing/2014/main" id="{5244A4C2-EA80-41AD-9A57-C381EF8BF69D}"/>
+                <a16:creationId xmlns:a16="http://schemas.microsoft.com/office/drawing/2014/main" id="{3C872CD8-DE10-438C-83FC-AC300702AA75}"/>
               </a:ext>
             </a:extLst>
           </p:cNvPr>
@@ -7168,18 +7168,18 @@
         </p:nvGrpSpPr>
         <p:grpSpPr>
           <a:xfrm>
-            <a:off x="9940261" y="266941"/>
-            <a:ext cx="1219200" cy="1219199"/>
+            <a:off x="600538" y="2124711"/>
+            <a:ext cx="864001" cy="864000"/>
             <a:chOff x="1925186" y="900986"/>
             <a:chExt cx="1219200" cy="1219199"/>
           </a:xfrm>
         </p:grpSpPr>
         <p:sp>
           <p:nvSpPr>
-            <p:cNvPr id="108" name="Rechteck 107">
+            <p:cNvPr id="73" name="Rechteck 72">
               <a:extLst>
                 <a:ext uri="{FF2B5EF4-FFF2-40B4-BE49-F238E27FC236}">
-                  <a16:creationId xmlns:a16="http://schemas.microsoft.com/office/drawing/2014/main" id="{2E327F63-BDDB-422D-9661-3056CD343AFE}"/>
+                  <a16:creationId xmlns:a16="http://schemas.microsoft.com/office/drawing/2014/main" id="{BB1AA5AD-A6E2-4692-8A0B-A20105212182}"/>
                 </a:ext>
               </a:extLst>
             </p:cNvPr>
@@ -7224,33 +7224,21 @@
             <a:lstStyle/>
             <a:p>
               <a:pPr algn="ctr"/>
-              <a:r>
-                <a:rPr lang="de-DE" sz="2000" dirty="0">
-                  <a:solidFill>
-                    <a:srgbClr val="00D2FF"/>
-                  </a:solidFill>
-                  <a:latin typeface="Franklin Gothic Book" panose="020B0503020102020204" pitchFamily="34" charset="0"/>
-                </a:rPr>
-                <a:t>LIMPET</a:t>
-              </a:r>
-            </a:p>
-            <a:p>
-              <a:pPr algn="ctr"/>
-              <a:endParaRPr lang="de-DE" sz="2000" dirty="0">
+              <a:endParaRPr lang="de-DE" dirty="0">
                 <a:solidFill>
-                  <a:srgbClr val="00D2FF"/>
+                  <a:srgbClr val="FF8800"/>
                 </a:solidFill>
-                <a:latin typeface="Franklin Gothic Book" panose="020B0503020102020204" pitchFamily="34" charset="0"/>
+                <a:latin typeface="Euro Caps" pitchFamily="2" charset="0"/>
               </a:endParaRPr>
             </a:p>
           </p:txBody>
         </p:sp>
         <p:sp>
           <p:nvSpPr>
-            <p:cNvPr id="109" name="Rechteck 108">
+            <p:cNvPr id="74" name="Rechteck 73">
               <a:extLst>
                 <a:ext uri="{FF2B5EF4-FFF2-40B4-BE49-F238E27FC236}">
-                  <a16:creationId xmlns:a16="http://schemas.microsoft.com/office/drawing/2014/main" id="{3DFD9F34-EE71-4D45-9C0C-3AE63919CD60}"/>
+                  <a16:creationId xmlns:a16="http://schemas.microsoft.com/office/drawing/2014/main" id="{97D07696-5AAF-4BF3-996D-4053FE18DAC8}"/>
                 </a:ext>
               </a:extLst>
             </p:cNvPr>
@@ -7266,11 +7254,11 @@
               <a:avLst/>
             </a:prstGeom>
             <a:solidFill>
-              <a:srgbClr val="00D2FF"/>
+              <a:srgbClr val="804400"/>
             </a:solidFill>
             <a:ln>
               <a:solidFill>
-                <a:srgbClr val="00D2FF"/>
+                <a:srgbClr val="804400"/>
               </a:solidFill>
             </a:ln>
           </p:spPr>
@@ -7296,19 +7284,19 @@
             <a:p>
               <a:pPr algn="ctr"/>
               <a:r>
-                <a:rPr lang="de-DE" sz="2400" b="1" dirty="0">
+                <a:rPr lang="de-DE" b="1" dirty="0">
                   <a:solidFill>
                     <a:srgbClr val="000000"/>
                   </a:solidFill>
-                  <a:latin typeface="Franklin Gothic Book" panose="020B0503020102020204" pitchFamily="34" charset="0"/>
+                  <a:latin typeface="Euro Caps" pitchFamily="2" charset="0"/>
                 </a:rPr>
-                <a:t>STBY</a:t>
+                <a:t>MENU</a:t>
               </a:r>
-              <a:endParaRPr lang="en-DE" sz="2400" b="1" dirty="0">
+              <a:endParaRPr lang="en-DE" b="1" dirty="0">
                 <a:solidFill>
                   <a:srgbClr val="000000"/>
                 </a:solidFill>
-                <a:latin typeface="Franklin Gothic Book" panose="020B0503020102020204" pitchFamily="34" charset="0"/>
+                <a:latin typeface="Euro Caps" pitchFamily="2" charset="0"/>
               </a:endParaRPr>
             </a:p>
           </p:txBody>
@@ -7316,10 +7304,10 @@
       </p:grpSp>
       <p:grpSp>
         <p:nvGrpSpPr>
-          <p:cNvPr id="110" name="Gruppieren 109">
+          <p:cNvPr id="15" name="Gruppieren 14">
             <a:extLst>
               <a:ext uri="{FF2B5EF4-FFF2-40B4-BE49-F238E27FC236}">
-                <a16:creationId xmlns:a16="http://schemas.microsoft.com/office/drawing/2014/main" id="{4679AB17-E380-4B19-9726-CCFF48760093}"/>
+                <a16:creationId xmlns:a16="http://schemas.microsoft.com/office/drawing/2014/main" id="{97986085-F996-4FC0-9825-2F46F90BB2A6}"/>
               </a:ext>
             </a:extLst>
           </p:cNvPr>
@@ -7328,18 +7316,18 @@
         </p:nvGrpSpPr>
         <p:grpSpPr>
           <a:xfrm>
-            <a:off x="8585366" y="266941"/>
-            <a:ext cx="1219200" cy="1219199"/>
+            <a:off x="600538" y="810816"/>
+            <a:ext cx="864001" cy="864000"/>
             <a:chOff x="1925186" y="900986"/>
             <a:chExt cx="1219200" cy="1219199"/>
           </a:xfrm>
         </p:grpSpPr>
         <p:sp>
           <p:nvSpPr>
-            <p:cNvPr id="111" name="Rechteck 110">
+            <p:cNvPr id="17" name="Rechteck 16">
               <a:extLst>
                 <a:ext uri="{FF2B5EF4-FFF2-40B4-BE49-F238E27FC236}">
-                  <a16:creationId xmlns:a16="http://schemas.microsoft.com/office/drawing/2014/main" id="{1DD77CF0-9443-4050-8584-3F45298F64B7}"/>
+                  <a16:creationId xmlns:a16="http://schemas.microsoft.com/office/drawing/2014/main" id="{1CD2C911-EBE1-4417-A839-00F3207C22D6}"/>
                 </a:ext>
               </a:extLst>
             </p:cNvPr>
@@ -7384,38 +7372,21 @@
             <a:lstStyle/>
             <a:p>
               <a:pPr algn="ctr"/>
-              <a:r>
-                <a:rPr lang="de-DE" sz="2000" dirty="0">
-                  <a:solidFill>
-                    <a:srgbClr val="FF8800"/>
-                  </a:solidFill>
-                  <a:latin typeface="Franklin Gothic Book" panose="020B0503020102020204" pitchFamily="34" charset="0"/>
-                </a:rPr>
-                <a:t>LIMPET</a:t>
-              </a:r>
-              <a:br>
-                <a:rPr lang="de-DE" sz="2000" dirty="0">
-                  <a:solidFill>
-                    <a:srgbClr val="FF8800"/>
-                  </a:solidFill>
-                  <a:latin typeface="Franklin Gothic Book" panose="020B0503020102020204" pitchFamily="34" charset="0"/>
-                </a:rPr>
-              </a:br>
-              <a:endParaRPr lang="de-DE" sz="2000" dirty="0">
+              <a:endParaRPr lang="de-DE" dirty="0">
                 <a:solidFill>
                   <a:srgbClr val="FF8800"/>
                 </a:solidFill>
-                <a:latin typeface="Franklin Gothic Book" panose="020B0503020102020204" pitchFamily="34" charset="0"/>
+                <a:latin typeface="Euro Caps" pitchFamily="2" charset="0"/>
               </a:endParaRPr>
             </a:p>
           </p:txBody>
         </p:sp>
         <p:sp>
           <p:nvSpPr>
-            <p:cNvPr id="112" name="Rechteck 111">
+            <p:cNvPr id="18" name="Rechteck 17">
               <a:extLst>
                 <a:ext uri="{FF2B5EF4-FFF2-40B4-BE49-F238E27FC236}">
-                  <a16:creationId xmlns:a16="http://schemas.microsoft.com/office/drawing/2014/main" id="{D2129C0F-64C4-48A0-B8EC-BC1873010646}"/>
+                  <a16:creationId xmlns:a16="http://schemas.microsoft.com/office/drawing/2014/main" id="{BA4EEE27-B8F2-48B9-A8C6-2D489CF35101}"/>
                 </a:ext>
               </a:extLst>
             </p:cNvPr>
@@ -7461,30 +7432,66 @@
             <a:p>
               <a:pPr algn="ctr"/>
               <a:r>
-                <a:rPr lang="de-DE" sz="2400" b="1" dirty="0">
+                <a:rPr lang="de-DE" b="1" dirty="0">
                   <a:solidFill>
                     <a:srgbClr val="000000"/>
                   </a:solidFill>
-                  <a:latin typeface="Franklin Gothic Book" panose="020B0503020102020204" pitchFamily="34" charset="0"/>
+                  <a:latin typeface="Euro Caps" pitchFamily="2" charset="0"/>
                 </a:rPr>
-                <a:t>LOCK</a:t>
+                <a:t>MENU</a:t>
               </a:r>
-              <a:endParaRPr lang="en-DE" sz="2400" b="1" dirty="0">
+              <a:endParaRPr lang="en-DE" b="1" dirty="0">
                 <a:solidFill>
                   <a:srgbClr val="000000"/>
                 </a:solidFill>
-                <a:latin typeface="Franklin Gothic Book" panose="020B0503020102020204" pitchFamily="34" charset="0"/>
+                <a:latin typeface="Euro Caps" pitchFamily="2" charset="0"/>
               </a:endParaRPr>
             </a:p>
           </p:txBody>
         </p:sp>
       </p:grpSp>
+      <p:pic>
+        <p:nvPicPr>
+          <p:cNvPr id="4" name="Grafik 3">
+            <a:extLst>
+              <a:ext uri="{FF2B5EF4-FFF2-40B4-BE49-F238E27FC236}">
+                <a16:creationId xmlns:a16="http://schemas.microsoft.com/office/drawing/2014/main" id="{2B6C1093-5A03-4828-9BDE-CFE72492D69C}"/>
+              </a:ext>
+            </a:extLst>
+          </p:cNvPr>
+          <p:cNvPicPr>
+            <a:picLocks noChangeAspect="1"/>
+          </p:cNvPicPr>
+          <p:nvPr/>
+        </p:nvPicPr>
+        <p:blipFill>
+          <a:blip r:embed="rId2">
+            <a:extLst>
+              <a:ext uri="{28A0092B-C50C-407E-A947-70E740481C1C}">
+                <a14:useLocalDpi xmlns:a14="http://schemas.microsoft.com/office/drawing/2010/main" val="0"/>
+              </a:ext>
+            </a:extLst>
+          </a:blip>
+          <a:stretch>
+            <a:fillRect/>
+          </a:stretch>
+        </p:blipFill>
+        <p:spPr>
+          <a:xfrm>
+            <a:off x="770810" y="889609"/>
+            <a:ext cx="523455" cy="367146"/>
+          </a:xfrm>
+          <a:prstGeom prst="rect">
+            <a:avLst/>
+          </a:prstGeom>
+        </p:spPr>
+      </p:pic>
       <p:grpSp>
         <p:nvGrpSpPr>
-          <p:cNvPr id="113" name="Gruppieren 112">
+          <p:cNvPr id="22" name="Gruppieren 21">
             <a:extLst>
               <a:ext uri="{FF2B5EF4-FFF2-40B4-BE49-F238E27FC236}">
-                <a16:creationId xmlns:a16="http://schemas.microsoft.com/office/drawing/2014/main" id="{FFA48F38-5237-47FF-89B7-3AC76C8BCA27}"/>
+                <a16:creationId xmlns:a16="http://schemas.microsoft.com/office/drawing/2014/main" id="{83DD4CD9-5537-40E5-8F37-163D5E431C81}"/>
               </a:ext>
             </a:extLst>
           </p:cNvPr>
@@ -7493,18 +7500,18 @@
         </p:nvGrpSpPr>
         <p:grpSpPr>
           <a:xfrm>
-            <a:off x="9940261" y="1609092"/>
-            <a:ext cx="1219200" cy="1219199"/>
+            <a:off x="1600234" y="810816"/>
+            <a:ext cx="864001" cy="864000"/>
             <a:chOff x="1925186" y="900986"/>
             <a:chExt cx="1219200" cy="1219199"/>
           </a:xfrm>
         </p:grpSpPr>
         <p:sp>
           <p:nvSpPr>
-            <p:cNvPr id="114" name="Rechteck 113">
+            <p:cNvPr id="23" name="Rechteck 22">
               <a:extLst>
                 <a:ext uri="{FF2B5EF4-FFF2-40B4-BE49-F238E27FC236}">
-                  <a16:creationId xmlns:a16="http://schemas.microsoft.com/office/drawing/2014/main" id="{BACA1F72-D616-4D8B-86AD-F32B6541396C}"/>
+                  <a16:creationId xmlns:a16="http://schemas.microsoft.com/office/drawing/2014/main" id="{29DE2701-4A42-4A81-9664-C9AECADFE298}"/>
                 </a:ext>
               </a:extLst>
             </p:cNvPr>
@@ -7549,33 +7556,21 @@
             <a:lstStyle/>
             <a:p>
               <a:pPr algn="ctr"/>
-              <a:r>
-                <a:rPr lang="de-DE" sz="2000" dirty="0">
-                  <a:solidFill>
-                    <a:srgbClr val="00D2FF"/>
-                  </a:solidFill>
-                  <a:latin typeface="Franklin Gothic Book" panose="020B0503020102020204" pitchFamily="34" charset="0"/>
-                </a:rPr>
-                <a:t>PROBE</a:t>
-              </a:r>
-            </a:p>
-            <a:p>
-              <a:pPr algn="ctr"/>
-              <a:endParaRPr lang="de-DE" sz="2000" dirty="0">
+              <a:endParaRPr lang="de-DE" dirty="0">
                 <a:solidFill>
-                  <a:srgbClr val="00D2FF"/>
+                  <a:srgbClr val="FF8800"/>
                 </a:solidFill>
-                <a:latin typeface="Franklin Gothic Book" panose="020B0503020102020204" pitchFamily="34" charset="0"/>
+                <a:latin typeface="Euro Caps" pitchFamily="2" charset="0"/>
               </a:endParaRPr>
             </a:p>
           </p:txBody>
         </p:sp>
         <p:sp>
           <p:nvSpPr>
-            <p:cNvPr id="115" name="Rechteck 114">
+            <p:cNvPr id="24" name="Rechteck 23">
               <a:extLst>
                 <a:ext uri="{FF2B5EF4-FFF2-40B4-BE49-F238E27FC236}">
-                  <a16:creationId xmlns:a16="http://schemas.microsoft.com/office/drawing/2014/main" id="{71C14A6A-A7F3-4313-8F1E-F5DBFBFEBAD1}"/>
+                  <a16:creationId xmlns:a16="http://schemas.microsoft.com/office/drawing/2014/main" id="{1662DFA8-CADB-4FEA-89BF-E7AF803DFC1F}"/>
                 </a:ext>
               </a:extLst>
             </p:cNvPr>
@@ -7591,11 +7586,11 @@
               <a:avLst/>
             </a:prstGeom>
             <a:solidFill>
-              <a:srgbClr val="00D2FF"/>
+              <a:srgbClr val="804400"/>
             </a:solidFill>
             <a:ln>
               <a:solidFill>
-                <a:srgbClr val="00D2FF"/>
+                <a:srgbClr val="804400"/>
               </a:solidFill>
             </a:ln>
           </p:spPr>
@@ -7621,30 +7616,66 @@
             <a:p>
               <a:pPr algn="ctr"/>
               <a:r>
-                <a:rPr lang="de-DE" sz="2400" b="1" dirty="0">
+                <a:rPr lang="de-DE" b="1" dirty="0">
                   <a:solidFill>
                     <a:srgbClr val="000000"/>
                   </a:solidFill>
-                  <a:latin typeface="Franklin Gothic Book" panose="020B0503020102020204" pitchFamily="34" charset="0"/>
+                  <a:latin typeface="Euro Caps" pitchFamily="2" charset="0"/>
                 </a:rPr>
-                <a:t>STBY</a:t>
+                <a:t>MENU</a:t>
               </a:r>
-              <a:endParaRPr lang="en-DE" sz="2400" b="1" dirty="0">
+              <a:endParaRPr lang="en-DE" b="1" dirty="0">
                 <a:solidFill>
                   <a:srgbClr val="000000"/>
                 </a:solidFill>
-                <a:latin typeface="Franklin Gothic Book" panose="020B0503020102020204" pitchFamily="34" charset="0"/>
+                <a:latin typeface="Euro Caps" pitchFamily="2" charset="0"/>
               </a:endParaRPr>
             </a:p>
           </p:txBody>
         </p:sp>
       </p:grpSp>
+      <p:pic>
+        <p:nvPicPr>
+          <p:cNvPr id="6" name="Grafik 5">
+            <a:extLst>
+              <a:ext uri="{FF2B5EF4-FFF2-40B4-BE49-F238E27FC236}">
+                <a16:creationId xmlns:a16="http://schemas.microsoft.com/office/drawing/2014/main" id="{111F08C7-9D55-4ACC-A212-DABA94C2DD0C}"/>
+              </a:ext>
+            </a:extLst>
+          </p:cNvPr>
+          <p:cNvPicPr>
+            <a:picLocks noChangeAspect="1"/>
+          </p:cNvPicPr>
+          <p:nvPr/>
+        </p:nvPicPr>
+        <p:blipFill>
+          <a:blip r:embed="rId3">
+            <a:extLst>
+              <a:ext uri="{28A0092B-C50C-407E-A947-70E740481C1C}">
+                <a14:useLocalDpi xmlns:a14="http://schemas.microsoft.com/office/drawing/2010/main" val="0"/>
+              </a:ext>
+            </a:extLst>
+          </a:blip>
+          <a:stretch>
+            <a:fillRect/>
+          </a:stretch>
+        </p:blipFill>
+        <p:spPr>
+          <a:xfrm>
+            <a:off x="1863958" y="889609"/>
+            <a:ext cx="336551" cy="367146"/>
+          </a:xfrm>
+          <a:prstGeom prst="rect">
+            <a:avLst/>
+          </a:prstGeom>
+        </p:spPr>
+      </p:pic>
       <p:grpSp>
         <p:nvGrpSpPr>
-          <p:cNvPr id="116" name="Gruppieren 115">
+          <p:cNvPr id="32" name="Gruppieren 31">
             <a:extLst>
               <a:ext uri="{FF2B5EF4-FFF2-40B4-BE49-F238E27FC236}">
-                <a16:creationId xmlns:a16="http://schemas.microsoft.com/office/drawing/2014/main" id="{BE62D9BC-4142-46E8-B309-6DA11953C9B9}"/>
+                <a16:creationId xmlns:a16="http://schemas.microsoft.com/office/drawing/2014/main" id="{E4AABC5E-3AD8-4ACC-AEA3-06669E8EFF46}"/>
               </a:ext>
             </a:extLst>
           </p:cNvPr>
@@ -7653,18 +7684,18 @@
         </p:nvGrpSpPr>
         <p:grpSpPr>
           <a:xfrm>
-            <a:off x="8585366" y="1609092"/>
-            <a:ext cx="1219200" cy="1219199"/>
+            <a:off x="2599930" y="810816"/>
+            <a:ext cx="864001" cy="864000"/>
             <a:chOff x="1925186" y="900986"/>
             <a:chExt cx="1219200" cy="1219199"/>
           </a:xfrm>
         </p:grpSpPr>
         <p:sp>
           <p:nvSpPr>
-            <p:cNvPr id="117" name="Rechteck 116">
+            <p:cNvPr id="33" name="Rechteck 32">
               <a:extLst>
                 <a:ext uri="{FF2B5EF4-FFF2-40B4-BE49-F238E27FC236}">
-                  <a16:creationId xmlns:a16="http://schemas.microsoft.com/office/drawing/2014/main" id="{02B7A8F8-1481-45E5-8612-849A7C58B2D7}"/>
+                  <a16:creationId xmlns:a16="http://schemas.microsoft.com/office/drawing/2014/main" id="{FA39FA45-6BDD-46E0-857E-4A4FD75FFA4B}"/>
                 </a:ext>
               </a:extLst>
             </p:cNvPr>
@@ -7709,38 +7740,21 @@
             <a:lstStyle/>
             <a:p>
               <a:pPr algn="ctr"/>
-              <a:r>
-                <a:rPr lang="de-DE" sz="2000" dirty="0">
-                  <a:solidFill>
-                    <a:srgbClr val="FF8800"/>
-                  </a:solidFill>
-                  <a:latin typeface="Franklin Gothic Book" panose="020B0503020102020204" pitchFamily="34" charset="0"/>
-                </a:rPr>
-                <a:t>PROBE</a:t>
-              </a:r>
-              <a:br>
-                <a:rPr lang="de-DE" sz="2000" dirty="0">
-                  <a:solidFill>
-                    <a:srgbClr val="FF8800"/>
-                  </a:solidFill>
-                  <a:latin typeface="Franklin Gothic Book" panose="020B0503020102020204" pitchFamily="34" charset="0"/>
-                </a:rPr>
-              </a:br>
-              <a:endParaRPr lang="de-DE" sz="2000" dirty="0">
+              <a:endParaRPr lang="de-DE" dirty="0">
                 <a:solidFill>
                   <a:srgbClr val="FF8800"/>
                 </a:solidFill>
-                <a:latin typeface="Franklin Gothic Book" panose="020B0503020102020204" pitchFamily="34" charset="0"/>
+                <a:latin typeface="Euro Caps" pitchFamily="2" charset="0"/>
               </a:endParaRPr>
             </a:p>
           </p:txBody>
         </p:sp>
         <p:sp>
           <p:nvSpPr>
-            <p:cNvPr id="118" name="Rechteck 117">
+            <p:cNvPr id="34" name="Rechteck 33">
               <a:extLst>
                 <a:ext uri="{FF2B5EF4-FFF2-40B4-BE49-F238E27FC236}">
-                  <a16:creationId xmlns:a16="http://schemas.microsoft.com/office/drawing/2014/main" id="{AF0553DD-CBC5-4FE6-9455-578A5D9C8142}"/>
+                  <a16:creationId xmlns:a16="http://schemas.microsoft.com/office/drawing/2014/main" id="{11B2929A-2D94-429F-B8FD-0BECB95FFABB}"/>
                 </a:ext>
               </a:extLst>
             </p:cNvPr>
@@ -7786,24 +7800,2632 @@
             <a:p>
               <a:pPr algn="ctr"/>
               <a:r>
-                <a:rPr lang="de-DE" sz="2400" b="1" dirty="0">
+                <a:rPr lang="de-DE" b="1" dirty="0">
                   <a:solidFill>
                     <a:srgbClr val="000000"/>
                   </a:solidFill>
-                  <a:latin typeface="Franklin Gothic Book" panose="020B0503020102020204" pitchFamily="34" charset="0"/>
+                  <a:latin typeface="Euro Caps" pitchFamily="2" charset="0"/>
                 </a:rPr>
-                <a:t>LOCK</a:t>
+                <a:t>MENU</a:t>
               </a:r>
-              <a:endParaRPr lang="en-DE" sz="2400" b="1" dirty="0">
+              <a:endParaRPr lang="en-DE" b="1" dirty="0">
                 <a:solidFill>
                   <a:srgbClr val="000000"/>
                 </a:solidFill>
-                <a:latin typeface="Franklin Gothic Book" panose="020B0503020102020204" pitchFamily="34" charset="0"/>
+                <a:latin typeface="Euro Caps" pitchFamily="2" charset="0"/>
               </a:endParaRPr>
             </a:p>
           </p:txBody>
         </p:sp>
       </p:grpSp>
+      <p:pic>
+        <p:nvPicPr>
+          <p:cNvPr id="8" name="Grafik 7">
+            <a:extLst>
+              <a:ext uri="{FF2B5EF4-FFF2-40B4-BE49-F238E27FC236}">
+                <a16:creationId xmlns:a16="http://schemas.microsoft.com/office/drawing/2014/main" id="{9EE2245D-8C2F-4B34-87B0-CEDC59AD38D7}"/>
+              </a:ext>
+            </a:extLst>
+          </p:cNvPr>
+          <p:cNvPicPr>
+            <a:picLocks noChangeAspect="1"/>
+          </p:cNvPicPr>
+          <p:nvPr/>
+        </p:nvPicPr>
+        <p:blipFill>
+          <a:blip r:embed="rId4">
+            <a:extLst>
+              <a:ext uri="{28A0092B-C50C-407E-A947-70E740481C1C}">
+                <a14:useLocalDpi xmlns:a14="http://schemas.microsoft.com/office/drawing/2010/main" val="0"/>
+              </a:ext>
+            </a:extLst>
+          </a:blip>
+          <a:stretch>
+            <a:fillRect/>
+          </a:stretch>
+        </p:blipFill>
+        <p:spPr>
+          <a:xfrm>
+            <a:off x="2770477" y="905303"/>
+            <a:ext cx="522906" cy="319554"/>
+          </a:xfrm>
+          <a:prstGeom prst="rect">
+            <a:avLst/>
+          </a:prstGeom>
+        </p:spPr>
+      </p:pic>
+      <p:grpSp>
+        <p:nvGrpSpPr>
+          <p:cNvPr id="38" name="Gruppieren 37">
+            <a:extLst>
+              <a:ext uri="{FF2B5EF4-FFF2-40B4-BE49-F238E27FC236}">
+                <a16:creationId xmlns:a16="http://schemas.microsoft.com/office/drawing/2014/main" id="{F862A687-D1F7-475C-BBEE-50DD627A72E9}"/>
+              </a:ext>
+            </a:extLst>
+          </p:cNvPr>
+          <p:cNvGrpSpPr/>
+          <p:nvPr/>
+        </p:nvGrpSpPr>
+        <p:grpSpPr>
+          <a:xfrm>
+            <a:off x="3593023" y="810816"/>
+            <a:ext cx="864001" cy="864000"/>
+            <a:chOff x="1925186" y="900986"/>
+            <a:chExt cx="1219200" cy="1219199"/>
+          </a:xfrm>
+        </p:grpSpPr>
+        <p:sp>
+          <p:nvSpPr>
+            <p:cNvPr id="39" name="Rechteck 38">
+              <a:extLst>
+                <a:ext uri="{FF2B5EF4-FFF2-40B4-BE49-F238E27FC236}">
+                  <a16:creationId xmlns:a16="http://schemas.microsoft.com/office/drawing/2014/main" id="{59D16431-AF4C-433D-ACC8-BBB8202AF12F}"/>
+                </a:ext>
+              </a:extLst>
+            </p:cNvPr>
+            <p:cNvSpPr/>
+            <p:nvPr/>
+          </p:nvSpPr>
+          <p:spPr>
+            <a:xfrm>
+              <a:off x="1925186" y="900986"/>
+              <a:ext cx="1219200" cy="732552"/>
+            </a:xfrm>
+            <a:prstGeom prst="rect">
+              <a:avLst/>
+            </a:prstGeom>
+            <a:solidFill>
+              <a:srgbClr val="000000"/>
+            </a:solidFill>
+            <a:ln>
+              <a:solidFill>
+                <a:schemeClr val="tx1"/>
+              </a:solidFill>
+            </a:ln>
+          </p:spPr>
+          <p:style>
+            <a:lnRef idx="2">
+              <a:schemeClr val="accent1">
+                <a:shade val="50000"/>
+              </a:schemeClr>
+            </a:lnRef>
+            <a:fillRef idx="1">
+              <a:schemeClr val="accent1"/>
+            </a:fillRef>
+            <a:effectRef idx="0">
+              <a:schemeClr val="accent1"/>
+            </a:effectRef>
+            <a:fontRef idx="minor">
+              <a:schemeClr val="lt1"/>
+            </a:fontRef>
+          </p:style>
+          <p:txBody>
+            <a:bodyPr rtlCol="0" anchor="ctr"/>
+            <a:lstStyle/>
+            <a:p>
+              <a:pPr algn="ctr"/>
+              <a:endParaRPr lang="de-DE" dirty="0">
+                <a:solidFill>
+                  <a:srgbClr val="FF8800"/>
+                </a:solidFill>
+                <a:latin typeface="Euro Caps" pitchFamily="2" charset="0"/>
+              </a:endParaRPr>
+            </a:p>
+          </p:txBody>
+        </p:sp>
+        <p:sp>
+          <p:nvSpPr>
+            <p:cNvPr id="40" name="Rechteck 39">
+              <a:extLst>
+                <a:ext uri="{FF2B5EF4-FFF2-40B4-BE49-F238E27FC236}">
+                  <a16:creationId xmlns:a16="http://schemas.microsoft.com/office/drawing/2014/main" id="{D7C051F0-0C8E-4996-96D7-6F06BE6D7760}"/>
+                </a:ext>
+              </a:extLst>
+            </p:cNvPr>
+            <p:cNvSpPr/>
+            <p:nvPr/>
+          </p:nvSpPr>
+          <p:spPr>
+            <a:xfrm>
+              <a:off x="1925186" y="1633538"/>
+              <a:ext cx="1219200" cy="486647"/>
+            </a:xfrm>
+            <a:prstGeom prst="rect">
+              <a:avLst/>
+            </a:prstGeom>
+            <a:solidFill>
+              <a:srgbClr val="804400"/>
+            </a:solidFill>
+            <a:ln>
+              <a:solidFill>
+                <a:srgbClr val="804400"/>
+              </a:solidFill>
+            </a:ln>
+          </p:spPr>
+          <p:style>
+            <a:lnRef idx="2">
+              <a:schemeClr val="accent1">
+                <a:shade val="50000"/>
+              </a:schemeClr>
+            </a:lnRef>
+            <a:fillRef idx="1">
+              <a:schemeClr val="accent1"/>
+            </a:fillRef>
+            <a:effectRef idx="0">
+              <a:schemeClr val="accent1"/>
+            </a:effectRef>
+            <a:fontRef idx="minor">
+              <a:schemeClr val="lt1"/>
+            </a:fontRef>
+          </p:style>
+          <p:txBody>
+            <a:bodyPr rtlCol="0" anchor="ctr"/>
+            <a:lstStyle/>
+            <a:p>
+              <a:pPr algn="ctr"/>
+              <a:r>
+                <a:rPr lang="de-DE" b="1" dirty="0">
+                  <a:solidFill>
+                    <a:srgbClr val="000000"/>
+                  </a:solidFill>
+                  <a:latin typeface="Euro Caps" pitchFamily="2" charset="0"/>
+                </a:rPr>
+                <a:t>MENU</a:t>
+              </a:r>
+              <a:endParaRPr lang="en-DE" b="1" dirty="0">
+                <a:solidFill>
+                  <a:srgbClr val="000000"/>
+                </a:solidFill>
+                <a:latin typeface="Euro Caps" pitchFamily="2" charset="0"/>
+              </a:endParaRPr>
+            </a:p>
+          </p:txBody>
+        </p:sp>
+      </p:grpSp>
+      <p:pic>
+        <p:nvPicPr>
+          <p:cNvPr id="10" name="Grafik 9">
+            <a:extLst>
+              <a:ext uri="{FF2B5EF4-FFF2-40B4-BE49-F238E27FC236}">
+                <a16:creationId xmlns:a16="http://schemas.microsoft.com/office/drawing/2014/main" id="{C5ED9CE7-9020-47FF-A319-59406B9A4919}"/>
+              </a:ext>
+            </a:extLst>
+          </p:cNvPr>
+          <p:cNvPicPr>
+            <a:picLocks noChangeAspect="1"/>
+          </p:cNvPicPr>
+          <p:nvPr/>
+        </p:nvPicPr>
+        <p:blipFill>
+          <a:blip r:embed="rId5">
+            <a:extLst>
+              <a:ext uri="{28A0092B-C50C-407E-A947-70E740481C1C}">
+                <a14:useLocalDpi xmlns:a14="http://schemas.microsoft.com/office/drawing/2010/main" val="0"/>
+              </a:ext>
+            </a:extLst>
+          </a:blip>
+          <a:stretch>
+            <a:fillRect/>
+          </a:stretch>
+        </p:blipFill>
+        <p:spPr>
+          <a:xfrm>
+            <a:off x="3763295" y="867798"/>
+            <a:ext cx="523455" cy="410767"/>
+          </a:xfrm>
+          <a:prstGeom prst="rect">
+            <a:avLst/>
+          </a:prstGeom>
+        </p:spPr>
+      </p:pic>
+      <p:grpSp>
+        <p:nvGrpSpPr>
+          <p:cNvPr id="44" name="Gruppieren 43">
+            <a:extLst>
+              <a:ext uri="{FF2B5EF4-FFF2-40B4-BE49-F238E27FC236}">
+                <a16:creationId xmlns:a16="http://schemas.microsoft.com/office/drawing/2014/main" id="{F2DC117F-7D01-442D-BC7B-A83962CF2179}"/>
+              </a:ext>
+            </a:extLst>
+          </p:cNvPr>
+          <p:cNvGrpSpPr/>
+          <p:nvPr/>
+        </p:nvGrpSpPr>
+        <p:grpSpPr>
+          <a:xfrm>
+            <a:off x="4586116" y="810816"/>
+            <a:ext cx="864001" cy="864000"/>
+            <a:chOff x="1925186" y="900986"/>
+            <a:chExt cx="1219200" cy="1219199"/>
+          </a:xfrm>
+        </p:grpSpPr>
+        <p:sp>
+          <p:nvSpPr>
+            <p:cNvPr id="45" name="Rechteck 44">
+              <a:extLst>
+                <a:ext uri="{FF2B5EF4-FFF2-40B4-BE49-F238E27FC236}">
+                  <a16:creationId xmlns:a16="http://schemas.microsoft.com/office/drawing/2014/main" id="{2EC26E97-2B09-468E-9AA5-8CADF6AF8D58}"/>
+                </a:ext>
+              </a:extLst>
+            </p:cNvPr>
+            <p:cNvSpPr/>
+            <p:nvPr/>
+          </p:nvSpPr>
+          <p:spPr>
+            <a:xfrm>
+              <a:off x="1925186" y="900986"/>
+              <a:ext cx="1219200" cy="732552"/>
+            </a:xfrm>
+            <a:prstGeom prst="rect">
+              <a:avLst/>
+            </a:prstGeom>
+            <a:solidFill>
+              <a:srgbClr val="000000"/>
+            </a:solidFill>
+            <a:ln>
+              <a:solidFill>
+                <a:schemeClr val="tx1"/>
+              </a:solidFill>
+            </a:ln>
+          </p:spPr>
+          <p:style>
+            <a:lnRef idx="2">
+              <a:schemeClr val="accent1">
+                <a:shade val="50000"/>
+              </a:schemeClr>
+            </a:lnRef>
+            <a:fillRef idx="1">
+              <a:schemeClr val="accent1"/>
+            </a:fillRef>
+            <a:effectRef idx="0">
+              <a:schemeClr val="accent1"/>
+            </a:effectRef>
+            <a:fontRef idx="minor">
+              <a:schemeClr val="lt1"/>
+            </a:fontRef>
+          </p:style>
+          <p:txBody>
+            <a:bodyPr rtlCol="0" anchor="ctr"/>
+            <a:lstStyle/>
+            <a:p>
+              <a:pPr algn="ctr"/>
+              <a:endParaRPr lang="de-DE" dirty="0">
+                <a:solidFill>
+                  <a:srgbClr val="FF8800"/>
+                </a:solidFill>
+                <a:latin typeface="Euro Caps" pitchFamily="2" charset="0"/>
+              </a:endParaRPr>
+            </a:p>
+          </p:txBody>
+        </p:sp>
+        <p:sp>
+          <p:nvSpPr>
+            <p:cNvPr id="46" name="Rechteck 45">
+              <a:extLst>
+                <a:ext uri="{FF2B5EF4-FFF2-40B4-BE49-F238E27FC236}">
+                  <a16:creationId xmlns:a16="http://schemas.microsoft.com/office/drawing/2014/main" id="{5172E335-E2BA-49C0-8B86-454400A97728}"/>
+                </a:ext>
+              </a:extLst>
+            </p:cNvPr>
+            <p:cNvSpPr/>
+            <p:nvPr/>
+          </p:nvSpPr>
+          <p:spPr>
+            <a:xfrm>
+              <a:off x="1925186" y="1633538"/>
+              <a:ext cx="1219200" cy="486647"/>
+            </a:xfrm>
+            <a:prstGeom prst="rect">
+              <a:avLst/>
+            </a:prstGeom>
+            <a:solidFill>
+              <a:srgbClr val="804400"/>
+            </a:solidFill>
+            <a:ln>
+              <a:solidFill>
+                <a:srgbClr val="804400"/>
+              </a:solidFill>
+            </a:ln>
+          </p:spPr>
+          <p:style>
+            <a:lnRef idx="2">
+              <a:schemeClr val="accent1">
+                <a:shade val="50000"/>
+              </a:schemeClr>
+            </a:lnRef>
+            <a:fillRef idx="1">
+              <a:schemeClr val="accent1"/>
+            </a:fillRef>
+            <a:effectRef idx="0">
+              <a:schemeClr val="accent1"/>
+            </a:effectRef>
+            <a:fontRef idx="minor">
+              <a:schemeClr val="lt1"/>
+            </a:fontRef>
+          </p:style>
+          <p:txBody>
+            <a:bodyPr rtlCol="0" anchor="ctr"/>
+            <a:lstStyle/>
+            <a:p>
+              <a:pPr algn="ctr"/>
+              <a:r>
+                <a:rPr lang="de-DE" b="1" dirty="0">
+                  <a:solidFill>
+                    <a:srgbClr val="000000"/>
+                  </a:solidFill>
+                  <a:latin typeface="Euro Caps" pitchFamily="2" charset="0"/>
+                </a:rPr>
+                <a:t>MENU</a:t>
+              </a:r>
+              <a:endParaRPr lang="en-DE" b="1" dirty="0">
+                <a:solidFill>
+                  <a:srgbClr val="000000"/>
+                </a:solidFill>
+                <a:latin typeface="Euro Caps" pitchFamily="2" charset="0"/>
+              </a:endParaRPr>
+            </a:p>
+          </p:txBody>
+        </p:sp>
+      </p:grpSp>
+      <p:pic>
+        <p:nvPicPr>
+          <p:cNvPr id="12" name="Grafik 11">
+            <a:extLst>
+              <a:ext uri="{FF2B5EF4-FFF2-40B4-BE49-F238E27FC236}">
+                <a16:creationId xmlns:a16="http://schemas.microsoft.com/office/drawing/2014/main" id="{4C93E8C8-BE65-46B4-B308-00BDBFDC7A66}"/>
+              </a:ext>
+            </a:extLst>
+          </p:cNvPr>
+          <p:cNvPicPr>
+            <a:picLocks noChangeAspect="1"/>
+          </p:cNvPicPr>
+          <p:nvPr/>
+        </p:nvPicPr>
+        <p:blipFill>
+          <a:blip r:embed="rId6">
+            <a:extLst>
+              <a:ext uri="{28A0092B-C50C-407E-A947-70E740481C1C}">
+                <a14:useLocalDpi xmlns:a14="http://schemas.microsoft.com/office/drawing/2010/main" val="0"/>
+              </a:ext>
+            </a:extLst>
+          </a:blip>
+          <a:stretch>
+            <a:fillRect/>
+          </a:stretch>
+        </p:blipFill>
+        <p:spPr>
+          <a:xfrm>
+            <a:off x="4756663" y="971505"/>
+            <a:ext cx="522906" cy="203352"/>
+          </a:xfrm>
+          <a:prstGeom prst="rect">
+            <a:avLst/>
+          </a:prstGeom>
+        </p:spPr>
+      </p:pic>
+      <p:grpSp>
+        <p:nvGrpSpPr>
+          <p:cNvPr id="50" name="Gruppieren 49">
+            <a:extLst>
+              <a:ext uri="{FF2B5EF4-FFF2-40B4-BE49-F238E27FC236}">
+                <a16:creationId xmlns:a16="http://schemas.microsoft.com/office/drawing/2014/main" id="{BDDB326A-6983-4ABB-83A4-FC23952F713F}"/>
+              </a:ext>
+            </a:extLst>
+          </p:cNvPr>
+          <p:cNvGrpSpPr/>
+          <p:nvPr/>
+        </p:nvGrpSpPr>
+        <p:grpSpPr>
+          <a:xfrm>
+            <a:off x="5579209" y="810816"/>
+            <a:ext cx="864001" cy="864000"/>
+            <a:chOff x="1925186" y="900986"/>
+            <a:chExt cx="1219200" cy="1219199"/>
+          </a:xfrm>
+        </p:grpSpPr>
+        <p:sp>
+          <p:nvSpPr>
+            <p:cNvPr id="51" name="Rechteck 50">
+              <a:extLst>
+                <a:ext uri="{FF2B5EF4-FFF2-40B4-BE49-F238E27FC236}">
+                  <a16:creationId xmlns:a16="http://schemas.microsoft.com/office/drawing/2014/main" id="{D67A36BF-6B5D-4024-8C65-2787367EF11E}"/>
+                </a:ext>
+              </a:extLst>
+            </p:cNvPr>
+            <p:cNvSpPr/>
+            <p:nvPr/>
+          </p:nvSpPr>
+          <p:spPr>
+            <a:xfrm>
+              <a:off x="1925186" y="900986"/>
+              <a:ext cx="1219200" cy="732552"/>
+            </a:xfrm>
+            <a:prstGeom prst="rect">
+              <a:avLst/>
+            </a:prstGeom>
+            <a:solidFill>
+              <a:srgbClr val="000000"/>
+            </a:solidFill>
+            <a:ln>
+              <a:solidFill>
+                <a:schemeClr val="tx1"/>
+              </a:solidFill>
+            </a:ln>
+          </p:spPr>
+          <p:style>
+            <a:lnRef idx="2">
+              <a:schemeClr val="accent1">
+                <a:shade val="50000"/>
+              </a:schemeClr>
+            </a:lnRef>
+            <a:fillRef idx="1">
+              <a:schemeClr val="accent1"/>
+            </a:fillRef>
+            <a:effectRef idx="0">
+              <a:schemeClr val="accent1"/>
+            </a:effectRef>
+            <a:fontRef idx="minor">
+              <a:schemeClr val="lt1"/>
+            </a:fontRef>
+          </p:style>
+          <p:txBody>
+            <a:bodyPr rtlCol="0" anchor="ctr"/>
+            <a:lstStyle/>
+            <a:p>
+              <a:pPr algn="ctr"/>
+              <a:endParaRPr lang="de-DE" dirty="0">
+                <a:solidFill>
+                  <a:srgbClr val="FF8800"/>
+                </a:solidFill>
+                <a:latin typeface="Euro Caps" pitchFamily="2" charset="0"/>
+              </a:endParaRPr>
+            </a:p>
+          </p:txBody>
+        </p:sp>
+        <p:sp>
+          <p:nvSpPr>
+            <p:cNvPr id="52" name="Rechteck 51">
+              <a:extLst>
+                <a:ext uri="{FF2B5EF4-FFF2-40B4-BE49-F238E27FC236}">
+                  <a16:creationId xmlns:a16="http://schemas.microsoft.com/office/drawing/2014/main" id="{EFC50FC7-2CD8-496C-9545-3C18CDB32F76}"/>
+                </a:ext>
+              </a:extLst>
+            </p:cNvPr>
+            <p:cNvSpPr/>
+            <p:nvPr/>
+          </p:nvSpPr>
+          <p:spPr>
+            <a:xfrm>
+              <a:off x="1925186" y="1633538"/>
+              <a:ext cx="1219200" cy="486647"/>
+            </a:xfrm>
+            <a:prstGeom prst="rect">
+              <a:avLst/>
+            </a:prstGeom>
+            <a:solidFill>
+              <a:srgbClr val="804400"/>
+            </a:solidFill>
+            <a:ln>
+              <a:solidFill>
+                <a:srgbClr val="804400"/>
+              </a:solidFill>
+            </a:ln>
+          </p:spPr>
+          <p:style>
+            <a:lnRef idx="2">
+              <a:schemeClr val="accent1">
+                <a:shade val="50000"/>
+              </a:schemeClr>
+            </a:lnRef>
+            <a:fillRef idx="1">
+              <a:schemeClr val="accent1"/>
+            </a:fillRef>
+            <a:effectRef idx="0">
+              <a:schemeClr val="accent1"/>
+            </a:effectRef>
+            <a:fontRef idx="minor">
+              <a:schemeClr val="lt1"/>
+            </a:fontRef>
+          </p:style>
+          <p:txBody>
+            <a:bodyPr rtlCol="0" anchor="ctr"/>
+            <a:lstStyle/>
+            <a:p>
+              <a:pPr algn="ctr"/>
+              <a:r>
+                <a:rPr lang="de-DE" b="1" dirty="0">
+                  <a:solidFill>
+                    <a:srgbClr val="000000"/>
+                  </a:solidFill>
+                  <a:latin typeface="Euro Caps" pitchFamily="2" charset="0"/>
+                </a:rPr>
+                <a:t>MENU</a:t>
+              </a:r>
+              <a:endParaRPr lang="en-DE" b="1" dirty="0">
+                <a:solidFill>
+                  <a:srgbClr val="000000"/>
+                </a:solidFill>
+                <a:latin typeface="Euro Caps" pitchFamily="2" charset="0"/>
+              </a:endParaRPr>
+            </a:p>
+          </p:txBody>
+        </p:sp>
+      </p:grpSp>
+      <p:pic>
+        <p:nvPicPr>
+          <p:cNvPr id="19" name="Grafik 18">
+            <a:extLst>
+              <a:ext uri="{FF2B5EF4-FFF2-40B4-BE49-F238E27FC236}">
+                <a16:creationId xmlns:a16="http://schemas.microsoft.com/office/drawing/2014/main" id="{9B9C754D-C233-4F36-8315-AD07C4CF202E}"/>
+              </a:ext>
+            </a:extLst>
+          </p:cNvPr>
+          <p:cNvPicPr>
+            <a:picLocks noChangeAspect="1"/>
+          </p:cNvPicPr>
+          <p:nvPr/>
+        </p:nvPicPr>
+        <p:blipFill>
+          <a:blip r:embed="rId7">
+            <a:extLst>
+              <a:ext uri="{28A0092B-C50C-407E-A947-70E740481C1C}">
+                <a14:useLocalDpi xmlns:a14="http://schemas.microsoft.com/office/drawing/2010/main" val="0"/>
+              </a:ext>
+            </a:extLst>
+          </a:blip>
+          <a:stretch>
+            <a:fillRect/>
+          </a:stretch>
+        </p:blipFill>
+        <p:spPr>
+          <a:xfrm flipV="1">
+            <a:off x="5749756" y="1018711"/>
+            <a:ext cx="522906" cy="108939"/>
+          </a:xfrm>
+          <a:prstGeom prst="rect">
+            <a:avLst/>
+          </a:prstGeom>
+        </p:spPr>
+      </p:pic>
+      <p:grpSp>
+        <p:nvGrpSpPr>
+          <p:cNvPr id="56" name="Gruppieren 55">
+            <a:extLst>
+              <a:ext uri="{FF2B5EF4-FFF2-40B4-BE49-F238E27FC236}">
+                <a16:creationId xmlns:a16="http://schemas.microsoft.com/office/drawing/2014/main" id="{AEAEE1DF-23F7-43DB-AD2D-C08AE37FAC38}"/>
+              </a:ext>
+            </a:extLst>
+          </p:cNvPr>
+          <p:cNvGrpSpPr/>
+          <p:nvPr/>
+        </p:nvGrpSpPr>
+        <p:grpSpPr>
+          <a:xfrm>
+            <a:off x="6572302" y="810816"/>
+            <a:ext cx="864001" cy="864000"/>
+            <a:chOff x="1925186" y="900986"/>
+            <a:chExt cx="1219200" cy="1219199"/>
+          </a:xfrm>
+        </p:grpSpPr>
+        <p:sp>
+          <p:nvSpPr>
+            <p:cNvPr id="57" name="Rechteck 56">
+              <a:extLst>
+                <a:ext uri="{FF2B5EF4-FFF2-40B4-BE49-F238E27FC236}">
+                  <a16:creationId xmlns:a16="http://schemas.microsoft.com/office/drawing/2014/main" id="{BB5587EC-CE6C-4D0E-B01A-EE92D3214835}"/>
+                </a:ext>
+              </a:extLst>
+            </p:cNvPr>
+            <p:cNvSpPr/>
+            <p:nvPr/>
+          </p:nvSpPr>
+          <p:spPr>
+            <a:xfrm>
+              <a:off x="1925186" y="900986"/>
+              <a:ext cx="1219200" cy="732552"/>
+            </a:xfrm>
+            <a:prstGeom prst="rect">
+              <a:avLst/>
+            </a:prstGeom>
+            <a:solidFill>
+              <a:srgbClr val="000000"/>
+            </a:solidFill>
+            <a:ln>
+              <a:solidFill>
+                <a:schemeClr val="tx1"/>
+              </a:solidFill>
+            </a:ln>
+          </p:spPr>
+          <p:style>
+            <a:lnRef idx="2">
+              <a:schemeClr val="accent1">
+                <a:shade val="50000"/>
+              </a:schemeClr>
+            </a:lnRef>
+            <a:fillRef idx="1">
+              <a:schemeClr val="accent1"/>
+            </a:fillRef>
+            <a:effectRef idx="0">
+              <a:schemeClr val="accent1"/>
+            </a:effectRef>
+            <a:fontRef idx="minor">
+              <a:schemeClr val="lt1"/>
+            </a:fontRef>
+          </p:style>
+          <p:txBody>
+            <a:bodyPr rtlCol="0" anchor="ctr"/>
+            <a:lstStyle/>
+            <a:p>
+              <a:pPr algn="ctr"/>
+              <a:endParaRPr lang="de-DE" dirty="0">
+                <a:solidFill>
+                  <a:srgbClr val="FF8800"/>
+                </a:solidFill>
+                <a:latin typeface="Euro Caps" pitchFamily="2" charset="0"/>
+              </a:endParaRPr>
+            </a:p>
+          </p:txBody>
+        </p:sp>
+        <p:sp>
+          <p:nvSpPr>
+            <p:cNvPr id="58" name="Rechteck 57">
+              <a:extLst>
+                <a:ext uri="{FF2B5EF4-FFF2-40B4-BE49-F238E27FC236}">
+                  <a16:creationId xmlns:a16="http://schemas.microsoft.com/office/drawing/2014/main" id="{C392D6C2-F0AB-481F-AB08-A25AACD785D9}"/>
+                </a:ext>
+              </a:extLst>
+            </p:cNvPr>
+            <p:cNvSpPr/>
+            <p:nvPr/>
+          </p:nvSpPr>
+          <p:spPr>
+            <a:xfrm>
+              <a:off x="1925186" y="1633538"/>
+              <a:ext cx="1219200" cy="486647"/>
+            </a:xfrm>
+            <a:prstGeom prst="rect">
+              <a:avLst/>
+            </a:prstGeom>
+            <a:solidFill>
+              <a:srgbClr val="804400"/>
+            </a:solidFill>
+            <a:ln>
+              <a:solidFill>
+                <a:srgbClr val="804400"/>
+              </a:solidFill>
+            </a:ln>
+          </p:spPr>
+          <p:style>
+            <a:lnRef idx="2">
+              <a:schemeClr val="accent1">
+                <a:shade val="50000"/>
+              </a:schemeClr>
+            </a:lnRef>
+            <a:fillRef idx="1">
+              <a:schemeClr val="accent1"/>
+            </a:fillRef>
+            <a:effectRef idx="0">
+              <a:schemeClr val="accent1"/>
+            </a:effectRef>
+            <a:fontRef idx="minor">
+              <a:schemeClr val="lt1"/>
+            </a:fontRef>
+          </p:style>
+          <p:txBody>
+            <a:bodyPr rtlCol="0" anchor="ctr"/>
+            <a:lstStyle/>
+            <a:p>
+              <a:pPr algn="ctr"/>
+              <a:r>
+                <a:rPr lang="de-DE" b="1" dirty="0">
+                  <a:solidFill>
+                    <a:srgbClr val="000000"/>
+                  </a:solidFill>
+                  <a:latin typeface="Euro Caps" pitchFamily="2" charset="0"/>
+                </a:rPr>
+                <a:t>MENU</a:t>
+              </a:r>
+              <a:endParaRPr lang="en-DE" b="1" dirty="0">
+                <a:solidFill>
+                  <a:srgbClr val="000000"/>
+                </a:solidFill>
+                <a:latin typeface="Euro Caps" pitchFamily="2" charset="0"/>
+              </a:endParaRPr>
+            </a:p>
+          </p:txBody>
+        </p:sp>
+      </p:grpSp>
+      <p:pic>
+        <p:nvPicPr>
+          <p:cNvPr id="21" name="Grafik 20">
+            <a:extLst>
+              <a:ext uri="{FF2B5EF4-FFF2-40B4-BE49-F238E27FC236}">
+                <a16:creationId xmlns:a16="http://schemas.microsoft.com/office/drawing/2014/main" id="{2F392732-42C6-406A-B2C1-A7DC5D762209}"/>
+              </a:ext>
+            </a:extLst>
+          </p:cNvPr>
+          <p:cNvPicPr>
+            <a:picLocks noChangeAspect="1"/>
+          </p:cNvPicPr>
+          <p:nvPr/>
+        </p:nvPicPr>
+        <p:blipFill>
+          <a:blip r:embed="rId8">
+            <a:extLst>
+              <a:ext uri="{28A0092B-C50C-407E-A947-70E740481C1C}">
+                <a14:useLocalDpi xmlns:a14="http://schemas.microsoft.com/office/drawing/2010/main" val="0"/>
+              </a:ext>
+            </a:extLst>
+          </a:blip>
+          <a:stretch>
+            <a:fillRect/>
+          </a:stretch>
+        </p:blipFill>
+        <p:spPr>
+          <a:xfrm>
+            <a:off x="6797874" y="886891"/>
+            <a:ext cx="412856" cy="366983"/>
+          </a:xfrm>
+          <a:prstGeom prst="rect">
+            <a:avLst/>
+          </a:prstGeom>
+        </p:spPr>
+      </p:pic>
+      <p:grpSp>
+        <p:nvGrpSpPr>
+          <p:cNvPr id="62" name="Gruppieren 61">
+            <a:extLst>
+              <a:ext uri="{FF2B5EF4-FFF2-40B4-BE49-F238E27FC236}">
+                <a16:creationId xmlns:a16="http://schemas.microsoft.com/office/drawing/2014/main" id="{F5C0DD04-0BF3-4BD6-A43A-1D4077FD165F}"/>
+              </a:ext>
+            </a:extLst>
+          </p:cNvPr>
+          <p:cNvGrpSpPr/>
+          <p:nvPr/>
+        </p:nvGrpSpPr>
+        <p:grpSpPr>
+          <a:xfrm>
+            <a:off x="7565395" y="810816"/>
+            <a:ext cx="864001" cy="864000"/>
+            <a:chOff x="1925186" y="900986"/>
+            <a:chExt cx="1219200" cy="1219199"/>
+          </a:xfrm>
+        </p:grpSpPr>
+        <p:sp>
+          <p:nvSpPr>
+            <p:cNvPr id="63" name="Rechteck 62">
+              <a:extLst>
+                <a:ext uri="{FF2B5EF4-FFF2-40B4-BE49-F238E27FC236}">
+                  <a16:creationId xmlns:a16="http://schemas.microsoft.com/office/drawing/2014/main" id="{EA3D8676-8605-4199-8CB6-8423AAA8E035}"/>
+                </a:ext>
+              </a:extLst>
+            </p:cNvPr>
+            <p:cNvSpPr/>
+            <p:nvPr/>
+          </p:nvSpPr>
+          <p:spPr>
+            <a:xfrm>
+              <a:off x="1925186" y="900986"/>
+              <a:ext cx="1219200" cy="732552"/>
+            </a:xfrm>
+            <a:prstGeom prst="rect">
+              <a:avLst/>
+            </a:prstGeom>
+            <a:solidFill>
+              <a:srgbClr val="000000"/>
+            </a:solidFill>
+            <a:ln>
+              <a:solidFill>
+                <a:schemeClr val="tx1"/>
+              </a:solidFill>
+            </a:ln>
+          </p:spPr>
+          <p:style>
+            <a:lnRef idx="2">
+              <a:schemeClr val="accent1">
+                <a:shade val="50000"/>
+              </a:schemeClr>
+            </a:lnRef>
+            <a:fillRef idx="1">
+              <a:schemeClr val="accent1"/>
+            </a:fillRef>
+            <a:effectRef idx="0">
+              <a:schemeClr val="accent1"/>
+            </a:effectRef>
+            <a:fontRef idx="minor">
+              <a:schemeClr val="lt1"/>
+            </a:fontRef>
+          </p:style>
+          <p:txBody>
+            <a:bodyPr rtlCol="0" anchor="ctr"/>
+            <a:lstStyle/>
+            <a:p>
+              <a:pPr algn="ctr"/>
+              <a:endParaRPr lang="de-DE" dirty="0">
+                <a:solidFill>
+                  <a:srgbClr val="FF8800"/>
+                </a:solidFill>
+                <a:latin typeface="Euro Caps" pitchFamily="2" charset="0"/>
+              </a:endParaRPr>
+            </a:p>
+          </p:txBody>
+        </p:sp>
+        <p:sp>
+          <p:nvSpPr>
+            <p:cNvPr id="64" name="Rechteck 63">
+              <a:extLst>
+                <a:ext uri="{FF2B5EF4-FFF2-40B4-BE49-F238E27FC236}">
+                  <a16:creationId xmlns:a16="http://schemas.microsoft.com/office/drawing/2014/main" id="{47102A07-FC8E-4172-BBE7-13472801AB68}"/>
+                </a:ext>
+              </a:extLst>
+            </p:cNvPr>
+            <p:cNvSpPr/>
+            <p:nvPr/>
+          </p:nvSpPr>
+          <p:spPr>
+            <a:xfrm>
+              <a:off x="1925186" y="1633538"/>
+              <a:ext cx="1219200" cy="486647"/>
+            </a:xfrm>
+            <a:prstGeom prst="rect">
+              <a:avLst/>
+            </a:prstGeom>
+            <a:solidFill>
+              <a:srgbClr val="804400"/>
+            </a:solidFill>
+            <a:ln>
+              <a:solidFill>
+                <a:srgbClr val="804400"/>
+              </a:solidFill>
+            </a:ln>
+          </p:spPr>
+          <p:style>
+            <a:lnRef idx="2">
+              <a:schemeClr val="accent1">
+                <a:shade val="50000"/>
+              </a:schemeClr>
+            </a:lnRef>
+            <a:fillRef idx="1">
+              <a:schemeClr val="accent1"/>
+            </a:fillRef>
+            <a:effectRef idx="0">
+              <a:schemeClr val="accent1"/>
+            </a:effectRef>
+            <a:fontRef idx="minor">
+              <a:schemeClr val="lt1"/>
+            </a:fontRef>
+          </p:style>
+          <p:txBody>
+            <a:bodyPr rtlCol="0" anchor="ctr"/>
+            <a:lstStyle/>
+            <a:p>
+              <a:pPr algn="ctr"/>
+              <a:r>
+                <a:rPr lang="de-DE" b="1" dirty="0">
+                  <a:solidFill>
+                    <a:srgbClr val="000000"/>
+                  </a:solidFill>
+                  <a:latin typeface="Euro Caps" pitchFamily="2" charset="0"/>
+                </a:rPr>
+                <a:t>MENU</a:t>
+              </a:r>
+              <a:endParaRPr lang="en-DE" b="1" dirty="0">
+                <a:solidFill>
+                  <a:srgbClr val="000000"/>
+                </a:solidFill>
+                <a:latin typeface="Euro Caps" pitchFamily="2" charset="0"/>
+              </a:endParaRPr>
+            </a:p>
+          </p:txBody>
+        </p:sp>
+      </p:grpSp>
+      <p:pic>
+        <p:nvPicPr>
+          <p:cNvPr id="27" name="Grafik 26">
+            <a:extLst>
+              <a:ext uri="{FF2B5EF4-FFF2-40B4-BE49-F238E27FC236}">
+                <a16:creationId xmlns:a16="http://schemas.microsoft.com/office/drawing/2014/main" id="{E67FE718-A55E-4AFA-98C0-0FB007232448}"/>
+              </a:ext>
+            </a:extLst>
+          </p:cNvPr>
+          <p:cNvPicPr>
+            <a:picLocks noChangeAspect="1"/>
+          </p:cNvPicPr>
+          <p:nvPr/>
+        </p:nvPicPr>
+        <p:blipFill>
+          <a:blip r:embed="rId9">
+            <a:extLst>
+              <a:ext uri="{28A0092B-C50C-407E-A947-70E740481C1C}">
+                <a14:useLocalDpi xmlns:a14="http://schemas.microsoft.com/office/drawing/2010/main" val="0"/>
+              </a:ext>
+            </a:extLst>
+          </a:blip>
+          <a:stretch>
+            <a:fillRect/>
+          </a:stretch>
+        </p:blipFill>
+        <p:spPr>
+          <a:xfrm>
+            <a:off x="7752173" y="869243"/>
+            <a:ext cx="490444" cy="391674"/>
+          </a:xfrm>
+          <a:prstGeom prst="rect">
+            <a:avLst/>
+          </a:prstGeom>
+        </p:spPr>
+      </p:pic>
+      <p:pic>
+        <p:nvPicPr>
+          <p:cNvPr id="43" name="Grafik 42">
+            <a:extLst>
+              <a:ext uri="{FF2B5EF4-FFF2-40B4-BE49-F238E27FC236}">
+                <a16:creationId xmlns:a16="http://schemas.microsoft.com/office/drawing/2014/main" id="{1DAEE09B-F675-4795-87A7-662C0CF2AAC1}"/>
+              </a:ext>
+            </a:extLst>
+          </p:cNvPr>
+          <p:cNvPicPr>
+            <a:picLocks noChangeAspect="1"/>
+          </p:cNvPicPr>
+          <p:nvPr/>
+        </p:nvPicPr>
+        <p:blipFill>
+          <a:blip r:embed="rId10">
+            <a:extLst>
+              <a:ext uri="{28A0092B-C50C-407E-A947-70E740481C1C}">
+                <a14:useLocalDpi xmlns:a14="http://schemas.microsoft.com/office/drawing/2010/main" val="0"/>
+              </a:ext>
+            </a:extLst>
+          </a:blip>
+          <a:stretch>
+            <a:fillRect/>
+          </a:stretch>
+        </p:blipFill>
+        <p:spPr>
+          <a:xfrm>
+            <a:off x="845525" y="2200786"/>
+            <a:ext cx="374026" cy="374026"/>
+          </a:xfrm>
+          <a:prstGeom prst="rect">
+            <a:avLst/>
+          </a:prstGeom>
+        </p:spPr>
+      </p:pic>
+      <p:grpSp>
+        <p:nvGrpSpPr>
+          <p:cNvPr id="102" name="Gruppieren 101">
+            <a:extLst>
+              <a:ext uri="{FF2B5EF4-FFF2-40B4-BE49-F238E27FC236}">
+                <a16:creationId xmlns:a16="http://schemas.microsoft.com/office/drawing/2014/main" id="{10C0BF5C-8D8D-4B07-A35C-6AAEBBCA8BF2}"/>
+              </a:ext>
+            </a:extLst>
+          </p:cNvPr>
+          <p:cNvGrpSpPr/>
+          <p:nvPr/>
+        </p:nvGrpSpPr>
+        <p:grpSpPr>
+          <a:xfrm>
+            <a:off x="600538" y="3162975"/>
+            <a:ext cx="864001" cy="864000"/>
+            <a:chOff x="1925186" y="900986"/>
+            <a:chExt cx="1219200" cy="1219199"/>
+          </a:xfrm>
+        </p:grpSpPr>
+        <p:sp>
+          <p:nvSpPr>
+            <p:cNvPr id="104" name="Rechteck 103">
+              <a:extLst>
+                <a:ext uri="{FF2B5EF4-FFF2-40B4-BE49-F238E27FC236}">
+                  <a16:creationId xmlns:a16="http://schemas.microsoft.com/office/drawing/2014/main" id="{D9ED30D5-8487-4399-AC7A-96E22E5D3181}"/>
+                </a:ext>
+              </a:extLst>
+            </p:cNvPr>
+            <p:cNvSpPr/>
+            <p:nvPr/>
+          </p:nvSpPr>
+          <p:spPr>
+            <a:xfrm>
+              <a:off x="1925186" y="900986"/>
+              <a:ext cx="1219200" cy="732552"/>
+            </a:xfrm>
+            <a:prstGeom prst="rect">
+              <a:avLst/>
+            </a:prstGeom>
+            <a:solidFill>
+              <a:srgbClr val="000000"/>
+            </a:solidFill>
+            <a:ln>
+              <a:solidFill>
+                <a:schemeClr val="tx1"/>
+              </a:solidFill>
+            </a:ln>
+          </p:spPr>
+          <p:style>
+            <a:lnRef idx="2">
+              <a:schemeClr val="accent1">
+                <a:shade val="50000"/>
+              </a:schemeClr>
+            </a:lnRef>
+            <a:fillRef idx="1">
+              <a:schemeClr val="accent1"/>
+            </a:fillRef>
+            <a:effectRef idx="0">
+              <a:schemeClr val="accent1"/>
+            </a:effectRef>
+            <a:fontRef idx="minor">
+              <a:schemeClr val="lt1"/>
+            </a:fontRef>
+          </p:style>
+          <p:txBody>
+            <a:bodyPr rtlCol="0" anchor="ctr"/>
+            <a:lstStyle/>
+            <a:p>
+              <a:pPr algn="ctr"/>
+              <a:endParaRPr lang="de-DE" dirty="0">
+                <a:solidFill>
+                  <a:srgbClr val="FF8800"/>
+                </a:solidFill>
+                <a:latin typeface="Euro Caps" pitchFamily="2" charset="0"/>
+              </a:endParaRPr>
+            </a:p>
+          </p:txBody>
+        </p:sp>
+        <p:sp>
+          <p:nvSpPr>
+            <p:cNvPr id="105" name="Rechteck 104">
+              <a:extLst>
+                <a:ext uri="{FF2B5EF4-FFF2-40B4-BE49-F238E27FC236}">
+                  <a16:creationId xmlns:a16="http://schemas.microsoft.com/office/drawing/2014/main" id="{B91254CB-CA5B-45F1-BF0D-95007BE5AB56}"/>
+                </a:ext>
+              </a:extLst>
+            </p:cNvPr>
+            <p:cNvSpPr/>
+            <p:nvPr/>
+          </p:nvSpPr>
+          <p:spPr>
+            <a:xfrm>
+              <a:off x="1925186" y="1633538"/>
+              <a:ext cx="1219200" cy="486647"/>
+            </a:xfrm>
+            <a:prstGeom prst="rect">
+              <a:avLst/>
+            </a:prstGeom>
+            <a:solidFill>
+              <a:srgbClr val="804400"/>
+            </a:solidFill>
+            <a:ln>
+              <a:solidFill>
+                <a:srgbClr val="804400"/>
+              </a:solidFill>
+            </a:ln>
+          </p:spPr>
+          <p:style>
+            <a:lnRef idx="2">
+              <a:schemeClr val="accent1">
+                <a:shade val="50000"/>
+              </a:schemeClr>
+            </a:lnRef>
+            <a:fillRef idx="1">
+              <a:schemeClr val="accent1"/>
+            </a:fillRef>
+            <a:effectRef idx="0">
+              <a:schemeClr val="accent1"/>
+            </a:effectRef>
+            <a:fontRef idx="minor">
+              <a:schemeClr val="lt1"/>
+            </a:fontRef>
+          </p:style>
+          <p:txBody>
+            <a:bodyPr rtlCol="0" anchor="ctr"/>
+            <a:lstStyle/>
+            <a:p>
+              <a:pPr algn="ctr"/>
+              <a:r>
+                <a:rPr lang="de-DE" b="1" dirty="0">
+                  <a:solidFill>
+                    <a:srgbClr val="000000"/>
+                  </a:solidFill>
+                  <a:latin typeface="Euro Caps" pitchFamily="2" charset="0"/>
+                </a:rPr>
+                <a:t>MENU</a:t>
+              </a:r>
+              <a:endParaRPr lang="en-DE" b="1" dirty="0">
+                <a:solidFill>
+                  <a:srgbClr val="000000"/>
+                </a:solidFill>
+                <a:latin typeface="Euro Caps" pitchFamily="2" charset="0"/>
+              </a:endParaRPr>
+            </a:p>
+          </p:txBody>
+        </p:sp>
+      </p:grpSp>
+      <p:grpSp>
+        <p:nvGrpSpPr>
+          <p:cNvPr id="106" name="Gruppieren 105">
+            <a:extLst>
+              <a:ext uri="{FF2B5EF4-FFF2-40B4-BE49-F238E27FC236}">
+                <a16:creationId xmlns:a16="http://schemas.microsoft.com/office/drawing/2014/main" id="{E1CBBCFA-8C34-44B0-AD8F-5703D97B610A}"/>
+              </a:ext>
+            </a:extLst>
+          </p:cNvPr>
+          <p:cNvGrpSpPr>
+            <a:grpSpLocks noChangeAspect="1"/>
+          </p:cNvGrpSpPr>
+          <p:nvPr/>
+        </p:nvGrpSpPr>
+        <p:grpSpPr>
+          <a:xfrm>
+            <a:off x="3539617" y="2124711"/>
+            <a:ext cx="864001" cy="864000"/>
+            <a:chOff x="6241437" y="3678709"/>
+            <a:chExt cx="1219200" cy="1219199"/>
+          </a:xfrm>
+        </p:grpSpPr>
+        <p:grpSp>
+          <p:nvGrpSpPr>
+            <p:cNvPr id="119" name="Gruppieren 118">
+              <a:extLst>
+                <a:ext uri="{FF2B5EF4-FFF2-40B4-BE49-F238E27FC236}">
+                  <a16:creationId xmlns:a16="http://schemas.microsoft.com/office/drawing/2014/main" id="{D83F0651-E2C0-42B5-8B23-860AB69D3AE7}"/>
+                </a:ext>
+              </a:extLst>
+            </p:cNvPr>
+            <p:cNvGrpSpPr/>
+            <p:nvPr/>
+          </p:nvGrpSpPr>
+          <p:grpSpPr>
+            <a:xfrm>
+              <a:off x="6241437" y="3678709"/>
+              <a:ext cx="1219200" cy="1219199"/>
+              <a:chOff x="1925186" y="900986"/>
+              <a:chExt cx="1219200" cy="1219199"/>
+            </a:xfrm>
+          </p:grpSpPr>
+          <p:sp>
+            <p:nvSpPr>
+              <p:cNvPr id="121" name="Rechteck 120">
+                <a:extLst>
+                  <a:ext uri="{FF2B5EF4-FFF2-40B4-BE49-F238E27FC236}">
+                    <a16:creationId xmlns:a16="http://schemas.microsoft.com/office/drawing/2014/main" id="{9C89E211-B05E-41CE-82A4-C93E3CFC7AEF}"/>
+                  </a:ext>
+                </a:extLst>
+              </p:cNvPr>
+              <p:cNvSpPr/>
+              <p:nvPr/>
+            </p:nvSpPr>
+            <p:spPr>
+              <a:xfrm>
+                <a:off x="1925186" y="900986"/>
+                <a:ext cx="1219200" cy="732552"/>
+              </a:xfrm>
+              <a:prstGeom prst="rect">
+                <a:avLst/>
+              </a:prstGeom>
+              <a:solidFill>
+                <a:srgbClr val="FF8800"/>
+              </a:solidFill>
+              <a:ln>
+                <a:solidFill>
+                  <a:srgbClr val="FF8800"/>
+                </a:solidFill>
+              </a:ln>
+            </p:spPr>
+            <p:style>
+              <a:lnRef idx="2">
+                <a:schemeClr val="accent1">
+                  <a:shade val="50000"/>
+                </a:schemeClr>
+              </a:lnRef>
+              <a:fillRef idx="1">
+                <a:schemeClr val="accent1"/>
+              </a:fillRef>
+              <a:effectRef idx="0">
+                <a:schemeClr val="accent1"/>
+              </a:effectRef>
+              <a:fontRef idx="minor">
+                <a:schemeClr val="lt1"/>
+              </a:fontRef>
+            </p:style>
+            <p:txBody>
+              <a:bodyPr rtlCol="0" anchor="ctr"/>
+              <a:lstStyle/>
+              <a:p>
+                <a:pPr algn="ctr"/>
+                <a:endParaRPr lang="de-DE" dirty="0">
+                  <a:solidFill>
+                    <a:schemeClr val="tx1"/>
+                  </a:solidFill>
+                  <a:latin typeface="Euro Caps" pitchFamily="2" charset="0"/>
+                </a:endParaRPr>
+              </a:p>
+            </p:txBody>
+          </p:sp>
+          <p:sp>
+            <p:nvSpPr>
+              <p:cNvPr id="122" name="Rechteck 121">
+                <a:extLst>
+                  <a:ext uri="{FF2B5EF4-FFF2-40B4-BE49-F238E27FC236}">
+                    <a16:creationId xmlns:a16="http://schemas.microsoft.com/office/drawing/2014/main" id="{BDEA1008-299C-4AAC-8C85-E7DB622060A4}"/>
+                  </a:ext>
+                </a:extLst>
+              </p:cNvPr>
+              <p:cNvSpPr/>
+              <p:nvPr/>
+            </p:nvSpPr>
+            <p:spPr>
+              <a:xfrm>
+                <a:off x="1925186" y="1633538"/>
+                <a:ext cx="1219200" cy="486647"/>
+              </a:xfrm>
+              <a:prstGeom prst="rect">
+                <a:avLst/>
+              </a:prstGeom>
+              <a:solidFill>
+                <a:schemeClr val="tx1"/>
+              </a:solidFill>
+              <a:ln>
+                <a:solidFill>
+                  <a:schemeClr val="tx1"/>
+                </a:solidFill>
+              </a:ln>
+            </p:spPr>
+            <p:style>
+              <a:lnRef idx="2">
+                <a:schemeClr val="accent1">
+                  <a:shade val="50000"/>
+                </a:schemeClr>
+              </a:lnRef>
+              <a:fillRef idx="1">
+                <a:schemeClr val="accent1"/>
+              </a:fillRef>
+              <a:effectRef idx="0">
+                <a:schemeClr val="accent1"/>
+              </a:effectRef>
+              <a:fontRef idx="minor">
+                <a:schemeClr val="lt1"/>
+              </a:fontRef>
+            </p:style>
+            <p:txBody>
+              <a:bodyPr rtlCol="0" anchor="ctr"/>
+              <a:lstStyle/>
+              <a:p>
+                <a:pPr algn="ctr"/>
+                <a:r>
+                  <a:rPr lang="de-DE" b="1" dirty="0">
+                    <a:solidFill>
+                      <a:srgbClr val="FF8800"/>
+                    </a:solidFill>
+                    <a:latin typeface="Euro Caps" pitchFamily="2" charset="0"/>
+                  </a:rPr>
+                  <a:t>GAL</a:t>
+                </a:r>
+                <a:endParaRPr lang="en-DE" b="1" dirty="0">
+                  <a:solidFill>
+                    <a:srgbClr val="FF8800"/>
+                  </a:solidFill>
+                  <a:latin typeface="Euro Caps" pitchFamily="2" charset="0"/>
+                </a:endParaRPr>
+              </a:p>
+            </p:txBody>
+          </p:sp>
+        </p:grpSp>
+        <p:pic>
+          <p:nvPicPr>
+            <p:cNvPr id="120" name="Grafik 119">
+              <a:extLst>
+                <a:ext uri="{FF2B5EF4-FFF2-40B4-BE49-F238E27FC236}">
+                  <a16:creationId xmlns:a16="http://schemas.microsoft.com/office/drawing/2014/main" id="{1096F357-2AF4-4DD8-8559-B7D84889D9B4}"/>
+                </a:ext>
+              </a:extLst>
+            </p:cNvPr>
+            <p:cNvPicPr>
+              <a:picLocks noChangeAspect="1"/>
+            </p:cNvPicPr>
+            <p:nvPr/>
+          </p:nvPicPr>
+          <p:blipFill>
+            <a:blip r:embed="rId11">
+              <a:extLst>
+                <a:ext uri="{28A0092B-C50C-407E-A947-70E740481C1C}">
+                  <a14:useLocalDpi xmlns:a14="http://schemas.microsoft.com/office/drawing/2010/main" val="0"/>
+                </a:ext>
+              </a:extLst>
+            </a:blip>
+            <a:stretch>
+              <a:fillRect/>
+            </a:stretch>
+          </p:blipFill>
+          <p:spPr>
+            <a:xfrm>
+              <a:off x="6533576" y="3760531"/>
+              <a:ext cx="572541" cy="558800"/>
+            </a:xfrm>
+            <a:prstGeom prst="rect">
+              <a:avLst/>
+            </a:prstGeom>
+          </p:spPr>
+        </p:pic>
+      </p:grpSp>
+      <p:grpSp>
+        <p:nvGrpSpPr>
+          <p:cNvPr id="123" name="Gruppieren 122">
+            <a:extLst>
+              <a:ext uri="{FF2B5EF4-FFF2-40B4-BE49-F238E27FC236}">
+                <a16:creationId xmlns:a16="http://schemas.microsoft.com/office/drawing/2014/main" id="{FBF1A0AA-96EE-46B6-913F-8075235FDB75}"/>
+              </a:ext>
+            </a:extLst>
+          </p:cNvPr>
+          <p:cNvGrpSpPr>
+            <a:grpSpLocks noChangeAspect="1"/>
+          </p:cNvGrpSpPr>
+          <p:nvPr/>
+        </p:nvGrpSpPr>
+        <p:grpSpPr>
+          <a:xfrm>
+            <a:off x="2572102" y="2124253"/>
+            <a:ext cx="864001" cy="864000"/>
+            <a:chOff x="4876800" y="3699028"/>
+            <a:chExt cx="1219200" cy="1219199"/>
+          </a:xfrm>
+        </p:grpSpPr>
+        <p:grpSp>
+          <p:nvGrpSpPr>
+            <p:cNvPr id="124" name="Gruppieren 123">
+              <a:extLst>
+                <a:ext uri="{FF2B5EF4-FFF2-40B4-BE49-F238E27FC236}">
+                  <a16:creationId xmlns:a16="http://schemas.microsoft.com/office/drawing/2014/main" id="{5DBDA0C6-D88B-4FFC-A42F-EBF1A8640796}"/>
+                </a:ext>
+              </a:extLst>
+            </p:cNvPr>
+            <p:cNvGrpSpPr/>
+            <p:nvPr/>
+          </p:nvGrpSpPr>
+          <p:grpSpPr>
+            <a:xfrm>
+              <a:off x="4876800" y="3699028"/>
+              <a:ext cx="1219200" cy="1219199"/>
+              <a:chOff x="1925186" y="900986"/>
+              <a:chExt cx="1219200" cy="1219199"/>
+            </a:xfrm>
+          </p:grpSpPr>
+          <p:sp>
+            <p:nvSpPr>
+              <p:cNvPr id="126" name="Rechteck 125">
+                <a:extLst>
+                  <a:ext uri="{FF2B5EF4-FFF2-40B4-BE49-F238E27FC236}">
+                    <a16:creationId xmlns:a16="http://schemas.microsoft.com/office/drawing/2014/main" id="{4E4E2116-BA3E-4122-AE0D-A2C86035C715}"/>
+                  </a:ext>
+                </a:extLst>
+              </p:cNvPr>
+              <p:cNvSpPr/>
+              <p:nvPr/>
+            </p:nvSpPr>
+            <p:spPr>
+              <a:xfrm>
+                <a:off x="1925186" y="900986"/>
+                <a:ext cx="1219200" cy="732552"/>
+              </a:xfrm>
+              <a:prstGeom prst="rect">
+                <a:avLst/>
+              </a:prstGeom>
+              <a:solidFill>
+                <a:srgbClr val="000000"/>
+              </a:solidFill>
+              <a:ln>
+                <a:solidFill>
+                  <a:schemeClr val="tx1"/>
+                </a:solidFill>
+              </a:ln>
+            </p:spPr>
+            <p:style>
+              <a:lnRef idx="2">
+                <a:schemeClr val="accent1">
+                  <a:shade val="50000"/>
+                </a:schemeClr>
+              </a:lnRef>
+              <a:fillRef idx="1">
+                <a:schemeClr val="accent1"/>
+              </a:fillRef>
+              <a:effectRef idx="0">
+                <a:schemeClr val="accent1"/>
+              </a:effectRef>
+              <a:fontRef idx="minor">
+                <a:schemeClr val="lt1"/>
+              </a:fontRef>
+            </p:style>
+            <p:txBody>
+              <a:bodyPr rtlCol="0" anchor="ctr"/>
+              <a:lstStyle/>
+              <a:p>
+                <a:pPr algn="ctr"/>
+                <a:endParaRPr lang="de-DE" dirty="0">
+                  <a:solidFill>
+                    <a:srgbClr val="FF8800"/>
+                  </a:solidFill>
+                  <a:latin typeface="Euro Caps" pitchFamily="2" charset="0"/>
+                </a:endParaRPr>
+              </a:p>
+            </p:txBody>
+          </p:sp>
+          <p:sp>
+            <p:nvSpPr>
+              <p:cNvPr id="127" name="Rechteck 126">
+                <a:extLst>
+                  <a:ext uri="{FF2B5EF4-FFF2-40B4-BE49-F238E27FC236}">
+                    <a16:creationId xmlns:a16="http://schemas.microsoft.com/office/drawing/2014/main" id="{426DE654-B2B2-425D-A8C6-8892147B9DB7}"/>
+                  </a:ext>
+                </a:extLst>
+              </p:cNvPr>
+              <p:cNvSpPr/>
+              <p:nvPr/>
+            </p:nvSpPr>
+            <p:spPr>
+              <a:xfrm>
+                <a:off x="1925186" y="1633538"/>
+                <a:ext cx="1219200" cy="486647"/>
+              </a:xfrm>
+              <a:prstGeom prst="rect">
+                <a:avLst/>
+              </a:prstGeom>
+              <a:solidFill>
+                <a:srgbClr val="804400"/>
+              </a:solidFill>
+              <a:ln>
+                <a:solidFill>
+                  <a:srgbClr val="804400"/>
+                </a:solidFill>
+              </a:ln>
+            </p:spPr>
+            <p:style>
+              <a:lnRef idx="2">
+                <a:schemeClr val="accent1">
+                  <a:shade val="50000"/>
+                </a:schemeClr>
+              </a:lnRef>
+              <a:fillRef idx="1">
+                <a:schemeClr val="accent1"/>
+              </a:fillRef>
+              <a:effectRef idx="0">
+                <a:schemeClr val="accent1"/>
+              </a:effectRef>
+              <a:fontRef idx="minor">
+                <a:schemeClr val="lt1"/>
+              </a:fontRef>
+            </p:style>
+            <p:txBody>
+              <a:bodyPr rtlCol="0" anchor="ctr"/>
+              <a:lstStyle/>
+              <a:p>
+                <a:pPr algn="ctr"/>
+                <a:r>
+                  <a:rPr lang="de-DE" b="1" dirty="0">
+                    <a:solidFill>
+                      <a:srgbClr val="000000"/>
+                    </a:solidFill>
+                    <a:latin typeface="Euro Caps" pitchFamily="2" charset="0"/>
+                  </a:rPr>
+                  <a:t>GAL</a:t>
+                </a:r>
+                <a:endParaRPr lang="en-DE" b="1" dirty="0">
+                  <a:solidFill>
+                    <a:srgbClr val="000000"/>
+                  </a:solidFill>
+                  <a:latin typeface="Euro Caps" pitchFamily="2" charset="0"/>
+                </a:endParaRPr>
+              </a:p>
+            </p:txBody>
+          </p:sp>
+        </p:grpSp>
+        <p:pic>
+          <p:nvPicPr>
+            <p:cNvPr id="125" name="Grafik 124">
+              <a:extLst>
+                <a:ext uri="{FF2B5EF4-FFF2-40B4-BE49-F238E27FC236}">
+                  <a16:creationId xmlns:a16="http://schemas.microsoft.com/office/drawing/2014/main" id="{2D272455-A447-4472-9D04-E0BE9468059E}"/>
+                </a:ext>
+              </a:extLst>
+            </p:cNvPr>
+            <p:cNvPicPr>
+              <a:picLocks noChangeAspect="1"/>
+            </p:cNvPicPr>
+            <p:nvPr/>
+          </p:nvPicPr>
+          <p:blipFill>
+            <a:blip r:embed="rId12">
+              <a:extLst>
+                <a:ext uri="{28A0092B-C50C-407E-A947-70E740481C1C}">
+                  <a14:useLocalDpi xmlns:a14="http://schemas.microsoft.com/office/drawing/2010/main" val="0"/>
+                </a:ext>
+              </a:extLst>
+            </a:blip>
+            <a:stretch>
+              <a:fillRect/>
+            </a:stretch>
+          </p:blipFill>
+          <p:spPr>
+            <a:xfrm>
+              <a:off x="5263053" y="3786956"/>
+              <a:ext cx="572541" cy="558800"/>
+            </a:xfrm>
+            <a:prstGeom prst="rect">
+              <a:avLst/>
+            </a:prstGeom>
+          </p:spPr>
+        </p:pic>
+      </p:grpSp>
+      <p:grpSp>
+        <p:nvGrpSpPr>
+          <p:cNvPr id="128" name="Gruppieren 127">
+            <a:extLst>
+              <a:ext uri="{FF2B5EF4-FFF2-40B4-BE49-F238E27FC236}">
+                <a16:creationId xmlns:a16="http://schemas.microsoft.com/office/drawing/2014/main" id="{C9B7DE2C-A4F9-4CC5-9A61-203403F135AC}"/>
+              </a:ext>
+            </a:extLst>
+          </p:cNvPr>
+          <p:cNvGrpSpPr>
+            <a:grpSpLocks noChangeAspect="1"/>
+          </p:cNvGrpSpPr>
+          <p:nvPr/>
+        </p:nvGrpSpPr>
+        <p:grpSpPr>
+          <a:xfrm>
+            <a:off x="5464984" y="2056808"/>
+            <a:ext cx="864000" cy="945677"/>
+            <a:chOff x="9591127" y="4812019"/>
+            <a:chExt cx="1219200" cy="1290322"/>
+          </a:xfrm>
+        </p:grpSpPr>
+        <p:grpSp>
+          <p:nvGrpSpPr>
+            <p:cNvPr id="129" name="Gruppieren 128">
+              <a:extLst>
+                <a:ext uri="{FF2B5EF4-FFF2-40B4-BE49-F238E27FC236}">
+                  <a16:creationId xmlns:a16="http://schemas.microsoft.com/office/drawing/2014/main" id="{76B4BBF1-689C-43A9-8376-846C19A49755}"/>
+                </a:ext>
+              </a:extLst>
+            </p:cNvPr>
+            <p:cNvGrpSpPr/>
+            <p:nvPr/>
+          </p:nvGrpSpPr>
+          <p:grpSpPr>
+            <a:xfrm>
+              <a:off x="9591127" y="4883142"/>
+              <a:ext cx="1219200" cy="1219199"/>
+              <a:chOff x="1925186" y="900986"/>
+              <a:chExt cx="1219200" cy="1219199"/>
+            </a:xfrm>
+          </p:grpSpPr>
+          <p:sp>
+            <p:nvSpPr>
+              <p:cNvPr id="131" name="Rechteck 130">
+                <a:extLst>
+                  <a:ext uri="{FF2B5EF4-FFF2-40B4-BE49-F238E27FC236}">
+                    <a16:creationId xmlns:a16="http://schemas.microsoft.com/office/drawing/2014/main" id="{C5900415-C142-451C-8CD6-9114C7EF58FE}"/>
+                  </a:ext>
+                </a:extLst>
+              </p:cNvPr>
+              <p:cNvSpPr/>
+              <p:nvPr/>
+            </p:nvSpPr>
+            <p:spPr>
+              <a:xfrm>
+                <a:off x="1925186" y="900986"/>
+                <a:ext cx="1219200" cy="732552"/>
+              </a:xfrm>
+              <a:prstGeom prst="rect">
+                <a:avLst/>
+              </a:prstGeom>
+              <a:solidFill>
+                <a:srgbClr val="FF8800"/>
+              </a:solidFill>
+              <a:ln>
+                <a:solidFill>
+                  <a:srgbClr val="FF8800"/>
+                </a:solidFill>
+              </a:ln>
+            </p:spPr>
+            <p:style>
+              <a:lnRef idx="2">
+                <a:schemeClr val="accent1">
+                  <a:shade val="50000"/>
+                </a:schemeClr>
+              </a:lnRef>
+              <a:fillRef idx="1">
+                <a:schemeClr val="accent1"/>
+              </a:fillRef>
+              <a:effectRef idx="0">
+                <a:schemeClr val="accent1"/>
+              </a:effectRef>
+              <a:fontRef idx="minor">
+                <a:schemeClr val="lt1"/>
+              </a:fontRef>
+            </p:style>
+            <p:txBody>
+              <a:bodyPr rtlCol="0" anchor="ctr"/>
+              <a:lstStyle/>
+              <a:p>
+                <a:pPr algn="ctr"/>
+                <a:endParaRPr lang="de-DE" dirty="0">
+                  <a:solidFill>
+                    <a:schemeClr val="tx1"/>
+                  </a:solidFill>
+                  <a:latin typeface="Euro Caps" pitchFamily="2" charset="0"/>
+                </a:endParaRPr>
+              </a:p>
+            </p:txBody>
+          </p:sp>
+          <p:sp>
+            <p:nvSpPr>
+              <p:cNvPr id="132" name="Rechteck 131">
+                <a:extLst>
+                  <a:ext uri="{FF2B5EF4-FFF2-40B4-BE49-F238E27FC236}">
+                    <a16:creationId xmlns:a16="http://schemas.microsoft.com/office/drawing/2014/main" id="{88FD1B09-3F44-4C84-B5AB-2ABD06B89D5D}"/>
+                  </a:ext>
+                </a:extLst>
+              </p:cNvPr>
+              <p:cNvSpPr/>
+              <p:nvPr/>
+            </p:nvSpPr>
+            <p:spPr>
+              <a:xfrm>
+                <a:off x="1925186" y="1633538"/>
+                <a:ext cx="1219200" cy="486647"/>
+              </a:xfrm>
+              <a:prstGeom prst="rect">
+                <a:avLst/>
+              </a:prstGeom>
+              <a:solidFill>
+                <a:schemeClr val="tx1"/>
+              </a:solidFill>
+              <a:ln>
+                <a:solidFill>
+                  <a:schemeClr val="tx1"/>
+                </a:solidFill>
+              </a:ln>
+            </p:spPr>
+            <p:style>
+              <a:lnRef idx="2">
+                <a:schemeClr val="accent1">
+                  <a:shade val="50000"/>
+                </a:schemeClr>
+              </a:lnRef>
+              <a:fillRef idx="1">
+                <a:schemeClr val="accent1"/>
+              </a:fillRef>
+              <a:effectRef idx="0">
+                <a:schemeClr val="accent1"/>
+              </a:effectRef>
+              <a:fontRef idx="minor">
+                <a:schemeClr val="lt1"/>
+              </a:fontRef>
+            </p:style>
+            <p:txBody>
+              <a:bodyPr rtlCol="0" anchor="ctr"/>
+              <a:lstStyle/>
+              <a:p>
+                <a:pPr algn="ctr"/>
+                <a:r>
+                  <a:rPr lang="de-DE" b="1" dirty="0" err="1">
+                    <a:solidFill>
+                      <a:srgbClr val="FF8800"/>
+                    </a:solidFill>
+                    <a:latin typeface="Euro Caps" pitchFamily="2" charset="0"/>
+                  </a:rPr>
+                  <a:t>Sys</a:t>
+                </a:r>
+                <a:endParaRPr lang="en-DE" b="1" dirty="0">
+                  <a:solidFill>
+                    <a:srgbClr val="FF8800"/>
+                  </a:solidFill>
+                  <a:latin typeface="Euro Caps" pitchFamily="2" charset="0"/>
+                </a:endParaRPr>
+              </a:p>
+            </p:txBody>
+          </p:sp>
+        </p:grpSp>
+        <p:pic>
+          <p:nvPicPr>
+            <p:cNvPr id="130" name="Grafik 129">
+              <a:extLst>
+                <a:ext uri="{FF2B5EF4-FFF2-40B4-BE49-F238E27FC236}">
+                  <a16:creationId xmlns:a16="http://schemas.microsoft.com/office/drawing/2014/main" id="{075E95B0-6022-4C0A-952C-BDC70B430456}"/>
+                </a:ext>
+              </a:extLst>
+            </p:cNvPr>
+            <p:cNvPicPr>
+              <a:picLocks noChangeAspect="1"/>
+            </p:cNvPicPr>
+            <p:nvPr/>
+          </p:nvPicPr>
+          <p:blipFill>
+            <a:blip r:embed="rId13">
+              <a:extLst>
+                <a:ext uri="{28A0092B-C50C-407E-A947-70E740481C1C}">
+                  <a14:useLocalDpi xmlns:a14="http://schemas.microsoft.com/office/drawing/2010/main" val="0"/>
+                </a:ext>
+              </a:extLst>
+            </a:blip>
+            <a:stretch>
+              <a:fillRect/>
+            </a:stretch>
+          </p:blipFill>
+          <p:spPr>
+            <a:xfrm>
+              <a:off x="9713107" y="4812019"/>
+              <a:ext cx="975238" cy="975238"/>
+            </a:xfrm>
+            <a:prstGeom prst="rect">
+              <a:avLst/>
+            </a:prstGeom>
+          </p:spPr>
+        </p:pic>
+      </p:grpSp>
+      <p:grpSp>
+        <p:nvGrpSpPr>
+          <p:cNvPr id="133" name="Gruppieren 132">
+            <a:extLst>
+              <a:ext uri="{FF2B5EF4-FFF2-40B4-BE49-F238E27FC236}">
+                <a16:creationId xmlns:a16="http://schemas.microsoft.com/office/drawing/2014/main" id="{4BF04A75-E72A-4793-BA21-AE8A49DCF533}"/>
+              </a:ext>
+            </a:extLst>
+          </p:cNvPr>
+          <p:cNvGrpSpPr>
+            <a:grpSpLocks/>
+          </p:cNvGrpSpPr>
+          <p:nvPr/>
+        </p:nvGrpSpPr>
+        <p:grpSpPr>
+          <a:xfrm>
+            <a:off x="4509194" y="2056809"/>
+            <a:ext cx="864000" cy="945678"/>
+            <a:chOff x="8229052" y="4812018"/>
+            <a:chExt cx="1219200" cy="1305089"/>
+          </a:xfrm>
+        </p:grpSpPr>
+        <p:grpSp>
+          <p:nvGrpSpPr>
+            <p:cNvPr id="134" name="Gruppieren 133">
+              <a:extLst>
+                <a:ext uri="{FF2B5EF4-FFF2-40B4-BE49-F238E27FC236}">
+                  <a16:creationId xmlns:a16="http://schemas.microsoft.com/office/drawing/2014/main" id="{89AB152F-FD0B-4852-ADB0-32CA9D4ABABF}"/>
+                </a:ext>
+              </a:extLst>
+            </p:cNvPr>
+            <p:cNvGrpSpPr/>
+            <p:nvPr/>
+          </p:nvGrpSpPr>
+          <p:grpSpPr>
+            <a:xfrm>
+              <a:off x="8229052" y="4897908"/>
+              <a:ext cx="1219200" cy="1219199"/>
+              <a:chOff x="1925186" y="900986"/>
+              <a:chExt cx="1219200" cy="1219199"/>
+            </a:xfrm>
+          </p:grpSpPr>
+          <p:sp>
+            <p:nvSpPr>
+              <p:cNvPr id="136" name="Rechteck 135">
+                <a:extLst>
+                  <a:ext uri="{FF2B5EF4-FFF2-40B4-BE49-F238E27FC236}">
+                    <a16:creationId xmlns:a16="http://schemas.microsoft.com/office/drawing/2014/main" id="{4557E78A-F3C8-4DB9-AB41-5BE9F66FEF32}"/>
+                  </a:ext>
+                </a:extLst>
+              </p:cNvPr>
+              <p:cNvSpPr/>
+              <p:nvPr/>
+            </p:nvSpPr>
+            <p:spPr>
+              <a:xfrm>
+                <a:off x="1925186" y="900986"/>
+                <a:ext cx="1219200" cy="732552"/>
+              </a:xfrm>
+              <a:prstGeom prst="rect">
+                <a:avLst/>
+              </a:prstGeom>
+              <a:solidFill>
+                <a:srgbClr val="000000"/>
+              </a:solidFill>
+              <a:ln>
+                <a:solidFill>
+                  <a:schemeClr val="tx1"/>
+                </a:solidFill>
+              </a:ln>
+            </p:spPr>
+            <p:style>
+              <a:lnRef idx="2">
+                <a:schemeClr val="accent1">
+                  <a:shade val="50000"/>
+                </a:schemeClr>
+              </a:lnRef>
+              <a:fillRef idx="1">
+                <a:schemeClr val="accent1"/>
+              </a:fillRef>
+              <a:effectRef idx="0">
+                <a:schemeClr val="accent1"/>
+              </a:effectRef>
+              <a:fontRef idx="minor">
+                <a:schemeClr val="lt1"/>
+              </a:fontRef>
+            </p:style>
+            <p:txBody>
+              <a:bodyPr rtlCol="0" anchor="ctr"/>
+              <a:lstStyle/>
+              <a:p>
+                <a:pPr algn="ctr"/>
+                <a:endParaRPr lang="de-DE" dirty="0">
+                  <a:solidFill>
+                    <a:srgbClr val="FF8800"/>
+                  </a:solidFill>
+                  <a:latin typeface="Euro Caps" pitchFamily="2" charset="0"/>
+                </a:endParaRPr>
+              </a:p>
+            </p:txBody>
+          </p:sp>
+          <p:sp>
+            <p:nvSpPr>
+              <p:cNvPr id="137" name="Rechteck 136">
+                <a:extLst>
+                  <a:ext uri="{FF2B5EF4-FFF2-40B4-BE49-F238E27FC236}">
+                    <a16:creationId xmlns:a16="http://schemas.microsoft.com/office/drawing/2014/main" id="{625E24CF-2FDD-48D8-AE75-E0B623A669CB}"/>
+                  </a:ext>
+                </a:extLst>
+              </p:cNvPr>
+              <p:cNvSpPr/>
+              <p:nvPr/>
+            </p:nvSpPr>
+            <p:spPr>
+              <a:xfrm>
+                <a:off x="1925186" y="1633538"/>
+                <a:ext cx="1219200" cy="486647"/>
+              </a:xfrm>
+              <a:prstGeom prst="rect">
+                <a:avLst/>
+              </a:prstGeom>
+              <a:solidFill>
+                <a:srgbClr val="804400"/>
+              </a:solidFill>
+              <a:ln>
+                <a:solidFill>
+                  <a:srgbClr val="804400"/>
+                </a:solidFill>
+              </a:ln>
+            </p:spPr>
+            <p:style>
+              <a:lnRef idx="2">
+                <a:schemeClr val="accent1">
+                  <a:shade val="50000"/>
+                </a:schemeClr>
+              </a:lnRef>
+              <a:fillRef idx="1">
+                <a:schemeClr val="accent1"/>
+              </a:fillRef>
+              <a:effectRef idx="0">
+                <a:schemeClr val="accent1"/>
+              </a:effectRef>
+              <a:fontRef idx="minor">
+                <a:schemeClr val="lt1"/>
+              </a:fontRef>
+            </p:style>
+            <p:txBody>
+              <a:bodyPr rtlCol="0" anchor="ctr"/>
+              <a:lstStyle/>
+              <a:p>
+                <a:pPr algn="ctr"/>
+                <a:r>
+                  <a:rPr lang="de-DE" b="1" dirty="0">
+                    <a:solidFill>
+                      <a:srgbClr val="000000"/>
+                    </a:solidFill>
+                    <a:latin typeface="Euro Caps" pitchFamily="2" charset="0"/>
+                  </a:rPr>
+                  <a:t>SYS</a:t>
+                </a:r>
+                <a:endParaRPr lang="en-DE" b="1" dirty="0">
+                  <a:solidFill>
+                    <a:srgbClr val="000000"/>
+                  </a:solidFill>
+                  <a:latin typeface="Euro Caps" pitchFamily="2" charset="0"/>
+                </a:endParaRPr>
+              </a:p>
+            </p:txBody>
+          </p:sp>
+        </p:grpSp>
+        <p:pic>
+          <p:nvPicPr>
+            <p:cNvPr id="135" name="Grafik 134">
+              <a:extLst>
+                <a:ext uri="{FF2B5EF4-FFF2-40B4-BE49-F238E27FC236}">
+                  <a16:creationId xmlns:a16="http://schemas.microsoft.com/office/drawing/2014/main" id="{9B3D6486-8913-4285-9D1F-45842C0948D0}"/>
+                </a:ext>
+              </a:extLst>
+            </p:cNvPr>
+            <p:cNvPicPr>
+              <a:picLocks noChangeAspect="1"/>
+            </p:cNvPicPr>
+            <p:nvPr/>
+          </p:nvPicPr>
+          <p:blipFill>
+            <a:blip r:embed="rId14">
+              <a:extLst>
+                <a:ext uri="{28A0092B-C50C-407E-A947-70E740481C1C}">
+                  <a14:useLocalDpi xmlns:a14="http://schemas.microsoft.com/office/drawing/2010/main" val="0"/>
+                </a:ext>
+              </a:extLst>
+            </a:blip>
+            <a:stretch>
+              <a:fillRect/>
+            </a:stretch>
+          </p:blipFill>
+          <p:spPr>
+            <a:xfrm>
+              <a:off x="8348470" y="4812018"/>
+              <a:ext cx="975239" cy="975238"/>
+            </a:xfrm>
+            <a:prstGeom prst="rect">
+              <a:avLst/>
+            </a:prstGeom>
+          </p:spPr>
+        </p:pic>
+      </p:grpSp>
+      <p:grpSp>
+        <p:nvGrpSpPr>
+          <p:cNvPr id="138" name="Gruppieren 137">
+            <a:extLst>
+              <a:ext uri="{FF2B5EF4-FFF2-40B4-BE49-F238E27FC236}">
+                <a16:creationId xmlns:a16="http://schemas.microsoft.com/office/drawing/2014/main" id="{6A98C8B7-999C-4176-8F87-5862F7589563}"/>
+              </a:ext>
+            </a:extLst>
+          </p:cNvPr>
+          <p:cNvGrpSpPr>
+            <a:grpSpLocks noChangeAspect="1"/>
+          </p:cNvGrpSpPr>
+          <p:nvPr/>
+        </p:nvGrpSpPr>
+        <p:grpSpPr>
+          <a:xfrm>
+            <a:off x="1598201" y="2127925"/>
+            <a:ext cx="864001" cy="864000"/>
+            <a:chOff x="9106020" y="2271673"/>
+            <a:chExt cx="1219200" cy="1219199"/>
+          </a:xfrm>
+        </p:grpSpPr>
+        <p:grpSp>
+          <p:nvGrpSpPr>
+            <p:cNvPr id="139" name="Gruppieren 138">
+              <a:extLst>
+                <a:ext uri="{FF2B5EF4-FFF2-40B4-BE49-F238E27FC236}">
+                  <a16:creationId xmlns:a16="http://schemas.microsoft.com/office/drawing/2014/main" id="{C6B56F04-E660-4CE6-919A-D2EEBEB1A167}"/>
+                </a:ext>
+              </a:extLst>
+            </p:cNvPr>
+            <p:cNvGrpSpPr/>
+            <p:nvPr/>
+          </p:nvGrpSpPr>
+          <p:grpSpPr>
+            <a:xfrm>
+              <a:off x="9106020" y="2271673"/>
+              <a:ext cx="1219200" cy="1219199"/>
+              <a:chOff x="1925186" y="900986"/>
+              <a:chExt cx="1219200" cy="1219199"/>
+            </a:xfrm>
+          </p:grpSpPr>
+          <p:sp>
+            <p:nvSpPr>
+              <p:cNvPr id="141" name="Rechteck 140">
+                <a:extLst>
+                  <a:ext uri="{FF2B5EF4-FFF2-40B4-BE49-F238E27FC236}">
+                    <a16:creationId xmlns:a16="http://schemas.microsoft.com/office/drawing/2014/main" id="{031AEE96-FA23-4FA1-8E65-2F165857216F}"/>
+                  </a:ext>
+                </a:extLst>
+              </p:cNvPr>
+              <p:cNvSpPr/>
+              <p:nvPr/>
+            </p:nvSpPr>
+            <p:spPr>
+              <a:xfrm>
+                <a:off x="1925186" y="900986"/>
+                <a:ext cx="1219200" cy="732552"/>
+              </a:xfrm>
+              <a:prstGeom prst="rect">
+                <a:avLst/>
+              </a:prstGeom>
+              <a:solidFill>
+                <a:srgbClr val="000000"/>
+              </a:solidFill>
+              <a:ln>
+                <a:solidFill>
+                  <a:schemeClr val="tx1"/>
+                </a:solidFill>
+              </a:ln>
+            </p:spPr>
+            <p:style>
+              <a:lnRef idx="2">
+                <a:schemeClr val="accent1">
+                  <a:shade val="50000"/>
+                </a:schemeClr>
+              </a:lnRef>
+              <a:fillRef idx="1">
+                <a:schemeClr val="accent1"/>
+              </a:fillRef>
+              <a:effectRef idx="0">
+                <a:schemeClr val="accent1"/>
+              </a:effectRef>
+              <a:fontRef idx="minor">
+                <a:schemeClr val="lt1"/>
+              </a:fontRef>
+            </p:style>
+            <p:txBody>
+              <a:bodyPr rtlCol="0" anchor="ctr"/>
+              <a:lstStyle/>
+              <a:p>
+                <a:pPr algn="ctr"/>
+                <a:endParaRPr lang="de-DE" dirty="0">
+                  <a:solidFill>
+                    <a:srgbClr val="FF8800"/>
+                  </a:solidFill>
+                  <a:latin typeface="Euro Caps" pitchFamily="2" charset="0"/>
+                </a:endParaRPr>
+              </a:p>
+            </p:txBody>
+          </p:sp>
+          <p:sp>
+            <p:nvSpPr>
+              <p:cNvPr id="142" name="Rechteck 141">
+                <a:extLst>
+                  <a:ext uri="{FF2B5EF4-FFF2-40B4-BE49-F238E27FC236}">
+                    <a16:creationId xmlns:a16="http://schemas.microsoft.com/office/drawing/2014/main" id="{E7C12F0B-8BFD-4349-A51B-9DD99608C8A3}"/>
+                  </a:ext>
+                </a:extLst>
+              </p:cNvPr>
+              <p:cNvSpPr/>
+              <p:nvPr/>
+            </p:nvSpPr>
+            <p:spPr>
+              <a:xfrm>
+                <a:off x="1925186" y="1633538"/>
+                <a:ext cx="1219200" cy="486647"/>
+              </a:xfrm>
+              <a:prstGeom prst="rect">
+                <a:avLst/>
+              </a:prstGeom>
+              <a:solidFill>
+                <a:srgbClr val="804400"/>
+              </a:solidFill>
+              <a:ln>
+                <a:solidFill>
+                  <a:srgbClr val="804400"/>
+                </a:solidFill>
+              </a:ln>
+            </p:spPr>
+            <p:style>
+              <a:lnRef idx="2">
+                <a:schemeClr val="accent1">
+                  <a:shade val="50000"/>
+                </a:schemeClr>
+              </a:lnRef>
+              <a:fillRef idx="1">
+                <a:schemeClr val="accent1"/>
+              </a:fillRef>
+              <a:effectRef idx="0">
+                <a:schemeClr val="accent1"/>
+              </a:effectRef>
+              <a:fontRef idx="minor">
+                <a:schemeClr val="lt1"/>
+              </a:fontRef>
+            </p:style>
+            <p:txBody>
+              <a:bodyPr rtlCol="0" anchor="ctr"/>
+              <a:lstStyle/>
+              <a:p>
+                <a:pPr algn="ctr"/>
+                <a:r>
+                  <a:rPr lang="de-DE" b="1" dirty="0">
+                    <a:solidFill>
+                      <a:srgbClr val="000000"/>
+                    </a:solidFill>
+                    <a:latin typeface="Euro Caps" pitchFamily="2" charset="0"/>
+                  </a:rPr>
+                  <a:t>CMD</a:t>
+                </a:r>
+                <a:endParaRPr lang="en-DE" b="1" dirty="0">
+                  <a:solidFill>
+                    <a:srgbClr val="000000"/>
+                  </a:solidFill>
+                  <a:latin typeface="Euro Caps" pitchFamily="2" charset="0"/>
+                </a:endParaRPr>
+              </a:p>
+            </p:txBody>
+          </p:sp>
+        </p:grpSp>
+        <p:pic>
+          <p:nvPicPr>
+            <p:cNvPr id="140" name="Grafik 139">
+              <a:extLst>
+                <a:ext uri="{FF2B5EF4-FFF2-40B4-BE49-F238E27FC236}">
+                  <a16:creationId xmlns:a16="http://schemas.microsoft.com/office/drawing/2014/main" id="{8776D8EF-3949-4F1C-8715-F62CC2411E7D}"/>
+                </a:ext>
+              </a:extLst>
+            </p:cNvPr>
+            <p:cNvPicPr>
+              <a:picLocks noChangeAspect="1"/>
+            </p:cNvPicPr>
+            <p:nvPr/>
+          </p:nvPicPr>
+          <p:blipFill>
+            <a:blip r:embed="rId15">
+              <a:extLst>
+                <a:ext uri="{28A0092B-C50C-407E-A947-70E740481C1C}">
+                  <a14:useLocalDpi xmlns:a14="http://schemas.microsoft.com/office/drawing/2010/main" val="0"/>
+                </a:ext>
+              </a:extLst>
+            </a:blip>
+            <a:stretch>
+              <a:fillRect/>
+            </a:stretch>
+          </p:blipFill>
+          <p:spPr>
+            <a:xfrm>
+              <a:off x="9391431" y="2370020"/>
+              <a:ext cx="635217" cy="527230"/>
+            </a:xfrm>
+            <a:prstGeom prst="rect">
+              <a:avLst/>
+            </a:prstGeom>
+          </p:spPr>
+        </p:pic>
+      </p:grpSp>
+      <p:grpSp>
+        <p:nvGrpSpPr>
+          <p:cNvPr id="54" name="Gruppieren 53">
+            <a:extLst>
+              <a:ext uri="{FF2B5EF4-FFF2-40B4-BE49-F238E27FC236}">
+                <a16:creationId xmlns:a16="http://schemas.microsoft.com/office/drawing/2014/main" id="{B8AD3F18-3A73-41F9-A1F6-AF55A971A7E5}"/>
+              </a:ext>
+            </a:extLst>
+          </p:cNvPr>
+          <p:cNvGrpSpPr/>
+          <p:nvPr/>
+        </p:nvGrpSpPr>
+        <p:grpSpPr>
+          <a:xfrm>
+            <a:off x="8557522" y="810816"/>
+            <a:ext cx="864001" cy="864000"/>
+            <a:chOff x="8557522" y="810816"/>
+            <a:chExt cx="864001" cy="864000"/>
+          </a:xfrm>
+        </p:grpSpPr>
+        <p:grpSp>
+          <p:nvGrpSpPr>
+            <p:cNvPr id="144" name="Gruppieren 143">
+              <a:extLst>
+                <a:ext uri="{FF2B5EF4-FFF2-40B4-BE49-F238E27FC236}">
+                  <a16:creationId xmlns:a16="http://schemas.microsoft.com/office/drawing/2014/main" id="{0B156DA0-E0F2-4879-8673-6D871008EF25}"/>
+                </a:ext>
+              </a:extLst>
+            </p:cNvPr>
+            <p:cNvGrpSpPr/>
+            <p:nvPr/>
+          </p:nvGrpSpPr>
+          <p:grpSpPr>
+            <a:xfrm>
+              <a:off x="8557522" y="810816"/>
+              <a:ext cx="864001" cy="864000"/>
+              <a:chOff x="1925186" y="900986"/>
+              <a:chExt cx="1219200" cy="1219199"/>
+            </a:xfrm>
+          </p:grpSpPr>
+          <p:sp>
+            <p:nvSpPr>
+              <p:cNvPr id="146" name="Rechteck 145">
+                <a:extLst>
+                  <a:ext uri="{FF2B5EF4-FFF2-40B4-BE49-F238E27FC236}">
+                    <a16:creationId xmlns:a16="http://schemas.microsoft.com/office/drawing/2014/main" id="{C71EB801-71F9-4EEB-892E-AD685752C26E}"/>
+                  </a:ext>
+                </a:extLst>
+              </p:cNvPr>
+              <p:cNvSpPr/>
+              <p:nvPr/>
+            </p:nvSpPr>
+            <p:spPr>
+              <a:xfrm>
+                <a:off x="1925186" y="900986"/>
+                <a:ext cx="1219200" cy="732552"/>
+              </a:xfrm>
+              <a:prstGeom prst="rect">
+                <a:avLst/>
+              </a:prstGeom>
+              <a:solidFill>
+                <a:srgbClr val="000000"/>
+              </a:solidFill>
+              <a:ln>
+                <a:solidFill>
+                  <a:schemeClr val="tx1"/>
+                </a:solidFill>
+              </a:ln>
+            </p:spPr>
+            <p:style>
+              <a:lnRef idx="2">
+                <a:schemeClr val="accent1">
+                  <a:shade val="50000"/>
+                </a:schemeClr>
+              </a:lnRef>
+              <a:fillRef idx="1">
+                <a:schemeClr val="accent1"/>
+              </a:fillRef>
+              <a:effectRef idx="0">
+                <a:schemeClr val="accent1"/>
+              </a:effectRef>
+              <a:fontRef idx="minor">
+                <a:schemeClr val="lt1"/>
+              </a:fontRef>
+            </p:style>
+            <p:txBody>
+              <a:bodyPr rtlCol="0" anchor="ctr"/>
+              <a:lstStyle/>
+              <a:p>
+                <a:pPr algn="ctr"/>
+                <a:br>
+                  <a:rPr lang="de-DE" dirty="0">
+                    <a:solidFill>
+                      <a:srgbClr val="FF8800"/>
+                    </a:solidFill>
+                    <a:latin typeface="Euro Caps" pitchFamily="2" charset="0"/>
+                  </a:rPr>
+                </a:br>
+                <a:endParaRPr lang="de-DE" dirty="0">
+                  <a:solidFill>
+                    <a:srgbClr val="FF8800"/>
+                  </a:solidFill>
+                  <a:latin typeface="Euro Caps" pitchFamily="2" charset="0"/>
+                </a:endParaRPr>
+              </a:p>
+            </p:txBody>
+          </p:sp>
+          <p:sp>
+            <p:nvSpPr>
+              <p:cNvPr id="147" name="Rechteck 146">
+                <a:extLst>
+                  <a:ext uri="{FF2B5EF4-FFF2-40B4-BE49-F238E27FC236}">
+                    <a16:creationId xmlns:a16="http://schemas.microsoft.com/office/drawing/2014/main" id="{62045611-1F6B-4194-ABEC-8E19C62C1D7B}"/>
+                  </a:ext>
+                </a:extLst>
+              </p:cNvPr>
+              <p:cNvSpPr/>
+              <p:nvPr/>
+            </p:nvSpPr>
+            <p:spPr>
+              <a:xfrm>
+                <a:off x="1925186" y="1633538"/>
+                <a:ext cx="1219200" cy="486647"/>
+              </a:xfrm>
+              <a:prstGeom prst="rect">
+                <a:avLst/>
+              </a:prstGeom>
+              <a:solidFill>
+                <a:srgbClr val="71D6FF"/>
+              </a:solidFill>
+              <a:ln>
+                <a:solidFill>
+                  <a:srgbClr val="71D6FF"/>
+                </a:solidFill>
+              </a:ln>
+            </p:spPr>
+            <p:style>
+              <a:lnRef idx="2">
+                <a:schemeClr val="accent1">
+                  <a:shade val="50000"/>
+                </a:schemeClr>
+              </a:lnRef>
+              <a:fillRef idx="1">
+                <a:schemeClr val="accent1"/>
+              </a:fillRef>
+              <a:effectRef idx="0">
+                <a:schemeClr val="accent1"/>
+              </a:effectRef>
+              <a:fontRef idx="minor">
+                <a:schemeClr val="lt1"/>
+              </a:fontRef>
+            </p:style>
+            <p:txBody>
+              <a:bodyPr rtlCol="0" anchor="ctr"/>
+              <a:lstStyle/>
+              <a:p>
+                <a:pPr algn="ctr"/>
+                <a:r>
+                  <a:rPr lang="de-DE" b="1" dirty="0">
+                    <a:solidFill>
+                      <a:srgbClr val="000000"/>
+                    </a:solidFill>
+                    <a:latin typeface="Euro Caps"/>
+                  </a:rPr>
+                  <a:t>Act</a:t>
+                </a:r>
+                <a:endParaRPr lang="en-DE" b="1" dirty="0">
+                  <a:solidFill>
+                    <a:srgbClr val="000000"/>
+                  </a:solidFill>
+                  <a:latin typeface="Euro Caps"/>
+                </a:endParaRPr>
+              </a:p>
+            </p:txBody>
+          </p:sp>
+        </p:grpSp>
+        <p:pic>
+          <p:nvPicPr>
+            <p:cNvPr id="49" name="Grafik 48">
+              <a:extLst>
+                <a:ext uri="{FF2B5EF4-FFF2-40B4-BE49-F238E27FC236}">
+                  <a16:creationId xmlns:a16="http://schemas.microsoft.com/office/drawing/2014/main" id="{1CE413B9-EB03-4F64-A3D7-15CD51A2E65C}"/>
+                </a:ext>
+              </a:extLst>
+            </p:cNvPr>
+            <p:cNvPicPr>
+              <a:picLocks noChangeAspect="1"/>
+            </p:cNvPicPr>
+            <p:nvPr/>
+          </p:nvPicPr>
+          <p:blipFill>
+            <a:blip r:embed="rId16">
+              <a:extLst>
+                <a:ext uri="{28A0092B-C50C-407E-A947-70E740481C1C}">
+                  <a14:useLocalDpi xmlns:a14="http://schemas.microsoft.com/office/drawing/2010/main" val="0"/>
+                </a:ext>
+              </a:extLst>
+            </a:blip>
+            <a:stretch>
+              <a:fillRect/>
+            </a:stretch>
+          </p:blipFill>
+          <p:spPr>
+            <a:xfrm>
+              <a:off x="8868288" y="859696"/>
+              <a:ext cx="242467" cy="410767"/>
+            </a:xfrm>
+            <a:prstGeom prst="rect">
+              <a:avLst/>
+            </a:prstGeom>
+          </p:spPr>
+        </p:pic>
+      </p:grpSp>
+      <p:grpSp>
+        <p:nvGrpSpPr>
+          <p:cNvPr id="148" name="Gruppieren 147">
+            <a:extLst>
+              <a:ext uri="{FF2B5EF4-FFF2-40B4-BE49-F238E27FC236}">
+                <a16:creationId xmlns:a16="http://schemas.microsoft.com/office/drawing/2014/main" id="{115A383D-9BCC-41DB-9E07-4D431F046789}"/>
+              </a:ext>
+            </a:extLst>
+          </p:cNvPr>
+          <p:cNvGrpSpPr/>
+          <p:nvPr/>
+        </p:nvGrpSpPr>
+        <p:grpSpPr>
+          <a:xfrm>
+            <a:off x="1593537" y="3162975"/>
+            <a:ext cx="864001" cy="864000"/>
+            <a:chOff x="1925186" y="900986"/>
+            <a:chExt cx="1219200" cy="1219199"/>
+          </a:xfrm>
+        </p:grpSpPr>
+        <p:sp>
+          <p:nvSpPr>
+            <p:cNvPr id="149" name="Rechteck 148">
+              <a:extLst>
+                <a:ext uri="{FF2B5EF4-FFF2-40B4-BE49-F238E27FC236}">
+                  <a16:creationId xmlns:a16="http://schemas.microsoft.com/office/drawing/2014/main" id="{83CA7778-F79E-4260-B8D0-FF9FE391B306}"/>
+                </a:ext>
+              </a:extLst>
+            </p:cNvPr>
+            <p:cNvSpPr/>
+            <p:nvPr/>
+          </p:nvSpPr>
+          <p:spPr>
+            <a:xfrm>
+              <a:off x="1925186" y="900986"/>
+              <a:ext cx="1219200" cy="732552"/>
+            </a:xfrm>
+            <a:prstGeom prst="rect">
+              <a:avLst/>
+            </a:prstGeom>
+            <a:solidFill>
+              <a:srgbClr val="000000"/>
+            </a:solidFill>
+            <a:ln>
+              <a:solidFill>
+                <a:schemeClr val="tx1"/>
+              </a:solidFill>
+            </a:ln>
+          </p:spPr>
+          <p:style>
+            <a:lnRef idx="2">
+              <a:schemeClr val="accent1">
+                <a:shade val="50000"/>
+              </a:schemeClr>
+            </a:lnRef>
+            <a:fillRef idx="1">
+              <a:schemeClr val="accent1"/>
+            </a:fillRef>
+            <a:effectRef idx="0">
+              <a:schemeClr val="accent1"/>
+            </a:effectRef>
+            <a:fontRef idx="minor">
+              <a:schemeClr val="lt1"/>
+            </a:fontRef>
+          </p:style>
+          <p:txBody>
+            <a:bodyPr rtlCol="0" anchor="ctr"/>
+            <a:lstStyle/>
+            <a:p>
+              <a:pPr algn="ctr"/>
+              <a:endParaRPr lang="de-DE" dirty="0">
+                <a:solidFill>
+                  <a:srgbClr val="FF8800"/>
+                </a:solidFill>
+                <a:latin typeface="Euro Caps" pitchFamily="2" charset="0"/>
+              </a:endParaRPr>
+            </a:p>
+          </p:txBody>
+        </p:sp>
+        <p:sp>
+          <p:nvSpPr>
+            <p:cNvPr id="150" name="Rechteck 149">
+              <a:extLst>
+                <a:ext uri="{FF2B5EF4-FFF2-40B4-BE49-F238E27FC236}">
+                  <a16:creationId xmlns:a16="http://schemas.microsoft.com/office/drawing/2014/main" id="{A2B27A64-F45E-4133-B7C7-BFD3FBABDE87}"/>
+                </a:ext>
+              </a:extLst>
+            </p:cNvPr>
+            <p:cNvSpPr/>
+            <p:nvPr/>
+          </p:nvSpPr>
+          <p:spPr>
+            <a:xfrm>
+              <a:off x="1925186" y="1633538"/>
+              <a:ext cx="1219200" cy="486647"/>
+            </a:xfrm>
+            <a:prstGeom prst="rect">
+              <a:avLst/>
+            </a:prstGeom>
+            <a:solidFill>
+              <a:srgbClr val="804400"/>
+            </a:solidFill>
+            <a:ln>
+              <a:solidFill>
+                <a:srgbClr val="804400"/>
+              </a:solidFill>
+            </a:ln>
+          </p:spPr>
+          <p:style>
+            <a:lnRef idx="2">
+              <a:schemeClr val="accent1">
+                <a:shade val="50000"/>
+              </a:schemeClr>
+            </a:lnRef>
+            <a:fillRef idx="1">
+              <a:schemeClr val="accent1"/>
+            </a:fillRef>
+            <a:effectRef idx="0">
+              <a:schemeClr val="accent1"/>
+            </a:effectRef>
+            <a:fontRef idx="minor">
+              <a:schemeClr val="lt1"/>
+            </a:fontRef>
+          </p:style>
+          <p:txBody>
+            <a:bodyPr rtlCol="0" anchor="ctr"/>
+            <a:lstStyle/>
+            <a:p>
+              <a:pPr algn="ctr"/>
+              <a:r>
+                <a:rPr lang="de-DE" b="1" dirty="0">
+                  <a:solidFill>
+                    <a:srgbClr val="000000"/>
+                  </a:solidFill>
+                  <a:latin typeface="Euro Caps" pitchFamily="2" charset="0"/>
+                </a:rPr>
+                <a:t>MENU</a:t>
+              </a:r>
+              <a:endParaRPr lang="en-DE" b="1" dirty="0">
+                <a:solidFill>
+                  <a:srgbClr val="000000"/>
+                </a:solidFill>
+                <a:latin typeface="Euro Caps" pitchFamily="2" charset="0"/>
+              </a:endParaRPr>
+            </a:p>
+          </p:txBody>
+        </p:sp>
+      </p:grpSp>
+      <p:pic>
+        <p:nvPicPr>
+          <p:cNvPr id="60" name="Grafik 59">
+            <a:extLst>
+              <a:ext uri="{FF2B5EF4-FFF2-40B4-BE49-F238E27FC236}">
+                <a16:creationId xmlns:a16="http://schemas.microsoft.com/office/drawing/2014/main" id="{4762963A-E6B9-4D52-890C-82A5DEE3F760}"/>
+              </a:ext>
+            </a:extLst>
+          </p:cNvPr>
+          <p:cNvPicPr>
+            <a:picLocks noChangeAspect="1"/>
+          </p:cNvPicPr>
+          <p:nvPr/>
+        </p:nvPicPr>
+        <p:blipFill>
+          <a:blip r:embed="rId17">
+            <a:extLst>
+              <a:ext uri="{28A0092B-C50C-407E-A947-70E740481C1C}">
+                <a14:useLocalDpi xmlns:a14="http://schemas.microsoft.com/office/drawing/2010/main" val="0"/>
+              </a:ext>
+            </a:extLst>
+          </a:blip>
+          <a:stretch>
+            <a:fillRect/>
+          </a:stretch>
+        </p:blipFill>
+        <p:spPr>
+          <a:xfrm>
+            <a:off x="810087" y="3238191"/>
+            <a:ext cx="444900" cy="392377"/>
+          </a:xfrm>
+          <a:prstGeom prst="rect">
+            <a:avLst/>
+          </a:prstGeom>
+        </p:spPr>
+      </p:pic>
+      <p:pic>
+        <p:nvPicPr>
+          <p:cNvPr id="66" name="Grafik 65">
+            <a:extLst>
+              <a:ext uri="{FF2B5EF4-FFF2-40B4-BE49-F238E27FC236}">
+                <a16:creationId xmlns:a16="http://schemas.microsoft.com/office/drawing/2014/main" id="{2B27A3B8-4F2F-469E-B842-7177EDA19D87}"/>
+              </a:ext>
+            </a:extLst>
+          </p:cNvPr>
+          <p:cNvPicPr>
+            <a:picLocks noChangeAspect="1"/>
+          </p:cNvPicPr>
+          <p:nvPr/>
+        </p:nvPicPr>
+        <p:blipFill>
+          <a:blip r:embed="rId18">
+            <a:extLst>
+              <a:ext uri="{28A0092B-C50C-407E-A947-70E740481C1C}">
+                <a14:useLocalDpi xmlns:a14="http://schemas.microsoft.com/office/drawing/2010/main" val="0"/>
+              </a:ext>
+            </a:extLst>
+          </a:blip>
+          <a:stretch>
+            <a:fillRect/>
+          </a:stretch>
+        </p:blipFill>
+        <p:spPr>
+          <a:xfrm>
+            <a:off x="1800461" y="3232811"/>
+            <a:ext cx="444900" cy="392377"/>
+          </a:xfrm>
+          <a:prstGeom prst="rect">
+            <a:avLst/>
+          </a:prstGeom>
+        </p:spPr>
+      </p:pic>
     </p:spTree>
     <p:extLst>
       <p:ext uri="{BB962C8B-B14F-4D97-AF65-F5344CB8AC3E}">

--- a/EDSI-Template.pptx
+++ b/EDSI-Template.pptx
@@ -7,13 +7,12 @@
   <p:sldIdLst>
     <p:sldId id="256" r:id="rId2"/>
     <p:sldId id="257" r:id="rId3"/>
-    <p:sldId id="258" r:id="rId4"/>
-    <p:sldId id="259" r:id="rId5"/>
-    <p:sldId id="263" r:id="rId6"/>
-    <p:sldId id="264" r:id="rId7"/>
-    <p:sldId id="262" r:id="rId8"/>
-    <p:sldId id="261" r:id="rId9"/>
-    <p:sldId id="260" r:id="rId10"/>
+    <p:sldId id="259" r:id="rId4"/>
+    <p:sldId id="263" r:id="rId5"/>
+    <p:sldId id="264" r:id="rId6"/>
+    <p:sldId id="262" r:id="rId7"/>
+    <p:sldId id="261" r:id="rId8"/>
+    <p:sldId id="260" r:id="rId9"/>
   </p:sldIdLst>
   <p:sldSz cx="12192000" cy="6858000"/>
   <p:notesSz cx="6858000" cy="9144000"/>
@@ -7156,158 +7155,10 @@
       </p:grpSpPr>
       <p:grpSp>
         <p:nvGrpSpPr>
-          <p:cNvPr id="72" name="Gruppieren 71">
+          <p:cNvPr id="7" name="Gruppieren 6">
             <a:extLst>
               <a:ext uri="{FF2B5EF4-FFF2-40B4-BE49-F238E27FC236}">
-                <a16:creationId xmlns:a16="http://schemas.microsoft.com/office/drawing/2014/main" id="{3C872CD8-DE10-438C-83FC-AC300702AA75}"/>
-              </a:ext>
-            </a:extLst>
-          </p:cNvPr>
-          <p:cNvGrpSpPr/>
-          <p:nvPr/>
-        </p:nvGrpSpPr>
-        <p:grpSpPr>
-          <a:xfrm>
-            <a:off x="600538" y="2124711"/>
-            <a:ext cx="864001" cy="864000"/>
-            <a:chOff x="1925186" y="900986"/>
-            <a:chExt cx="1219200" cy="1219199"/>
-          </a:xfrm>
-        </p:grpSpPr>
-        <p:sp>
-          <p:nvSpPr>
-            <p:cNvPr id="73" name="Rechteck 72">
-              <a:extLst>
-                <a:ext uri="{FF2B5EF4-FFF2-40B4-BE49-F238E27FC236}">
-                  <a16:creationId xmlns:a16="http://schemas.microsoft.com/office/drawing/2014/main" id="{BB1AA5AD-A6E2-4692-8A0B-A20105212182}"/>
-                </a:ext>
-              </a:extLst>
-            </p:cNvPr>
-            <p:cNvSpPr/>
-            <p:nvPr/>
-          </p:nvSpPr>
-          <p:spPr>
-            <a:xfrm>
-              <a:off x="1925186" y="900986"/>
-              <a:ext cx="1219200" cy="732552"/>
-            </a:xfrm>
-            <a:prstGeom prst="rect">
-              <a:avLst/>
-            </a:prstGeom>
-            <a:solidFill>
-              <a:srgbClr val="000000"/>
-            </a:solidFill>
-            <a:ln>
-              <a:solidFill>
-                <a:schemeClr val="tx1"/>
-              </a:solidFill>
-            </a:ln>
-          </p:spPr>
-          <p:style>
-            <a:lnRef idx="2">
-              <a:schemeClr val="accent1">
-                <a:shade val="50000"/>
-              </a:schemeClr>
-            </a:lnRef>
-            <a:fillRef idx="1">
-              <a:schemeClr val="accent1"/>
-            </a:fillRef>
-            <a:effectRef idx="0">
-              <a:schemeClr val="accent1"/>
-            </a:effectRef>
-            <a:fontRef idx="minor">
-              <a:schemeClr val="lt1"/>
-            </a:fontRef>
-          </p:style>
-          <p:txBody>
-            <a:bodyPr rtlCol="0" anchor="ctr"/>
-            <a:lstStyle/>
-            <a:p>
-              <a:pPr algn="ctr"/>
-              <a:endParaRPr lang="de-DE" dirty="0">
-                <a:solidFill>
-                  <a:srgbClr val="FF8800"/>
-                </a:solidFill>
-                <a:latin typeface="Euro Caps" pitchFamily="2" charset="0"/>
-              </a:endParaRPr>
-            </a:p>
-          </p:txBody>
-        </p:sp>
-        <p:sp>
-          <p:nvSpPr>
-            <p:cNvPr id="74" name="Rechteck 73">
-              <a:extLst>
-                <a:ext uri="{FF2B5EF4-FFF2-40B4-BE49-F238E27FC236}">
-                  <a16:creationId xmlns:a16="http://schemas.microsoft.com/office/drawing/2014/main" id="{97D07696-5AAF-4BF3-996D-4053FE18DAC8}"/>
-                </a:ext>
-              </a:extLst>
-            </p:cNvPr>
-            <p:cNvSpPr/>
-            <p:nvPr/>
-          </p:nvSpPr>
-          <p:spPr>
-            <a:xfrm>
-              <a:off x="1925186" y="1633538"/>
-              <a:ext cx="1219200" cy="486647"/>
-            </a:xfrm>
-            <a:prstGeom prst="rect">
-              <a:avLst/>
-            </a:prstGeom>
-            <a:solidFill>
-              <a:srgbClr val="804400"/>
-            </a:solidFill>
-            <a:ln>
-              <a:solidFill>
-                <a:srgbClr val="804400"/>
-              </a:solidFill>
-            </a:ln>
-          </p:spPr>
-          <p:style>
-            <a:lnRef idx="2">
-              <a:schemeClr val="accent1">
-                <a:shade val="50000"/>
-              </a:schemeClr>
-            </a:lnRef>
-            <a:fillRef idx="1">
-              <a:schemeClr val="accent1"/>
-            </a:fillRef>
-            <a:effectRef idx="0">
-              <a:schemeClr val="accent1"/>
-            </a:effectRef>
-            <a:fontRef idx="minor">
-              <a:schemeClr val="lt1"/>
-            </a:fontRef>
-          </p:style>
-          <p:txBody>
-            <a:bodyPr rtlCol="0" anchor="ctr"/>
-            <a:lstStyle/>
-            <a:p>
-              <a:pPr algn="ctr"/>
-              <a:r>
-                <a:rPr lang="de-DE" b="1" dirty="0">
-                  <a:solidFill>
-                    <a:srgbClr val="000000"/>
-                  </a:solidFill>
-                  <a:latin typeface="Euro Caps" pitchFamily="2" charset="0"/>
-                </a:rPr>
-                <a:t>MENU</a:t>
-              </a:r>
-              <a:endParaRPr lang="en-DE" b="1" dirty="0">
-                <a:solidFill>
-                  <a:srgbClr val="000000"/>
-                </a:solidFill>
-                <a:latin typeface="Euro Caps" pitchFamily="2" charset="0"/>
-              </a:endParaRPr>
-            </a:p>
-          </p:txBody>
-        </p:sp>
-      </p:grpSp>
-      <p:grpSp>
-        <p:nvGrpSpPr>
-          <p:cNvPr id="15" name="Gruppieren 14">
-            <a:extLst>
-              <a:ext uri="{FF2B5EF4-FFF2-40B4-BE49-F238E27FC236}">
-                <a16:creationId xmlns:a16="http://schemas.microsoft.com/office/drawing/2014/main" id="{97986085-F996-4FC0-9825-2F46F90BB2A6}"/>
+                <a16:creationId xmlns:a16="http://schemas.microsoft.com/office/drawing/2014/main" id="{9D59192E-A4B4-44A2-AD06-18581F3EA55B}"/>
               </a:ext>
             </a:extLst>
           </p:cNvPr>
@@ -7318,180 +7169,201 @@
           <a:xfrm>
             <a:off x="600538" y="810816"/>
             <a:ext cx="864001" cy="864000"/>
-            <a:chOff x="1925186" y="900986"/>
-            <a:chExt cx="1219200" cy="1219199"/>
+            <a:chOff x="600538" y="810816"/>
+            <a:chExt cx="864001" cy="864000"/>
           </a:xfrm>
         </p:grpSpPr>
-        <p:sp>
-          <p:nvSpPr>
-            <p:cNvPr id="17" name="Rechteck 16">
+        <p:grpSp>
+          <p:nvGrpSpPr>
+            <p:cNvPr id="15" name="Gruppieren 14">
               <a:extLst>
                 <a:ext uri="{FF2B5EF4-FFF2-40B4-BE49-F238E27FC236}">
-                  <a16:creationId xmlns:a16="http://schemas.microsoft.com/office/drawing/2014/main" id="{1CD2C911-EBE1-4417-A839-00F3207C22D6}"/>
+                  <a16:creationId xmlns:a16="http://schemas.microsoft.com/office/drawing/2014/main" id="{97986085-F996-4FC0-9825-2F46F90BB2A6}"/>
                 </a:ext>
               </a:extLst>
             </p:cNvPr>
-            <p:cNvSpPr/>
+            <p:cNvGrpSpPr/>
             <p:nvPr/>
-          </p:nvSpPr>
+          </p:nvGrpSpPr>
+          <p:grpSpPr>
+            <a:xfrm>
+              <a:off x="600538" y="810816"/>
+              <a:ext cx="864001" cy="864000"/>
+              <a:chOff x="1925186" y="900986"/>
+              <a:chExt cx="1219200" cy="1219199"/>
+            </a:xfrm>
+          </p:grpSpPr>
+          <p:sp>
+            <p:nvSpPr>
+              <p:cNvPr id="17" name="Rechteck 16">
+                <a:extLst>
+                  <a:ext uri="{FF2B5EF4-FFF2-40B4-BE49-F238E27FC236}">
+                    <a16:creationId xmlns:a16="http://schemas.microsoft.com/office/drawing/2014/main" id="{1CD2C911-EBE1-4417-A839-00F3207C22D6}"/>
+                  </a:ext>
+                </a:extLst>
+              </p:cNvPr>
+              <p:cNvSpPr/>
+              <p:nvPr/>
+            </p:nvSpPr>
+            <p:spPr>
+              <a:xfrm>
+                <a:off x="1925186" y="900986"/>
+                <a:ext cx="1219200" cy="732552"/>
+              </a:xfrm>
+              <a:prstGeom prst="rect">
+                <a:avLst/>
+              </a:prstGeom>
+              <a:solidFill>
+                <a:srgbClr val="000000"/>
+              </a:solidFill>
+              <a:ln>
+                <a:solidFill>
+                  <a:schemeClr val="tx1"/>
+                </a:solidFill>
+              </a:ln>
+            </p:spPr>
+            <p:style>
+              <a:lnRef idx="2">
+                <a:schemeClr val="accent1">
+                  <a:shade val="50000"/>
+                </a:schemeClr>
+              </a:lnRef>
+              <a:fillRef idx="1">
+                <a:schemeClr val="accent1"/>
+              </a:fillRef>
+              <a:effectRef idx="0">
+                <a:schemeClr val="accent1"/>
+              </a:effectRef>
+              <a:fontRef idx="minor">
+                <a:schemeClr val="lt1"/>
+              </a:fontRef>
+            </p:style>
+            <p:txBody>
+              <a:bodyPr rtlCol="0" anchor="ctr"/>
+              <a:lstStyle/>
+              <a:p>
+                <a:pPr algn="ctr"/>
+                <a:endParaRPr lang="de-DE" sz="1400" dirty="0">
+                  <a:solidFill>
+                    <a:srgbClr val="FF8800"/>
+                  </a:solidFill>
+                  <a:latin typeface="Euro Caps" pitchFamily="2" charset="0"/>
+                </a:endParaRPr>
+              </a:p>
+            </p:txBody>
+          </p:sp>
+          <p:sp>
+            <p:nvSpPr>
+              <p:cNvPr id="18" name="Rechteck 17">
+                <a:extLst>
+                  <a:ext uri="{FF2B5EF4-FFF2-40B4-BE49-F238E27FC236}">
+                    <a16:creationId xmlns:a16="http://schemas.microsoft.com/office/drawing/2014/main" id="{BA4EEE27-B8F2-48B9-A8C6-2D489CF35101}"/>
+                  </a:ext>
+                </a:extLst>
+              </p:cNvPr>
+              <p:cNvSpPr/>
+              <p:nvPr/>
+            </p:nvSpPr>
+            <p:spPr>
+              <a:xfrm>
+                <a:off x="1925186" y="1633538"/>
+                <a:ext cx="1219200" cy="486647"/>
+              </a:xfrm>
+              <a:prstGeom prst="rect">
+                <a:avLst/>
+              </a:prstGeom>
+              <a:solidFill>
+                <a:srgbClr val="804400"/>
+              </a:solidFill>
+              <a:ln>
+                <a:solidFill>
+                  <a:srgbClr val="804400"/>
+                </a:solidFill>
+              </a:ln>
+            </p:spPr>
+            <p:style>
+              <a:lnRef idx="2">
+                <a:schemeClr val="accent1">
+                  <a:shade val="50000"/>
+                </a:schemeClr>
+              </a:lnRef>
+              <a:fillRef idx="1">
+                <a:schemeClr val="accent1"/>
+              </a:fillRef>
+              <a:effectRef idx="0">
+                <a:schemeClr val="accent1"/>
+              </a:effectRef>
+              <a:fontRef idx="minor">
+                <a:schemeClr val="lt1"/>
+              </a:fontRef>
+            </p:style>
+            <p:txBody>
+              <a:bodyPr rtlCol="0" anchor="ctr"/>
+              <a:lstStyle/>
+              <a:p>
+                <a:pPr algn="ctr"/>
+                <a:r>
+                  <a:rPr lang="de-DE" sz="1400" b="1" dirty="0" err="1">
+                    <a:solidFill>
+                      <a:srgbClr val="000000"/>
+                    </a:solidFill>
+                    <a:latin typeface="Euro Caps" pitchFamily="2" charset="0"/>
+                  </a:rPr>
+                  <a:t>Attack</a:t>
+                </a:r>
+                <a:endParaRPr lang="en-DE" sz="1400" b="1" dirty="0">
+                  <a:solidFill>
+                    <a:srgbClr val="000000"/>
+                  </a:solidFill>
+                  <a:latin typeface="Euro Caps" pitchFamily="2" charset="0"/>
+                </a:endParaRPr>
+              </a:p>
+            </p:txBody>
+          </p:sp>
+        </p:grpSp>
+        <p:pic>
+          <p:nvPicPr>
+            <p:cNvPr id="4" name="Grafik 3">
+              <a:extLst>
+                <a:ext uri="{FF2B5EF4-FFF2-40B4-BE49-F238E27FC236}">
+                  <a16:creationId xmlns:a16="http://schemas.microsoft.com/office/drawing/2014/main" id="{2B6C1093-5A03-4828-9BDE-CFE72492D69C}"/>
+                </a:ext>
+              </a:extLst>
+            </p:cNvPr>
+            <p:cNvPicPr>
+              <a:picLocks noChangeAspect="1"/>
+            </p:cNvPicPr>
+            <p:nvPr/>
+          </p:nvPicPr>
+          <p:blipFill>
+            <a:blip r:embed="rId2">
+              <a:extLst>
+                <a:ext uri="{28A0092B-C50C-407E-A947-70E740481C1C}">
+                  <a14:useLocalDpi xmlns:a14="http://schemas.microsoft.com/office/drawing/2010/main" val="0"/>
+                </a:ext>
+              </a:extLst>
+            </a:blip>
+            <a:stretch>
+              <a:fillRect/>
+            </a:stretch>
+          </p:blipFill>
           <p:spPr>
             <a:xfrm>
-              <a:off x="1925186" y="900986"/>
-              <a:ext cx="1219200" cy="732552"/>
+              <a:off x="770810" y="889609"/>
+              <a:ext cx="523455" cy="367146"/>
             </a:xfrm>
             <a:prstGeom prst="rect">
               <a:avLst/>
             </a:prstGeom>
-            <a:solidFill>
-              <a:srgbClr val="000000"/>
-            </a:solidFill>
-            <a:ln>
-              <a:solidFill>
-                <a:schemeClr val="tx1"/>
-              </a:solidFill>
-            </a:ln>
           </p:spPr>
-          <p:style>
-            <a:lnRef idx="2">
-              <a:schemeClr val="accent1">
-                <a:shade val="50000"/>
-              </a:schemeClr>
-            </a:lnRef>
-            <a:fillRef idx="1">
-              <a:schemeClr val="accent1"/>
-            </a:fillRef>
-            <a:effectRef idx="0">
-              <a:schemeClr val="accent1"/>
-            </a:effectRef>
-            <a:fontRef idx="minor">
-              <a:schemeClr val="lt1"/>
-            </a:fontRef>
-          </p:style>
-          <p:txBody>
-            <a:bodyPr rtlCol="0" anchor="ctr"/>
-            <a:lstStyle/>
-            <a:p>
-              <a:pPr algn="ctr"/>
-              <a:endParaRPr lang="de-DE" dirty="0">
-                <a:solidFill>
-                  <a:srgbClr val="FF8800"/>
-                </a:solidFill>
-                <a:latin typeface="Euro Caps" pitchFamily="2" charset="0"/>
-              </a:endParaRPr>
-            </a:p>
-          </p:txBody>
-        </p:sp>
-        <p:sp>
-          <p:nvSpPr>
-            <p:cNvPr id="18" name="Rechteck 17">
-              <a:extLst>
-                <a:ext uri="{FF2B5EF4-FFF2-40B4-BE49-F238E27FC236}">
-                  <a16:creationId xmlns:a16="http://schemas.microsoft.com/office/drawing/2014/main" id="{BA4EEE27-B8F2-48B9-A8C6-2D489CF35101}"/>
-                </a:ext>
-              </a:extLst>
-            </p:cNvPr>
-            <p:cNvSpPr/>
-            <p:nvPr/>
-          </p:nvSpPr>
-          <p:spPr>
-            <a:xfrm>
-              <a:off x="1925186" y="1633538"/>
-              <a:ext cx="1219200" cy="486647"/>
-            </a:xfrm>
-            <a:prstGeom prst="rect">
-              <a:avLst/>
-            </a:prstGeom>
-            <a:solidFill>
-              <a:srgbClr val="804400"/>
-            </a:solidFill>
-            <a:ln>
-              <a:solidFill>
-                <a:srgbClr val="804400"/>
-              </a:solidFill>
-            </a:ln>
-          </p:spPr>
-          <p:style>
-            <a:lnRef idx="2">
-              <a:schemeClr val="accent1">
-                <a:shade val="50000"/>
-              </a:schemeClr>
-            </a:lnRef>
-            <a:fillRef idx="1">
-              <a:schemeClr val="accent1"/>
-            </a:fillRef>
-            <a:effectRef idx="0">
-              <a:schemeClr val="accent1"/>
-            </a:effectRef>
-            <a:fontRef idx="minor">
-              <a:schemeClr val="lt1"/>
-            </a:fontRef>
-          </p:style>
-          <p:txBody>
-            <a:bodyPr rtlCol="0" anchor="ctr"/>
-            <a:lstStyle/>
-            <a:p>
-              <a:pPr algn="ctr"/>
-              <a:r>
-                <a:rPr lang="de-DE" b="1" dirty="0">
-                  <a:solidFill>
-                    <a:srgbClr val="000000"/>
-                  </a:solidFill>
-                  <a:latin typeface="Euro Caps" pitchFamily="2" charset="0"/>
-                </a:rPr>
-                <a:t>MENU</a:t>
-              </a:r>
-              <a:endParaRPr lang="en-DE" b="1" dirty="0">
-                <a:solidFill>
-                  <a:srgbClr val="000000"/>
-                </a:solidFill>
-                <a:latin typeface="Euro Caps" pitchFamily="2" charset="0"/>
-              </a:endParaRPr>
-            </a:p>
-          </p:txBody>
-        </p:sp>
+        </p:pic>
       </p:grpSp>
-      <p:pic>
-        <p:nvPicPr>
-          <p:cNvPr id="4" name="Grafik 3">
+      <p:grpSp>
+        <p:nvGrpSpPr>
+          <p:cNvPr id="9" name="Gruppieren 8">
             <a:extLst>
               <a:ext uri="{FF2B5EF4-FFF2-40B4-BE49-F238E27FC236}">
-                <a16:creationId xmlns:a16="http://schemas.microsoft.com/office/drawing/2014/main" id="{2B6C1093-5A03-4828-9BDE-CFE72492D69C}"/>
-              </a:ext>
-            </a:extLst>
-          </p:cNvPr>
-          <p:cNvPicPr>
-            <a:picLocks noChangeAspect="1"/>
-          </p:cNvPicPr>
-          <p:nvPr/>
-        </p:nvPicPr>
-        <p:blipFill>
-          <a:blip r:embed="rId2">
-            <a:extLst>
-              <a:ext uri="{28A0092B-C50C-407E-A947-70E740481C1C}">
-                <a14:useLocalDpi xmlns:a14="http://schemas.microsoft.com/office/drawing/2010/main" val="0"/>
-              </a:ext>
-            </a:extLst>
-          </a:blip>
-          <a:stretch>
-            <a:fillRect/>
-          </a:stretch>
-        </p:blipFill>
-        <p:spPr>
-          <a:xfrm>
-            <a:off x="770810" y="889609"/>
-            <a:ext cx="523455" cy="367146"/>
-          </a:xfrm>
-          <a:prstGeom prst="rect">
-            <a:avLst/>
-          </a:prstGeom>
-        </p:spPr>
-      </p:pic>
-      <p:grpSp>
-        <p:nvGrpSpPr>
-          <p:cNvPr id="22" name="Gruppieren 21">
-            <a:extLst>
-              <a:ext uri="{FF2B5EF4-FFF2-40B4-BE49-F238E27FC236}">
-                <a16:creationId xmlns:a16="http://schemas.microsoft.com/office/drawing/2014/main" id="{83DD4CD9-5537-40E5-8F37-163D5E431C81}"/>
+                <a16:creationId xmlns:a16="http://schemas.microsoft.com/office/drawing/2014/main" id="{5DB48EBA-ACF8-47E5-885D-67E227B3B27A}"/>
               </a:ext>
             </a:extLst>
           </p:cNvPr>
@@ -7502,180 +7374,201 @@
           <a:xfrm>
             <a:off x="1600234" y="810816"/>
             <a:ext cx="864001" cy="864000"/>
-            <a:chOff x="1925186" y="900986"/>
-            <a:chExt cx="1219200" cy="1219199"/>
+            <a:chOff x="1600234" y="810816"/>
+            <a:chExt cx="864001" cy="864000"/>
           </a:xfrm>
         </p:grpSpPr>
-        <p:sp>
-          <p:nvSpPr>
-            <p:cNvPr id="23" name="Rechteck 22">
+        <p:grpSp>
+          <p:nvGrpSpPr>
+            <p:cNvPr id="22" name="Gruppieren 21">
               <a:extLst>
                 <a:ext uri="{FF2B5EF4-FFF2-40B4-BE49-F238E27FC236}">
-                  <a16:creationId xmlns:a16="http://schemas.microsoft.com/office/drawing/2014/main" id="{29DE2701-4A42-4A81-9664-C9AECADFE298}"/>
+                  <a16:creationId xmlns:a16="http://schemas.microsoft.com/office/drawing/2014/main" id="{83DD4CD9-5537-40E5-8F37-163D5E431C81}"/>
                 </a:ext>
               </a:extLst>
             </p:cNvPr>
-            <p:cNvSpPr/>
+            <p:cNvGrpSpPr/>
             <p:nvPr/>
-          </p:nvSpPr>
+          </p:nvGrpSpPr>
+          <p:grpSpPr>
+            <a:xfrm>
+              <a:off x="1600234" y="810816"/>
+              <a:ext cx="864001" cy="864000"/>
+              <a:chOff x="1925186" y="900986"/>
+              <a:chExt cx="1219200" cy="1219199"/>
+            </a:xfrm>
+          </p:grpSpPr>
+          <p:sp>
+            <p:nvSpPr>
+              <p:cNvPr id="23" name="Rechteck 22">
+                <a:extLst>
+                  <a:ext uri="{FF2B5EF4-FFF2-40B4-BE49-F238E27FC236}">
+                    <a16:creationId xmlns:a16="http://schemas.microsoft.com/office/drawing/2014/main" id="{29DE2701-4A42-4A81-9664-C9AECADFE298}"/>
+                  </a:ext>
+                </a:extLst>
+              </p:cNvPr>
+              <p:cNvSpPr/>
+              <p:nvPr/>
+            </p:nvSpPr>
+            <p:spPr>
+              <a:xfrm>
+                <a:off x="1925186" y="900986"/>
+                <a:ext cx="1219200" cy="732552"/>
+              </a:xfrm>
+              <a:prstGeom prst="rect">
+                <a:avLst/>
+              </a:prstGeom>
+              <a:solidFill>
+                <a:srgbClr val="000000"/>
+              </a:solidFill>
+              <a:ln>
+                <a:solidFill>
+                  <a:schemeClr val="tx1"/>
+                </a:solidFill>
+              </a:ln>
+            </p:spPr>
+            <p:style>
+              <a:lnRef idx="2">
+                <a:schemeClr val="accent1">
+                  <a:shade val="50000"/>
+                </a:schemeClr>
+              </a:lnRef>
+              <a:fillRef idx="1">
+                <a:schemeClr val="accent1"/>
+              </a:fillRef>
+              <a:effectRef idx="0">
+                <a:schemeClr val="accent1"/>
+              </a:effectRef>
+              <a:fontRef idx="minor">
+                <a:schemeClr val="lt1"/>
+              </a:fontRef>
+            </p:style>
+            <p:txBody>
+              <a:bodyPr rtlCol="0" anchor="ctr"/>
+              <a:lstStyle/>
+              <a:p>
+                <a:pPr algn="ctr"/>
+                <a:endParaRPr lang="de-DE" sz="1400" dirty="0">
+                  <a:solidFill>
+                    <a:srgbClr val="FF8800"/>
+                  </a:solidFill>
+                  <a:latin typeface="Euro Caps" pitchFamily="2" charset="0"/>
+                </a:endParaRPr>
+              </a:p>
+            </p:txBody>
+          </p:sp>
+          <p:sp>
+            <p:nvSpPr>
+              <p:cNvPr id="24" name="Rechteck 23">
+                <a:extLst>
+                  <a:ext uri="{FF2B5EF4-FFF2-40B4-BE49-F238E27FC236}">
+                    <a16:creationId xmlns:a16="http://schemas.microsoft.com/office/drawing/2014/main" id="{1662DFA8-CADB-4FEA-89BF-E7AF803DFC1F}"/>
+                  </a:ext>
+                </a:extLst>
+              </p:cNvPr>
+              <p:cNvSpPr/>
+              <p:nvPr/>
+            </p:nvSpPr>
+            <p:spPr>
+              <a:xfrm>
+                <a:off x="1925186" y="1633538"/>
+                <a:ext cx="1219200" cy="486647"/>
+              </a:xfrm>
+              <a:prstGeom prst="rect">
+                <a:avLst/>
+              </a:prstGeom>
+              <a:solidFill>
+                <a:srgbClr val="804400"/>
+              </a:solidFill>
+              <a:ln>
+                <a:solidFill>
+                  <a:srgbClr val="804400"/>
+                </a:solidFill>
+              </a:ln>
+            </p:spPr>
+            <p:style>
+              <a:lnRef idx="2">
+                <a:schemeClr val="accent1">
+                  <a:shade val="50000"/>
+                </a:schemeClr>
+              </a:lnRef>
+              <a:fillRef idx="1">
+                <a:schemeClr val="accent1"/>
+              </a:fillRef>
+              <a:effectRef idx="0">
+                <a:schemeClr val="accent1"/>
+              </a:effectRef>
+              <a:fontRef idx="minor">
+                <a:schemeClr val="lt1"/>
+              </a:fontRef>
+            </p:style>
+            <p:txBody>
+              <a:bodyPr rtlCol="0" anchor="ctr"/>
+              <a:lstStyle/>
+              <a:p>
+                <a:pPr algn="ctr"/>
+                <a:r>
+                  <a:rPr lang="de-DE" sz="1400" b="1" dirty="0" err="1">
+                    <a:solidFill>
+                      <a:srgbClr val="000000"/>
+                    </a:solidFill>
+                    <a:latin typeface="Euro Caps" pitchFamily="2" charset="0"/>
+                  </a:rPr>
+                  <a:t>Defend</a:t>
+                </a:r>
+                <a:endParaRPr lang="en-DE" sz="1400" b="1" dirty="0">
+                  <a:solidFill>
+                    <a:srgbClr val="000000"/>
+                  </a:solidFill>
+                  <a:latin typeface="Euro Caps" pitchFamily="2" charset="0"/>
+                </a:endParaRPr>
+              </a:p>
+            </p:txBody>
+          </p:sp>
+        </p:grpSp>
+        <p:pic>
+          <p:nvPicPr>
+            <p:cNvPr id="6" name="Grafik 5">
+              <a:extLst>
+                <a:ext uri="{FF2B5EF4-FFF2-40B4-BE49-F238E27FC236}">
+                  <a16:creationId xmlns:a16="http://schemas.microsoft.com/office/drawing/2014/main" id="{111F08C7-9D55-4ACC-A212-DABA94C2DD0C}"/>
+                </a:ext>
+              </a:extLst>
+            </p:cNvPr>
+            <p:cNvPicPr>
+              <a:picLocks noChangeAspect="1"/>
+            </p:cNvPicPr>
+            <p:nvPr/>
+          </p:nvPicPr>
+          <p:blipFill>
+            <a:blip r:embed="rId3">
+              <a:extLst>
+                <a:ext uri="{28A0092B-C50C-407E-A947-70E740481C1C}">
+                  <a14:useLocalDpi xmlns:a14="http://schemas.microsoft.com/office/drawing/2010/main" val="0"/>
+                </a:ext>
+              </a:extLst>
+            </a:blip>
+            <a:stretch>
+              <a:fillRect/>
+            </a:stretch>
+          </p:blipFill>
           <p:spPr>
             <a:xfrm>
-              <a:off x="1925186" y="900986"/>
-              <a:ext cx="1219200" cy="732552"/>
+              <a:off x="1863958" y="889609"/>
+              <a:ext cx="336551" cy="367146"/>
             </a:xfrm>
             <a:prstGeom prst="rect">
               <a:avLst/>
             </a:prstGeom>
-            <a:solidFill>
-              <a:srgbClr val="000000"/>
-            </a:solidFill>
-            <a:ln>
-              <a:solidFill>
-                <a:schemeClr val="tx1"/>
-              </a:solidFill>
-            </a:ln>
           </p:spPr>
-          <p:style>
-            <a:lnRef idx="2">
-              <a:schemeClr val="accent1">
-                <a:shade val="50000"/>
-              </a:schemeClr>
-            </a:lnRef>
-            <a:fillRef idx="1">
-              <a:schemeClr val="accent1"/>
-            </a:fillRef>
-            <a:effectRef idx="0">
-              <a:schemeClr val="accent1"/>
-            </a:effectRef>
-            <a:fontRef idx="minor">
-              <a:schemeClr val="lt1"/>
-            </a:fontRef>
-          </p:style>
-          <p:txBody>
-            <a:bodyPr rtlCol="0" anchor="ctr"/>
-            <a:lstStyle/>
-            <a:p>
-              <a:pPr algn="ctr"/>
-              <a:endParaRPr lang="de-DE" dirty="0">
-                <a:solidFill>
-                  <a:srgbClr val="FF8800"/>
-                </a:solidFill>
-                <a:latin typeface="Euro Caps" pitchFamily="2" charset="0"/>
-              </a:endParaRPr>
-            </a:p>
-          </p:txBody>
-        </p:sp>
-        <p:sp>
-          <p:nvSpPr>
-            <p:cNvPr id="24" name="Rechteck 23">
-              <a:extLst>
-                <a:ext uri="{FF2B5EF4-FFF2-40B4-BE49-F238E27FC236}">
-                  <a16:creationId xmlns:a16="http://schemas.microsoft.com/office/drawing/2014/main" id="{1662DFA8-CADB-4FEA-89BF-E7AF803DFC1F}"/>
-                </a:ext>
-              </a:extLst>
-            </p:cNvPr>
-            <p:cNvSpPr/>
-            <p:nvPr/>
-          </p:nvSpPr>
-          <p:spPr>
-            <a:xfrm>
-              <a:off x="1925186" y="1633538"/>
-              <a:ext cx="1219200" cy="486647"/>
-            </a:xfrm>
-            <a:prstGeom prst="rect">
-              <a:avLst/>
-            </a:prstGeom>
-            <a:solidFill>
-              <a:srgbClr val="804400"/>
-            </a:solidFill>
-            <a:ln>
-              <a:solidFill>
-                <a:srgbClr val="804400"/>
-              </a:solidFill>
-            </a:ln>
-          </p:spPr>
-          <p:style>
-            <a:lnRef idx="2">
-              <a:schemeClr val="accent1">
-                <a:shade val="50000"/>
-              </a:schemeClr>
-            </a:lnRef>
-            <a:fillRef idx="1">
-              <a:schemeClr val="accent1"/>
-            </a:fillRef>
-            <a:effectRef idx="0">
-              <a:schemeClr val="accent1"/>
-            </a:effectRef>
-            <a:fontRef idx="minor">
-              <a:schemeClr val="lt1"/>
-            </a:fontRef>
-          </p:style>
-          <p:txBody>
-            <a:bodyPr rtlCol="0" anchor="ctr"/>
-            <a:lstStyle/>
-            <a:p>
-              <a:pPr algn="ctr"/>
-              <a:r>
-                <a:rPr lang="de-DE" b="1" dirty="0">
-                  <a:solidFill>
-                    <a:srgbClr val="000000"/>
-                  </a:solidFill>
-                  <a:latin typeface="Euro Caps" pitchFamily="2" charset="0"/>
-                </a:rPr>
-                <a:t>MENU</a:t>
-              </a:r>
-              <a:endParaRPr lang="en-DE" b="1" dirty="0">
-                <a:solidFill>
-                  <a:srgbClr val="000000"/>
-                </a:solidFill>
-                <a:latin typeface="Euro Caps" pitchFamily="2" charset="0"/>
-              </a:endParaRPr>
-            </a:p>
-          </p:txBody>
-        </p:sp>
+        </p:pic>
       </p:grpSp>
-      <p:pic>
-        <p:nvPicPr>
-          <p:cNvPr id="6" name="Grafik 5">
+      <p:grpSp>
+        <p:nvGrpSpPr>
+          <p:cNvPr id="11" name="Gruppieren 10">
             <a:extLst>
               <a:ext uri="{FF2B5EF4-FFF2-40B4-BE49-F238E27FC236}">
-                <a16:creationId xmlns:a16="http://schemas.microsoft.com/office/drawing/2014/main" id="{111F08C7-9D55-4ACC-A212-DABA94C2DD0C}"/>
-              </a:ext>
-            </a:extLst>
-          </p:cNvPr>
-          <p:cNvPicPr>
-            <a:picLocks noChangeAspect="1"/>
-          </p:cNvPicPr>
-          <p:nvPr/>
-        </p:nvPicPr>
-        <p:blipFill>
-          <a:blip r:embed="rId3">
-            <a:extLst>
-              <a:ext uri="{28A0092B-C50C-407E-A947-70E740481C1C}">
-                <a14:useLocalDpi xmlns:a14="http://schemas.microsoft.com/office/drawing/2010/main" val="0"/>
-              </a:ext>
-            </a:extLst>
-          </a:blip>
-          <a:stretch>
-            <a:fillRect/>
-          </a:stretch>
-        </p:blipFill>
-        <p:spPr>
-          <a:xfrm>
-            <a:off x="1863958" y="889609"/>
-            <a:ext cx="336551" cy="367146"/>
-          </a:xfrm>
-          <a:prstGeom prst="rect">
-            <a:avLst/>
-          </a:prstGeom>
-        </p:spPr>
-      </p:pic>
-      <p:grpSp>
-        <p:nvGrpSpPr>
-          <p:cNvPr id="32" name="Gruppieren 31">
-            <a:extLst>
-              <a:ext uri="{FF2B5EF4-FFF2-40B4-BE49-F238E27FC236}">
-                <a16:creationId xmlns:a16="http://schemas.microsoft.com/office/drawing/2014/main" id="{E4AABC5E-3AD8-4ACC-AEA3-06669E8EFF46}"/>
+                <a16:creationId xmlns:a16="http://schemas.microsoft.com/office/drawing/2014/main" id="{5652AD3A-9148-4BF1-890B-1DD27BD38970}"/>
               </a:ext>
             </a:extLst>
           </p:cNvPr>
@@ -7686,180 +7579,201 @@
           <a:xfrm>
             <a:off x="2599930" y="810816"/>
             <a:ext cx="864001" cy="864000"/>
-            <a:chOff x="1925186" y="900986"/>
-            <a:chExt cx="1219200" cy="1219199"/>
+            <a:chOff x="2599930" y="810816"/>
+            <a:chExt cx="864001" cy="864000"/>
           </a:xfrm>
         </p:grpSpPr>
-        <p:sp>
-          <p:nvSpPr>
-            <p:cNvPr id="33" name="Rechteck 32">
+        <p:grpSp>
+          <p:nvGrpSpPr>
+            <p:cNvPr id="32" name="Gruppieren 31">
               <a:extLst>
                 <a:ext uri="{FF2B5EF4-FFF2-40B4-BE49-F238E27FC236}">
-                  <a16:creationId xmlns:a16="http://schemas.microsoft.com/office/drawing/2014/main" id="{FA39FA45-6BDD-46E0-857E-4A4FD75FFA4B}"/>
+                  <a16:creationId xmlns:a16="http://schemas.microsoft.com/office/drawing/2014/main" id="{E4AABC5E-3AD8-4ACC-AEA3-06669E8EFF46}"/>
                 </a:ext>
               </a:extLst>
             </p:cNvPr>
-            <p:cNvSpPr/>
+            <p:cNvGrpSpPr/>
             <p:nvPr/>
-          </p:nvSpPr>
+          </p:nvGrpSpPr>
+          <p:grpSpPr>
+            <a:xfrm>
+              <a:off x="2599930" y="810816"/>
+              <a:ext cx="864001" cy="864000"/>
+              <a:chOff x="1925186" y="900986"/>
+              <a:chExt cx="1219200" cy="1219199"/>
+            </a:xfrm>
+          </p:grpSpPr>
+          <p:sp>
+            <p:nvSpPr>
+              <p:cNvPr id="33" name="Rechteck 32">
+                <a:extLst>
+                  <a:ext uri="{FF2B5EF4-FFF2-40B4-BE49-F238E27FC236}">
+                    <a16:creationId xmlns:a16="http://schemas.microsoft.com/office/drawing/2014/main" id="{FA39FA45-6BDD-46E0-857E-4A4FD75FFA4B}"/>
+                  </a:ext>
+                </a:extLst>
+              </p:cNvPr>
+              <p:cNvSpPr/>
+              <p:nvPr/>
+            </p:nvSpPr>
+            <p:spPr>
+              <a:xfrm>
+                <a:off x="1925186" y="900986"/>
+                <a:ext cx="1219200" cy="732552"/>
+              </a:xfrm>
+              <a:prstGeom prst="rect">
+                <a:avLst/>
+              </a:prstGeom>
+              <a:solidFill>
+                <a:srgbClr val="000000"/>
+              </a:solidFill>
+              <a:ln>
+                <a:solidFill>
+                  <a:schemeClr val="tx1"/>
+                </a:solidFill>
+              </a:ln>
+            </p:spPr>
+            <p:style>
+              <a:lnRef idx="2">
+                <a:schemeClr val="accent1">
+                  <a:shade val="50000"/>
+                </a:schemeClr>
+              </a:lnRef>
+              <a:fillRef idx="1">
+                <a:schemeClr val="accent1"/>
+              </a:fillRef>
+              <a:effectRef idx="0">
+                <a:schemeClr val="accent1"/>
+              </a:effectRef>
+              <a:fontRef idx="minor">
+                <a:schemeClr val="lt1"/>
+              </a:fontRef>
+            </p:style>
+            <p:txBody>
+              <a:bodyPr rtlCol="0" anchor="ctr"/>
+              <a:lstStyle/>
+              <a:p>
+                <a:pPr algn="ctr"/>
+                <a:endParaRPr lang="de-DE" sz="1400" dirty="0">
+                  <a:solidFill>
+                    <a:srgbClr val="FF8800"/>
+                  </a:solidFill>
+                  <a:latin typeface="Euro Caps" pitchFamily="2" charset="0"/>
+                </a:endParaRPr>
+              </a:p>
+            </p:txBody>
+          </p:sp>
+          <p:sp>
+            <p:nvSpPr>
+              <p:cNvPr id="34" name="Rechteck 33">
+                <a:extLst>
+                  <a:ext uri="{FF2B5EF4-FFF2-40B4-BE49-F238E27FC236}">
+                    <a16:creationId xmlns:a16="http://schemas.microsoft.com/office/drawing/2014/main" id="{11B2929A-2D94-429F-B8FD-0BECB95FFABB}"/>
+                  </a:ext>
+                </a:extLst>
+              </p:cNvPr>
+              <p:cNvSpPr/>
+              <p:nvPr/>
+            </p:nvSpPr>
+            <p:spPr>
+              <a:xfrm>
+                <a:off x="1925186" y="1633538"/>
+                <a:ext cx="1219200" cy="486647"/>
+              </a:xfrm>
+              <a:prstGeom prst="rect">
+                <a:avLst/>
+              </a:prstGeom>
+              <a:solidFill>
+                <a:srgbClr val="804400"/>
+              </a:solidFill>
+              <a:ln>
+                <a:solidFill>
+                  <a:srgbClr val="804400"/>
+                </a:solidFill>
+              </a:ln>
+            </p:spPr>
+            <p:style>
+              <a:lnRef idx="2">
+                <a:schemeClr val="accent1">
+                  <a:shade val="50000"/>
+                </a:schemeClr>
+              </a:lnRef>
+              <a:fillRef idx="1">
+                <a:schemeClr val="accent1"/>
+              </a:fillRef>
+              <a:effectRef idx="0">
+                <a:schemeClr val="accent1"/>
+              </a:effectRef>
+              <a:fontRef idx="minor">
+                <a:schemeClr val="lt1"/>
+              </a:fontRef>
+            </p:style>
+            <p:txBody>
+              <a:bodyPr rtlCol="0" anchor="ctr"/>
+              <a:lstStyle/>
+              <a:p>
+                <a:pPr algn="ctr"/>
+                <a:r>
+                  <a:rPr lang="de-DE" sz="1400" b="1" dirty="0" err="1">
+                    <a:solidFill>
+                      <a:srgbClr val="000000"/>
+                    </a:solidFill>
+                    <a:latin typeface="Euro Caps" pitchFamily="2" charset="0"/>
+                  </a:rPr>
+                  <a:t>Engage</a:t>
+                </a:r>
+                <a:endParaRPr lang="en-DE" sz="1400" b="1" dirty="0">
+                  <a:solidFill>
+                    <a:srgbClr val="000000"/>
+                  </a:solidFill>
+                  <a:latin typeface="Euro Caps" pitchFamily="2" charset="0"/>
+                </a:endParaRPr>
+              </a:p>
+            </p:txBody>
+          </p:sp>
+        </p:grpSp>
+        <p:pic>
+          <p:nvPicPr>
+            <p:cNvPr id="8" name="Grafik 7">
+              <a:extLst>
+                <a:ext uri="{FF2B5EF4-FFF2-40B4-BE49-F238E27FC236}">
+                  <a16:creationId xmlns:a16="http://schemas.microsoft.com/office/drawing/2014/main" id="{9EE2245D-8C2F-4B34-87B0-CEDC59AD38D7}"/>
+                </a:ext>
+              </a:extLst>
+            </p:cNvPr>
+            <p:cNvPicPr>
+              <a:picLocks noChangeAspect="1"/>
+            </p:cNvPicPr>
+            <p:nvPr/>
+          </p:nvPicPr>
+          <p:blipFill>
+            <a:blip r:embed="rId4">
+              <a:extLst>
+                <a:ext uri="{28A0092B-C50C-407E-A947-70E740481C1C}">
+                  <a14:useLocalDpi xmlns:a14="http://schemas.microsoft.com/office/drawing/2010/main" val="0"/>
+                </a:ext>
+              </a:extLst>
+            </a:blip>
+            <a:stretch>
+              <a:fillRect/>
+            </a:stretch>
+          </p:blipFill>
           <p:spPr>
             <a:xfrm>
-              <a:off x="1925186" y="900986"/>
-              <a:ext cx="1219200" cy="732552"/>
+              <a:off x="2770477" y="905303"/>
+              <a:ext cx="522906" cy="319554"/>
             </a:xfrm>
             <a:prstGeom prst="rect">
               <a:avLst/>
             </a:prstGeom>
-            <a:solidFill>
-              <a:srgbClr val="000000"/>
-            </a:solidFill>
-            <a:ln>
-              <a:solidFill>
-                <a:schemeClr val="tx1"/>
-              </a:solidFill>
-            </a:ln>
           </p:spPr>
-          <p:style>
-            <a:lnRef idx="2">
-              <a:schemeClr val="accent1">
-                <a:shade val="50000"/>
-              </a:schemeClr>
-            </a:lnRef>
-            <a:fillRef idx="1">
-              <a:schemeClr val="accent1"/>
-            </a:fillRef>
-            <a:effectRef idx="0">
-              <a:schemeClr val="accent1"/>
-            </a:effectRef>
-            <a:fontRef idx="minor">
-              <a:schemeClr val="lt1"/>
-            </a:fontRef>
-          </p:style>
-          <p:txBody>
-            <a:bodyPr rtlCol="0" anchor="ctr"/>
-            <a:lstStyle/>
-            <a:p>
-              <a:pPr algn="ctr"/>
-              <a:endParaRPr lang="de-DE" dirty="0">
-                <a:solidFill>
-                  <a:srgbClr val="FF8800"/>
-                </a:solidFill>
-                <a:latin typeface="Euro Caps" pitchFamily="2" charset="0"/>
-              </a:endParaRPr>
-            </a:p>
-          </p:txBody>
-        </p:sp>
-        <p:sp>
-          <p:nvSpPr>
-            <p:cNvPr id="34" name="Rechteck 33">
-              <a:extLst>
-                <a:ext uri="{FF2B5EF4-FFF2-40B4-BE49-F238E27FC236}">
-                  <a16:creationId xmlns:a16="http://schemas.microsoft.com/office/drawing/2014/main" id="{11B2929A-2D94-429F-B8FD-0BECB95FFABB}"/>
-                </a:ext>
-              </a:extLst>
-            </p:cNvPr>
-            <p:cNvSpPr/>
-            <p:nvPr/>
-          </p:nvSpPr>
-          <p:spPr>
-            <a:xfrm>
-              <a:off x="1925186" y="1633538"/>
-              <a:ext cx="1219200" cy="486647"/>
-            </a:xfrm>
-            <a:prstGeom prst="rect">
-              <a:avLst/>
-            </a:prstGeom>
-            <a:solidFill>
-              <a:srgbClr val="804400"/>
-            </a:solidFill>
-            <a:ln>
-              <a:solidFill>
-                <a:srgbClr val="804400"/>
-              </a:solidFill>
-            </a:ln>
-          </p:spPr>
-          <p:style>
-            <a:lnRef idx="2">
-              <a:schemeClr val="accent1">
-                <a:shade val="50000"/>
-              </a:schemeClr>
-            </a:lnRef>
-            <a:fillRef idx="1">
-              <a:schemeClr val="accent1"/>
-            </a:fillRef>
-            <a:effectRef idx="0">
-              <a:schemeClr val="accent1"/>
-            </a:effectRef>
-            <a:fontRef idx="minor">
-              <a:schemeClr val="lt1"/>
-            </a:fontRef>
-          </p:style>
-          <p:txBody>
-            <a:bodyPr rtlCol="0" anchor="ctr"/>
-            <a:lstStyle/>
-            <a:p>
-              <a:pPr algn="ctr"/>
-              <a:r>
-                <a:rPr lang="de-DE" b="1" dirty="0">
-                  <a:solidFill>
-                    <a:srgbClr val="000000"/>
-                  </a:solidFill>
-                  <a:latin typeface="Euro Caps" pitchFamily="2" charset="0"/>
-                </a:rPr>
-                <a:t>MENU</a:t>
-              </a:r>
-              <a:endParaRPr lang="en-DE" b="1" dirty="0">
-                <a:solidFill>
-                  <a:srgbClr val="000000"/>
-                </a:solidFill>
-                <a:latin typeface="Euro Caps" pitchFamily="2" charset="0"/>
-              </a:endParaRPr>
-            </a:p>
-          </p:txBody>
-        </p:sp>
+        </p:pic>
       </p:grpSp>
-      <p:pic>
-        <p:nvPicPr>
-          <p:cNvPr id="8" name="Grafik 7">
+      <p:grpSp>
+        <p:nvGrpSpPr>
+          <p:cNvPr id="13" name="Gruppieren 12">
             <a:extLst>
               <a:ext uri="{FF2B5EF4-FFF2-40B4-BE49-F238E27FC236}">
-                <a16:creationId xmlns:a16="http://schemas.microsoft.com/office/drawing/2014/main" id="{9EE2245D-8C2F-4B34-87B0-CEDC59AD38D7}"/>
-              </a:ext>
-            </a:extLst>
-          </p:cNvPr>
-          <p:cNvPicPr>
-            <a:picLocks noChangeAspect="1"/>
-          </p:cNvPicPr>
-          <p:nvPr/>
-        </p:nvPicPr>
-        <p:blipFill>
-          <a:blip r:embed="rId4">
-            <a:extLst>
-              <a:ext uri="{28A0092B-C50C-407E-A947-70E740481C1C}">
-                <a14:useLocalDpi xmlns:a14="http://schemas.microsoft.com/office/drawing/2010/main" val="0"/>
-              </a:ext>
-            </a:extLst>
-          </a:blip>
-          <a:stretch>
-            <a:fillRect/>
-          </a:stretch>
-        </p:blipFill>
-        <p:spPr>
-          <a:xfrm>
-            <a:off x="2770477" y="905303"/>
-            <a:ext cx="522906" cy="319554"/>
-          </a:xfrm>
-          <a:prstGeom prst="rect">
-            <a:avLst/>
-          </a:prstGeom>
-        </p:spPr>
-      </p:pic>
-      <p:grpSp>
-        <p:nvGrpSpPr>
-          <p:cNvPr id="38" name="Gruppieren 37">
-            <a:extLst>
-              <a:ext uri="{FF2B5EF4-FFF2-40B4-BE49-F238E27FC236}">
-                <a16:creationId xmlns:a16="http://schemas.microsoft.com/office/drawing/2014/main" id="{F862A687-D1F7-475C-BBEE-50DD627A72E9}"/>
+                <a16:creationId xmlns:a16="http://schemas.microsoft.com/office/drawing/2014/main" id="{FA8C66B7-3CB9-489D-96E1-5CAF327EE8BB}"/>
               </a:ext>
             </a:extLst>
           </p:cNvPr>
@@ -7870,180 +7784,201 @@
           <a:xfrm>
             <a:off x="3593023" y="810816"/>
             <a:ext cx="864001" cy="864000"/>
-            <a:chOff x="1925186" y="900986"/>
-            <a:chExt cx="1219200" cy="1219199"/>
+            <a:chOff x="3593023" y="810816"/>
+            <a:chExt cx="864001" cy="864000"/>
           </a:xfrm>
         </p:grpSpPr>
-        <p:sp>
-          <p:nvSpPr>
-            <p:cNvPr id="39" name="Rechteck 38">
+        <p:grpSp>
+          <p:nvGrpSpPr>
+            <p:cNvPr id="38" name="Gruppieren 37">
               <a:extLst>
                 <a:ext uri="{FF2B5EF4-FFF2-40B4-BE49-F238E27FC236}">
-                  <a16:creationId xmlns:a16="http://schemas.microsoft.com/office/drawing/2014/main" id="{59D16431-AF4C-433D-ACC8-BBB8202AF12F}"/>
+                  <a16:creationId xmlns:a16="http://schemas.microsoft.com/office/drawing/2014/main" id="{F862A687-D1F7-475C-BBEE-50DD627A72E9}"/>
                 </a:ext>
               </a:extLst>
             </p:cNvPr>
-            <p:cNvSpPr/>
+            <p:cNvGrpSpPr/>
             <p:nvPr/>
-          </p:nvSpPr>
+          </p:nvGrpSpPr>
+          <p:grpSpPr>
+            <a:xfrm>
+              <a:off x="3593023" y="810816"/>
+              <a:ext cx="864001" cy="864000"/>
+              <a:chOff x="1925186" y="900986"/>
+              <a:chExt cx="1219200" cy="1219199"/>
+            </a:xfrm>
+          </p:grpSpPr>
+          <p:sp>
+            <p:nvSpPr>
+              <p:cNvPr id="39" name="Rechteck 38">
+                <a:extLst>
+                  <a:ext uri="{FF2B5EF4-FFF2-40B4-BE49-F238E27FC236}">
+                    <a16:creationId xmlns:a16="http://schemas.microsoft.com/office/drawing/2014/main" id="{59D16431-AF4C-433D-ACC8-BBB8202AF12F}"/>
+                  </a:ext>
+                </a:extLst>
+              </p:cNvPr>
+              <p:cNvSpPr/>
+              <p:nvPr/>
+            </p:nvSpPr>
+            <p:spPr>
+              <a:xfrm>
+                <a:off x="1925186" y="900986"/>
+                <a:ext cx="1219200" cy="732552"/>
+              </a:xfrm>
+              <a:prstGeom prst="rect">
+                <a:avLst/>
+              </a:prstGeom>
+              <a:solidFill>
+                <a:srgbClr val="000000"/>
+              </a:solidFill>
+              <a:ln>
+                <a:solidFill>
+                  <a:schemeClr val="tx1"/>
+                </a:solidFill>
+              </a:ln>
+            </p:spPr>
+            <p:style>
+              <a:lnRef idx="2">
+                <a:schemeClr val="accent1">
+                  <a:shade val="50000"/>
+                </a:schemeClr>
+              </a:lnRef>
+              <a:fillRef idx="1">
+                <a:schemeClr val="accent1"/>
+              </a:fillRef>
+              <a:effectRef idx="0">
+                <a:schemeClr val="accent1"/>
+              </a:effectRef>
+              <a:fontRef idx="minor">
+                <a:schemeClr val="lt1"/>
+              </a:fontRef>
+            </p:style>
+            <p:txBody>
+              <a:bodyPr rtlCol="0" anchor="ctr"/>
+              <a:lstStyle/>
+              <a:p>
+                <a:pPr algn="ctr"/>
+                <a:endParaRPr lang="de-DE" sz="1400" dirty="0">
+                  <a:solidFill>
+                    <a:srgbClr val="FF8800"/>
+                  </a:solidFill>
+                  <a:latin typeface="Euro Caps" pitchFamily="2" charset="0"/>
+                </a:endParaRPr>
+              </a:p>
+            </p:txBody>
+          </p:sp>
+          <p:sp>
+            <p:nvSpPr>
+              <p:cNvPr id="40" name="Rechteck 39">
+                <a:extLst>
+                  <a:ext uri="{FF2B5EF4-FFF2-40B4-BE49-F238E27FC236}">
+                    <a16:creationId xmlns:a16="http://schemas.microsoft.com/office/drawing/2014/main" id="{D7C051F0-0C8E-4996-96D7-6F06BE6D7760}"/>
+                  </a:ext>
+                </a:extLst>
+              </p:cNvPr>
+              <p:cNvSpPr/>
+              <p:nvPr/>
+            </p:nvSpPr>
+            <p:spPr>
+              <a:xfrm>
+                <a:off x="1925186" y="1633538"/>
+                <a:ext cx="1219200" cy="486647"/>
+              </a:xfrm>
+              <a:prstGeom prst="rect">
+                <a:avLst/>
+              </a:prstGeom>
+              <a:solidFill>
+                <a:srgbClr val="804400"/>
+              </a:solidFill>
+              <a:ln>
+                <a:solidFill>
+                  <a:srgbClr val="804400"/>
+                </a:solidFill>
+              </a:ln>
+            </p:spPr>
+            <p:style>
+              <a:lnRef idx="2">
+                <a:schemeClr val="accent1">
+                  <a:shade val="50000"/>
+                </a:schemeClr>
+              </a:lnRef>
+              <a:fillRef idx="1">
+                <a:schemeClr val="accent1"/>
+              </a:fillRef>
+              <a:effectRef idx="0">
+                <a:schemeClr val="accent1"/>
+              </a:effectRef>
+              <a:fontRef idx="minor">
+                <a:schemeClr val="lt1"/>
+              </a:fontRef>
+            </p:style>
+            <p:txBody>
+              <a:bodyPr rtlCol="0" anchor="ctr"/>
+              <a:lstStyle/>
+              <a:p>
+                <a:pPr algn="ctr"/>
+                <a:r>
+                  <a:rPr lang="de-DE" sz="1400" b="1" dirty="0">
+                    <a:solidFill>
+                      <a:srgbClr val="000000"/>
+                    </a:solidFill>
+                    <a:latin typeface="Euro Caps" pitchFamily="2" charset="0"/>
+                  </a:rPr>
+                  <a:t>Follow</a:t>
+                </a:r>
+                <a:endParaRPr lang="en-DE" sz="1400" b="1" dirty="0">
+                  <a:solidFill>
+                    <a:srgbClr val="000000"/>
+                  </a:solidFill>
+                  <a:latin typeface="Euro Caps" pitchFamily="2" charset="0"/>
+                </a:endParaRPr>
+              </a:p>
+            </p:txBody>
+          </p:sp>
+        </p:grpSp>
+        <p:pic>
+          <p:nvPicPr>
+            <p:cNvPr id="10" name="Grafik 9">
+              <a:extLst>
+                <a:ext uri="{FF2B5EF4-FFF2-40B4-BE49-F238E27FC236}">
+                  <a16:creationId xmlns:a16="http://schemas.microsoft.com/office/drawing/2014/main" id="{C5ED9CE7-9020-47FF-A319-59406B9A4919}"/>
+                </a:ext>
+              </a:extLst>
+            </p:cNvPr>
+            <p:cNvPicPr>
+              <a:picLocks noChangeAspect="1"/>
+            </p:cNvPicPr>
+            <p:nvPr/>
+          </p:nvPicPr>
+          <p:blipFill>
+            <a:blip r:embed="rId5">
+              <a:extLst>
+                <a:ext uri="{28A0092B-C50C-407E-A947-70E740481C1C}">
+                  <a14:useLocalDpi xmlns:a14="http://schemas.microsoft.com/office/drawing/2010/main" val="0"/>
+                </a:ext>
+              </a:extLst>
+            </a:blip>
+            <a:stretch>
+              <a:fillRect/>
+            </a:stretch>
+          </p:blipFill>
           <p:spPr>
             <a:xfrm>
-              <a:off x="1925186" y="900986"/>
-              <a:ext cx="1219200" cy="732552"/>
+              <a:off x="3763295" y="867798"/>
+              <a:ext cx="523455" cy="410767"/>
             </a:xfrm>
             <a:prstGeom prst="rect">
               <a:avLst/>
             </a:prstGeom>
-            <a:solidFill>
-              <a:srgbClr val="000000"/>
-            </a:solidFill>
-            <a:ln>
-              <a:solidFill>
-                <a:schemeClr val="tx1"/>
-              </a:solidFill>
-            </a:ln>
           </p:spPr>
-          <p:style>
-            <a:lnRef idx="2">
-              <a:schemeClr val="accent1">
-                <a:shade val="50000"/>
-              </a:schemeClr>
-            </a:lnRef>
-            <a:fillRef idx="1">
-              <a:schemeClr val="accent1"/>
-            </a:fillRef>
-            <a:effectRef idx="0">
-              <a:schemeClr val="accent1"/>
-            </a:effectRef>
-            <a:fontRef idx="minor">
-              <a:schemeClr val="lt1"/>
-            </a:fontRef>
-          </p:style>
-          <p:txBody>
-            <a:bodyPr rtlCol="0" anchor="ctr"/>
-            <a:lstStyle/>
-            <a:p>
-              <a:pPr algn="ctr"/>
-              <a:endParaRPr lang="de-DE" dirty="0">
-                <a:solidFill>
-                  <a:srgbClr val="FF8800"/>
-                </a:solidFill>
-                <a:latin typeface="Euro Caps" pitchFamily="2" charset="0"/>
-              </a:endParaRPr>
-            </a:p>
-          </p:txBody>
-        </p:sp>
-        <p:sp>
-          <p:nvSpPr>
-            <p:cNvPr id="40" name="Rechteck 39">
-              <a:extLst>
-                <a:ext uri="{FF2B5EF4-FFF2-40B4-BE49-F238E27FC236}">
-                  <a16:creationId xmlns:a16="http://schemas.microsoft.com/office/drawing/2014/main" id="{D7C051F0-0C8E-4996-96D7-6F06BE6D7760}"/>
-                </a:ext>
-              </a:extLst>
-            </p:cNvPr>
-            <p:cNvSpPr/>
-            <p:nvPr/>
-          </p:nvSpPr>
-          <p:spPr>
-            <a:xfrm>
-              <a:off x="1925186" y="1633538"/>
-              <a:ext cx="1219200" cy="486647"/>
-            </a:xfrm>
-            <a:prstGeom prst="rect">
-              <a:avLst/>
-            </a:prstGeom>
-            <a:solidFill>
-              <a:srgbClr val="804400"/>
-            </a:solidFill>
-            <a:ln>
-              <a:solidFill>
-                <a:srgbClr val="804400"/>
-              </a:solidFill>
-            </a:ln>
-          </p:spPr>
-          <p:style>
-            <a:lnRef idx="2">
-              <a:schemeClr val="accent1">
-                <a:shade val="50000"/>
-              </a:schemeClr>
-            </a:lnRef>
-            <a:fillRef idx="1">
-              <a:schemeClr val="accent1"/>
-            </a:fillRef>
-            <a:effectRef idx="0">
-              <a:schemeClr val="accent1"/>
-            </a:effectRef>
-            <a:fontRef idx="minor">
-              <a:schemeClr val="lt1"/>
-            </a:fontRef>
-          </p:style>
-          <p:txBody>
-            <a:bodyPr rtlCol="0" anchor="ctr"/>
-            <a:lstStyle/>
-            <a:p>
-              <a:pPr algn="ctr"/>
-              <a:r>
-                <a:rPr lang="de-DE" b="1" dirty="0">
-                  <a:solidFill>
-                    <a:srgbClr val="000000"/>
-                  </a:solidFill>
-                  <a:latin typeface="Euro Caps" pitchFamily="2" charset="0"/>
-                </a:rPr>
-                <a:t>MENU</a:t>
-              </a:r>
-              <a:endParaRPr lang="en-DE" b="1" dirty="0">
-                <a:solidFill>
-                  <a:srgbClr val="000000"/>
-                </a:solidFill>
-                <a:latin typeface="Euro Caps" pitchFamily="2" charset="0"/>
-              </a:endParaRPr>
-            </a:p>
-          </p:txBody>
-        </p:sp>
+        </p:pic>
       </p:grpSp>
-      <p:pic>
-        <p:nvPicPr>
-          <p:cNvPr id="10" name="Grafik 9">
+      <p:grpSp>
+        <p:nvGrpSpPr>
+          <p:cNvPr id="14" name="Gruppieren 13">
             <a:extLst>
               <a:ext uri="{FF2B5EF4-FFF2-40B4-BE49-F238E27FC236}">
-                <a16:creationId xmlns:a16="http://schemas.microsoft.com/office/drawing/2014/main" id="{C5ED9CE7-9020-47FF-A319-59406B9A4919}"/>
-              </a:ext>
-            </a:extLst>
-          </p:cNvPr>
-          <p:cNvPicPr>
-            <a:picLocks noChangeAspect="1"/>
-          </p:cNvPicPr>
-          <p:nvPr/>
-        </p:nvPicPr>
-        <p:blipFill>
-          <a:blip r:embed="rId5">
-            <a:extLst>
-              <a:ext uri="{28A0092B-C50C-407E-A947-70E740481C1C}">
-                <a14:useLocalDpi xmlns:a14="http://schemas.microsoft.com/office/drawing/2010/main" val="0"/>
-              </a:ext>
-            </a:extLst>
-          </a:blip>
-          <a:stretch>
-            <a:fillRect/>
-          </a:stretch>
-        </p:blipFill>
-        <p:spPr>
-          <a:xfrm>
-            <a:off x="3763295" y="867798"/>
-            <a:ext cx="523455" cy="410767"/>
-          </a:xfrm>
-          <a:prstGeom prst="rect">
-            <a:avLst/>
-          </a:prstGeom>
-        </p:spPr>
-      </p:pic>
-      <p:grpSp>
-        <p:nvGrpSpPr>
-          <p:cNvPr id="44" name="Gruppieren 43">
-            <a:extLst>
-              <a:ext uri="{FF2B5EF4-FFF2-40B4-BE49-F238E27FC236}">
-                <a16:creationId xmlns:a16="http://schemas.microsoft.com/office/drawing/2014/main" id="{F2DC117F-7D01-442D-BC7B-A83962CF2179}"/>
+                <a16:creationId xmlns:a16="http://schemas.microsoft.com/office/drawing/2014/main" id="{B3353242-8974-4BF2-96FE-8E648980F516}"/>
               </a:ext>
             </a:extLst>
           </p:cNvPr>
@@ -8054,180 +7989,201 @@
           <a:xfrm>
             <a:off x="4586116" y="810816"/>
             <a:ext cx="864001" cy="864000"/>
-            <a:chOff x="1925186" y="900986"/>
-            <a:chExt cx="1219200" cy="1219199"/>
+            <a:chOff x="4586116" y="810816"/>
+            <a:chExt cx="864001" cy="864000"/>
           </a:xfrm>
         </p:grpSpPr>
-        <p:sp>
-          <p:nvSpPr>
-            <p:cNvPr id="45" name="Rechteck 44">
+        <p:grpSp>
+          <p:nvGrpSpPr>
+            <p:cNvPr id="44" name="Gruppieren 43">
               <a:extLst>
                 <a:ext uri="{FF2B5EF4-FFF2-40B4-BE49-F238E27FC236}">
-                  <a16:creationId xmlns:a16="http://schemas.microsoft.com/office/drawing/2014/main" id="{2EC26E97-2B09-468E-9AA5-8CADF6AF8D58}"/>
+                  <a16:creationId xmlns:a16="http://schemas.microsoft.com/office/drawing/2014/main" id="{F2DC117F-7D01-442D-BC7B-A83962CF2179}"/>
                 </a:ext>
               </a:extLst>
             </p:cNvPr>
-            <p:cNvSpPr/>
+            <p:cNvGrpSpPr/>
             <p:nvPr/>
-          </p:nvSpPr>
+          </p:nvGrpSpPr>
+          <p:grpSpPr>
+            <a:xfrm>
+              <a:off x="4586116" y="810816"/>
+              <a:ext cx="864001" cy="864000"/>
+              <a:chOff x="1925186" y="900986"/>
+              <a:chExt cx="1219200" cy="1219199"/>
+            </a:xfrm>
+          </p:grpSpPr>
+          <p:sp>
+            <p:nvSpPr>
+              <p:cNvPr id="45" name="Rechteck 44">
+                <a:extLst>
+                  <a:ext uri="{FF2B5EF4-FFF2-40B4-BE49-F238E27FC236}">
+                    <a16:creationId xmlns:a16="http://schemas.microsoft.com/office/drawing/2014/main" id="{2EC26E97-2B09-468E-9AA5-8CADF6AF8D58}"/>
+                  </a:ext>
+                </a:extLst>
+              </p:cNvPr>
+              <p:cNvSpPr/>
+              <p:nvPr/>
+            </p:nvSpPr>
+            <p:spPr>
+              <a:xfrm>
+                <a:off x="1925186" y="900986"/>
+                <a:ext cx="1219200" cy="732552"/>
+              </a:xfrm>
+              <a:prstGeom prst="rect">
+                <a:avLst/>
+              </a:prstGeom>
+              <a:solidFill>
+                <a:srgbClr val="000000"/>
+              </a:solidFill>
+              <a:ln>
+                <a:solidFill>
+                  <a:schemeClr val="tx1"/>
+                </a:solidFill>
+              </a:ln>
+            </p:spPr>
+            <p:style>
+              <a:lnRef idx="2">
+                <a:schemeClr val="accent1">
+                  <a:shade val="50000"/>
+                </a:schemeClr>
+              </a:lnRef>
+              <a:fillRef idx="1">
+                <a:schemeClr val="accent1"/>
+              </a:fillRef>
+              <a:effectRef idx="0">
+                <a:schemeClr val="accent1"/>
+              </a:effectRef>
+              <a:fontRef idx="minor">
+                <a:schemeClr val="lt1"/>
+              </a:fontRef>
+            </p:style>
+            <p:txBody>
+              <a:bodyPr rtlCol="0" anchor="ctr"/>
+              <a:lstStyle/>
+              <a:p>
+                <a:pPr algn="ctr"/>
+                <a:endParaRPr lang="de-DE" sz="1400" dirty="0">
+                  <a:solidFill>
+                    <a:srgbClr val="FF8800"/>
+                  </a:solidFill>
+                  <a:latin typeface="Euro Caps" pitchFamily="2" charset="0"/>
+                </a:endParaRPr>
+              </a:p>
+            </p:txBody>
+          </p:sp>
+          <p:sp>
+            <p:nvSpPr>
+              <p:cNvPr id="46" name="Rechteck 45">
+                <a:extLst>
+                  <a:ext uri="{FF2B5EF4-FFF2-40B4-BE49-F238E27FC236}">
+                    <a16:creationId xmlns:a16="http://schemas.microsoft.com/office/drawing/2014/main" id="{5172E335-E2BA-49C0-8B86-454400A97728}"/>
+                  </a:ext>
+                </a:extLst>
+              </p:cNvPr>
+              <p:cNvSpPr/>
+              <p:nvPr/>
+            </p:nvSpPr>
+            <p:spPr>
+              <a:xfrm>
+                <a:off x="1925186" y="1633538"/>
+                <a:ext cx="1219200" cy="486647"/>
+              </a:xfrm>
+              <a:prstGeom prst="rect">
+                <a:avLst/>
+              </a:prstGeom>
+              <a:solidFill>
+                <a:srgbClr val="804400"/>
+              </a:solidFill>
+              <a:ln>
+                <a:solidFill>
+                  <a:srgbClr val="804400"/>
+                </a:solidFill>
+              </a:ln>
+            </p:spPr>
+            <p:style>
+              <a:lnRef idx="2">
+                <a:schemeClr val="accent1">
+                  <a:shade val="50000"/>
+                </a:schemeClr>
+              </a:lnRef>
+              <a:fillRef idx="1">
+                <a:schemeClr val="accent1"/>
+              </a:fillRef>
+              <a:effectRef idx="0">
+                <a:schemeClr val="accent1"/>
+              </a:effectRef>
+              <a:fontRef idx="minor">
+                <a:schemeClr val="lt1"/>
+              </a:fontRef>
+            </p:style>
+            <p:txBody>
+              <a:bodyPr rtlCol="0" anchor="ctr"/>
+              <a:lstStyle/>
+              <a:p>
+                <a:pPr algn="ctr"/>
+                <a:r>
+                  <a:rPr lang="de-DE" sz="1400" b="1" dirty="0">
+                    <a:solidFill>
+                      <a:srgbClr val="000000"/>
+                    </a:solidFill>
+                    <a:latin typeface="Euro Caps" pitchFamily="2" charset="0"/>
+                  </a:rPr>
+                  <a:t>Hold</a:t>
+                </a:r>
+                <a:endParaRPr lang="en-DE" sz="1400" b="1" dirty="0">
+                  <a:solidFill>
+                    <a:srgbClr val="000000"/>
+                  </a:solidFill>
+                  <a:latin typeface="Euro Caps" pitchFamily="2" charset="0"/>
+                </a:endParaRPr>
+              </a:p>
+            </p:txBody>
+          </p:sp>
+        </p:grpSp>
+        <p:pic>
+          <p:nvPicPr>
+            <p:cNvPr id="12" name="Grafik 11">
+              <a:extLst>
+                <a:ext uri="{FF2B5EF4-FFF2-40B4-BE49-F238E27FC236}">
+                  <a16:creationId xmlns:a16="http://schemas.microsoft.com/office/drawing/2014/main" id="{4C93E8C8-BE65-46B4-B308-00BDBFDC7A66}"/>
+                </a:ext>
+              </a:extLst>
+            </p:cNvPr>
+            <p:cNvPicPr>
+              <a:picLocks noChangeAspect="1"/>
+            </p:cNvPicPr>
+            <p:nvPr/>
+          </p:nvPicPr>
+          <p:blipFill>
+            <a:blip r:embed="rId6">
+              <a:extLst>
+                <a:ext uri="{28A0092B-C50C-407E-A947-70E740481C1C}">
+                  <a14:useLocalDpi xmlns:a14="http://schemas.microsoft.com/office/drawing/2010/main" val="0"/>
+                </a:ext>
+              </a:extLst>
+            </a:blip>
+            <a:stretch>
+              <a:fillRect/>
+            </a:stretch>
+          </p:blipFill>
           <p:spPr>
             <a:xfrm>
-              <a:off x="1925186" y="900986"/>
-              <a:ext cx="1219200" cy="732552"/>
+              <a:off x="4756663" y="971505"/>
+              <a:ext cx="522906" cy="203352"/>
             </a:xfrm>
             <a:prstGeom prst="rect">
               <a:avLst/>
             </a:prstGeom>
-            <a:solidFill>
-              <a:srgbClr val="000000"/>
-            </a:solidFill>
-            <a:ln>
-              <a:solidFill>
-                <a:schemeClr val="tx1"/>
-              </a:solidFill>
-            </a:ln>
           </p:spPr>
-          <p:style>
-            <a:lnRef idx="2">
-              <a:schemeClr val="accent1">
-                <a:shade val="50000"/>
-              </a:schemeClr>
-            </a:lnRef>
-            <a:fillRef idx="1">
-              <a:schemeClr val="accent1"/>
-            </a:fillRef>
-            <a:effectRef idx="0">
-              <a:schemeClr val="accent1"/>
-            </a:effectRef>
-            <a:fontRef idx="minor">
-              <a:schemeClr val="lt1"/>
-            </a:fontRef>
-          </p:style>
-          <p:txBody>
-            <a:bodyPr rtlCol="0" anchor="ctr"/>
-            <a:lstStyle/>
-            <a:p>
-              <a:pPr algn="ctr"/>
-              <a:endParaRPr lang="de-DE" dirty="0">
-                <a:solidFill>
-                  <a:srgbClr val="FF8800"/>
-                </a:solidFill>
-                <a:latin typeface="Euro Caps" pitchFamily="2" charset="0"/>
-              </a:endParaRPr>
-            </a:p>
-          </p:txBody>
-        </p:sp>
-        <p:sp>
-          <p:nvSpPr>
-            <p:cNvPr id="46" name="Rechteck 45">
-              <a:extLst>
-                <a:ext uri="{FF2B5EF4-FFF2-40B4-BE49-F238E27FC236}">
-                  <a16:creationId xmlns:a16="http://schemas.microsoft.com/office/drawing/2014/main" id="{5172E335-E2BA-49C0-8B86-454400A97728}"/>
-                </a:ext>
-              </a:extLst>
-            </p:cNvPr>
-            <p:cNvSpPr/>
-            <p:nvPr/>
-          </p:nvSpPr>
-          <p:spPr>
-            <a:xfrm>
-              <a:off x="1925186" y="1633538"/>
-              <a:ext cx="1219200" cy="486647"/>
-            </a:xfrm>
-            <a:prstGeom prst="rect">
-              <a:avLst/>
-            </a:prstGeom>
-            <a:solidFill>
-              <a:srgbClr val="804400"/>
-            </a:solidFill>
-            <a:ln>
-              <a:solidFill>
-                <a:srgbClr val="804400"/>
-              </a:solidFill>
-            </a:ln>
-          </p:spPr>
-          <p:style>
-            <a:lnRef idx="2">
-              <a:schemeClr val="accent1">
-                <a:shade val="50000"/>
-              </a:schemeClr>
-            </a:lnRef>
-            <a:fillRef idx="1">
-              <a:schemeClr val="accent1"/>
-            </a:fillRef>
-            <a:effectRef idx="0">
-              <a:schemeClr val="accent1"/>
-            </a:effectRef>
-            <a:fontRef idx="minor">
-              <a:schemeClr val="lt1"/>
-            </a:fontRef>
-          </p:style>
-          <p:txBody>
-            <a:bodyPr rtlCol="0" anchor="ctr"/>
-            <a:lstStyle/>
-            <a:p>
-              <a:pPr algn="ctr"/>
-              <a:r>
-                <a:rPr lang="de-DE" b="1" dirty="0">
-                  <a:solidFill>
-                    <a:srgbClr val="000000"/>
-                  </a:solidFill>
-                  <a:latin typeface="Euro Caps" pitchFamily="2" charset="0"/>
-                </a:rPr>
-                <a:t>MENU</a:t>
-              </a:r>
-              <a:endParaRPr lang="en-DE" b="1" dirty="0">
-                <a:solidFill>
-                  <a:srgbClr val="000000"/>
-                </a:solidFill>
-                <a:latin typeface="Euro Caps" pitchFamily="2" charset="0"/>
-              </a:endParaRPr>
-            </a:p>
-          </p:txBody>
-        </p:sp>
+        </p:pic>
       </p:grpSp>
-      <p:pic>
-        <p:nvPicPr>
-          <p:cNvPr id="12" name="Grafik 11">
+      <p:grpSp>
+        <p:nvGrpSpPr>
+          <p:cNvPr id="16" name="Gruppieren 15">
             <a:extLst>
               <a:ext uri="{FF2B5EF4-FFF2-40B4-BE49-F238E27FC236}">
-                <a16:creationId xmlns:a16="http://schemas.microsoft.com/office/drawing/2014/main" id="{4C93E8C8-BE65-46B4-B308-00BDBFDC7A66}"/>
-              </a:ext>
-            </a:extLst>
-          </p:cNvPr>
-          <p:cNvPicPr>
-            <a:picLocks noChangeAspect="1"/>
-          </p:cNvPicPr>
-          <p:nvPr/>
-        </p:nvPicPr>
-        <p:blipFill>
-          <a:blip r:embed="rId6">
-            <a:extLst>
-              <a:ext uri="{28A0092B-C50C-407E-A947-70E740481C1C}">
-                <a14:useLocalDpi xmlns:a14="http://schemas.microsoft.com/office/drawing/2010/main" val="0"/>
-              </a:ext>
-            </a:extLst>
-          </a:blip>
-          <a:stretch>
-            <a:fillRect/>
-          </a:stretch>
-        </p:blipFill>
-        <p:spPr>
-          <a:xfrm>
-            <a:off x="4756663" y="971505"/>
-            <a:ext cx="522906" cy="203352"/>
-          </a:xfrm>
-          <a:prstGeom prst="rect">
-            <a:avLst/>
-          </a:prstGeom>
-        </p:spPr>
-      </p:pic>
-      <p:grpSp>
-        <p:nvGrpSpPr>
-          <p:cNvPr id="50" name="Gruppieren 49">
-            <a:extLst>
-              <a:ext uri="{FF2B5EF4-FFF2-40B4-BE49-F238E27FC236}">
-                <a16:creationId xmlns:a16="http://schemas.microsoft.com/office/drawing/2014/main" id="{BDDB326A-6983-4ABB-83A4-FC23952F713F}"/>
+                <a16:creationId xmlns:a16="http://schemas.microsoft.com/office/drawing/2014/main" id="{DB447D06-F111-483B-AB67-6FADB8C5E4CF}"/>
               </a:ext>
             </a:extLst>
           </p:cNvPr>
@@ -8238,180 +8194,201 @@
           <a:xfrm>
             <a:off x="5579209" y="810816"/>
             <a:ext cx="864001" cy="864000"/>
-            <a:chOff x="1925186" y="900986"/>
-            <a:chExt cx="1219200" cy="1219199"/>
+            <a:chOff x="5579209" y="810816"/>
+            <a:chExt cx="864001" cy="864000"/>
           </a:xfrm>
         </p:grpSpPr>
-        <p:sp>
-          <p:nvSpPr>
-            <p:cNvPr id="51" name="Rechteck 50">
+        <p:grpSp>
+          <p:nvGrpSpPr>
+            <p:cNvPr id="50" name="Gruppieren 49">
               <a:extLst>
                 <a:ext uri="{FF2B5EF4-FFF2-40B4-BE49-F238E27FC236}">
-                  <a16:creationId xmlns:a16="http://schemas.microsoft.com/office/drawing/2014/main" id="{D67A36BF-6B5D-4024-8C65-2787367EF11E}"/>
+                  <a16:creationId xmlns:a16="http://schemas.microsoft.com/office/drawing/2014/main" id="{BDDB326A-6983-4ABB-83A4-FC23952F713F}"/>
                 </a:ext>
               </a:extLst>
             </p:cNvPr>
-            <p:cNvSpPr/>
+            <p:cNvGrpSpPr/>
             <p:nvPr/>
-          </p:nvSpPr>
+          </p:nvGrpSpPr>
+          <p:grpSpPr>
+            <a:xfrm>
+              <a:off x="5579209" y="810816"/>
+              <a:ext cx="864001" cy="864000"/>
+              <a:chOff x="1925186" y="900986"/>
+              <a:chExt cx="1219200" cy="1219199"/>
+            </a:xfrm>
+          </p:grpSpPr>
+          <p:sp>
+            <p:nvSpPr>
+              <p:cNvPr id="51" name="Rechteck 50">
+                <a:extLst>
+                  <a:ext uri="{FF2B5EF4-FFF2-40B4-BE49-F238E27FC236}">
+                    <a16:creationId xmlns:a16="http://schemas.microsoft.com/office/drawing/2014/main" id="{D67A36BF-6B5D-4024-8C65-2787367EF11E}"/>
+                  </a:ext>
+                </a:extLst>
+              </p:cNvPr>
+              <p:cNvSpPr/>
+              <p:nvPr/>
+            </p:nvSpPr>
+            <p:spPr>
+              <a:xfrm>
+                <a:off x="1925186" y="900986"/>
+                <a:ext cx="1219200" cy="732552"/>
+              </a:xfrm>
+              <a:prstGeom prst="rect">
+                <a:avLst/>
+              </a:prstGeom>
+              <a:solidFill>
+                <a:srgbClr val="000000"/>
+              </a:solidFill>
+              <a:ln>
+                <a:solidFill>
+                  <a:schemeClr val="tx1"/>
+                </a:solidFill>
+              </a:ln>
+            </p:spPr>
+            <p:style>
+              <a:lnRef idx="2">
+                <a:schemeClr val="accent1">
+                  <a:shade val="50000"/>
+                </a:schemeClr>
+              </a:lnRef>
+              <a:fillRef idx="1">
+                <a:schemeClr val="accent1"/>
+              </a:fillRef>
+              <a:effectRef idx="0">
+                <a:schemeClr val="accent1"/>
+              </a:effectRef>
+              <a:fontRef idx="minor">
+                <a:schemeClr val="lt1"/>
+              </a:fontRef>
+            </p:style>
+            <p:txBody>
+              <a:bodyPr rtlCol="0" anchor="ctr"/>
+              <a:lstStyle/>
+              <a:p>
+                <a:pPr algn="ctr"/>
+                <a:endParaRPr lang="de-DE" sz="1400" dirty="0">
+                  <a:solidFill>
+                    <a:srgbClr val="FF8800"/>
+                  </a:solidFill>
+                  <a:latin typeface="Euro Caps" pitchFamily="2" charset="0"/>
+                </a:endParaRPr>
+              </a:p>
+            </p:txBody>
+          </p:sp>
+          <p:sp>
+            <p:nvSpPr>
+              <p:cNvPr id="52" name="Rechteck 51">
+                <a:extLst>
+                  <a:ext uri="{FF2B5EF4-FFF2-40B4-BE49-F238E27FC236}">
+                    <a16:creationId xmlns:a16="http://schemas.microsoft.com/office/drawing/2014/main" id="{EFC50FC7-2CD8-496C-9545-3C18CDB32F76}"/>
+                  </a:ext>
+                </a:extLst>
+              </p:cNvPr>
+              <p:cNvSpPr/>
+              <p:nvPr/>
+            </p:nvSpPr>
+            <p:spPr>
+              <a:xfrm>
+                <a:off x="1925186" y="1633538"/>
+                <a:ext cx="1219200" cy="486647"/>
+              </a:xfrm>
+              <a:prstGeom prst="rect">
+                <a:avLst/>
+              </a:prstGeom>
+              <a:solidFill>
+                <a:srgbClr val="804400"/>
+              </a:solidFill>
+              <a:ln>
+                <a:solidFill>
+                  <a:srgbClr val="804400"/>
+                </a:solidFill>
+              </a:ln>
+            </p:spPr>
+            <p:style>
+              <a:lnRef idx="2">
+                <a:schemeClr val="accent1">
+                  <a:shade val="50000"/>
+                </a:schemeClr>
+              </a:lnRef>
+              <a:fillRef idx="1">
+                <a:schemeClr val="accent1"/>
+              </a:fillRef>
+              <a:effectRef idx="0">
+                <a:schemeClr val="accent1"/>
+              </a:effectRef>
+              <a:fontRef idx="minor">
+                <a:schemeClr val="lt1"/>
+              </a:fontRef>
+            </p:style>
+            <p:txBody>
+              <a:bodyPr rtlCol="0" anchor="ctr"/>
+              <a:lstStyle/>
+              <a:p>
+                <a:pPr algn="ctr"/>
+                <a:r>
+                  <a:rPr lang="de-DE" sz="1400" b="1" dirty="0">
+                    <a:solidFill>
+                      <a:srgbClr val="000000"/>
+                    </a:solidFill>
+                    <a:latin typeface="Euro Caps" pitchFamily="2" charset="0"/>
+                  </a:rPr>
+                  <a:t>Format</a:t>
+                </a:r>
+                <a:endParaRPr lang="en-DE" sz="1400" b="1" dirty="0">
+                  <a:solidFill>
+                    <a:srgbClr val="000000"/>
+                  </a:solidFill>
+                  <a:latin typeface="Euro Caps" pitchFamily="2" charset="0"/>
+                </a:endParaRPr>
+              </a:p>
+            </p:txBody>
+          </p:sp>
+        </p:grpSp>
+        <p:pic>
+          <p:nvPicPr>
+            <p:cNvPr id="19" name="Grafik 18">
+              <a:extLst>
+                <a:ext uri="{FF2B5EF4-FFF2-40B4-BE49-F238E27FC236}">
+                  <a16:creationId xmlns:a16="http://schemas.microsoft.com/office/drawing/2014/main" id="{9B9C754D-C233-4F36-8315-AD07C4CF202E}"/>
+                </a:ext>
+              </a:extLst>
+            </p:cNvPr>
+            <p:cNvPicPr>
+              <a:picLocks noChangeAspect="1"/>
+            </p:cNvPicPr>
+            <p:nvPr/>
+          </p:nvPicPr>
+          <p:blipFill>
+            <a:blip r:embed="rId7">
+              <a:extLst>
+                <a:ext uri="{28A0092B-C50C-407E-A947-70E740481C1C}">
+                  <a14:useLocalDpi xmlns:a14="http://schemas.microsoft.com/office/drawing/2010/main" val="0"/>
+                </a:ext>
+              </a:extLst>
+            </a:blip>
+            <a:stretch>
+              <a:fillRect/>
+            </a:stretch>
+          </p:blipFill>
           <p:spPr>
-            <a:xfrm>
-              <a:off x="1925186" y="900986"/>
-              <a:ext cx="1219200" cy="732552"/>
+            <a:xfrm flipV="1">
+              <a:off x="5749756" y="1018711"/>
+              <a:ext cx="522906" cy="108939"/>
             </a:xfrm>
             <a:prstGeom prst="rect">
               <a:avLst/>
             </a:prstGeom>
-            <a:solidFill>
-              <a:srgbClr val="000000"/>
-            </a:solidFill>
-            <a:ln>
-              <a:solidFill>
-                <a:schemeClr val="tx1"/>
-              </a:solidFill>
-            </a:ln>
           </p:spPr>
-          <p:style>
-            <a:lnRef idx="2">
-              <a:schemeClr val="accent1">
-                <a:shade val="50000"/>
-              </a:schemeClr>
-            </a:lnRef>
-            <a:fillRef idx="1">
-              <a:schemeClr val="accent1"/>
-            </a:fillRef>
-            <a:effectRef idx="0">
-              <a:schemeClr val="accent1"/>
-            </a:effectRef>
-            <a:fontRef idx="minor">
-              <a:schemeClr val="lt1"/>
-            </a:fontRef>
-          </p:style>
-          <p:txBody>
-            <a:bodyPr rtlCol="0" anchor="ctr"/>
-            <a:lstStyle/>
-            <a:p>
-              <a:pPr algn="ctr"/>
-              <a:endParaRPr lang="de-DE" dirty="0">
-                <a:solidFill>
-                  <a:srgbClr val="FF8800"/>
-                </a:solidFill>
-                <a:latin typeface="Euro Caps" pitchFamily="2" charset="0"/>
-              </a:endParaRPr>
-            </a:p>
-          </p:txBody>
-        </p:sp>
-        <p:sp>
-          <p:nvSpPr>
-            <p:cNvPr id="52" name="Rechteck 51">
-              <a:extLst>
-                <a:ext uri="{FF2B5EF4-FFF2-40B4-BE49-F238E27FC236}">
-                  <a16:creationId xmlns:a16="http://schemas.microsoft.com/office/drawing/2014/main" id="{EFC50FC7-2CD8-496C-9545-3C18CDB32F76}"/>
-                </a:ext>
-              </a:extLst>
-            </p:cNvPr>
-            <p:cNvSpPr/>
-            <p:nvPr/>
-          </p:nvSpPr>
-          <p:spPr>
-            <a:xfrm>
-              <a:off x="1925186" y="1633538"/>
-              <a:ext cx="1219200" cy="486647"/>
-            </a:xfrm>
-            <a:prstGeom prst="rect">
-              <a:avLst/>
-            </a:prstGeom>
-            <a:solidFill>
-              <a:srgbClr val="804400"/>
-            </a:solidFill>
-            <a:ln>
-              <a:solidFill>
-                <a:srgbClr val="804400"/>
-              </a:solidFill>
-            </a:ln>
-          </p:spPr>
-          <p:style>
-            <a:lnRef idx="2">
-              <a:schemeClr val="accent1">
-                <a:shade val="50000"/>
-              </a:schemeClr>
-            </a:lnRef>
-            <a:fillRef idx="1">
-              <a:schemeClr val="accent1"/>
-            </a:fillRef>
-            <a:effectRef idx="0">
-              <a:schemeClr val="accent1"/>
-            </a:effectRef>
-            <a:fontRef idx="minor">
-              <a:schemeClr val="lt1"/>
-            </a:fontRef>
-          </p:style>
-          <p:txBody>
-            <a:bodyPr rtlCol="0" anchor="ctr"/>
-            <a:lstStyle/>
-            <a:p>
-              <a:pPr algn="ctr"/>
-              <a:r>
-                <a:rPr lang="de-DE" b="1" dirty="0">
-                  <a:solidFill>
-                    <a:srgbClr val="000000"/>
-                  </a:solidFill>
-                  <a:latin typeface="Euro Caps" pitchFamily="2" charset="0"/>
-                </a:rPr>
-                <a:t>MENU</a:t>
-              </a:r>
-              <a:endParaRPr lang="en-DE" b="1" dirty="0">
-                <a:solidFill>
-                  <a:srgbClr val="000000"/>
-                </a:solidFill>
-                <a:latin typeface="Euro Caps" pitchFamily="2" charset="0"/>
-              </a:endParaRPr>
-            </a:p>
-          </p:txBody>
-        </p:sp>
+        </p:pic>
       </p:grpSp>
-      <p:pic>
-        <p:nvPicPr>
-          <p:cNvPr id="19" name="Grafik 18">
+      <p:grpSp>
+        <p:nvGrpSpPr>
+          <p:cNvPr id="20" name="Gruppieren 19">
             <a:extLst>
               <a:ext uri="{FF2B5EF4-FFF2-40B4-BE49-F238E27FC236}">
-                <a16:creationId xmlns:a16="http://schemas.microsoft.com/office/drawing/2014/main" id="{9B9C754D-C233-4F36-8315-AD07C4CF202E}"/>
-              </a:ext>
-            </a:extLst>
-          </p:cNvPr>
-          <p:cNvPicPr>
-            <a:picLocks noChangeAspect="1"/>
-          </p:cNvPicPr>
-          <p:nvPr/>
-        </p:nvPicPr>
-        <p:blipFill>
-          <a:blip r:embed="rId7">
-            <a:extLst>
-              <a:ext uri="{28A0092B-C50C-407E-A947-70E740481C1C}">
-                <a14:useLocalDpi xmlns:a14="http://schemas.microsoft.com/office/drawing/2010/main" val="0"/>
-              </a:ext>
-            </a:extLst>
-          </a:blip>
-          <a:stretch>
-            <a:fillRect/>
-          </a:stretch>
-        </p:blipFill>
-        <p:spPr>
-          <a:xfrm flipV="1">
-            <a:off x="5749756" y="1018711"/>
-            <a:ext cx="522906" cy="108939"/>
-          </a:xfrm>
-          <a:prstGeom prst="rect">
-            <a:avLst/>
-          </a:prstGeom>
-        </p:spPr>
-      </p:pic>
-      <p:grpSp>
-        <p:nvGrpSpPr>
-          <p:cNvPr id="56" name="Gruppieren 55">
-            <a:extLst>
-              <a:ext uri="{FF2B5EF4-FFF2-40B4-BE49-F238E27FC236}">
-                <a16:creationId xmlns:a16="http://schemas.microsoft.com/office/drawing/2014/main" id="{AEAEE1DF-23F7-43DB-AD2D-C08AE37FAC38}"/>
+                <a16:creationId xmlns:a16="http://schemas.microsoft.com/office/drawing/2014/main" id="{FDB8669E-04FA-4D4F-8686-8D8CA51FF96D}"/>
               </a:ext>
             </a:extLst>
           </p:cNvPr>
@@ -8422,180 +8399,201 @@
           <a:xfrm>
             <a:off x="6572302" y="810816"/>
             <a:ext cx="864001" cy="864000"/>
-            <a:chOff x="1925186" y="900986"/>
-            <a:chExt cx="1219200" cy="1219199"/>
+            <a:chOff x="6572302" y="810816"/>
+            <a:chExt cx="864001" cy="864000"/>
           </a:xfrm>
         </p:grpSpPr>
-        <p:sp>
-          <p:nvSpPr>
-            <p:cNvPr id="57" name="Rechteck 56">
+        <p:grpSp>
+          <p:nvGrpSpPr>
+            <p:cNvPr id="56" name="Gruppieren 55">
               <a:extLst>
                 <a:ext uri="{FF2B5EF4-FFF2-40B4-BE49-F238E27FC236}">
-                  <a16:creationId xmlns:a16="http://schemas.microsoft.com/office/drawing/2014/main" id="{BB5587EC-CE6C-4D0E-B01A-EE92D3214835}"/>
+                  <a16:creationId xmlns:a16="http://schemas.microsoft.com/office/drawing/2014/main" id="{AEAEE1DF-23F7-43DB-AD2D-C08AE37FAC38}"/>
                 </a:ext>
               </a:extLst>
             </p:cNvPr>
-            <p:cNvSpPr/>
+            <p:cNvGrpSpPr/>
             <p:nvPr/>
-          </p:nvSpPr>
+          </p:nvGrpSpPr>
+          <p:grpSpPr>
+            <a:xfrm>
+              <a:off x="6572302" y="810816"/>
+              <a:ext cx="864001" cy="864000"/>
+              <a:chOff x="1925186" y="900986"/>
+              <a:chExt cx="1219200" cy="1219199"/>
+            </a:xfrm>
+          </p:grpSpPr>
+          <p:sp>
+            <p:nvSpPr>
+              <p:cNvPr id="57" name="Rechteck 56">
+                <a:extLst>
+                  <a:ext uri="{FF2B5EF4-FFF2-40B4-BE49-F238E27FC236}">
+                    <a16:creationId xmlns:a16="http://schemas.microsoft.com/office/drawing/2014/main" id="{BB5587EC-CE6C-4D0E-B01A-EE92D3214835}"/>
+                  </a:ext>
+                </a:extLst>
+              </p:cNvPr>
+              <p:cNvSpPr/>
+              <p:nvPr/>
+            </p:nvSpPr>
+            <p:spPr>
+              <a:xfrm>
+                <a:off x="1925186" y="900986"/>
+                <a:ext cx="1219200" cy="732552"/>
+              </a:xfrm>
+              <a:prstGeom prst="rect">
+                <a:avLst/>
+              </a:prstGeom>
+              <a:solidFill>
+                <a:srgbClr val="000000"/>
+              </a:solidFill>
+              <a:ln>
+                <a:solidFill>
+                  <a:schemeClr val="tx1"/>
+                </a:solidFill>
+              </a:ln>
+            </p:spPr>
+            <p:style>
+              <a:lnRef idx="2">
+                <a:schemeClr val="accent1">
+                  <a:shade val="50000"/>
+                </a:schemeClr>
+              </a:lnRef>
+              <a:fillRef idx="1">
+                <a:schemeClr val="accent1"/>
+              </a:fillRef>
+              <a:effectRef idx="0">
+                <a:schemeClr val="accent1"/>
+              </a:effectRef>
+              <a:fontRef idx="minor">
+                <a:schemeClr val="lt1"/>
+              </a:fontRef>
+            </p:style>
+            <p:txBody>
+              <a:bodyPr rtlCol="0" anchor="ctr"/>
+              <a:lstStyle/>
+              <a:p>
+                <a:pPr algn="ctr"/>
+                <a:endParaRPr lang="de-DE" sz="1400" dirty="0">
+                  <a:solidFill>
+                    <a:srgbClr val="FF8800"/>
+                  </a:solidFill>
+                  <a:latin typeface="Euro Caps" pitchFamily="2" charset="0"/>
+                </a:endParaRPr>
+              </a:p>
+            </p:txBody>
+          </p:sp>
+          <p:sp>
+            <p:nvSpPr>
+              <p:cNvPr id="58" name="Rechteck 57">
+                <a:extLst>
+                  <a:ext uri="{FF2B5EF4-FFF2-40B4-BE49-F238E27FC236}">
+                    <a16:creationId xmlns:a16="http://schemas.microsoft.com/office/drawing/2014/main" id="{C392D6C2-F0AB-481F-AB08-A25AACD785D9}"/>
+                  </a:ext>
+                </a:extLst>
+              </p:cNvPr>
+              <p:cNvSpPr/>
+              <p:nvPr/>
+            </p:nvSpPr>
+            <p:spPr>
+              <a:xfrm>
+                <a:off x="1925186" y="1633538"/>
+                <a:ext cx="1219200" cy="486647"/>
+              </a:xfrm>
+              <a:prstGeom prst="rect">
+                <a:avLst/>
+              </a:prstGeom>
+              <a:solidFill>
+                <a:srgbClr val="804400"/>
+              </a:solidFill>
+              <a:ln>
+                <a:solidFill>
+                  <a:srgbClr val="804400"/>
+                </a:solidFill>
+              </a:ln>
+            </p:spPr>
+            <p:style>
+              <a:lnRef idx="2">
+                <a:schemeClr val="accent1">
+                  <a:shade val="50000"/>
+                </a:schemeClr>
+              </a:lnRef>
+              <a:fillRef idx="1">
+                <a:schemeClr val="accent1"/>
+              </a:fillRef>
+              <a:effectRef idx="0">
+                <a:schemeClr val="accent1"/>
+              </a:effectRef>
+              <a:fontRef idx="minor">
+                <a:schemeClr val="lt1"/>
+              </a:fontRef>
+            </p:style>
+            <p:txBody>
+              <a:bodyPr rtlCol="0" anchor="ctr"/>
+              <a:lstStyle/>
+              <a:p>
+                <a:pPr algn="ctr"/>
+                <a:r>
+                  <a:rPr lang="de-DE" sz="1400" b="1" dirty="0">
+                    <a:solidFill>
+                      <a:srgbClr val="000000"/>
+                    </a:solidFill>
+                    <a:latin typeface="Euro Caps" pitchFamily="2" charset="0"/>
+                  </a:rPr>
+                  <a:t>Recall</a:t>
+                </a:r>
+                <a:endParaRPr lang="en-DE" sz="1400" b="1" dirty="0">
+                  <a:solidFill>
+                    <a:srgbClr val="000000"/>
+                  </a:solidFill>
+                  <a:latin typeface="Euro Caps" pitchFamily="2" charset="0"/>
+                </a:endParaRPr>
+              </a:p>
+            </p:txBody>
+          </p:sp>
+        </p:grpSp>
+        <p:pic>
+          <p:nvPicPr>
+            <p:cNvPr id="21" name="Grafik 20">
+              <a:extLst>
+                <a:ext uri="{FF2B5EF4-FFF2-40B4-BE49-F238E27FC236}">
+                  <a16:creationId xmlns:a16="http://schemas.microsoft.com/office/drawing/2014/main" id="{2F392732-42C6-406A-B2C1-A7DC5D762209}"/>
+                </a:ext>
+              </a:extLst>
+            </p:cNvPr>
+            <p:cNvPicPr>
+              <a:picLocks noChangeAspect="1"/>
+            </p:cNvPicPr>
+            <p:nvPr/>
+          </p:nvPicPr>
+          <p:blipFill>
+            <a:blip r:embed="rId8">
+              <a:extLst>
+                <a:ext uri="{28A0092B-C50C-407E-A947-70E740481C1C}">
+                  <a14:useLocalDpi xmlns:a14="http://schemas.microsoft.com/office/drawing/2010/main" val="0"/>
+                </a:ext>
+              </a:extLst>
+            </a:blip>
+            <a:stretch>
+              <a:fillRect/>
+            </a:stretch>
+          </p:blipFill>
           <p:spPr>
             <a:xfrm>
-              <a:off x="1925186" y="900986"/>
-              <a:ext cx="1219200" cy="732552"/>
+              <a:off x="6797874" y="886891"/>
+              <a:ext cx="412856" cy="366983"/>
             </a:xfrm>
             <a:prstGeom prst="rect">
               <a:avLst/>
             </a:prstGeom>
-            <a:solidFill>
-              <a:srgbClr val="000000"/>
-            </a:solidFill>
-            <a:ln>
-              <a:solidFill>
-                <a:schemeClr val="tx1"/>
-              </a:solidFill>
-            </a:ln>
           </p:spPr>
-          <p:style>
-            <a:lnRef idx="2">
-              <a:schemeClr val="accent1">
-                <a:shade val="50000"/>
-              </a:schemeClr>
-            </a:lnRef>
-            <a:fillRef idx="1">
-              <a:schemeClr val="accent1"/>
-            </a:fillRef>
-            <a:effectRef idx="0">
-              <a:schemeClr val="accent1"/>
-            </a:effectRef>
-            <a:fontRef idx="minor">
-              <a:schemeClr val="lt1"/>
-            </a:fontRef>
-          </p:style>
-          <p:txBody>
-            <a:bodyPr rtlCol="0" anchor="ctr"/>
-            <a:lstStyle/>
-            <a:p>
-              <a:pPr algn="ctr"/>
-              <a:endParaRPr lang="de-DE" dirty="0">
-                <a:solidFill>
-                  <a:srgbClr val="FF8800"/>
-                </a:solidFill>
-                <a:latin typeface="Euro Caps" pitchFamily="2" charset="0"/>
-              </a:endParaRPr>
-            </a:p>
-          </p:txBody>
-        </p:sp>
-        <p:sp>
-          <p:nvSpPr>
-            <p:cNvPr id="58" name="Rechteck 57">
-              <a:extLst>
-                <a:ext uri="{FF2B5EF4-FFF2-40B4-BE49-F238E27FC236}">
-                  <a16:creationId xmlns:a16="http://schemas.microsoft.com/office/drawing/2014/main" id="{C392D6C2-F0AB-481F-AB08-A25AACD785D9}"/>
-                </a:ext>
-              </a:extLst>
-            </p:cNvPr>
-            <p:cNvSpPr/>
-            <p:nvPr/>
-          </p:nvSpPr>
-          <p:spPr>
-            <a:xfrm>
-              <a:off x="1925186" y="1633538"/>
-              <a:ext cx="1219200" cy="486647"/>
-            </a:xfrm>
-            <a:prstGeom prst="rect">
-              <a:avLst/>
-            </a:prstGeom>
-            <a:solidFill>
-              <a:srgbClr val="804400"/>
-            </a:solidFill>
-            <a:ln>
-              <a:solidFill>
-                <a:srgbClr val="804400"/>
-              </a:solidFill>
-            </a:ln>
-          </p:spPr>
-          <p:style>
-            <a:lnRef idx="2">
-              <a:schemeClr val="accent1">
-                <a:shade val="50000"/>
-              </a:schemeClr>
-            </a:lnRef>
-            <a:fillRef idx="1">
-              <a:schemeClr val="accent1"/>
-            </a:fillRef>
-            <a:effectRef idx="0">
-              <a:schemeClr val="accent1"/>
-            </a:effectRef>
-            <a:fontRef idx="minor">
-              <a:schemeClr val="lt1"/>
-            </a:fontRef>
-          </p:style>
-          <p:txBody>
-            <a:bodyPr rtlCol="0" anchor="ctr"/>
-            <a:lstStyle/>
-            <a:p>
-              <a:pPr algn="ctr"/>
-              <a:r>
-                <a:rPr lang="de-DE" b="1" dirty="0">
-                  <a:solidFill>
-                    <a:srgbClr val="000000"/>
-                  </a:solidFill>
-                  <a:latin typeface="Euro Caps" pitchFamily="2" charset="0"/>
-                </a:rPr>
-                <a:t>MENU</a:t>
-              </a:r>
-              <a:endParaRPr lang="en-DE" b="1" dirty="0">
-                <a:solidFill>
-                  <a:srgbClr val="000000"/>
-                </a:solidFill>
-                <a:latin typeface="Euro Caps" pitchFamily="2" charset="0"/>
-              </a:endParaRPr>
-            </a:p>
-          </p:txBody>
-        </p:sp>
+        </p:pic>
       </p:grpSp>
-      <p:pic>
-        <p:nvPicPr>
-          <p:cNvPr id="21" name="Grafik 20">
+      <p:grpSp>
+        <p:nvGrpSpPr>
+          <p:cNvPr id="25" name="Gruppieren 24">
             <a:extLst>
               <a:ext uri="{FF2B5EF4-FFF2-40B4-BE49-F238E27FC236}">
-                <a16:creationId xmlns:a16="http://schemas.microsoft.com/office/drawing/2014/main" id="{2F392732-42C6-406A-B2C1-A7DC5D762209}"/>
-              </a:ext>
-            </a:extLst>
-          </p:cNvPr>
-          <p:cNvPicPr>
-            <a:picLocks noChangeAspect="1"/>
-          </p:cNvPicPr>
-          <p:nvPr/>
-        </p:nvPicPr>
-        <p:blipFill>
-          <a:blip r:embed="rId8">
-            <a:extLst>
-              <a:ext uri="{28A0092B-C50C-407E-A947-70E740481C1C}">
-                <a14:useLocalDpi xmlns:a14="http://schemas.microsoft.com/office/drawing/2010/main" val="0"/>
-              </a:ext>
-            </a:extLst>
-          </a:blip>
-          <a:stretch>
-            <a:fillRect/>
-          </a:stretch>
-        </p:blipFill>
-        <p:spPr>
-          <a:xfrm>
-            <a:off x="6797874" y="886891"/>
-            <a:ext cx="412856" cy="366983"/>
-          </a:xfrm>
-          <a:prstGeom prst="rect">
-            <a:avLst/>
-          </a:prstGeom>
-        </p:spPr>
-      </p:pic>
-      <p:grpSp>
-        <p:nvGrpSpPr>
-          <p:cNvPr id="62" name="Gruppieren 61">
-            <a:extLst>
-              <a:ext uri="{FF2B5EF4-FFF2-40B4-BE49-F238E27FC236}">
-                <a16:creationId xmlns:a16="http://schemas.microsoft.com/office/drawing/2014/main" id="{F5C0DD04-0BF3-4BD6-A43A-1D4077FD165F}"/>
+                <a16:creationId xmlns:a16="http://schemas.microsoft.com/office/drawing/2014/main" id="{3004B30E-9B9A-4DB3-8910-BEEA8907EB57}"/>
               </a:ext>
             </a:extLst>
           </p:cNvPr>
@@ -8606,357 +8604,194 @@
           <a:xfrm>
             <a:off x="7565395" y="810816"/>
             <a:ext cx="864001" cy="864000"/>
-            <a:chOff x="1925186" y="900986"/>
-            <a:chExt cx="1219200" cy="1219199"/>
+            <a:chOff x="7565395" y="810816"/>
+            <a:chExt cx="864001" cy="864000"/>
           </a:xfrm>
         </p:grpSpPr>
-        <p:sp>
-          <p:nvSpPr>
-            <p:cNvPr id="63" name="Rechteck 62">
+        <p:grpSp>
+          <p:nvGrpSpPr>
+            <p:cNvPr id="62" name="Gruppieren 61">
               <a:extLst>
                 <a:ext uri="{FF2B5EF4-FFF2-40B4-BE49-F238E27FC236}">
-                  <a16:creationId xmlns:a16="http://schemas.microsoft.com/office/drawing/2014/main" id="{EA3D8676-8605-4199-8CB6-8423AAA8E035}"/>
+                  <a16:creationId xmlns:a16="http://schemas.microsoft.com/office/drawing/2014/main" id="{F5C0DD04-0BF3-4BD6-A43A-1D4077FD165F}"/>
                 </a:ext>
               </a:extLst>
             </p:cNvPr>
-            <p:cNvSpPr/>
+            <p:cNvGrpSpPr/>
             <p:nvPr/>
-          </p:nvSpPr>
+          </p:nvGrpSpPr>
+          <p:grpSpPr>
+            <a:xfrm>
+              <a:off x="7565395" y="810816"/>
+              <a:ext cx="864001" cy="864000"/>
+              <a:chOff x="1925186" y="900986"/>
+              <a:chExt cx="1219200" cy="1219199"/>
+            </a:xfrm>
+          </p:grpSpPr>
+          <p:sp>
+            <p:nvSpPr>
+              <p:cNvPr id="63" name="Rechteck 62">
+                <a:extLst>
+                  <a:ext uri="{FF2B5EF4-FFF2-40B4-BE49-F238E27FC236}">
+                    <a16:creationId xmlns:a16="http://schemas.microsoft.com/office/drawing/2014/main" id="{EA3D8676-8605-4199-8CB6-8423AAA8E035}"/>
+                  </a:ext>
+                </a:extLst>
+              </p:cNvPr>
+              <p:cNvSpPr/>
+              <p:nvPr/>
+            </p:nvSpPr>
+            <p:spPr>
+              <a:xfrm>
+                <a:off x="1925186" y="900986"/>
+                <a:ext cx="1219200" cy="732552"/>
+              </a:xfrm>
+              <a:prstGeom prst="rect">
+                <a:avLst/>
+              </a:prstGeom>
+              <a:solidFill>
+                <a:srgbClr val="000000"/>
+              </a:solidFill>
+              <a:ln>
+                <a:solidFill>
+                  <a:schemeClr val="tx1"/>
+                </a:solidFill>
+              </a:ln>
+            </p:spPr>
+            <p:style>
+              <a:lnRef idx="2">
+                <a:schemeClr val="accent1">
+                  <a:shade val="50000"/>
+                </a:schemeClr>
+              </a:lnRef>
+              <a:fillRef idx="1">
+                <a:schemeClr val="accent1"/>
+              </a:fillRef>
+              <a:effectRef idx="0">
+                <a:schemeClr val="accent1"/>
+              </a:effectRef>
+              <a:fontRef idx="minor">
+                <a:schemeClr val="lt1"/>
+              </a:fontRef>
+            </p:style>
+            <p:txBody>
+              <a:bodyPr rtlCol="0" anchor="ctr"/>
+              <a:lstStyle/>
+              <a:p>
+                <a:pPr algn="ctr"/>
+                <a:endParaRPr lang="de-DE" sz="1400" dirty="0">
+                  <a:solidFill>
+                    <a:srgbClr val="FF8800"/>
+                  </a:solidFill>
+                  <a:latin typeface="Euro Caps" pitchFamily="2" charset="0"/>
+                </a:endParaRPr>
+              </a:p>
+            </p:txBody>
+          </p:sp>
+          <p:sp>
+            <p:nvSpPr>
+              <p:cNvPr id="64" name="Rechteck 63">
+                <a:extLst>
+                  <a:ext uri="{FF2B5EF4-FFF2-40B4-BE49-F238E27FC236}">
+                    <a16:creationId xmlns:a16="http://schemas.microsoft.com/office/drawing/2014/main" id="{47102A07-FC8E-4172-BBE7-13472801AB68}"/>
+                  </a:ext>
+                </a:extLst>
+              </p:cNvPr>
+              <p:cNvSpPr/>
+              <p:nvPr/>
+            </p:nvSpPr>
+            <p:spPr>
+              <a:xfrm>
+                <a:off x="1925186" y="1633538"/>
+                <a:ext cx="1219200" cy="486647"/>
+              </a:xfrm>
+              <a:prstGeom prst="rect">
+                <a:avLst/>
+              </a:prstGeom>
+              <a:solidFill>
+                <a:srgbClr val="804400"/>
+              </a:solidFill>
+              <a:ln>
+                <a:solidFill>
+                  <a:srgbClr val="804400"/>
+                </a:solidFill>
+              </a:ln>
+            </p:spPr>
+            <p:style>
+              <a:lnRef idx="2">
+                <a:schemeClr val="accent1">
+                  <a:shade val="50000"/>
+                </a:schemeClr>
+              </a:lnRef>
+              <a:fillRef idx="1">
+                <a:schemeClr val="accent1"/>
+              </a:fillRef>
+              <a:effectRef idx="0">
+                <a:schemeClr val="accent1"/>
+              </a:effectRef>
+              <a:fontRef idx="minor">
+                <a:schemeClr val="lt1"/>
+              </a:fontRef>
+            </p:style>
+            <p:txBody>
+              <a:bodyPr rtlCol="0" anchor="ctr"/>
+              <a:lstStyle/>
+              <a:p>
+                <a:pPr algn="ctr"/>
+                <a:r>
+                  <a:rPr lang="de-DE" sz="1400" b="1" dirty="0">
+                    <a:solidFill>
+                      <a:srgbClr val="000000"/>
+                    </a:solidFill>
+                    <a:latin typeface="Euro Caps" pitchFamily="2" charset="0"/>
+                  </a:rPr>
+                  <a:t>Switch</a:t>
+                </a:r>
+                <a:endParaRPr lang="en-DE" sz="1400" b="1" dirty="0">
+                  <a:solidFill>
+                    <a:srgbClr val="000000"/>
+                  </a:solidFill>
+                  <a:latin typeface="Euro Caps" pitchFamily="2" charset="0"/>
+                </a:endParaRPr>
+              </a:p>
+            </p:txBody>
+          </p:sp>
+        </p:grpSp>
+        <p:pic>
+          <p:nvPicPr>
+            <p:cNvPr id="27" name="Grafik 26">
+              <a:extLst>
+                <a:ext uri="{FF2B5EF4-FFF2-40B4-BE49-F238E27FC236}">
+                  <a16:creationId xmlns:a16="http://schemas.microsoft.com/office/drawing/2014/main" id="{E67FE718-A55E-4AFA-98C0-0FB007232448}"/>
+                </a:ext>
+              </a:extLst>
+            </p:cNvPr>
+            <p:cNvPicPr>
+              <a:picLocks noChangeAspect="1"/>
+            </p:cNvPicPr>
+            <p:nvPr/>
+          </p:nvPicPr>
+          <p:blipFill>
+            <a:blip r:embed="rId9">
+              <a:extLst>
+                <a:ext uri="{28A0092B-C50C-407E-A947-70E740481C1C}">
+                  <a14:useLocalDpi xmlns:a14="http://schemas.microsoft.com/office/drawing/2010/main" val="0"/>
+                </a:ext>
+              </a:extLst>
+            </a:blip>
+            <a:stretch>
+              <a:fillRect/>
+            </a:stretch>
+          </p:blipFill>
           <p:spPr>
             <a:xfrm>
-              <a:off x="1925186" y="900986"/>
-              <a:ext cx="1219200" cy="732552"/>
+              <a:off x="7752173" y="869243"/>
+              <a:ext cx="490444" cy="391674"/>
             </a:xfrm>
             <a:prstGeom prst="rect">
               <a:avLst/>
             </a:prstGeom>
-            <a:solidFill>
-              <a:srgbClr val="000000"/>
-            </a:solidFill>
-            <a:ln>
-              <a:solidFill>
-                <a:schemeClr val="tx1"/>
-              </a:solidFill>
-            </a:ln>
           </p:spPr>
-          <p:style>
-            <a:lnRef idx="2">
-              <a:schemeClr val="accent1">
-                <a:shade val="50000"/>
-              </a:schemeClr>
-            </a:lnRef>
-            <a:fillRef idx="1">
-              <a:schemeClr val="accent1"/>
-            </a:fillRef>
-            <a:effectRef idx="0">
-              <a:schemeClr val="accent1"/>
-            </a:effectRef>
-            <a:fontRef idx="minor">
-              <a:schemeClr val="lt1"/>
-            </a:fontRef>
-          </p:style>
-          <p:txBody>
-            <a:bodyPr rtlCol="0" anchor="ctr"/>
-            <a:lstStyle/>
-            <a:p>
-              <a:pPr algn="ctr"/>
-              <a:endParaRPr lang="de-DE" dirty="0">
-                <a:solidFill>
-                  <a:srgbClr val="FF8800"/>
-                </a:solidFill>
-                <a:latin typeface="Euro Caps" pitchFamily="2" charset="0"/>
-              </a:endParaRPr>
-            </a:p>
-          </p:txBody>
-        </p:sp>
-        <p:sp>
-          <p:nvSpPr>
-            <p:cNvPr id="64" name="Rechteck 63">
-              <a:extLst>
-                <a:ext uri="{FF2B5EF4-FFF2-40B4-BE49-F238E27FC236}">
-                  <a16:creationId xmlns:a16="http://schemas.microsoft.com/office/drawing/2014/main" id="{47102A07-FC8E-4172-BBE7-13472801AB68}"/>
-                </a:ext>
-              </a:extLst>
-            </p:cNvPr>
-            <p:cNvSpPr/>
-            <p:nvPr/>
-          </p:nvSpPr>
-          <p:spPr>
-            <a:xfrm>
-              <a:off x="1925186" y="1633538"/>
-              <a:ext cx="1219200" cy="486647"/>
-            </a:xfrm>
-            <a:prstGeom prst="rect">
-              <a:avLst/>
-            </a:prstGeom>
-            <a:solidFill>
-              <a:srgbClr val="804400"/>
-            </a:solidFill>
-            <a:ln>
-              <a:solidFill>
-                <a:srgbClr val="804400"/>
-              </a:solidFill>
-            </a:ln>
-          </p:spPr>
-          <p:style>
-            <a:lnRef idx="2">
-              <a:schemeClr val="accent1">
-                <a:shade val="50000"/>
-              </a:schemeClr>
-            </a:lnRef>
-            <a:fillRef idx="1">
-              <a:schemeClr val="accent1"/>
-            </a:fillRef>
-            <a:effectRef idx="0">
-              <a:schemeClr val="accent1"/>
-            </a:effectRef>
-            <a:fontRef idx="minor">
-              <a:schemeClr val="lt1"/>
-            </a:fontRef>
-          </p:style>
-          <p:txBody>
-            <a:bodyPr rtlCol="0" anchor="ctr"/>
-            <a:lstStyle/>
-            <a:p>
-              <a:pPr algn="ctr"/>
-              <a:r>
-                <a:rPr lang="de-DE" b="1" dirty="0">
-                  <a:solidFill>
-                    <a:srgbClr val="000000"/>
-                  </a:solidFill>
-                  <a:latin typeface="Euro Caps" pitchFamily="2" charset="0"/>
-                </a:rPr>
-                <a:t>MENU</a:t>
-              </a:r>
-              <a:endParaRPr lang="en-DE" b="1" dirty="0">
-                <a:solidFill>
-                  <a:srgbClr val="000000"/>
-                </a:solidFill>
-                <a:latin typeface="Euro Caps" pitchFamily="2" charset="0"/>
-              </a:endParaRPr>
-            </a:p>
-          </p:txBody>
-        </p:sp>
-      </p:grpSp>
-      <p:pic>
-        <p:nvPicPr>
-          <p:cNvPr id="27" name="Grafik 26">
-            <a:extLst>
-              <a:ext uri="{FF2B5EF4-FFF2-40B4-BE49-F238E27FC236}">
-                <a16:creationId xmlns:a16="http://schemas.microsoft.com/office/drawing/2014/main" id="{E67FE718-A55E-4AFA-98C0-0FB007232448}"/>
-              </a:ext>
-            </a:extLst>
-          </p:cNvPr>
-          <p:cNvPicPr>
-            <a:picLocks noChangeAspect="1"/>
-          </p:cNvPicPr>
-          <p:nvPr/>
-        </p:nvPicPr>
-        <p:blipFill>
-          <a:blip r:embed="rId9">
-            <a:extLst>
-              <a:ext uri="{28A0092B-C50C-407E-A947-70E740481C1C}">
-                <a14:useLocalDpi xmlns:a14="http://schemas.microsoft.com/office/drawing/2010/main" val="0"/>
-              </a:ext>
-            </a:extLst>
-          </a:blip>
-          <a:stretch>
-            <a:fillRect/>
-          </a:stretch>
-        </p:blipFill>
-        <p:spPr>
-          <a:xfrm>
-            <a:off x="7752173" y="869243"/>
-            <a:ext cx="490444" cy="391674"/>
-          </a:xfrm>
-          <a:prstGeom prst="rect">
-            <a:avLst/>
-          </a:prstGeom>
-        </p:spPr>
-      </p:pic>
-      <p:pic>
-        <p:nvPicPr>
-          <p:cNvPr id="43" name="Grafik 42">
-            <a:extLst>
-              <a:ext uri="{FF2B5EF4-FFF2-40B4-BE49-F238E27FC236}">
-                <a16:creationId xmlns:a16="http://schemas.microsoft.com/office/drawing/2014/main" id="{1DAEE09B-F675-4795-87A7-662C0CF2AAC1}"/>
-              </a:ext>
-            </a:extLst>
-          </p:cNvPr>
-          <p:cNvPicPr>
-            <a:picLocks noChangeAspect="1"/>
-          </p:cNvPicPr>
-          <p:nvPr/>
-        </p:nvPicPr>
-        <p:blipFill>
-          <a:blip r:embed="rId10">
-            <a:extLst>
-              <a:ext uri="{28A0092B-C50C-407E-A947-70E740481C1C}">
-                <a14:useLocalDpi xmlns:a14="http://schemas.microsoft.com/office/drawing/2010/main" val="0"/>
-              </a:ext>
-            </a:extLst>
-          </a:blip>
-          <a:stretch>
-            <a:fillRect/>
-          </a:stretch>
-        </p:blipFill>
-        <p:spPr>
-          <a:xfrm>
-            <a:off x="845525" y="2200786"/>
-            <a:ext cx="374026" cy="374026"/>
-          </a:xfrm>
-          <a:prstGeom prst="rect">
-            <a:avLst/>
-          </a:prstGeom>
-        </p:spPr>
-      </p:pic>
-      <p:grpSp>
-        <p:nvGrpSpPr>
-          <p:cNvPr id="102" name="Gruppieren 101">
-            <a:extLst>
-              <a:ext uri="{FF2B5EF4-FFF2-40B4-BE49-F238E27FC236}">
-                <a16:creationId xmlns:a16="http://schemas.microsoft.com/office/drawing/2014/main" id="{10C0BF5C-8D8D-4B07-A35C-6AAEBBCA8BF2}"/>
-              </a:ext>
-            </a:extLst>
-          </p:cNvPr>
-          <p:cNvGrpSpPr/>
-          <p:nvPr/>
-        </p:nvGrpSpPr>
-        <p:grpSpPr>
-          <a:xfrm>
-            <a:off x="600538" y="3162975"/>
-            <a:ext cx="864001" cy="864000"/>
-            <a:chOff x="1925186" y="900986"/>
-            <a:chExt cx="1219200" cy="1219199"/>
-          </a:xfrm>
-        </p:grpSpPr>
-        <p:sp>
-          <p:nvSpPr>
-            <p:cNvPr id="104" name="Rechteck 103">
-              <a:extLst>
-                <a:ext uri="{FF2B5EF4-FFF2-40B4-BE49-F238E27FC236}">
-                  <a16:creationId xmlns:a16="http://schemas.microsoft.com/office/drawing/2014/main" id="{D9ED30D5-8487-4399-AC7A-96E22E5D3181}"/>
-                </a:ext>
-              </a:extLst>
-            </p:cNvPr>
-            <p:cNvSpPr/>
-            <p:nvPr/>
-          </p:nvSpPr>
-          <p:spPr>
-            <a:xfrm>
-              <a:off x="1925186" y="900986"/>
-              <a:ext cx="1219200" cy="732552"/>
-            </a:xfrm>
-            <a:prstGeom prst="rect">
-              <a:avLst/>
-            </a:prstGeom>
-            <a:solidFill>
-              <a:srgbClr val="000000"/>
-            </a:solidFill>
-            <a:ln>
-              <a:solidFill>
-                <a:schemeClr val="tx1"/>
-              </a:solidFill>
-            </a:ln>
-          </p:spPr>
-          <p:style>
-            <a:lnRef idx="2">
-              <a:schemeClr val="accent1">
-                <a:shade val="50000"/>
-              </a:schemeClr>
-            </a:lnRef>
-            <a:fillRef idx="1">
-              <a:schemeClr val="accent1"/>
-            </a:fillRef>
-            <a:effectRef idx="0">
-              <a:schemeClr val="accent1"/>
-            </a:effectRef>
-            <a:fontRef idx="minor">
-              <a:schemeClr val="lt1"/>
-            </a:fontRef>
-          </p:style>
-          <p:txBody>
-            <a:bodyPr rtlCol="0" anchor="ctr"/>
-            <a:lstStyle/>
-            <a:p>
-              <a:pPr algn="ctr"/>
-              <a:endParaRPr lang="de-DE" dirty="0">
-                <a:solidFill>
-                  <a:srgbClr val="FF8800"/>
-                </a:solidFill>
-                <a:latin typeface="Euro Caps" pitchFamily="2" charset="0"/>
-              </a:endParaRPr>
-            </a:p>
-          </p:txBody>
-        </p:sp>
-        <p:sp>
-          <p:nvSpPr>
-            <p:cNvPr id="105" name="Rechteck 104">
-              <a:extLst>
-                <a:ext uri="{FF2B5EF4-FFF2-40B4-BE49-F238E27FC236}">
-                  <a16:creationId xmlns:a16="http://schemas.microsoft.com/office/drawing/2014/main" id="{B91254CB-CA5B-45F1-BF0D-95007BE5AB56}"/>
-                </a:ext>
-              </a:extLst>
-            </p:cNvPr>
-            <p:cNvSpPr/>
-            <p:nvPr/>
-          </p:nvSpPr>
-          <p:spPr>
-            <a:xfrm>
-              <a:off x="1925186" y="1633538"/>
-              <a:ext cx="1219200" cy="486647"/>
-            </a:xfrm>
-            <a:prstGeom prst="rect">
-              <a:avLst/>
-            </a:prstGeom>
-            <a:solidFill>
-              <a:srgbClr val="804400"/>
-            </a:solidFill>
-            <a:ln>
-              <a:solidFill>
-                <a:srgbClr val="804400"/>
-              </a:solidFill>
-            </a:ln>
-          </p:spPr>
-          <p:style>
-            <a:lnRef idx="2">
-              <a:schemeClr val="accent1">
-                <a:shade val="50000"/>
-              </a:schemeClr>
-            </a:lnRef>
-            <a:fillRef idx="1">
-              <a:schemeClr val="accent1"/>
-            </a:fillRef>
-            <a:effectRef idx="0">
-              <a:schemeClr val="accent1"/>
-            </a:effectRef>
-            <a:fontRef idx="minor">
-              <a:schemeClr val="lt1"/>
-            </a:fontRef>
-          </p:style>
-          <p:txBody>
-            <a:bodyPr rtlCol="0" anchor="ctr"/>
-            <a:lstStyle/>
-            <a:p>
-              <a:pPr algn="ctr"/>
-              <a:r>
-                <a:rPr lang="de-DE" b="1" dirty="0">
-                  <a:solidFill>
-                    <a:srgbClr val="000000"/>
-                  </a:solidFill>
-                  <a:latin typeface="Euro Caps" pitchFamily="2" charset="0"/>
-                </a:rPr>
-                <a:t>MENU</a:t>
-              </a:r>
-              <a:endParaRPr lang="en-DE" b="1" dirty="0">
-                <a:solidFill>
-                  <a:srgbClr val="000000"/>
-                </a:solidFill>
-                <a:latin typeface="Euro Caps" pitchFamily="2" charset="0"/>
-              </a:endParaRPr>
-            </a:p>
-          </p:txBody>
-        </p:sp>
+        </p:pic>
       </p:grpSp>
       <p:grpSp>
         <p:nvGrpSpPr>
@@ -8974,7 +8809,7 @@
         </p:nvGrpSpPr>
         <p:grpSpPr>
           <a:xfrm>
-            <a:off x="3539617" y="2124711"/>
+            <a:off x="2429382" y="4528667"/>
             <a:ext cx="864001" cy="864000"/>
             <a:chOff x="6241437" y="3678709"/>
             <a:chExt cx="1219200" cy="1219199"/>
@@ -9143,7 +8978,7 @@
             <p:nvPr/>
           </p:nvPicPr>
           <p:blipFill>
-            <a:blip r:embed="rId11">
+            <a:blip r:embed="rId10">
               <a:extLst>
                 <a:ext uri="{28A0092B-C50C-407E-A947-70E740481C1C}">
                   <a14:useLocalDpi xmlns:a14="http://schemas.microsoft.com/office/drawing/2010/main" val="0"/>
@@ -9181,7 +9016,7 @@
         </p:nvGrpSpPr>
         <p:grpSpPr>
           <a:xfrm>
-            <a:off x="2572102" y="2124253"/>
+            <a:off x="1461867" y="4528209"/>
             <a:ext cx="864001" cy="864000"/>
             <a:chOff x="4876800" y="3699028"/>
             <a:chExt cx="1219200" cy="1219199"/>
@@ -9350,7 +9185,7 @@
             <p:nvPr/>
           </p:nvPicPr>
           <p:blipFill>
-            <a:blip r:embed="rId12">
+            <a:blip r:embed="rId11">
               <a:extLst>
                 <a:ext uri="{28A0092B-C50C-407E-A947-70E740481C1C}">
                   <a14:useLocalDpi xmlns:a14="http://schemas.microsoft.com/office/drawing/2010/main" val="0"/>
@@ -9388,7 +9223,7 @@
         </p:nvGrpSpPr>
         <p:grpSpPr>
           <a:xfrm>
-            <a:off x="5464984" y="2056808"/>
+            <a:off x="4354749" y="4460764"/>
             <a:ext cx="864000" cy="945677"/>
             <a:chOff x="9591127" y="4812019"/>
             <a:chExt cx="1219200" cy="1290322"/>
@@ -9557,7 +9392,7 @@
             <p:nvPr/>
           </p:nvPicPr>
           <p:blipFill>
-            <a:blip r:embed="rId13">
+            <a:blip r:embed="rId12">
               <a:extLst>
                 <a:ext uri="{28A0092B-C50C-407E-A947-70E740481C1C}">
                   <a14:useLocalDpi xmlns:a14="http://schemas.microsoft.com/office/drawing/2010/main" val="0"/>
@@ -9595,7 +9430,7 @@
         </p:nvGrpSpPr>
         <p:grpSpPr>
           <a:xfrm>
-            <a:off x="4509194" y="2056809"/>
+            <a:off x="3398959" y="4460765"/>
             <a:ext cx="864000" cy="945678"/>
             <a:chOff x="8229052" y="4812018"/>
             <a:chExt cx="1219200" cy="1305089"/>
@@ -9731,13 +9566,13 @@
               <a:p>
                 <a:pPr algn="ctr"/>
                 <a:r>
-                  <a:rPr lang="de-DE" b="1" dirty="0">
+                  <a:rPr lang="de-DE" b="1" dirty="0" err="1">
                     <a:solidFill>
                       <a:srgbClr val="000000"/>
                     </a:solidFill>
                     <a:latin typeface="Euro Caps" pitchFamily="2" charset="0"/>
                   </a:rPr>
-                  <a:t>SYS</a:t>
+                  <a:t>Sys</a:t>
                 </a:r>
                 <a:endParaRPr lang="en-DE" b="1" dirty="0">
                   <a:solidFill>
@@ -9764,7 +9599,7 @@
             <p:nvPr/>
           </p:nvPicPr>
           <p:blipFill>
-            <a:blip r:embed="rId14">
+            <a:blip r:embed="rId13">
               <a:extLst>
                 <a:ext uri="{28A0092B-C50C-407E-A947-70E740481C1C}">
                   <a14:useLocalDpi xmlns:a14="http://schemas.microsoft.com/office/drawing/2010/main" val="0"/>
@@ -9802,7 +9637,7 @@
         </p:nvGrpSpPr>
         <p:grpSpPr>
           <a:xfrm>
-            <a:off x="1598201" y="2127925"/>
+            <a:off x="487966" y="4531881"/>
             <a:ext cx="864001" cy="864000"/>
             <a:chOff x="9106020" y="2271673"/>
             <a:chExt cx="1219200" cy="1219199"/>
@@ -9971,7 +9806,7 @@
             <p:nvPr/>
           </p:nvPicPr>
           <p:blipFill>
-            <a:blip r:embed="rId15">
+            <a:blip r:embed="rId14">
               <a:extLst>
                 <a:ext uri="{28A0092B-C50C-407E-A947-70E740481C1C}">
                   <a14:useLocalDpi xmlns:a14="http://schemas.microsoft.com/office/drawing/2010/main" val="0"/>
@@ -9995,10 +9830,10 @@
       </p:grpSp>
       <p:grpSp>
         <p:nvGrpSpPr>
-          <p:cNvPr id="54" name="Gruppieren 53">
+          <p:cNvPr id="3" name="Gruppieren 2">
             <a:extLst>
               <a:ext uri="{FF2B5EF4-FFF2-40B4-BE49-F238E27FC236}">
-                <a16:creationId xmlns:a16="http://schemas.microsoft.com/office/drawing/2014/main" id="{B8AD3F18-3A73-41F9-A1F6-AF55A971A7E5}"/>
+                <a16:creationId xmlns:a16="http://schemas.microsoft.com/office/drawing/2014/main" id="{9643A29C-EF0A-41B8-A37A-013EB0319EB1}"/>
               </a:ext>
             </a:extLst>
           </p:cNvPr>
@@ -10007,18 +9842,18 @@
         </p:nvGrpSpPr>
         <p:grpSpPr>
           <a:xfrm>
-            <a:off x="8557522" y="810816"/>
+            <a:off x="487966" y="5504959"/>
             <a:ext cx="864001" cy="864000"/>
-            <a:chOff x="8557522" y="810816"/>
+            <a:chOff x="600538" y="3162975"/>
             <a:chExt cx="864001" cy="864000"/>
           </a:xfrm>
         </p:grpSpPr>
         <p:grpSp>
           <p:nvGrpSpPr>
-            <p:cNvPr id="144" name="Gruppieren 143">
+            <p:cNvPr id="102" name="Gruppieren 101">
               <a:extLst>
                 <a:ext uri="{FF2B5EF4-FFF2-40B4-BE49-F238E27FC236}">
-                  <a16:creationId xmlns:a16="http://schemas.microsoft.com/office/drawing/2014/main" id="{0B156DA0-E0F2-4879-8673-6D871008EF25}"/>
+                  <a16:creationId xmlns:a16="http://schemas.microsoft.com/office/drawing/2014/main" id="{10C0BF5C-8D8D-4B07-A35C-6AAEBBCA8BF2}"/>
                 </a:ext>
               </a:extLst>
             </p:cNvPr>
@@ -10027,7 +9862,7 @@
           </p:nvGrpSpPr>
           <p:grpSpPr>
             <a:xfrm>
-              <a:off x="8557522" y="810816"/>
+              <a:off x="600538" y="3162975"/>
               <a:ext cx="864001" cy="864000"/>
               <a:chOff x="1925186" y="900986"/>
               <a:chExt cx="1219200" cy="1219199"/>
@@ -10035,2634 +9870,10 @@
           </p:grpSpPr>
           <p:sp>
             <p:nvSpPr>
-              <p:cNvPr id="146" name="Rechteck 145">
+              <p:cNvPr id="104" name="Rechteck 103">
                 <a:extLst>
                   <a:ext uri="{FF2B5EF4-FFF2-40B4-BE49-F238E27FC236}">
-                    <a16:creationId xmlns:a16="http://schemas.microsoft.com/office/drawing/2014/main" id="{C71EB801-71F9-4EEB-892E-AD685752C26E}"/>
-                  </a:ext>
-                </a:extLst>
-              </p:cNvPr>
-              <p:cNvSpPr/>
-              <p:nvPr/>
-            </p:nvSpPr>
-            <p:spPr>
-              <a:xfrm>
-                <a:off x="1925186" y="900986"/>
-                <a:ext cx="1219200" cy="732552"/>
-              </a:xfrm>
-              <a:prstGeom prst="rect">
-                <a:avLst/>
-              </a:prstGeom>
-              <a:solidFill>
-                <a:srgbClr val="000000"/>
-              </a:solidFill>
-              <a:ln>
-                <a:solidFill>
-                  <a:schemeClr val="tx1"/>
-                </a:solidFill>
-              </a:ln>
-            </p:spPr>
-            <p:style>
-              <a:lnRef idx="2">
-                <a:schemeClr val="accent1">
-                  <a:shade val="50000"/>
-                </a:schemeClr>
-              </a:lnRef>
-              <a:fillRef idx="1">
-                <a:schemeClr val="accent1"/>
-              </a:fillRef>
-              <a:effectRef idx="0">
-                <a:schemeClr val="accent1"/>
-              </a:effectRef>
-              <a:fontRef idx="minor">
-                <a:schemeClr val="lt1"/>
-              </a:fontRef>
-            </p:style>
-            <p:txBody>
-              <a:bodyPr rtlCol="0" anchor="ctr"/>
-              <a:lstStyle/>
-              <a:p>
-                <a:pPr algn="ctr"/>
-                <a:br>
-                  <a:rPr lang="de-DE" dirty="0">
-                    <a:solidFill>
-                      <a:srgbClr val="FF8800"/>
-                    </a:solidFill>
-                    <a:latin typeface="Euro Caps" pitchFamily="2" charset="0"/>
-                  </a:rPr>
-                </a:br>
-                <a:endParaRPr lang="de-DE" dirty="0">
-                  <a:solidFill>
-                    <a:srgbClr val="FF8800"/>
-                  </a:solidFill>
-                  <a:latin typeface="Euro Caps" pitchFamily="2" charset="0"/>
-                </a:endParaRPr>
-              </a:p>
-            </p:txBody>
-          </p:sp>
-          <p:sp>
-            <p:nvSpPr>
-              <p:cNvPr id="147" name="Rechteck 146">
-                <a:extLst>
-                  <a:ext uri="{FF2B5EF4-FFF2-40B4-BE49-F238E27FC236}">
-                    <a16:creationId xmlns:a16="http://schemas.microsoft.com/office/drawing/2014/main" id="{62045611-1F6B-4194-ABEC-8E19C62C1D7B}"/>
-                  </a:ext>
-                </a:extLst>
-              </p:cNvPr>
-              <p:cNvSpPr/>
-              <p:nvPr/>
-            </p:nvSpPr>
-            <p:spPr>
-              <a:xfrm>
-                <a:off x="1925186" y="1633538"/>
-                <a:ext cx="1219200" cy="486647"/>
-              </a:xfrm>
-              <a:prstGeom prst="rect">
-                <a:avLst/>
-              </a:prstGeom>
-              <a:solidFill>
-                <a:srgbClr val="71D6FF"/>
-              </a:solidFill>
-              <a:ln>
-                <a:solidFill>
-                  <a:srgbClr val="71D6FF"/>
-                </a:solidFill>
-              </a:ln>
-            </p:spPr>
-            <p:style>
-              <a:lnRef idx="2">
-                <a:schemeClr val="accent1">
-                  <a:shade val="50000"/>
-                </a:schemeClr>
-              </a:lnRef>
-              <a:fillRef idx="1">
-                <a:schemeClr val="accent1"/>
-              </a:fillRef>
-              <a:effectRef idx="0">
-                <a:schemeClr val="accent1"/>
-              </a:effectRef>
-              <a:fontRef idx="minor">
-                <a:schemeClr val="lt1"/>
-              </a:fontRef>
-            </p:style>
-            <p:txBody>
-              <a:bodyPr rtlCol="0" anchor="ctr"/>
-              <a:lstStyle/>
-              <a:p>
-                <a:pPr algn="ctr"/>
-                <a:r>
-                  <a:rPr lang="de-DE" b="1" dirty="0">
-                    <a:solidFill>
-                      <a:srgbClr val="000000"/>
-                    </a:solidFill>
-                    <a:latin typeface="Euro Caps"/>
-                  </a:rPr>
-                  <a:t>Act</a:t>
-                </a:r>
-                <a:endParaRPr lang="en-DE" b="1" dirty="0">
-                  <a:solidFill>
-                    <a:srgbClr val="000000"/>
-                  </a:solidFill>
-                  <a:latin typeface="Euro Caps"/>
-                </a:endParaRPr>
-              </a:p>
-            </p:txBody>
-          </p:sp>
-        </p:grpSp>
-        <p:pic>
-          <p:nvPicPr>
-            <p:cNvPr id="49" name="Grafik 48">
-              <a:extLst>
-                <a:ext uri="{FF2B5EF4-FFF2-40B4-BE49-F238E27FC236}">
-                  <a16:creationId xmlns:a16="http://schemas.microsoft.com/office/drawing/2014/main" id="{1CE413B9-EB03-4F64-A3D7-15CD51A2E65C}"/>
-                </a:ext>
-              </a:extLst>
-            </p:cNvPr>
-            <p:cNvPicPr>
-              <a:picLocks noChangeAspect="1"/>
-            </p:cNvPicPr>
-            <p:nvPr/>
-          </p:nvPicPr>
-          <p:blipFill>
-            <a:blip r:embed="rId16">
-              <a:extLst>
-                <a:ext uri="{28A0092B-C50C-407E-A947-70E740481C1C}">
-                  <a14:useLocalDpi xmlns:a14="http://schemas.microsoft.com/office/drawing/2010/main" val="0"/>
-                </a:ext>
-              </a:extLst>
-            </a:blip>
-            <a:stretch>
-              <a:fillRect/>
-            </a:stretch>
-          </p:blipFill>
-          <p:spPr>
-            <a:xfrm>
-              <a:off x="8868288" y="859696"/>
-              <a:ext cx="242467" cy="410767"/>
-            </a:xfrm>
-            <a:prstGeom prst="rect">
-              <a:avLst/>
-            </a:prstGeom>
-          </p:spPr>
-        </p:pic>
-      </p:grpSp>
-      <p:grpSp>
-        <p:nvGrpSpPr>
-          <p:cNvPr id="148" name="Gruppieren 147">
-            <a:extLst>
-              <a:ext uri="{FF2B5EF4-FFF2-40B4-BE49-F238E27FC236}">
-                <a16:creationId xmlns:a16="http://schemas.microsoft.com/office/drawing/2014/main" id="{115A383D-9BCC-41DB-9E07-4D431F046789}"/>
-              </a:ext>
-            </a:extLst>
-          </p:cNvPr>
-          <p:cNvGrpSpPr/>
-          <p:nvPr/>
-        </p:nvGrpSpPr>
-        <p:grpSpPr>
-          <a:xfrm>
-            <a:off x="1593537" y="3162975"/>
-            <a:ext cx="864001" cy="864000"/>
-            <a:chOff x="1925186" y="900986"/>
-            <a:chExt cx="1219200" cy="1219199"/>
-          </a:xfrm>
-        </p:grpSpPr>
-        <p:sp>
-          <p:nvSpPr>
-            <p:cNvPr id="149" name="Rechteck 148">
-              <a:extLst>
-                <a:ext uri="{FF2B5EF4-FFF2-40B4-BE49-F238E27FC236}">
-                  <a16:creationId xmlns:a16="http://schemas.microsoft.com/office/drawing/2014/main" id="{83CA7778-F79E-4260-B8D0-FF9FE391B306}"/>
-                </a:ext>
-              </a:extLst>
-            </p:cNvPr>
-            <p:cNvSpPr/>
-            <p:nvPr/>
-          </p:nvSpPr>
-          <p:spPr>
-            <a:xfrm>
-              <a:off x="1925186" y="900986"/>
-              <a:ext cx="1219200" cy="732552"/>
-            </a:xfrm>
-            <a:prstGeom prst="rect">
-              <a:avLst/>
-            </a:prstGeom>
-            <a:solidFill>
-              <a:srgbClr val="000000"/>
-            </a:solidFill>
-            <a:ln>
-              <a:solidFill>
-                <a:schemeClr val="tx1"/>
-              </a:solidFill>
-            </a:ln>
-          </p:spPr>
-          <p:style>
-            <a:lnRef idx="2">
-              <a:schemeClr val="accent1">
-                <a:shade val="50000"/>
-              </a:schemeClr>
-            </a:lnRef>
-            <a:fillRef idx="1">
-              <a:schemeClr val="accent1"/>
-            </a:fillRef>
-            <a:effectRef idx="0">
-              <a:schemeClr val="accent1"/>
-            </a:effectRef>
-            <a:fontRef idx="minor">
-              <a:schemeClr val="lt1"/>
-            </a:fontRef>
-          </p:style>
-          <p:txBody>
-            <a:bodyPr rtlCol="0" anchor="ctr"/>
-            <a:lstStyle/>
-            <a:p>
-              <a:pPr algn="ctr"/>
-              <a:endParaRPr lang="de-DE" dirty="0">
-                <a:solidFill>
-                  <a:srgbClr val="FF8800"/>
-                </a:solidFill>
-                <a:latin typeface="Euro Caps" pitchFamily="2" charset="0"/>
-              </a:endParaRPr>
-            </a:p>
-          </p:txBody>
-        </p:sp>
-        <p:sp>
-          <p:nvSpPr>
-            <p:cNvPr id="150" name="Rechteck 149">
-              <a:extLst>
-                <a:ext uri="{FF2B5EF4-FFF2-40B4-BE49-F238E27FC236}">
-                  <a16:creationId xmlns:a16="http://schemas.microsoft.com/office/drawing/2014/main" id="{A2B27A64-F45E-4133-B7C7-BFD3FBABDE87}"/>
-                </a:ext>
-              </a:extLst>
-            </p:cNvPr>
-            <p:cNvSpPr/>
-            <p:nvPr/>
-          </p:nvSpPr>
-          <p:spPr>
-            <a:xfrm>
-              <a:off x="1925186" y="1633538"/>
-              <a:ext cx="1219200" cy="486647"/>
-            </a:xfrm>
-            <a:prstGeom prst="rect">
-              <a:avLst/>
-            </a:prstGeom>
-            <a:solidFill>
-              <a:srgbClr val="804400"/>
-            </a:solidFill>
-            <a:ln>
-              <a:solidFill>
-                <a:srgbClr val="804400"/>
-              </a:solidFill>
-            </a:ln>
-          </p:spPr>
-          <p:style>
-            <a:lnRef idx="2">
-              <a:schemeClr val="accent1">
-                <a:shade val="50000"/>
-              </a:schemeClr>
-            </a:lnRef>
-            <a:fillRef idx="1">
-              <a:schemeClr val="accent1"/>
-            </a:fillRef>
-            <a:effectRef idx="0">
-              <a:schemeClr val="accent1"/>
-            </a:effectRef>
-            <a:fontRef idx="minor">
-              <a:schemeClr val="lt1"/>
-            </a:fontRef>
-          </p:style>
-          <p:txBody>
-            <a:bodyPr rtlCol="0" anchor="ctr"/>
-            <a:lstStyle/>
-            <a:p>
-              <a:pPr algn="ctr"/>
-              <a:r>
-                <a:rPr lang="de-DE" b="1" dirty="0">
-                  <a:solidFill>
-                    <a:srgbClr val="000000"/>
-                  </a:solidFill>
-                  <a:latin typeface="Euro Caps" pitchFamily="2" charset="0"/>
-                </a:rPr>
-                <a:t>MENU</a:t>
-              </a:r>
-              <a:endParaRPr lang="en-DE" b="1" dirty="0">
-                <a:solidFill>
-                  <a:srgbClr val="000000"/>
-                </a:solidFill>
-                <a:latin typeface="Euro Caps" pitchFamily="2" charset="0"/>
-              </a:endParaRPr>
-            </a:p>
-          </p:txBody>
-        </p:sp>
-      </p:grpSp>
-      <p:pic>
-        <p:nvPicPr>
-          <p:cNvPr id="60" name="Grafik 59">
-            <a:extLst>
-              <a:ext uri="{FF2B5EF4-FFF2-40B4-BE49-F238E27FC236}">
-                <a16:creationId xmlns:a16="http://schemas.microsoft.com/office/drawing/2014/main" id="{4762963A-E6B9-4D52-890C-82A5DEE3F760}"/>
-              </a:ext>
-            </a:extLst>
-          </p:cNvPr>
-          <p:cNvPicPr>
-            <a:picLocks noChangeAspect="1"/>
-          </p:cNvPicPr>
-          <p:nvPr/>
-        </p:nvPicPr>
-        <p:blipFill>
-          <a:blip r:embed="rId17">
-            <a:extLst>
-              <a:ext uri="{28A0092B-C50C-407E-A947-70E740481C1C}">
-                <a14:useLocalDpi xmlns:a14="http://schemas.microsoft.com/office/drawing/2010/main" val="0"/>
-              </a:ext>
-            </a:extLst>
-          </a:blip>
-          <a:stretch>
-            <a:fillRect/>
-          </a:stretch>
-        </p:blipFill>
-        <p:spPr>
-          <a:xfrm>
-            <a:off x="810087" y="3238191"/>
-            <a:ext cx="444900" cy="392377"/>
-          </a:xfrm>
-          <a:prstGeom prst="rect">
-            <a:avLst/>
-          </a:prstGeom>
-        </p:spPr>
-      </p:pic>
-      <p:pic>
-        <p:nvPicPr>
-          <p:cNvPr id="66" name="Grafik 65">
-            <a:extLst>
-              <a:ext uri="{FF2B5EF4-FFF2-40B4-BE49-F238E27FC236}">
-                <a16:creationId xmlns:a16="http://schemas.microsoft.com/office/drawing/2014/main" id="{2B27A3B8-4F2F-469E-B842-7177EDA19D87}"/>
-              </a:ext>
-            </a:extLst>
-          </p:cNvPr>
-          <p:cNvPicPr>
-            <a:picLocks noChangeAspect="1"/>
-          </p:cNvPicPr>
-          <p:nvPr/>
-        </p:nvPicPr>
-        <p:blipFill>
-          <a:blip r:embed="rId18">
-            <a:extLst>
-              <a:ext uri="{28A0092B-C50C-407E-A947-70E740481C1C}">
-                <a14:useLocalDpi xmlns:a14="http://schemas.microsoft.com/office/drawing/2010/main" val="0"/>
-              </a:ext>
-            </a:extLst>
-          </a:blip>
-          <a:stretch>
-            <a:fillRect/>
-          </a:stretch>
-        </p:blipFill>
-        <p:spPr>
-          <a:xfrm>
-            <a:off x="1800461" y="3232811"/>
-            <a:ext cx="444900" cy="392377"/>
-          </a:xfrm>
-          <a:prstGeom prst="rect">
-            <a:avLst/>
-          </a:prstGeom>
-        </p:spPr>
-      </p:pic>
-    </p:spTree>
-    <p:extLst>
-      <p:ext uri="{BB962C8B-B14F-4D97-AF65-F5344CB8AC3E}">
-        <p14:creationId xmlns:p14="http://schemas.microsoft.com/office/powerpoint/2010/main" val="979106260"/>
-      </p:ext>
-    </p:extLst>
-  </p:cSld>
-  <p:clrMapOvr>
-    <a:masterClrMapping/>
-  </p:clrMapOvr>
-</p:sld>
-</file>
-
-<file path=ppt/slides/slide3.xml><?xml version="1.0" encoding="utf-8"?>
-<p:sld xmlns:a="http://schemas.openxmlformats.org/drawingml/2006/main" xmlns:r="http://schemas.openxmlformats.org/officeDocument/2006/relationships" xmlns:p="http://schemas.openxmlformats.org/presentationml/2006/main">
-  <p:cSld>
-    <p:spTree>
-      <p:nvGrpSpPr>
-        <p:cNvPr id="1" name=""/>
-        <p:cNvGrpSpPr/>
-        <p:nvPr/>
-      </p:nvGrpSpPr>
-      <p:grpSpPr>
-        <a:xfrm>
-          <a:off x="0" y="0"/>
-          <a:ext cx="0" cy="0"/>
-          <a:chOff x="0" y="0"/>
-          <a:chExt cx="0" cy="0"/>
-        </a:xfrm>
-      </p:grpSpPr>
-      <p:grpSp>
-        <p:nvGrpSpPr>
-          <p:cNvPr id="4" name="Gruppieren 3">
-            <a:extLst>
-              <a:ext uri="{FF2B5EF4-FFF2-40B4-BE49-F238E27FC236}">
-                <a16:creationId xmlns:a16="http://schemas.microsoft.com/office/drawing/2014/main" id="{6456F700-397C-4F69-9009-86EA30811A7A}"/>
-              </a:ext>
-            </a:extLst>
-          </p:cNvPr>
-          <p:cNvGrpSpPr/>
-          <p:nvPr/>
-        </p:nvGrpSpPr>
-        <p:grpSpPr>
-          <a:xfrm>
-            <a:off x="1629914" y="440294"/>
-            <a:ext cx="1219200" cy="1219199"/>
-            <a:chOff x="1925186" y="900986"/>
-            <a:chExt cx="1219200" cy="1219199"/>
-          </a:xfrm>
-        </p:grpSpPr>
-        <p:sp>
-          <p:nvSpPr>
-            <p:cNvPr id="5" name="Rechteck 4">
-              <a:extLst>
-                <a:ext uri="{FF2B5EF4-FFF2-40B4-BE49-F238E27FC236}">
-                  <a16:creationId xmlns:a16="http://schemas.microsoft.com/office/drawing/2014/main" id="{B7EC779C-F381-4805-B025-7D6C7A2BF0A7}"/>
-                </a:ext>
-              </a:extLst>
-            </p:cNvPr>
-            <p:cNvSpPr/>
-            <p:nvPr/>
-          </p:nvSpPr>
-          <p:spPr>
-            <a:xfrm>
-              <a:off x="1925186" y="900986"/>
-              <a:ext cx="1219200" cy="732552"/>
-            </a:xfrm>
-            <a:prstGeom prst="rect">
-              <a:avLst/>
-            </a:prstGeom>
-            <a:solidFill>
-              <a:srgbClr val="FF8800"/>
-            </a:solidFill>
-            <a:ln>
-              <a:solidFill>
-                <a:srgbClr val="FF8800"/>
-              </a:solidFill>
-            </a:ln>
-          </p:spPr>
-          <p:style>
-            <a:lnRef idx="2">
-              <a:schemeClr val="accent1">
-                <a:shade val="50000"/>
-              </a:schemeClr>
-            </a:lnRef>
-            <a:fillRef idx="1">
-              <a:schemeClr val="accent1"/>
-            </a:fillRef>
-            <a:effectRef idx="0">
-              <a:schemeClr val="accent1"/>
-            </a:effectRef>
-            <a:fontRef idx="minor">
-              <a:schemeClr val="lt1"/>
-            </a:fontRef>
-          </p:style>
-          <p:txBody>
-            <a:bodyPr rtlCol="0" anchor="ctr"/>
-            <a:lstStyle/>
-            <a:p>
-              <a:pPr algn="ctr"/>
-              <a:r>
-                <a:rPr lang="de-DE" sz="2000" dirty="0">
-                  <a:solidFill>
-                    <a:schemeClr val="tx1"/>
-                  </a:solidFill>
-                  <a:latin typeface="Franklin Gothic Book" panose="020B0503020102020204" pitchFamily="34" charset="0"/>
-                </a:rPr>
-                <a:t>SUPER</a:t>
-              </a:r>
-              <a:br>
-                <a:rPr lang="de-DE" sz="2000" dirty="0">
-                  <a:solidFill>
-                    <a:schemeClr val="tx1"/>
-                  </a:solidFill>
-                  <a:latin typeface="Franklin Gothic Book" panose="020B0503020102020204" pitchFamily="34" charset="0"/>
-                </a:rPr>
-              </a:br>
-              <a:r>
-                <a:rPr lang="de-DE" sz="2000" dirty="0">
-                  <a:solidFill>
-                    <a:schemeClr val="tx1"/>
-                  </a:solidFill>
-                  <a:latin typeface="Franklin Gothic Book" panose="020B0503020102020204" pitchFamily="34" charset="0"/>
-                </a:rPr>
-                <a:t>CRUISE</a:t>
-              </a:r>
-            </a:p>
-          </p:txBody>
-        </p:sp>
-        <p:sp>
-          <p:nvSpPr>
-            <p:cNvPr id="6" name="Rechteck 5">
-              <a:extLst>
-                <a:ext uri="{FF2B5EF4-FFF2-40B4-BE49-F238E27FC236}">
-                  <a16:creationId xmlns:a16="http://schemas.microsoft.com/office/drawing/2014/main" id="{7479CAB1-5EF9-4107-A33D-8814F6C5C160}"/>
-                </a:ext>
-              </a:extLst>
-            </p:cNvPr>
-            <p:cNvSpPr/>
-            <p:nvPr/>
-          </p:nvSpPr>
-          <p:spPr>
-            <a:xfrm>
-              <a:off x="1925186" y="1633538"/>
-              <a:ext cx="1219200" cy="486647"/>
-            </a:xfrm>
-            <a:prstGeom prst="rect">
-              <a:avLst/>
-            </a:prstGeom>
-            <a:solidFill>
-              <a:schemeClr val="tx1"/>
-            </a:solidFill>
-            <a:ln>
-              <a:solidFill>
-                <a:schemeClr val="tx1"/>
-              </a:solidFill>
-            </a:ln>
-          </p:spPr>
-          <p:style>
-            <a:lnRef idx="2">
-              <a:schemeClr val="accent1">
-                <a:shade val="50000"/>
-              </a:schemeClr>
-            </a:lnRef>
-            <a:fillRef idx="1">
-              <a:schemeClr val="accent1"/>
-            </a:fillRef>
-            <a:effectRef idx="0">
-              <a:schemeClr val="accent1"/>
-            </a:effectRef>
-            <a:fontRef idx="minor">
-              <a:schemeClr val="lt1"/>
-            </a:fontRef>
-          </p:style>
-          <p:txBody>
-            <a:bodyPr rtlCol="0" anchor="ctr"/>
-            <a:lstStyle/>
-            <a:p>
-              <a:pPr algn="ctr"/>
-              <a:r>
-                <a:rPr lang="de-DE" sz="2400" b="1" dirty="0">
-                  <a:solidFill>
-                    <a:srgbClr val="FF8800"/>
-                  </a:solidFill>
-                  <a:latin typeface="Franklin Gothic Book" panose="020B0503020102020204" pitchFamily="34" charset="0"/>
-                </a:rPr>
-                <a:t>ACTIVE</a:t>
-              </a:r>
-              <a:endParaRPr lang="en-DE" sz="2400" b="1" dirty="0">
-                <a:solidFill>
-                  <a:srgbClr val="FF8800"/>
-                </a:solidFill>
-                <a:latin typeface="Franklin Gothic Book" panose="020B0503020102020204" pitchFamily="34" charset="0"/>
-              </a:endParaRPr>
-            </a:p>
-          </p:txBody>
-        </p:sp>
-      </p:grpSp>
-      <p:grpSp>
-        <p:nvGrpSpPr>
-          <p:cNvPr id="7" name="Gruppieren 6">
-            <a:extLst>
-              <a:ext uri="{FF2B5EF4-FFF2-40B4-BE49-F238E27FC236}">
-                <a16:creationId xmlns:a16="http://schemas.microsoft.com/office/drawing/2014/main" id="{D1B9CDCE-545E-441B-8C32-2726EFB7B13A}"/>
-              </a:ext>
-            </a:extLst>
-          </p:cNvPr>
-          <p:cNvGrpSpPr/>
-          <p:nvPr/>
-        </p:nvGrpSpPr>
-        <p:grpSpPr>
-          <a:xfrm>
-            <a:off x="264214" y="440294"/>
-            <a:ext cx="1219200" cy="1219199"/>
-            <a:chOff x="1925186" y="900986"/>
-            <a:chExt cx="1219200" cy="1219199"/>
-          </a:xfrm>
-        </p:grpSpPr>
-        <p:sp>
-          <p:nvSpPr>
-            <p:cNvPr id="8" name="Rechteck 7">
-              <a:extLst>
-                <a:ext uri="{FF2B5EF4-FFF2-40B4-BE49-F238E27FC236}">
-                  <a16:creationId xmlns:a16="http://schemas.microsoft.com/office/drawing/2014/main" id="{EB36B620-6B74-4AC2-B689-C7659156109C}"/>
-                </a:ext>
-              </a:extLst>
-            </p:cNvPr>
-            <p:cNvSpPr/>
-            <p:nvPr/>
-          </p:nvSpPr>
-          <p:spPr>
-            <a:xfrm>
-              <a:off x="1925186" y="900986"/>
-              <a:ext cx="1219200" cy="732552"/>
-            </a:xfrm>
-            <a:prstGeom prst="rect">
-              <a:avLst/>
-            </a:prstGeom>
-            <a:solidFill>
-              <a:srgbClr val="000000"/>
-            </a:solidFill>
-            <a:ln>
-              <a:solidFill>
-                <a:schemeClr val="tx1"/>
-              </a:solidFill>
-            </a:ln>
-          </p:spPr>
-          <p:style>
-            <a:lnRef idx="2">
-              <a:schemeClr val="accent1">
-                <a:shade val="50000"/>
-              </a:schemeClr>
-            </a:lnRef>
-            <a:fillRef idx="1">
-              <a:schemeClr val="accent1"/>
-            </a:fillRef>
-            <a:effectRef idx="0">
-              <a:schemeClr val="accent1"/>
-            </a:effectRef>
-            <a:fontRef idx="minor">
-              <a:schemeClr val="lt1"/>
-            </a:fontRef>
-          </p:style>
-          <p:txBody>
-            <a:bodyPr rtlCol="0" anchor="ctr"/>
-            <a:lstStyle/>
-            <a:p>
-              <a:pPr algn="ctr"/>
-              <a:r>
-                <a:rPr lang="de-DE" sz="2000" dirty="0">
-                  <a:solidFill>
-                    <a:srgbClr val="FF8800"/>
-                  </a:solidFill>
-                  <a:latin typeface="Franklin Gothic Book" panose="020B0503020102020204" pitchFamily="34" charset="0"/>
-                </a:rPr>
-                <a:t>SUPER</a:t>
-              </a:r>
-              <a:br>
-                <a:rPr lang="de-DE" sz="2000" dirty="0">
-                  <a:solidFill>
-                    <a:srgbClr val="FF8800"/>
-                  </a:solidFill>
-                  <a:latin typeface="Franklin Gothic Book" panose="020B0503020102020204" pitchFamily="34" charset="0"/>
-                </a:rPr>
-              </a:br>
-              <a:r>
-                <a:rPr lang="de-DE" sz="2000" dirty="0">
-                  <a:solidFill>
-                    <a:srgbClr val="FF8800"/>
-                  </a:solidFill>
-                  <a:latin typeface="Franklin Gothic Book" panose="020B0503020102020204" pitchFamily="34" charset="0"/>
-                </a:rPr>
-                <a:t>CRUISE</a:t>
-              </a:r>
-            </a:p>
-          </p:txBody>
-        </p:sp>
-        <p:sp>
-          <p:nvSpPr>
-            <p:cNvPr id="9" name="Rechteck 8">
-              <a:extLst>
-                <a:ext uri="{FF2B5EF4-FFF2-40B4-BE49-F238E27FC236}">
-                  <a16:creationId xmlns:a16="http://schemas.microsoft.com/office/drawing/2014/main" id="{0F6BC6DB-E7AE-4CAE-B7EA-14D9AF1E81BE}"/>
-                </a:ext>
-              </a:extLst>
-            </p:cNvPr>
-            <p:cNvSpPr/>
-            <p:nvPr/>
-          </p:nvSpPr>
-          <p:spPr>
-            <a:xfrm>
-              <a:off x="1925186" y="1633538"/>
-              <a:ext cx="1219200" cy="486647"/>
-            </a:xfrm>
-            <a:prstGeom prst="rect">
-              <a:avLst/>
-            </a:prstGeom>
-            <a:solidFill>
-              <a:srgbClr val="804400"/>
-            </a:solidFill>
-            <a:ln>
-              <a:solidFill>
-                <a:srgbClr val="804400"/>
-              </a:solidFill>
-            </a:ln>
-          </p:spPr>
-          <p:style>
-            <a:lnRef idx="2">
-              <a:schemeClr val="accent1">
-                <a:shade val="50000"/>
-              </a:schemeClr>
-            </a:lnRef>
-            <a:fillRef idx="1">
-              <a:schemeClr val="accent1"/>
-            </a:fillRef>
-            <a:effectRef idx="0">
-              <a:schemeClr val="accent1"/>
-            </a:effectRef>
-            <a:fontRef idx="minor">
-              <a:schemeClr val="lt1"/>
-            </a:fontRef>
-          </p:style>
-          <p:txBody>
-            <a:bodyPr rtlCol="0" anchor="ctr"/>
-            <a:lstStyle/>
-            <a:p>
-              <a:pPr algn="ctr"/>
-              <a:r>
-                <a:rPr lang="de-DE" sz="2400" b="1" dirty="0">
-                  <a:solidFill>
-                    <a:srgbClr val="000000"/>
-                  </a:solidFill>
-                  <a:latin typeface="Franklin Gothic Book" panose="020B0503020102020204" pitchFamily="34" charset="0"/>
-                </a:rPr>
-                <a:t>STBY</a:t>
-              </a:r>
-              <a:endParaRPr lang="en-DE" sz="2400" b="1" dirty="0">
-                <a:solidFill>
-                  <a:srgbClr val="000000"/>
-                </a:solidFill>
-                <a:latin typeface="Franklin Gothic Book" panose="020B0503020102020204" pitchFamily="34" charset="0"/>
-              </a:endParaRPr>
-            </a:p>
-          </p:txBody>
-        </p:sp>
-      </p:grpSp>
-      <p:grpSp>
-        <p:nvGrpSpPr>
-          <p:cNvPr id="10" name="Gruppieren 9">
-            <a:extLst>
-              <a:ext uri="{FF2B5EF4-FFF2-40B4-BE49-F238E27FC236}">
-                <a16:creationId xmlns:a16="http://schemas.microsoft.com/office/drawing/2014/main" id="{C26EDE03-56AA-4FBD-8FC4-CF3787885272}"/>
-              </a:ext>
-            </a:extLst>
-          </p:cNvPr>
-          <p:cNvGrpSpPr/>
-          <p:nvPr/>
-        </p:nvGrpSpPr>
-        <p:grpSpPr>
-          <a:xfrm>
-            <a:off x="2995614" y="440294"/>
-            <a:ext cx="1219200" cy="1219199"/>
-            <a:chOff x="1925186" y="900986"/>
-            <a:chExt cx="1219200" cy="1219199"/>
-          </a:xfrm>
-        </p:grpSpPr>
-        <p:sp>
-          <p:nvSpPr>
-            <p:cNvPr id="11" name="Rechteck 10">
-              <a:extLst>
-                <a:ext uri="{FF2B5EF4-FFF2-40B4-BE49-F238E27FC236}">
-                  <a16:creationId xmlns:a16="http://schemas.microsoft.com/office/drawing/2014/main" id="{4E7184D5-5151-42D0-A6ED-A769BF6E0D27}"/>
-                </a:ext>
-              </a:extLst>
-            </p:cNvPr>
-            <p:cNvSpPr/>
-            <p:nvPr/>
-          </p:nvSpPr>
-          <p:spPr>
-            <a:xfrm>
-              <a:off x="1925186" y="900986"/>
-              <a:ext cx="1219200" cy="732552"/>
-            </a:xfrm>
-            <a:prstGeom prst="rect">
-              <a:avLst/>
-            </a:prstGeom>
-            <a:solidFill>
-              <a:srgbClr val="FF0042"/>
-            </a:solidFill>
-            <a:ln>
-              <a:solidFill>
-                <a:srgbClr val="FF0042"/>
-              </a:solidFill>
-            </a:ln>
-          </p:spPr>
-          <p:style>
-            <a:lnRef idx="2">
-              <a:schemeClr val="accent1">
-                <a:shade val="50000"/>
-              </a:schemeClr>
-            </a:lnRef>
-            <a:fillRef idx="1">
-              <a:schemeClr val="accent1"/>
-            </a:fillRef>
-            <a:effectRef idx="0">
-              <a:schemeClr val="accent1"/>
-            </a:effectRef>
-            <a:fontRef idx="minor">
-              <a:schemeClr val="lt1"/>
-            </a:fontRef>
-          </p:style>
-          <p:txBody>
-            <a:bodyPr rtlCol="0" anchor="ctr"/>
-            <a:lstStyle/>
-            <a:p>
-              <a:pPr algn="ctr"/>
-              <a:r>
-                <a:rPr lang="de-DE" sz="2000" dirty="0">
-                  <a:solidFill>
-                    <a:schemeClr val="tx1"/>
-                  </a:solidFill>
-                  <a:latin typeface="Franklin Gothic Book" panose="020B0503020102020204" pitchFamily="34" charset="0"/>
-                </a:rPr>
-                <a:t>SUPER</a:t>
-              </a:r>
-              <a:br>
-                <a:rPr lang="de-DE" sz="2000" dirty="0">
-                  <a:solidFill>
-                    <a:schemeClr val="tx1"/>
-                  </a:solidFill>
-                  <a:latin typeface="Franklin Gothic Book" panose="020B0503020102020204" pitchFamily="34" charset="0"/>
-                </a:rPr>
-              </a:br>
-              <a:r>
-                <a:rPr lang="de-DE" sz="2000" dirty="0">
-                  <a:solidFill>
-                    <a:schemeClr val="tx1"/>
-                  </a:solidFill>
-                  <a:latin typeface="Franklin Gothic Book" panose="020B0503020102020204" pitchFamily="34" charset="0"/>
-                </a:rPr>
-                <a:t>CRUISE</a:t>
-              </a:r>
-            </a:p>
-          </p:txBody>
-        </p:sp>
-        <p:sp>
-          <p:nvSpPr>
-            <p:cNvPr id="12" name="Rechteck 11">
-              <a:extLst>
-                <a:ext uri="{FF2B5EF4-FFF2-40B4-BE49-F238E27FC236}">
-                  <a16:creationId xmlns:a16="http://schemas.microsoft.com/office/drawing/2014/main" id="{0B27348C-2DFA-45B9-A2C2-2FAEFF7FB553}"/>
-                </a:ext>
-              </a:extLst>
-            </p:cNvPr>
-            <p:cNvSpPr/>
-            <p:nvPr/>
-          </p:nvSpPr>
-          <p:spPr>
-            <a:xfrm>
-              <a:off x="1925186" y="1633538"/>
-              <a:ext cx="1219200" cy="486647"/>
-            </a:xfrm>
-            <a:prstGeom prst="rect">
-              <a:avLst/>
-            </a:prstGeom>
-            <a:solidFill>
-              <a:schemeClr val="tx1"/>
-            </a:solidFill>
-            <a:ln>
-              <a:solidFill>
-                <a:schemeClr val="tx1"/>
-              </a:solidFill>
-            </a:ln>
-          </p:spPr>
-          <p:style>
-            <a:lnRef idx="2">
-              <a:schemeClr val="accent1">
-                <a:shade val="50000"/>
-              </a:schemeClr>
-            </a:lnRef>
-            <a:fillRef idx="1">
-              <a:schemeClr val="accent1"/>
-            </a:fillRef>
-            <a:effectRef idx="0">
-              <a:schemeClr val="accent1"/>
-            </a:effectRef>
-            <a:fontRef idx="minor">
-              <a:schemeClr val="lt1"/>
-            </a:fontRef>
-          </p:style>
-          <p:txBody>
-            <a:bodyPr rtlCol="0" anchor="ctr"/>
-            <a:lstStyle/>
-            <a:p>
-              <a:pPr algn="ctr"/>
-              <a:r>
-                <a:rPr lang="de-DE" sz="2400" b="1" dirty="0">
-                  <a:solidFill>
-                    <a:srgbClr val="FF0042"/>
-                  </a:solidFill>
-                  <a:latin typeface="Franklin Gothic Book" panose="020B0503020102020204" pitchFamily="34" charset="0"/>
-                </a:rPr>
-                <a:t>LOCK</a:t>
-              </a:r>
-              <a:endParaRPr lang="en-DE" sz="2400" b="1" dirty="0">
-                <a:solidFill>
-                  <a:srgbClr val="FF0042"/>
-                </a:solidFill>
-                <a:latin typeface="Franklin Gothic Book" panose="020B0503020102020204" pitchFamily="34" charset="0"/>
-              </a:endParaRPr>
-            </a:p>
-          </p:txBody>
-        </p:sp>
-      </p:grpSp>
-      <p:grpSp>
-        <p:nvGrpSpPr>
-          <p:cNvPr id="13" name="Gruppieren 12">
-            <a:extLst>
-              <a:ext uri="{FF2B5EF4-FFF2-40B4-BE49-F238E27FC236}">
-                <a16:creationId xmlns:a16="http://schemas.microsoft.com/office/drawing/2014/main" id="{45A31526-F07E-4636-973A-3E955E36478B}"/>
-              </a:ext>
-            </a:extLst>
-          </p:cNvPr>
-          <p:cNvGrpSpPr/>
-          <p:nvPr/>
-        </p:nvGrpSpPr>
-        <p:grpSpPr>
-          <a:xfrm>
-            <a:off x="1629914" y="1782445"/>
-            <a:ext cx="1219200" cy="1219199"/>
-            <a:chOff x="1925186" y="900986"/>
-            <a:chExt cx="1219200" cy="1219199"/>
-          </a:xfrm>
-        </p:grpSpPr>
-        <p:sp>
-          <p:nvSpPr>
-            <p:cNvPr id="14" name="Rechteck 13">
-              <a:extLst>
-                <a:ext uri="{FF2B5EF4-FFF2-40B4-BE49-F238E27FC236}">
-                  <a16:creationId xmlns:a16="http://schemas.microsoft.com/office/drawing/2014/main" id="{563D5489-0EA8-4B26-96EF-47551AA68D3B}"/>
-                </a:ext>
-              </a:extLst>
-            </p:cNvPr>
-            <p:cNvSpPr/>
-            <p:nvPr/>
-          </p:nvSpPr>
-          <p:spPr>
-            <a:xfrm>
-              <a:off x="1925186" y="900986"/>
-              <a:ext cx="1219200" cy="732552"/>
-            </a:xfrm>
-            <a:prstGeom prst="rect">
-              <a:avLst/>
-            </a:prstGeom>
-            <a:solidFill>
-              <a:srgbClr val="FF8800"/>
-            </a:solidFill>
-            <a:ln>
-              <a:solidFill>
-                <a:srgbClr val="FF8800"/>
-              </a:solidFill>
-            </a:ln>
-          </p:spPr>
-          <p:style>
-            <a:lnRef idx="2">
-              <a:schemeClr val="accent1">
-                <a:shade val="50000"/>
-              </a:schemeClr>
-            </a:lnRef>
-            <a:fillRef idx="1">
-              <a:schemeClr val="accent1"/>
-            </a:fillRef>
-            <a:effectRef idx="0">
-              <a:schemeClr val="accent1"/>
-            </a:effectRef>
-            <a:fontRef idx="minor">
-              <a:schemeClr val="lt1"/>
-            </a:fontRef>
-          </p:style>
-          <p:txBody>
-            <a:bodyPr rtlCol="0" anchor="ctr"/>
-            <a:lstStyle/>
-            <a:p>
-              <a:pPr algn="ctr"/>
-              <a:r>
-                <a:rPr lang="de-DE" sz="2000" dirty="0">
-                  <a:solidFill>
-                    <a:schemeClr val="tx1"/>
-                  </a:solidFill>
-                  <a:latin typeface="Franklin Gothic Book" panose="020B0503020102020204" pitchFamily="34" charset="0"/>
-                </a:rPr>
-                <a:t>FSD</a:t>
-              </a:r>
-              <a:br>
-                <a:rPr lang="de-DE" sz="2000" dirty="0">
-                  <a:solidFill>
-                    <a:schemeClr val="tx1"/>
-                  </a:solidFill>
-                  <a:latin typeface="Franklin Gothic Book" panose="020B0503020102020204" pitchFamily="34" charset="0"/>
-                </a:rPr>
-              </a:br>
-              <a:endParaRPr lang="de-DE" sz="2000" dirty="0">
-                <a:solidFill>
-                  <a:schemeClr val="tx1"/>
-                </a:solidFill>
-                <a:latin typeface="Franklin Gothic Book" panose="020B0503020102020204" pitchFamily="34" charset="0"/>
-              </a:endParaRPr>
-            </a:p>
-          </p:txBody>
-        </p:sp>
-        <p:sp>
-          <p:nvSpPr>
-            <p:cNvPr id="15" name="Rechteck 14">
-              <a:extLst>
-                <a:ext uri="{FF2B5EF4-FFF2-40B4-BE49-F238E27FC236}">
-                  <a16:creationId xmlns:a16="http://schemas.microsoft.com/office/drawing/2014/main" id="{3002D67D-6B90-40AD-8497-618C559C1369}"/>
-                </a:ext>
-              </a:extLst>
-            </p:cNvPr>
-            <p:cNvSpPr/>
-            <p:nvPr/>
-          </p:nvSpPr>
-          <p:spPr>
-            <a:xfrm>
-              <a:off x="1925186" y="1633538"/>
-              <a:ext cx="1219200" cy="486647"/>
-            </a:xfrm>
-            <a:prstGeom prst="rect">
-              <a:avLst/>
-            </a:prstGeom>
-            <a:solidFill>
-              <a:schemeClr val="tx1"/>
-            </a:solidFill>
-            <a:ln>
-              <a:solidFill>
-                <a:schemeClr val="tx1"/>
-              </a:solidFill>
-            </a:ln>
-          </p:spPr>
-          <p:style>
-            <a:lnRef idx="2">
-              <a:schemeClr val="accent1">
-                <a:shade val="50000"/>
-              </a:schemeClr>
-            </a:lnRef>
-            <a:fillRef idx="1">
-              <a:schemeClr val="accent1"/>
-            </a:fillRef>
-            <a:effectRef idx="0">
-              <a:schemeClr val="accent1"/>
-            </a:effectRef>
-            <a:fontRef idx="minor">
-              <a:schemeClr val="lt1"/>
-            </a:fontRef>
-          </p:style>
-          <p:txBody>
-            <a:bodyPr rtlCol="0" anchor="ctr"/>
-            <a:lstStyle/>
-            <a:p>
-              <a:pPr algn="ctr"/>
-              <a:r>
-                <a:rPr lang="de-DE" sz="2400" b="1" dirty="0">
-                  <a:solidFill>
-                    <a:srgbClr val="FF8800"/>
-                  </a:solidFill>
-                  <a:latin typeface="Franklin Gothic Book" panose="020B0503020102020204" pitchFamily="34" charset="0"/>
-                </a:rPr>
-                <a:t>ACTIVE</a:t>
-              </a:r>
-              <a:endParaRPr lang="en-DE" sz="2400" b="1" dirty="0">
-                <a:solidFill>
-                  <a:srgbClr val="FF8800"/>
-                </a:solidFill>
-                <a:latin typeface="Franklin Gothic Book" panose="020B0503020102020204" pitchFamily="34" charset="0"/>
-              </a:endParaRPr>
-            </a:p>
-          </p:txBody>
-        </p:sp>
-      </p:grpSp>
-      <p:grpSp>
-        <p:nvGrpSpPr>
-          <p:cNvPr id="16" name="Gruppieren 15">
-            <a:extLst>
-              <a:ext uri="{FF2B5EF4-FFF2-40B4-BE49-F238E27FC236}">
-                <a16:creationId xmlns:a16="http://schemas.microsoft.com/office/drawing/2014/main" id="{E00C7202-654F-4AA5-82BC-D8584383F470}"/>
-              </a:ext>
-            </a:extLst>
-          </p:cNvPr>
-          <p:cNvGrpSpPr/>
-          <p:nvPr/>
-        </p:nvGrpSpPr>
-        <p:grpSpPr>
-          <a:xfrm>
-            <a:off x="264214" y="1782445"/>
-            <a:ext cx="1219200" cy="1219199"/>
-            <a:chOff x="1925186" y="900986"/>
-            <a:chExt cx="1219200" cy="1219199"/>
-          </a:xfrm>
-        </p:grpSpPr>
-        <p:sp>
-          <p:nvSpPr>
-            <p:cNvPr id="17" name="Rechteck 16">
-              <a:extLst>
-                <a:ext uri="{FF2B5EF4-FFF2-40B4-BE49-F238E27FC236}">
-                  <a16:creationId xmlns:a16="http://schemas.microsoft.com/office/drawing/2014/main" id="{AFDA34A8-56E7-4FC8-8172-F8221FD9AA30}"/>
-                </a:ext>
-              </a:extLst>
-            </p:cNvPr>
-            <p:cNvSpPr/>
-            <p:nvPr/>
-          </p:nvSpPr>
-          <p:spPr>
-            <a:xfrm>
-              <a:off x="1925186" y="900986"/>
-              <a:ext cx="1219200" cy="732552"/>
-            </a:xfrm>
-            <a:prstGeom prst="rect">
-              <a:avLst/>
-            </a:prstGeom>
-            <a:solidFill>
-              <a:srgbClr val="000000"/>
-            </a:solidFill>
-            <a:ln>
-              <a:solidFill>
-                <a:schemeClr val="tx1"/>
-              </a:solidFill>
-            </a:ln>
-          </p:spPr>
-          <p:style>
-            <a:lnRef idx="2">
-              <a:schemeClr val="accent1">
-                <a:shade val="50000"/>
-              </a:schemeClr>
-            </a:lnRef>
-            <a:fillRef idx="1">
-              <a:schemeClr val="accent1"/>
-            </a:fillRef>
-            <a:effectRef idx="0">
-              <a:schemeClr val="accent1"/>
-            </a:effectRef>
-            <a:fontRef idx="minor">
-              <a:schemeClr val="lt1"/>
-            </a:fontRef>
-          </p:style>
-          <p:txBody>
-            <a:bodyPr rtlCol="0" anchor="ctr"/>
-            <a:lstStyle/>
-            <a:p>
-              <a:pPr algn="ctr"/>
-              <a:r>
-                <a:rPr lang="de-DE" sz="2000" dirty="0">
-                  <a:solidFill>
-                    <a:srgbClr val="FF8800"/>
-                  </a:solidFill>
-                  <a:latin typeface="Franklin Gothic Book" panose="020B0503020102020204" pitchFamily="34" charset="0"/>
-                </a:rPr>
-                <a:t>FSD</a:t>
-              </a:r>
-              <a:br>
-                <a:rPr lang="de-DE" sz="2000" dirty="0">
-                  <a:solidFill>
-                    <a:srgbClr val="FF8800"/>
-                  </a:solidFill>
-                  <a:latin typeface="Franklin Gothic Book" panose="020B0503020102020204" pitchFamily="34" charset="0"/>
-                </a:rPr>
-              </a:br>
-              <a:endParaRPr lang="de-DE" sz="2000" dirty="0">
-                <a:solidFill>
-                  <a:srgbClr val="FF8800"/>
-                </a:solidFill>
-                <a:latin typeface="Franklin Gothic Book" panose="020B0503020102020204" pitchFamily="34" charset="0"/>
-              </a:endParaRPr>
-            </a:p>
-          </p:txBody>
-        </p:sp>
-        <p:sp>
-          <p:nvSpPr>
-            <p:cNvPr id="18" name="Rechteck 17">
-              <a:extLst>
-                <a:ext uri="{FF2B5EF4-FFF2-40B4-BE49-F238E27FC236}">
-                  <a16:creationId xmlns:a16="http://schemas.microsoft.com/office/drawing/2014/main" id="{BF4E80DD-9627-444F-9BB7-F6BD2A536B7E}"/>
-                </a:ext>
-              </a:extLst>
-            </p:cNvPr>
-            <p:cNvSpPr/>
-            <p:nvPr/>
-          </p:nvSpPr>
-          <p:spPr>
-            <a:xfrm>
-              <a:off x="1925186" y="1633538"/>
-              <a:ext cx="1219200" cy="486647"/>
-            </a:xfrm>
-            <a:prstGeom prst="rect">
-              <a:avLst/>
-            </a:prstGeom>
-            <a:solidFill>
-              <a:srgbClr val="804400"/>
-            </a:solidFill>
-            <a:ln>
-              <a:solidFill>
-                <a:srgbClr val="804400"/>
-              </a:solidFill>
-            </a:ln>
-          </p:spPr>
-          <p:style>
-            <a:lnRef idx="2">
-              <a:schemeClr val="accent1">
-                <a:shade val="50000"/>
-              </a:schemeClr>
-            </a:lnRef>
-            <a:fillRef idx="1">
-              <a:schemeClr val="accent1"/>
-            </a:fillRef>
-            <a:effectRef idx="0">
-              <a:schemeClr val="accent1"/>
-            </a:effectRef>
-            <a:fontRef idx="minor">
-              <a:schemeClr val="lt1"/>
-            </a:fontRef>
-          </p:style>
-          <p:txBody>
-            <a:bodyPr rtlCol="0" anchor="ctr"/>
-            <a:lstStyle/>
-            <a:p>
-              <a:pPr algn="ctr"/>
-              <a:r>
-                <a:rPr lang="de-DE" sz="2400" b="1" dirty="0">
-                  <a:solidFill>
-                    <a:srgbClr val="000000"/>
-                  </a:solidFill>
-                  <a:latin typeface="Franklin Gothic Book" panose="020B0503020102020204" pitchFamily="34" charset="0"/>
-                </a:rPr>
-                <a:t>STBY</a:t>
-              </a:r>
-              <a:endParaRPr lang="en-DE" sz="2400" b="1" dirty="0">
-                <a:solidFill>
-                  <a:srgbClr val="000000"/>
-                </a:solidFill>
-                <a:latin typeface="Franklin Gothic Book" panose="020B0503020102020204" pitchFamily="34" charset="0"/>
-              </a:endParaRPr>
-            </a:p>
-          </p:txBody>
-        </p:sp>
-      </p:grpSp>
-      <p:grpSp>
-        <p:nvGrpSpPr>
-          <p:cNvPr id="19" name="Gruppieren 18">
-            <a:extLst>
-              <a:ext uri="{FF2B5EF4-FFF2-40B4-BE49-F238E27FC236}">
-                <a16:creationId xmlns:a16="http://schemas.microsoft.com/office/drawing/2014/main" id="{A1CACB09-D2FE-40EF-B614-E936B3E6975D}"/>
-              </a:ext>
-            </a:extLst>
-          </p:cNvPr>
-          <p:cNvGrpSpPr/>
-          <p:nvPr/>
-        </p:nvGrpSpPr>
-        <p:grpSpPr>
-          <a:xfrm>
-            <a:off x="2995614" y="1782445"/>
-            <a:ext cx="1219200" cy="1219199"/>
-            <a:chOff x="1925186" y="900986"/>
-            <a:chExt cx="1219200" cy="1219199"/>
-          </a:xfrm>
-        </p:grpSpPr>
-        <p:sp>
-          <p:nvSpPr>
-            <p:cNvPr id="20" name="Rechteck 19">
-              <a:extLst>
-                <a:ext uri="{FF2B5EF4-FFF2-40B4-BE49-F238E27FC236}">
-                  <a16:creationId xmlns:a16="http://schemas.microsoft.com/office/drawing/2014/main" id="{7F71E253-A8AF-404D-AC9C-A48A4DC09A83}"/>
-                </a:ext>
-              </a:extLst>
-            </p:cNvPr>
-            <p:cNvSpPr/>
-            <p:nvPr/>
-          </p:nvSpPr>
-          <p:spPr>
-            <a:xfrm>
-              <a:off x="1925186" y="900986"/>
-              <a:ext cx="1219200" cy="732552"/>
-            </a:xfrm>
-            <a:prstGeom prst="rect">
-              <a:avLst/>
-            </a:prstGeom>
-            <a:solidFill>
-              <a:srgbClr val="FF0042"/>
-            </a:solidFill>
-            <a:ln>
-              <a:solidFill>
-                <a:srgbClr val="FF0042"/>
-              </a:solidFill>
-            </a:ln>
-          </p:spPr>
-          <p:style>
-            <a:lnRef idx="2">
-              <a:schemeClr val="accent1">
-                <a:shade val="50000"/>
-              </a:schemeClr>
-            </a:lnRef>
-            <a:fillRef idx="1">
-              <a:schemeClr val="accent1"/>
-            </a:fillRef>
-            <a:effectRef idx="0">
-              <a:schemeClr val="accent1"/>
-            </a:effectRef>
-            <a:fontRef idx="minor">
-              <a:schemeClr val="lt1"/>
-            </a:fontRef>
-          </p:style>
-          <p:txBody>
-            <a:bodyPr rtlCol="0" anchor="ctr"/>
-            <a:lstStyle/>
-            <a:p>
-              <a:pPr algn="ctr"/>
-              <a:r>
-                <a:rPr lang="de-DE" sz="2000" dirty="0">
-                  <a:solidFill>
-                    <a:schemeClr val="tx1"/>
-                  </a:solidFill>
-                  <a:latin typeface="Franklin Gothic Book" panose="020B0503020102020204" pitchFamily="34" charset="0"/>
-                </a:rPr>
-                <a:t>FSD</a:t>
-              </a:r>
-              <a:br>
-                <a:rPr lang="de-DE" sz="2000" dirty="0">
-                  <a:solidFill>
-                    <a:schemeClr val="tx1"/>
-                  </a:solidFill>
-                  <a:latin typeface="Franklin Gothic Book" panose="020B0503020102020204" pitchFamily="34" charset="0"/>
-                </a:rPr>
-              </a:br>
-              <a:endParaRPr lang="de-DE" sz="2000" dirty="0">
-                <a:solidFill>
-                  <a:schemeClr val="tx1"/>
-                </a:solidFill>
-                <a:latin typeface="Franklin Gothic Book" panose="020B0503020102020204" pitchFamily="34" charset="0"/>
-              </a:endParaRPr>
-            </a:p>
-          </p:txBody>
-        </p:sp>
-        <p:sp>
-          <p:nvSpPr>
-            <p:cNvPr id="21" name="Rechteck 20">
-              <a:extLst>
-                <a:ext uri="{FF2B5EF4-FFF2-40B4-BE49-F238E27FC236}">
-                  <a16:creationId xmlns:a16="http://schemas.microsoft.com/office/drawing/2014/main" id="{F32BC181-7D39-4E5C-AC8C-D92916BED0FA}"/>
-                </a:ext>
-              </a:extLst>
-            </p:cNvPr>
-            <p:cNvSpPr/>
-            <p:nvPr/>
-          </p:nvSpPr>
-          <p:spPr>
-            <a:xfrm>
-              <a:off x="1925186" y="1633538"/>
-              <a:ext cx="1219200" cy="486647"/>
-            </a:xfrm>
-            <a:prstGeom prst="rect">
-              <a:avLst/>
-            </a:prstGeom>
-            <a:solidFill>
-              <a:schemeClr val="tx1"/>
-            </a:solidFill>
-            <a:ln>
-              <a:solidFill>
-                <a:schemeClr val="tx1"/>
-              </a:solidFill>
-            </a:ln>
-          </p:spPr>
-          <p:style>
-            <a:lnRef idx="2">
-              <a:schemeClr val="accent1">
-                <a:shade val="50000"/>
-              </a:schemeClr>
-            </a:lnRef>
-            <a:fillRef idx="1">
-              <a:schemeClr val="accent1"/>
-            </a:fillRef>
-            <a:effectRef idx="0">
-              <a:schemeClr val="accent1"/>
-            </a:effectRef>
-            <a:fontRef idx="minor">
-              <a:schemeClr val="lt1"/>
-            </a:fontRef>
-          </p:style>
-          <p:txBody>
-            <a:bodyPr rtlCol="0" anchor="ctr"/>
-            <a:lstStyle/>
-            <a:p>
-              <a:pPr algn="ctr"/>
-              <a:r>
-                <a:rPr lang="de-DE" sz="2400" b="1" dirty="0">
-                  <a:solidFill>
-                    <a:srgbClr val="FF0042"/>
-                  </a:solidFill>
-                  <a:latin typeface="Franklin Gothic Book" panose="020B0503020102020204" pitchFamily="34" charset="0"/>
-                </a:rPr>
-                <a:t>LOCK</a:t>
-              </a:r>
-              <a:endParaRPr lang="en-DE" sz="2400" b="1" dirty="0">
-                <a:solidFill>
-                  <a:srgbClr val="FF0042"/>
-                </a:solidFill>
-                <a:latin typeface="Franklin Gothic Book" panose="020B0503020102020204" pitchFamily="34" charset="0"/>
-              </a:endParaRPr>
-            </a:p>
-          </p:txBody>
-        </p:sp>
-      </p:grpSp>
-      <p:grpSp>
-        <p:nvGrpSpPr>
-          <p:cNvPr id="22" name="Gruppieren 21">
-            <a:extLst>
-              <a:ext uri="{FF2B5EF4-FFF2-40B4-BE49-F238E27FC236}">
-                <a16:creationId xmlns:a16="http://schemas.microsoft.com/office/drawing/2014/main" id="{04305590-2040-4E4B-BE4D-E16A47E8DDD3}"/>
-              </a:ext>
-            </a:extLst>
-          </p:cNvPr>
-          <p:cNvGrpSpPr/>
-          <p:nvPr/>
-        </p:nvGrpSpPr>
-        <p:grpSpPr>
-          <a:xfrm>
-            <a:off x="264214" y="3124596"/>
-            <a:ext cx="1219200" cy="1219199"/>
-            <a:chOff x="1925186" y="900986"/>
-            <a:chExt cx="1219200" cy="1219199"/>
-          </a:xfrm>
-        </p:grpSpPr>
-        <p:sp>
-          <p:nvSpPr>
-            <p:cNvPr id="23" name="Rechteck 22">
-              <a:extLst>
-                <a:ext uri="{FF2B5EF4-FFF2-40B4-BE49-F238E27FC236}">
-                  <a16:creationId xmlns:a16="http://schemas.microsoft.com/office/drawing/2014/main" id="{3C965B7B-F4B4-44E2-BDE1-108209D3DE2B}"/>
-                </a:ext>
-              </a:extLst>
-            </p:cNvPr>
-            <p:cNvSpPr/>
-            <p:nvPr/>
-          </p:nvSpPr>
-          <p:spPr>
-            <a:xfrm>
-              <a:off x="1925186" y="900986"/>
-              <a:ext cx="1219200" cy="732552"/>
-            </a:xfrm>
-            <a:prstGeom prst="rect">
-              <a:avLst/>
-            </a:prstGeom>
-            <a:solidFill>
-              <a:srgbClr val="000000"/>
-            </a:solidFill>
-            <a:ln>
-              <a:solidFill>
-                <a:schemeClr val="tx1"/>
-              </a:solidFill>
-            </a:ln>
-          </p:spPr>
-          <p:style>
-            <a:lnRef idx="2">
-              <a:schemeClr val="accent1">
-                <a:shade val="50000"/>
-              </a:schemeClr>
-            </a:lnRef>
-            <a:fillRef idx="1">
-              <a:schemeClr val="accent1"/>
-            </a:fillRef>
-            <a:effectRef idx="0">
-              <a:schemeClr val="accent1"/>
-            </a:effectRef>
-            <a:fontRef idx="minor">
-              <a:schemeClr val="lt1"/>
-            </a:fontRef>
-          </p:style>
-          <p:txBody>
-            <a:bodyPr rtlCol="0" anchor="ctr"/>
-            <a:lstStyle/>
-            <a:p>
-              <a:pPr algn="ctr"/>
-              <a:r>
-                <a:rPr lang="de-DE" sz="2000" dirty="0">
-                  <a:solidFill>
-                    <a:srgbClr val="FF8800"/>
-                  </a:solidFill>
-                  <a:latin typeface="Franklin Gothic Book" panose="020B0503020102020204" pitchFamily="34" charset="0"/>
-                </a:rPr>
-                <a:t>FSS</a:t>
-              </a:r>
-              <a:br>
-                <a:rPr lang="de-DE" sz="2000" dirty="0">
-                  <a:solidFill>
-                    <a:srgbClr val="FF8800"/>
-                  </a:solidFill>
-                  <a:latin typeface="Franklin Gothic Book" panose="020B0503020102020204" pitchFamily="34" charset="0"/>
-                </a:rPr>
-              </a:br>
-              <a:r>
-                <a:rPr lang="de-DE" sz="2000" dirty="0">
-                  <a:solidFill>
-                    <a:srgbClr val="FF8800"/>
-                  </a:solidFill>
-                  <a:latin typeface="Franklin Gothic Book" panose="020B0503020102020204" pitchFamily="34" charset="0"/>
-                </a:rPr>
-                <a:t>MODE</a:t>
-              </a:r>
-            </a:p>
-          </p:txBody>
-        </p:sp>
-        <p:sp>
-          <p:nvSpPr>
-            <p:cNvPr id="24" name="Rechteck 23">
-              <a:extLst>
-                <a:ext uri="{FF2B5EF4-FFF2-40B4-BE49-F238E27FC236}">
-                  <a16:creationId xmlns:a16="http://schemas.microsoft.com/office/drawing/2014/main" id="{1D463484-A614-4F48-A91D-EC649C7D81BC}"/>
-                </a:ext>
-              </a:extLst>
-            </p:cNvPr>
-            <p:cNvSpPr/>
-            <p:nvPr/>
-          </p:nvSpPr>
-          <p:spPr>
-            <a:xfrm>
-              <a:off x="1925186" y="1633538"/>
-              <a:ext cx="1219200" cy="486647"/>
-            </a:xfrm>
-            <a:prstGeom prst="rect">
-              <a:avLst/>
-            </a:prstGeom>
-            <a:solidFill>
-              <a:srgbClr val="804400"/>
-            </a:solidFill>
-            <a:ln>
-              <a:solidFill>
-                <a:srgbClr val="804400"/>
-              </a:solidFill>
-            </a:ln>
-          </p:spPr>
-          <p:style>
-            <a:lnRef idx="2">
-              <a:schemeClr val="accent1">
-                <a:shade val="50000"/>
-              </a:schemeClr>
-            </a:lnRef>
-            <a:fillRef idx="1">
-              <a:schemeClr val="accent1"/>
-            </a:fillRef>
-            <a:effectRef idx="0">
-              <a:schemeClr val="accent1"/>
-            </a:effectRef>
-            <a:fontRef idx="minor">
-              <a:schemeClr val="lt1"/>
-            </a:fontRef>
-          </p:style>
-          <p:txBody>
-            <a:bodyPr rtlCol="0" anchor="ctr"/>
-            <a:lstStyle/>
-            <a:p>
-              <a:pPr algn="ctr"/>
-              <a:r>
-                <a:rPr lang="de-DE" sz="2400" b="1" dirty="0">
-                  <a:solidFill>
-                    <a:srgbClr val="000000"/>
-                  </a:solidFill>
-                  <a:latin typeface="Franklin Gothic Book" panose="020B0503020102020204" pitchFamily="34" charset="0"/>
-                </a:rPr>
-                <a:t>LOCK</a:t>
-              </a:r>
-              <a:endParaRPr lang="en-DE" sz="2400" b="1" dirty="0">
-                <a:solidFill>
-                  <a:srgbClr val="000000"/>
-                </a:solidFill>
-                <a:latin typeface="Franklin Gothic Book" panose="020B0503020102020204" pitchFamily="34" charset="0"/>
-              </a:endParaRPr>
-            </a:p>
-          </p:txBody>
-        </p:sp>
-      </p:grpSp>
-      <p:grpSp>
-        <p:nvGrpSpPr>
-          <p:cNvPr id="28" name="Gruppieren 27">
-            <a:extLst>
-              <a:ext uri="{FF2B5EF4-FFF2-40B4-BE49-F238E27FC236}">
-                <a16:creationId xmlns:a16="http://schemas.microsoft.com/office/drawing/2014/main" id="{34527639-A57E-4AE6-AB8C-EB59D8C2E81F}"/>
-              </a:ext>
-            </a:extLst>
-          </p:cNvPr>
-          <p:cNvGrpSpPr/>
-          <p:nvPr/>
-        </p:nvGrpSpPr>
-        <p:grpSpPr>
-          <a:xfrm>
-            <a:off x="1629914" y="3124596"/>
-            <a:ext cx="1219200" cy="1219199"/>
-            <a:chOff x="1925186" y="900986"/>
-            <a:chExt cx="1219200" cy="1219199"/>
-          </a:xfrm>
-        </p:grpSpPr>
-        <p:sp>
-          <p:nvSpPr>
-            <p:cNvPr id="29" name="Rechteck 28">
-              <a:extLst>
-                <a:ext uri="{FF2B5EF4-FFF2-40B4-BE49-F238E27FC236}">
-                  <a16:creationId xmlns:a16="http://schemas.microsoft.com/office/drawing/2014/main" id="{B793862C-9810-4D21-AA2C-1CA892E0A2FA}"/>
-                </a:ext>
-              </a:extLst>
-            </p:cNvPr>
-            <p:cNvSpPr/>
-            <p:nvPr/>
-          </p:nvSpPr>
-          <p:spPr>
-            <a:xfrm>
-              <a:off x="1925186" y="900986"/>
-              <a:ext cx="1219200" cy="732552"/>
-            </a:xfrm>
-            <a:prstGeom prst="rect">
-              <a:avLst/>
-            </a:prstGeom>
-            <a:solidFill>
-              <a:srgbClr val="000000"/>
-            </a:solidFill>
-            <a:ln>
-              <a:solidFill>
-                <a:schemeClr val="tx1"/>
-              </a:solidFill>
-            </a:ln>
-          </p:spPr>
-          <p:style>
-            <a:lnRef idx="2">
-              <a:schemeClr val="accent1">
-                <a:shade val="50000"/>
-              </a:schemeClr>
-            </a:lnRef>
-            <a:fillRef idx="1">
-              <a:schemeClr val="accent1"/>
-            </a:fillRef>
-            <a:effectRef idx="0">
-              <a:schemeClr val="accent1"/>
-            </a:effectRef>
-            <a:fontRef idx="minor">
-              <a:schemeClr val="lt1"/>
-            </a:fontRef>
-          </p:style>
-          <p:txBody>
-            <a:bodyPr rtlCol="0" anchor="ctr"/>
-            <a:lstStyle/>
-            <a:p>
-              <a:pPr algn="ctr"/>
-              <a:r>
-                <a:rPr lang="de-DE" sz="2000" dirty="0">
-                  <a:solidFill>
-                    <a:srgbClr val="00D2FF"/>
-                  </a:solidFill>
-                  <a:latin typeface="Franklin Gothic Book" panose="020B0503020102020204" pitchFamily="34" charset="0"/>
-                </a:rPr>
-                <a:t>FSS</a:t>
-              </a:r>
-              <a:br>
-                <a:rPr lang="de-DE" sz="2000" dirty="0">
-                  <a:solidFill>
-                    <a:srgbClr val="00D2FF"/>
-                  </a:solidFill>
-                  <a:latin typeface="Franklin Gothic Book" panose="020B0503020102020204" pitchFamily="34" charset="0"/>
-                </a:rPr>
-              </a:br>
-              <a:r>
-                <a:rPr lang="de-DE" sz="2000" dirty="0">
-                  <a:solidFill>
-                    <a:srgbClr val="00D2FF"/>
-                  </a:solidFill>
-                  <a:latin typeface="Franklin Gothic Book" panose="020B0503020102020204" pitchFamily="34" charset="0"/>
-                </a:rPr>
-                <a:t>MODE</a:t>
-              </a:r>
-            </a:p>
-          </p:txBody>
-        </p:sp>
-        <p:sp>
-          <p:nvSpPr>
-            <p:cNvPr id="30" name="Rechteck 29">
-              <a:extLst>
-                <a:ext uri="{FF2B5EF4-FFF2-40B4-BE49-F238E27FC236}">
-                  <a16:creationId xmlns:a16="http://schemas.microsoft.com/office/drawing/2014/main" id="{CF0762D9-8161-462D-9027-00F63973B420}"/>
-                </a:ext>
-              </a:extLst>
-            </p:cNvPr>
-            <p:cNvSpPr/>
-            <p:nvPr/>
-          </p:nvSpPr>
-          <p:spPr>
-            <a:xfrm>
-              <a:off x="1925186" y="1633538"/>
-              <a:ext cx="1219200" cy="486647"/>
-            </a:xfrm>
-            <a:prstGeom prst="rect">
-              <a:avLst/>
-            </a:prstGeom>
-            <a:solidFill>
-              <a:srgbClr val="00D2FF"/>
-            </a:solidFill>
-            <a:ln>
-              <a:solidFill>
-                <a:srgbClr val="00D2FF"/>
-              </a:solidFill>
-            </a:ln>
-          </p:spPr>
-          <p:style>
-            <a:lnRef idx="2">
-              <a:schemeClr val="accent1">
-                <a:shade val="50000"/>
-              </a:schemeClr>
-            </a:lnRef>
-            <a:fillRef idx="1">
-              <a:schemeClr val="accent1"/>
-            </a:fillRef>
-            <a:effectRef idx="0">
-              <a:schemeClr val="accent1"/>
-            </a:effectRef>
-            <a:fontRef idx="minor">
-              <a:schemeClr val="lt1"/>
-            </a:fontRef>
-          </p:style>
-          <p:txBody>
-            <a:bodyPr rtlCol="0" anchor="ctr"/>
-            <a:lstStyle/>
-            <a:p>
-              <a:pPr algn="ctr"/>
-              <a:r>
-                <a:rPr lang="de-DE" sz="2400" b="1" dirty="0">
-                  <a:solidFill>
-                    <a:srgbClr val="000000"/>
-                  </a:solidFill>
-                  <a:latin typeface="Franklin Gothic Book" panose="020B0503020102020204" pitchFamily="34" charset="0"/>
-                </a:rPr>
-                <a:t>STBY</a:t>
-              </a:r>
-              <a:endParaRPr lang="en-DE" sz="2400" b="1" dirty="0">
-                <a:solidFill>
-                  <a:srgbClr val="000000"/>
-                </a:solidFill>
-                <a:latin typeface="Franklin Gothic Book" panose="020B0503020102020204" pitchFamily="34" charset="0"/>
-              </a:endParaRPr>
-            </a:p>
-          </p:txBody>
-        </p:sp>
-      </p:grpSp>
-      <p:grpSp>
-        <p:nvGrpSpPr>
-          <p:cNvPr id="31" name="Gruppieren 30">
-            <a:extLst>
-              <a:ext uri="{FF2B5EF4-FFF2-40B4-BE49-F238E27FC236}">
-                <a16:creationId xmlns:a16="http://schemas.microsoft.com/office/drawing/2014/main" id="{9947FA69-DD55-4355-A197-F1D02D8AD007}"/>
-              </a:ext>
-            </a:extLst>
-          </p:cNvPr>
-          <p:cNvGrpSpPr/>
-          <p:nvPr/>
-        </p:nvGrpSpPr>
-        <p:grpSpPr>
-          <a:xfrm>
-            <a:off x="2995614" y="3124596"/>
-            <a:ext cx="1219200" cy="1219199"/>
-            <a:chOff x="1925186" y="900986"/>
-            <a:chExt cx="1219200" cy="1219199"/>
-          </a:xfrm>
-        </p:grpSpPr>
-        <p:sp>
-          <p:nvSpPr>
-            <p:cNvPr id="32" name="Rechteck 31">
-              <a:extLst>
-                <a:ext uri="{FF2B5EF4-FFF2-40B4-BE49-F238E27FC236}">
-                  <a16:creationId xmlns:a16="http://schemas.microsoft.com/office/drawing/2014/main" id="{A0C3B15C-1362-467B-A354-9436D5F93B6F}"/>
-                </a:ext>
-              </a:extLst>
-            </p:cNvPr>
-            <p:cNvSpPr/>
-            <p:nvPr/>
-          </p:nvSpPr>
-          <p:spPr>
-            <a:xfrm>
-              <a:off x="1925186" y="900986"/>
-              <a:ext cx="1219200" cy="732552"/>
-            </a:xfrm>
-            <a:prstGeom prst="rect">
-              <a:avLst/>
-            </a:prstGeom>
-            <a:solidFill>
-              <a:srgbClr val="00D2FF"/>
-            </a:solidFill>
-            <a:ln>
-              <a:solidFill>
-                <a:srgbClr val="00D2FF"/>
-              </a:solidFill>
-            </a:ln>
-          </p:spPr>
-          <p:style>
-            <a:lnRef idx="2">
-              <a:schemeClr val="accent1">
-                <a:shade val="50000"/>
-              </a:schemeClr>
-            </a:lnRef>
-            <a:fillRef idx="1">
-              <a:schemeClr val="accent1"/>
-            </a:fillRef>
-            <a:effectRef idx="0">
-              <a:schemeClr val="accent1"/>
-            </a:effectRef>
-            <a:fontRef idx="minor">
-              <a:schemeClr val="lt1"/>
-            </a:fontRef>
-          </p:style>
-          <p:txBody>
-            <a:bodyPr rtlCol="0" anchor="ctr"/>
-            <a:lstStyle/>
-            <a:p>
-              <a:pPr algn="ctr"/>
-              <a:r>
-                <a:rPr lang="de-DE" sz="2000" dirty="0">
-                  <a:solidFill>
-                    <a:schemeClr val="tx1"/>
-                  </a:solidFill>
-                  <a:latin typeface="Franklin Gothic Book" panose="020B0503020102020204" pitchFamily="34" charset="0"/>
-                </a:rPr>
-                <a:t>FSS</a:t>
-              </a:r>
-              <a:br>
-                <a:rPr lang="de-DE" sz="2000" dirty="0">
-                  <a:solidFill>
-                    <a:schemeClr val="tx1"/>
-                  </a:solidFill>
-                  <a:latin typeface="Franklin Gothic Book" panose="020B0503020102020204" pitchFamily="34" charset="0"/>
-                </a:rPr>
-              </a:br>
-              <a:r>
-                <a:rPr lang="de-DE" sz="2000" dirty="0">
-                  <a:solidFill>
-                    <a:schemeClr val="tx1"/>
-                  </a:solidFill>
-                  <a:latin typeface="Franklin Gothic Book" panose="020B0503020102020204" pitchFamily="34" charset="0"/>
-                </a:rPr>
-                <a:t>MODE</a:t>
-              </a:r>
-            </a:p>
-          </p:txBody>
-        </p:sp>
-        <p:sp>
-          <p:nvSpPr>
-            <p:cNvPr id="33" name="Rechteck 32">
-              <a:extLst>
-                <a:ext uri="{FF2B5EF4-FFF2-40B4-BE49-F238E27FC236}">
-                  <a16:creationId xmlns:a16="http://schemas.microsoft.com/office/drawing/2014/main" id="{15B1DC33-DA7D-4076-9F3B-DF9B51DD8308}"/>
-                </a:ext>
-              </a:extLst>
-            </p:cNvPr>
-            <p:cNvSpPr/>
-            <p:nvPr/>
-          </p:nvSpPr>
-          <p:spPr>
-            <a:xfrm>
-              <a:off x="1925186" y="1633538"/>
-              <a:ext cx="1219200" cy="486647"/>
-            </a:xfrm>
-            <a:prstGeom prst="rect">
-              <a:avLst/>
-            </a:prstGeom>
-            <a:solidFill>
-              <a:schemeClr val="tx1"/>
-            </a:solidFill>
-            <a:ln>
-              <a:solidFill>
-                <a:schemeClr val="tx1"/>
-              </a:solidFill>
-            </a:ln>
-          </p:spPr>
-          <p:style>
-            <a:lnRef idx="2">
-              <a:schemeClr val="accent1">
-                <a:shade val="50000"/>
-              </a:schemeClr>
-            </a:lnRef>
-            <a:fillRef idx="1">
-              <a:schemeClr val="accent1"/>
-            </a:fillRef>
-            <a:effectRef idx="0">
-              <a:schemeClr val="accent1"/>
-            </a:effectRef>
-            <a:fontRef idx="minor">
-              <a:schemeClr val="lt1"/>
-            </a:fontRef>
-          </p:style>
-          <p:txBody>
-            <a:bodyPr rtlCol="0" anchor="ctr"/>
-            <a:lstStyle/>
-            <a:p>
-              <a:pPr algn="ctr"/>
-              <a:r>
-                <a:rPr lang="de-DE" sz="2400" b="1" dirty="0">
-                  <a:solidFill>
-                    <a:srgbClr val="00D2FF"/>
-                  </a:solidFill>
-                  <a:latin typeface="Franklin Gothic Book" panose="020B0503020102020204" pitchFamily="34" charset="0"/>
-                </a:rPr>
-                <a:t>ACTIVE</a:t>
-              </a:r>
-              <a:endParaRPr lang="en-DE" sz="2400" b="1" dirty="0">
-                <a:solidFill>
-                  <a:srgbClr val="00D2FF"/>
-                </a:solidFill>
-                <a:latin typeface="Franklin Gothic Book" panose="020B0503020102020204" pitchFamily="34" charset="0"/>
-              </a:endParaRPr>
-            </a:p>
-          </p:txBody>
-        </p:sp>
-      </p:grpSp>
-      <p:grpSp>
-        <p:nvGrpSpPr>
-          <p:cNvPr id="34" name="Gruppieren 33">
-            <a:extLst>
-              <a:ext uri="{FF2B5EF4-FFF2-40B4-BE49-F238E27FC236}">
-                <a16:creationId xmlns:a16="http://schemas.microsoft.com/office/drawing/2014/main" id="{95287D44-E26B-43A5-A581-EF522D8865AC}"/>
-              </a:ext>
-            </a:extLst>
-          </p:cNvPr>
-          <p:cNvGrpSpPr/>
-          <p:nvPr/>
-        </p:nvGrpSpPr>
-        <p:grpSpPr>
-          <a:xfrm>
-            <a:off x="5727014" y="440294"/>
-            <a:ext cx="1219200" cy="1219199"/>
-            <a:chOff x="1925186" y="900986"/>
-            <a:chExt cx="1219200" cy="1219199"/>
-          </a:xfrm>
-        </p:grpSpPr>
-        <p:sp>
-          <p:nvSpPr>
-            <p:cNvPr id="35" name="Rechteck 34">
-              <a:extLst>
-                <a:ext uri="{FF2B5EF4-FFF2-40B4-BE49-F238E27FC236}">
-                  <a16:creationId xmlns:a16="http://schemas.microsoft.com/office/drawing/2014/main" id="{75C4FB7A-9667-478E-B287-8648E8982E0D}"/>
-                </a:ext>
-              </a:extLst>
-            </p:cNvPr>
-            <p:cNvSpPr/>
-            <p:nvPr/>
-          </p:nvSpPr>
-          <p:spPr>
-            <a:xfrm>
-              <a:off x="1925186" y="900986"/>
-              <a:ext cx="1219200" cy="732552"/>
-            </a:xfrm>
-            <a:prstGeom prst="rect">
-              <a:avLst/>
-            </a:prstGeom>
-            <a:solidFill>
-              <a:srgbClr val="C103FD"/>
-            </a:solidFill>
-            <a:ln>
-              <a:solidFill>
-                <a:srgbClr val="C103FD"/>
-              </a:solidFill>
-            </a:ln>
-          </p:spPr>
-          <p:style>
-            <a:lnRef idx="2">
-              <a:schemeClr val="accent1">
-                <a:shade val="50000"/>
-              </a:schemeClr>
-            </a:lnRef>
-            <a:fillRef idx="1">
-              <a:schemeClr val="accent1"/>
-            </a:fillRef>
-            <a:effectRef idx="0">
-              <a:schemeClr val="accent1"/>
-            </a:effectRef>
-            <a:fontRef idx="minor">
-              <a:schemeClr val="lt1"/>
-            </a:fontRef>
-          </p:style>
-          <p:txBody>
-            <a:bodyPr rtlCol="0" anchor="ctr"/>
-            <a:lstStyle/>
-            <a:p>
-              <a:pPr algn="ctr"/>
-              <a:r>
-                <a:rPr lang="de-DE" sz="2000" dirty="0">
-                  <a:solidFill>
-                    <a:schemeClr val="tx1"/>
-                  </a:solidFill>
-                  <a:latin typeface="Franklin Gothic Book" panose="020B0503020102020204" pitchFamily="34" charset="0"/>
-                </a:rPr>
-                <a:t>SUPER</a:t>
-              </a:r>
-              <a:br>
-                <a:rPr lang="de-DE" sz="2000" dirty="0">
-                  <a:solidFill>
-                    <a:schemeClr val="tx1"/>
-                  </a:solidFill>
-                  <a:latin typeface="Franklin Gothic Book" panose="020B0503020102020204" pitchFamily="34" charset="0"/>
-                </a:rPr>
-              </a:br>
-              <a:r>
-                <a:rPr lang="de-DE" sz="2000" dirty="0">
-                  <a:solidFill>
-                    <a:schemeClr val="tx1"/>
-                  </a:solidFill>
-                  <a:latin typeface="Franklin Gothic Book" panose="020B0503020102020204" pitchFamily="34" charset="0"/>
-                </a:rPr>
-                <a:t>CRUISE</a:t>
-              </a:r>
-            </a:p>
-          </p:txBody>
-        </p:sp>
-        <p:sp>
-          <p:nvSpPr>
-            <p:cNvPr id="36" name="Rechteck 35">
-              <a:extLst>
-                <a:ext uri="{FF2B5EF4-FFF2-40B4-BE49-F238E27FC236}">
-                  <a16:creationId xmlns:a16="http://schemas.microsoft.com/office/drawing/2014/main" id="{F9F865DC-B0CA-415C-BEBA-D58FF0645632}"/>
-                </a:ext>
-              </a:extLst>
-            </p:cNvPr>
-            <p:cNvSpPr/>
-            <p:nvPr/>
-          </p:nvSpPr>
-          <p:spPr>
-            <a:xfrm>
-              <a:off x="1925186" y="1633538"/>
-              <a:ext cx="1219200" cy="486647"/>
-            </a:xfrm>
-            <a:prstGeom prst="rect">
-              <a:avLst/>
-            </a:prstGeom>
-            <a:solidFill>
-              <a:schemeClr val="tx1"/>
-            </a:solidFill>
-            <a:ln>
-              <a:solidFill>
-                <a:schemeClr val="tx1"/>
-              </a:solidFill>
-            </a:ln>
-          </p:spPr>
-          <p:style>
-            <a:lnRef idx="2">
-              <a:schemeClr val="accent1">
-                <a:shade val="50000"/>
-              </a:schemeClr>
-            </a:lnRef>
-            <a:fillRef idx="1">
-              <a:schemeClr val="accent1"/>
-            </a:fillRef>
-            <a:effectRef idx="0">
-              <a:schemeClr val="accent1"/>
-            </a:effectRef>
-            <a:fontRef idx="minor">
-              <a:schemeClr val="lt1"/>
-            </a:fontRef>
-          </p:style>
-          <p:txBody>
-            <a:bodyPr rtlCol="0" anchor="ctr"/>
-            <a:lstStyle/>
-            <a:p>
-              <a:pPr algn="ctr"/>
-              <a:r>
-                <a:rPr lang="de-DE" sz="2400" b="1" dirty="0">
-                  <a:solidFill>
-                    <a:srgbClr val="C103FD"/>
-                  </a:solidFill>
-                  <a:latin typeface="Franklin Gothic Book" panose="020B0503020102020204" pitchFamily="34" charset="0"/>
-                </a:rPr>
-                <a:t>ACTIVE</a:t>
-              </a:r>
-              <a:endParaRPr lang="en-DE" sz="2400" b="1" dirty="0">
-                <a:solidFill>
-                  <a:srgbClr val="C103FD"/>
-                </a:solidFill>
-                <a:latin typeface="Franklin Gothic Book" panose="020B0503020102020204" pitchFamily="34" charset="0"/>
-              </a:endParaRPr>
-            </a:p>
-          </p:txBody>
-        </p:sp>
-      </p:grpSp>
-      <p:grpSp>
-        <p:nvGrpSpPr>
-          <p:cNvPr id="37" name="Gruppieren 36">
-            <a:extLst>
-              <a:ext uri="{FF2B5EF4-FFF2-40B4-BE49-F238E27FC236}">
-                <a16:creationId xmlns:a16="http://schemas.microsoft.com/office/drawing/2014/main" id="{20AEBEE8-9051-451A-B8DA-BC2464E786F5}"/>
-              </a:ext>
-            </a:extLst>
-          </p:cNvPr>
-          <p:cNvGrpSpPr/>
-          <p:nvPr/>
-        </p:nvGrpSpPr>
-        <p:grpSpPr>
-          <a:xfrm>
-            <a:off x="4361314" y="440294"/>
-            <a:ext cx="1219200" cy="1219199"/>
-            <a:chOff x="1925186" y="900986"/>
-            <a:chExt cx="1219200" cy="1219199"/>
-          </a:xfrm>
-        </p:grpSpPr>
-        <p:sp>
-          <p:nvSpPr>
-            <p:cNvPr id="38" name="Rechteck 37">
-              <a:extLst>
-                <a:ext uri="{FF2B5EF4-FFF2-40B4-BE49-F238E27FC236}">
-                  <a16:creationId xmlns:a16="http://schemas.microsoft.com/office/drawing/2014/main" id="{4B3EE237-CE10-4888-B080-4EAFBB1708B8}"/>
-                </a:ext>
-              </a:extLst>
-            </p:cNvPr>
-            <p:cNvSpPr/>
-            <p:nvPr/>
-          </p:nvSpPr>
-          <p:spPr>
-            <a:xfrm>
-              <a:off x="1925186" y="900986"/>
-              <a:ext cx="1219200" cy="732552"/>
-            </a:xfrm>
-            <a:prstGeom prst="rect">
-              <a:avLst/>
-            </a:prstGeom>
-            <a:solidFill>
-              <a:srgbClr val="000000"/>
-            </a:solidFill>
-            <a:ln>
-              <a:solidFill>
-                <a:schemeClr val="tx1"/>
-              </a:solidFill>
-            </a:ln>
-          </p:spPr>
-          <p:style>
-            <a:lnRef idx="2">
-              <a:schemeClr val="accent1">
-                <a:shade val="50000"/>
-              </a:schemeClr>
-            </a:lnRef>
-            <a:fillRef idx="1">
-              <a:schemeClr val="accent1"/>
-            </a:fillRef>
-            <a:effectRef idx="0">
-              <a:schemeClr val="accent1"/>
-            </a:effectRef>
-            <a:fontRef idx="minor">
-              <a:schemeClr val="lt1"/>
-            </a:fontRef>
-          </p:style>
-          <p:txBody>
-            <a:bodyPr rtlCol="0" anchor="ctr"/>
-            <a:lstStyle/>
-            <a:p>
-              <a:pPr algn="ctr"/>
-              <a:r>
-                <a:rPr lang="de-DE" sz="2000" dirty="0">
-                  <a:solidFill>
-                    <a:srgbClr val="C103FD"/>
-                  </a:solidFill>
-                  <a:latin typeface="Franklin Gothic Book" panose="020B0503020102020204" pitchFamily="34" charset="0"/>
-                </a:rPr>
-                <a:t>SUPER</a:t>
-              </a:r>
-              <a:br>
-                <a:rPr lang="de-DE" sz="2000" dirty="0">
-                  <a:solidFill>
-                    <a:srgbClr val="C103FD"/>
-                  </a:solidFill>
-                  <a:latin typeface="Franklin Gothic Book" panose="020B0503020102020204" pitchFamily="34" charset="0"/>
-                </a:rPr>
-              </a:br>
-              <a:r>
-                <a:rPr lang="de-DE" sz="2000" dirty="0">
-                  <a:solidFill>
-                    <a:srgbClr val="C103FD"/>
-                  </a:solidFill>
-                  <a:latin typeface="Franklin Gothic Book" panose="020B0503020102020204" pitchFamily="34" charset="0"/>
-                </a:rPr>
-                <a:t>CRUISE</a:t>
-              </a:r>
-            </a:p>
-          </p:txBody>
-        </p:sp>
-        <p:sp>
-          <p:nvSpPr>
-            <p:cNvPr id="39" name="Rechteck 38">
-              <a:extLst>
-                <a:ext uri="{FF2B5EF4-FFF2-40B4-BE49-F238E27FC236}">
-                  <a16:creationId xmlns:a16="http://schemas.microsoft.com/office/drawing/2014/main" id="{02E9B813-422A-41BE-82C1-A6D800E9BED9}"/>
-                </a:ext>
-              </a:extLst>
-            </p:cNvPr>
-            <p:cNvSpPr/>
-            <p:nvPr/>
-          </p:nvSpPr>
-          <p:spPr>
-            <a:xfrm>
-              <a:off x="1925186" y="1633538"/>
-              <a:ext cx="1219200" cy="486647"/>
-            </a:xfrm>
-            <a:prstGeom prst="rect">
-              <a:avLst/>
-            </a:prstGeom>
-            <a:solidFill>
-              <a:srgbClr val="C103FD"/>
-            </a:solidFill>
-            <a:ln>
-              <a:solidFill>
-                <a:srgbClr val="C103FD"/>
-              </a:solidFill>
-            </a:ln>
-          </p:spPr>
-          <p:style>
-            <a:lnRef idx="2">
-              <a:schemeClr val="accent1">
-                <a:shade val="50000"/>
-              </a:schemeClr>
-            </a:lnRef>
-            <a:fillRef idx="1">
-              <a:schemeClr val="accent1"/>
-            </a:fillRef>
-            <a:effectRef idx="0">
-              <a:schemeClr val="accent1"/>
-            </a:effectRef>
-            <a:fontRef idx="minor">
-              <a:schemeClr val="lt1"/>
-            </a:fontRef>
-          </p:style>
-          <p:txBody>
-            <a:bodyPr rtlCol="0" anchor="ctr"/>
-            <a:lstStyle/>
-            <a:p>
-              <a:pPr algn="ctr"/>
-              <a:r>
-                <a:rPr lang="de-DE" sz="2400" b="1" dirty="0">
-                  <a:solidFill>
-                    <a:srgbClr val="000000"/>
-                  </a:solidFill>
-                  <a:latin typeface="Franklin Gothic Book" panose="020B0503020102020204" pitchFamily="34" charset="0"/>
-                </a:rPr>
-                <a:t>STBY</a:t>
-              </a:r>
-              <a:endParaRPr lang="en-DE" sz="2400" b="1" dirty="0">
-                <a:solidFill>
-                  <a:srgbClr val="000000"/>
-                </a:solidFill>
-                <a:latin typeface="Franklin Gothic Book" panose="020B0503020102020204" pitchFamily="34" charset="0"/>
-              </a:endParaRPr>
-            </a:p>
-          </p:txBody>
-        </p:sp>
-      </p:grpSp>
-      <p:grpSp>
-        <p:nvGrpSpPr>
-          <p:cNvPr id="40" name="Gruppieren 39">
-            <a:extLst>
-              <a:ext uri="{FF2B5EF4-FFF2-40B4-BE49-F238E27FC236}">
-                <a16:creationId xmlns:a16="http://schemas.microsoft.com/office/drawing/2014/main" id="{8C21D774-9484-47CA-8668-274679CD8E6A}"/>
-              </a:ext>
-            </a:extLst>
-          </p:cNvPr>
-          <p:cNvGrpSpPr/>
-          <p:nvPr/>
-        </p:nvGrpSpPr>
-        <p:grpSpPr>
-          <a:xfrm>
-            <a:off x="5727014" y="1782445"/>
-            <a:ext cx="1219200" cy="1219199"/>
-            <a:chOff x="1925186" y="900986"/>
-            <a:chExt cx="1219200" cy="1219199"/>
-          </a:xfrm>
-        </p:grpSpPr>
-        <p:sp>
-          <p:nvSpPr>
-            <p:cNvPr id="41" name="Rechteck 40">
-              <a:extLst>
-                <a:ext uri="{FF2B5EF4-FFF2-40B4-BE49-F238E27FC236}">
-                  <a16:creationId xmlns:a16="http://schemas.microsoft.com/office/drawing/2014/main" id="{2BC7869C-4B80-45FC-9B36-8C0594CC8CC2}"/>
-                </a:ext>
-              </a:extLst>
-            </p:cNvPr>
-            <p:cNvSpPr/>
-            <p:nvPr/>
-          </p:nvSpPr>
-          <p:spPr>
-            <a:xfrm>
-              <a:off x="1925186" y="900986"/>
-              <a:ext cx="1219200" cy="732552"/>
-            </a:xfrm>
-            <a:prstGeom prst="rect">
-              <a:avLst/>
-            </a:prstGeom>
-            <a:solidFill>
-              <a:srgbClr val="C103FD"/>
-            </a:solidFill>
-            <a:ln>
-              <a:solidFill>
-                <a:srgbClr val="C103FD"/>
-              </a:solidFill>
-            </a:ln>
-          </p:spPr>
-          <p:style>
-            <a:lnRef idx="2">
-              <a:schemeClr val="accent1">
-                <a:shade val="50000"/>
-              </a:schemeClr>
-            </a:lnRef>
-            <a:fillRef idx="1">
-              <a:schemeClr val="accent1"/>
-            </a:fillRef>
-            <a:effectRef idx="0">
-              <a:schemeClr val="accent1"/>
-            </a:effectRef>
-            <a:fontRef idx="minor">
-              <a:schemeClr val="lt1"/>
-            </a:fontRef>
-          </p:style>
-          <p:txBody>
-            <a:bodyPr rtlCol="0" anchor="ctr"/>
-            <a:lstStyle/>
-            <a:p>
-              <a:pPr algn="ctr"/>
-              <a:r>
-                <a:rPr lang="de-DE" sz="2000" dirty="0">
-                  <a:solidFill>
-                    <a:schemeClr val="tx1"/>
-                  </a:solidFill>
-                  <a:latin typeface="Franklin Gothic Book" panose="020B0503020102020204" pitchFamily="34" charset="0"/>
-                </a:rPr>
-                <a:t>FSD</a:t>
-              </a:r>
-            </a:p>
-            <a:p>
-              <a:pPr algn="ctr"/>
-              <a:endParaRPr lang="de-DE" sz="2000" dirty="0">
-                <a:solidFill>
-                  <a:schemeClr val="tx1"/>
-                </a:solidFill>
-                <a:latin typeface="Franklin Gothic Book" panose="020B0503020102020204" pitchFamily="34" charset="0"/>
-              </a:endParaRPr>
-            </a:p>
-          </p:txBody>
-        </p:sp>
-        <p:sp>
-          <p:nvSpPr>
-            <p:cNvPr id="42" name="Rechteck 41">
-              <a:extLst>
-                <a:ext uri="{FF2B5EF4-FFF2-40B4-BE49-F238E27FC236}">
-                  <a16:creationId xmlns:a16="http://schemas.microsoft.com/office/drawing/2014/main" id="{45A8A15C-06FC-43B0-B941-D7B0CF3B59D1}"/>
-                </a:ext>
-              </a:extLst>
-            </p:cNvPr>
-            <p:cNvSpPr/>
-            <p:nvPr/>
-          </p:nvSpPr>
-          <p:spPr>
-            <a:xfrm>
-              <a:off x="1925186" y="1633538"/>
-              <a:ext cx="1219200" cy="486647"/>
-            </a:xfrm>
-            <a:prstGeom prst="rect">
-              <a:avLst/>
-            </a:prstGeom>
-            <a:solidFill>
-              <a:schemeClr val="tx1"/>
-            </a:solidFill>
-            <a:ln>
-              <a:solidFill>
-                <a:schemeClr val="tx1"/>
-              </a:solidFill>
-            </a:ln>
-          </p:spPr>
-          <p:style>
-            <a:lnRef idx="2">
-              <a:schemeClr val="accent1">
-                <a:shade val="50000"/>
-              </a:schemeClr>
-            </a:lnRef>
-            <a:fillRef idx="1">
-              <a:schemeClr val="accent1"/>
-            </a:fillRef>
-            <a:effectRef idx="0">
-              <a:schemeClr val="accent1"/>
-            </a:effectRef>
-            <a:fontRef idx="minor">
-              <a:schemeClr val="lt1"/>
-            </a:fontRef>
-          </p:style>
-          <p:txBody>
-            <a:bodyPr rtlCol="0" anchor="ctr"/>
-            <a:lstStyle/>
-            <a:p>
-              <a:pPr algn="ctr"/>
-              <a:r>
-                <a:rPr lang="de-DE" sz="2400" b="1" dirty="0">
-                  <a:solidFill>
-                    <a:srgbClr val="C103FD"/>
-                  </a:solidFill>
-                  <a:latin typeface="Franklin Gothic Book" panose="020B0503020102020204" pitchFamily="34" charset="0"/>
-                </a:rPr>
-                <a:t>ACTIVE</a:t>
-              </a:r>
-              <a:endParaRPr lang="en-DE" sz="2400" b="1" dirty="0">
-                <a:solidFill>
-                  <a:srgbClr val="C103FD"/>
-                </a:solidFill>
-                <a:latin typeface="Franklin Gothic Book" panose="020B0503020102020204" pitchFamily="34" charset="0"/>
-              </a:endParaRPr>
-            </a:p>
-          </p:txBody>
-        </p:sp>
-      </p:grpSp>
-      <p:grpSp>
-        <p:nvGrpSpPr>
-          <p:cNvPr id="43" name="Gruppieren 42">
-            <a:extLst>
-              <a:ext uri="{FF2B5EF4-FFF2-40B4-BE49-F238E27FC236}">
-                <a16:creationId xmlns:a16="http://schemas.microsoft.com/office/drawing/2014/main" id="{C46F6ECC-C11B-4DCD-AA9D-F24A57F9C714}"/>
-              </a:ext>
-            </a:extLst>
-          </p:cNvPr>
-          <p:cNvGrpSpPr/>
-          <p:nvPr/>
-        </p:nvGrpSpPr>
-        <p:grpSpPr>
-          <a:xfrm>
-            <a:off x="4361314" y="1782445"/>
-            <a:ext cx="1219200" cy="1219199"/>
-            <a:chOff x="1925186" y="900986"/>
-            <a:chExt cx="1219200" cy="1219199"/>
-          </a:xfrm>
-        </p:grpSpPr>
-        <p:sp>
-          <p:nvSpPr>
-            <p:cNvPr id="44" name="Rechteck 43">
-              <a:extLst>
-                <a:ext uri="{FF2B5EF4-FFF2-40B4-BE49-F238E27FC236}">
-                  <a16:creationId xmlns:a16="http://schemas.microsoft.com/office/drawing/2014/main" id="{0CB9AB0C-0B03-4D69-9043-7D0C69619F9F}"/>
-                </a:ext>
-              </a:extLst>
-            </p:cNvPr>
-            <p:cNvSpPr/>
-            <p:nvPr/>
-          </p:nvSpPr>
-          <p:spPr>
-            <a:xfrm>
-              <a:off x="1925186" y="900986"/>
-              <a:ext cx="1219200" cy="732552"/>
-            </a:xfrm>
-            <a:prstGeom prst="rect">
-              <a:avLst/>
-            </a:prstGeom>
-            <a:solidFill>
-              <a:srgbClr val="000000"/>
-            </a:solidFill>
-            <a:ln>
-              <a:solidFill>
-                <a:schemeClr val="tx1"/>
-              </a:solidFill>
-            </a:ln>
-          </p:spPr>
-          <p:style>
-            <a:lnRef idx="2">
-              <a:schemeClr val="accent1">
-                <a:shade val="50000"/>
-              </a:schemeClr>
-            </a:lnRef>
-            <a:fillRef idx="1">
-              <a:schemeClr val="accent1"/>
-            </a:fillRef>
-            <a:effectRef idx="0">
-              <a:schemeClr val="accent1"/>
-            </a:effectRef>
-            <a:fontRef idx="minor">
-              <a:schemeClr val="lt1"/>
-            </a:fontRef>
-          </p:style>
-          <p:txBody>
-            <a:bodyPr rtlCol="0" anchor="ctr"/>
-            <a:lstStyle/>
-            <a:p>
-              <a:pPr algn="ctr"/>
-              <a:r>
-                <a:rPr lang="de-DE" sz="2000" dirty="0">
-                  <a:solidFill>
-                    <a:srgbClr val="C103FD"/>
-                  </a:solidFill>
-                  <a:latin typeface="Franklin Gothic Book" panose="020B0503020102020204" pitchFamily="34" charset="0"/>
-                </a:rPr>
-                <a:t>FSD</a:t>
-              </a:r>
-            </a:p>
-            <a:p>
-              <a:pPr algn="ctr"/>
-              <a:endParaRPr lang="de-DE" sz="2000" dirty="0">
-                <a:solidFill>
-                  <a:srgbClr val="C103FD"/>
-                </a:solidFill>
-                <a:latin typeface="Franklin Gothic Book" panose="020B0503020102020204" pitchFamily="34" charset="0"/>
-              </a:endParaRPr>
-            </a:p>
-          </p:txBody>
-        </p:sp>
-        <p:sp>
-          <p:nvSpPr>
-            <p:cNvPr id="45" name="Rechteck 44">
-              <a:extLst>
-                <a:ext uri="{FF2B5EF4-FFF2-40B4-BE49-F238E27FC236}">
-                  <a16:creationId xmlns:a16="http://schemas.microsoft.com/office/drawing/2014/main" id="{0B963EA6-4668-445D-83F5-1629EF768B42}"/>
-                </a:ext>
-              </a:extLst>
-            </p:cNvPr>
-            <p:cNvSpPr/>
-            <p:nvPr/>
-          </p:nvSpPr>
-          <p:spPr>
-            <a:xfrm>
-              <a:off x="1925186" y="1633538"/>
-              <a:ext cx="1219200" cy="486647"/>
-            </a:xfrm>
-            <a:prstGeom prst="rect">
-              <a:avLst/>
-            </a:prstGeom>
-            <a:solidFill>
-              <a:srgbClr val="C103FD"/>
-            </a:solidFill>
-            <a:ln>
-              <a:solidFill>
-                <a:srgbClr val="C103FD"/>
-              </a:solidFill>
-            </a:ln>
-          </p:spPr>
-          <p:style>
-            <a:lnRef idx="2">
-              <a:schemeClr val="accent1">
-                <a:shade val="50000"/>
-              </a:schemeClr>
-            </a:lnRef>
-            <a:fillRef idx="1">
-              <a:schemeClr val="accent1"/>
-            </a:fillRef>
-            <a:effectRef idx="0">
-              <a:schemeClr val="accent1"/>
-            </a:effectRef>
-            <a:fontRef idx="minor">
-              <a:schemeClr val="lt1"/>
-            </a:fontRef>
-          </p:style>
-          <p:txBody>
-            <a:bodyPr rtlCol="0" anchor="ctr"/>
-            <a:lstStyle/>
-            <a:p>
-              <a:pPr algn="ctr"/>
-              <a:r>
-                <a:rPr lang="de-DE" sz="2400" b="1" dirty="0">
-                  <a:solidFill>
-                    <a:srgbClr val="000000"/>
-                  </a:solidFill>
-                  <a:latin typeface="Franklin Gothic Book" panose="020B0503020102020204" pitchFamily="34" charset="0"/>
-                </a:rPr>
-                <a:t>STBY</a:t>
-              </a:r>
-              <a:endParaRPr lang="en-DE" sz="2400" b="1" dirty="0">
-                <a:solidFill>
-                  <a:srgbClr val="000000"/>
-                </a:solidFill>
-                <a:latin typeface="Franklin Gothic Book" panose="020B0503020102020204" pitchFamily="34" charset="0"/>
-              </a:endParaRPr>
-            </a:p>
-          </p:txBody>
-        </p:sp>
-      </p:grpSp>
-      <p:grpSp>
-        <p:nvGrpSpPr>
-          <p:cNvPr id="27" name="Gruppieren 26">
-            <a:extLst>
-              <a:ext uri="{FF2B5EF4-FFF2-40B4-BE49-F238E27FC236}">
-                <a16:creationId xmlns:a16="http://schemas.microsoft.com/office/drawing/2014/main" id="{B4BEC4F8-BFCF-4725-B955-9AE522E95B08}"/>
-              </a:ext>
-            </a:extLst>
-          </p:cNvPr>
-          <p:cNvGrpSpPr>
-            <a:grpSpLocks noChangeAspect="1"/>
-          </p:cNvGrpSpPr>
-          <p:nvPr/>
-        </p:nvGrpSpPr>
-        <p:grpSpPr>
-          <a:xfrm>
-            <a:off x="5974346" y="4597236"/>
-            <a:ext cx="864001" cy="864000"/>
-            <a:chOff x="9106020" y="440294"/>
-            <a:chExt cx="1219200" cy="1219199"/>
-          </a:xfrm>
-        </p:grpSpPr>
-        <p:grpSp>
-          <p:nvGrpSpPr>
-            <p:cNvPr id="50" name="Gruppieren 49">
-              <a:extLst>
-                <a:ext uri="{FF2B5EF4-FFF2-40B4-BE49-F238E27FC236}">
-                  <a16:creationId xmlns:a16="http://schemas.microsoft.com/office/drawing/2014/main" id="{309A304F-1917-43B2-967A-F7C322A4007C}"/>
-                </a:ext>
-              </a:extLst>
-            </p:cNvPr>
-            <p:cNvGrpSpPr/>
-            <p:nvPr/>
-          </p:nvGrpSpPr>
-          <p:grpSpPr>
-            <a:xfrm>
-              <a:off x="9106020" y="440294"/>
-              <a:ext cx="1219200" cy="1219199"/>
-              <a:chOff x="1925186" y="900986"/>
-              <a:chExt cx="1219200" cy="1219199"/>
-            </a:xfrm>
-          </p:grpSpPr>
-          <p:sp>
-            <p:nvSpPr>
-              <p:cNvPr id="52" name="Rechteck 51">
-                <a:extLst>
-                  <a:ext uri="{FF2B5EF4-FFF2-40B4-BE49-F238E27FC236}">
-                    <a16:creationId xmlns:a16="http://schemas.microsoft.com/office/drawing/2014/main" id="{D1014740-6FA8-445D-A6C7-F80C704A528D}"/>
+                    <a16:creationId xmlns:a16="http://schemas.microsoft.com/office/drawing/2014/main" id="{D9ED30D5-8487-4399-AC7A-96E22E5D3181}"/>
                   </a:ext>
                 </a:extLst>
               </p:cNvPr>
@@ -12718,10 +9929,10 @@
           </p:sp>
           <p:sp>
             <p:nvSpPr>
-              <p:cNvPr id="53" name="Rechteck 52">
+              <p:cNvPr id="105" name="Rechteck 104">
                 <a:extLst>
                   <a:ext uri="{FF2B5EF4-FFF2-40B4-BE49-F238E27FC236}">
-                    <a16:creationId xmlns:a16="http://schemas.microsoft.com/office/drawing/2014/main" id="{F9C4F2A1-92C7-4410-BC10-8ED15EBED8C9}"/>
+                    <a16:creationId xmlns:a16="http://schemas.microsoft.com/office/drawing/2014/main" id="{B91254CB-CA5B-45F1-BF0D-95007BE5AB56}"/>
                   </a:ext>
                 </a:extLst>
               </p:cNvPr>
@@ -12787,10 +9998,10 @@
         </p:grpSp>
         <p:pic>
           <p:nvPicPr>
-            <p:cNvPr id="26" name="Grafik 25">
+            <p:cNvPr id="60" name="Grafik 59">
               <a:extLst>
                 <a:ext uri="{FF2B5EF4-FFF2-40B4-BE49-F238E27FC236}">
-                  <a16:creationId xmlns:a16="http://schemas.microsoft.com/office/drawing/2014/main" id="{BFAC8D16-3363-4C3D-AF58-948FD0640659}"/>
+                  <a16:creationId xmlns:a16="http://schemas.microsoft.com/office/drawing/2014/main" id="{4762963A-E6B9-4D52-890C-82A5DEE3F760}"/>
                 </a:ext>
               </a:extLst>
             </p:cNvPr>
@@ -12800,7 +10011,7 @@
             <p:nvPr/>
           </p:nvPicPr>
           <p:blipFill>
-            <a:blip r:embed="rId2">
+            <a:blip r:embed="rId15">
               <a:extLst>
                 <a:ext uri="{28A0092B-C50C-407E-A947-70E740481C1C}">
                   <a14:useLocalDpi xmlns:a14="http://schemas.microsoft.com/office/drawing/2010/main" val="0"/>
@@ -12813,8 +10024,8 @@
           </p:blipFill>
           <p:spPr>
             <a:xfrm>
-              <a:off x="9365072" y="440294"/>
-              <a:ext cx="701095" cy="701095"/>
+              <a:off x="810087" y="3238191"/>
+              <a:ext cx="444900" cy="392377"/>
             </a:xfrm>
             <a:prstGeom prst="rect">
               <a:avLst/>
@@ -12824,32 +10035,30 @@
       </p:grpSp>
       <p:grpSp>
         <p:nvGrpSpPr>
-          <p:cNvPr id="75" name="Gruppieren 74">
+          <p:cNvPr id="5" name="Gruppieren 4">
             <a:extLst>
               <a:ext uri="{FF2B5EF4-FFF2-40B4-BE49-F238E27FC236}">
-                <a16:creationId xmlns:a16="http://schemas.microsoft.com/office/drawing/2014/main" id="{FBC375DF-74E5-4B39-A59D-FEBCDC1D8FD5}"/>
+                <a16:creationId xmlns:a16="http://schemas.microsoft.com/office/drawing/2014/main" id="{285D07B3-08B3-4C91-8EC4-E9B022F93EBB}"/>
               </a:ext>
             </a:extLst>
           </p:cNvPr>
-          <p:cNvGrpSpPr>
-            <a:grpSpLocks noChangeAspect="1"/>
-          </p:cNvGrpSpPr>
+          <p:cNvGrpSpPr/>
           <p:nvPr/>
         </p:nvGrpSpPr>
         <p:grpSpPr>
           <a:xfrm>
-            <a:off x="7913729" y="4597694"/>
+            <a:off x="1480965" y="5504959"/>
             <a:ext cx="864001" cy="864000"/>
-            <a:chOff x="6241437" y="3678709"/>
-            <a:chExt cx="1219200" cy="1219199"/>
+            <a:chOff x="1593537" y="3162975"/>
+            <a:chExt cx="864001" cy="864000"/>
           </a:xfrm>
         </p:grpSpPr>
         <p:grpSp>
           <p:nvGrpSpPr>
-            <p:cNvPr id="60" name="Gruppieren 59">
+            <p:cNvPr id="148" name="Gruppieren 147">
               <a:extLst>
                 <a:ext uri="{FF2B5EF4-FFF2-40B4-BE49-F238E27FC236}">
-                  <a16:creationId xmlns:a16="http://schemas.microsoft.com/office/drawing/2014/main" id="{7967BF39-B7D3-40FF-BED5-35C6C2C2AC83}"/>
+                  <a16:creationId xmlns:a16="http://schemas.microsoft.com/office/drawing/2014/main" id="{115A383D-9BCC-41DB-9E07-4D431F046789}"/>
                 </a:ext>
               </a:extLst>
             </p:cNvPr>
@@ -12858,225 +10067,18 @@
           </p:nvGrpSpPr>
           <p:grpSpPr>
             <a:xfrm>
-              <a:off x="6241437" y="3678709"/>
-              <a:ext cx="1219200" cy="1219199"/>
+              <a:off x="1593537" y="3162975"/>
+              <a:ext cx="864001" cy="864000"/>
               <a:chOff x="1925186" y="900986"/>
               <a:chExt cx="1219200" cy="1219199"/>
             </a:xfrm>
           </p:grpSpPr>
           <p:sp>
             <p:nvSpPr>
-              <p:cNvPr id="61" name="Rechteck 60">
+              <p:cNvPr id="149" name="Rechteck 148">
                 <a:extLst>
                   <a:ext uri="{FF2B5EF4-FFF2-40B4-BE49-F238E27FC236}">
-                    <a16:creationId xmlns:a16="http://schemas.microsoft.com/office/drawing/2014/main" id="{C3DE556D-613A-4CA4-9AC4-916B090B90CE}"/>
-                  </a:ext>
-                </a:extLst>
-              </p:cNvPr>
-              <p:cNvSpPr/>
-              <p:nvPr/>
-            </p:nvSpPr>
-            <p:spPr>
-              <a:xfrm>
-                <a:off x="1925186" y="900986"/>
-                <a:ext cx="1219200" cy="732552"/>
-              </a:xfrm>
-              <a:prstGeom prst="rect">
-                <a:avLst/>
-              </a:prstGeom>
-              <a:solidFill>
-                <a:srgbClr val="FF8800"/>
-              </a:solidFill>
-              <a:ln>
-                <a:solidFill>
-                  <a:srgbClr val="FF8800"/>
-                </a:solidFill>
-              </a:ln>
-            </p:spPr>
-            <p:style>
-              <a:lnRef idx="2">
-                <a:schemeClr val="accent1">
-                  <a:shade val="50000"/>
-                </a:schemeClr>
-              </a:lnRef>
-              <a:fillRef idx="1">
-                <a:schemeClr val="accent1"/>
-              </a:fillRef>
-              <a:effectRef idx="0">
-                <a:schemeClr val="accent1"/>
-              </a:effectRef>
-              <a:fontRef idx="minor">
-                <a:schemeClr val="lt1"/>
-              </a:fontRef>
-            </p:style>
-            <p:txBody>
-              <a:bodyPr rtlCol="0" anchor="ctr"/>
-              <a:lstStyle/>
-              <a:p>
-                <a:pPr algn="ctr"/>
-                <a:endParaRPr lang="de-DE" dirty="0">
-                  <a:solidFill>
-                    <a:schemeClr val="tx1"/>
-                  </a:solidFill>
-                  <a:latin typeface="Euro Caps" pitchFamily="2" charset="0"/>
-                </a:endParaRPr>
-              </a:p>
-            </p:txBody>
-          </p:sp>
-          <p:sp>
-            <p:nvSpPr>
-              <p:cNvPr id="62" name="Rechteck 61">
-                <a:extLst>
-                  <a:ext uri="{FF2B5EF4-FFF2-40B4-BE49-F238E27FC236}">
-                    <a16:creationId xmlns:a16="http://schemas.microsoft.com/office/drawing/2014/main" id="{604DAEE3-B83B-43CF-AF56-E22969324A6F}"/>
-                  </a:ext>
-                </a:extLst>
-              </p:cNvPr>
-              <p:cNvSpPr/>
-              <p:nvPr/>
-            </p:nvSpPr>
-            <p:spPr>
-              <a:xfrm>
-                <a:off x="1925186" y="1633538"/>
-                <a:ext cx="1219200" cy="486647"/>
-              </a:xfrm>
-              <a:prstGeom prst="rect">
-                <a:avLst/>
-              </a:prstGeom>
-              <a:solidFill>
-                <a:schemeClr val="tx1"/>
-              </a:solidFill>
-              <a:ln>
-                <a:solidFill>
-                  <a:schemeClr val="tx1"/>
-                </a:solidFill>
-              </a:ln>
-            </p:spPr>
-            <p:style>
-              <a:lnRef idx="2">
-                <a:schemeClr val="accent1">
-                  <a:shade val="50000"/>
-                </a:schemeClr>
-              </a:lnRef>
-              <a:fillRef idx="1">
-                <a:schemeClr val="accent1"/>
-              </a:fillRef>
-              <a:effectRef idx="0">
-                <a:schemeClr val="accent1"/>
-              </a:effectRef>
-              <a:fontRef idx="minor">
-                <a:schemeClr val="lt1"/>
-              </a:fontRef>
-            </p:style>
-            <p:txBody>
-              <a:bodyPr rtlCol="0" anchor="ctr"/>
-              <a:lstStyle/>
-              <a:p>
-                <a:pPr algn="ctr"/>
-                <a:r>
-                  <a:rPr lang="de-DE" b="1" dirty="0">
-                    <a:solidFill>
-                      <a:srgbClr val="FF8800"/>
-                    </a:solidFill>
-                    <a:latin typeface="Euro Caps" pitchFamily="2" charset="0"/>
-                  </a:rPr>
-                  <a:t>GAL</a:t>
-                </a:r>
-                <a:endParaRPr lang="en-DE" b="1" dirty="0">
-                  <a:solidFill>
-                    <a:srgbClr val="FF8800"/>
-                  </a:solidFill>
-                  <a:latin typeface="Euro Caps" pitchFamily="2" charset="0"/>
-                </a:endParaRPr>
-              </a:p>
-            </p:txBody>
-          </p:sp>
-        </p:grpSp>
-        <p:pic>
-          <p:nvPicPr>
-            <p:cNvPr id="67" name="Grafik 66">
-              <a:extLst>
-                <a:ext uri="{FF2B5EF4-FFF2-40B4-BE49-F238E27FC236}">
-                  <a16:creationId xmlns:a16="http://schemas.microsoft.com/office/drawing/2014/main" id="{9F39E2E9-5A70-41FC-84C4-A2F20B6E725E}"/>
-                </a:ext>
-              </a:extLst>
-            </p:cNvPr>
-            <p:cNvPicPr>
-              <a:picLocks noChangeAspect="1"/>
-            </p:cNvPicPr>
-            <p:nvPr/>
-          </p:nvPicPr>
-          <p:blipFill>
-            <a:blip r:embed="rId3">
-              <a:extLst>
-                <a:ext uri="{28A0092B-C50C-407E-A947-70E740481C1C}">
-                  <a14:useLocalDpi xmlns:a14="http://schemas.microsoft.com/office/drawing/2010/main" val="0"/>
-                </a:ext>
-              </a:extLst>
-            </a:blip>
-            <a:stretch>
-              <a:fillRect/>
-            </a:stretch>
-          </p:blipFill>
-          <p:spPr>
-            <a:xfrm>
-              <a:off x="6533576" y="3760531"/>
-              <a:ext cx="572541" cy="558800"/>
-            </a:xfrm>
-            <a:prstGeom prst="rect">
-              <a:avLst/>
-            </a:prstGeom>
-          </p:spPr>
-        </p:pic>
-      </p:grpSp>
-      <p:grpSp>
-        <p:nvGrpSpPr>
-          <p:cNvPr id="74" name="Gruppieren 73">
-            <a:extLst>
-              <a:ext uri="{FF2B5EF4-FFF2-40B4-BE49-F238E27FC236}">
-                <a16:creationId xmlns:a16="http://schemas.microsoft.com/office/drawing/2014/main" id="{39CD3D2C-AC4D-4FEA-90AA-EA6D1A7A1404}"/>
-              </a:ext>
-            </a:extLst>
-          </p:cNvPr>
-          <p:cNvGrpSpPr>
-            <a:grpSpLocks noChangeAspect="1"/>
-          </p:cNvGrpSpPr>
-          <p:nvPr/>
-        </p:nvGrpSpPr>
-        <p:grpSpPr>
-          <a:xfrm>
-            <a:off x="6946214" y="4597236"/>
-            <a:ext cx="864001" cy="864000"/>
-            <a:chOff x="4876800" y="3699028"/>
-            <a:chExt cx="1219200" cy="1219199"/>
-          </a:xfrm>
-        </p:grpSpPr>
-        <p:grpSp>
-          <p:nvGrpSpPr>
-            <p:cNvPr id="54" name="Gruppieren 53">
-              <a:extLst>
-                <a:ext uri="{FF2B5EF4-FFF2-40B4-BE49-F238E27FC236}">
-                  <a16:creationId xmlns:a16="http://schemas.microsoft.com/office/drawing/2014/main" id="{2BA9CF8F-1B22-44CC-B61D-C7D7168902F5}"/>
-                </a:ext>
-              </a:extLst>
-            </p:cNvPr>
-            <p:cNvGrpSpPr/>
-            <p:nvPr/>
-          </p:nvGrpSpPr>
-          <p:grpSpPr>
-            <a:xfrm>
-              <a:off x="4876800" y="3699028"/>
-              <a:ext cx="1219200" cy="1219199"/>
-              <a:chOff x="1925186" y="900986"/>
-              <a:chExt cx="1219200" cy="1219199"/>
-            </a:xfrm>
-          </p:grpSpPr>
-          <p:sp>
-            <p:nvSpPr>
-              <p:cNvPr id="55" name="Rechteck 54">
-                <a:extLst>
-                  <a:ext uri="{FF2B5EF4-FFF2-40B4-BE49-F238E27FC236}">
-                    <a16:creationId xmlns:a16="http://schemas.microsoft.com/office/drawing/2014/main" id="{EAF65062-96E0-4FE8-BA3A-4DD609EC04EA}"/>
+                    <a16:creationId xmlns:a16="http://schemas.microsoft.com/office/drawing/2014/main" id="{83CA7778-F79E-4260-B8D0-FF9FE391B306}"/>
                   </a:ext>
                 </a:extLst>
               </p:cNvPr>
@@ -13132,10 +10134,10 @@
           </p:sp>
           <p:sp>
             <p:nvSpPr>
-              <p:cNvPr id="56" name="Rechteck 55">
+              <p:cNvPr id="150" name="Rechteck 149">
                 <a:extLst>
                   <a:ext uri="{FF2B5EF4-FFF2-40B4-BE49-F238E27FC236}">
-                    <a16:creationId xmlns:a16="http://schemas.microsoft.com/office/drawing/2014/main" id="{A19F58DB-5804-4FD0-AC92-9F5FCE6925F5}"/>
+                    <a16:creationId xmlns:a16="http://schemas.microsoft.com/office/drawing/2014/main" id="{A2B27A64-F45E-4133-B7C7-BFD3FBABDE87}"/>
                   </a:ext>
                 </a:extLst>
               </p:cNvPr>
@@ -13187,7 +10189,7 @@
                     </a:solidFill>
                     <a:latin typeface="Euro Caps" pitchFamily="2" charset="0"/>
                   </a:rPr>
-                  <a:t>GAL</a:t>
+                  <a:t>MENU</a:t>
                 </a:r>
                 <a:endParaRPr lang="en-DE" b="1" dirty="0">
                   <a:solidFill>
@@ -13201,10 +10203,10 @@
         </p:grpSp>
         <p:pic>
           <p:nvPicPr>
-            <p:cNvPr id="69" name="Grafik 68">
+            <p:cNvPr id="66" name="Grafik 65">
               <a:extLst>
                 <a:ext uri="{FF2B5EF4-FFF2-40B4-BE49-F238E27FC236}">
-                  <a16:creationId xmlns:a16="http://schemas.microsoft.com/office/drawing/2014/main" id="{02CC93A6-2709-4662-A9F9-1407A46889DA}"/>
+                  <a16:creationId xmlns:a16="http://schemas.microsoft.com/office/drawing/2014/main" id="{2B27A3B8-4F2F-469E-B842-7177EDA19D87}"/>
                 </a:ext>
               </a:extLst>
             </p:cNvPr>
@@ -13214,7 +10216,7 @@
             <p:nvPr/>
           </p:nvPicPr>
           <p:blipFill>
-            <a:blip r:embed="rId4">
+            <a:blip r:embed="rId16">
               <a:extLst>
                 <a:ext uri="{28A0092B-C50C-407E-A947-70E740481C1C}">
                   <a14:useLocalDpi xmlns:a14="http://schemas.microsoft.com/office/drawing/2010/main" val="0"/>
@@ -13227,8 +10229,8 @@
           </p:blipFill>
           <p:spPr>
             <a:xfrm>
-              <a:off x="5263053" y="3786956"/>
-              <a:ext cx="572541" cy="558800"/>
+              <a:off x="1800461" y="3232811"/>
+              <a:ext cx="444900" cy="392377"/>
             </a:xfrm>
             <a:prstGeom prst="rect">
               <a:avLst/>
@@ -13238,32 +10240,30 @@
       </p:grpSp>
       <p:grpSp>
         <p:nvGrpSpPr>
-          <p:cNvPr id="77" name="Gruppieren 76">
+          <p:cNvPr id="78" name="Gruppieren 77">
             <a:extLst>
               <a:ext uri="{FF2B5EF4-FFF2-40B4-BE49-F238E27FC236}">
-                <a16:creationId xmlns:a16="http://schemas.microsoft.com/office/drawing/2014/main" id="{00BD429E-DD98-4066-A2DC-CDF9B690F215}"/>
+                <a16:creationId xmlns:a16="http://schemas.microsoft.com/office/drawing/2014/main" id="{CAA54082-B646-4C7A-AF9D-7C01516C12A2}"/>
               </a:ext>
             </a:extLst>
           </p:cNvPr>
-          <p:cNvGrpSpPr>
-            <a:grpSpLocks noChangeAspect="1"/>
-          </p:cNvGrpSpPr>
+          <p:cNvGrpSpPr/>
           <p:nvPr/>
         </p:nvGrpSpPr>
         <p:grpSpPr>
           <a:xfrm>
-            <a:off x="9818314" y="4516016"/>
-            <a:ext cx="864000" cy="945677"/>
-            <a:chOff x="9591127" y="4812019"/>
-            <a:chExt cx="1219200" cy="1290322"/>
+            <a:off x="5311833" y="4512890"/>
+            <a:ext cx="864001" cy="864000"/>
+            <a:chOff x="600538" y="2124711"/>
+            <a:chExt cx="864001" cy="864000"/>
           </a:xfrm>
         </p:grpSpPr>
         <p:grpSp>
           <p:nvGrpSpPr>
-            <p:cNvPr id="63" name="Gruppieren 62">
+            <p:cNvPr id="79" name="Gruppieren 78">
               <a:extLst>
                 <a:ext uri="{FF2B5EF4-FFF2-40B4-BE49-F238E27FC236}">
-                  <a16:creationId xmlns:a16="http://schemas.microsoft.com/office/drawing/2014/main" id="{3A49C904-2CEF-4B84-B59B-B570EAA4CBB2}"/>
+                  <a16:creationId xmlns:a16="http://schemas.microsoft.com/office/drawing/2014/main" id="{6A923AD5-EA17-46CA-972F-80EF7FC99E07}"/>
                 </a:ext>
               </a:extLst>
             </p:cNvPr>
@@ -13272,18 +10272,223 @@
           </p:nvGrpSpPr>
           <p:grpSpPr>
             <a:xfrm>
-              <a:off x="9591127" y="4883142"/>
-              <a:ext cx="1219200" cy="1219199"/>
+              <a:off x="600538" y="2124711"/>
+              <a:ext cx="864001" cy="864000"/>
               <a:chOff x="1925186" y="900986"/>
               <a:chExt cx="1219200" cy="1219199"/>
             </a:xfrm>
           </p:grpSpPr>
           <p:sp>
             <p:nvSpPr>
-              <p:cNvPr id="64" name="Rechteck 63">
+              <p:cNvPr id="81" name="Rechteck 80">
                 <a:extLst>
                   <a:ext uri="{FF2B5EF4-FFF2-40B4-BE49-F238E27FC236}">
-                    <a16:creationId xmlns:a16="http://schemas.microsoft.com/office/drawing/2014/main" id="{AD13FE66-5F25-480B-BEB0-0A2C7E73289D}"/>
+                    <a16:creationId xmlns:a16="http://schemas.microsoft.com/office/drawing/2014/main" id="{6A825F99-B598-4388-8B5D-E90BB1BA0836}"/>
+                  </a:ext>
+                </a:extLst>
+              </p:cNvPr>
+              <p:cNvSpPr/>
+              <p:nvPr/>
+            </p:nvSpPr>
+            <p:spPr>
+              <a:xfrm>
+                <a:off x="1925186" y="900986"/>
+                <a:ext cx="1219200" cy="732552"/>
+              </a:xfrm>
+              <a:prstGeom prst="rect">
+                <a:avLst/>
+              </a:prstGeom>
+              <a:solidFill>
+                <a:srgbClr val="000000"/>
+              </a:solidFill>
+              <a:ln>
+                <a:solidFill>
+                  <a:schemeClr val="tx1"/>
+                </a:solidFill>
+              </a:ln>
+            </p:spPr>
+            <p:style>
+              <a:lnRef idx="2">
+                <a:schemeClr val="accent1">
+                  <a:shade val="50000"/>
+                </a:schemeClr>
+              </a:lnRef>
+              <a:fillRef idx="1">
+                <a:schemeClr val="accent1"/>
+              </a:fillRef>
+              <a:effectRef idx="0">
+                <a:schemeClr val="accent1"/>
+              </a:effectRef>
+              <a:fontRef idx="minor">
+                <a:schemeClr val="lt1"/>
+              </a:fontRef>
+            </p:style>
+            <p:txBody>
+              <a:bodyPr rtlCol="0" anchor="ctr"/>
+              <a:lstStyle/>
+              <a:p>
+                <a:pPr algn="ctr"/>
+                <a:endParaRPr lang="de-DE" dirty="0">
+                  <a:solidFill>
+                    <a:srgbClr val="FF8800"/>
+                  </a:solidFill>
+                  <a:latin typeface="Euro Caps" pitchFamily="2" charset="0"/>
+                </a:endParaRPr>
+              </a:p>
+            </p:txBody>
+          </p:sp>
+          <p:sp>
+            <p:nvSpPr>
+              <p:cNvPr id="82" name="Rechteck 81">
+                <a:extLst>
+                  <a:ext uri="{FF2B5EF4-FFF2-40B4-BE49-F238E27FC236}">
+                    <a16:creationId xmlns:a16="http://schemas.microsoft.com/office/drawing/2014/main" id="{F0E780C4-4688-4B83-A588-B188533C1F89}"/>
+                  </a:ext>
+                </a:extLst>
+              </p:cNvPr>
+              <p:cNvSpPr/>
+              <p:nvPr/>
+            </p:nvSpPr>
+            <p:spPr>
+              <a:xfrm>
+                <a:off x="1925186" y="1633538"/>
+                <a:ext cx="1219200" cy="486647"/>
+              </a:xfrm>
+              <a:prstGeom prst="rect">
+                <a:avLst/>
+              </a:prstGeom>
+              <a:solidFill>
+                <a:srgbClr val="804400"/>
+              </a:solidFill>
+              <a:ln>
+                <a:solidFill>
+                  <a:srgbClr val="804400"/>
+                </a:solidFill>
+              </a:ln>
+            </p:spPr>
+            <p:style>
+              <a:lnRef idx="2">
+                <a:schemeClr val="accent1">
+                  <a:shade val="50000"/>
+                </a:schemeClr>
+              </a:lnRef>
+              <a:fillRef idx="1">
+                <a:schemeClr val="accent1"/>
+              </a:fillRef>
+              <a:effectRef idx="0">
+                <a:schemeClr val="accent1"/>
+              </a:effectRef>
+              <a:fontRef idx="minor">
+                <a:schemeClr val="lt1"/>
+              </a:fontRef>
+            </p:style>
+            <p:txBody>
+              <a:bodyPr rtlCol="0" anchor="ctr"/>
+              <a:lstStyle/>
+              <a:p>
+                <a:pPr algn="ctr"/>
+                <a:r>
+                  <a:rPr lang="de-DE" b="1" dirty="0" err="1">
+                    <a:solidFill>
+                      <a:srgbClr val="000000"/>
+                    </a:solidFill>
+                    <a:latin typeface="Euro Caps" pitchFamily="2" charset="0"/>
+                  </a:rPr>
+                  <a:t>Sys</a:t>
+                </a:r>
+                <a:endParaRPr lang="en-DE" b="1" dirty="0">
+                  <a:solidFill>
+                    <a:srgbClr val="000000"/>
+                  </a:solidFill>
+                  <a:latin typeface="Euro Caps" pitchFamily="2" charset="0"/>
+                </a:endParaRPr>
+              </a:p>
+            </p:txBody>
+          </p:sp>
+        </p:grpSp>
+        <p:pic>
+          <p:nvPicPr>
+            <p:cNvPr id="80" name="Grafik 79">
+              <a:extLst>
+                <a:ext uri="{FF2B5EF4-FFF2-40B4-BE49-F238E27FC236}">
+                  <a16:creationId xmlns:a16="http://schemas.microsoft.com/office/drawing/2014/main" id="{6889248E-3B4D-40DB-A249-FB5176F2C35D}"/>
+                </a:ext>
+              </a:extLst>
+            </p:cNvPr>
+            <p:cNvPicPr>
+              <a:picLocks noChangeAspect="1"/>
+            </p:cNvPicPr>
+            <p:nvPr/>
+          </p:nvPicPr>
+          <p:blipFill>
+            <a:blip r:embed="rId17">
+              <a:extLst>
+                <a:ext uri="{28A0092B-C50C-407E-A947-70E740481C1C}">
+                  <a14:useLocalDpi xmlns:a14="http://schemas.microsoft.com/office/drawing/2010/main" val="0"/>
+                </a:ext>
+              </a:extLst>
+            </a:blip>
+            <a:stretch>
+              <a:fillRect/>
+            </a:stretch>
+          </p:blipFill>
+          <p:spPr>
+            <a:xfrm>
+              <a:off x="845525" y="2200786"/>
+              <a:ext cx="374026" cy="374026"/>
+            </a:xfrm>
+            <a:prstGeom prst="rect">
+              <a:avLst/>
+            </a:prstGeom>
+          </p:spPr>
+        </p:pic>
+      </p:grpSp>
+      <p:grpSp>
+        <p:nvGrpSpPr>
+          <p:cNvPr id="83" name="Gruppieren 82">
+            <a:extLst>
+              <a:ext uri="{FF2B5EF4-FFF2-40B4-BE49-F238E27FC236}">
+                <a16:creationId xmlns:a16="http://schemas.microsoft.com/office/drawing/2014/main" id="{C97754C6-8E23-4DD0-B8C2-7168432368BD}"/>
+              </a:ext>
+            </a:extLst>
+          </p:cNvPr>
+          <p:cNvGrpSpPr/>
+          <p:nvPr/>
+        </p:nvGrpSpPr>
+        <p:grpSpPr>
+          <a:xfrm>
+            <a:off x="6306319" y="4512890"/>
+            <a:ext cx="864001" cy="864000"/>
+            <a:chOff x="600538" y="2124711"/>
+            <a:chExt cx="864001" cy="864000"/>
+          </a:xfrm>
+        </p:grpSpPr>
+        <p:grpSp>
+          <p:nvGrpSpPr>
+            <p:cNvPr id="84" name="Gruppieren 83">
+              <a:extLst>
+                <a:ext uri="{FF2B5EF4-FFF2-40B4-BE49-F238E27FC236}">
+                  <a16:creationId xmlns:a16="http://schemas.microsoft.com/office/drawing/2014/main" id="{A96E05CA-0297-49DE-AD29-42E46199711B}"/>
+                </a:ext>
+              </a:extLst>
+            </p:cNvPr>
+            <p:cNvGrpSpPr/>
+            <p:nvPr/>
+          </p:nvGrpSpPr>
+          <p:grpSpPr>
+            <a:xfrm>
+              <a:off x="600538" y="2124711"/>
+              <a:ext cx="864001" cy="864000"/>
+              <a:chOff x="1925186" y="900986"/>
+              <a:chExt cx="1219200" cy="1219199"/>
+            </a:xfrm>
+          </p:grpSpPr>
+          <p:sp>
+            <p:nvSpPr>
+              <p:cNvPr id="86" name="Rechteck 85">
+                <a:extLst>
+                  <a:ext uri="{FF2B5EF4-FFF2-40B4-BE49-F238E27FC236}">
+                    <a16:creationId xmlns:a16="http://schemas.microsoft.com/office/drawing/2014/main" id="{5FC15053-F990-4429-8D09-23E67D22D64D}"/>
                   </a:ext>
                 </a:extLst>
               </p:cNvPr>
@@ -13330,7 +10535,7 @@
                 <a:pPr algn="ctr"/>
                 <a:endParaRPr lang="de-DE" dirty="0">
                   <a:solidFill>
-                    <a:schemeClr val="tx1"/>
+                    <a:srgbClr val="FF8800"/>
                   </a:solidFill>
                   <a:latin typeface="Euro Caps" pitchFamily="2" charset="0"/>
                 </a:endParaRPr>
@@ -13339,10 +10544,10 @@
           </p:sp>
           <p:sp>
             <p:nvSpPr>
-              <p:cNvPr id="65" name="Rechteck 64">
+              <p:cNvPr id="87" name="Rechteck 86">
                 <a:extLst>
                   <a:ext uri="{FF2B5EF4-FFF2-40B4-BE49-F238E27FC236}">
-                    <a16:creationId xmlns:a16="http://schemas.microsoft.com/office/drawing/2014/main" id="{FB41348C-E0B4-4E12-837C-D5A2F30BA50B}"/>
+                    <a16:creationId xmlns:a16="http://schemas.microsoft.com/office/drawing/2014/main" id="{E5CD297D-B9B5-427B-ADD1-722946474705}"/>
                   </a:ext>
                 </a:extLst>
               </p:cNvPr>
@@ -13408,10 +10613,10 @@
         </p:grpSp>
         <p:pic>
           <p:nvPicPr>
-            <p:cNvPr id="71" name="Grafik 70">
+            <p:cNvPr id="85" name="Grafik 84">
               <a:extLst>
                 <a:ext uri="{FF2B5EF4-FFF2-40B4-BE49-F238E27FC236}">
-                  <a16:creationId xmlns:a16="http://schemas.microsoft.com/office/drawing/2014/main" id="{D0DE0CAA-B463-4BF6-A9F6-A6AC1FADC199}"/>
+                  <a16:creationId xmlns:a16="http://schemas.microsoft.com/office/drawing/2014/main" id="{570C510A-AFA8-465D-B799-09D10E41D8EB}"/>
                 </a:ext>
               </a:extLst>
             </p:cNvPr>
@@ -13421,7 +10626,8 @@
             <p:nvPr/>
           </p:nvPicPr>
           <p:blipFill>
-            <a:blip r:embed="rId5">
+            <a:blip r:embed="rId17">
+              <a:biLevel thresh="75000"/>
               <a:extLst>
                 <a:ext uri="{28A0092B-C50C-407E-A947-70E740481C1C}">
                   <a14:useLocalDpi xmlns:a14="http://schemas.microsoft.com/office/drawing/2010/main" val="0"/>
@@ -13434,8 +10640,8 @@
           </p:blipFill>
           <p:spPr>
             <a:xfrm>
-              <a:off x="9713107" y="4812019"/>
-              <a:ext cx="975238" cy="975238"/>
+              <a:off x="845525" y="2200786"/>
+              <a:ext cx="374026" cy="374026"/>
             </a:xfrm>
             <a:prstGeom prst="rect">
               <a:avLst/>
@@ -13445,32 +10651,30 @@
       </p:grpSp>
       <p:grpSp>
         <p:nvGrpSpPr>
-          <p:cNvPr id="76" name="Gruppieren 75">
+          <p:cNvPr id="90" name="Gruppieren 89">
             <a:extLst>
               <a:ext uri="{FF2B5EF4-FFF2-40B4-BE49-F238E27FC236}">
-                <a16:creationId xmlns:a16="http://schemas.microsoft.com/office/drawing/2014/main" id="{71734E67-F85E-4D18-9687-19704D0A0089}"/>
+                <a16:creationId xmlns:a16="http://schemas.microsoft.com/office/drawing/2014/main" id="{33629DF7-F794-4F81-B64D-3254D4E32A2F}"/>
               </a:ext>
             </a:extLst>
           </p:cNvPr>
-          <p:cNvGrpSpPr>
-            <a:grpSpLocks/>
-          </p:cNvGrpSpPr>
+          <p:cNvGrpSpPr/>
           <p:nvPr/>
         </p:nvGrpSpPr>
         <p:grpSpPr>
           <a:xfrm>
-            <a:off x="8866011" y="4516016"/>
-            <a:ext cx="864000" cy="945677"/>
-            <a:chOff x="8229052" y="4812019"/>
-            <a:chExt cx="1219200" cy="1305088"/>
+            <a:off x="2436278" y="5519538"/>
+            <a:ext cx="864001" cy="864000"/>
+            <a:chOff x="600538" y="3162975"/>
+            <a:chExt cx="864001" cy="864000"/>
           </a:xfrm>
         </p:grpSpPr>
         <p:grpSp>
           <p:nvGrpSpPr>
-            <p:cNvPr id="57" name="Gruppieren 56">
+            <p:cNvPr id="91" name="Gruppieren 90">
               <a:extLst>
                 <a:ext uri="{FF2B5EF4-FFF2-40B4-BE49-F238E27FC236}">
-                  <a16:creationId xmlns:a16="http://schemas.microsoft.com/office/drawing/2014/main" id="{9E9EF8FA-83CD-45F7-8AFE-A0E9B76E1B20}"/>
+                  <a16:creationId xmlns:a16="http://schemas.microsoft.com/office/drawing/2014/main" id="{A4FDCA9D-6CC2-4CB5-B6A6-DEFF764F3F56}"/>
                 </a:ext>
               </a:extLst>
             </p:cNvPr>
@@ -13479,18 +10683,18 @@
           </p:nvGrpSpPr>
           <p:grpSpPr>
             <a:xfrm>
-              <a:off x="8229052" y="4897908"/>
-              <a:ext cx="1219200" cy="1219199"/>
+              <a:off x="600538" y="3162975"/>
+              <a:ext cx="864001" cy="864000"/>
               <a:chOff x="1925186" y="900986"/>
               <a:chExt cx="1219200" cy="1219199"/>
             </a:xfrm>
           </p:grpSpPr>
           <p:sp>
             <p:nvSpPr>
-              <p:cNvPr id="58" name="Rechteck 57">
+              <p:cNvPr id="93" name="Rechteck 92">
                 <a:extLst>
                   <a:ext uri="{FF2B5EF4-FFF2-40B4-BE49-F238E27FC236}">
-                    <a16:creationId xmlns:a16="http://schemas.microsoft.com/office/drawing/2014/main" id="{70B21EC5-794F-419F-B330-FA1A69E3E0D9}"/>
+                    <a16:creationId xmlns:a16="http://schemas.microsoft.com/office/drawing/2014/main" id="{13E71AC7-3708-437A-A640-9C41C3C2AF7C}"/>
                   </a:ext>
                 </a:extLst>
               </p:cNvPr>
@@ -13546,10 +10750,10 @@
           </p:sp>
           <p:sp>
             <p:nvSpPr>
-              <p:cNvPr id="59" name="Rechteck 58">
+              <p:cNvPr id="94" name="Rechteck 93">
                 <a:extLst>
                   <a:ext uri="{FF2B5EF4-FFF2-40B4-BE49-F238E27FC236}">
-                    <a16:creationId xmlns:a16="http://schemas.microsoft.com/office/drawing/2014/main" id="{0CE7356A-40D7-4732-AB07-FA17B7ED356D}"/>
+                    <a16:creationId xmlns:a16="http://schemas.microsoft.com/office/drawing/2014/main" id="{DF8D2CDD-2DFF-4109-8E4A-BA7C7295A0CA}"/>
                   </a:ext>
                 </a:extLst>
               </p:cNvPr>
@@ -13601,7 +10805,7 @@
                     </a:solidFill>
                     <a:latin typeface="Euro Caps" pitchFamily="2" charset="0"/>
                   </a:rPr>
-                  <a:t>SYS</a:t>
+                  <a:t>MENU</a:t>
                 </a:r>
                 <a:endParaRPr lang="en-DE" b="1" dirty="0">
                   <a:solidFill>
@@ -13615,10 +10819,10 @@
         </p:grpSp>
         <p:pic>
           <p:nvPicPr>
-            <p:cNvPr id="73" name="Grafik 72">
+            <p:cNvPr id="92" name="Grafik 91">
               <a:extLst>
                 <a:ext uri="{FF2B5EF4-FFF2-40B4-BE49-F238E27FC236}">
-                  <a16:creationId xmlns:a16="http://schemas.microsoft.com/office/drawing/2014/main" id="{1F694C3B-9CE0-4082-933E-D87444E84F7B}"/>
+                  <a16:creationId xmlns:a16="http://schemas.microsoft.com/office/drawing/2014/main" id="{7C551D0E-719D-4A0D-ADD0-7E7624CEFA13}"/>
                 </a:ext>
               </a:extLst>
             </p:cNvPr>
@@ -13628,7 +10832,8 @@
             <p:nvPr/>
           </p:nvPicPr>
           <p:blipFill>
-            <a:blip r:embed="rId6">
+            <a:blip r:embed="rId15">
+              <a:biLevel thresh="25000"/>
               <a:extLst>
                 <a:ext uri="{28A0092B-C50C-407E-A947-70E740481C1C}">
                   <a14:useLocalDpi xmlns:a14="http://schemas.microsoft.com/office/drawing/2010/main" val="0"/>
@@ -13641,8 +10846,8 @@
           </p:blipFill>
           <p:spPr>
             <a:xfrm>
-              <a:off x="8348470" y="4812019"/>
-              <a:ext cx="975238" cy="975238"/>
+              <a:off x="810087" y="3238191"/>
+              <a:ext cx="444900" cy="392377"/>
             </a:xfrm>
             <a:prstGeom prst="rect">
               <a:avLst/>
@@ -13652,10 +10857,10 @@
       </p:grpSp>
       <p:grpSp>
         <p:nvGrpSpPr>
-          <p:cNvPr id="80" name="Gruppieren 79">
+          <p:cNvPr id="53" name="Gruppieren 52">
             <a:extLst>
               <a:ext uri="{FF2B5EF4-FFF2-40B4-BE49-F238E27FC236}">
-                <a16:creationId xmlns:a16="http://schemas.microsoft.com/office/drawing/2014/main" id="{0CA86047-1D65-4AF4-8DC0-BEE18C375C14}"/>
+                <a16:creationId xmlns:a16="http://schemas.microsoft.com/office/drawing/2014/main" id="{B5088722-0C76-4B3D-ADCB-62DDA14112D4}"/>
               </a:ext>
             </a:extLst>
           </p:cNvPr>
@@ -13664,18 +10869,18 @@
         </p:nvGrpSpPr>
         <p:grpSpPr>
           <a:xfrm>
-            <a:off x="9106020" y="2271673"/>
-            <a:ext cx="1219200" cy="1219199"/>
-            <a:chOff x="9106020" y="2271673"/>
-            <a:chExt cx="1219200" cy="1219199"/>
+            <a:off x="2494082" y="3418578"/>
+            <a:ext cx="864001" cy="876199"/>
+            <a:chOff x="2603982" y="1936820"/>
+            <a:chExt cx="864001" cy="876199"/>
           </a:xfrm>
         </p:grpSpPr>
         <p:grpSp>
           <p:nvGrpSpPr>
-            <p:cNvPr id="47" name="Gruppieren 46">
+            <p:cNvPr id="167" name="Gruppieren 166">
               <a:extLst>
                 <a:ext uri="{FF2B5EF4-FFF2-40B4-BE49-F238E27FC236}">
-                  <a16:creationId xmlns:a16="http://schemas.microsoft.com/office/drawing/2014/main" id="{76073ABA-9DCA-45C5-A1EB-077D8C0692B2}"/>
+                  <a16:creationId xmlns:a16="http://schemas.microsoft.com/office/drawing/2014/main" id="{FF6A2C6B-6DD7-471B-87A6-84D2CEFBBC1B}"/>
                 </a:ext>
               </a:extLst>
             </p:cNvPr>
@@ -13684,18 +10889,18 @@
           </p:nvGrpSpPr>
           <p:grpSpPr>
             <a:xfrm>
-              <a:off x="9106020" y="2271673"/>
-              <a:ext cx="1219200" cy="1219199"/>
+              <a:off x="2603982" y="1949019"/>
+              <a:ext cx="864001" cy="864000"/>
               <a:chOff x="1925186" y="900986"/>
               <a:chExt cx="1219200" cy="1219199"/>
             </a:xfrm>
           </p:grpSpPr>
           <p:sp>
             <p:nvSpPr>
-              <p:cNvPr id="49" name="Rechteck 48">
+              <p:cNvPr id="169" name="Rechteck 168">
                 <a:extLst>
                   <a:ext uri="{FF2B5EF4-FFF2-40B4-BE49-F238E27FC236}">
-                    <a16:creationId xmlns:a16="http://schemas.microsoft.com/office/drawing/2014/main" id="{633EF2F7-B5AC-4D73-B3AE-ABB30BE42C01}"/>
+                    <a16:creationId xmlns:a16="http://schemas.microsoft.com/office/drawing/2014/main" id="{5985DCE2-6998-47FD-A7E0-E60AF8D2600E}"/>
                   </a:ext>
                 </a:extLst>
               </p:cNvPr>
@@ -13740,21 +10945,21 @@
               <a:lstStyle/>
               <a:p>
                 <a:pPr algn="ctr"/>
-                <a:endParaRPr lang="de-DE" sz="2000" dirty="0">
+                <a:endParaRPr lang="de-DE" dirty="0">
                   <a:solidFill>
                     <a:srgbClr val="FF8800"/>
                   </a:solidFill>
-                  <a:latin typeface="Franklin Gothic Book" panose="020B0503020102020204" pitchFamily="34" charset="0"/>
+                  <a:latin typeface="Euro Caps" pitchFamily="2" charset="0"/>
                 </a:endParaRPr>
               </a:p>
             </p:txBody>
           </p:sp>
           <p:sp>
             <p:nvSpPr>
-              <p:cNvPr id="51" name="Rechteck 50">
+              <p:cNvPr id="170" name="Rechteck 169">
                 <a:extLst>
                   <a:ext uri="{FF2B5EF4-FFF2-40B4-BE49-F238E27FC236}">
-                    <a16:creationId xmlns:a16="http://schemas.microsoft.com/office/drawing/2014/main" id="{FA85AA68-F56C-4EC8-8655-BDDB21C8C46F}"/>
+                    <a16:creationId xmlns:a16="http://schemas.microsoft.com/office/drawing/2014/main" id="{C799A2CF-695D-42DF-85B3-3C4DA1A5A36E}"/>
                   </a:ext>
                 </a:extLst>
               </p:cNvPr>
@@ -13800,19 +11005,19 @@
               <a:p>
                 <a:pPr algn="ctr"/>
                 <a:r>
-                  <a:rPr lang="de-DE" sz="2400" b="1" dirty="0">
+                  <a:rPr lang="de-DE" b="1" dirty="0" err="1">
                     <a:solidFill>
                       <a:srgbClr val="000000"/>
                     </a:solidFill>
-                    <a:latin typeface="Franklin Gothic Book" panose="020B0503020102020204" pitchFamily="34" charset="0"/>
+                    <a:latin typeface="Euro Caps" pitchFamily="2" charset="0"/>
                   </a:rPr>
-                  <a:t>CMD</a:t>
+                  <a:t>Ship</a:t>
                 </a:r>
-                <a:endParaRPr lang="en-DE" sz="2400" b="1" dirty="0">
+                <a:endParaRPr lang="en-DE" b="1" dirty="0">
                   <a:solidFill>
                     <a:srgbClr val="000000"/>
                   </a:solidFill>
-                  <a:latin typeface="Franklin Gothic Book" panose="020B0503020102020204" pitchFamily="34" charset="0"/>
+                  <a:latin typeface="Euro Caps" pitchFamily="2" charset="0"/>
                 </a:endParaRPr>
               </a:p>
             </p:txBody>
@@ -13820,10 +11025,10 @@
         </p:grpSp>
         <p:pic>
           <p:nvPicPr>
-            <p:cNvPr id="79" name="Grafik 78">
+            <p:cNvPr id="28" name="Grafik 27" descr="Zahnräder">
               <a:extLst>
                 <a:ext uri="{FF2B5EF4-FFF2-40B4-BE49-F238E27FC236}">
-                  <a16:creationId xmlns:a16="http://schemas.microsoft.com/office/drawing/2014/main" id="{E79AADE4-6B94-429A-8C95-7726413EF319}"/>
+                  <a16:creationId xmlns:a16="http://schemas.microsoft.com/office/drawing/2014/main" id="{75F18D92-CC6A-46A8-8FAD-725434F07B4B}"/>
                 </a:ext>
               </a:extLst>
             </p:cNvPr>
@@ -13833,10 +11038,13 @@
             <p:nvPr/>
           </p:nvPicPr>
           <p:blipFill>
-            <a:blip r:embed="rId7">
+            <a:blip r:embed="rId18">
               <a:extLst>
                 <a:ext uri="{28A0092B-C50C-407E-A947-70E740481C1C}">
                   <a14:useLocalDpi xmlns:a14="http://schemas.microsoft.com/office/drawing/2010/main" val="0"/>
+                </a:ext>
+                <a:ext uri="{96DAC541-7B7A-43D3-8B79-37D633B846F1}">
+                  <asvg:svgBlip xmlns:asvg="http://schemas.microsoft.com/office/drawing/2016/SVG/main" r:embed="rId19"/>
                 </a:ext>
               </a:extLst>
             </a:blip>
@@ -13846,8 +11054,1048 @@
           </p:blipFill>
           <p:spPr>
             <a:xfrm>
-              <a:off x="9365072" y="2358441"/>
-              <a:ext cx="685714" cy="569143"/>
+              <a:off x="2774254" y="1936820"/>
+              <a:ext cx="523455" cy="523455"/>
+            </a:xfrm>
+            <a:prstGeom prst="rect">
+              <a:avLst/>
+            </a:prstGeom>
+          </p:spPr>
+        </p:pic>
+      </p:grpSp>
+      <p:grpSp>
+        <p:nvGrpSpPr>
+          <p:cNvPr id="48" name="Gruppieren 47">
+            <a:extLst>
+              <a:ext uri="{FF2B5EF4-FFF2-40B4-BE49-F238E27FC236}">
+                <a16:creationId xmlns:a16="http://schemas.microsoft.com/office/drawing/2014/main" id="{75CF029A-A132-4596-9E9A-4A2FBB74C978}"/>
+              </a:ext>
+            </a:extLst>
+          </p:cNvPr>
+          <p:cNvGrpSpPr/>
+          <p:nvPr/>
+        </p:nvGrpSpPr>
+        <p:grpSpPr>
+          <a:xfrm>
+            <a:off x="1481059" y="3430777"/>
+            <a:ext cx="864001" cy="864000"/>
+            <a:chOff x="1590959" y="1949019"/>
+            <a:chExt cx="864001" cy="864000"/>
+          </a:xfrm>
+        </p:grpSpPr>
+        <p:grpSp>
+          <p:nvGrpSpPr>
+            <p:cNvPr id="172" name="Gruppieren 171">
+              <a:extLst>
+                <a:ext uri="{FF2B5EF4-FFF2-40B4-BE49-F238E27FC236}">
+                  <a16:creationId xmlns:a16="http://schemas.microsoft.com/office/drawing/2014/main" id="{7C23A3A2-316A-4CB0-B427-B265FD50AA81}"/>
+                </a:ext>
+              </a:extLst>
+            </p:cNvPr>
+            <p:cNvGrpSpPr/>
+            <p:nvPr/>
+          </p:nvGrpSpPr>
+          <p:grpSpPr>
+            <a:xfrm>
+              <a:off x="1590959" y="1949019"/>
+              <a:ext cx="864001" cy="864000"/>
+              <a:chOff x="1925186" y="900986"/>
+              <a:chExt cx="1219200" cy="1219199"/>
+            </a:xfrm>
+          </p:grpSpPr>
+          <p:sp>
+            <p:nvSpPr>
+              <p:cNvPr id="174" name="Rechteck 173">
+                <a:extLst>
+                  <a:ext uri="{FF2B5EF4-FFF2-40B4-BE49-F238E27FC236}">
+                    <a16:creationId xmlns:a16="http://schemas.microsoft.com/office/drawing/2014/main" id="{19900040-0846-40E2-BE0D-C549197AF341}"/>
+                  </a:ext>
+                </a:extLst>
+              </p:cNvPr>
+              <p:cNvSpPr/>
+              <p:nvPr/>
+            </p:nvSpPr>
+            <p:spPr>
+              <a:xfrm>
+                <a:off x="1925186" y="900986"/>
+                <a:ext cx="1219200" cy="732552"/>
+              </a:xfrm>
+              <a:prstGeom prst="rect">
+                <a:avLst/>
+              </a:prstGeom>
+              <a:solidFill>
+                <a:srgbClr val="000000"/>
+              </a:solidFill>
+              <a:ln>
+                <a:solidFill>
+                  <a:schemeClr val="tx1"/>
+                </a:solidFill>
+              </a:ln>
+            </p:spPr>
+            <p:style>
+              <a:lnRef idx="2">
+                <a:schemeClr val="accent1">
+                  <a:shade val="50000"/>
+                </a:schemeClr>
+              </a:lnRef>
+              <a:fillRef idx="1">
+                <a:schemeClr val="accent1"/>
+              </a:fillRef>
+              <a:effectRef idx="0">
+                <a:schemeClr val="accent1"/>
+              </a:effectRef>
+              <a:fontRef idx="minor">
+                <a:schemeClr val="lt1"/>
+              </a:fontRef>
+            </p:style>
+            <p:txBody>
+              <a:bodyPr rtlCol="0" anchor="ctr"/>
+              <a:lstStyle/>
+              <a:p>
+                <a:pPr algn="ctr"/>
+                <a:endParaRPr lang="de-DE" dirty="0">
+                  <a:solidFill>
+                    <a:srgbClr val="FF8800"/>
+                  </a:solidFill>
+                  <a:latin typeface="Euro Caps" pitchFamily="2" charset="0"/>
+                </a:endParaRPr>
+              </a:p>
+            </p:txBody>
+          </p:sp>
+          <p:sp>
+            <p:nvSpPr>
+              <p:cNvPr id="175" name="Rechteck 174">
+                <a:extLst>
+                  <a:ext uri="{FF2B5EF4-FFF2-40B4-BE49-F238E27FC236}">
+                    <a16:creationId xmlns:a16="http://schemas.microsoft.com/office/drawing/2014/main" id="{F22B9721-8245-4D5F-8D8F-9B3718025960}"/>
+                  </a:ext>
+                </a:extLst>
+              </p:cNvPr>
+              <p:cNvSpPr/>
+              <p:nvPr/>
+            </p:nvSpPr>
+            <p:spPr>
+              <a:xfrm>
+                <a:off x="1925186" y="1633538"/>
+                <a:ext cx="1219200" cy="486647"/>
+              </a:xfrm>
+              <a:prstGeom prst="rect">
+                <a:avLst/>
+              </a:prstGeom>
+              <a:solidFill>
+                <a:srgbClr val="804400"/>
+              </a:solidFill>
+              <a:ln>
+                <a:solidFill>
+                  <a:srgbClr val="804400"/>
+                </a:solidFill>
+              </a:ln>
+            </p:spPr>
+            <p:style>
+              <a:lnRef idx="2">
+                <a:schemeClr val="accent1">
+                  <a:shade val="50000"/>
+                </a:schemeClr>
+              </a:lnRef>
+              <a:fillRef idx="1">
+                <a:schemeClr val="accent1"/>
+              </a:fillRef>
+              <a:effectRef idx="0">
+                <a:schemeClr val="accent1"/>
+              </a:effectRef>
+              <a:fontRef idx="minor">
+                <a:schemeClr val="lt1"/>
+              </a:fontRef>
+            </p:style>
+            <p:txBody>
+              <a:bodyPr rtlCol="0" anchor="ctr"/>
+              <a:lstStyle/>
+              <a:p>
+                <a:pPr algn="ctr"/>
+                <a:r>
+                  <a:rPr lang="de-DE" b="1" dirty="0" err="1">
+                    <a:solidFill>
+                      <a:srgbClr val="000000"/>
+                    </a:solidFill>
+                    <a:latin typeface="Euro Caps" pitchFamily="2" charset="0"/>
+                  </a:rPr>
+                  <a:t>Com</a:t>
+                </a:r>
+                <a:endParaRPr lang="en-DE" b="1" dirty="0">
+                  <a:solidFill>
+                    <a:srgbClr val="000000"/>
+                  </a:solidFill>
+                  <a:latin typeface="Euro Caps" pitchFamily="2" charset="0"/>
+                </a:endParaRPr>
+              </a:p>
+            </p:txBody>
+          </p:sp>
+        </p:grpSp>
+        <p:pic>
+          <p:nvPicPr>
+            <p:cNvPr id="30" name="Grafik 29" descr="Chat RNL">
+              <a:extLst>
+                <a:ext uri="{FF2B5EF4-FFF2-40B4-BE49-F238E27FC236}">
+                  <a16:creationId xmlns:a16="http://schemas.microsoft.com/office/drawing/2014/main" id="{FDC9BC4B-5008-4962-912D-FABBC88926D6}"/>
+                </a:ext>
+              </a:extLst>
+            </p:cNvPr>
+            <p:cNvPicPr>
+              <a:picLocks noChangeAspect="1"/>
+            </p:cNvPicPr>
+            <p:nvPr/>
+          </p:nvPicPr>
+          <p:blipFill>
+            <a:blip r:embed="rId20">
+              <a:extLst>
+                <a:ext uri="{28A0092B-C50C-407E-A947-70E740481C1C}">
+                  <a14:useLocalDpi xmlns:a14="http://schemas.microsoft.com/office/drawing/2010/main" val="0"/>
+                </a:ext>
+                <a:ext uri="{96DAC541-7B7A-43D3-8B79-37D633B846F1}">
+                  <asvg:svgBlip xmlns:asvg="http://schemas.microsoft.com/office/drawing/2016/SVG/main" r:embed="rId21"/>
+                </a:ext>
+              </a:extLst>
+            </a:blip>
+            <a:stretch>
+              <a:fillRect/>
+            </a:stretch>
+          </p:blipFill>
+          <p:spPr>
+            <a:xfrm>
+              <a:off x="1785995" y="1965805"/>
+              <a:ext cx="523455" cy="523455"/>
+            </a:xfrm>
+            <a:prstGeom prst="rect">
+              <a:avLst/>
+            </a:prstGeom>
+          </p:spPr>
+        </p:pic>
+      </p:grpSp>
+      <p:grpSp>
+        <p:nvGrpSpPr>
+          <p:cNvPr id="47" name="Gruppieren 46">
+            <a:extLst>
+              <a:ext uri="{FF2B5EF4-FFF2-40B4-BE49-F238E27FC236}">
+                <a16:creationId xmlns:a16="http://schemas.microsoft.com/office/drawing/2014/main" id="{999A54AB-6D9E-444B-BECE-F095A74A93E3}"/>
+              </a:ext>
+            </a:extLst>
+          </p:cNvPr>
+          <p:cNvGrpSpPr/>
+          <p:nvPr/>
+        </p:nvGrpSpPr>
+        <p:grpSpPr>
+          <a:xfrm>
+            <a:off x="487966" y="3430777"/>
+            <a:ext cx="864001" cy="864000"/>
+            <a:chOff x="597866" y="1949019"/>
+            <a:chExt cx="864001" cy="864000"/>
+          </a:xfrm>
+        </p:grpSpPr>
+        <p:grpSp>
+          <p:nvGrpSpPr>
+            <p:cNvPr id="162" name="Gruppieren 161">
+              <a:extLst>
+                <a:ext uri="{FF2B5EF4-FFF2-40B4-BE49-F238E27FC236}">
+                  <a16:creationId xmlns:a16="http://schemas.microsoft.com/office/drawing/2014/main" id="{DB893155-8DCD-4299-BA4D-7E72035A9624}"/>
+                </a:ext>
+              </a:extLst>
+            </p:cNvPr>
+            <p:cNvGrpSpPr/>
+            <p:nvPr/>
+          </p:nvGrpSpPr>
+          <p:grpSpPr>
+            <a:xfrm>
+              <a:off x="597866" y="1949019"/>
+              <a:ext cx="864001" cy="864000"/>
+              <a:chOff x="1925186" y="900986"/>
+              <a:chExt cx="1219200" cy="1219199"/>
+            </a:xfrm>
+          </p:grpSpPr>
+          <p:sp>
+            <p:nvSpPr>
+              <p:cNvPr id="164" name="Rechteck 163">
+                <a:extLst>
+                  <a:ext uri="{FF2B5EF4-FFF2-40B4-BE49-F238E27FC236}">
+                    <a16:creationId xmlns:a16="http://schemas.microsoft.com/office/drawing/2014/main" id="{60A6164B-1C6B-4028-9130-E08F6CB214D1}"/>
+                  </a:ext>
+                </a:extLst>
+              </p:cNvPr>
+              <p:cNvSpPr/>
+              <p:nvPr/>
+            </p:nvSpPr>
+            <p:spPr>
+              <a:xfrm>
+                <a:off x="1925186" y="900986"/>
+                <a:ext cx="1219200" cy="732552"/>
+              </a:xfrm>
+              <a:prstGeom prst="rect">
+                <a:avLst/>
+              </a:prstGeom>
+              <a:solidFill>
+                <a:srgbClr val="000000"/>
+              </a:solidFill>
+              <a:ln>
+                <a:solidFill>
+                  <a:schemeClr val="tx1"/>
+                </a:solidFill>
+              </a:ln>
+            </p:spPr>
+            <p:style>
+              <a:lnRef idx="2">
+                <a:schemeClr val="accent1">
+                  <a:shade val="50000"/>
+                </a:schemeClr>
+              </a:lnRef>
+              <a:fillRef idx="1">
+                <a:schemeClr val="accent1"/>
+              </a:fillRef>
+              <a:effectRef idx="0">
+                <a:schemeClr val="accent1"/>
+              </a:effectRef>
+              <a:fontRef idx="minor">
+                <a:schemeClr val="lt1"/>
+              </a:fontRef>
+            </p:style>
+            <p:txBody>
+              <a:bodyPr rtlCol="0" anchor="ctr"/>
+              <a:lstStyle/>
+              <a:p>
+                <a:pPr algn="ctr"/>
+                <a:endParaRPr lang="de-DE" dirty="0">
+                  <a:solidFill>
+                    <a:srgbClr val="FF8800"/>
+                  </a:solidFill>
+                  <a:latin typeface="Euro Caps" pitchFamily="2" charset="0"/>
+                </a:endParaRPr>
+              </a:p>
+            </p:txBody>
+          </p:sp>
+          <p:sp>
+            <p:nvSpPr>
+              <p:cNvPr id="165" name="Rechteck 164">
+                <a:extLst>
+                  <a:ext uri="{FF2B5EF4-FFF2-40B4-BE49-F238E27FC236}">
+                    <a16:creationId xmlns:a16="http://schemas.microsoft.com/office/drawing/2014/main" id="{7F7A8706-BEDD-402C-87F4-E41829FB1CC2}"/>
+                  </a:ext>
+                </a:extLst>
+              </p:cNvPr>
+              <p:cNvSpPr/>
+              <p:nvPr/>
+            </p:nvSpPr>
+            <p:spPr>
+              <a:xfrm>
+                <a:off x="1925186" y="1633538"/>
+                <a:ext cx="1219200" cy="486647"/>
+              </a:xfrm>
+              <a:prstGeom prst="rect">
+                <a:avLst/>
+              </a:prstGeom>
+              <a:solidFill>
+                <a:srgbClr val="804400"/>
+              </a:solidFill>
+              <a:ln>
+                <a:solidFill>
+                  <a:srgbClr val="804400"/>
+                </a:solidFill>
+              </a:ln>
+            </p:spPr>
+            <p:style>
+              <a:lnRef idx="2">
+                <a:schemeClr val="accent1">
+                  <a:shade val="50000"/>
+                </a:schemeClr>
+              </a:lnRef>
+              <a:fillRef idx="1">
+                <a:schemeClr val="accent1"/>
+              </a:fillRef>
+              <a:effectRef idx="0">
+                <a:schemeClr val="accent1"/>
+              </a:effectRef>
+              <a:fontRef idx="minor">
+                <a:schemeClr val="lt1"/>
+              </a:fontRef>
+            </p:style>
+            <p:txBody>
+              <a:bodyPr rtlCol="0" anchor="ctr"/>
+              <a:lstStyle/>
+              <a:p>
+                <a:pPr algn="ctr"/>
+                <a:r>
+                  <a:rPr lang="de-DE" b="1" dirty="0">
+                    <a:solidFill>
+                      <a:srgbClr val="000000"/>
+                    </a:solidFill>
+                    <a:latin typeface="Euro Caps" pitchFamily="2" charset="0"/>
+                  </a:rPr>
+                  <a:t>NAV</a:t>
+                </a:r>
+                <a:endParaRPr lang="en-DE" b="1" dirty="0">
+                  <a:solidFill>
+                    <a:srgbClr val="000000"/>
+                  </a:solidFill>
+                  <a:latin typeface="Euro Caps" pitchFamily="2" charset="0"/>
+                </a:endParaRPr>
+              </a:p>
+            </p:txBody>
+          </p:sp>
+        </p:grpSp>
+        <p:pic>
+          <p:nvPicPr>
+            <p:cNvPr id="35" name="Grafik 34" descr="Karte mit Stecknadel">
+              <a:extLst>
+                <a:ext uri="{FF2B5EF4-FFF2-40B4-BE49-F238E27FC236}">
+                  <a16:creationId xmlns:a16="http://schemas.microsoft.com/office/drawing/2014/main" id="{593417AF-E24B-40AD-AC18-24F7FB558A0F}"/>
+                </a:ext>
+              </a:extLst>
+            </p:cNvPr>
+            <p:cNvPicPr>
+              <a:picLocks noChangeAspect="1"/>
+            </p:cNvPicPr>
+            <p:nvPr/>
+          </p:nvPicPr>
+          <p:blipFill>
+            <a:blip r:embed="rId22">
+              <a:extLst>
+                <a:ext uri="{28A0092B-C50C-407E-A947-70E740481C1C}">
+                  <a14:useLocalDpi xmlns:a14="http://schemas.microsoft.com/office/drawing/2010/main" val="0"/>
+                </a:ext>
+                <a:ext uri="{96DAC541-7B7A-43D3-8B79-37D633B846F1}">
+                  <asvg:svgBlip xmlns:asvg="http://schemas.microsoft.com/office/drawing/2016/SVG/main" r:embed="rId23"/>
+                </a:ext>
+              </a:extLst>
+            </a:blip>
+            <a:stretch>
+              <a:fillRect/>
+            </a:stretch>
+          </p:blipFill>
+          <p:spPr>
+            <a:xfrm>
+              <a:off x="794258" y="1964463"/>
+              <a:ext cx="484482" cy="484482"/>
+            </a:xfrm>
+            <a:prstGeom prst="rect">
+              <a:avLst/>
+            </a:prstGeom>
+          </p:spPr>
+        </p:pic>
+      </p:grpSp>
+      <p:grpSp>
+        <p:nvGrpSpPr>
+          <p:cNvPr id="55" name="Gruppieren 54">
+            <a:extLst>
+              <a:ext uri="{FF2B5EF4-FFF2-40B4-BE49-F238E27FC236}">
+                <a16:creationId xmlns:a16="http://schemas.microsoft.com/office/drawing/2014/main" id="{A7248403-0EA0-44E3-A041-6489F302C540}"/>
+              </a:ext>
+            </a:extLst>
+          </p:cNvPr>
+          <p:cNvGrpSpPr/>
+          <p:nvPr/>
+        </p:nvGrpSpPr>
+        <p:grpSpPr>
+          <a:xfrm>
+            <a:off x="3480451" y="3430777"/>
+            <a:ext cx="864001" cy="864000"/>
+            <a:chOff x="3590351" y="1949019"/>
+            <a:chExt cx="864001" cy="864000"/>
+          </a:xfrm>
+        </p:grpSpPr>
+        <p:grpSp>
+          <p:nvGrpSpPr>
+            <p:cNvPr id="177" name="Gruppieren 176">
+              <a:extLst>
+                <a:ext uri="{FF2B5EF4-FFF2-40B4-BE49-F238E27FC236}">
+                  <a16:creationId xmlns:a16="http://schemas.microsoft.com/office/drawing/2014/main" id="{8616EC95-46FC-41B2-9E51-9200FFCCEE13}"/>
+                </a:ext>
+              </a:extLst>
+            </p:cNvPr>
+            <p:cNvGrpSpPr/>
+            <p:nvPr/>
+          </p:nvGrpSpPr>
+          <p:grpSpPr>
+            <a:xfrm>
+              <a:off x="3590351" y="1949019"/>
+              <a:ext cx="864001" cy="864000"/>
+              <a:chOff x="1925186" y="900986"/>
+              <a:chExt cx="1219200" cy="1219199"/>
+            </a:xfrm>
+          </p:grpSpPr>
+          <p:sp>
+            <p:nvSpPr>
+              <p:cNvPr id="179" name="Rechteck 178">
+                <a:extLst>
+                  <a:ext uri="{FF2B5EF4-FFF2-40B4-BE49-F238E27FC236}">
+                    <a16:creationId xmlns:a16="http://schemas.microsoft.com/office/drawing/2014/main" id="{AB380ABA-167E-4A3C-B144-44860EA4573F}"/>
+                  </a:ext>
+                </a:extLst>
+              </p:cNvPr>
+              <p:cNvSpPr/>
+              <p:nvPr/>
+            </p:nvSpPr>
+            <p:spPr>
+              <a:xfrm>
+                <a:off x="1925186" y="900986"/>
+                <a:ext cx="1219200" cy="732552"/>
+              </a:xfrm>
+              <a:prstGeom prst="rect">
+                <a:avLst/>
+              </a:prstGeom>
+              <a:solidFill>
+                <a:srgbClr val="000000"/>
+              </a:solidFill>
+              <a:ln>
+                <a:solidFill>
+                  <a:schemeClr val="tx1"/>
+                </a:solidFill>
+              </a:ln>
+            </p:spPr>
+            <p:style>
+              <a:lnRef idx="2">
+                <a:schemeClr val="accent1">
+                  <a:shade val="50000"/>
+                </a:schemeClr>
+              </a:lnRef>
+              <a:fillRef idx="1">
+                <a:schemeClr val="accent1"/>
+              </a:fillRef>
+              <a:effectRef idx="0">
+                <a:schemeClr val="accent1"/>
+              </a:effectRef>
+              <a:fontRef idx="minor">
+                <a:schemeClr val="lt1"/>
+              </a:fontRef>
+            </p:style>
+            <p:txBody>
+              <a:bodyPr rtlCol="0" anchor="ctr"/>
+              <a:lstStyle/>
+              <a:p>
+                <a:pPr algn="ctr"/>
+                <a:endParaRPr lang="de-DE" dirty="0">
+                  <a:solidFill>
+                    <a:srgbClr val="FF8800"/>
+                  </a:solidFill>
+                  <a:latin typeface="Euro Caps" pitchFamily="2" charset="0"/>
+                </a:endParaRPr>
+              </a:p>
+            </p:txBody>
+          </p:sp>
+          <p:sp>
+            <p:nvSpPr>
+              <p:cNvPr id="180" name="Rechteck 179">
+                <a:extLst>
+                  <a:ext uri="{FF2B5EF4-FFF2-40B4-BE49-F238E27FC236}">
+                    <a16:creationId xmlns:a16="http://schemas.microsoft.com/office/drawing/2014/main" id="{54E0F8DA-29BC-4DD7-B57F-BD484EA34CC2}"/>
+                  </a:ext>
+                </a:extLst>
+              </p:cNvPr>
+              <p:cNvSpPr/>
+              <p:nvPr/>
+            </p:nvSpPr>
+            <p:spPr>
+              <a:xfrm>
+                <a:off x="1925186" y="1633538"/>
+                <a:ext cx="1219200" cy="486647"/>
+              </a:xfrm>
+              <a:prstGeom prst="rect">
+                <a:avLst/>
+              </a:prstGeom>
+              <a:solidFill>
+                <a:srgbClr val="804400"/>
+              </a:solidFill>
+              <a:ln>
+                <a:solidFill>
+                  <a:srgbClr val="804400"/>
+                </a:solidFill>
+              </a:ln>
+            </p:spPr>
+            <p:style>
+              <a:lnRef idx="2">
+                <a:schemeClr val="accent1">
+                  <a:shade val="50000"/>
+                </a:schemeClr>
+              </a:lnRef>
+              <a:fillRef idx="1">
+                <a:schemeClr val="accent1"/>
+              </a:fillRef>
+              <a:effectRef idx="0">
+                <a:schemeClr val="accent1"/>
+              </a:effectRef>
+              <a:fontRef idx="minor">
+                <a:schemeClr val="lt1"/>
+              </a:fontRef>
+            </p:style>
+            <p:txBody>
+              <a:bodyPr rtlCol="0" anchor="ctr"/>
+              <a:lstStyle/>
+              <a:p>
+                <a:pPr algn="ctr"/>
+                <a:r>
+                  <a:rPr lang="de-DE" b="1" dirty="0" err="1">
+                    <a:solidFill>
+                      <a:srgbClr val="000000"/>
+                    </a:solidFill>
+                    <a:latin typeface="Euro Caps" pitchFamily="2" charset="0"/>
+                  </a:rPr>
+                  <a:t>Role</a:t>
+                </a:r>
+                <a:endParaRPr lang="en-DE" b="1" dirty="0">
+                  <a:solidFill>
+                    <a:srgbClr val="000000"/>
+                  </a:solidFill>
+                  <a:latin typeface="Euro Caps" pitchFamily="2" charset="0"/>
+                </a:endParaRPr>
+              </a:p>
+            </p:txBody>
+          </p:sp>
+        </p:grpSp>
+        <p:pic>
+          <p:nvPicPr>
+            <p:cNvPr id="37" name="Grafik 36" descr="Kreise mit Pfeilen">
+              <a:extLst>
+                <a:ext uri="{FF2B5EF4-FFF2-40B4-BE49-F238E27FC236}">
+                  <a16:creationId xmlns:a16="http://schemas.microsoft.com/office/drawing/2014/main" id="{C2D648CD-BE2D-4DD2-8145-1CD8A7F40DF2}"/>
+                </a:ext>
+              </a:extLst>
+            </p:cNvPr>
+            <p:cNvPicPr>
+              <a:picLocks noChangeAspect="1"/>
+            </p:cNvPicPr>
+            <p:nvPr/>
+          </p:nvPicPr>
+          <p:blipFill>
+            <a:blip r:embed="rId24">
+              <a:extLst>
+                <a:ext uri="{28A0092B-C50C-407E-A947-70E740481C1C}">
+                  <a14:useLocalDpi xmlns:a14="http://schemas.microsoft.com/office/drawing/2010/main" val="0"/>
+                </a:ext>
+                <a:ext uri="{96DAC541-7B7A-43D3-8B79-37D633B846F1}">
+                  <asvg:svgBlip xmlns:asvg="http://schemas.microsoft.com/office/drawing/2016/SVG/main" r:embed="rId25"/>
+                </a:ext>
+              </a:extLst>
+            </a:blip>
+            <a:stretch>
+              <a:fillRect/>
+            </a:stretch>
+          </p:blipFill>
+          <p:spPr>
+            <a:xfrm>
+              <a:off x="3764081" y="1964096"/>
+              <a:ext cx="508209" cy="508209"/>
+            </a:xfrm>
+            <a:prstGeom prst="rect">
+              <a:avLst/>
+            </a:prstGeom>
+          </p:spPr>
+        </p:pic>
+      </p:grpSp>
+      <p:grpSp>
+        <p:nvGrpSpPr>
+          <p:cNvPr id="59" name="Gruppieren 58">
+            <a:extLst>
+              <a:ext uri="{FF2B5EF4-FFF2-40B4-BE49-F238E27FC236}">
+                <a16:creationId xmlns:a16="http://schemas.microsoft.com/office/drawing/2014/main" id="{CB93F269-4B3C-4261-B0D3-C8B15392CFE9}"/>
+              </a:ext>
+            </a:extLst>
+          </p:cNvPr>
+          <p:cNvGrpSpPr/>
+          <p:nvPr/>
+        </p:nvGrpSpPr>
+        <p:grpSpPr>
+          <a:xfrm>
+            <a:off x="4473544" y="3455185"/>
+            <a:ext cx="864001" cy="864000"/>
+            <a:chOff x="4583444" y="1973427"/>
+            <a:chExt cx="864001" cy="864000"/>
+          </a:xfrm>
+        </p:grpSpPr>
+        <p:grpSp>
+          <p:nvGrpSpPr>
+            <p:cNvPr id="181" name="Gruppieren 180">
+              <a:extLst>
+                <a:ext uri="{FF2B5EF4-FFF2-40B4-BE49-F238E27FC236}">
+                  <a16:creationId xmlns:a16="http://schemas.microsoft.com/office/drawing/2014/main" id="{7F18714E-8EF5-4D9A-AB75-971B844FE01A}"/>
+                </a:ext>
+              </a:extLst>
+            </p:cNvPr>
+            <p:cNvGrpSpPr/>
+            <p:nvPr/>
+          </p:nvGrpSpPr>
+          <p:grpSpPr>
+            <a:xfrm>
+              <a:off x="4583444" y="1973427"/>
+              <a:ext cx="864001" cy="864000"/>
+              <a:chOff x="1925186" y="900986"/>
+              <a:chExt cx="1219200" cy="1219199"/>
+            </a:xfrm>
+          </p:grpSpPr>
+          <p:sp>
+            <p:nvSpPr>
+              <p:cNvPr id="182" name="Rechteck 181">
+                <a:extLst>
+                  <a:ext uri="{FF2B5EF4-FFF2-40B4-BE49-F238E27FC236}">
+                    <a16:creationId xmlns:a16="http://schemas.microsoft.com/office/drawing/2014/main" id="{448271A4-C4EF-4B58-91FD-813DB4D0EE1F}"/>
+                  </a:ext>
+                </a:extLst>
+              </p:cNvPr>
+              <p:cNvSpPr/>
+              <p:nvPr/>
+            </p:nvSpPr>
+            <p:spPr>
+              <a:xfrm>
+                <a:off x="1925186" y="900986"/>
+                <a:ext cx="1219200" cy="732552"/>
+              </a:xfrm>
+              <a:prstGeom prst="rect">
+                <a:avLst/>
+              </a:prstGeom>
+              <a:solidFill>
+                <a:srgbClr val="000000"/>
+              </a:solidFill>
+              <a:ln>
+                <a:solidFill>
+                  <a:schemeClr val="tx1"/>
+                </a:solidFill>
+              </a:ln>
+            </p:spPr>
+            <p:style>
+              <a:lnRef idx="2">
+                <a:schemeClr val="accent1">
+                  <a:shade val="50000"/>
+                </a:schemeClr>
+              </a:lnRef>
+              <a:fillRef idx="1">
+                <a:schemeClr val="accent1"/>
+              </a:fillRef>
+              <a:effectRef idx="0">
+                <a:schemeClr val="accent1"/>
+              </a:effectRef>
+              <a:fontRef idx="minor">
+                <a:schemeClr val="lt1"/>
+              </a:fontRef>
+            </p:style>
+            <p:txBody>
+              <a:bodyPr rtlCol="0" anchor="ctr"/>
+              <a:lstStyle/>
+              <a:p>
+                <a:pPr algn="ctr"/>
+                <a:endParaRPr lang="de-DE" dirty="0">
+                  <a:solidFill>
+                    <a:srgbClr val="FF8800"/>
+                  </a:solidFill>
+                  <a:latin typeface="Euro Caps" pitchFamily="2" charset="0"/>
+                </a:endParaRPr>
+              </a:p>
+            </p:txBody>
+          </p:sp>
+          <p:sp>
+            <p:nvSpPr>
+              <p:cNvPr id="183" name="Rechteck 182">
+                <a:extLst>
+                  <a:ext uri="{FF2B5EF4-FFF2-40B4-BE49-F238E27FC236}">
+                    <a16:creationId xmlns:a16="http://schemas.microsoft.com/office/drawing/2014/main" id="{BE0FDEF6-5211-40A4-915A-31A370E1668B}"/>
+                  </a:ext>
+                </a:extLst>
+              </p:cNvPr>
+              <p:cNvSpPr/>
+              <p:nvPr/>
+            </p:nvSpPr>
+            <p:spPr>
+              <a:xfrm>
+                <a:off x="1925186" y="1633538"/>
+                <a:ext cx="1219200" cy="486647"/>
+              </a:xfrm>
+              <a:prstGeom prst="rect">
+                <a:avLst/>
+              </a:prstGeom>
+              <a:solidFill>
+                <a:srgbClr val="804400"/>
+              </a:solidFill>
+              <a:ln>
+                <a:solidFill>
+                  <a:srgbClr val="804400"/>
+                </a:solidFill>
+              </a:ln>
+            </p:spPr>
+            <p:style>
+              <a:lnRef idx="2">
+                <a:schemeClr val="accent1">
+                  <a:shade val="50000"/>
+                </a:schemeClr>
+              </a:lnRef>
+              <a:fillRef idx="1">
+                <a:schemeClr val="accent1"/>
+              </a:fillRef>
+              <a:effectRef idx="0">
+                <a:schemeClr val="accent1"/>
+              </a:effectRef>
+              <a:fontRef idx="minor">
+                <a:schemeClr val="lt1"/>
+              </a:fontRef>
+            </p:style>
+            <p:txBody>
+              <a:bodyPr rtlCol="0" anchor="ctr"/>
+              <a:lstStyle/>
+              <a:p>
+                <a:pPr algn="ctr"/>
+                <a:r>
+                  <a:rPr lang="de-DE" b="1" dirty="0">
+                    <a:solidFill>
+                      <a:srgbClr val="000000"/>
+                    </a:solidFill>
+                    <a:latin typeface="Euro Caps" pitchFamily="2" charset="0"/>
+                  </a:rPr>
+                  <a:t>Order</a:t>
+                </a:r>
+                <a:endParaRPr lang="en-DE" b="1" dirty="0">
+                  <a:solidFill>
+                    <a:srgbClr val="000000"/>
+                  </a:solidFill>
+                  <a:latin typeface="Euro Caps" pitchFamily="2" charset="0"/>
+                </a:endParaRPr>
+              </a:p>
+            </p:txBody>
+          </p:sp>
+        </p:grpSp>
+        <p:pic>
+          <p:nvPicPr>
+            <p:cNvPr id="42" name="Grafik 41" descr="Checkliste">
+              <a:extLst>
+                <a:ext uri="{FF2B5EF4-FFF2-40B4-BE49-F238E27FC236}">
+                  <a16:creationId xmlns:a16="http://schemas.microsoft.com/office/drawing/2014/main" id="{47601031-A8B6-4F06-8197-FAFD8C3257B4}"/>
+                </a:ext>
+              </a:extLst>
+            </p:cNvPr>
+            <p:cNvPicPr>
+              <a:picLocks noChangeAspect="1"/>
+            </p:cNvPicPr>
+            <p:nvPr/>
+          </p:nvPicPr>
+          <p:blipFill>
+            <a:blip r:embed="rId26">
+              <a:extLst>
+                <a:ext uri="{28A0092B-C50C-407E-A947-70E740481C1C}">
+                  <a14:useLocalDpi xmlns:a14="http://schemas.microsoft.com/office/drawing/2010/main" val="0"/>
+                </a:ext>
+                <a:ext uri="{96DAC541-7B7A-43D3-8B79-37D633B846F1}">
+                  <asvg:svgBlip xmlns:asvg="http://schemas.microsoft.com/office/drawing/2016/SVG/main" r:embed="rId27"/>
+                </a:ext>
+              </a:extLst>
+            </a:blip>
+            <a:stretch>
+              <a:fillRect/>
+            </a:stretch>
+          </p:blipFill>
+          <p:spPr>
+            <a:xfrm>
+              <a:off x="4807780" y="2024634"/>
+              <a:ext cx="415328" cy="415328"/>
+            </a:xfrm>
+            <a:prstGeom prst="rect">
+              <a:avLst/>
+            </a:prstGeom>
+          </p:spPr>
+        </p:pic>
+      </p:grpSp>
+      <p:grpSp>
+        <p:nvGrpSpPr>
+          <p:cNvPr id="67" name="Gruppieren 66">
+            <a:extLst>
+              <a:ext uri="{FF2B5EF4-FFF2-40B4-BE49-F238E27FC236}">
+                <a16:creationId xmlns:a16="http://schemas.microsoft.com/office/drawing/2014/main" id="{4CAF6EDB-9E56-4058-A748-BAB0F41C489B}"/>
+              </a:ext>
+            </a:extLst>
+          </p:cNvPr>
+          <p:cNvGrpSpPr/>
+          <p:nvPr/>
+        </p:nvGrpSpPr>
+        <p:grpSpPr>
+          <a:xfrm>
+            <a:off x="5426873" y="3455185"/>
+            <a:ext cx="864001" cy="864000"/>
+            <a:chOff x="7564199" y="3052946"/>
+            <a:chExt cx="864001" cy="864000"/>
+          </a:xfrm>
+        </p:grpSpPr>
+        <p:grpSp>
+          <p:nvGrpSpPr>
+            <p:cNvPr id="186" name="Gruppieren 185">
+              <a:extLst>
+                <a:ext uri="{FF2B5EF4-FFF2-40B4-BE49-F238E27FC236}">
+                  <a16:creationId xmlns:a16="http://schemas.microsoft.com/office/drawing/2014/main" id="{2A0B40AE-89E3-4BAE-9B60-EB5510958771}"/>
+                </a:ext>
+              </a:extLst>
+            </p:cNvPr>
+            <p:cNvGrpSpPr/>
+            <p:nvPr/>
+          </p:nvGrpSpPr>
+          <p:grpSpPr>
+            <a:xfrm>
+              <a:off x="7564199" y="3052946"/>
+              <a:ext cx="864001" cy="864000"/>
+              <a:chOff x="1925186" y="900986"/>
+              <a:chExt cx="1219200" cy="1219199"/>
+            </a:xfrm>
+          </p:grpSpPr>
+          <p:sp>
+            <p:nvSpPr>
+              <p:cNvPr id="188" name="Rechteck 187">
+                <a:extLst>
+                  <a:ext uri="{FF2B5EF4-FFF2-40B4-BE49-F238E27FC236}">
+                    <a16:creationId xmlns:a16="http://schemas.microsoft.com/office/drawing/2014/main" id="{FE4B171D-6BFF-4E50-84C1-E7A5B28967B3}"/>
+                  </a:ext>
+                </a:extLst>
+              </p:cNvPr>
+              <p:cNvSpPr/>
+              <p:nvPr/>
+            </p:nvSpPr>
+            <p:spPr>
+              <a:xfrm>
+                <a:off x="1925186" y="900986"/>
+                <a:ext cx="1219200" cy="732552"/>
+              </a:xfrm>
+              <a:prstGeom prst="rect">
+                <a:avLst/>
+              </a:prstGeom>
+              <a:solidFill>
+                <a:srgbClr val="000000"/>
+              </a:solidFill>
+              <a:ln>
+                <a:solidFill>
+                  <a:schemeClr val="tx1"/>
+                </a:solidFill>
+              </a:ln>
+            </p:spPr>
+            <p:style>
+              <a:lnRef idx="2">
+                <a:schemeClr val="accent1">
+                  <a:shade val="50000"/>
+                </a:schemeClr>
+              </a:lnRef>
+              <a:fillRef idx="1">
+                <a:schemeClr val="accent1"/>
+              </a:fillRef>
+              <a:effectRef idx="0">
+                <a:schemeClr val="accent1"/>
+              </a:effectRef>
+              <a:fontRef idx="minor">
+                <a:schemeClr val="lt1"/>
+              </a:fontRef>
+            </p:style>
+            <p:txBody>
+              <a:bodyPr rtlCol="0" anchor="ctr"/>
+              <a:lstStyle/>
+              <a:p>
+                <a:pPr algn="ctr"/>
+                <a:endParaRPr lang="de-DE" dirty="0">
+                  <a:solidFill>
+                    <a:srgbClr val="FF8800"/>
+                  </a:solidFill>
+                  <a:latin typeface="Euro Caps" pitchFamily="2" charset="0"/>
+                </a:endParaRPr>
+              </a:p>
+            </p:txBody>
+          </p:sp>
+          <p:sp>
+            <p:nvSpPr>
+              <p:cNvPr id="189" name="Rechteck 188">
+                <a:extLst>
+                  <a:ext uri="{FF2B5EF4-FFF2-40B4-BE49-F238E27FC236}">
+                    <a16:creationId xmlns:a16="http://schemas.microsoft.com/office/drawing/2014/main" id="{A1F7D066-547C-4ADD-8F12-8A896D8F4917}"/>
+                  </a:ext>
+                </a:extLst>
+              </p:cNvPr>
+              <p:cNvSpPr/>
+              <p:nvPr/>
+            </p:nvSpPr>
+            <p:spPr>
+              <a:xfrm>
+                <a:off x="1925186" y="1633538"/>
+                <a:ext cx="1219200" cy="486647"/>
+              </a:xfrm>
+              <a:prstGeom prst="rect">
+                <a:avLst/>
+              </a:prstGeom>
+              <a:solidFill>
+                <a:srgbClr val="804400"/>
+              </a:solidFill>
+              <a:ln>
+                <a:solidFill>
+                  <a:srgbClr val="804400"/>
+                </a:solidFill>
+              </a:ln>
+            </p:spPr>
+            <p:style>
+              <a:lnRef idx="2">
+                <a:schemeClr val="accent1">
+                  <a:shade val="50000"/>
+                </a:schemeClr>
+              </a:lnRef>
+              <a:fillRef idx="1">
+                <a:schemeClr val="accent1"/>
+              </a:fillRef>
+              <a:effectRef idx="0">
+                <a:schemeClr val="accent1"/>
+              </a:effectRef>
+              <a:fontRef idx="minor">
+                <a:schemeClr val="lt1"/>
+              </a:fontRef>
+            </p:style>
+            <p:txBody>
+              <a:bodyPr rtlCol="0" anchor="ctr"/>
+              <a:lstStyle/>
+              <a:p>
+                <a:pPr algn="ctr"/>
+                <a:r>
+                  <a:rPr lang="de-DE" b="1" dirty="0">
+                    <a:solidFill>
+                      <a:srgbClr val="000000"/>
+                    </a:solidFill>
+                    <a:latin typeface="Euro Caps" pitchFamily="2" charset="0"/>
+                  </a:rPr>
+                  <a:t>NET</a:t>
+                </a:r>
+                <a:endParaRPr lang="en-DE" b="1" dirty="0">
+                  <a:solidFill>
+                    <a:srgbClr val="000000"/>
+                  </a:solidFill>
+                  <a:latin typeface="Euro Caps" pitchFamily="2" charset="0"/>
+                </a:endParaRPr>
+              </a:p>
+            </p:txBody>
+          </p:sp>
+        </p:grpSp>
+        <p:pic>
+          <p:nvPicPr>
+            <p:cNvPr id="65" name="Grafik 64" descr="Welt">
+              <a:extLst>
+                <a:ext uri="{FF2B5EF4-FFF2-40B4-BE49-F238E27FC236}">
+                  <a16:creationId xmlns:a16="http://schemas.microsoft.com/office/drawing/2014/main" id="{BDEFFF71-3854-4CE4-8D12-C4272E857030}"/>
+                </a:ext>
+              </a:extLst>
+            </p:cNvPr>
+            <p:cNvPicPr>
+              <a:picLocks noChangeAspect="1"/>
+            </p:cNvPicPr>
+            <p:nvPr/>
+          </p:nvPicPr>
+          <p:blipFill>
+            <a:blip r:embed="rId28">
+              <a:extLst>
+                <a:ext uri="{28A0092B-C50C-407E-A947-70E740481C1C}">
+                  <a14:useLocalDpi xmlns:a14="http://schemas.microsoft.com/office/drawing/2010/main" val="0"/>
+                </a:ext>
+                <a:ext uri="{96DAC541-7B7A-43D3-8B79-37D633B846F1}">
+                  <asvg:svgBlip xmlns:asvg="http://schemas.microsoft.com/office/drawing/2016/SVG/main" r:embed="rId29"/>
+                </a:ext>
+              </a:extLst>
+            </a:blip>
+            <a:stretch>
+              <a:fillRect/>
+            </a:stretch>
+          </p:blipFill>
+          <p:spPr>
+            <a:xfrm>
+              <a:off x="7768994" y="3085385"/>
+              <a:ext cx="454409" cy="454409"/>
             </a:xfrm>
             <a:prstGeom prst="rect">
               <a:avLst/>
@@ -13858,7 +12106,7 @@
     </p:spTree>
     <p:extLst>
       <p:ext uri="{BB962C8B-B14F-4D97-AF65-F5344CB8AC3E}">
-        <p14:creationId xmlns:p14="http://schemas.microsoft.com/office/powerpoint/2010/main" val="2991662318"/>
+        <p14:creationId xmlns:p14="http://schemas.microsoft.com/office/powerpoint/2010/main" val="979106260"/>
       </p:ext>
     </p:extLst>
   </p:cSld>
@@ -13868,7 +12116,7 @@
 </p:sld>
 </file>
 
-<file path=ppt/slides/slide4.xml><?xml version="1.0" encoding="utf-8"?>
+<file path=ppt/slides/slide3.xml><?xml version="1.0" encoding="utf-8"?>
 <p:sld xmlns:a="http://schemas.openxmlformats.org/drawingml/2006/main" xmlns:r="http://schemas.openxmlformats.org/officeDocument/2006/relationships" xmlns:p="http://schemas.openxmlformats.org/presentationml/2006/main">
   <p:cSld>
     <p:spTree>
@@ -17766,241 +16014,6 @@
               </a:camera>
               <a:lightRig rig="threePt" dir="t"/>
             </a:scene3d>
-          </p:spPr>
-          <p:style>
-            <a:lnRef idx="2">
-              <a:schemeClr val="accent1">
-                <a:shade val="50000"/>
-              </a:schemeClr>
-            </a:lnRef>
-            <a:fillRef idx="1">
-              <a:schemeClr val="accent1"/>
-            </a:fillRef>
-            <a:effectRef idx="0">
-              <a:schemeClr val="accent1"/>
-            </a:effectRef>
-            <a:fontRef idx="minor">
-              <a:schemeClr val="lt1"/>
-            </a:fontRef>
-          </p:style>
-          <p:txBody>
-            <a:bodyPr rtlCol="0" anchor="ctr"/>
-            <a:lstStyle/>
-            <a:p>
-              <a:pPr algn="ctr"/>
-              <a:endParaRPr lang="de-DE">
-                <a:latin typeface="Euro Caps" pitchFamily="2" charset="0"/>
-              </a:endParaRPr>
-            </a:p>
-          </p:txBody>
-        </p:sp>
-      </p:grpSp>
-      <p:grpSp>
-        <p:nvGrpSpPr>
-          <p:cNvPr id="168" name="Gruppieren 167">
-            <a:extLst>
-              <a:ext uri="{FF2B5EF4-FFF2-40B4-BE49-F238E27FC236}">
-                <a16:creationId xmlns:a16="http://schemas.microsoft.com/office/drawing/2014/main" id="{80B855C9-501C-407D-8A02-337E21728251}"/>
-              </a:ext>
-            </a:extLst>
-          </p:cNvPr>
-          <p:cNvGrpSpPr>
-            <a:grpSpLocks noChangeAspect="1"/>
-          </p:cNvGrpSpPr>
-          <p:nvPr/>
-        </p:nvGrpSpPr>
-        <p:grpSpPr>
-          <a:xfrm>
-            <a:off x="7958646" y="3859842"/>
-            <a:ext cx="864001" cy="864000"/>
-            <a:chOff x="10375641" y="2459320"/>
-            <a:chExt cx="1219200" cy="1219199"/>
-          </a:xfrm>
-        </p:grpSpPr>
-        <p:grpSp>
-          <p:nvGrpSpPr>
-            <p:cNvPr id="162" name="Gruppieren 161">
-              <a:extLst>
-                <a:ext uri="{FF2B5EF4-FFF2-40B4-BE49-F238E27FC236}">
-                  <a16:creationId xmlns:a16="http://schemas.microsoft.com/office/drawing/2014/main" id="{A54B6C79-53BA-45DB-8AEB-0028082A494E}"/>
-                </a:ext>
-              </a:extLst>
-            </p:cNvPr>
-            <p:cNvGrpSpPr/>
-            <p:nvPr/>
-          </p:nvGrpSpPr>
-          <p:grpSpPr>
-            <a:xfrm>
-              <a:off x="10375641" y="2459320"/>
-              <a:ext cx="1219200" cy="1219199"/>
-              <a:chOff x="1925186" y="900986"/>
-              <a:chExt cx="1219200" cy="1219199"/>
-            </a:xfrm>
-          </p:grpSpPr>
-          <p:sp>
-            <p:nvSpPr>
-              <p:cNvPr id="164" name="Rechteck 163">
-                <a:extLst>
-                  <a:ext uri="{FF2B5EF4-FFF2-40B4-BE49-F238E27FC236}">
-                    <a16:creationId xmlns:a16="http://schemas.microsoft.com/office/drawing/2014/main" id="{C493191C-A24A-4057-8C10-E7A8A46B47EF}"/>
-                  </a:ext>
-                </a:extLst>
-              </p:cNvPr>
-              <p:cNvSpPr/>
-              <p:nvPr/>
-            </p:nvSpPr>
-            <p:spPr>
-              <a:xfrm>
-                <a:off x="1925186" y="900986"/>
-                <a:ext cx="1219200" cy="732552"/>
-              </a:xfrm>
-              <a:prstGeom prst="rect">
-                <a:avLst/>
-              </a:prstGeom>
-              <a:solidFill>
-                <a:srgbClr val="000000"/>
-              </a:solidFill>
-              <a:ln>
-                <a:solidFill>
-                  <a:schemeClr val="tx1"/>
-                </a:solidFill>
-              </a:ln>
-            </p:spPr>
-            <p:style>
-              <a:lnRef idx="2">
-                <a:schemeClr val="accent1">
-                  <a:shade val="50000"/>
-                </a:schemeClr>
-              </a:lnRef>
-              <a:fillRef idx="1">
-                <a:schemeClr val="accent1"/>
-              </a:fillRef>
-              <a:effectRef idx="0">
-                <a:schemeClr val="accent1"/>
-              </a:effectRef>
-              <a:fontRef idx="minor">
-                <a:schemeClr val="lt1"/>
-              </a:fontRef>
-            </p:style>
-            <p:txBody>
-              <a:bodyPr rtlCol="0" anchor="ctr"/>
-              <a:lstStyle/>
-              <a:p>
-                <a:pPr algn="ctr"/>
-                <a:br>
-                  <a:rPr lang="de-DE" dirty="0">
-                    <a:solidFill>
-                      <a:srgbClr val="FF8800"/>
-                    </a:solidFill>
-                    <a:latin typeface="Euro Caps" pitchFamily="2" charset="0"/>
-                  </a:rPr>
-                </a:br>
-                <a:endParaRPr lang="de-DE" dirty="0">
-                  <a:solidFill>
-                    <a:srgbClr val="FF8800"/>
-                  </a:solidFill>
-                  <a:latin typeface="Euro Caps" pitchFamily="2" charset="0"/>
-                </a:endParaRPr>
-              </a:p>
-            </p:txBody>
-          </p:sp>
-          <p:sp>
-            <p:nvSpPr>
-              <p:cNvPr id="165" name="Rechteck 164">
-                <a:extLst>
-                  <a:ext uri="{FF2B5EF4-FFF2-40B4-BE49-F238E27FC236}">
-                    <a16:creationId xmlns:a16="http://schemas.microsoft.com/office/drawing/2014/main" id="{5A68C49C-D316-4333-B18B-E1513FC64085}"/>
-                  </a:ext>
-                </a:extLst>
-              </p:cNvPr>
-              <p:cNvSpPr/>
-              <p:nvPr/>
-            </p:nvSpPr>
-            <p:spPr>
-              <a:xfrm>
-                <a:off x="1925186" y="1633538"/>
-                <a:ext cx="1219200" cy="486647"/>
-              </a:xfrm>
-              <a:prstGeom prst="rect">
-                <a:avLst/>
-              </a:prstGeom>
-              <a:solidFill>
-                <a:srgbClr val="71D6FF"/>
-              </a:solidFill>
-              <a:ln>
-                <a:solidFill>
-                  <a:srgbClr val="71D6FF"/>
-                </a:solidFill>
-              </a:ln>
-            </p:spPr>
-            <p:style>
-              <a:lnRef idx="2">
-                <a:schemeClr val="accent1">
-                  <a:shade val="50000"/>
-                </a:schemeClr>
-              </a:lnRef>
-              <a:fillRef idx="1">
-                <a:schemeClr val="accent1"/>
-              </a:fillRef>
-              <a:effectRef idx="0">
-                <a:schemeClr val="accent1"/>
-              </a:effectRef>
-              <a:fontRef idx="minor">
-                <a:schemeClr val="lt1"/>
-              </a:fontRef>
-            </p:style>
-            <p:txBody>
-              <a:bodyPr rtlCol="0" anchor="ctr"/>
-              <a:lstStyle/>
-              <a:p>
-                <a:pPr algn="ctr"/>
-                <a:r>
-                  <a:rPr lang="de-DE" b="1" dirty="0">
-                    <a:solidFill>
-                      <a:srgbClr val="000000"/>
-                    </a:solidFill>
-                    <a:latin typeface="Euro Caps" pitchFamily="2" charset="0"/>
-                  </a:rPr>
-                  <a:t>Act</a:t>
-                </a:r>
-                <a:endParaRPr lang="en-DE" b="1" dirty="0">
-                  <a:solidFill>
-                    <a:srgbClr val="000000"/>
-                  </a:solidFill>
-                  <a:latin typeface="Euro Caps" pitchFamily="2" charset="0"/>
-                </a:endParaRPr>
-              </a:p>
-            </p:txBody>
-          </p:sp>
-        </p:grpSp>
-        <p:sp>
-          <p:nvSpPr>
-            <p:cNvPr id="167" name="Gleichschenkliges Dreieck 166">
-              <a:extLst>
-                <a:ext uri="{FF2B5EF4-FFF2-40B4-BE49-F238E27FC236}">
-                  <a16:creationId xmlns:a16="http://schemas.microsoft.com/office/drawing/2014/main" id="{5AE17C44-367C-4D84-A518-C8BCF875454C}"/>
-                </a:ext>
-              </a:extLst>
-            </p:cNvPr>
-            <p:cNvSpPr/>
-            <p:nvPr/>
-          </p:nvSpPr>
-          <p:spPr>
-            <a:xfrm rot="10800000">
-              <a:off x="10737980" y="2561626"/>
-              <a:ext cx="494522" cy="527940"/>
-            </a:xfrm>
-            <a:prstGeom prst="triangle">
-              <a:avLst/>
-            </a:prstGeom>
-            <a:solidFill>
-              <a:srgbClr val="71D6FF"/>
-            </a:solidFill>
-            <a:ln>
-              <a:solidFill>
-                <a:srgbClr val="71D6FF"/>
-              </a:solidFill>
-            </a:ln>
           </p:spPr>
           <p:style>
             <a:lnRef idx="2">
@@ -18742,32 +16755,30 @@
       </p:grpSp>
       <p:grpSp>
         <p:nvGrpSpPr>
-          <p:cNvPr id="189" name="Gruppieren 188">
+          <p:cNvPr id="161" name="Gruppieren 160">
             <a:extLst>
               <a:ext uri="{FF2B5EF4-FFF2-40B4-BE49-F238E27FC236}">
-                <a16:creationId xmlns:a16="http://schemas.microsoft.com/office/drawing/2014/main" id="{3CC92E40-1385-4FC5-939F-7E467BD2F499}"/>
+                <a16:creationId xmlns:a16="http://schemas.microsoft.com/office/drawing/2014/main" id="{EE7D0ADD-D2A3-43DD-9A98-1E55E4858A29}"/>
               </a:ext>
             </a:extLst>
           </p:cNvPr>
-          <p:cNvGrpSpPr>
-            <a:grpSpLocks noChangeAspect="1"/>
-          </p:cNvGrpSpPr>
+          <p:cNvGrpSpPr/>
           <p:nvPr/>
         </p:nvGrpSpPr>
         <p:grpSpPr>
           <a:xfrm>
-            <a:off x="905944" y="4970912"/>
+            <a:off x="7799243" y="3871152"/>
             <a:ext cx="864001" cy="864000"/>
-            <a:chOff x="9106020" y="440294"/>
-            <a:chExt cx="1219200" cy="1219199"/>
+            <a:chOff x="8557522" y="810816"/>
+            <a:chExt cx="864001" cy="864000"/>
           </a:xfrm>
         </p:grpSpPr>
         <p:grpSp>
           <p:nvGrpSpPr>
-            <p:cNvPr id="190" name="Gruppieren 189">
+            <p:cNvPr id="163" name="Gruppieren 162">
               <a:extLst>
                 <a:ext uri="{FF2B5EF4-FFF2-40B4-BE49-F238E27FC236}">
-                  <a16:creationId xmlns:a16="http://schemas.microsoft.com/office/drawing/2014/main" id="{4D521101-ED30-4EC6-8ECC-8FF2A20FDD99}"/>
+                  <a16:creationId xmlns:a16="http://schemas.microsoft.com/office/drawing/2014/main" id="{C4B28C8E-6BE0-4E02-B504-35D3B19F4A5E}"/>
                 </a:ext>
               </a:extLst>
             </p:cNvPr>
@@ -18776,18 +16787,18 @@
           </p:nvGrpSpPr>
           <p:grpSpPr>
             <a:xfrm>
-              <a:off x="9106020" y="440294"/>
-              <a:ext cx="1219200" cy="1219199"/>
+              <a:off x="8557522" y="810816"/>
+              <a:ext cx="864001" cy="864000"/>
               <a:chOff x="1925186" y="900986"/>
               <a:chExt cx="1219200" cy="1219199"/>
             </a:xfrm>
           </p:grpSpPr>
           <p:sp>
             <p:nvSpPr>
-              <p:cNvPr id="192" name="Rechteck 191">
+              <p:cNvPr id="169" name="Rechteck 168">
                 <a:extLst>
                   <a:ext uri="{FF2B5EF4-FFF2-40B4-BE49-F238E27FC236}">
-                    <a16:creationId xmlns:a16="http://schemas.microsoft.com/office/drawing/2014/main" id="{80576430-F570-488E-9A08-F9EB8477A949}"/>
+                    <a16:creationId xmlns:a16="http://schemas.microsoft.com/office/drawing/2014/main" id="{4AA498E0-AA74-4CC5-95BC-349743809805}"/>
                   </a:ext>
                 </a:extLst>
               </p:cNvPr>
@@ -18832,6 +16843,14 @@
               <a:lstStyle/>
               <a:p>
                 <a:pPr algn="ctr"/>
+                <a:br>
+                  <a:rPr lang="de-DE" dirty="0">
+                    <a:solidFill>
+                      <a:srgbClr val="FF8800"/>
+                    </a:solidFill>
+                    <a:latin typeface="Euro Caps" pitchFamily="2" charset="0"/>
+                  </a:rPr>
+                </a:br>
                 <a:endParaRPr lang="de-DE" dirty="0">
                   <a:solidFill>
                     <a:srgbClr val="FF8800"/>
@@ -18843,10 +16862,10 @@
           </p:sp>
           <p:sp>
             <p:nvSpPr>
-              <p:cNvPr id="193" name="Rechteck 192">
+              <p:cNvPr id="171" name="Rechteck 170">
                 <a:extLst>
                   <a:ext uri="{FF2B5EF4-FFF2-40B4-BE49-F238E27FC236}">
-                    <a16:creationId xmlns:a16="http://schemas.microsoft.com/office/drawing/2014/main" id="{DCD25E35-5660-4D0B-994F-81C502BFBB5B}"/>
+                    <a16:creationId xmlns:a16="http://schemas.microsoft.com/office/drawing/2014/main" id="{4B503178-6272-410D-85AF-D7A628E50905}"/>
                   </a:ext>
                 </a:extLst>
               </p:cNvPr>
@@ -18862,11 +16881,11 @@
                 <a:avLst/>
               </a:prstGeom>
               <a:solidFill>
-                <a:srgbClr val="804400"/>
+                <a:srgbClr val="71D6FF"/>
               </a:solidFill>
               <a:ln>
                 <a:solidFill>
-                  <a:srgbClr val="804400"/>
+                  <a:srgbClr val="71D6FF"/>
                 </a:solidFill>
               </a:ln>
             </p:spPr>
@@ -18896,15 +16915,15 @@
                     <a:solidFill>
                       <a:srgbClr val="000000"/>
                     </a:solidFill>
-                    <a:latin typeface="Euro Caps" pitchFamily="2" charset="0"/>
+                    <a:latin typeface="Euro Caps"/>
                   </a:rPr>
-                  <a:t>MENU</a:t>
+                  <a:t>Act</a:t>
                 </a:r>
                 <a:endParaRPr lang="en-DE" b="1" dirty="0">
                   <a:solidFill>
                     <a:srgbClr val="000000"/>
                   </a:solidFill>
-                  <a:latin typeface="Euro Caps" pitchFamily="2" charset="0"/>
+                  <a:latin typeface="Euro Caps"/>
                 </a:endParaRPr>
               </a:p>
             </p:txBody>
@@ -18912,10 +16931,10 @@
         </p:grpSp>
         <p:pic>
           <p:nvPicPr>
-            <p:cNvPr id="191" name="Grafik 190">
+            <p:cNvPr id="166" name="Grafik 165">
               <a:extLst>
                 <a:ext uri="{FF2B5EF4-FFF2-40B4-BE49-F238E27FC236}">
-                  <a16:creationId xmlns:a16="http://schemas.microsoft.com/office/drawing/2014/main" id="{B0669F31-00ED-4A3F-9874-A7FBDA39B9B9}"/>
+                  <a16:creationId xmlns:a16="http://schemas.microsoft.com/office/drawing/2014/main" id="{81C57686-BEED-4C60-BEF0-CA483D07C819}"/>
                 </a:ext>
               </a:extLst>
             </p:cNvPr>
@@ -18938,836 +16957,8 @@
           </p:blipFill>
           <p:spPr>
             <a:xfrm>
-              <a:off x="9365072" y="440294"/>
-              <a:ext cx="701095" cy="701095"/>
-            </a:xfrm>
-            <a:prstGeom prst="rect">
-              <a:avLst/>
-            </a:prstGeom>
-          </p:spPr>
-        </p:pic>
-      </p:grpSp>
-      <p:grpSp>
-        <p:nvGrpSpPr>
-          <p:cNvPr id="194" name="Gruppieren 193">
-            <a:extLst>
-              <a:ext uri="{FF2B5EF4-FFF2-40B4-BE49-F238E27FC236}">
-                <a16:creationId xmlns:a16="http://schemas.microsoft.com/office/drawing/2014/main" id="{EC346527-C791-46AA-9DBB-AFC9CDAD735D}"/>
-              </a:ext>
-            </a:extLst>
-          </p:cNvPr>
-          <p:cNvGrpSpPr>
-            <a:grpSpLocks noChangeAspect="1"/>
-          </p:cNvGrpSpPr>
-          <p:nvPr/>
-        </p:nvGrpSpPr>
-        <p:grpSpPr>
-          <a:xfrm>
-            <a:off x="2845327" y="4971370"/>
-            <a:ext cx="864001" cy="864000"/>
-            <a:chOff x="6241437" y="3678709"/>
-            <a:chExt cx="1219200" cy="1219199"/>
-          </a:xfrm>
-        </p:grpSpPr>
-        <p:grpSp>
-          <p:nvGrpSpPr>
-            <p:cNvPr id="195" name="Gruppieren 194">
-              <a:extLst>
-                <a:ext uri="{FF2B5EF4-FFF2-40B4-BE49-F238E27FC236}">
-                  <a16:creationId xmlns:a16="http://schemas.microsoft.com/office/drawing/2014/main" id="{FAB10C18-7A0F-46B0-A100-4D1271D96124}"/>
-                </a:ext>
-              </a:extLst>
-            </p:cNvPr>
-            <p:cNvGrpSpPr/>
-            <p:nvPr/>
-          </p:nvGrpSpPr>
-          <p:grpSpPr>
-            <a:xfrm>
-              <a:off x="6241437" y="3678709"/>
-              <a:ext cx="1219200" cy="1219199"/>
-              <a:chOff x="1925186" y="900986"/>
-              <a:chExt cx="1219200" cy="1219199"/>
-            </a:xfrm>
-          </p:grpSpPr>
-          <p:sp>
-            <p:nvSpPr>
-              <p:cNvPr id="197" name="Rechteck 196">
-                <a:extLst>
-                  <a:ext uri="{FF2B5EF4-FFF2-40B4-BE49-F238E27FC236}">
-                    <a16:creationId xmlns:a16="http://schemas.microsoft.com/office/drawing/2014/main" id="{455ED422-7B76-42B7-B53A-287C981C1570}"/>
-                  </a:ext>
-                </a:extLst>
-              </p:cNvPr>
-              <p:cNvSpPr/>
-              <p:nvPr/>
-            </p:nvSpPr>
-            <p:spPr>
-              <a:xfrm>
-                <a:off x="1925186" y="900986"/>
-                <a:ext cx="1219200" cy="732552"/>
-              </a:xfrm>
-              <a:prstGeom prst="rect">
-                <a:avLst/>
-              </a:prstGeom>
-              <a:solidFill>
-                <a:srgbClr val="FF8800"/>
-              </a:solidFill>
-              <a:ln>
-                <a:solidFill>
-                  <a:srgbClr val="FF8800"/>
-                </a:solidFill>
-              </a:ln>
-            </p:spPr>
-            <p:style>
-              <a:lnRef idx="2">
-                <a:schemeClr val="accent1">
-                  <a:shade val="50000"/>
-                </a:schemeClr>
-              </a:lnRef>
-              <a:fillRef idx="1">
-                <a:schemeClr val="accent1"/>
-              </a:fillRef>
-              <a:effectRef idx="0">
-                <a:schemeClr val="accent1"/>
-              </a:effectRef>
-              <a:fontRef idx="minor">
-                <a:schemeClr val="lt1"/>
-              </a:fontRef>
-            </p:style>
-            <p:txBody>
-              <a:bodyPr rtlCol="0" anchor="ctr"/>
-              <a:lstStyle/>
-              <a:p>
-                <a:pPr algn="ctr"/>
-                <a:endParaRPr lang="de-DE" dirty="0">
-                  <a:solidFill>
-                    <a:schemeClr val="tx1"/>
-                  </a:solidFill>
-                  <a:latin typeface="Euro Caps" pitchFamily="2" charset="0"/>
-                </a:endParaRPr>
-              </a:p>
-            </p:txBody>
-          </p:sp>
-          <p:sp>
-            <p:nvSpPr>
-              <p:cNvPr id="198" name="Rechteck 197">
-                <a:extLst>
-                  <a:ext uri="{FF2B5EF4-FFF2-40B4-BE49-F238E27FC236}">
-                    <a16:creationId xmlns:a16="http://schemas.microsoft.com/office/drawing/2014/main" id="{A38DCDD7-4472-4FA7-ADD8-8B719153772A}"/>
-                  </a:ext>
-                </a:extLst>
-              </p:cNvPr>
-              <p:cNvSpPr/>
-              <p:nvPr/>
-            </p:nvSpPr>
-            <p:spPr>
-              <a:xfrm>
-                <a:off x="1925186" y="1633538"/>
-                <a:ext cx="1219200" cy="486647"/>
-              </a:xfrm>
-              <a:prstGeom prst="rect">
-                <a:avLst/>
-              </a:prstGeom>
-              <a:solidFill>
-                <a:schemeClr val="tx1"/>
-              </a:solidFill>
-              <a:ln>
-                <a:solidFill>
-                  <a:schemeClr val="tx1"/>
-                </a:solidFill>
-              </a:ln>
-            </p:spPr>
-            <p:style>
-              <a:lnRef idx="2">
-                <a:schemeClr val="accent1">
-                  <a:shade val="50000"/>
-                </a:schemeClr>
-              </a:lnRef>
-              <a:fillRef idx="1">
-                <a:schemeClr val="accent1"/>
-              </a:fillRef>
-              <a:effectRef idx="0">
-                <a:schemeClr val="accent1"/>
-              </a:effectRef>
-              <a:fontRef idx="minor">
-                <a:schemeClr val="lt1"/>
-              </a:fontRef>
-            </p:style>
-            <p:txBody>
-              <a:bodyPr rtlCol="0" anchor="ctr"/>
-              <a:lstStyle/>
-              <a:p>
-                <a:pPr algn="ctr"/>
-                <a:r>
-                  <a:rPr lang="de-DE" b="1" dirty="0">
-                    <a:solidFill>
-                      <a:srgbClr val="FF8800"/>
-                    </a:solidFill>
-                    <a:latin typeface="Euro Caps" pitchFamily="2" charset="0"/>
-                  </a:rPr>
-                  <a:t>GAL</a:t>
-                </a:r>
-                <a:endParaRPr lang="en-DE" b="1" dirty="0">
-                  <a:solidFill>
-                    <a:srgbClr val="FF8800"/>
-                  </a:solidFill>
-                  <a:latin typeface="Euro Caps" pitchFamily="2" charset="0"/>
-                </a:endParaRPr>
-              </a:p>
-            </p:txBody>
-          </p:sp>
-        </p:grpSp>
-        <p:pic>
-          <p:nvPicPr>
-            <p:cNvPr id="196" name="Grafik 195">
-              <a:extLst>
-                <a:ext uri="{FF2B5EF4-FFF2-40B4-BE49-F238E27FC236}">
-                  <a16:creationId xmlns:a16="http://schemas.microsoft.com/office/drawing/2014/main" id="{5706745B-70F1-4038-9EDE-6BFA0A0AE49F}"/>
-                </a:ext>
-              </a:extLst>
-            </p:cNvPr>
-            <p:cNvPicPr>
-              <a:picLocks noChangeAspect="1"/>
-            </p:cNvPicPr>
-            <p:nvPr/>
-          </p:nvPicPr>
-          <p:blipFill>
-            <a:blip r:embed="rId7">
-              <a:extLst>
-                <a:ext uri="{28A0092B-C50C-407E-A947-70E740481C1C}">
-                  <a14:useLocalDpi xmlns:a14="http://schemas.microsoft.com/office/drawing/2010/main" val="0"/>
-                </a:ext>
-              </a:extLst>
-            </a:blip>
-            <a:stretch>
-              <a:fillRect/>
-            </a:stretch>
-          </p:blipFill>
-          <p:spPr>
-            <a:xfrm>
-              <a:off x="6533576" y="3760531"/>
-              <a:ext cx="572541" cy="558800"/>
-            </a:xfrm>
-            <a:prstGeom prst="rect">
-              <a:avLst/>
-            </a:prstGeom>
-          </p:spPr>
-        </p:pic>
-      </p:grpSp>
-      <p:grpSp>
-        <p:nvGrpSpPr>
-          <p:cNvPr id="199" name="Gruppieren 198">
-            <a:extLst>
-              <a:ext uri="{FF2B5EF4-FFF2-40B4-BE49-F238E27FC236}">
-                <a16:creationId xmlns:a16="http://schemas.microsoft.com/office/drawing/2014/main" id="{CFC56E0C-AB0F-47F9-8DE3-04A4795B105D}"/>
-              </a:ext>
-            </a:extLst>
-          </p:cNvPr>
-          <p:cNvGrpSpPr>
-            <a:grpSpLocks noChangeAspect="1"/>
-          </p:cNvGrpSpPr>
-          <p:nvPr/>
-        </p:nvGrpSpPr>
-        <p:grpSpPr>
-          <a:xfrm>
-            <a:off x="1877812" y="4970912"/>
-            <a:ext cx="864001" cy="864000"/>
-            <a:chOff x="4876800" y="3699028"/>
-            <a:chExt cx="1219200" cy="1219199"/>
-          </a:xfrm>
-        </p:grpSpPr>
-        <p:grpSp>
-          <p:nvGrpSpPr>
-            <p:cNvPr id="200" name="Gruppieren 199">
-              <a:extLst>
-                <a:ext uri="{FF2B5EF4-FFF2-40B4-BE49-F238E27FC236}">
-                  <a16:creationId xmlns:a16="http://schemas.microsoft.com/office/drawing/2014/main" id="{836E9B7B-177A-4742-8281-55878E3BB4F8}"/>
-                </a:ext>
-              </a:extLst>
-            </p:cNvPr>
-            <p:cNvGrpSpPr/>
-            <p:nvPr/>
-          </p:nvGrpSpPr>
-          <p:grpSpPr>
-            <a:xfrm>
-              <a:off x="4876800" y="3699028"/>
-              <a:ext cx="1219200" cy="1219199"/>
-              <a:chOff x="1925186" y="900986"/>
-              <a:chExt cx="1219200" cy="1219199"/>
-            </a:xfrm>
-          </p:grpSpPr>
-          <p:sp>
-            <p:nvSpPr>
-              <p:cNvPr id="202" name="Rechteck 201">
-                <a:extLst>
-                  <a:ext uri="{FF2B5EF4-FFF2-40B4-BE49-F238E27FC236}">
-                    <a16:creationId xmlns:a16="http://schemas.microsoft.com/office/drawing/2014/main" id="{36B60007-6747-4D9C-B297-22DEF0E8E94D}"/>
-                  </a:ext>
-                </a:extLst>
-              </p:cNvPr>
-              <p:cNvSpPr/>
-              <p:nvPr/>
-            </p:nvSpPr>
-            <p:spPr>
-              <a:xfrm>
-                <a:off x="1925186" y="900986"/>
-                <a:ext cx="1219200" cy="732552"/>
-              </a:xfrm>
-              <a:prstGeom prst="rect">
-                <a:avLst/>
-              </a:prstGeom>
-              <a:solidFill>
-                <a:srgbClr val="000000"/>
-              </a:solidFill>
-              <a:ln>
-                <a:solidFill>
-                  <a:schemeClr val="tx1"/>
-                </a:solidFill>
-              </a:ln>
-            </p:spPr>
-            <p:style>
-              <a:lnRef idx="2">
-                <a:schemeClr val="accent1">
-                  <a:shade val="50000"/>
-                </a:schemeClr>
-              </a:lnRef>
-              <a:fillRef idx="1">
-                <a:schemeClr val="accent1"/>
-              </a:fillRef>
-              <a:effectRef idx="0">
-                <a:schemeClr val="accent1"/>
-              </a:effectRef>
-              <a:fontRef idx="minor">
-                <a:schemeClr val="lt1"/>
-              </a:fontRef>
-            </p:style>
-            <p:txBody>
-              <a:bodyPr rtlCol="0" anchor="ctr"/>
-              <a:lstStyle/>
-              <a:p>
-                <a:pPr algn="ctr"/>
-                <a:endParaRPr lang="de-DE" dirty="0">
-                  <a:solidFill>
-                    <a:srgbClr val="FF8800"/>
-                  </a:solidFill>
-                  <a:latin typeface="Euro Caps" pitchFamily="2" charset="0"/>
-                </a:endParaRPr>
-              </a:p>
-            </p:txBody>
-          </p:sp>
-          <p:sp>
-            <p:nvSpPr>
-              <p:cNvPr id="203" name="Rechteck 202">
-                <a:extLst>
-                  <a:ext uri="{FF2B5EF4-FFF2-40B4-BE49-F238E27FC236}">
-                    <a16:creationId xmlns:a16="http://schemas.microsoft.com/office/drawing/2014/main" id="{0355EA20-C737-448A-BF46-0C3289E57013}"/>
-                  </a:ext>
-                </a:extLst>
-              </p:cNvPr>
-              <p:cNvSpPr/>
-              <p:nvPr/>
-            </p:nvSpPr>
-            <p:spPr>
-              <a:xfrm>
-                <a:off x="1925186" y="1633538"/>
-                <a:ext cx="1219200" cy="486647"/>
-              </a:xfrm>
-              <a:prstGeom prst="rect">
-                <a:avLst/>
-              </a:prstGeom>
-              <a:solidFill>
-                <a:srgbClr val="804400"/>
-              </a:solidFill>
-              <a:ln>
-                <a:solidFill>
-                  <a:srgbClr val="804400"/>
-                </a:solidFill>
-              </a:ln>
-            </p:spPr>
-            <p:style>
-              <a:lnRef idx="2">
-                <a:schemeClr val="accent1">
-                  <a:shade val="50000"/>
-                </a:schemeClr>
-              </a:lnRef>
-              <a:fillRef idx="1">
-                <a:schemeClr val="accent1"/>
-              </a:fillRef>
-              <a:effectRef idx="0">
-                <a:schemeClr val="accent1"/>
-              </a:effectRef>
-              <a:fontRef idx="minor">
-                <a:schemeClr val="lt1"/>
-              </a:fontRef>
-            </p:style>
-            <p:txBody>
-              <a:bodyPr rtlCol="0" anchor="ctr"/>
-              <a:lstStyle/>
-              <a:p>
-                <a:pPr algn="ctr"/>
-                <a:r>
-                  <a:rPr lang="de-DE" b="1" dirty="0">
-                    <a:solidFill>
-                      <a:srgbClr val="000000"/>
-                    </a:solidFill>
-                    <a:latin typeface="Euro Caps" pitchFamily="2" charset="0"/>
-                  </a:rPr>
-                  <a:t>GAL</a:t>
-                </a:r>
-                <a:endParaRPr lang="en-DE" b="1" dirty="0">
-                  <a:solidFill>
-                    <a:srgbClr val="000000"/>
-                  </a:solidFill>
-                  <a:latin typeface="Euro Caps" pitchFamily="2" charset="0"/>
-                </a:endParaRPr>
-              </a:p>
-            </p:txBody>
-          </p:sp>
-        </p:grpSp>
-        <p:pic>
-          <p:nvPicPr>
-            <p:cNvPr id="201" name="Grafik 200">
-              <a:extLst>
-                <a:ext uri="{FF2B5EF4-FFF2-40B4-BE49-F238E27FC236}">
-                  <a16:creationId xmlns:a16="http://schemas.microsoft.com/office/drawing/2014/main" id="{65584A09-F6BB-4EA3-AFA0-A47B6DC84A43}"/>
-                </a:ext>
-              </a:extLst>
-            </p:cNvPr>
-            <p:cNvPicPr>
-              <a:picLocks noChangeAspect="1"/>
-            </p:cNvPicPr>
-            <p:nvPr/>
-          </p:nvPicPr>
-          <p:blipFill>
-            <a:blip r:embed="rId8">
-              <a:extLst>
-                <a:ext uri="{28A0092B-C50C-407E-A947-70E740481C1C}">
-                  <a14:useLocalDpi xmlns:a14="http://schemas.microsoft.com/office/drawing/2010/main" val="0"/>
-                </a:ext>
-              </a:extLst>
-            </a:blip>
-            <a:stretch>
-              <a:fillRect/>
-            </a:stretch>
-          </p:blipFill>
-          <p:spPr>
-            <a:xfrm>
-              <a:off x="5263053" y="3786956"/>
-              <a:ext cx="572541" cy="558800"/>
-            </a:xfrm>
-            <a:prstGeom prst="rect">
-              <a:avLst/>
-            </a:prstGeom>
-          </p:spPr>
-        </p:pic>
-      </p:grpSp>
-      <p:grpSp>
-        <p:nvGrpSpPr>
-          <p:cNvPr id="204" name="Gruppieren 203">
-            <a:extLst>
-              <a:ext uri="{FF2B5EF4-FFF2-40B4-BE49-F238E27FC236}">
-                <a16:creationId xmlns:a16="http://schemas.microsoft.com/office/drawing/2014/main" id="{1A22CB91-FB40-483C-8BDE-4E316329A3BF}"/>
-              </a:ext>
-            </a:extLst>
-          </p:cNvPr>
-          <p:cNvGrpSpPr>
-            <a:grpSpLocks noChangeAspect="1"/>
-          </p:cNvGrpSpPr>
-          <p:nvPr/>
-        </p:nvGrpSpPr>
-        <p:grpSpPr>
-          <a:xfrm>
-            <a:off x="4749912" y="4889692"/>
-            <a:ext cx="864000" cy="945677"/>
-            <a:chOff x="9591127" y="4812019"/>
-            <a:chExt cx="1219200" cy="1290322"/>
-          </a:xfrm>
-        </p:grpSpPr>
-        <p:grpSp>
-          <p:nvGrpSpPr>
-            <p:cNvPr id="205" name="Gruppieren 204">
-              <a:extLst>
-                <a:ext uri="{FF2B5EF4-FFF2-40B4-BE49-F238E27FC236}">
-                  <a16:creationId xmlns:a16="http://schemas.microsoft.com/office/drawing/2014/main" id="{924B1464-F90B-457F-BBD5-4D53043F202E}"/>
-                </a:ext>
-              </a:extLst>
-            </p:cNvPr>
-            <p:cNvGrpSpPr/>
-            <p:nvPr/>
-          </p:nvGrpSpPr>
-          <p:grpSpPr>
-            <a:xfrm>
-              <a:off x="9591127" y="4883142"/>
-              <a:ext cx="1219200" cy="1219199"/>
-              <a:chOff x="1925186" y="900986"/>
-              <a:chExt cx="1219200" cy="1219199"/>
-            </a:xfrm>
-          </p:grpSpPr>
-          <p:sp>
-            <p:nvSpPr>
-              <p:cNvPr id="207" name="Rechteck 206">
-                <a:extLst>
-                  <a:ext uri="{FF2B5EF4-FFF2-40B4-BE49-F238E27FC236}">
-                    <a16:creationId xmlns:a16="http://schemas.microsoft.com/office/drawing/2014/main" id="{36F1B5A4-DCFF-4EF9-80DF-E11427BAD046}"/>
-                  </a:ext>
-                </a:extLst>
-              </p:cNvPr>
-              <p:cNvSpPr/>
-              <p:nvPr/>
-            </p:nvSpPr>
-            <p:spPr>
-              <a:xfrm>
-                <a:off x="1925186" y="900986"/>
-                <a:ext cx="1219200" cy="732552"/>
-              </a:xfrm>
-              <a:prstGeom prst="rect">
-                <a:avLst/>
-              </a:prstGeom>
-              <a:solidFill>
-                <a:srgbClr val="FF8800"/>
-              </a:solidFill>
-              <a:ln>
-                <a:solidFill>
-                  <a:srgbClr val="FF8800"/>
-                </a:solidFill>
-              </a:ln>
-            </p:spPr>
-            <p:style>
-              <a:lnRef idx="2">
-                <a:schemeClr val="accent1">
-                  <a:shade val="50000"/>
-                </a:schemeClr>
-              </a:lnRef>
-              <a:fillRef idx="1">
-                <a:schemeClr val="accent1"/>
-              </a:fillRef>
-              <a:effectRef idx="0">
-                <a:schemeClr val="accent1"/>
-              </a:effectRef>
-              <a:fontRef idx="minor">
-                <a:schemeClr val="lt1"/>
-              </a:fontRef>
-            </p:style>
-            <p:txBody>
-              <a:bodyPr rtlCol="0" anchor="ctr"/>
-              <a:lstStyle/>
-              <a:p>
-                <a:pPr algn="ctr"/>
-                <a:endParaRPr lang="de-DE" dirty="0">
-                  <a:solidFill>
-                    <a:schemeClr val="tx1"/>
-                  </a:solidFill>
-                  <a:latin typeface="Euro Caps" pitchFamily="2" charset="0"/>
-                </a:endParaRPr>
-              </a:p>
-            </p:txBody>
-          </p:sp>
-          <p:sp>
-            <p:nvSpPr>
-              <p:cNvPr id="208" name="Rechteck 207">
-                <a:extLst>
-                  <a:ext uri="{FF2B5EF4-FFF2-40B4-BE49-F238E27FC236}">
-                    <a16:creationId xmlns:a16="http://schemas.microsoft.com/office/drawing/2014/main" id="{AADD25EF-9ABE-494C-BAB4-A1D5C3495C1E}"/>
-                  </a:ext>
-                </a:extLst>
-              </p:cNvPr>
-              <p:cNvSpPr/>
-              <p:nvPr/>
-            </p:nvSpPr>
-            <p:spPr>
-              <a:xfrm>
-                <a:off x="1925186" y="1633538"/>
-                <a:ext cx="1219200" cy="486647"/>
-              </a:xfrm>
-              <a:prstGeom prst="rect">
-                <a:avLst/>
-              </a:prstGeom>
-              <a:solidFill>
-                <a:schemeClr val="tx1"/>
-              </a:solidFill>
-              <a:ln>
-                <a:solidFill>
-                  <a:schemeClr val="tx1"/>
-                </a:solidFill>
-              </a:ln>
-            </p:spPr>
-            <p:style>
-              <a:lnRef idx="2">
-                <a:schemeClr val="accent1">
-                  <a:shade val="50000"/>
-                </a:schemeClr>
-              </a:lnRef>
-              <a:fillRef idx="1">
-                <a:schemeClr val="accent1"/>
-              </a:fillRef>
-              <a:effectRef idx="0">
-                <a:schemeClr val="accent1"/>
-              </a:effectRef>
-              <a:fontRef idx="minor">
-                <a:schemeClr val="lt1"/>
-              </a:fontRef>
-            </p:style>
-            <p:txBody>
-              <a:bodyPr rtlCol="0" anchor="ctr"/>
-              <a:lstStyle/>
-              <a:p>
-                <a:pPr algn="ctr"/>
-                <a:r>
-                  <a:rPr lang="de-DE" b="1" dirty="0" err="1">
-                    <a:solidFill>
-                      <a:srgbClr val="FF8800"/>
-                    </a:solidFill>
-                    <a:latin typeface="Euro Caps" pitchFamily="2" charset="0"/>
-                  </a:rPr>
-                  <a:t>Sys</a:t>
-                </a:r>
-                <a:endParaRPr lang="en-DE" b="1" dirty="0">
-                  <a:solidFill>
-                    <a:srgbClr val="FF8800"/>
-                  </a:solidFill>
-                  <a:latin typeface="Euro Caps" pitchFamily="2" charset="0"/>
-                </a:endParaRPr>
-              </a:p>
-            </p:txBody>
-          </p:sp>
-        </p:grpSp>
-        <p:pic>
-          <p:nvPicPr>
-            <p:cNvPr id="206" name="Grafik 205">
-              <a:extLst>
-                <a:ext uri="{FF2B5EF4-FFF2-40B4-BE49-F238E27FC236}">
-                  <a16:creationId xmlns:a16="http://schemas.microsoft.com/office/drawing/2014/main" id="{FAB38C86-E5CE-4054-8C00-CDC4A09205EB}"/>
-                </a:ext>
-              </a:extLst>
-            </p:cNvPr>
-            <p:cNvPicPr>
-              <a:picLocks noChangeAspect="1"/>
-            </p:cNvPicPr>
-            <p:nvPr/>
-          </p:nvPicPr>
-          <p:blipFill>
-            <a:blip r:embed="rId9">
-              <a:extLst>
-                <a:ext uri="{28A0092B-C50C-407E-A947-70E740481C1C}">
-                  <a14:useLocalDpi xmlns:a14="http://schemas.microsoft.com/office/drawing/2010/main" val="0"/>
-                </a:ext>
-              </a:extLst>
-            </a:blip>
-            <a:stretch>
-              <a:fillRect/>
-            </a:stretch>
-          </p:blipFill>
-          <p:spPr>
-            <a:xfrm>
-              <a:off x="9713107" y="4812019"/>
-              <a:ext cx="975238" cy="975238"/>
-            </a:xfrm>
-            <a:prstGeom prst="rect">
-              <a:avLst/>
-            </a:prstGeom>
-          </p:spPr>
-        </p:pic>
-      </p:grpSp>
-      <p:grpSp>
-        <p:nvGrpSpPr>
-          <p:cNvPr id="209" name="Gruppieren 208">
-            <a:extLst>
-              <a:ext uri="{FF2B5EF4-FFF2-40B4-BE49-F238E27FC236}">
-                <a16:creationId xmlns:a16="http://schemas.microsoft.com/office/drawing/2014/main" id="{B750DCB2-7F8F-4165-A28C-7BD5C5609FD6}"/>
-              </a:ext>
-            </a:extLst>
-          </p:cNvPr>
-          <p:cNvGrpSpPr>
-            <a:grpSpLocks/>
-          </p:cNvGrpSpPr>
-          <p:nvPr/>
-        </p:nvGrpSpPr>
-        <p:grpSpPr>
-          <a:xfrm>
-            <a:off x="3797609" y="4889692"/>
-            <a:ext cx="864000" cy="945677"/>
-            <a:chOff x="8229052" y="4812019"/>
-            <a:chExt cx="1219200" cy="1305088"/>
-          </a:xfrm>
-        </p:grpSpPr>
-        <p:grpSp>
-          <p:nvGrpSpPr>
-            <p:cNvPr id="210" name="Gruppieren 209">
-              <a:extLst>
-                <a:ext uri="{FF2B5EF4-FFF2-40B4-BE49-F238E27FC236}">
-                  <a16:creationId xmlns:a16="http://schemas.microsoft.com/office/drawing/2014/main" id="{E7416623-01F6-423C-B3F6-3662C3791096}"/>
-                </a:ext>
-              </a:extLst>
-            </p:cNvPr>
-            <p:cNvGrpSpPr/>
-            <p:nvPr/>
-          </p:nvGrpSpPr>
-          <p:grpSpPr>
-            <a:xfrm>
-              <a:off x="8229052" y="4897908"/>
-              <a:ext cx="1219200" cy="1219199"/>
-              <a:chOff x="1925186" y="900986"/>
-              <a:chExt cx="1219200" cy="1219199"/>
-            </a:xfrm>
-          </p:grpSpPr>
-          <p:sp>
-            <p:nvSpPr>
-              <p:cNvPr id="212" name="Rechteck 211">
-                <a:extLst>
-                  <a:ext uri="{FF2B5EF4-FFF2-40B4-BE49-F238E27FC236}">
-                    <a16:creationId xmlns:a16="http://schemas.microsoft.com/office/drawing/2014/main" id="{D7C6E56E-B198-4306-97A0-3FE34E0668C8}"/>
-                  </a:ext>
-                </a:extLst>
-              </p:cNvPr>
-              <p:cNvSpPr/>
-              <p:nvPr/>
-            </p:nvSpPr>
-            <p:spPr>
-              <a:xfrm>
-                <a:off x="1925186" y="900986"/>
-                <a:ext cx="1219200" cy="732552"/>
-              </a:xfrm>
-              <a:prstGeom prst="rect">
-                <a:avLst/>
-              </a:prstGeom>
-              <a:solidFill>
-                <a:srgbClr val="000000"/>
-              </a:solidFill>
-              <a:ln>
-                <a:solidFill>
-                  <a:schemeClr val="tx1"/>
-                </a:solidFill>
-              </a:ln>
-            </p:spPr>
-            <p:style>
-              <a:lnRef idx="2">
-                <a:schemeClr val="accent1">
-                  <a:shade val="50000"/>
-                </a:schemeClr>
-              </a:lnRef>
-              <a:fillRef idx="1">
-                <a:schemeClr val="accent1"/>
-              </a:fillRef>
-              <a:effectRef idx="0">
-                <a:schemeClr val="accent1"/>
-              </a:effectRef>
-              <a:fontRef idx="minor">
-                <a:schemeClr val="lt1"/>
-              </a:fontRef>
-            </p:style>
-            <p:txBody>
-              <a:bodyPr rtlCol="0" anchor="ctr"/>
-              <a:lstStyle/>
-              <a:p>
-                <a:pPr algn="ctr"/>
-                <a:endParaRPr lang="de-DE" dirty="0">
-                  <a:solidFill>
-                    <a:srgbClr val="FF8800"/>
-                  </a:solidFill>
-                  <a:latin typeface="Euro Caps" pitchFamily="2" charset="0"/>
-                </a:endParaRPr>
-              </a:p>
-            </p:txBody>
-          </p:sp>
-          <p:sp>
-            <p:nvSpPr>
-              <p:cNvPr id="213" name="Rechteck 212">
-                <a:extLst>
-                  <a:ext uri="{FF2B5EF4-FFF2-40B4-BE49-F238E27FC236}">
-                    <a16:creationId xmlns:a16="http://schemas.microsoft.com/office/drawing/2014/main" id="{5229DB79-AC37-4AED-BAC6-73B08316774D}"/>
-                  </a:ext>
-                </a:extLst>
-              </p:cNvPr>
-              <p:cNvSpPr/>
-              <p:nvPr/>
-            </p:nvSpPr>
-            <p:spPr>
-              <a:xfrm>
-                <a:off x="1925186" y="1633538"/>
-                <a:ext cx="1219200" cy="486647"/>
-              </a:xfrm>
-              <a:prstGeom prst="rect">
-                <a:avLst/>
-              </a:prstGeom>
-              <a:solidFill>
-                <a:srgbClr val="804400"/>
-              </a:solidFill>
-              <a:ln>
-                <a:solidFill>
-                  <a:srgbClr val="804400"/>
-                </a:solidFill>
-              </a:ln>
-            </p:spPr>
-            <p:style>
-              <a:lnRef idx="2">
-                <a:schemeClr val="accent1">
-                  <a:shade val="50000"/>
-                </a:schemeClr>
-              </a:lnRef>
-              <a:fillRef idx="1">
-                <a:schemeClr val="accent1"/>
-              </a:fillRef>
-              <a:effectRef idx="0">
-                <a:schemeClr val="accent1"/>
-              </a:effectRef>
-              <a:fontRef idx="minor">
-                <a:schemeClr val="lt1"/>
-              </a:fontRef>
-            </p:style>
-            <p:txBody>
-              <a:bodyPr rtlCol="0" anchor="ctr"/>
-              <a:lstStyle/>
-              <a:p>
-                <a:pPr algn="ctr"/>
-                <a:r>
-                  <a:rPr lang="de-DE" b="1" dirty="0">
-                    <a:solidFill>
-                      <a:srgbClr val="000000"/>
-                    </a:solidFill>
-                    <a:latin typeface="Euro Caps" pitchFamily="2" charset="0"/>
-                  </a:rPr>
-                  <a:t>SYS</a:t>
-                </a:r>
-                <a:endParaRPr lang="en-DE" b="1" dirty="0">
-                  <a:solidFill>
-                    <a:srgbClr val="000000"/>
-                  </a:solidFill>
-                  <a:latin typeface="Euro Caps" pitchFamily="2" charset="0"/>
-                </a:endParaRPr>
-              </a:p>
-            </p:txBody>
-          </p:sp>
-        </p:grpSp>
-        <p:pic>
-          <p:nvPicPr>
-            <p:cNvPr id="211" name="Grafik 210">
-              <a:extLst>
-                <a:ext uri="{FF2B5EF4-FFF2-40B4-BE49-F238E27FC236}">
-                  <a16:creationId xmlns:a16="http://schemas.microsoft.com/office/drawing/2014/main" id="{F39B32D2-82F0-4067-B149-B1161B36910F}"/>
-                </a:ext>
-              </a:extLst>
-            </p:cNvPr>
-            <p:cNvPicPr>
-              <a:picLocks noChangeAspect="1"/>
-            </p:cNvPicPr>
-            <p:nvPr/>
-          </p:nvPicPr>
-          <p:blipFill>
-            <a:blip r:embed="rId10">
-              <a:extLst>
-                <a:ext uri="{28A0092B-C50C-407E-A947-70E740481C1C}">
-                  <a14:useLocalDpi xmlns:a14="http://schemas.microsoft.com/office/drawing/2010/main" val="0"/>
-                </a:ext>
-              </a:extLst>
-            </a:blip>
-            <a:stretch>
-              <a:fillRect/>
-            </a:stretch>
-          </p:blipFill>
-          <p:spPr>
-            <a:xfrm>
-              <a:off x="8348470" y="4812019"/>
-              <a:ext cx="975238" cy="975238"/>
+              <a:off x="8868288" y="859696"/>
+              <a:ext cx="242467" cy="410767"/>
             </a:xfrm>
             <a:prstGeom prst="rect">
               <a:avLst/>
@@ -19788,7 +16979,7 @@
 </p:sld>
 </file>
 
-<file path=ppt/slides/slide5.xml><?xml version="1.0" encoding="utf-8"?>
+<file path=ppt/slides/slide4.xml><?xml version="1.0" encoding="utf-8"?>
 <p:sld xmlns:a="http://schemas.openxmlformats.org/drawingml/2006/main" xmlns:r="http://schemas.openxmlformats.org/officeDocument/2006/relationships" xmlns:p="http://schemas.openxmlformats.org/presentationml/2006/main">
   <p:cSld>
     <p:spTree>
@@ -23682,7 +20873,7 @@
 </p:sld>
 </file>
 
-<file path=ppt/slides/slide6.xml><?xml version="1.0" encoding="utf-8"?>
+<file path=ppt/slides/slide5.xml><?xml version="1.0" encoding="utf-8"?>
 <p:sld xmlns:a="http://schemas.openxmlformats.org/drawingml/2006/main" xmlns:r="http://schemas.openxmlformats.org/officeDocument/2006/relationships" xmlns:p="http://schemas.openxmlformats.org/presentationml/2006/main">
   <p:cSld>
     <p:spTree>
@@ -27524,7 +24715,7 @@
 </p:sld>
 </file>
 
-<file path=ppt/slides/slide7.xml><?xml version="1.0" encoding="utf-8"?>
+<file path=ppt/slides/slide6.xml><?xml version="1.0" encoding="utf-8"?>
 <p:sld xmlns:a="http://schemas.openxmlformats.org/drawingml/2006/main" xmlns:r="http://schemas.openxmlformats.org/officeDocument/2006/relationships" xmlns:p="http://schemas.openxmlformats.org/presentationml/2006/main">
   <p:cSld>
     <p:spTree>
@@ -30044,7 +27235,7 @@
 </p:sld>
 </file>
 
-<file path=ppt/slides/slide8.xml><?xml version="1.0" encoding="utf-8"?>
+<file path=ppt/slides/slide7.xml><?xml version="1.0" encoding="utf-8"?>
 <p:sld xmlns:a="http://schemas.openxmlformats.org/drawingml/2006/main" xmlns:r="http://schemas.openxmlformats.org/officeDocument/2006/relationships" xmlns:p="http://schemas.openxmlformats.org/presentationml/2006/main">
   <p:cSld>
     <p:spTree>
@@ -33964,7 +31155,7 @@
 </p:sld>
 </file>
 
-<file path=ppt/slides/slide9.xml><?xml version="1.0" encoding="utf-8"?>
+<file path=ppt/slides/slide8.xml><?xml version="1.0" encoding="utf-8"?>
 <p:sld xmlns:a="http://schemas.openxmlformats.org/drawingml/2006/main" xmlns:r="http://schemas.openxmlformats.org/officeDocument/2006/relationships" xmlns:p="http://schemas.openxmlformats.org/presentationml/2006/main">
   <p:cSld>
     <p:spTree>

--- a/EDSI-Template.pptx
+++ b/EDSI-Template.pptx
@@ -7,12 +7,13 @@
   <p:sldIdLst>
     <p:sldId id="256" r:id="rId2"/>
     <p:sldId id="257" r:id="rId3"/>
-    <p:sldId id="259" r:id="rId4"/>
-    <p:sldId id="263" r:id="rId5"/>
-    <p:sldId id="264" r:id="rId6"/>
-    <p:sldId id="262" r:id="rId7"/>
-    <p:sldId id="261" r:id="rId8"/>
-    <p:sldId id="260" r:id="rId9"/>
+    <p:sldId id="265" r:id="rId4"/>
+    <p:sldId id="259" r:id="rId5"/>
+    <p:sldId id="263" r:id="rId6"/>
+    <p:sldId id="264" r:id="rId7"/>
+    <p:sldId id="262" r:id="rId8"/>
+    <p:sldId id="261" r:id="rId9"/>
+    <p:sldId id="260" r:id="rId10"/>
   </p:sldIdLst>
   <p:sldSz cx="12192000" cy="6858000"/>
   <p:notesSz cx="6858000" cy="9144000"/>
@@ -268,7 +269,7 @@
           <a:p>
             <a:fld id="{41926A8E-B695-4DD9-BDA6-AB6F2D592177}" type="datetimeFigureOut">
               <a:rPr lang="en-DE" smtClean="0"/>
-              <a:t>09/07/2020</a:t>
+              <a:t>09/10/2020</a:t>
             </a:fld>
             <a:endParaRPr lang="en-DE"/>
           </a:p>
@@ -468,7 +469,7 @@
           <a:p>
             <a:fld id="{41926A8E-B695-4DD9-BDA6-AB6F2D592177}" type="datetimeFigureOut">
               <a:rPr lang="en-DE" smtClean="0"/>
-              <a:t>09/07/2020</a:t>
+              <a:t>09/10/2020</a:t>
             </a:fld>
             <a:endParaRPr lang="en-DE"/>
           </a:p>
@@ -678,7 +679,7 @@
           <a:p>
             <a:fld id="{41926A8E-B695-4DD9-BDA6-AB6F2D592177}" type="datetimeFigureOut">
               <a:rPr lang="en-DE" smtClean="0"/>
-              <a:t>09/07/2020</a:t>
+              <a:t>09/10/2020</a:t>
             </a:fld>
             <a:endParaRPr lang="en-DE"/>
           </a:p>
@@ -878,7 +879,7 @@
           <a:p>
             <a:fld id="{41926A8E-B695-4DD9-BDA6-AB6F2D592177}" type="datetimeFigureOut">
               <a:rPr lang="en-DE" smtClean="0"/>
-              <a:t>09/07/2020</a:t>
+              <a:t>09/10/2020</a:t>
             </a:fld>
             <a:endParaRPr lang="en-DE"/>
           </a:p>
@@ -1154,7 +1155,7 @@
           <a:p>
             <a:fld id="{41926A8E-B695-4DD9-BDA6-AB6F2D592177}" type="datetimeFigureOut">
               <a:rPr lang="en-DE" smtClean="0"/>
-              <a:t>09/07/2020</a:t>
+              <a:t>09/10/2020</a:t>
             </a:fld>
             <a:endParaRPr lang="en-DE"/>
           </a:p>
@@ -1422,7 +1423,7 @@
           <a:p>
             <a:fld id="{41926A8E-B695-4DD9-BDA6-AB6F2D592177}" type="datetimeFigureOut">
               <a:rPr lang="en-DE" smtClean="0"/>
-              <a:t>09/07/2020</a:t>
+              <a:t>09/10/2020</a:t>
             </a:fld>
             <a:endParaRPr lang="en-DE"/>
           </a:p>
@@ -1837,7 +1838,7 @@
           <a:p>
             <a:fld id="{41926A8E-B695-4DD9-BDA6-AB6F2D592177}" type="datetimeFigureOut">
               <a:rPr lang="en-DE" smtClean="0"/>
-              <a:t>09/07/2020</a:t>
+              <a:t>09/10/2020</a:t>
             </a:fld>
             <a:endParaRPr lang="en-DE"/>
           </a:p>
@@ -1979,7 +1980,7 @@
           <a:p>
             <a:fld id="{41926A8E-B695-4DD9-BDA6-AB6F2D592177}" type="datetimeFigureOut">
               <a:rPr lang="en-DE" smtClean="0"/>
-              <a:t>09/07/2020</a:t>
+              <a:t>09/10/2020</a:t>
             </a:fld>
             <a:endParaRPr lang="en-DE"/>
           </a:p>
@@ -2092,7 +2093,7 @@
           <a:p>
             <a:fld id="{41926A8E-B695-4DD9-BDA6-AB6F2D592177}" type="datetimeFigureOut">
               <a:rPr lang="en-DE" smtClean="0"/>
-              <a:t>09/07/2020</a:t>
+              <a:t>09/10/2020</a:t>
             </a:fld>
             <a:endParaRPr lang="en-DE"/>
           </a:p>
@@ -2405,7 +2406,7 @@
           <a:p>
             <a:fld id="{41926A8E-B695-4DD9-BDA6-AB6F2D592177}" type="datetimeFigureOut">
               <a:rPr lang="en-DE" smtClean="0"/>
-              <a:t>09/07/2020</a:t>
+              <a:t>09/10/2020</a:t>
             </a:fld>
             <a:endParaRPr lang="en-DE"/>
           </a:p>
@@ -2694,7 +2695,7 @@
           <a:p>
             <a:fld id="{41926A8E-B695-4DD9-BDA6-AB6F2D592177}" type="datetimeFigureOut">
               <a:rPr lang="en-DE" smtClean="0"/>
-              <a:t>09/07/2020</a:t>
+              <a:t>09/10/2020</a:t>
             </a:fld>
             <a:endParaRPr lang="en-DE"/>
           </a:p>
@@ -2937,7 +2938,7 @@
           <a:p>
             <a:fld id="{41926A8E-B695-4DD9-BDA6-AB6F2D592177}" type="datetimeFigureOut">
               <a:rPr lang="en-DE" smtClean="0"/>
-              <a:t>09/07/2020</a:t>
+              <a:t>09/10/2020</a:t>
             </a:fld>
             <a:endParaRPr lang="en-DE"/>
           </a:p>
@@ -7620,6 +7621,2300 @@
       </p:grpSpPr>
       <p:grpSp>
         <p:nvGrpSpPr>
+          <p:cNvPr id="143" name="Gruppieren 142">
+            <a:extLst>
+              <a:ext uri="{FF2B5EF4-FFF2-40B4-BE49-F238E27FC236}">
+                <a16:creationId xmlns:a16="http://schemas.microsoft.com/office/drawing/2014/main" id="{D1BED2F6-D846-44F9-9C4D-00C68A8F4E8C}"/>
+              </a:ext>
+            </a:extLst>
+          </p:cNvPr>
+          <p:cNvGrpSpPr>
+            <a:grpSpLocks noChangeAspect="1"/>
+          </p:cNvGrpSpPr>
+          <p:nvPr/>
+        </p:nvGrpSpPr>
+        <p:grpSpPr>
+          <a:xfrm>
+            <a:off x="1518997" y="767065"/>
+            <a:ext cx="864001" cy="864000"/>
+            <a:chOff x="1925186" y="900986"/>
+            <a:chExt cx="1219200" cy="1219199"/>
+          </a:xfrm>
+        </p:grpSpPr>
+        <p:sp>
+          <p:nvSpPr>
+            <p:cNvPr id="145" name="Rechteck 144">
+              <a:extLst>
+                <a:ext uri="{FF2B5EF4-FFF2-40B4-BE49-F238E27FC236}">
+                  <a16:creationId xmlns:a16="http://schemas.microsoft.com/office/drawing/2014/main" id="{7EF93D5B-5C40-4026-9AF2-55D2BFFB0C45}"/>
+                </a:ext>
+              </a:extLst>
+            </p:cNvPr>
+            <p:cNvSpPr/>
+            <p:nvPr/>
+          </p:nvSpPr>
+          <p:spPr>
+            <a:xfrm>
+              <a:off x="1925186" y="900986"/>
+              <a:ext cx="1219200" cy="732552"/>
+            </a:xfrm>
+            <a:prstGeom prst="rect">
+              <a:avLst/>
+            </a:prstGeom>
+            <a:solidFill>
+              <a:srgbClr val="000000"/>
+            </a:solidFill>
+            <a:ln>
+              <a:solidFill>
+                <a:schemeClr val="tx1"/>
+              </a:solidFill>
+            </a:ln>
+          </p:spPr>
+          <p:style>
+            <a:lnRef idx="2">
+              <a:schemeClr val="accent1">
+                <a:shade val="50000"/>
+              </a:schemeClr>
+            </a:lnRef>
+            <a:fillRef idx="1">
+              <a:schemeClr val="accent1"/>
+            </a:fillRef>
+            <a:effectRef idx="0">
+              <a:schemeClr val="accent1"/>
+            </a:effectRef>
+            <a:fontRef idx="minor">
+              <a:schemeClr val="lt1"/>
+            </a:fontRef>
+          </p:style>
+          <p:txBody>
+            <a:bodyPr rtlCol="0" anchor="ctr"/>
+            <a:lstStyle/>
+            <a:p>
+              <a:pPr algn="ctr"/>
+              <a:r>
+                <a:rPr lang="de-DE" sz="1400" dirty="0">
+                  <a:solidFill>
+                    <a:srgbClr val="FF8800"/>
+                  </a:solidFill>
+                  <a:latin typeface="Euro Caps" pitchFamily="2" charset="0"/>
+                </a:rPr>
+                <a:t>Cockpit</a:t>
+              </a:r>
+              <a:br>
+                <a:rPr lang="de-DE" sz="1400" dirty="0">
+                  <a:solidFill>
+                    <a:srgbClr val="FF8800"/>
+                  </a:solidFill>
+                  <a:latin typeface="Euro Caps" pitchFamily="2" charset="0"/>
+                </a:rPr>
+              </a:br>
+              <a:r>
+                <a:rPr lang="de-DE" sz="1400" dirty="0">
+                  <a:solidFill>
+                    <a:srgbClr val="FF8800"/>
+                  </a:solidFill>
+                  <a:latin typeface="Euro Caps" pitchFamily="2" charset="0"/>
+                </a:rPr>
+                <a:t>front</a:t>
+              </a:r>
+            </a:p>
+          </p:txBody>
+        </p:sp>
+        <p:sp>
+          <p:nvSpPr>
+            <p:cNvPr id="151" name="Rechteck 150">
+              <a:extLst>
+                <a:ext uri="{FF2B5EF4-FFF2-40B4-BE49-F238E27FC236}">
+                  <a16:creationId xmlns:a16="http://schemas.microsoft.com/office/drawing/2014/main" id="{D18C4A2A-C390-4325-9A8B-C77FB78CD24D}"/>
+                </a:ext>
+              </a:extLst>
+            </p:cNvPr>
+            <p:cNvSpPr/>
+            <p:nvPr/>
+          </p:nvSpPr>
+          <p:spPr>
+            <a:xfrm>
+              <a:off x="1925186" y="1633538"/>
+              <a:ext cx="1219200" cy="486647"/>
+            </a:xfrm>
+            <a:prstGeom prst="rect">
+              <a:avLst/>
+            </a:prstGeom>
+            <a:solidFill>
+              <a:srgbClr val="804400"/>
+            </a:solidFill>
+            <a:ln>
+              <a:solidFill>
+                <a:srgbClr val="804400"/>
+              </a:solidFill>
+            </a:ln>
+          </p:spPr>
+          <p:style>
+            <a:lnRef idx="2">
+              <a:schemeClr val="accent1">
+                <a:shade val="50000"/>
+              </a:schemeClr>
+            </a:lnRef>
+            <a:fillRef idx="1">
+              <a:schemeClr val="accent1"/>
+            </a:fillRef>
+            <a:effectRef idx="0">
+              <a:schemeClr val="accent1"/>
+            </a:effectRef>
+            <a:fontRef idx="minor">
+              <a:schemeClr val="lt1"/>
+            </a:fontRef>
+          </p:style>
+          <p:txBody>
+            <a:bodyPr rtlCol="0" anchor="ctr"/>
+            <a:lstStyle/>
+            <a:p>
+              <a:pPr algn="ctr"/>
+              <a:r>
+                <a:rPr lang="de-DE" b="1" dirty="0">
+                  <a:solidFill>
+                    <a:srgbClr val="000000"/>
+                  </a:solidFill>
+                  <a:latin typeface="Euro Caps" pitchFamily="2" charset="0"/>
+                </a:rPr>
+                <a:t>Cam</a:t>
+              </a:r>
+              <a:endParaRPr lang="en-DE" b="1" dirty="0">
+                <a:solidFill>
+                  <a:srgbClr val="000000"/>
+                </a:solidFill>
+                <a:latin typeface="Euro Caps" pitchFamily="2" charset="0"/>
+              </a:endParaRPr>
+            </a:p>
+          </p:txBody>
+        </p:sp>
+      </p:grpSp>
+      <p:grpSp>
+        <p:nvGrpSpPr>
+          <p:cNvPr id="153" name="Gruppieren 152">
+            <a:extLst>
+              <a:ext uri="{FF2B5EF4-FFF2-40B4-BE49-F238E27FC236}">
+                <a16:creationId xmlns:a16="http://schemas.microsoft.com/office/drawing/2014/main" id="{B99CCC7F-9235-4605-986E-299982C2B080}"/>
+              </a:ext>
+            </a:extLst>
+          </p:cNvPr>
+          <p:cNvGrpSpPr>
+            <a:grpSpLocks noChangeAspect="1"/>
+          </p:cNvGrpSpPr>
+          <p:nvPr/>
+        </p:nvGrpSpPr>
+        <p:grpSpPr>
+          <a:xfrm>
+            <a:off x="2568041" y="767065"/>
+            <a:ext cx="864001" cy="864000"/>
+            <a:chOff x="1925186" y="900986"/>
+            <a:chExt cx="1219200" cy="1219199"/>
+          </a:xfrm>
+        </p:grpSpPr>
+        <p:sp>
+          <p:nvSpPr>
+            <p:cNvPr id="156" name="Rechteck 155">
+              <a:extLst>
+                <a:ext uri="{FF2B5EF4-FFF2-40B4-BE49-F238E27FC236}">
+                  <a16:creationId xmlns:a16="http://schemas.microsoft.com/office/drawing/2014/main" id="{581F04CC-B3EF-4A46-9EF3-449053FE2A9C}"/>
+                </a:ext>
+              </a:extLst>
+            </p:cNvPr>
+            <p:cNvSpPr/>
+            <p:nvPr/>
+          </p:nvSpPr>
+          <p:spPr>
+            <a:xfrm>
+              <a:off x="1925186" y="900986"/>
+              <a:ext cx="1219200" cy="732552"/>
+            </a:xfrm>
+            <a:prstGeom prst="rect">
+              <a:avLst/>
+            </a:prstGeom>
+            <a:solidFill>
+              <a:srgbClr val="000000"/>
+            </a:solidFill>
+            <a:ln>
+              <a:solidFill>
+                <a:schemeClr val="tx1"/>
+              </a:solidFill>
+            </a:ln>
+          </p:spPr>
+          <p:style>
+            <a:lnRef idx="2">
+              <a:schemeClr val="accent1">
+                <a:shade val="50000"/>
+              </a:schemeClr>
+            </a:lnRef>
+            <a:fillRef idx="1">
+              <a:schemeClr val="accent1"/>
+            </a:fillRef>
+            <a:effectRef idx="0">
+              <a:schemeClr val="accent1"/>
+            </a:effectRef>
+            <a:fontRef idx="minor">
+              <a:schemeClr val="lt1"/>
+            </a:fontRef>
+          </p:style>
+          <p:txBody>
+            <a:bodyPr rtlCol="0" anchor="ctr"/>
+            <a:lstStyle/>
+            <a:p>
+              <a:pPr algn="ctr"/>
+              <a:r>
+                <a:rPr lang="de-DE" sz="1400" dirty="0">
+                  <a:solidFill>
+                    <a:srgbClr val="FF8800"/>
+                  </a:solidFill>
+                  <a:latin typeface="Euro Caps" pitchFamily="2" charset="0"/>
+                </a:rPr>
+                <a:t>Cockpit</a:t>
+              </a:r>
+              <a:br>
+                <a:rPr lang="de-DE" sz="1400" dirty="0">
+                  <a:solidFill>
+                    <a:srgbClr val="FF8800"/>
+                  </a:solidFill>
+                  <a:latin typeface="Euro Caps" pitchFamily="2" charset="0"/>
+                </a:rPr>
+              </a:br>
+              <a:r>
+                <a:rPr lang="de-DE" sz="1400" dirty="0">
+                  <a:solidFill>
+                    <a:srgbClr val="FF8800"/>
+                  </a:solidFill>
+                  <a:latin typeface="Euro Caps" pitchFamily="2" charset="0"/>
+                </a:rPr>
+                <a:t>back</a:t>
+              </a:r>
+            </a:p>
+          </p:txBody>
+        </p:sp>
+        <p:sp>
+          <p:nvSpPr>
+            <p:cNvPr id="157" name="Rechteck 156">
+              <a:extLst>
+                <a:ext uri="{FF2B5EF4-FFF2-40B4-BE49-F238E27FC236}">
+                  <a16:creationId xmlns:a16="http://schemas.microsoft.com/office/drawing/2014/main" id="{C6A11F55-1AC9-4D9E-97DF-386348C868B9}"/>
+                </a:ext>
+              </a:extLst>
+            </p:cNvPr>
+            <p:cNvSpPr/>
+            <p:nvPr/>
+          </p:nvSpPr>
+          <p:spPr>
+            <a:xfrm>
+              <a:off x="1925186" y="1633538"/>
+              <a:ext cx="1219200" cy="486647"/>
+            </a:xfrm>
+            <a:prstGeom prst="rect">
+              <a:avLst/>
+            </a:prstGeom>
+            <a:solidFill>
+              <a:srgbClr val="804400"/>
+            </a:solidFill>
+            <a:ln>
+              <a:solidFill>
+                <a:srgbClr val="804400"/>
+              </a:solidFill>
+            </a:ln>
+          </p:spPr>
+          <p:style>
+            <a:lnRef idx="2">
+              <a:schemeClr val="accent1">
+                <a:shade val="50000"/>
+              </a:schemeClr>
+            </a:lnRef>
+            <a:fillRef idx="1">
+              <a:schemeClr val="accent1"/>
+            </a:fillRef>
+            <a:effectRef idx="0">
+              <a:schemeClr val="accent1"/>
+            </a:effectRef>
+            <a:fontRef idx="minor">
+              <a:schemeClr val="lt1"/>
+            </a:fontRef>
+          </p:style>
+          <p:txBody>
+            <a:bodyPr rtlCol="0" anchor="ctr"/>
+            <a:lstStyle/>
+            <a:p>
+              <a:pPr algn="ctr"/>
+              <a:r>
+                <a:rPr lang="de-DE" b="1" dirty="0">
+                  <a:solidFill>
+                    <a:srgbClr val="000000"/>
+                  </a:solidFill>
+                  <a:latin typeface="Euro Caps" pitchFamily="2" charset="0"/>
+                </a:rPr>
+                <a:t>Cam</a:t>
+              </a:r>
+              <a:endParaRPr lang="en-DE" b="1" dirty="0">
+                <a:solidFill>
+                  <a:srgbClr val="000000"/>
+                </a:solidFill>
+                <a:latin typeface="Euro Caps" pitchFamily="2" charset="0"/>
+              </a:endParaRPr>
+            </a:p>
+          </p:txBody>
+        </p:sp>
+      </p:grpSp>
+      <p:grpSp>
+        <p:nvGrpSpPr>
+          <p:cNvPr id="158" name="Gruppieren 157">
+            <a:extLst>
+              <a:ext uri="{FF2B5EF4-FFF2-40B4-BE49-F238E27FC236}">
+                <a16:creationId xmlns:a16="http://schemas.microsoft.com/office/drawing/2014/main" id="{8D496ABF-D50F-4701-8CA3-682170A9FBE9}"/>
+              </a:ext>
+            </a:extLst>
+          </p:cNvPr>
+          <p:cNvGrpSpPr>
+            <a:grpSpLocks noChangeAspect="1"/>
+          </p:cNvGrpSpPr>
+          <p:nvPr/>
+        </p:nvGrpSpPr>
+        <p:grpSpPr>
+          <a:xfrm>
+            <a:off x="1518997" y="1718197"/>
+            <a:ext cx="864001" cy="864000"/>
+            <a:chOff x="1925186" y="900986"/>
+            <a:chExt cx="1219200" cy="1219199"/>
+          </a:xfrm>
+        </p:grpSpPr>
+        <p:sp>
+          <p:nvSpPr>
+            <p:cNvPr id="159" name="Rechteck 158">
+              <a:extLst>
+                <a:ext uri="{FF2B5EF4-FFF2-40B4-BE49-F238E27FC236}">
+                  <a16:creationId xmlns:a16="http://schemas.microsoft.com/office/drawing/2014/main" id="{ABD40851-5E0C-4C1D-8F4F-8D1B7CD0F7C9}"/>
+                </a:ext>
+              </a:extLst>
+            </p:cNvPr>
+            <p:cNvSpPr/>
+            <p:nvPr/>
+          </p:nvSpPr>
+          <p:spPr>
+            <a:xfrm>
+              <a:off x="1925186" y="900986"/>
+              <a:ext cx="1219200" cy="732552"/>
+            </a:xfrm>
+            <a:prstGeom prst="rect">
+              <a:avLst/>
+            </a:prstGeom>
+            <a:solidFill>
+              <a:srgbClr val="000000"/>
+            </a:solidFill>
+            <a:ln>
+              <a:solidFill>
+                <a:schemeClr val="tx1"/>
+              </a:solidFill>
+            </a:ln>
+          </p:spPr>
+          <p:style>
+            <a:lnRef idx="2">
+              <a:schemeClr val="accent1">
+                <a:shade val="50000"/>
+              </a:schemeClr>
+            </a:lnRef>
+            <a:fillRef idx="1">
+              <a:schemeClr val="accent1"/>
+            </a:fillRef>
+            <a:effectRef idx="0">
+              <a:schemeClr val="accent1"/>
+            </a:effectRef>
+            <a:fontRef idx="minor">
+              <a:schemeClr val="lt1"/>
+            </a:fontRef>
+          </p:style>
+          <p:txBody>
+            <a:bodyPr rtlCol="0" anchor="ctr"/>
+            <a:lstStyle/>
+            <a:p>
+              <a:pPr algn="ctr"/>
+              <a:r>
+                <a:rPr lang="de-DE" sz="1400" dirty="0">
+                  <a:solidFill>
+                    <a:srgbClr val="FF8800"/>
+                  </a:solidFill>
+                  <a:latin typeface="Euro Caps" pitchFamily="2" charset="0"/>
+                </a:rPr>
+                <a:t>CMDR</a:t>
+              </a:r>
+              <a:br>
+                <a:rPr lang="de-DE" sz="1400" dirty="0">
+                  <a:solidFill>
+                    <a:srgbClr val="FF8800"/>
+                  </a:solidFill>
+                  <a:latin typeface="Euro Caps" pitchFamily="2" charset="0"/>
+                </a:rPr>
+              </a:br>
+              <a:r>
+                <a:rPr lang="de-DE" sz="1400" dirty="0">
+                  <a:solidFill>
+                    <a:srgbClr val="FF8800"/>
+                  </a:solidFill>
+                  <a:latin typeface="Euro Caps" pitchFamily="2" charset="0"/>
+                </a:rPr>
+                <a:t>1</a:t>
+              </a:r>
+            </a:p>
+          </p:txBody>
+        </p:sp>
+        <p:sp>
+          <p:nvSpPr>
+            <p:cNvPr id="160" name="Rechteck 159">
+              <a:extLst>
+                <a:ext uri="{FF2B5EF4-FFF2-40B4-BE49-F238E27FC236}">
+                  <a16:creationId xmlns:a16="http://schemas.microsoft.com/office/drawing/2014/main" id="{689E40BF-45FA-4D77-A6B8-0F42DF8E4CFB}"/>
+                </a:ext>
+              </a:extLst>
+            </p:cNvPr>
+            <p:cNvSpPr/>
+            <p:nvPr/>
+          </p:nvSpPr>
+          <p:spPr>
+            <a:xfrm>
+              <a:off x="1925186" y="1633538"/>
+              <a:ext cx="1219200" cy="486647"/>
+            </a:xfrm>
+            <a:prstGeom prst="rect">
+              <a:avLst/>
+            </a:prstGeom>
+            <a:solidFill>
+              <a:srgbClr val="804400"/>
+            </a:solidFill>
+            <a:ln>
+              <a:solidFill>
+                <a:srgbClr val="804400"/>
+              </a:solidFill>
+            </a:ln>
+          </p:spPr>
+          <p:style>
+            <a:lnRef idx="2">
+              <a:schemeClr val="accent1">
+                <a:shade val="50000"/>
+              </a:schemeClr>
+            </a:lnRef>
+            <a:fillRef idx="1">
+              <a:schemeClr val="accent1"/>
+            </a:fillRef>
+            <a:effectRef idx="0">
+              <a:schemeClr val="accent1"/>
+            </a:effectRef>
+            <a:fontRef idx="minor">
+              <a:schemeClr val="lt1"/>
+            </a:fontRef>
+          </p:style>
+          <p:txBody>
+            <a:bodyPr rtlCol="0" anchor="ctr"/>
+            <a:lstStyle/>
+            <a:p>
+              <a:pPr algn="ctr"/>
+              <a:r>
+                <a:rPr lang="de-DE" b="1" dirty="0">
+                  <a:solidFill>
+                    <a:srgbClr val="000000"/>
+                  </a:solidFill>
+                  <a:latin typeface="Euro Caps" pitchFamily="2" charset="0"/>
+                </a:rPr>
+                <a:t>Cam</a:t>
+              </a:r>
+              <a:endParaRPr lang="en-DE" b="1" dirty="0">
+                <a:solidFill>
+                  <a:srgbClr val="000000"/>
+                </a:solidFill>
+                <a:latin typeface="Euro Caps" pitchFamily="2" charset="0"/>
+              </a:endParaRPr>
+            </a:p>
+          </p:txBody>
+        </p:sp>
+      </p:grpSp>
+      <p:grpSp>
+        <p:nvGrpSpPr>
+          <p:cNvPr id="161" name="Gruppieren 160">
+            <a:extLst>
+              <a:ext uri="{FF2B5EF4-FFF2-40B4-BE49-F238E27FC236}">
+                <a16:creationId xmlns:a16="http://schemas.microsoft.com/office/drawing/2014/main" id="{49B97174-98A3-4B76-83BB-B90EF472578A}"/>
+              </a:ext>
+            </a:extLst>
+          </p:cNvPr>
+          <p:cNvGrpSpPr>
+            <a:grpSpLocks noChangeAspect="1"/>
+          </p:cNvGrpSpPr>
+          <p:nvPr/>
+        </p:nvGrpSpPr>
+        <p:grpSpPr>
+          <a:xfrm>
+            <a:off x="2568041" y="1718197"/>
+            <a:ext cx="864001" cy="864000"/>
+            <a:chOff x="1925186" y="900986"/>
+            <a:chExt cx="1219200" cy="1219199"/>
+          </a:xfrm>
+        </p:grpSpPr>
+        <p:sp>
+          <p:nvSpPr>
+            <p:cNvPr id="163" name="Rechteck 162">
+              <a:extLst>
+                <a:ext uri="{FF2B5EF4-FFF2-40B4-BE49-F238E27FC236}">
+                  <a16:creationId xmlns:a16="http://schemas.microsoft.com/office/drawing/2014/main" id="{6763ED62-4800-468D-8092-E25DB95E9F84}"/>
+                </a:ext>
+              </a:extLst>
+            </p:cNvPr>
+            <p:cNvSpPr/>
+            <p:nvPr/>
+          </p:nvSpPr>
+          <p:spPr>
+            <a:xfrm>
+              <a:off x="1925186" y="900986"/>
+              <a:ext cx="1219200" cy="732552"/>
+            </a:xfrm>
+            <a:prstGeom prst="rect">
+              <a:avLst/>
+            </a:prstGeom>
+            <a:solidFill>
+              <a:srgbClr val="000000"/>
+            </a:solidFill>
+            <a:ln>
+              <a:solidFill>
+                <a:schemeClr val="tx1"/>
+              </a:solidFill>
+            </a:ln>
+          </p:spPr>
+          <p:style>
+            <a:lnRef idx="2">
+              <a:schemeClr val="accent1">
+                <a:shade val="50000"/>
+              </a:schemeClr>
+            </a:lnRef>
+            <a:fillRef idx="1">
+              <a:schemeClr val="accent1"/>
+            </a:fillRef>
+            <a:effectRef idx="0">
+              <a:schemeClr val="accent1"/>
+            </a:effectRef>
+            <a:fontRef idx="minor">
+              <a:schemeClr val="lt1"/>
+            </a:fontRef>
+          </p:style>
+          <p:txBody>
+            <a:bodyPr rtlCol="0" anchor="ctr"/>
+            <a:lstStyle/>
+            <a:p>
+              <a:pPr algn="ctr"/>
+              <a:r>
+                <a:rPr lang="de-DE" sz="1400" dirty="0">
+                  <a:solidFill>
+                    <a:srgbClr val="FF8800"/>
+                  </a:solidFill>
+                  <a:latin typeface="Euro Caps" pitchFamily="2" charset="0"/>
+                </a:rPr>
+                <a:t>CMDR</a:t>
+              </a:r>
+              <a:br>
+                <a:rPr lang="de-DE" sz="1400" dirty="0">
+                  <a:solidFill>
+                    <a:srgbClr val="FF8800"/>
+                  </a:solidFill>
+                  <a:latin typeface="Euro Caps" pitchFamily="2" charset="0"/>
+                </a:rPr>
+              </a:br>
+              <a:r>
+                <a:rPr lang="de-DE" sz="1400" dirty="0">
+                  <a:solidFill>
+                    <a:srgbClr val="FF8800"/>
+                  </a:solidFill>
+                  <a:latin typeface="Euro Caps" pitchFamily="2" charset="0"/>
+                </a:rPr>
+                <a:t>2</a:t>
+              </a:r>
+            </a:p>
+          </p:txBody>
+        </p:sp>
+        <p:sp>
+          <p:nvSpPr>
+            <p:cNvPr id="166" name="Rechteck 165">
+              <a:extLst>
+                <a:ext uri="{FF2B5EF4-FFF2-40B4-BE49-F238E27FC236}">
+                  <a16:creationId xmlns:a16="http://schemas.microsoft.com/office/drawing/2014/main" id="{B4D8464C-FFE9-45A1-9A63-D7BAF739D760}"/>
+                </a:ext>
+              </a:extLst>
+            </p:cNvPr>
+            <p:cNvSpPr/>
+            <p:nvPr/>
+          </p:nvSpPr>
+          <p:spPr>
+            <a:xfrm>
+              <a:off x="1925186" y="1633538"/>
+              <a:ext cx="1219200" cy="486647"/>
+            </a:xfrm>
+            <a:prstGeom prst="rect">
+              <a:avLst/>
+            </a:prstGeom>
+            <a:solidFill>
+              <a:srgbClr val="804400"/>
+            </a:solidFill>
+            <a:ln>
+              <a:solidFill>
+                <a:srgbClr val="804400"/>
+              </a:solidFill>
+            </a:ln>
+          </p:spPr>
+          <p:style>
+            <a:lnRef idx="2">
+              <a:schemeClr val="accent1">
+                <a:shade val="50000"/>
+              </a:schemeClr>
+            </a:lnRef>
+            <a:fillRef idx="1">
+              <a:schemeClr val="accent1"/>
+            </a:fillRef>
+            <a:effectRef idx="0">
+              <a:schemeClr val="accent1"/>
+            </a:effectRef>
+            <a:fontRef idx="minor">
+              <a:schemeClr val="lt1"/>
+            </a:fontRef>
+          </p:style>
+          <p:txBody>
+            <a:bodyPr rtlCol="0" anchor="ctr"/>
+            <a:lstStyle/>
+            <a:p>
+              <a:pPr algn="ctr"/>
+              <a:r>
+                <a:rPr lang="de-DE" b="1" dirty="0">
+                  <a:solidFill>
+                    <a:srgbClr val="000000"/>
+                  </a:solidFill>
+                  <a:latin typeface="Euro Caps" pitchFamily="2" charset="0"/>
+                </a:rPr>
+                <a:t>Cam</a:t>
+              </a:r>
+              <a:endParaRPr lang="en-DE" b="1" dirty="0">
+                <a:solidFill>
+                  <a:srgbClr val="000000"/>
+                </a:solidFill>
+                <a:latin typeface="Euro Caps" pitchFamily="2" charset="0"/>
+              </a:endParaRPr>
+            </a:p>
+          </p:txBody>
+        </p:sp>
+      </p:grpSp>
+      <p:grpSp>
+        <p:nvGrpSpPr>
+          <p:cNvPr id="168" name="Gruppieren 167">
+            <a:extLst>
+              <a:ext uri="{FF2B5EF4-FFF2-40B4-BE49-F238E27FC236}">
+                <a16:creationId xmlns:a16="http://schemas.microsoft.com/office/drawing/2014/main" id="{74A30FA4-D495-48E1-B489-83DED478D0E5}"/>
+              </a:ext>
+            </a:extLst>
+          </p:cNvPr>
+          <p:cNvGrpSpPr>
+            <a:grpSpLocks noChangeAspect="1"/>
+          </p:cNvGrpSpPr>
+          <p:nvPr/>
+        </p:nvGrpSpPr>
+        <p:grpSpPr>
+          <a:xfrm>
+            <a:off x="1518997" y="2669329"/>
+            <a:ext cx="864001" cy="864000"/>
+            <a:chOff x="1925186" y="900986"/>
+            <a:chExt cx="1219200" cy="1219199"/>
+          </a:xfrm>
+        </p:grpSpPr>
+        <p:sp>
+          <p:nvSpPr>
+            <p:cNvPr id="173" name="Rechteck 172">
+              <a:extLst>
+                <a:ext uri="{FF2B5EF4-FFF2-40B4-BE49-F238E27FC236}">
+                  <a16:creationId xmlns:a16="http://schemas.microsoft.com/office/drawing/2014/main" id="{9B34D9C8-BB9B-4617-A7B4-6D83B477DAFB}"/>
+                </a:ext>
+              </a:extLst>
+            </p:cNvPr>
+            <p:cNvSpPr/>
+            <p:nvPr/>
+          </p:nvSpPr>
+          <p:spPr>
+            <a:xfrm>
+              <a:off x="1925186" y="900986"/>
+              <a:ext cx="1219200" cy="732552"/>
+            </a:xfrm>
+            <a:prstGeom prst="rect">
+              <a:avLst/>
+            </a:prstGeom>
+            <a:solidFill>
+              <a:srgbClr val="000000"/>
+            </a:solidFill>
+            <a:ln>
+              <a:solidFill>
+                <a:schemeClr val="tx1"/>
+              </a:solidFill>
+            </a:ln>
+          </p:spPr>
+          <p:style>
+            <a:lnRef idx="2">
+              <a:schemeClr val="accent1">
+                <a:shade val="50000"/>
+              </a:schemeClr>
+            </a:lnRef>
+            <a:fillRef idx="1">
+              <a:schemeClr val="accent1"/>
+            </a:fillRef>
+            <a:effectRef idx="0">
+              <a:schemeClr val="accent1"/>
+            </a:effectRef>
+            <a:fontRef idx="minor">
+              <a:schemeClr val="lt1"/>
+            </a:fontRef>
+          </p:style>
+          <p:txBody>
+            <a:bodyPr rtlCol="0" anchor="ctr"/>
+            <a:lstStyle/>
+            <a:p>
+              <a:pPr algn="ctr"/>
+              <a:r>
+                <a:rPr lang="de-DE" sz="1400" dirty="0">
+                  <a:solidFill>
+                    <a:srgbClr val="FF8800"/>
+                  </a:solidFill>
+                  <a:latin typeface="Euro Caps" pitchFamily="2" charset="0"/>
+                </a:rPr>
+                <a:t>Pilot</a:t>
+              </a:r>
+              <a:br>
+                <a:rPr lang="de-DE" sz="1400" dirty="0">
+                  <a:solidFill>
+                    <a:srgbClr val="FF8800"/>
+                  </a:solidFill>
+                  <a:latin typeface="Euro Caps" pitchFamily="2" charset="0"/>
+                </a:rPr>
+              </a:br>
+              <a:r>
+                <a:rPr lang="de-DE" sz="1400" dirty="0">
+                  <a:solidFill>
+                    <a:srgbClr val="FF8800"/>
+                  </a:solidFill>
+                  <a:latin typeface="Euro Caps" pitchFamily="2" charset="0"/>
+                </a:rPr>
+                <a:t>1</a:t>
+              </a:r>
+            </a:p>
+          </p:txBody>
+        </p:sp>
+        <p:sp>
+          <p:nvSpPr>
+            <p:cNvPr id="185" name="Rechteck 184">
+              <a:extLst>
+                <a:ext uri="{FF2B5EF4-FFF2-40B4-BE49-F238E27FC236}">
+                  <a16:creationId xmlns:a16="http://schemas.microsoft.com/office/drawing/2014/main" id="{77147454-CD59-4C0F-B107-061EAD06C371}"/>
+                </a:ext>
+              </a:extLst>
+            </p:cNvPr>
+            <p:cNvSpPr/>
+            <p:nvPr/>
+          </p:nvSpPr>
+          <p:spPr>
+            <a:xfrm>
+              <a:off x="1925186" y="1633538"/>
+              <a:ext cx="1219200" cy="486647"/>
+            </a:xfrm>
+            <a:prstGeom prst="rect">
+              <a:avLst/>
+            </a:prstGeom>
+            <a:solidFill>
+              <a:srgbClr val="804400"/>
+            </a:solidFill>
+            <a:ln>
+              <a:solidFill>
+                <a:srgbClr val="804400"/>
+              </a:solidFill>
+            </a:ln>
+          </p:spPr>
+          <p:style>
+            <a:lnRef idx="2">
+              <a:schemeClr val="accent1">
+                <a:shade val="50000"/>
+              </a:schemeClr>
+            </a:lnRef>
+            <a:fillRef idx="1">
+              <a:schemeClr val="accent1"/>
+            </a:fillRef>
+            <a:effectRef idx="0">
+              <a:schemeClr val="accent1"/>
+            </a:effectRef>
+            <a:fontRef idx="minor">
+              <a:schemeClr val="lt1"/>
+            </a:fontRef>
+          </p:style>
+          <p:txBody>
+            <a:bodyPr rtlCol="0" anchor="ctr"/>
+            <a:lstStyle/>
+            <a:p>
+              <a:pPr algn="ctr"/>
+              <a:r>
+                <a:rPr lang="de-DE" b="1" dirty="0">
+                  <a:solidFill>
+                    <a:srgbClr val="000000"/>
+                  </a:solidFill>
+                  <a:latin typeface="Euro Caps" pitchFamily="2" charset="0"/>
+                </a:rPr>
+                <a:t>Cam</a:t>
+              </a:r>
+              <a:endParaRPr lang="en-DE" b="1" dirty="0">
+                <a:solidFill>
+                  <a:srgbClr val="000000"/>
+                </a:solidFill>
+                <a:latin typeface="Euro Caps" pitchFamily="2" charset="0"/>
+              </a:endParaRPr>
+            </a:p>
+          </p:txBody>
+        </p:sp>
+      </p:grpSp>
+      <p:grpSp>
+        <p:nvGrpSpPr>
+          <p:cNvPr id="187" name="Gruppieren 186">
+            <a:extLst>
+              <a:ext uri="{FF2B5EF4-FFF2-40B4-BE49-F238E27FC236}">
+                <a16:creationId xmlns:a16="http://schemas.microsoft.com/office/drawing/2014/main" id="{D50171CB-4EEB-4F1C-8F4E-B2920FB82111}"/>
+              </a:ext>
+            </a:extLst>
+          </p:cNvPr>
+          <p:cNvGrpSpPr>
+            <a:grpSpLocks noChangeAspect="1"/>
+          </p:cNvGrpSpPr>
+          <p:nvPr/>
+        </p:nvGrpSpPr>
+        <p:grpSpPr>
+          <a:xfrm>
+            <a:off x="2568041" y="2669329"/>
+            <a:ext cx="864001" cy="864000"/>
+            <a:chOff x="1925186" y="900986"/>
+            <a:chExt cx="1219200" cy="1219199"/>
+          </a:xfrm>
+        </p:grpSpPr>
+        <p:sp>
+          <p:nvSpPr>
+            <p:cNvPr id="191" name="Rechteck 190">
+              <a:extLst>
+                <a:ext uri="{FF2B5EF4-FFF2-40B4-BE49-F238E27FC236}">
+                  <a16:creationId xmlns:a16="http://schemas.microsoft.com/office/drawing/2014/main" id="{6AB68A33-CB46-430F-8224-ED273DE3C26C}"/>
+                </a:ext>
+              </a:extLst>
+            </p:cNvPr>
+            <p:cNvSpPr/>
+            <p:nvPr/>
+          </p:nvSpPr>
+          <p:spPr>
+            <a:xfrm>
+              <a:off x="1925186" y="900986"/>
+              <a:ext cx="1219200" cy="732552"/>
+            </a:xfrm>
+            <a:prstGeom prst="rect">
+              <a:avLst/>
+            </a:prstGeom>
+            <a:solidFill>
+              <a:srgbClr val="000000"/>
+            </a:solidFill>
+            <a:ln>
+              <a:solidFill>
+                <a:schemeClr val="tx1"/>
+              </a:solidFill>
+            </a:ln>
+          </p:spPr>
+          <p:style>
+            <a:lnRef idx="2">
+              <a:schemeClr val="accent1">
+                <a:shade val="50000"/>
+              </a:schemeClr>
+            </a:lnRef>
+            <a:fillRef idx="1">
+              <a:schemeClr val="accent1"/>
+            </a:fillRef>
+            <a:effectRef idx="0">
+              <a:schemeClr val="accent1"/>
+            </a:effectRef>
+            <a:fontRef idx="minor">
+              <a:schemeClr val="lt1"/>
+            </a:fontRef>
+          </p:style>
+          <p:txBody>
+            <a:bodyPr rtlCol="0" anchor="ctr"/>
+            <a:lstStyle/>
+            <a:p>
+              <a:pPr algn="ctr"/>
+              <a:r>
+                <a:rPr lang="de-DE" sz="1400" dirty="0">
+                  <a:solidFill>
+                    <a:srgbClr val="FF8800"/>
+                  </a:solidFill>
+                  <a:latin typeface="Euro Caps" pitchFamily="2" charset="0"/>
+                </a:rPr>
+                <a:t>Pilot</a:t>
+              </a:r>
+              <a:br>
+                <a:rPr lang="de-DE" sz="1400" dirty="0">
+                  <a:solidFill>
+                    <a:srgbClr val="FF8800"/>
+                  </a:solidFill>
+                  <a:latin typeface="Euro Caps" pitchFamily="2" charset="0"/>
+                </a:rPr>
+              </a:br>
+              <a:r>
+                <a:rPr lang="de-DE" sz="1400" dirty="0">
+                  <a:solidFill>
+                    <a:srgbClr val="FF8800"/>
+                  </a:solidFill>
+                  <a:latin typeface="Euro Caps" pitchFamily="2" charset="0"/>
+                </a:rPr>
+                <a:t>2</a:t>
+              </a:r>
+            </a:p>
+          </p:txBody>
+        </p:sp>
+        <p:sp>
+          <p:nvSpPr>
+            <p:cNvPr id="194" name="Rechteck 193">
+              <a:extLst>
+                <a:ext uri="{FF2B5EF4-FFF2-40B4-BE49-F238E27FC236}">
+                  <a16:creationId xmlns:a16="http://schemas.microsoft.com/office/drawing/2014/main" id="{CC7F0684-9F67-4042-8CF8-3F15C5768F3C}"/>
+                </a:ext>
+              </a:extLst>
+            </p:cNvPr>
+            <p:cNvSpPr/>
+            <p:nvPr/>
+          </p:nvSpPr>
+          <p:spPr>
+            <a:xfrm>
+              <a:off x="1925186" y="1633538"/>
+              <a:ext cx="1219200" cy="486647"/>
+            </a:xfrm>
+            <a:prstGeom prst="rect">
+              <a:avLst/>
+            </a:prstGeom>
+            <a:solidFill>
+              <a:srgbClr val="804400"/>
+            </a:solidFill>
+            <a:ln>
+              <a:solidFill>
+                <a:srgbClr val="804400"/>
+              </a:solidFill>
+            </a:ln>
+          </p:spPr>
+          <p:style>
+            <a:lnRef idx="2">
+              <a:schemeClr val="accent1">
+                <a:shade val="50000"/>
+              </a:schemeClr>
+            </a:lnRef>
+            <a:fillRef idx="1">
+              <a:schemeClr val="accent1"/>
+            </a:fillRef>
+            <a:effectRef idx="0">
+              <a:schemeClr val="accent1"/>
+            </a:effectRef>
+            <a:fontRef idx="minor">
+              <a:schemeClr val="lt1"/>
+            </a:fontRef>
+          </p:style>
+          <p:txBody>
+            <a:bodyPr rtlCol="0" anchor="ctr"/>
+            <a:lstStyle/>
+            <a:p>
+              <a:pPr algn="ctr"/>
+              <a:r>
+                <a:rPr lang="de-DE" b="1" dirty="0">
+                  <a:solidFill>
+                    <a:srgbClr val="000000"/>
+                  </a:solidFill>
+                  <a:latin typeface="Euro Caps" pitchFamily="2" charset="0"/>
+                </a:rPr>
+                <a:t>Cam</a:t>
+              </a:r>
+              <a:endParaRPr lang="en-DE" b="1" dirty="0">
+                <a:solidFill>
+                  <a:srgbClr val="000000"/>
+                </a:solidFill>
+                <a:latin typeface="Euro Caps" pitchFamily="2" charset="0"/>
+              </a:endParaRPr>
+            </a:p>
+          </p:txBody>
+        </p:sp>
+      </p:grpSp>
+      <p:grpSp>
+        <p:nvGrpSpPr>
+          <p:cNvPr id="195" name="Gruppieren 194">
+            <a:extLst>
+              <a:ext uri="{FF2B5EF4-FFF2-40B4-BE49-F238E27FC236}">
+                <a16:creationId xmlns:a16="http://schemas.microsoft.com/office/drawing/2014/main" id="{9B8CEA68-6411-49F0-8A5D-316C5BDE914A}"/>
+              </a:ext>
+            </a:extLst>
+          </p:cNvPr>
+          <p:cNvGrpSpPr>
+            <a:grpSpLocks noChangeAspect="1"/>
+          </p:cNvGrpSpPr>
+          <p:nvPr/>
+        </p:nvGrpSpPr>
+        <p:grpSpPr>
+          <a:xfrm>
+            <a:off x="1518997" y="3669540"/>
+            <a:ext cx="864001" cy="864000"/>
+            <a:chOff x="1925186" y="900986"/>
+            <a:chExt cx="1219200" cy="1219199"/>
+          </a:xfrm>
+        </p:grpSpPr>
+        <p:sp>
+          <p:nvSpPr>
+            <p:cNvPr id="196" name="Rechteck 195">
+              <a:extLst>
+                <a:ext uri="{FF2B5EF4-FFF2-40B4-BE49-F238E27FC236}">
+                  <a16:creationId xmlns:a16="http://schemas.microsoft.com/office/drawing/2014/main" id="{A3F0EE8E-BAD8-46C3-9BA0-D38A0E12A8DC}"/>
+                </a:ext>
+              </a:extLst>
+            </p:cNvPr>
+            <p:cNvSpPr/>
+            <p:nvPr/>
+          </p:nvSpPr>
+          <p:spPr>
+            <a:xfrm>
+              <a:off x="1925186" y="900986"/>
+              <a:ext cx="1219200" cy="732552"/>
+            </a:xfrm>
+            <a:prstGeom prst="rect">
+              <a:avLst/>
+            </a:prstGeom>
+            <a:solidFill>
+              <a:srgbClr val="000000"/>
+            </a:solidFill>
+            <a:ln>
+              <a:solidFill>
+                <a:schemeClr val="tx1"/>
+              </a:solidFill>
+            </a:ln>
+          </p:spPr>
+          <p:style>
+            <a:lnRef idx="2">
+              <a:schemeClr val="accent1">
+                <a:shade val="50000"/>
+              </a:schemeClr>
+            </a:lnRef>
+            <a:fillRef idx="1">
+              <a:schemeClr val="accent1"/>
+            </a:fillRef>
+            <a:effectRef idx="0">
+              <a:schemeClr val="accent1"/>
+            </a:effectRef>
+            <a:fontRef idx="minor">
+              <a:schemeClr val="lt1"/>
+            </a:fontRef>
+          </p:style>
+          <p:txBody>
+            <a:bodyPr rtlCol="0" anchor="ctr"/>
+            <a:lstStyle/>
+            <a:p>
+              <a:pPr algn="ctr"/>
+              <a:r>
+                <a:rPr lang="de-DE" sz="1400" dirty="0" err="1">
+                  <a:solidFill>
+                    <a:srgbClr val="FF8800"/>
+                  </a:solidFill>
+                  <a:latin typeface="Euro Caps" pitchFamily="2" charset="0"/>
+                </a:rPr>
+                <a:t>Ship</a:t>
+              </a:r>
+              <a:br>
+                <a:rPr lang="de-DE" sz="1400" dirty="0">
+                  <a:solidFill>
+                    <a:srgbClr val="FF8800"/>
+                  </a:solidFill>
+                  <a:latin typeface="Euro Caps" pitchFamily="2" charset="0"/>
+                </a:rPr>
+              </a:br>
+              <a:r>
+                <a:rPr lang="de-DE" sz="1400" dirty="0">
+                  <a:solidFill>
+                    <a:srgbClr val="FF8800"/>
+                  </a:solidFill>
+                  <a:latin typeface="Euro Caps" pitchFamily="2" charset="0"/>
+                </a:rPr>
+                <a:t>Front</a:t>
+              </a:r>
+            </a:p>
+          </p:txBody>
+        </p:sp>
+        <p:sp>
+          <p:nvSpPr>
+            <p:cNvPr id="197" name="Rechteck 196">
+              <a:extLst>
+                <a:ext uri="{FF2B5EF4-FFF2-40B4-BE49-F238E27FC236}">
+                  <a16:creationId xmlns:a16="http://schemas.microsoft.com/office/drawing/2014/main" id="{9975EE45-B443-4CB9-A087-D456E855CFB1}"/>
+                </a:ext>
+              </a:extLst>
+            </p:cNvPr>
+            <p:cNvSpPr/>
+            <p:nvPr/>
+          </p:nvSpPr>
+          <p:spPr>
+            <a:xfrm>
+              <a:off x="1925186" y="1633538"/>
+              <a:ext cx="1219200" cy="486647"/>
+            </a:xfrm>
+            <a:prstGeom prst="rect">
+              <a:avLst/>
+            </a:prstGeom>
+            <a:solidFill>
+              <a:srgbClr val="804400"/>
+            </a:solidFill>
+            <a:ln>
+              <a:solidFill>
+                <a:srgbClr val="804400"/>
+              </a:solidFill>
+            </a:ln>
+          </p:spPr>
+          <p:style>
+            <a:lnRef idx="2">
+              <a:schemeClr val="accent1">
+                <a:shade val="50000"/>
+              </a:schemeClr>
+            </a:lnRef>
+            <a:fillRef idx="1">
+              <a:schemeClr val="accent1"/>
+            </a:fillRef>
+            <a:effectRef idx="0">
+              <a:schemeClr val="accent1"/>
+            </a:effectRef>
+            <a:fontRef idx="minor">
+              <a:schemeClr val="lt1"/>
+            </a:fontRef>
+          </p:style>
+          <p:txBody>
+            <a:bodyPr rtlCol="0" anchor="ctr"/>
+            <a:lstStyle/>
+            <a:p>
+              <a:pPr algn="ctr"/>
+              <a:r>
+                <a:rPr lang="de-DE" b="1" dirty="0">
+                  <a:solidFill>
+                    <a:srgbClr val="000000"/>
+                  </a:solidFill>
+                  <a:latin typeface="Euro Caps" pitchFamily="2" charset="0"/>
+                </a:rPr>
+                <a:t>Cam</a:t>
+              </a:r>
+              <a:endParaRPr lang="en-DE" b="1" dirty="0">
+                <a:solidFill>
+                  <a:srgbClr val="000000"/>
+                </a:solidFill>
+                <a:latin typeface="Euro Caps" pitchFamily="2" charset="0"/>
+              </a:endParaRPr>
+            </a:p>
+          </p:txBody>
+        </p:sp>
+      </p:grpSp>
+      <p:grpSp>
+        <p:nvGrpSpPr>
+          <p:cNvPr id="198" name="Gruppieren 197">
+            <a:extLst>
+              <a:ext uri="{FF2B5EF4-FFF2-40B4-BE49-F238E27FC236}">
+                <a16:creationId xmlns:a16="http://schemas.microsoft.com/office/drawing/2014/main" id="{DF1EB4DC-44BD-4A18-801E-1C7696C50F65}"/>
+              </a:ext>
+            </a:extLst>
+          </p:cNvPr>
+          <p:cNvGrpSpPr>
+            <a:grpSpLocks noChangeAspect="1"/>
+          </p:cNvGrpSpPr>
+          <p:nvPr/>
+        </p:nvGrpSpPr>
+        <p:grpSpPr>
+          <a:xfrm>
+            <a:off x="2568041" y="3669540"/>
+            <a:ext cx="864001" cy="864000"/>
+            <a:chOff x="1925186" y="900986"/>
+            <a:chExt cx="1219200" cy="1219199"/>
+          </a:xfrm>
+        </p:grpSpPr>
+        <p:sp>
+          <p:nvSpPr>
+            <p:cNvPr id="199" name="Rechteck 198">
+              <a:extLst>
+                <a:ext uri="{FF2B5EF4-FFF2-40B4-BE49-F238E27FC236}">
+                  <a16:creationId xmlns:a16="http://schemas.microsoft.com/office/drawing/2014/main" id="{B3953F91-F7ED-4CFF-B32C-678A2FB7E5CD}"/>
+                </a:ext>
+              </a:extLst>
+            </p:cNvPr>
+            <p:cNvSpPr/>
+            <p:nvPr/>
+          </p:nvSpPr>
+          <p:spPr>
+            <a:xfrm>
+              <a:off x="1925186" y="900986"/>
+              <a:ext cx="1219200" cy="732552"/>
+            </a:xfrm>
+            <a:prstGeom prst="rect">
+              <a:avLst/>
+            </a:prstGeom>
+            <a:solidFill>
+              <a:srgbClr val="000000"/>
+            </a:solidFill>
+            <a:ln>
+              <a:solidFill>
+                <a:schemeClr val="tx1"/>
+              </a:solidFill>
+            </a:ln>
+          </p:spPr>
+          <p:style>
+            <a:lnRef idx="2">
+              <a:schemeClr val="accent1">
+                <a:shade val="50000"/>
+              </a:schemeClr>
+            </a:lnRef>
+            <a:fillRef idx="1">
+              <a:schemeClr val="accent1"/>
+            </a:fillRef>
+            <a:effectRef idx="0">
+              <a:schemeClr val="accent1"/>
+            </a:effectRef>
+            <a:fontRef idx="minor">
+              <a:schemeClr val="lt1"/>
+            </a:fontRef>
+          </p:style>
+          <p:txBody>
+            <a:bodyPr rtlCol="0" anchor="ctr"/>
+            <a:lstStyle/>
+            <a:p>
+              <a:pPr algn="ctr"/>
+              <a:r>
+                <a:rPr lang="de-DE" sz="1400" dirty="0" err="1">
+                  <a:solidFill>
+                    <a:srgbClr val="FF8800"/>
+                  </a:solidFill>
+                  <a:latin typeface="Euro Caps" pitchFamily="2" charset="0"/>
+                </a:rPr>
+                <a:t>Ship</a:t>
+              </a:r>
+              <a:br>
+                <a:rPr lang="de-DE" sz="1400" dirty="0">
+                  <a:solidFill>
+                    <a:srgbClr val="FF8800"/>
+                  </a:solidFill>
+                  <a:latin typeface="Euro Caps" pitchFamily="2" charset="0"/>
+                </a:rPr>
+              </a:br>
+              <a:r>
+                <a:rPr lang="de-DE" sz="1400" dirty="0">
+                  <a:solidFill>
+                    <a:srgbClr val="FF8800"/>
+                  </a:solidFill>
+                  <a:latin typeface="Euro Caps" pitchFamily="2" charset="0"/>
+                </a:rPr>
+                <a:t>Back</a:t>
+              </a:r>
+            </a:p>
+          </p:txBody>
+        </p:sp>
+        <p:sp>
+          <p:nvSpPr>
+            <p:cNvPr id="200" name="Rechteck 199">
+              <a:extLst>
+                <a:ext uri="{FF2B5EF4-FFF2-40B4-BE49-F238E27FC236}">
+                  <a16:creationId xmlns:a16="http://schemas.microsoft.com/office/drawing/2014/main" id="{4A467263-8349-49AD-8C85-B7533B3ECA83}"/>
+                </a:ext>
+              </a:extLst>
+            </p:cNvPr>
+            <p:cNvSpPr/>
+            <p:nvPr/>
+          </p:nvSpPr>
+          <p:spPr>
+            <a:xfrm>
+              <a:off x="1925186" y="1633538"/>
+              <a:ext cx="1219200" cy="486647"/>
+            </a:xfrm>
+            <a:prstGeom prst="rect">
+              <a:avLst/>
+            </a:prstGeom>
+            <a:solidFill>
+              <a:srgbClr val="804400"/>
+            </a:solidFill>
+            <a:ln>
+              <a:solidFill>
+                <a:srgbClr val="804400"/>
+              </a:solidFill>
+            </a:ln>
+          </p:spPr>
+          <p:style>
+            <a:lnRef idx="2">
+              <a:schemeClr val="accent1">
+                <a:shade val="50000"/>
+              </a:schemeClr>
+            </a:lnRef>
+            <a:fillRef idx="1">
+              <a:schemeClr val="accent1"/>
+            </a:fillRef>
+            <a:effectRef idx="0">
+              <a:schemeClr val="accent1"/>
+            </a:effectRef>
+            <a:fontRef idx="minor">
+              <a:schemeClr val="lt1"/>
+            </a:fontRef>
+          </p:style>
+          <p:txBody>
+            <a:bodyPr rtlCol="0" anchor="ctr"/>
+            <a:lstStyle/>
+            <a:p>
+              <a:pPr algn="ctr"/>
+              <a:r>
+                <a:rPr lang="de-DE" b="1" dirty="0">
+                  <a:solidFill>
+                    <a:srgbClr val="000000"/>
+                  </a:solidFill>
+                  <a:latin typeface="Euro Caps" pitchFamily="2" charset="0"/>
+                </a:rPr>
+                <a:t>Cam</a:t>
+              </a:r>
+              <a:endParaRPr lang="en-DE" b="1" dirty="0">
+                <a:solidFill>
+                  <a:srgbClr val="000000"/>
+                </a:solidFill>
+                <a:latin typeface="Euro Caps" pitchFamily="2" charset="0"/>
+              </a:endParaRPr>
+            </a:p>
+          </p:txBody>
+        </p:sp>
+      </p:grpSp>
+      <p:grpSp>
+        <p:nvGrpSpPr>
+          <p:cNvPr id="201" name="Gruppieren 200">
+            <a:extLst>
+              <a:ext uri="{FF2B5EF4-FFF2-40B4-BE49-F238E27FC236}">
+                <a16:creationId xmlns:a16="http://schemas.microsoft.com/office/drawing/2014/main" id="{3CA2D0C0-5219-4B86-9111-B9AD3E02BD4E}"/>
+              </a:ext>
+            </a:extLst>
+          </p:cNvPr>
+          <p:cNvGrpSpPr>
+            <a:grpSpLocks noChangeAspect="1"/>
+          </p:cNvGrpSpPr>
+          <p:nvPr/>
+        </p:nvGrpSpPr>
+        <p:grpSpPr>
+          <a:xfrm>
+            <a:off x="3617085" y="3669540"/>
+            <a:ext cx="864001" cy="864000"/>
+            <a:chOff x="1925186" y="900986"/>
+            <a:chExt cx="1219200" cy="1219199"/>
+          </a:xfrm>
+        </p:grpSpPr>
+        <p:sp>
+          <p:nvSpPr>
+            <p:cNvPr id="202" name="Rechteck 201">
+              <a:extLst>
+                <a:ext uri="{FF2B5EF4-FFF2-40B4-BE49-F238E27FC236}">
+                  <a16:creationId xmlns:a16="http://schemas.microsoft.com/office/drawing/2014/main" id="{256D4CF0-0382-4101-8F0D-ED3B70936B04}"/>
+                </a:ext>
+              </a:extLst>
+            </p:cNvPr>
+            <p:cNvSpPr/>
+            <p:nvPr/>
+          </p:nvSpPr>
+          <p:spPr>
+            <a:xfrm>
+              <a:off x="1925186" y="900986"/>
+              <a:ext cx="1219200" cy="732552"/>
+            </a:xfrm>
+            <a:prstGeom prst="rect">
+              <a:avLst/>
+            </a:prstGeom>
+            <a:solidFill>
+              <a:srgbClr val="000000"/>
+            </a:solidFill>
+            <a:ln>
+              <a:solidFill>
+                <a:schemeClr val="tx1"/>
+              </a:solidFill>
+            </a:ln>
+          </p:spPr>
+          <p:style>
+            <a:lnRef idx="2">
+              <a:schemeClr val="accent1">
+                <a:shade val="50000"/>
+              </a:schemeClr>
+            </a:lnRef>
+            <a:fillRef idx="1">
+              <a:schemeClr val="accent1"/>
+            </a:fillRef>
+            <a:effectRef idx="0">
+              <a:schemeClr val="accent1"/>
+            </a:effectRef>
+            <a:fontRef idx="minor">
+              <a:schemeClr val="lt1"/>
+            </a:fontRef>
+          </p:style>
+          <p:txBody>
+            <a:bodyPr rtlCol="0" anchor="ctr"/>
+            <a:lstStyle/>
+            <a:p>
+              <a:pPr algn="ctr"/>
+              <a:r>
+                <a:rPr lang="de-DE" sz="1400" dirty="0" err="1">
+                  <a:solidFill>
+                    <a:srgbClr val="FF8800"/>
+                  </a:solidFill>
+                  <a:latin typeface="Euro Caps" pitchFamily="2" charset="0"/>
+                </a:rPr>
+                <a:t>Ship</a:t>
+              </a:r>
+              <a:br>
+                <a:rPr lang="de-DE" sz="1400" dirty="0">
+                  <a:solidFill>
+                    <a:srgbClr val="FF8800"/>
+                  </a:solidFill>
+                  <a:latin typeface="Euro Caps" pitchFamily="2" charset="0"/>
+                </a:rPr>
+              </a:br>
+              <a:r>
+                <a:rPr lang="de-DE" sz="1400" dirty="0" err="1">
+                  <a:solidFill>
+                    <a:srgbClr val="FF8800"/>
+                  </a:solidFill>
+                  <a:latin typeface="Euro Caps" pitchFamily="2" charset="0"/>
+                </a:rPr>
+                <a:t>below</a:t>
+              </a:r>
+              <a:endParaRPr lang="de-DE" sz="1400" dirty="0">
+                <a:solidFill>
+                  <a:srgbClr val="FF8800"/>
+                </a:solidFill>
+                <a:latin typeface="Euro Caps" pitchFamily="2" charset="0"/>
+              </a:endParaRPr>
+            </a:p>
+          </p:txBody>
+        </p:sp>
+        <p:sp>
+          <p:nvSpPr>
+            <p:cNvPr id="203" name="Rechteck 202">
+              <a:extLst>
+                <a:ext uri="{FF2B5EF4-FFF2-40B4-BE49-F238E27FC236}">
+                  <a16:creationId xmlns:a16="http://schemas.microsoft.com/office/drawing/2014/main" id="{F3870C2D-52C2-4123-A8AB-EE30C84090F6}"/>
+                </a:ext>
+              </a:extLst>
+            </p:cNvPr>
+            <p:cNvSpPr/>
+            <p:nvPr/>
+          </p:nvSpPr>
+          <p:spPr>
+            <a:xfrm>
+              <a:off x="1925186" y="1633538"/>
+              <a:ext cx="1219200" cy="486647"/>
+            </a:xfrm>
+            <a:prstGeom prst="rect">
+              <a:avLst/>
+            </a:prstGeom>
+            <a:solidFill>
+              <a:srgbClr val="804400"/>
+            </a:solidFill>
+            <a:ln>
+              <a:solidFill>
+                <a:srgbClr val="804400"/>
+              </a:solidFill>
+            </a:ln>
+          </p:spPr>
+          <p:style>
+            <a:lnRef idx="2">
+              <a:schemeClr val="accent1">
+                <a:shade val="50000"/>
+              </a:schemeClr>
+            </a:lnRef>
+            <a:fillRef idx="1">
+              <a:schemeClr val="accent1"/>
+            </a:fillRef>
+            <a:effectRef idx="0">
+              <a:schemeClr val="accent1"/>
+            </a:effectRef>
+            <a:fontRef idx="minor">
+              <a:schemeClr val="lt1"/>
+            </a:fontRef>
+          </p:style>
+          <p:txBody>
+            <a:bodyPr rtlCol="0" anchor="ctr"/>
+            <a:lstStyle/>
+            <a:p>
+              <a:pPr algn="ctr"/>
+              <a:r>
+                <a:rPr lang="de-DE" b="1" dirty="0">
+                  <a:solidFill>
+                    <a:srgbClr val="000000"/>
+                  </a:solidFill>
+                  <a:latin typeface="Euro Caps" pitchFamily="2" charset="0"/>
+                </a:rPr>
+                <a:t>Cam</a:t>
+              </a:r>
+              <a:endParaRPr lang="en-DE" b="1" dirty="0">
+                <a:solidFill>
+                  <a:srgbClr val="000000"/>
+                </a:solidFill>
+                <a:latin typeface="Euro Caps" pitchFamily="2" charset="0"/>
+              </a:endParaRPr>
+            </a:p>
+          </p:txBody>
+        </p:sp>
+      </p:grpSp>
+      <p:grpSp>
+        <p:nvGrpSpPr>
+          <p:cNvPr id="2" name="Gruppieren 1">
+            <a:extLst>
+              <a:ext uri="{FF2B5EF4-FFF2-40B4-BE49-F238E27FC236}">
+                <a16:creationId xmlns:a16="http://schemas.microsoft.com/office/drawing/2014/main" id="{AFC5671A-D0B2-44DA-B150-065D559DD2DE}"/>
+              </a:ext>
+            </a:extLst>
+          </p:cNvPr>
+          <p:cNvGrpSpPr/>
+          <p:nvPr/>
+        </p:nvGrpSpPr>
+        <p:grpSpPr>
+          <a:xfrm>
+            <a:off x="2568041" y="4681034"/>
+            <a:ext cx="864001" cy="889566"/>
+            <a:chOff x="4805998" y="4669344"/>
+            <a:chExt cx="864001" cy="889566"/>
+          </a:xfrm>
+        </p:grpSpPr>
+        <p:grpSp>
+          <p:nvGrpSpPr>
+            <p:cNvPr id="226" name="Gruppieren 225">
+              <a:extLst>
+                <a:ext uri="{FF2B5EF4-FFF2-40B4-BE49-F238E27FC236}">
+                  <a16:creationId xmlns:a16="http://schemas.microsoft.com/office/drawing/2014/main" id="{EA6B0B8F-0B87-4B90-BC8B-B61DE002F687}"/>
+                </a:ext>
+              </a:extLst>
+            </p:cNvPr>
+            <p:cNvGrpSpPr/>
+            <p:nvPr/>
+          </p:nvGrpSpPr>
+          <p:grpSpPr>
+            <a:xfrm>
+              <a:off x="4805998" y="4669344"/>
+              <a:ext cx="864001" cy="864000"/>
+              <a:chOff x="8595994" y="2025675"/>
+              <a:chExt cx="864001" cy="864000"/>
+            </a:xfrm>
+          </p:grpSpPr>
+          <p:grpSp>
+            <p:nvGrpSpPr>
+              <p:cNvPr id="227" name="Gruppieren 226">
+                <a:extLst>
+                  <a:ext uri="{FF2B5EF4-FFF2-40B4-BE49-F238E27FC236}">
+                    <a16:creationId xmlns:a16="http://schemas.microsoft.com/office/drawing/2014/main" id="{6F230060-BB55-4593-AD43-8E418A349690}"/>
+                  </a:ext>
+                </a:extLst>
+              </p:cNvPr>
+              <p:cNvGrpSpPr/>
+              <p:nvPr/>
+            </p:nvGrpSpPr>
+            <p:grpSpPr>
+              <a:xfrm>
+                <a:off x="8595994" y="2025675"/>
+                <a:ext cx="864001" cy="864000"/>
+                <a:chOff x="1925186" y="900986"/>
+                <a:chExt cx="1219200" cy="1219199"/>
+              </a:xfrm>
+            </p:grpSpPr>
+            <p:sp>
+              <p:nvSpPr>
+                <p:cNvPr id="229" name="Rechteck 228">
+                  <a:extLst>
+                    <a:ext uri="{FF2B5EF4-FFF2-40B4-BE49-F238E27FC236}">
+                      <a16:creationId xmlns:a16="http://schemas.microsoft.com/office/drawing/2014/main" id="{1BE7C1CB-3D93-4F16-9DF5-3C7C413FEA4F}"/>
+                    </a:ext>
+                  </a:extLst>
+                </p:cNvPr>
+                <p:cNvSpPr/>
+                <p:nvPr/>
+              </p:nvSpPr>
+              <p:spPr>
+                <a:xfrm>
+                  <a:off x="1925186" y="900986"/>
+                  <a:ext cx="1219200" cy="732552"/>
+                </a:xfrm>
+                <a:prstGeom prst="rect">
+                  <a:avLst/>
+                </a:prstGeom>
+                <a:solidFill>
+                  <a:srgbClr val="000000"/>
+                </a:solidFill>
+                <a:ln>
+                  <a:solidFill>
+                    <a:schemeClr val="tx1"/>
+                  </a:solidFill>
+                </a:ln>
+              </p:spPr>
+              <p:style>
+                <a:lnRef idx="2">
+                  <a:schemeClr val="accent1">
+                    <a:shade val="50000"/>
+                  </a:schemeClr>
+                </a:lnRef>
+                <a:fillRef idx="1">
+                  <a:schemeClr val="accent1"/>
+                </a:fillRef>
+                <a:effectRef idx="0">
+                  <a:schemeClr val="accent1"/>
+                </a:effectRef>
+                <a:fontRef idx="minor">
+                  <a:schemeClr val="lt1"/>
+                </a:fontRef>
+              </p:style>
+              <p:txBody>
+                <a:bodyPr rtlCol="0" anchor="ctr"/>
+                <a:lstStyle/>
+                <a:p>
+                  <a:pPr algn="ctr"/>
+                  <a:endParaRPr lang="de-DE" dirty="0">
+                    <a:solidFill>
+                      <a:srgbClr val="FF8800"/>
+                    </a:solidFill>
+                    <a:latin typeface="Euro Caps" pitchFamily="2" charset="0"/>
+                  </a:endParaRPr>
+                </a:p>
+              </p:txBody>
+            </p:sp>
+            <p:sp>
+              <p:nvSpPr>
+                <p:cNvPr id="230" name="Rechteck 229">
+                  <a:extLst>
+                    <a:ext uri="{FF2B5EF4-FFF2-40B4-BE49-F238E27FC236}">
+                      <a16:creationId xmlns:a16="http://schemas.microsoft.com/office/drawing/2014/main" id="{53052454-F644-401E-A1C1-7F947C811A4F}"/>
+                    </a:ext>
+                  </a:extLst>
+                </p:cNvPr>
+                <p:cNvSpPr/>
+                <p:nvPr/>
+              </p:nvSpPr>
+              <p:spPr>
+                <a:xfrm>
+                  <a:off x="1925186" y="1633538"/>
+                  <a:ext cx="1219200" cy="486647"/>
+                </a:xfrm>
+                <a:prstGeom prst="rect">
+                  <a:avLst/>
+                </a:prstGeom>
+                <a:solidFill>
+                  <a:srgbClr val="804400"/>
+                </a:solidFill>
+                <a:ln>
+                  <a:solidFill>
+                    <a:srgbClr val="804400"/>
+                  </a:solidFill>
+                </a:ln>
+              </p:spPr>
+              <p:style>
+                <a:lnRef idx="2">
+                  <a:schemeClr val="accent1">
+                    <a:shade val="50000"/>
+                  </a:schemeClr>
+                </a:lnRef>
+                <a:fillRef idx="1">
+                  <a:schemeClr val="accent1"/>
+                </a:fillRef>
+                <a:effectRef idx="0">
+                  <a:schemeClr val="accent1"/>
+                </a:effectRef>
+                <a:fontRef idx="minor">
+                  <a:schemeClr val="lt1"/>
+                </a:fontRef>
+              </p:style>
+              <p:txBody>
+                <a:bodyPr rtlCol="0" anchor="ctr"/>
+                <a:lstStyle/>
+                <a:p>
+                  <a:pPr algn="ctr"/>
+                  <a:endParaRPr lang="en-DE" b="1" dirty="0">
+                    <a:solidFill>
+                      <a:srgbClr val="000000"/>
+                    </a:solidFill>
+                    <a:latin typeface="Euro Caps" pitchFamily="2" charset="0"/>
+                  </a:endParaRPr>
+                </a:p>
+              </p:txBody>
+            </p:sp>
+          </p:grpSp>
+          <p:pic>
+            <p:nvPicPr>
+              <p:cNvPr id="228" name="Grafik 227" descr="Überwachungskamera">
+                <a:extLst>
+                  <a:ext uri="{FF2B5EF4-FFF2-40B4-BE49-F238E27FC236}">
+                    <a16:creationId xmlns:a16="http://schemas.microsoft.com/office/drawing/2014/main" id="{0F8A0872-8071-4F30-AB12-B02FA0734A62}"/>
+                  </a:ext>
+                </a:extLst>
+              </p:cNvPr>
+              <p:cNvPicPr>
+                <a:picLocks noChangeAspect="1"/>
+              </p:cNvPicPr>
+              <p:nvPr/>
+            </p:nvPicPr>
+            <p:blipFill>
+              <a:blip r:embed="rId2">
+                <a:extLst>
+                  <a:ext uri="{28A0092B-C50C-407E-A947-70E740481C1C}">
+                    <a14:useLocalDpi xmlns:a14="http://schemas.microsoft.com/office/drawing/2010/main" val="0"/>
+                  </a:ext>
+                  <a:ext uri="{96DAC541-7B7A-43D3-8B79-37D633B846F1}">
+                    <asvg:svgBlip xmlns:asvg="http://schemas.microsoft.com/office/drawing/2016/SVG/main" r:embed="rId3"/>
+                  </a:ext>
+                </a:extLst>
+              </a:blip>
+              <a:stretch>
+                <a:fillRect/>
+              </a:stretch>
+            </p:blipFill>
+            <p:spPr>
+              <a:xfrm>
+                <a:off x="8786724" y="2043971"/>
+                <a:ext cx="482539" cy="482539"/>
+              </a:xfrm>
+              <a:prstGeom prst="rect">
+                <a:avLst/>
+              </a:prstGeom>
+            </p:spPr>
+          </p:pic>
+        </p:grpSp>
+        <p:pic>
+          <p:nvPicPr>
+            <p:cNvPr id="231" name="Grafik 230" descr="Linienpfeil: Gerade">
+              <a:extLst>
+                <a:ext uri="{FF2B5EF4-FFF2-40B4-BE49-F238E27FC236}">
+                  <a16:creationId xmlns:a16="http://schemas.microsoft.com/office/drawing/2014/main" id="{6658A5E0-430E-4A27-9C5E-F17D47A48A8C}"/>
+                </a:ext>
+              </a:extLst>
+            </p:cNvPr>
+            <p:cNvPicPr>
+              <a:picLocks noChangeAspect="1"/>
+            </p:cNvPicPr>
+            <p:nvPr/>
+          </p:nvPicPr>
+          <p:blipFill>
+            <a:blip r:embed="rId4">
+              <a:extLst>
+                <a:ext uri="{28A0092B-C50C-407E-A947-70E740481C1C}">
+                  <a14:useLocalDpi xmlns:a14="http://schemas.microsoft.com/office/drawing/2010/main" val="0"/>
+                </a:ext>
+                <a:ext uri="{96DAC541-7B7A-43D3-8B79-37D633B846F1}">
+                  <asvg:svgBlip xmlns:asvg="http://schemas.microsoft.com/office/drawing/2016/SVG/main" r:embed="rId5"/>
+                </a:ext>
+              </a:extLst>
+            </a:blip>
+            <a:stretch>
+              <a:fillRect/>
+            </a:stretch>
+          </p:blipFill>
+          <p:spPr>
+            <a:xfrm>
+              <a:off x="5039997" y="5162910"/>
+              <a:ext cx="396000" cy="396000"/>
+            </a:xfrm>
+            <a:prstGeom prst="rect">
+              <a:avLst/>
+            </a:prstGeom>
+          </p:spPr>
+        </p:pic>
+      </p:grpSp>
+      <p:grpSp>
+        <p:nvGrpSpPr>
+          <p:cNvPr id="232" name="Gruppieren 231">
+            <a:extLst>
+              <a:ext uri="{FF2B5EF4-FFF2-40B4-BE49-F238E27FC236}">
+                <a16:creationId xmlns:a16="http://schemas.microsoft.com/office/drawing/2014/main" id="{7ED5B044-78F6-4645-B8E5-BB40318046AA}"/>
+              </a:ext>
+            </a:extLst>
+          </p:cNvPr>
+          <p:cNvGrpSpPr/>
+          <p:nvPr/>
+        </p:nvGrpSpPr>
+        <p:grpSpPr>
+          <a:xfrm>
+            <a:off x="3617082" y="4681034"/>
+            <a:ext cx="864001" cy="889566"/>
+            <a:chOff x="4805998" y="4669344"/>
+            <a:chExt cx="864001" cy="889566"/>
+          </a:xfrm>
+        </p:grpSpPr>
+        <p:grpSp>
+          <p:nvGrpSpPr>
+            <p:cNvPr id="233" name="Gruppieren 232">
+              <a:extLst>
+                <a:ext uri="{FF2B5EF4-FFF2-40B4-BE49-F238E27FC236}">
+                  <a16:creationId xmlns:a16="http://schemas.microsoft.com/office/drawing/2014/main" id="{2A31DDFE-6557-4FCE-AAC7-4DDB5785DD09}"/>
+                </a:ext>
+              </a:extLst>
+            </p:cNvPr>
+            <p:cNvGrpSpPr/>
+            <p:nvPr/>
+          </p:nvGrpSpPr>
+          <p:grpSpPr>
+            <a:xfrm>
+              <a:off x="4805998" y="4669344"/>
+              <a:ext cx="864001" cy="864000"/>
+              <a:chOff x="8595994" y="2025675"/>
+              <a:chExt cx="864001" cy="864000"/>
+            </a:xfrm>
+          </p:grpSpPr>
+          <p:grpSp>
+            <p:nvGrpSpPr>
+              <p:cNvPr id="235" name="Gruppieren 234">
+                <a:extLst>
+                  <a:ext uri="{FF2B5EF4-FFF2-40B4-BE49-F238E27FC236}">
+                    <a16:creationId xmlns:a16="http://schemas.microsoft.com/office/drawing/2014/main" id="{B6219C24-E3EA-4D32-9CA1-4FCABD8605E6}"/>
+                  </a:ext>
+                </a:extLst>
+              </p:cNvPr>
+              <p:cNvGrpSpPr/>
+              <p:nvPr/>
+            </p:nvGrpSpPr>
+            <p:grpSpPr>
+              <a:xfrm>
+                <a:off x="8595994" y="2025675"/>
+                <a:ext cx="864001" cy="864000"/>
+                <a:chOff x="1925186" y="900986"/>
+                <a:chExt cx="1219200" cy="1219199"/>
+              </a:xfrm>
+            </p:grpSpPr>
+            <p:sp>
+              <p:nvSpPr>
+                <p:cNvPr id="237" name="Rechteck 236">
+                  <a:extLst>
+                    <a:ext uri="{FF2B5EF4-FFF2-40B4-BE49-F238E27FC236}">
+                      <a16:creationId xmlns:a16="http://schemas.microsoft.com/office/drawing/2014/main" id="{5D0B49E0-DE2C-403A-85ED-297E057777DE}"/>
+                    </a:ext>
+                  </a:extLst>
+                </p:cNvPr>
+                <p:cNvSpPr/>
+                <p:nvPr/>
+              </p:nvSpPr>
+              <p:spPr>
+                <a:xfrm>
+                  <a:off x="1925186" y="900986"/>
+                  <a:ext cx="1219200" cy="732552"/>
+                </a:xfrm>
+                <a:prstGeom prst="rect">
+                  <a:avLst/>
+                </a:prstGeom>
+                <a:solidFill>
+                  <a:srgbClr val="000000"/>
+                </a:solidFill>
+                <a:ln>
+                  <a:solidFill>
+                    <a:schemeClr val="tx1"/>
+                  </a:solidFill>
+                </a:ln>
+              </p:spPr>
+              <p:style>
+                <a:lnRef idx="2">
+                  <a:schemeClr val="accent1">
+                    <a:shade val="50000"/>
+                  </a:schemeClr>
+                </a:lnRef>
+                <a:fillRef idx="1">
+                  <a:schemeClr val="accent1"/>
+                </a:fillRef>
+                <a:effectRef idx="0">
+                  <a:schemeClr val="accent1"/>
+                </a:effectRef>
+                <a:fontRef idx="minor">
+                  <a:schemeClr val="lt1"/>
+                </a:fontRef>
+              </p:style>
+              <p:txBody>
+                <a:bodyPr rtlCol="0" anchor="ctr"/>
+                <a:lstStyle/>
+                <a:p>
+                  <a:pPr algn="ctr"/>
+                  <a:endParaRPr lang="de-DE" dirty="0">
+                    <a:solidFill>
+                      <a:srgbClr val="FF8800"/>
+                    </a:solidFill>
+                    <a:latin typeface="Euro Caps" pitchFamily="2" charset="0"/>
+                  </a:endParaRPr>
+                </a:p>
+              </p:txBody>
+            </p:sp>
+            <p:sp>
+              <p:nvSpPr>
+                <p:cNvPr id="238" name="Rechteck 237">
+                  <a:extLst>
+                    <a:ext uri="{FF2B5EF4-FFF2-40B4-BE49-F238E27FC236}">
+                      <a16:creationId xmlns:a16="http://schemas.microsoft.com/office/drawing/2014/main" id="{52F6A3D6-493D-44E2-80F0-8DF4D987A97A}"/>
+                    </a:ext>
+                  </a:extLst>
+                </p:cNvPr>
+                <p:cNvSpPr/>
+                <p:nvPr/>
+              </p:nvSpPr>
+              <p:spPr>
+                <a:xfrm>
+                  <a:off x="1925186" y="1633538"/>
+                  <a:ext cx="1219200" cy="486647"/>
+                </a:xfrm>
+                <a:prstGeom prst="rect">
+                  <a:avLst/>
+                </a:prstGeom>
+                <a:solidFill>
+                  <a:srgbClr val="804400"/>
+                </a:solidFill>
+                <a:ln>
+                  <a:solidFill>
+                    <a:srgbClr val="804400"/>
+                  </a:solidFill>
+                </a:ln>
+              </p:spPr>
+              <p:style>
+                <a:lnRef idx="2">
+                  <a:schemeClr val="accent1">
+                    <a:shade val="50000"/>
+                  </a:schemeClr>
+                </a:lnRef>
+                <a:fillRef idx="1">
+                  <a:schemeClr val="accent1"/>
+                </a:fillRef>
+                <a:effectRef idx="0">
+                  <a:schemeClr val="accent1"/>
+                </a:effectRef>
+                <a:fontRef idx="minor">
+                  <a:schemeClr val="lt1"/>
+                </a:fontRef>
+              </p:style>
+              <p:txBody>
+                <a:bodyPr rtlCol="0" anchor="ctr"/>
+                <a:lstStyle/>
+                <a:p>
+                  <a:pPr algn="ctr"/>
+                  <a:endParaRPr lang="en-DE" b="1" dirty="0">
+                    <a:solidFill>
+                      <a:srgbClr val="000000"/>
+                    </a:solidFill>
+                    <a:latin typeface="Euro Caps" pitchFamily="2" charset="0"/>
+                  </a:endParaRPr>
+                </a:p>
+              </p:txBody>
+            </p:sp>
+          </p:grpSp>
+          <p:pic>
+            <p:nvPicPr>
+              <p:cNvPr id="236" name="Grafik 235" descr="Überwachungskamera">
+                <a:extLst>
+                  <a:ext uri="{FF2B5EF4-FFF2-40B4-BE49-F238E27FC236}">
+                    <a16:creationId xmlns:a16="http://schemas.microsoft.com/office/drawing/2014/main" id="{20729DB5-5106-4326-8459-3AD1D1853540}"/>
+                  </a:ext>
+                </a:extLst>
+              </p:cNvPr>
+              <p:cNvPicPr>
+                <a:picLocks noChangeAspect="1"/>
+              </p:cNvPicPr>
+              <p:nvPr/>
+            </p:nvPicPr>
+            <p:blipFill>
+              <a:blip r:embed="rId2">
+                <a:extLst>
+                  <a:ext uri="{28A0092B-C50C-407E-A947-70E740481C1C}">
+                    <a14:useLocalDpi xmlns:a14="http://schemas.microsoft.com/office/drawing/2010/main" val="0"/>
+                  </a:ext>
+                  <a:ext uri="{96DAC541-7B7A-43D3-8B79-37D633B846F1}">
+                    <asvg:svgBlip xmlns:asvg="http://schemas.microsoft.com/office/drawing/2016/SVG/main" r:embed="rId3"/>
+                  </a:ext>
+                </a:extLst>
+              </a:blip>
+              <a:stretch>
+                <a:fillRect/>
+              </a:stretch>
+            </p:blipFill>
+            <p:spPr>
+              <a:xfrm>
+                <a:off x="8786724" y="2043971"/>
+                <a:ext cx="482539" cy="482539"/>
+              </a:xfrm>
+              <a:prstGeom prst="rect">
+                <a:avLst/>
+              </a:prstGeom>
+            </p:spPr>
+          </p:pic>
+        </p:grpSp>
+        <p:pic>
+          <p:nvPicPr>
+            <p:cNvPr id="234" name="Grafik 233" descr="Linienpfeil: Gerade">
+              <a:extLst>
+                <a:ext uri="{FF2B5EF4-FFF2-40B4-BE49-F238E27FC236}">
+                  <a16:creationId xmlns:a16="http://schemas.microsoft.com/office/drawing/2014/main" id="{34E79256-49D5-4EB1-9EFA-ED1429255B7E}"/>
+                </a:ext>
+              </a:extLst>
+            </p:cNvPr>
+            <p:cNvPicPr>
+              <a:picLocks noChangeAspect="1"/>
+            </p:cNvPicPr>
+            <p:nvPr/>
+          </p:nvPicPr>
+          <p:blipFill>
+            <a:blip r:embed="rId4">
+              <a:extLst>
+                <a:ext uri="{28A0092B-C50C-407E-A947-70E740481C1C}">
+                  <a14:useLocalDpi xmlns:a14="http://schemas.microsoft.com/office/drawing/2010/main" val="0"/>
+                </a:ext>
+                <a:ext uri="{96DAC541-7B7A-43D3-8B79-37D633B846F1}">
+                  <asvg:svgBlip xmlns:asvg="http://schemas.microsoft.com/office/drawing/2016/SVG/main" r:embed="rId5"/>
+                </a:ext>
+              </a:extLst>
+            </a:blip>
+            <a:stretch>
+              <a:fillRect/>
+            </a:stretch>
+          </p:blipFill>
+          <p:spPr>
+            <a:xfrm flipH="1">
+              <a:off x="5039997" y="5162910"/>
+              <a:ext cx="396000" cy="396000"/>
+            </a:xfrm>
+            <a:prstGeom prst="rect">
+              <a:avLst/>
+            </a:prstGeom>
+          </p:spPr>
+        </p:pic>
+      </p:grpSp>
+      <p:grpSp>
+        <p:nvGrpSpPr>
+          <p:cNvPr id="26" name="Gruppieren 25">
+            <a:extLst>
+              <a:ext uri="{FF2B5EF4-FFF2-40B4-BE49-F238E27FC236}">
+                <a16:creationId xmlns:a16="http://schemas.microsoft.com/office/drawing/2014/main" id="{BA34AC28-63A0-4FF0-8509-6AC23063EED8}"/>
+              </a:ext>
+            </a:extLst>
+          </p:cNvPr>
+          <p:cNvGrpSpPr/>
+          <p:nvPr/>
+        </p:nvGrpSpPr>
+        <p:grpSpPr>
+          <a:xfrm>
+            <a:off x="1518997" y="4681034"/>
+            <a:ext cx="864001" cy="864000"/>
+            <a:chOff x="2568041" y="4668141"/>
+            <a:chExt cx="864001" cy="864000"/>
+          </a:xfrm>
+        </p:grpSpPr>
+        <p:grpSp>
+          <p:nvGrpSpPr>
+            <p:cNvPr id="207" name="Gruppieren 206">
+              <a:extLst>
+                <a:ext uri="{FF2B5EF4-FFF2-40B4-BE49-F238E27FC236}">
+                  <a16:creationId xmlns:a16="http://schemas.microsoft.com/office/drawing/2014/main" id="{D073CBD4-AB99-415A-9008-6E180534B6EC}"/>
+                </a:ext>
+              </a:extLst>
+            </p:cNvPr>
+            <p:cNvGrpSpPr>
+              <a:grpSpLocks noChangeAspect="1"/>
+            </p:cNvGrpSpPr>
+            <p:nvPr/>
+          </p:nvGrpSpPr>
+          <p:grpSpPr>
+            <a:xfrm>
+              <a:off x="2568041" y="4668141"/>
+              <a:ext cx="864001" cy="864000"/>
+              <a:chOff x="1925186" y="900986"/>
+              <a:chExt cx="1219200" cy="1219199"/>
+            </a:xfrm>
+          </p:grpSpPr>
+          <p:sp>
+            <p:nvSpPr>
+              <p:cNvPr id="208" name="Rechteck 207">
+                <a:extLst>
+                  <a:ext uri="{FF2B5EF4-FFF2-40B4-BE49-F238E27FC236}">
+                    <a16:creationId xmlns:a16="http://schemas.microsoft.com/office/drawing/2014/main" id="{87AC51B3-B624-4715-AA56-DA0F25B182D6}"/>
+                  </a:ext>
+                </a:extLst>
+              </p:cNvPr>
+              <p:cNvSpPr/>
+              <p:nvPr/>
+            </p:nvSpPr>
+            <p:spPr>
+              <a:xfrm>
+                <a:off x="1925186" y="900986"/>
+                <a:ext cx="1219200" cy="732552"/>
+              </a:xfrm>
+              <a:prstGeom prst="rect">
+                <a:avLst/>
+              </a:prstGeom>
+              <a:solidFill>
+                <a:srgbClr val="000000"/>
+              </a:solidFill>
+              <a:ln>
+                <a:solidFill>
+                  <a:schemeClr val="tx1"/>
+                </a:solidFill>
+              </a:ln>
+            </p:spPr>
+            <p:style>
+              <a:lnRef idx="2">
+                <a:schemeClr val="accent1">
+                  <a:shade val="50000"/>
+                </a:schemeClr>
+              </a:lnRef>
+              <a:fillRef idx="1">
+                <a:schemeClr val="accent1"/>
+              </a:fillRef>
+              <a:effectRef idx="0">
+                <a:schemeClr val="accent1"/>
+              </a:effectRef>
+              <a:fontRef idx="minor">
+                <a:schemeClr val="lt1"/>
+              </a:fontRef>
+            </p:style>
+            <p:txBody>
+              <a:bodyPr rtlCol="0" anchor="ctr"/>
+              <a:lstStyle/>
+              <a:p>
+                <a:pPr algn="ctr"/>
+                <a:endParaRPr lang="de-DE" sz="1400" dirty="0">
+                  <a:solidFill>
+                    <a:srgbClr val="FF8800"/>
+                  </a:solidFill>
+                  <a:latin typeface="Euro Caps" pitchFamily="2" charset="0"/>
+                </a:endParaRPr>
+              </a:p>
+            </p:txBody>
+          </p:sp>
+          <p:sp>
+            <p:nvSpPr>
+              <p:cNvPr id="209" name="Rechteck 208">
+                <a:extLst>
+                  <a:ext uri="{FF2B5EF4-FFF2-40B4-BE49-F238E27FC236}">
+                    <a16:creationId xmlns:a16="http://schemas.microsoft.com/office/drawing/2014/main" id="{BBB307F4-2C4D-436F-82C6-27AC5A5FF5E7}"/>
+                  </a:ext>
+                </a:extLst>
+              </p:cNvPr>
+              <p:cNvSpPr/>
+              <p:nvPr/>
+            </p:nvSpPr>
+            <p:spPr>
+              <a:xfrm>
+                <a:off x="1925186" y="1633538"/>
+                <a:ext cx="1219200" cy="486647"/>
+              </a:xfrm>
+              <a:prstGeom prst="rect">
+                <a:avLst/>
+              </a:prstGeom>
+              <a:solidFill>
+                <a:srgbClr val="804400"/>
+              </a:solidFill>
+              <a:ln>
+                <a:solidFill>
+                  <a:srgbClr val="804400"/>
+                </a:solidFill>
+              </a:ln>
+            </p:spPr>
+            <p:style>
+              <a:lnRef idx="2">
+                <a:schemeClr val="accent1">
+                  <a:shade val="50000"/>
+                </a:schemeClr>
+              </a:lnRef>
+              <a:fillRef idx="1">
+                <a:schemeClr val="accent1"/>
+              </a:fillRef>
+              <a:effectRef idx="0">
+                <a:schemeClr val="accent1"/>
+              </a:effectRef>
+              <a:fontRef idx="minor">
+                <a:schemeClr val="lt1"/>
+              </a:fontRef>
+            </p:style>
+            <p:txBody>
+              <a:bodyPr rtlCol="0" anchor="ctr"/>
+              <a:lstStyle/>
+              <a:p>
+                <a:pPr algn="ctr"/>
+                <a:r>
+                  <a:rPr lang="de-DE" b="1" dirty="0">
+                    <a:solidFill>
+                      <a:srgbClr val="000000"/>
+                    </a:solidFill>
+                    <a:latin typeface="Euro Caps" pitchFamily="2" charset="0"/>
+                  </a:rPr>
+                  <a:t>Free</a:t>
+                </a:r>
+                <a:endParaRPr lang="en-DE" b="1" dirty="0">
+                  <a:solidFill>
+                    <a:srgbClr val="000000"/>
+                  </a:solidFill>
+                  <a:latin typeface="Euro Caps" pitchFamily="2" charset="0"/>
+                </a:endParaRPr>
+              </a:p>
+            </p:txBody>
+          </p:sp>
+        </p:grpSp>
+        <p:pic>
+          <p:nvPicPr>
+            <p:cNvPr id="245" name="Grafik 244" descr="Senden">
+              <a:extLst>
+                <a:ext uri="{FF2B5EF4-FFF2-40B4-BE49-F238E27FC236}">
+                  <a16:creationId xmlns:a16="http://schemas.microsoft.com/office/drawing/2014/main" id="{37DF035C-FDE7-46C8-8A2A-92E9299E4DBD}"/>
+                </a:ext>
+              </a:extLst>
+            </p:cNvPr>
+            <p:cNvPicPr>
+              <a:picLocks noChangeAspect="1"/>
+            </p:cNvPicPr>
+            <p:nvPr/>
+          </p:nvPicPr>
+          <p:blipFill>
+            <a:blip r:embed="rId6">
+              <a:extLst>
+                <a:ext uri="{28A0092B-C50C-407E-A947-70E740481C1C}">
+                  <a14:useLocalDpi xmlns:a14="http://schemas.microsoft.com/office/drawing/2010/main" val="0"/>
+                </a:ext>
+                <a:ext uri="{96DAC541-7B7A-43D3-8B79-37D633B846F1}">
+                  <asvg:svgBlip xmlns:asvg="http://schemas.microsoft.com/office/drawing/2016/SVG/main" r:embed="rId7"/>
+                </a:ext>
+              </a:extLst>
+            </a:blip>
+            <a:stretch>
+              <a:fillRect/>
+            </a:stretch>
+          </p:blipFill>
+          <p:spPr>
+            <a:xfrm>
+              <a:off x="2802041" y="4729707"/>
+              <a:ext cx="396000" cy="396000"/>
+            </a:xfrm>
+            <a:prstGeom prst="rect">
+              <a:avLst/>
+            </a:prstGeom>
+          </p:spPr>
+        </p:pic>
+      </p:grpSp>
+    </p:spTree>
+    <p:extLst>
+      <p:ext uri="{BB962C8B-B14F-4D97-AF65-F5344CB8AC3E}">
+        <p14:creationId xmlns:p14="http://schemas.microsoft.com/office/powerpoint/2010/main" val="979106260"/>
+      </p:ext>
+    </p:extLst>
+  </p:cSld>
+  <p:clrMapOvr>
+    <a:masterClrMapping/>
+  </p:clrMapOvr>
+</p:sld>
+</file>
+
+<file path=ppt/slides/slide3.xml><?xml version="1.0" encoding="utf-8"?>
+<p:sld xmlns:a="http://schemas.openxmlformats.org/drawingml/2006/main" xmlns:r="http://schemas.openxmlformats.org/officeDocument/2006/relationships" xmlns:p="http://schemas.openxmlformats.org/presentationml/2006/main">
+  <p:cSld>
+    <p:spTree>
+      <p:nvGrpSpPr>
+        <p:cNvPr id="1" name=""/>
+        <p:cNvGrpSpPr/>
+        <p:nvPr/>
+      </p:nvGrpSpPr>
+      <p:grpSpPr>
+        <a:xfrm>
+          <a:off x="0" y="0"/>
+          <a:ext cx="0" cy="0"/>
+          <a:chOff x="0" y="0"/>
+          <a:chExt cx="0" cy="0"/>
+        </a:xfrm>
+      </p:grpSpPr>
+      <p:grpSp>
+        <p:nvGrpSpPr>
           <p:cNvPr id="7" name="Gruppieren 6">
             <a:extLst>
               <a:ext uri="{FF2B5EF4-FFF2-40B4-BE49-F238E27FC236}">
@@ -12568,10 +14863,836 @@
           </p:spPr>
         </p:pic>
       </p:grpSp>
+      <p:grpSp>
+        <p:nvGrpSpPr>
+          <p:cNvPr id="36" name="Gruppieren 35">
+            <a:extLst>
+              <a:ext uri="{FF2B5EF4-FFF2-40B4-BE49-F238E27FC236}">
+                <a16:creationId xmlns:a16="http://schemas.microsoft.com/office/drawing/2014/main" id="{84D39A64-C375-4264-BB6E-6AE8F8687376}"/>
+              </a:ext>
+            </a:extLst>
+          </p:cNvPr>
+          <p:cNvGrpSpPr/>
+          <p:nvPr/>
+        </p:nvGrpSpPr>
+        <p:grpSpPr>
+          <a:xfrm>
+            <a:off x="6428182" y="3450149"/>
+            <a:ext cx="864001" cy="864000"/>
+            <a:chOff x="6428182" y="3450149"/>
+            <a:chExt cx="864001" cy="864000"/>
+          </a:xfrm>
+        </p:grpSpPr>
+        <p:grpSp>
+          <p:nvGrpSpPr>
+            <p:cNvPr id="144" name="Gruppieren 143">
+              <a:extLst>
+                <a:ext uri="{FF2B5EF4-FFF2-40B4-BE49-F238E27FC236}">
+                  <a16:creationId xmlns:a16="http://schemas.microsoft.com/office/drawing/2014/main" id="{04DF88DF-849B-4F2A-AD85-6E6DB51E2DD0}"/>
+                </a:ext>
+              </a:extLst>
+            </p:cNvPr>
+            <p:cNvGrpSpPr/>
+            <p:nvPr/>
+          </p:nvGrpSpPr>
+          <p:grpSpPr>
+            <a:xfrm>
+              <a:off x="6428182" y="3450149"/>
+              <a:ext cx="864001" cy="864000"/>
+              <a:chOff x="1925186" y="900986"/>
+              <a:chExt cx="1219200" cy="1219199"/>
+            </a:xfrm>
+          </p:grpSpPr>
+          <p:sp>
+            <p:nvSpPr>
+              <p:cNvPr id="146" name="Rechteck 145">
+                <a:extLst>
+                  <a:ext uri="{FF2B5EF4-FFF2-40B4-BE49-F238E27FC236}">
+                    <a16:creationId xmlns:a16="http://schemas.microsoft.com/office/drawing/2014/main" id="{B982B6A9-6F87-455D-A1FF-B5BF767109BE}"/>
+                  </a:ext>
+                </a:extLst>
+              </p:cNvPr>
+              <p:cNvSpPr/>
+              <p:nvPr/>
+            </p:nvSpPr>
+            <p:spPr>
+              <a:xfrm>
+                <a:off x="1925186" y="900986"/>
+                <a:ext cx="1219200" cy="732552"/>
+              </a:xfrm>
+              <a:prstGeom prst="rect">
+                <a:avLst/>
+              </a:prstGeom>
+              <a:solidFill>
+                <a:srgbClr val="000000"/>
+              </a:solidFill>
+              <a:ln>
+                <a:solidFill>
+                  <a:schemeClr val="tx1"/>
+                </a:solidFill>
+              </a:ln>
+            </p:spPr>
+            <p:style>
+              <a:lnRef idx="2">
+                <a:schemeClr val="accent1">
+                  <a:shade val="50000"/>
+                </a:schemeClr>
+              </a:lnRef>
+              <a:fillRef idx="1">
+                <a:schemeClr val="accent1"/>
+              </a:fillRef>
+              <a:effectRef idx="0">
+                <a:schemeClr val="accent1"/>
+              </a:effectRef>
+              <a:fontRef idx="minor">
+                <a:schemeClr val="lt1"/>
+              </a:fontRef>
+            </p:style>
+            <p:txBody>
+              <a:bodyPr rtlCol="0" anchor="ctr"/>
+              <a:lstStyle/>
+              <a:p>
+                <a:pPr algn="ctr"/>
+                <a:endParaRPr lang="de-DE" dirty="0">
+                  <a:solidFill>
+                    <a:srgbClr val="FF8800"/>
+                  </a:solidFill>
+                  <a:latin typeface="Euro Caps" pitchFamily="2" charset="0"/>
+                </a:endParaRPr>
+              </a:p>
+            </p:txBody>
+          </p:sp>
+          <p:sp>
+            <p:nvSpPr>
+              <p:cNvPr id="147" name="Rechteck 146">
+                <a:extLst>
+                  <a:ext uri="{FF2B5EF4-FFF2-40B4-BE49-F238E27FC236}">
+                    <a16:creationId xmlns:a16="http://schemas.microsoft.com/office/drawing/2014/main" id="{6F181FCF-361E-4A6B-B8D9-81EA2771DFA2}"/>
+                  </a:ext>
+                </a:extLst>
+              </p:cNvPr>
+              <p:cNvSpPr/>
+              <p:nvPr/>
+            </p:nvSpPr>
+            <p:spPr>
+              <a:xfrm>
+                <a:off x="1925186" y="1633538"/>
+                <a:ext cx="1219200" cy="486647"/>
+              </a:xfrm>
+              <a:prstGeom prst="rect">
+                <a:avLst/>
+              </a:prstGeom>
+              <a:solidFill>
+                <a:srgbClr val="804400"/>
+              </a:solidFill>
+              <a:ln>
+                <a:solidFill>
+                  <a:srgbClr val="804400"/>
+                </a:solidFill>
+              </a:ln>
+            </p:spPr>
+            <p:style>
+              <a:lnRef idx="2">
+                <a:schemeClr val="accent1">
+                  <a:shade val="50000"/>
+                </a:schemeClr>
+              </a:lnRef>
+              <a:fillRef idx="1">
+                <a:schemeClr val="accent1"/>
+              </a:fillRef>
+              <a:effectRef idx="0">
+                <a:schemeClr val="accent1"/>
+              </a:effectRef>
+              <a:fontRef idx="minor">
+                <a:schemeClr val="lt1"/>
+              </a:fontRef>
+            </p:style>
+            <p:txBody>
+              <a:bodyPr rtlCol="0" anchor="ctr"/>
+              <a:lstStyle/>
+              <a:p>
+                <a:pPr algn="ctr"/>
+                <a:r>
+                  <a:rPr lang="de-DE" b="1" dirty="0" err="1">
+                    <a:solidFill>
+                      <a:srgbClr val="000000"/>
+                    </a:solidFill>
+                    <a:latin typeface="Euro Caps" pitchFamily="2" charset="0"/>
+                  </a:rPr>
+                  <a:t>group</a:t>
+                </a:r>
+                <a:endParaRPr lang="en-DE" b="1" dirty="0">
+                  <a:solidFill>
+                    <a:srgbClr val="000000"/>
+                  </a:solidFill>
+                  <a:latin typeface="Euro Caps" pitchFamily="2" charset="0"/>
+                </a:endParaRPr>
+              </a:p>
+            </p:txBody>
+          </p:sp>
+        </p:grpSp>
+        <p:pic>
+          <p:nvPicPr>
+            <p:cNvPr id="31" name="Grafik 30">
+              <a:extLst>
+                <a:ext uri="{FF2B5EF4-FFF2-40B4-BE49-F238E27FC236}">
+                  <a16:creationId xmlns:a16="http://schemas.microsoft.com/office/drawing/2014/main" id="{03C7B8C2-F6F6-4FD6-A5DE-309FCBE58D2D}"/>
+                </a:ext>
+              </a:extLst>
+            </p:cNvPr>
+            <p:cNvPicPr>
+              <a:picLocks noChangeAspect="1"/>
+            </p:cNvPicPr>
+            <p:nvPr/>
+          </p:nvPicPr>
+          <p:blipFill>
+            <a:blip r:embed="rId30">
+              <a:extLst>
+                <a:ext uri="{28A0092B-C50C-407E-A947-70E740481C1C}">
+                  <a14:useLocalDpi xmlns:a14="http://schemas.microsoft.com/office/drawing/2010/main" val="0"/>
+                </a:ext>
+              </a:extLst>
+            </a:blip>
+            <a:stretch>
+              <a:fillRect/>
+            </a:stretch>
+          </p:blipFill>
+          <p:spPr>
+            <a:xfrm>
+              <a:off x="6646773" y="3536856"/>
+              <a:ext cx="426818" cy="344868"/>
+            </a:xfrm>
+            <a:prstGeom prst="rect">
+              <a:avLst/>
+            </a:prstGeom>
+          </p:spPr>
+        </p:pic>
+      </p:grpSp>
+      <p:grpSp>
+        <p:nvGrpSpPr>
+          <p:cNvPr id="74" name="Gruppieren 73">
+            <a:extLst>
+              <a:ext uri="{FF2B5EF4-FFF2-40B4-BE49-F238E27FC236}">
+                <a16:creationId xmlns:a16="http://schemas.microsoft.com/office/drawing/2014/main" id="{5C5FBE85-E089-4F3F-9206-3EFE9B40246E}"/>
+              </a:ext>
+            </a:extLst>
+          </p:cNvPr>
+          <p:cNvGrpSpPr/>
+          <p:nvPr/>
+        </p:nvGrpSpPr>
+        <p:grpSpPr>
+          <a:xfrm>
+            <a:off x="7292183" y="4512890"/>
+            <a:ext cx="864001" cy="864000"/>
+            <a:chOff x="8595994" y="2025675"/>
+            <a:chExt cx="864001" cy="864000"/>
+          </a:xfrm>
+        </p:grpSpPr>
+        <p:grpSp>
+          <p:nvGrpSpPr>
+            <p:cNvPr id="152" name="Gruppieren 151">
+              <a:extLst>
+                <a:ext uri="{FF2B5EF4-FFF2-40B4-BE49-F238E27FC236}">
+                  <a16:creationId xmlns:a16="http://schemas.microsoft.com/office/drawing/2014/main" id="{49A82311-8636-4346-B324-158AF7A05D48}"/>
+                </a:ext>
+              </a:extLst>
+            </p:cNvPr>
+            <p:cNvGrpSpPr/>
+            <p:nvPr/>
+          </p:nvGrpSpPr>
+          <p:grpSpPr>
+            <a:xfrm>
+              <a:off x="8595994" y="2025675"/>
+              <a:ext cx="864001" cy="864000"/>
+              <a:chOff x="1925186" y="900986"/>
+              <a:chExt cx="1219200" cy="1219199"/>
+            </a:xfrm>
+          </p:grpSpPr>
+          <p:sp>
+            <p:nvSpPr>
+              <p:cNvPr id="154" name="Rechteck 153">
+                <a:extLst>
+                  <a:ext uri="{FF2B5EF4-FFF2-40B4-BE49-F238E27FC236}">
+                    <a16:creationId xmlns:a16="http://schemas.microsoft.com/office/drawing/2014/main" id="{3737F7E2-12FC-4527-916E-502329D1B0D5}"/>
+                  </a:ext>
+                </a:extLst>
+              </p:cNvPr>
+              <p:cNvSpPr/>
+              <p:nvPr/>
+            </p:nvSpPr>
+            <p:spPr>
+              <a:xfrm>
+                <a:off x="1925186" y="900986"/>
+                <a:ext cx="1219200" cy="732552"/>
+              </a:xfrm>
+              <a:prstGeom prst="rect">
+                <a:avLst/>
+              </a:prstGeom>
+              <a:solidFill>
+                <a:srgbClr val="000000"/>
+              </a:solidFill>
+              <a:ln>
+                <a:solidFill>
+                  <a:schemeClr val="tx1"/>
+                </a:solidFill>
+              </a:ln>
+            </p:spPr>
+            <p:style>
+              <a:lnRef idx="2">
+                <a:schemeClr val="accent1">
+                  <a:shade val="50000"/>
+                </a:schemeClr>
+              </a:lnRef>
+              <a:fillRef idx="1">
+                <a:schemeClr val="accent1"/>
+              </a:fillRef>
+              <a:effectRef idx="0">
+                <a:schemeClr val="accent1"/>
+              </a:effectRef>
+              <a:fontRef idx="minor">
+                <a:schemeClr val="lt1"/>
+              </a:fontRef>
+            </p:style>
+            <p:txBody>
+              <a:bodyPr rtlCol="0" anchor="ctr"/>
+              <a:lstStyle/>
+              <a:p>
+                <a:pPr algn="ctr"/>
+                <a:endParaRPr lang="de-DE" dirty="0">
+                  <a:solidFill>
+                    <a:srgbClr val="FF8800"/>
+                  </a:solidFill>
+                  <a:latin typeface="Euro Caps" pitchFamily="2" charset="0"/>
+                </a:endParaRPr>
+              </a:p>
+            </p:txBody>
+          </p:sp>
+          <p:sp>
+            <p:nvSpPr>
+              <p:cNvPr id="155" name="Rechteck 154">
+                <a:extLst>
+                  <a:ext uri="{FF2B5EF4-FFF2-40B4-BE49-F238E27FC236}">
+                    <a16:creationId xmlns:a16="http://schemas.microsoft.com/office/drawing/2014/main" id="{6B1CA40C-5A1A-4D28-9A74-80A7A6A4DFC0}"/>
+                  </a:ext>
+                </a:extLst>
+              </p:cNvPr>
+              <p:cNvSpPr/>
+              <p:nvPr/>
+            </p:nvSpPr>
+            <p:spPr>
+              <a:xfrm>
+                <a:off x="1925186" y="1633538"/>
+                <a:ext cx="1219200" cy="486647"/>
+              </a:xfrm>
+              <a:prstGeom prst="rect">
+                <a:avLst/>
+              </a:prstGeom>
+              <a:solidFill>
+                <a:srgbClr val="804400"/>
+              </a:solidFill>
+              <a:ln>
+                <a:solidFill>
+                  <a:srgbClr val="804400"/>
+                </a:solidFill>
+              </a:ln>
+            </p:spPr>
+            <p:style>
+              <a:lnRef idx="2">
+                <a:schemeClr val="accent1">
+                  <a:shade val="50000"/>
+                </a:schemeClr>
+              </a:lnRef>
+              <a:fillRef idx="1">
+                <a:schemeClr val="accent1"/>
+              </a:fillRef>
+              <a:effectRef idx="0">
+                <a:schemeClr val="accent1"/>
+              </a:effectRef>
+              <a:fontRef idx="minor">
+                <a:schemeClr val="lt1"/>
+              </a:fontRef>
+            </p:style>
+            <p:txBody>
+              <a:bodyPr rtlCol="0" anchor="ctr"/>
+              <a:lstStyle/>
+              <a:p>
+                <a:pPr algn="ctr"/>
+                <a:r>
+                  <a:rPr lang="de-DE" b="1" dirty="0">
+                    <a:solidFill>
+                      <a:srgbClr val="000000"/>
+                    </a:solidFill>
+                    <a:latin typeface="Euro Caps" pitchFamily="2" charset="0"/>
+                  </a:rPr>
+                  <a:t>Cam</a:t>
+                </a:r>
+                <a:endParaRPr lang="en-DE" b="1" dirty="0">
+                  <a:solidFill>
+                    <a:srgbClr val="000000"/>
+                  </a:solidFill>
+                  <a:latin typeface="Euro Caps" pitchFamily="2" charset="0"/>
+                </a:endParaRPr>
+              </a:p>
+            </p:txBody>
+          </p:sp>
+        </p:grpSp>
+        <p:pic>
+          <p:nvPicPr>
+            <p:cNvPr id="73" name="Grafik 72" descr="Überwachungskamera">
+              <a:extLst>
+                <a:ext uri="{FF2B5EF4-FFF2-40B4-BE49-F238E27FC236}">
+                  <a16:creationId xmlns:a16="http://schemas.microsoft.com/office/drawing/2014/main" id="{D78AC77C-83B1-4FCB-B95E-1ACF017C67AD}"/>
+                </a:ext>
+              </a:extLst>
+            </p:cNvPr>
+            <p:cNvPicPr>
+              <a:picLocks noChangeAspect="1"/>
+            </p:cNvPicPr>
+            <p:nvPr/>
+          </p:nvPicPr>
+          <p:blipFill>
+            <a:blip r:embed="rId31">
+              <a:extLst>
+                <a:ext uri="{28A0092B-C50C-407E-A947-70E740481C1C}">
+                  <a14:useLocalDpi xmlns:a14="http://schemas.microsoft.com/office/drawing/2010/main" val="0"/>
+                </a:ext>
+                <a:ext uri="{96DAC541-7B7A-43D3-8B79-37D633B846F1}">
+                  <asvg:svgBlip xmlns:asvg="http://schemas.microsoft.com/office/drawing/2016/SVG/main" r:embed="rId32"/>
+                </a:ext>
+              </a:extLst>
+            </a:blip>
+            <a:stretch>
+              <a:fillRect/>
+            </a:stretch>
+          </p:blipFill>
+          <p:spPr>
+            <a:xfrm>
+              <a:off x="8786724" y="2043971"/>
+              <a:ext cx="482539" cy="482539"/>
+            </a:xfrm>
+            <a:prstGeom prst="rect">
+              <a:avLst/>
+            </a:prstGeom>
+          </p:spPr>
+        </p:pic>
+      </p:grpSp>
+      <p:grpSp>
+        <p:nvGrpSpPr>
+          <p:cNvPr id="75" name="Gruppieren 74">
+            <a:extLst>
+              <a:ext uri="{FF2B5EF4-FFF2-40B4-BE49-F238E27FC236}">
+                <a16:creationId xmlns:a16="http://schemas.microsoft.com/office/drawing/2014/main" id="{029CD9B2-9595-4690-A185-CB588443406C}"/>
+              </a:ext>
+            </a:extLst>
+          </p:cNvPr>
+          <p:cNvGrpSpPr/>
+          <p:nvPr/>
+        </p:nvGrpSpPr>
+        <p:grpSpPr>
+          <a:xfrm>
+            <a:off x="8300490" y="4512890"/>
+            <a:ext cx="864001" cy="864000"/>
+            <a:chOff x="9604301" y="2025675"/>
+            <a:chExt cx="864001" cy="864000"/>
+          </a:xfrm>
+        </p:grpSpPr>
+        <p:grpSp>
+          <p:nvGrpSpPr>
+            <p:cNvPr id="171" name="Gruppieren 170">
+              <a:extLst>
+                <a:ext uri="{FF2B5EF4-FFF2-40B4-BE49-F238E27FC236}">
+                  <a16:creationId xmlns:a16="http://schemas.microsoft.com/office/drawing/2014/main" id="{6C8E7138-2C62-4332-9B9D-5DEB50B59D7B}"/>
+                </a:ext>
+              </a:extLst>
+            </p:cNvPr>
+            <p:cNvGrpSpPr/>
+            <p:nvPr/>
+          </p:nvGrpSpPr>
+          <p:grpSpPr>
+            <a:xfrm>
+              <a:off x="9604301" y="2025675"/>
+              <a:ext cx="864001" cy="864000"/>
+              <a:chOff x="1925186" y="900986"/>
+              <a:chExt cx="1219200" cy="1219199"/>
+            </a:xfrm>
+          </p:grpSpPr>
+          <p:sp>
+            <p:nvSpPr>
+              <p:cNvPr id="176" name="Rechteck 175">
+                <a:extLst>
+                  <a:ext uri="{FF2B5EF4-FFF2-40B4-BE49-F238E27FC236}">
+                    <a16:creationId xmlns:a16="http://schemas.microsoft.com/office/drawing/2014/main" id="{7F6C075A-7AC1-4EF9-B970-170197C80DEA}"/>
+                  </a:ext>
+                </a:extLst>
+              </p:cNvPr>
+              <p:cNvSpPr/>
+              <p:nvPr/>
+            </p:nvSpPr>
+            <p:spPr>
+              <a:xfrm>
+                <a:off x="1925186" y="900986"/>
+                <a:ext cx="1219200" cy="732552"/>
+              </a:xfrm>
+              <a:prstGeom prst="rect">
+                <a:avLst/>
+              </a:prstGeom>
+              <a:solidFill>
+                <a:srgbClr val="FF8800"/>
+              </a:solidFill>
+              <a:ln>
+                <a:solidFill>
+                  <a:srgbClr val="FF8800"/>
+                </a:solidFill>
+              </a:ln>
+            </p:spPr>
+            <p:style>
+              <a:lnRef idx="2">
+                <a:schemeClr val="accent1">
+                  <a:shade val="50000"/>
+                </a:schemeClr>
+              </a:lnRef>
+              <a:fillRef idx="1">
+                <a:schemeClr val="accent1"/>
+              </a:fillRef>
+              <a:effectRef idx="0">
+                <a:schemeClr val="accent1"/>
+              </a:effectRef>
+              <a:fontRef idx="minor">
+                <a:schemeClr val="lt1"/>
+              </a:fontRef>
+            </p:style>
+            <p:txBody>
+              <a:bodyPr rtlCol="0" anchor="ctr"/>
+              <a:lstStyle/>
+              <a:p>
+                <a:pPr algn="ctr"/>
+                <a:endParaRPr lang="de-DE" dirty="0">
+                  <a:solidFill>
+                    <a:srgbClr val="FF8800"/>
+                  </a:solidFill>
+                  <a:latin typeface="Euro Caps" pitchFamily="2" charset="0"/>
+                </a:endParaRPr>
+              </a:p>
+            </p:txBody>
+          </p:sp>
+          <p:sp>
+            <p:nvSpPr>
+              <p:cNvPr id="178" name="Rechteck 177">
+                <a:extLst>
+                  <a:ext uri="{FF2B5EF4-FFF2-40B4-BE49-F238E27FC236}">
+                    <a16:creationId xmlns:a16="http://schemas.microsoft.com/office/drawing/2014/main" id="{E589AE35-FA38-4BE2-A929-9448832FAD6C}"/>
+                  </a:ext>
+                </a:extLst>
+              </p:cNvPr>
+              <p:cNvSpPr/>
+              <p:nvPr/>
+            </p:nvSpPr>
+            <p:spPr>
+              <a:xfrm>
+                <a:off x="1925186" y="1633538"/>
+                <a:ext cx="1219200" cy="486647"/>
+              </a:xfrm>
+              <a:prstGeom prst="rect">
+                <a:avLst/>
+              </a:prstGeom>
+              <a:solidFill>
+                <a:schemeClr val="tx1"/>
+              </a:solidFill>
+              <a:ln>
+                <a:solidFill>
+                  <a:schemeClr val="tx1"/>
+                </a:solidFill>
+              </a:ln>
+            </p:spPr>
+            <p:style>
+              <a:lnRef idx="2">
+                <a:schemeClr val="accent1">
+                  <a:shade val="50000"/>
+                </a:schemeClr>
+              </a:lnRef>
+              <a:fillRef idx="1">
+                <a:schemeClr val="accent1"/>
+              </a:fillRef>
+              <a:effectRef idx="0">
+                <a:schemeClr val="accent1"/>
+              </a:effectRef>
+              <a:fontRef idx="minor">
+                <a:schemeClr val="lt1"/>
+              </a:fontRef>
+            </p:style>
+            <p:txBody>
+              <a:bodyPr rtlCol="0" anchor="ctr"/>
+              <a:lstStyle/>
+              <a:p>
+                <a:pPr algn="ctr"/>
+                <a:r>
+                  <a:rPr lang="de-DE" b="1" dirty="0">
+                    <a:solidFill>
+                      <a:srgbClr val="FF8800"/>
+                    </a:solidFill>
+                    <a:latin typeface="Euro Caps" pitchFamily="2" charset="0"/>
+                  </a:rPr>
+                  <a:t>Cam</a:t>
+                </a:r>
+                <a:endParaRPr lang="en-DE" b="1" dirty="0">
+                  <a:solidFill>
+                    <a:srgbClr val="FF8800"/>
+                  </a:solidFill>
+                  <a:latin typeface="Euro Caps" pitchFamily="2" charset="0"/>
+                </a:endParaRPr>
+              </a:p>
+            </p:txBody>
+          </p:sp>
+        </p:grpSp>
+        <p:pic>
+          <p:nvPicPr>
+            <p:cNvPr id="184" name="Grafik 183" descr="Überwachungskamera">
+              <a:extLst>
+                <a:ext uri="{FF2B5EF4-FFF2-40B4-BE49-F238E27FC236}">
+                  <a16:creationId xmlns:a16="http://schemas.microsoft.com/office/drawing/2014/main" id="{AFD7823A-6882-4B9F-88A5-5B3B9EB07335}"/>
+                </a:ext>
+              </a:extLst>
+            </p:cNvPr>
+            <p:cNvPicPr>
+              <a:picLocks noChangeAspect="1"/>
+            </p:cNvPicPr>
+            <p:nvPr/>
+          </p:nvPicPr>
+          <p:blipFill>
+            <a:blip r:embed="rId33">
+              <a:extLst>
+                <a:ext uri="{28A0092B-C50C-407E-A947-70E740481C1C}">
+                  <a14:useLocalDpi xmlns:a14="http://schemas.microsoft.com/office/drawing/2010/main" val="0"/>
+                </a:ext>
+                <a:ext uri="{96DAC541-7B7A-43D3-8B79-37D633B846F1}">
+                  <asvg:svgBlip xmlns:asvg="http://schemas.microsoft.com/office/drawing/2016/SVG/main" r:embed="rId34"/>
+                </a:ext>
+              </a:extLst>
+            </a:blip>
+            <a:stretch>
+              <a:fillRect/>
+            </a:stretch>
+          </p:blipFill>
+          <p:spPr>
+            <a:xfrm>
+              <a:off x="9795031" y="2043970"/>
+              <a:ext cx="482539" cy="482539"/>
+            </a:xfrm>
+            <a:prstGeom prst="rect">
+              <a:avLst/>
+            </a:prstGeom>
+          </p:spPr>
+        </p:pic>
+      </p:grpSp>
+      <p:grpSp>
+        <p:nvGrpSpPr>
+          <p:cNvPr id="97" name="Gruppieren 96">
+            <a:extLst>
+              <a:ext uri="{FF2B5EF4-FFF2-40B4-BE49-F238E27FC236}">
+                <a16:creationId xmlns:a16="http://schemas.microsoft.com/office/drawing/2014/main" id="{D520DE71-3B87-4C55-A975-4FB29CA170DC}"/>
+              </a:ext>
+            </a:extLst>
+          </p:cNvPr>
+          <p:cNvGrpSpPr/>
+          <p:nvPr/>
+        </p:nvGrpSpPr>
+        <p:grpSpPr>
+          <a:xfrm>
+            <a:off x="7381511" y="3445854"/>
+            <a:ext cx="864001" cy="864000"/>
+            <a:chOff x="7381511" y="3445854"/>
+            <a:chExt cx="864001" cy="864000"/>
+          </a:xfrm>
+        </p:grpSpPr>
+        <p:grpSp>
+          <p:nvGrpSpPr>
+            <p:cNvPr id="190" name="Gruppieren 189">
+              <a:extLst>
+                <a:ext uri="{FF2B5EF4-FFF2-40B4-BE49-F238E27FC236}">
+                  <a16:creationId xmlns:a16="http://schemas.microsoft.com/office/drawing/2014/main" id="{346D17F1-6433-456F-A947-BB0B6B8219C5}"/>
+                </a:ext>
+              </a:extLst>
+            </p:cNvPr>
+            <p:cNvGrpSpPr/>
+            <p:nvPr/>
+          </p:nvGrpSpPr>
+          <p:grpSpPr>
+            <a:xfrm>
+              <a:off x="7381511" y="3445854"/>
+              <a:ext cx="864001" cy="864000"/>
+              <a:chOff x="1925186" y="900986"/>
+              <a:chExt cx="1219200" cy="1219199"/>
+            </a:xfrm>
+          </p:grpSpPr>
+          <p:sp>
+            <p:nvSpPr>
+              <p:cNvPr id="192" name="Rechteck 191">
+                <a:extLst>
+                  <a:ext uri="{FF2B5EF4-FFF2-40B4-BE49-F238E27FC236}">
+                    <a16:creationId xmlns:a16="http://schemas.microsoft.com/office/drawing/2014/main" id="{502DDB10-D3B4-4DF7-9C82-51CD73617E73}"/>
+                  </a:ext>
+                </a:extLst>
+              </p:cNvPr>
+              <p:cNvSpPr/>
+              <p:nvPr/>
+            </p:nvSpPr>
+            <p:spPr>
+              <a:xfrm>
+                <a:off x="1925186" y="900986"/>
+                <a:ext cx="1219200" cy="732552"/>
+              </a:xfrm>
+              <a:prstGeom prst="rect">
+                <a:avLst/>
+              </a:prstGeom>
+              <a:solidFill>
+                <a:srgbClr val="000000"/>
+              </a:solidFill>
+              <a:ln>
+                <a:solidFill>
+                  <a:schemeClr val="tx1"/>
+                </a:solidFill>
+              </a:ln>
+            </p:spPr>
+            <p:style>
+              <a:lnRef idx="2">
+                <a:schemeClr val="accent1">
+                  <a:shade val="50000"/>
+                </a:schemeClr>
+              </a:lnRef>
+              <a:fillRef idx="1">
+                <a:schemeClr val="accent1"/>
+              </a:fillRef>
+              <a:effectRef idx="0">
+                <a:schemeClr val="accent1"/>
+              </a:effectRef>
+              <a:fontRef idx="minor">
+                <a:schemeClr val="lt1"/>
+              </a:fontRef>
+            </p:style>
+            <p:txBody>
+              <a:bodyPr rtlCol="0" anchor="ctr"/>
+              <a:lstStyle/>
+              <a:p>
+                <a:pPr algn="ctr"/>
+                <a:endParaRPr lang="de-DE" dirty="0">
+                  <a:solidFill>
+                    <a:srgbClr val="FF8800"/>
+                  </a:solidFill>
+                  <a:latin typeface="Euro Caps" pitchFamily="2" charset="0"/>
+                </a:endParaRPr>
+              </a:p>
+            </p:txBody>
+          </p:sp>
+          <p:sp>
+            <p:nvSpPr>
+              <p:cNvPr id="193" name="Rechteck 192">
+                <a:extLst>
+                  <a:ext uri="{FF2B5EF4-FFF2-40B4-BE49-F238E27FC236}">
+                    <a16:creationId xmlns:a16="http://schemas.microsoft.com/office/drawing/2014/main" id="{84BFF859-347B-45AC-BEA5-A690736873B8}"/>
+                  </a:ext>
+                </a:extLst>
+              </p:cNvPr>
+              <p:cNvSpPr/>
+              <p:nvPr/>
+            </p:nvSpPr>
+            <p:spPr>
+              <a:xfrm>
+                <a:off x="1925186" y="1633538"/>
+                <a:ext cx="1219200" cy="486647"/>
+              </a:xfrm>
+              <a:prstGeom prst="rect">
+                <a:avLst/>
+              </a:prstGeom>
+              <a:solidFill>
+                <a:srgbClr val="804400"/>
+              </a:solidFill>
+              <a:ln>
+                <a:solidFill>
+                  <a:srgbClr val="804400"/>
+                </a:solidFill>
+              </a:ln>
+            </p:spPr>
+            <p:style>
+              <a:lnRef idx="2">
+                <a:schemeClr val="accent1">
+                  <a:shade val="50000"/>
+                </a:schemeClr>
+              </a:lnRef>
+              <a:fillRef idx="1">
+                <a:schemeClr val="accent1"/>
+              </a:fillRef>
+              <a:effectRef idx="0">
+                <a:schemeClr val="accent1"/>
+              </a:effectRef>
+              <a:fontRef idx="minor">
+                <a:schemeClr val="lt1"/>
+              </a:fontRef>
+            </p:style>
+            <p:txBody>
+              <a:bodyPr rtlCol="0" anchor="ctr"/>
+              <a:lstStyle/>
+              <a:p>
+                <a:pPr algn="ctr"/>
+                <a:r>
+                  <a:rPr lang="de-DE" b="1" dirty="0">
+                    <a:solidFill>
+                      <a:srgbClr val="000000"/>
+                    </a:solidFill>
+                    <a:latin typeface="Euro Caps" pitchFamily="2" charset="0"/>
+                  </a:rPr>
+                  <a:t>RAT</a:t>
+                </a:r>
+                <a:endParaRPr lang="en-DE" b="1" dirty="0">
+                  <a:solidFill>
+                    <a:srgbClr val="000000"/>
+                  </a:solidFill>
+                  <a:latin typeface="Euro Caps" pitchFamily="2" charset="0"/>
+                </a:endParaRPr>
+              </a:p>
+            </p:txBody>
+          </p:sp>
+        </p:grpSp>
+        <p:pic>
+          <p:nvPicPr>
+            <p:cNvPr id="96" name="Grafik 95">
+              <a:extLst>
+                <a:ext uri="{FF2B5EF4-FFF2-40B4-BE49-F238E27FC236}">
+                  <a16:creationId xmlns:a16="http://schemas.microsoft.com/office/drawing/2014/main" id="{BA4BAF47-A975-4029-9FDE-5771ABDE6295}"/>
+                </a:ext>
+              </a:extLst>
+            </p:cNvPr>
+            <p:cNvPicPr>
+              <a:picLocks noChangeAspect="1"/>
+            </p:cNvPicPr>
+            <p:nvPr/>
+          </p:nvPicPr>
+          <p:blipFill>
+            <a:blip r:embed="rId35">
+              <a:extLst>
+                <a:ext uri="{28A0092B-C50C-407E-A947-70E740481C1C}">
+                  <a14:useLocalDpi xmlns:a14="http://schemas.microsoft.com/office/drawing/2010/main" val="0"/>
+                </a:ext>
+              </a:extLst>
+            </a:blip>
+            <a:stretch>
+              <a:fillRect/>
+            </a:stretch>
+          </p:blipFill>
+          <p:spPr>
+            <a:xfrm>
+              <a:off x="7599349" y="3484791"/>
+              <a:ext cx="428323" cy="430334"/>
+            </a:xfrm>
+            <a:prstGeom prst="rect">
+              <a:avLst/>
+            </a:prstGeom>
+          </p:spPr>
+        </p:pic>
+      </p:grpSp>
     </p:spTree>
     <p:extLst>
       <p:ext uri="{BB962C8B-B14F-4D97-AF65-F5344CB8AC3E}">
-        <p14:creationId xmlns:p14="http://schemas.microsoft.com/office/powerpoint/2010/main" val="979106260"/>
+        <p14:creationId xmlns:p14="http://schemas.microsoft.com/office/powerpoint/2010/main" val="1900827610"/>
       </p:ext>
     </p:extLst>
   </p:cSld>
@@ -12581,7 +15702,7 @@
 </p:sld>
 </file>
 
-<file path=ppt/slides/slide3.xml><?xml version="1.0" encoding="utf-8"?>
+<file path=ppt/slides/slide4.xml><?xml version="1.0" encoding="utf-8"?>
 <p:sld xmlns:a="http://schemas.openxmlformats.org/drawingml/2006/main" xmlns:r="http://schemas.openxmlformats.org/officeDocument/2006/relationships" xmlns:p="http://schemas.openxmlformats.org/presentationml/2006/main">
   <p:cSld>
     <p:spTree>
@@ -18257,6 +21378,84 @@
           </p:spPr>
         </p:pic>
       </p:grpSp>
+      <p:pic>
+        <p:nvPicPr>
+          <p:cNvPr id="133" name="Grafik 132" descr="Linienpfeil: Gerade">
+            <a:extLst>
+              <a:ext uri="{FF2B5EF4-FFF2-40B4-BE49-F238E27FC236}">
+                <a16:creationId xmlns:a16="http://schemas.microsoft.com/office/drawing/2014/main" id="{583548B5-204F-4EDB-9761-E4E28EBA91AA}"/>
+              </a:ext>
+            </a:extLst>
+          </p:cNvPr>
+          <p:cNvPicPr>
+            <a:picLocks noChangeAspect="1"/>
+          </p:cNvPicPr>
+          <p:nvPr/>
+        </p:nvPicPr>
+        <p:blipFill>
+          <a:blip r:embed="rId17">
+            <a:extLst>
+              <a:ext uri="{28A0092B-C50C-407E-A947-70E740481C1C}">
+                <a14:useLocalDpi xmlns:a14="http://schemas.microsoft.com/office/drawing/2010/main" val="0"/>
+              </a:ext>
+              <a:ext uri="{96DAC541-7B7A-43D3-8B79-37D633B846F1}">
+                <asvg:svgBlip xmlns:asvg="http://schemas.microsoft.com/office/drawing/2016/SVG/main" r:embed="rId18"/>
+              </a:ext>
+            </a:extLst>
+          </a:blip>
+          <a:stretch>
+            <a:fillRect/>
+          </a:stretch>
+        </p:blipFill>
+        <p:spPr>
+          <a:xfrm>
+            <a:off x="8567178" y="4609014"/>
+            <a:ext cx="396000" cy="396000"/>
+          </a:xfrm>
+          <a:prstGeom prst="rect">
+            <a:avLst/>
+          </a:prstGeom>
+        </p:spPr>
+      </p:pic>
+      <p:pic>
+        <p:nvPicPr>
+          <p:cNvPr id="134" name="Grafik 133" descr="Linienpfeil: Gerade">
+            <a:extLst>
+              <a:ext uri="{FF2B5EF4-FFF2-40B4-BE49-F238E27FC236}">
+                <a16:creationId xmlns:a16="http://schemas.microsoft.com/office/drawing/2014/main" id="{99298CEE-849B-4A31-8132-5739D25B8D40}"/>
+              </a:ext>
+            </a:extLst>
+          </p:cNvPr>
+          <p:cNvPicPr>
+            <a:picLocks noChangeAspect="1"/>
+          </p:cNvPicPr>
+          <p:nvPr/>
+        </p:nvPicPr>
+        <p:blipFill>
+          <a:blip r:embed="rId17">
+            <a:extLst>
+              <a:ext uri="{28A0092B-C50C-407E-A947-70E740481C1C}">
+                <a14:useLocalDpi xmlns:a14="http://schemas.microsoft.com/office/drawing/2010/main" val="0"/>
+              </a:ext>
+              <a:ext uri="{96DAC541-7B7A-43D3-8B79-37D633B846F1}">
+                <asvg:svgBlip xmlns:asvg="http://schemas.microsoft.com/office/drawing/2016/SVG/main" r:embed="rId18"/>
+              </a:ext>
+            </a:extLst>
+          </a:blip>
+          <a:stretch>
+            <a:fillRect/>
+          </a:stretch>
+        </p:blipFill>
+        <p:spPr>
+          <a:xfrm rot="10800000">
+            <a:off x="9298719" y="4610251"/>
+            <a:ext cx="396000" cy="396000"/>
+          </a:xfrm>
+          <a:prstGeom prst="rect">
+            <a:avLst/>
+          </a:prstGeom>
+        </p:spPr>
+      </p:pic>
     </p:spTree>
     <p:extLst>
       <p:ext uri="{BB962C8B-B14F-4D97-AF65-F5344CB8AC3E}">
@@ -18270,7 +21469,7 @@
 </p:sld>
 </file>
 
-<file path=ppt/slides/slide4.xml><?xml version="1.0" encoding="utf-8"?>
+<file path=ppt/slides/slide5.xml><?xml version="1.0" encoding="utf-8"?>
 <p:sld xmlns:a="http://schemas.openxmlformats.org/drawingml/2006/main" xmlns:r="http://schemas.openxmlformats.org/officeDocument/2006/relationships" xmlns:p="http://schemas.openxmlformats.org/presentationml/2006/main">
   <p:cSld>
     <p:spTree>
@@ -22164,7 +25363,7 @@
 </p:sld>
 </file>
 
-<file path=ppt/slides/slide5.xml><?xml version="1.0" encoding="utf-8"?>
+<file path=ppt/slides/slide6.xml><?xml version="1.0" encoding="utf-8"?>
 <p:sld xmlns:a="http://schemas.openxmlformats.org/drawingml/2006/main" xmlns:r="http://schemas.openxmlformats.org/officeDocument/2006/relationships" xmlns:p="http://schemas.openxmlformats.org/presentationml/2006/main">
   <p:cSld>
     <p:spTree>
@@ -26006,7 +29205,7 @@
 </p:sld>
 </file>
 
-<file path=ppt/slides/slide6.xml><?xml version="1.0" encoding="utf-8"?>
+<file path=ppt/slides/slide7.xml><?xml version="1.0" encoding="utf-8"?>
 <p:sld xmlns:a="http://schemas.openxmlformats.org/drawingml/2006/main" xmlns:r="http://schemas.openxmlformats.org/officeDocument/2006/relationships" xmlns:p="http://schemas.openxmlformats.org/presentationml/2006/main">
   <p:cSld>
     <p:spTree>
@@ -26037,7 +29236,7 @@
         </p:nvSpPr>
         <p:spPr>
           <a:xfrm>
-            <a:off x="813587" y="645939"/>
+            <a:off x="580322" y="602186"/>
             <a:ext cx="3049233" cy="400110"/>
           </a:xfrm>
           <a:prstGeom prst="rect">
@@ -28264,45 +31463,6 @@
           </p:txBody>
         </p:sp>
       </p:grpSp>
-      <p:pic>
-        <p:nvPicPr>
-          <p:cNvPr id="6" name="Grafik 5" descr="Radioaktiv">
-            <a:extLst>
-              <a:ext uri="{FF2B5EF4-FFF2-40B4-BE49-F238E27FC236}">
-                <a16:creationId xmlns:a16="http://schemas.microsoft.com/office/drawing/2014/main" id="{1A63A35C-7B4E-4290-8F28-0EE2DB32D798}"/>
-              </a:ext>
-            </a:extLst>
-          </p:cNvPr>
-          <p:cNvPicPr>
-            <a:picLocks noChangeAspect="1"/>
-          </p:cNvPicPr>
-          <p:nvPr/>
-        </p:nvPicPr>
-        <p:blipFill>
-          <a:blip r:embed="rId2">
-            <a:extLst>
-              <a:ext uri="{28A0092B-C50C-407E-A947-70E740481C1C}">
-                <a14:useLocalDpi xmlns:a14="http://schemas.microsoft.com/office/drawing/2010/main" val="0"/>
-              </a:ext>
-              <a:ext uri="{96DAC541-7B7A-43D3-8B79-37D633B846F1}">
-                <asvg:svgBlip xmlns:asvg="http://schemas.microsoft.com/office/drawing/2016/SVG/main" r:embed="rId3"/>
-              </a:ext>
-            </a:extLst>
-          </a:blip>
-          <a:stretch>
-            <a:fillRect/>
-          </a:stretch>
-        </p:blipFill>
-        <p:spPr>
-          <a:xfrm>
-            <a:off x="9717836" y="3400766"/>
-            <a:ext cx="536507" cy="536507"/>
-          </a:xfrm>
-          <a:prstGeom prst="rect">
-            <a:avLst/>
-          </a:prstGeom>
-        </p:spPr>
-      </p:pic>
       <p:grpSp>
         <p:nvGrpSpPr>
           <p:cNvPr id="8" name="Gruppieren 7">
@@ -28513,6 +31673,1676 @@
           </p:spPr>
         </p:pic>
       </p:grpSp>
+      <p:grpSp>
+        <p:nvGrpSpPr>
+          <p:cNvPr id="19" name="Gruppieren 18">
+            <a:extLst>
+              <a:ext uri="{FF2B5EF4-FFF2-40B4-BE49-F238E27FC236}">
+                <a16:creationId xmlns:a16="http://schemas.microsoft.com/office/drawing/2014/main" id="{F47BD659-CDE5-40AF-A8A5-64E78C89C28E}"/>
+              </a:ext>
+            </a:extLst>
+          </p:cNvPr>
+          <p:cNvGrpSpPr/>
+          <p:nvPr/>
+        </p:nvGrpSpPr>
+        <p:grpSpPr>
+          <a:xfrm>
+            <a:off x="9992033" y="1929839"/>
+            <a:ext cx="864001" cy="864000"/>
+            <a:chOff x="9992033" y="1929839"/>
+            <a:chExt cx="864001" cy="864000"/>
+          </a:xfrm>
+        </p:grpSpPr>
+        <p:grpSp>
+          <p:nvGrpSpPr>
+            <p:cNvPr id="76" name="Gruppieren 75">
+              <a:extLst>
+                <a:ext uri="{FF2B5EF4-FFF2-40B4-BE49-F238E27FC236}">
+                  <a16:creationId xmlns:a16="http://schemas.microsoft.com/office/drawing/2014/main" id="{BB0294C1-054D-4140-9A91-72C0E191C575}"/>
+                </a:ext>
+              </a:extLst>
+            </p:cNvPr>
+            <p:cNvGrpSpPr>
+              <a:grpSpLocks noChangeAspect="1"/>
+            </p:cNvGrpSpPr>
+            <p:nvPr/>
+          </p:nvGrpSpPr>
+          <p:grpSpPr>
+            <a:xfrm>
+              <a:off x="9992033" y="1929839"/>
+              <a:ext cx="864001" cy="864000"/>
+              <a:chOff x="1925186" y="900986"/>
+              <a:chExt cx="1219200" cy="1219199"/>
+            </a:xfrm>
+          </p:grpSpPr>
+          <p:sp>
+            <p:nvSpPr>
+              <p:cNvPr id="77" name="Rechteck 76">
+                <a:extLst>
+                  <a:ext uri="{FF2B5EF4-FFF2-40B4-BE49-F238E27FC236}">
+                    <a16:creationId xmlns:a16="http://schemas.microsoft.com/office/drawing/2014/main" id="{68C99E28-A3C2-4148-A51E-277C005DDA8E}"/>
+                  </a:ext>
+                </a:extLst>
+              </p:cNvPr>
+              <p:cNvSpPr/>
+              <p:nvPr/>
+            </p:nvSpPr>
+            <p:spPr>
+              <a:xfrm>
+                <a:off x="1925186" y="900986"/>
+                <a:ext cx="1219200" cy="732552"/>
+              </a:xfrm>
+              <a:prstGeom prst="rect">
+                <a:avLst/>
+              </a:prstGeom>
+              <a:solidFill>
+                <a:schemeClr val="tx1"/>
+              </a:solidFill>
+              <a:ln>
+                <a:solidFill>
+                  <a:schemeClr val="tx1"/>
+                </a:solidFill>
+              </a:ln>
+            </p:spPr>
+            <p:style>
+              <a:lnRef idx="2">
+                <a:schemeClr val="accent1">
+                  <a:shade val="50000"/>
+                </a:schemeClr>
+              </a:lnRef>
+              <a:fillRef idx="1">
+                <a:schemeClr val="accent1"/>
+              </a:fillRef>
+              <a:effectRef idx="0">
+                <a:schemeClr val="accent1"/>
+              </a:effectRef>
+              <a:fontRef idx="minor">
+                <a:schemeClr val="lt1"/>
+              </a:fontRef>
+            </p:style>
+            <p:txBody>
+              <a:bodyPr rtlCol="0" anchor="ctr"/>
+              <a:lstStyle/>
+              <a:p>
+                <a:pPr algn="ctr"/>
+                <a:endParaRPr lang="de-DE" b="1" dirty="0">
+                  <a:solidFill>
+                    <a:schemeClr val="tx1"/>
+                  </a:solidFill>
+                  <a:latin typeface="Euro Caps" pitchFamily="2" charset="0"/>
+                </a:endParaRPr>
+              </a:p>
+            </p:txBody>
+          </p:sp>
+          <p:sp>
+            <p:nvSpPr>
+              <p:cNvPr id="78" name="Rechteck 77">
+                <a:extLst>
+                  <a:ext uri="{FF2B5EF4-FFF2-40B4-BE49-F238E27FC236}">
+                    <a16:creationId xmlns:a16="http://schemas.microsoft.com/office/drawing/2014/main" id="{893F8900-8096-4967-8F8A-DADC0A8D7043}"/>
+                  </a:ext>
+                </a:extLst>
+              </p:cNvPr>
+              <p:cNvSpPr/>
+              <p:nvPr/>
+            </p:nvSpPr>
+            <p:spPr>
+              <a:xfrm>
+                <a:off x="1925186" y="1633538"/>
+                <a:ext cx="1219200" cy="486647"/>
+              </a:xfrm>
+              <a:prstGeom prst="rect">
+                <a:avLst/>
+              </a:prstGeom>
+              <a:solidFill>
+                <a:srgbClr val="FF0000"/>
+              </a:solidFill>
+              <a:ln>
+                <a:solidFill>
+                  <a:srgbClr val="FF0000"/>
+                </a:solidFill>
+              </a:ln>
+            </p:spPr>
+            <p:style>
+              <a:lnRef idx="2">
+                <a:schemeClr val="accent1">
+                  <a:shade val="50000"/>
+                </a:schemeClr>
+              </a:lnRef>
+              <a:fillRef idx="1">
+                <a:schemeClr val="accent1"/>
+              </a:fillRef>
+              <a:effectRef idx="0">
+                <a:schemeClr val="accent1"/>
+              </a:effectRef>
+              <a:fontRef idx="minor">
+                <a:schemeClr val="lt1"/>
+              </a:fontRef>
+            </p:style>
+            <p:txBody>
+              <a:bodyPr rtlCol="0" anchor="ctr"/>
+              <a:lstStyle/>
+              <a:p>
+                <a:pPr algn="ctr"/>
+                <a:r>
+                  <a:rPr lang="de-DE" b="1" dirty="0">
+                    <a:solidFill>
+                      <a:schemeClr val="tx1"/>
+                    </a:solidFill>
+                    <a:latin typeface="Euro Caps" pitchFamily="2" charset="0"/>
+                  </a:rPr>
+                  <a:t>Heat</a:t>
+                </a:r>
+                <a:endParaRPr lang="en-DE" b="1" dirty="0">
+                  <a:solidFill>
+                    <a:schemeClr val="tx1"/>
+                  </a:solidFill>
+                  <a:latin typeface="Euro Caps" pitchFamily="2" charset="0"/>
+                </a:endParaRPr>
+              </a:p>
+            </p:txBody>
+          </p:sp>
+        </p:grpSp>
+        <p:pic>
+          <p:nvPicPr>
+            <p:cNvPr id="3" name="Grafik 2" descr="Hohe Temperatur">
+              <a:extLst>
+                <a:ext uri="{FF2B5EF4-FFF2-40B4-BE49-F238E27FC236}">
+                  <a16:creationId xmlns:a16="http://schemas.microsoft.com/office/drawing/2014/main" id="{17176E66-A2E8-4EEC-AA42-576AD70214A1}"/>
+                </a:ext>
+              </a:extLst>
+            </p:cNvPr>
+            <p:cNvPicPr>
+              <a:picLocks noChangeAspect="1"/>
+            </p:cNvPicPr>
+            <p:nvPr/>
+          </p:nvPicPr>
+          <p:blipFill>
+            <a:blip r:embed="rId4">
+              <a:extLst>
+                <a:ext uri="{28A0092B-C50C-407E-A947-70E740481C1C}">
+                  <a14:useLocalDpi xmlns:a14="http://schemas.microsoft.com/office/drawing/2010/main" val="0"/>
+                </a:ext>
+                <a:ext uri="{96DAC541-7B7A-43D3-8B79-37D633B846F1}">
+                  <asvg:svgBlip xmlns:asvg="http://schemas.microsoft.com/office/drawing/2016/SVG/main" r:embed="rId5"/>
+                </a:ext>
+              </a:extLst>
+            </a:blip>
+            <a:stretch>
+              <a:fillRect/>
+            </a:stretch>
+          </p:blipFill>
+          <p:spPr>
+            <a:xfrm>
+              <a:off x="10226033" y="1991405"/>
+              <a:ext cx="396000" cy="396000"/>
+            </a:xfrm>
+            <a:prstGeom prst="rect">
+              <a:avLst/>
+            </a:prstGeom>
+          </p:spPr>
+        </p:pic>
+      </p:grpSp>
+      <p:grpSp>
+        <p:nvGrpSpPr>
+          <p:cNvPr id="16" name="Gruppieren 15">
+            <a:extLst>
+              <a:ext uri="{FF2B5EF4-FFF2-40B4-BE49-F238E27FC236}">
+                <a16:creationId xmlns:a16="http://schemas.microsoft.com/office/drawing/2014/main" id="{CE7A18BE-EC17-44A7-92BA-C00D6DDDEF77}"/>
+              </a:ext>
+            </a:extLst>
+          </p:cNvPr>
+          <p:cNvGrpSpPr/>
+          <p:nvPr/>
+        </p:nvGrpSpPr>
+        <p:grpSpPr>
+          <a:xfrm>
+            <a:off x="8971565" y="1929839"/>
+            <a:ext cx="864001" cy="864000"/>
+            <a:chOff x="8971565" y="1929839"/>
+            <a:chExt cx="864001" cy="864000"/>
+          </a:xfrm>
+        </p:grpSpPr>
+        <p:grpSp>
+          <p:nvGrpSpPr>
+            <p:cNvPr id="73" name="Gruppieren 72">
+              <a:extLst>
+                <a:ext uri="{FF2B5EF4-FFF2-40B4-BE49-F238E27FC236}">
+                  <a16:creationId xmlns:a16="http://schemas.microsoft.com/office/drawing/2014/main" id="{A6E2528A-202C-4F9A-A538-5970A9B4F431}"/>
+                </a:ext>
+              </a:extLst>
+            </p:cNvPr>
+            <p:cNvGrpSpPr>
+              <a:grpSpLocks noChangeAspect="1"/>
+            </p:cNvGrpSpPr>
+            <p:nvPr/>
+          </p:nvGrpSpPr>
+          <p:grpSpPr>
+            <a:xfrm>
+              <a:off x="8971565" y="1929839"/>
+              <a:ext cx="864001" cy="864000"/>
+              <a:chOff x="1925186" y="900986"/>
+              <a:chExt cx="1219200" cy="1219199"/>
+            </a:xfrm>
+          </p:grpSpPr>
+          <p:sp>
+            <p:nvSpPr>
+              <p:cNvPr id="74" name="Rechteck 73">
+                <a:extLst>
+                  <a:ext uri="{FF2B5EF4-FFF2-40B4-BE49-F238E27FC236}">
+                    <a16:creationId xmlns:a16="http://schemas.microsoft.com/office/drawing/2014/main" id="{00EE8D28-5E2B-4FB6-9F83-CFB7AFA02E16}"/>
+                  </a:ext>
+                </a:extLst>
+              </p:cNvPr>
+              <p:cNvSpPr/>
+              <p:nvPr/>
+            </p:nvSpPr>
+            <p:spPr>
+              <a:xfrm>
+                <a:off x="1925186" y="900986"/>
+                <a:ext cx="1219200" cy="732552"/>
+              </a:xfrm>
+              <a:prstGeom prst="rect">
+                <a:avLst/>
+              </a:prstGeom>
+              <a:solidFill>
+                <a:srgbClr val="000000"/>
+              </a:solidFill>
+              <a:ln>
+                <a:solidFill>
+                  <a:schemeClr val="tx1"/>
+                </a:solidFill>
+              </a:ln>
+            </p:spPr>
+            <p:style>
+              <a:lnRef idx="2">
+                <a:schemeClr val="accent1">
+                  <a:shade val="50000"/>
+                </a:schemeClr>
+              </a:lnRef>
+              <a:fillRef idx="1">
+                <a:schemeClr val="accent1"/>
+              </a:fillRef>
+              <a:effectRef idx="0">
+                <a:schemeClr val="accent1"/>
+              </a:effectRef>
+              <a:fontRef idx="minor">
+                <a:schemeClr val="lt1"/>
+              </a:fontRef>
+            </p:style>
+            <p:txBody>
+              <a:bodyPr rtlCol="0" anchor="ctr"/>
+              <a:lstStyle/>
+              <a:p>
+                <a:pPr algn="ctr"/>
+                <a:endParaRPr lang="de-DE" dirty="0">
+                  <a:solidFill>
+                    <a:srgbClr val="00D2FF"/>
+                  </a:solidFill>
+                  <a:latin typeface="Euro Caps" pitchFamily="2" charset="0"/>
+                </a:endParaRPr>
+              </a:p>
+            </p:txBody>
+          </p:sp>
+          <p:sp>
+            <p:nvSpPr>
+              <p:cNvPr id="75" name="Rechteck 74">
+                <a:extLst>
+                  <a:ext uri="{FF2B5EF4-FFF2-40B4-BE49-F238E27FC236}">
+                    <a16:creationId xmlns:a16="http://schemas.microsoft.com/office/drawing/2014/main" id="{CB3B2AB5-BC4B-4E84-9B00-AD4343162249}"/>
+                  </a:ext>
+                </a:extLst>
+              </p:cNvPr>
+              <p:cNvSpPr/>
+              <p:nvPr/>
+            </p:nvSpPr>
+            <p:spPr>
+              <a:xfrm>
+                <a:off x="1925186" y="1633538"/>
+                <a:ext cx="1219200" cy="486647"/>
+              </a:xfrm>
+              <a:prstGeom prst="rect">
+                <a:avLst/>
+              </a:prstGeom>
+              <a:solidFill>
+                <a:srgbClr val="71D6FF"/>
+              </a:solidFill>
+              <a:ln>
+                <a:solidFill>
+                  <a:srgbClr val="71D6FF"/>
+                </a:solidFill>
+              </a:ln>
+            </p:spPr>
+            <p:style>
+              <a:lnRef idx="2">
+                <a:schemeClr val="accent1">
+                  <a:shade val="50000"/>
+                </a:schemeClr>
+              </a:lnRef>
+              <a:fillRef idx="1">
+                <a:schemeClr val="accent1"/>
+              </a:fillRef>
+              <a:effectRef idx="0">
+                <a:schemeClr val="accent1"/>
+              </a:effectRef>
+              <a:fontRef idx="minor">
+                <a:schemeClr val="lt1"/>
+              </a:fontRef>
+            </p:style>
+            <p:txBody>
+              <a:bodyPr rtlCol="0" anchor="ctr"/>
+              <a:lstStyle/>
+              <a:p>
+                <a:pPr algn="ctr"/>
+                <a:r>
+                  <a:rPr lang="de-DE" b="1" dirty="0">
+                    <a:solidFill>
+                      <a:srgbClr val="000000"/>
+                    </a:solidFill>
+                    <a:latin typeface="Euro Caps" pitchFamily="2" charset="0"/>
+                  </a:rPr>
+                  <a:t>Heat</a:t>
+                </a:r>
+                <a:endParaRPr lang="en-DE" b="1" dirty="0">
+                  <a:solidFill>
+                    <a:srgbClr val="000000"/>
+                  </a:solidFill>
+                  <a:latin typeface="Euro Caps" pitchFamily="2" charset="0"/>
+                </a:endParaRPr>
+              </a:p>
+            </p:txBody>
+          </p:sp>
+        </p:grpSp>
+        <p:pic>
+          <p:nvPicPr>
+            <p:cNvPr id="7" name="Grafik 6" descr="Schneeflocke">
+              <a:extLst>
+                <a:ext uri="{FF2B5EF4-FFF2-40B4-BE49-F238E27FC236}">
+                  <a16:creationId xmlns:a16="http://schemas.microsoft.com/office/drawing/2014/main" id="{90EC945C-D060-45CF-BF1D-88324E4A4339}"/>
+                </a:ext>
+              </a:extLst>
+            </p:cNvPr>
+            <p:cNvPicPr>
+              <a:picLocks noChangeAspect="1"/>
+            </p:cNvPicPr>
+            <p:nvPr/>
+          </p:nvPicPr>
+          <p:blipFill>
+            <a:blip r:embed="rId6">
+              <a:extLst>
+                <a:ext uri="{28A0092B-C50C-407E-A947-70E740481C1C}">
+                  <a14:useLocalDpi xmlns:a14="http://schemas.microsoft.com/office/drawing/2010/main" val="0"/>
+                </a:ext>
+                <a:ext uri="{96DAC541-7B7A-43D3-8B79-37D633B846F1}">
+                  <asvg:svgBlip xmlns:asvg="http://schemas.microsoft.com/office/drawing/2016/SVG/main" r:embed="rId7"/>
+                </a:ext>
+              </a:extLst>
+            </a:blip>
+            <a:stretch>
+              <a:fillRect/>
+            </a:stretch>
+          </p:blipFill>
+          <p:spPr>
+            <a:xfrm>
+              <a:off x="9205565" y="2007225"/>
+              <a:ext cx="396000" cy="396000"/>
+            </a:xfrm>
+            <a:prstGeom prst="rect">
+              <a:avLst/>
+            </a:prstGeom>
+          </p:spPr>
+        </p:pic>
+      </p:grpSp>
+      <p:grpSp>
+        <p:nvGrpSpPr>
+          <p:cNvPr id="17" name="Gruppieren 16">
+            <a:extLst>
+              <a:ext uri="{FF2B5EF4-FFF2-40B4-BE49-F238E27FC236}">
+                <a16:creationId xmlns:a16="http://schemas.microsoft.com/office/drawing/2014/main" id="{08E73721-551E-4922-9681-A0D6F5589B44}"/>
+              </a:ext>
+            </a:extLst>
+          </p:cNvPr>
+          <p:cNvGrpSpPr/>
+          <p:nvPr/>
+        </p:nvGrpSpPr>
+        <p:grpSpPr>
+          <a:xfrm>
+            <a:off x="8971565" y="909225"/>
+            <a:ext cx="864001" cy="864000"/>
+            <a:chOff x="8971565" y="909225"/>
+            <a:chExt cx="864001" cy="864000"/>
+          </a:xfrm>
+        </p:grpSpPr>
+        <p:grpSp>
+          <p:nvGrpSpPr>
+            <p:cNvPr id="67" name="Gruppieren 66">
+              <a:extLst>
+                <a:ext uri="{FF2B5EF4-FFF2-40B4-BE49-F238E27FC236}">
+                  <a16:creationId xmlns:a16="http://schemas.microsoft.com/office/drawing/2014/main" id="{25FF3125-996C-4017-9AE9-E29DE0EDE30F}"/>
+                </a:ext>
+              </a:extLst>
+            </p:cNvPr>
+            <p:cNvGrpSpPr>
+              <a:grpSpLocks noChangeAspect="1"/>
+            </p:cNvGrpSpPr>
+            <p:nvPr/>
+          </p:nvGrpSpPr>
+          <p:grpSpPr>
+            <a:xfrm>
+              <a:off x="8971565" y="909225"/>
+              <a:ext cx="864001" cy="864000"/>
+              <a:chOff x="1925186" y="900986"/>
+              <a:chExt cx="1219200" cy="1219199"/>
+            </a:xfrm>
+          </p:grpSpPr>
+          <p:sp>
+            <p:nvSpPr>
+              <p:cNvPr id="68" name="Rechteck 67">
+                <a:extLst>
+                  <a:ext uri="{FF2B5EF4-FFF2-40B4-BE49-F238E27FC236}">
+                    <a16:creationId xmlns:a16="http://schemas.microsoft.com/office/drawing/2014/main" id="{49F2F1D1-30E7-47A2-BE5C-B028B9E97B2F}"/>
+                  </a:ext>
+                </a:extLst>
+              </p:cNvPr>
+              <p:cNvSpPr/>
+              <p:nvPr/>
+            </p:nvSpPr>
+            <p:spPr>
+              <a:xfrm>
+                <a:off x="1925186" y="900986"/>
+                <a:ext cx="1219200" cy="732552"/>
+              </a:xfrm>
+              <a:prstGeom prst="rect">
+                <a:avLst/>
+              </a:prstGeom>
+              <a:solidFill>
+                <a:srgbClr val="000000"/>
+              </a:solidFill>
+              <a:ln>
+                <a:solidFill>
+                  <a:schemeClr val="tx1"/>
+                </a:solidFill>
+              </a:ln>
+            </p:spPr>
+            <p:style>
+              <a:lnRef idx="2">
+                <a:schemeClr val="accent1">
+                  <a:shade val="50000"/>
+                </a:schemeClr>
+              </a:lnRef>
+              <a:fillRef idx="1">
+                <a:schemeClr val="accent1"/>
+              </a:fillRef>
+              <a:effectRef idx="0">
+                <a:schemeClr val="accent1"/>
+              </a:effectRef>
+              <a:fontRef idx="minor">
+                <a:schemeClr val="lt1"/>
+              </a:fontRef>
+            </p:style>
+            <p:txBody>
+              <a:bodyPr rtlCol="0" anchor="ctr"/>
+              <a:lstStyle/>
+              <a:p>
+                <a:pPr algn="ctr"/>
+                <a:endParaRPr lang="de-DE" dirty="0">
+                  <a:solidFill>
+                    <a:srgbClr val="00D2FF"/>
+                  </a:solidFill>
+                  <a:latin typeface="Euro Caps" pitchFamily="2" charset="0"/>
+                </a:endParaRPr>
+              </a:p>
+            </p:txBody>
+          </p:sp>
+          <p:sp>
+            <p:nvSpPr>
+              <p:cNvPr id="69" name="Rechteck 68">
+                <a:extLst>
+                  <a:ext uri="{FF2B5EF4-FFF2-40B4-BE49-F238E27FC236}">
+                    <a16:creationId xmlns:a16="http://schemas.microsoft.com/office/drawing/2014/main" id="{99336693-8342-4520-887F-C1FA838CB79C}"/>
+                  </a:ext>
+                </a:extLst>
+              </p:cNvPr>
+              <p:cNvSpPr/>
+              <p:nvPr/>
+            </p:nvSpPr>
+            <p:spPr>
+              <a:xfrm>
+                <a:off x="1925186" y="1633538"/>
+                <a:ext cx="1219200" cy="486647"/>
+              </a:xfrm>
+              <a:prstGeom prst="rect">
+                <a:avLst/>
+              </a:prstGeom>
+              <a:solidFill>
+                <a:srgbClr val="71D6FF"/>
+              </a:solidFill>
+              <a:ln>
+                <a:solidFill>
+                  <a:srgbClr val="71D6FF"/>
+                </a:solidFill>
+              </a:ln>
+            </p:spPr>
+            <p:style>
+              <a:lnRef idx="2">
+                <a:schemeClr val="accent1">
+                  <a:shade val="50000"/>
+                </a:schemeClr>
+              </a:lnRef>
+              <a:fillRef idx="1">
+                <a:schemeClr val="accent1"/>
+              </a:fillRef>
+              <a:effectRef idx="0">
+                <a:schemeClr val="accent1"/>
+              </a:effectRef>
+              <a:fontRef idx="minor">
+                <a:schemeClr val="lt1"/>
+              </a:fontRef>
+            </p:style>
+            <p:txBody>
+              <a:bodyPr rtlCol="0" anchor="ctr"/>
+              <a:lstStyle/>
+              <a:p>
+                <a:pPr algn="ctr"/>
+                <a:r>
+                  <a:rPr lang="de-DE" b="1" dirty="0" err="1">
+                    <a:solidFill>
+                      <a:srgbClr val="000000"/>
+                    </a:solidFill>
+                    <a:latin typeface="Euro Caps" pitchFamily="2" charset="0"/>
+                  </a:rPr>
+                  <a:t>SHield</a:t>
+                </a:r>
+                <a:endParaRPr lang="en-DE" b="1" dirty="0">
+                  <a:solidFill>
+                    <a:srgbClr val="000000"/>
+                  </a:solidFill>
+                  <a:latin typeface="Euro Caps" pitchFamily="2" charset="0"/>
+                </a:endParaRPr>
+              </a:p>
+            </p:txBody>
+          </p:sp>
+        </p:grpSp>
+        <p:grpSp>
+          <p:nvGrpSpPr>
+            <p:cNvPr id="11" name="Gruppieren 10">
+              <a:extLst>
+                <a:ext uri="{FF2B5EF4-FFF2-40B4-BE49-F238E27FC236}">
+                  <a16:creationId xmlns:a16="http://schemas.microsoft.com/office/drawing/2014/main" id="{E3A3B0BB-DB5A-4AC2-BE8D-3E94A31C5472}"/>
+                </a:ext>
+              </a:extLst>
+            </p:cNvPr>
+            <p:cNvGrpSpPr>
+              <a:grpSpLocks noChangeAspect="1"/>
+            </p:cNvGrpSpPr>
+            <p:nvPr/>
+          </p:nvGrpSpPr>
+          <p:grpSpPr>
+            <a:xfrm>
+              <a:off x="9071620" y="970791"/>
+              <a:ext cx="663889" cy="396000"/>
+              <a:chOff x="9217689" y="3544990"/>
+              <a:chExt cx="1532985" cy="914401"/>
+            </a:xfrm>
+          </p:grpSpPr>
+          <p:pic>
+            <p:nvPicPr>
+              <p:cNvPr id="10" name="Grafik 9" descr="Drahtlos">
+                <a:extLst>
+                  <a:ext uri="{FF2B5EF4-FFF2-40B4-BE49-F238E27FC236}">
+                    <a16:creationId xmlns:a16="http://schemas.microsoft.com/office/drawing/2014/main" id="{8FAE6F80-E498-4F70-A9B9-D71EB1512A6F}"/>
+                  </a:ext>
+                </a:extLst>
+              </p:cNvPr>
+              <p:cNvPicPr>
+                <a:picLocks noChangeAspect="1"/>
+              </p:cNvPicPr>
+              <p:nvPr/>
+            </p:nvPicPr>
+            <p:blipFill>
+              <a:blip r:embed="rId8">
+                <a:extLst>
+                  <a:ext uri="{28A0092B-C50C-407E-A947-70E740481C1C}">
+                    <a14:useLocalDpi xmlns:a14="http://schemas.microsoft.com/office/drawing/2010/main" val="0"/>
+                  </a:ext>
+                  <a:ext uri="{96DAC541-7B7A-43D3-8B79-37D633B846F1}">
+                    <asvg:svgBlip xmlns:asvg="http://schemas.microsoft.com/office/drawing/2016/SVG/main" r:embed="rId9"/>
+                  </a:ext>
+                </a:extLst>
+              </a:blip>
+              <a:stretch>
+                <a:fillRect/>
+              </a:stretch>
+            </p:blipFill>
+            <p:spPr>
+              <a:xfrm rot="-2700000">
+                <a:off x="9217689" y="3544990"/>
+                <a:ext cx="914400" cy="914400"/>
+              </a:xfrm>
+              <a:prstGeom prst="rect">
+                <a:avLst/>
+              </a:prstGeom>
+            </p:spPr>
+          </p:pic>
+          <p:pic>
+            <p:nvPicPr>
+              <p:cNvPr id="58" name="Grafik 57" descr="Drahtlos">
+                <a:extLst>
+                  <a:ext uri="{FF2B5EF4-FFF2-40B4-BE49-F238E27FC236}">
+                    <a16:creationId xmlns:a16="http://schemas.microsoft.com/office/drawing/2014/main" id="{0B399D7B-A892-4EE4-97FF-3067640DF2E1}"/>
+                  </a:ext>
+                </a:extLst>
+              </p:cNvPr>
+              <p:cNvPicPr>
+                <a:picLocks noChangeAspect="1"/>
+              </p:cNvPicPr>
+              <p:nvPr/>
+            </p:nvPicPr>
+            <p:blipFill>
+              <a:blip r:embed="rId8">
+                <a:extLst>
+                  <a:ext uri="{28A0092B-C50C-407E-A947-70E740481C1C}">
+                    <a14:useLocalDpi xmlns:a14="http://schemas.microsoft.com/office/drawing/2010/main" val="0"/>
+                  </a:ext>
+                  <a:ext uri="{96DAC541-7B7A-43D3-8B79-37D633B846F1}">
+                    <asvg:svgBlip xmlns:asvg="http://schemas.microsoft.com/office/drawing/2016/SVG/main" r:embed="rId9"/>
+                  </a:ext>
+                </a:extLst>
+              </a:blip>
+              <a:stretch>
+                <a:fillRect/>
+              </a:stretch>
+            </p:blipFill>
+            <p:spPr>
+              <a:xfrm rot="18900000" flipH="1" flipV="1">
+                <a:off x="9836274" y="3544991"/>
+                <a:ext cx="914400" cy="914400"/>
+              </a:xfrm>
+              <a:prstGeom prst="rect">
+                <a:avLst/>
+              </a:prstGeom>
+            </p:spPr>
+          </p:pic>
+        </p:grpSp>
+      </p:grpSp>
+      <p:grpSp>
+        <p:nvGrpSpPr>
+          <p:cNvPr id="18" name="Gruppieren 17">
+            <a:extLst>
+              <a:ext uri="{FF2B5EF4-FFF2-40B4-BE49-F238E27FC236}">
+                <a16:creationId xmlns:a16="http://schemas.microsoft.com/office/drawing/2014/main" id="{07F7861A-38CE-4B60-8176-A6249379FBD4}"/>
+              </a:ext>
+            </a:extLst>
+          </p:cNvPr>
+          <p:cNvGrpSpPr/>
+          <p:nvPr/>
+        </p:nvGrpSpPr>
+        <p:grpSpPr>
+          <a:xfrm>
+            <a:off x="9992033" y="909225"/>
+            <a:ext cx="864001" cy="864000"/>
+            <a:chOff x="9992033" y="909225"/>
+            <a:chExt cx="864001" cy="864000"/>
+          </a:xfrm>
+        </p:grpSpPr>
+        <p:grpSp>
+          <p:nvGrpSpPr>
+            <p:cNvPr id="70" name="Gruppieren 69">
+              <a:extLst>
+                <a:ext uri="{FF2B5EF4-FFF2-40B4-BE49-F238E27FC236}">
+                  <a16:creationId xmlns:a16="http://schemas.microsoft.com/office/drawing/2014/main" id="{B337DD05-C053-4A7E-9DA7-13080D0AA16E}"/>
+                </a:ext>
+              </a:extLst>
+            </p:cNvPr>
+            <p:cNvGrpSpPr>
+              <a:grpSpLocks noChangeAspect="1"/>
+            </p:cNvGrpSpPr>
+            <p:nvPr/>
+          </p:nvGrpSpPr>
+          <p:grpSpPr>
+            <a:xfrm>
+              <a:off x="9992033" y="909225"/>
+              <a:ext cx="864001" cy="864000"/>
+              <a:chOff x="1925186" y="900986"/>
+              <a:chExt cx="1219200" cy="1219199"/>
+            </a:xfrm>
+          </p:grpSpPr>
+          <p:sp>
+            <p:nvSpPr>
+              <p:cNvPr id="71" name="Rechteck 70">
+                <a:extLst>
+                  <a:ext uri="{FF2B5EF4-FFF2-40B4-BE49-F238E27FC236}">
+                    <a16:creationId xmlns:a16="http://schemas.microsoft.com/office/drawing/2014/main" id="{88EFEB2E-231B-4E78-BDD4-067679832D05}"/>
+                  </a:ext>
+                </a:extLst>
+              </p:cNvPr>
+              <p:cNvSpPr/>
+              <p:nvPr/>
+            </p:nvSpPr>
+            <p:spPr>
+              <a:xfrm>
+                <a:off x="1925186" y="900986"/>
+                <a:ext cx="1219200" cy="732552"/>
+              </a:xfrm>
+              <a:prstGeom prst="rect">
+                <a:avLst/>
+              </a:prstGeom>
+              <a:solidFill>
+                <a:schemeClr val="tx1"/>
+              </a:solidFill>
+              <a:ln>
+                <a:solidFill>
+                  <a:schemeClr val="tx1"/>
+                </a:solidFill>
+              </a:ln>
+            </p:spPr>
+            <p:style>
+              <a:lnRef idx="2">
+                <a:schemeClr val="accent1">
+                  <a:shade val="50000"/>
+                </a:schemeClr>
+              </a:lnRef>
+              <a:fillRef idx="1">
+                <a:schemeClr val="accent1"/>
+              </a:fillRef>
+              <a:effectRef idx="0">
+                <a:schemeClr val="accent1"/>
+              </a:effectRef>
+              <a:fontRef idx="minor">
+                <a:schemeClr val="lt1"/>
+              </a:fontRef>
+            </p:style>
+            <p:txBody>
+              <a:bodyPr rtlCol="0" anchor="ctr"/>
+              <a:lstStyle/>
+              <a:p>
+                <a:pPr algn="ctr"/>
+                <a:endParaRPr lang="de-DE" b="1" dirty="0">
+                  <a:solidFill>
+                    <a:schemeClr val="tx1"/>
+                  </a:solidFill>
+                  <a:latin typeface="Euro Caps" pitchFamily="2" charset="0"/>
+                </a:endParaRPr>
+              </a:p>
+            </p:txBody>
+          </p:sp>
+          <p:sp>
+            <p:nvSpPr>
+              <p:cNvPr id="72" name="Rechteck 71">
+                <a:extLst>
+                  <a:ext uri="{FF2B5EF4-FFF2-40B4-BE49-F238E27FC236}">
+                    <a16:creationId xmlns:a16="http://schemas.microsoft.com/office/drawing/2014/main" id="{6FFB1987-442C-4DF4-808E-3F385B81E52D}"/>
+                  </a:ext>
+                </a:extLst>
+              </p:cNvPr>
+              <p:cNvSpPr/>
+              <p:nvPr/>
+            </p:nvSpPr>
+            <p:spPr>
+              <a:xfrm>
+                <a:off x="1925186" y="1633538"/>
+                <a:ext cx="1219200" cy="486647"/>
+              </a:xfrm>
+              <a:prstGeom prst="rect">
+                <a:avLst/>
+              </a:prstGeom>
+              <a:solidFill>
+                <a:srgbClr val="FF0000"/>
+              </a:solidFill>
+              <a:ln>
+                <a:solidFill>
+                  <a:srgbClr val="FF0000"/>
+                </a:solidFill>
+              </a:ln>
+            </p:spPr>
+            <p:style>
+              <a:lnRef idx="2">
+                <a:schemeClr val="accent1">
+                  <a:shade val="50000"/>
+                </a:schemeClr>
+              </a:lnRef>
+              <a:fillRef idx="1">
+                <a:schemeClr val="accent1"/>
+              </a:fillRef>
+              <a:effectRef idx="0">
+                <a:schemeClr val="accent1"/>
+              </a:effectRef>
+              <a:fontRef idx="minor">
+                <a:schemeClr val="lt1"/>
+              </a:fontRef>
+            </p:style>
+            <p:txBody>
+              <a:bodyPr rtlCol="0" anchor="ctr"/>
+              <a:lstStyle/>
+              <a:p>
+                <a:pPr algn="ctr"/>
+                <a:r>
+                  <a:rPr lang="de-DE" b="1" dirty="0">
+                    <a:solidFill>
+                      <a:schemeClr val="tx1"/>
+                    </a:solidFill>
+                    <a:latin typeface="Euro Caps" pitchFamily="2" charset="0"/>
+                  </a:rPr>
+                  <a:t>Shield</a:t>
+                </a:r>
+                <a:endParaRPr lang="en-DE" b="1" dirty="0">
+                  <a:solidFill>
+                    <a:schemeClr val="tx1"/>
+                  </a:solidFill>
+                  <a:latin typeface="Euro Caps" pitchFamily="2" charset="0"/>
+                </a:endParaRPr>
+              </a:p>
+            </p:txBody>
+          </p:sp>
+        </p:grpSp>
+        <p:grpSp>
+          <p:nvGrpSpPr>
+            <p:cNvPr id="14" name="Gruppieren 13">
+              <a:extLst>
+                <a:ext uri="{FF2B5EF4-FFF2-40B4-BE49-F238E27FC236}">
+                  <a16:creationId xmlns:a16="http://schemas.microsoft.com/office/drawing/2014/main" id="{C0889753-7068-4AB5-A4DF-FE6FC4235508}"/>
+                </a:ext>
+              </a:extLst>
+            </p:cNvPr>
+            <p:cNvGrpSpPr>
+              <a:grpSpLocks noChangeAspect="1"/>
+            </p:cNvGrpSpPr>
+            <p:nvPr/>
+          </p:nvGrpSpPr>
+          <p:grpSpPr>
+            <a:xfrm>
+              <a:off x="10287571" y="1038111"/>
+              <a:ext cx="272924" cy="261360"/>
+              <a:chOff x="10758278" y="4187704"/>
+              <a:chExt cx="705818" cy="675922"/>
+            </a:xfrm>
+          </p:grpSpPr>
+          <p:sp>
+            <p:nvSpPr>
+              <p:cNvPr id="13" name="Gleichschenkliges Dreieck 12">
+                <a:extLst>
+                  <a:ext uri="{FF2B5EF4-FFF2-40B4-BE49-F238E27FC236}">
+                    <a16:creationId xmlns:a16="http://schemas.microsoft.com/office/drawing/2014/main" id="{79F38D20-0C13-4B95-8C31-A588AF1BCEEA}"/>
+                  </a:ext>
+                </a:extLst>
+              </p:cNvPr>
+              <p:cNvSpPr/>
+              <p:nvPr/>
+            </p:nvSpPr>
+            <p:spPr>
+              <a:xfrm>
+                <a:off x="10758278" y="4187704"/>
+                <a:ext cx="705818" cy="675922"/>
+              </a:xfrm>
+              <a:prstGeom prst="triangle">
+                <a:avLst/>
+              </a:prstGeom>
+              <a:solidFill>
+                <a:srgbClr val="FF0000"/>
+              </a:solidFill>
+              <a:ln w="50800" cap="flat" cmpd="sng">
+                <a:solidFill>
+                  <a:srgbClr val="FF0000"/>
+                </a:solidFill>
+                <a:round/>
+              </a:ln>
+            </p:spPr>
+            <p:style>
+              <a:lnRef idx="2">
+                <a:schemeClr val="accent1">
+                  <a:shade val="50000"/>
+                </a:schemeClr>
+              </a:lnRef>
+              <a:fillRef idx="1">
+                <a:schemeClr val="accent1"/>
+              </a:fillRef>
+              <a:effectRef idx="0">
+                <a:schemeClr val="accent1"/>
+              </a:effectRef>
+              <a:fontRef idx="minor">
+                <a:schemeClr val="lt1"/>
+              </a:fontRef>
+            </p:style>
+            <p:txBody>
+              <a:bodyPr rtlCol="0" anchor="ctr"/>
+              <a:lstStyle/>
+              <a:p>
+                <a:pPr algn="ctr"/>
+                <a:endParaRPr lang="de-DE"/>
+              </a:p>
+            </p:txBody>
+          </p:sp>
+          <p:grpSp>
+            <p:nvGrpSpPr>
+              <p:cNvPr id="61" name="Gruppieren 60">
+                <a:extLst>
+                  <a:ext uri="{FF2B5EF4-FFF2-40B4-BE49-F238E27FC236}">
+                    <a16:creationId xmlns:a16="http://schemas.microsoft.com/office/drawing/2014/main" id="{78490B9B-02E8-422D-99B2-486A03B86F63}"/>
+                  </a:ext>
+                </a:extLst>
+              </p:cNvPr>
+              <p:cNvGrpSpPr/>
+              <p:nvPr/>
+            </p:nvGrpSpPr>
+            <p:grpSpPr>
+              <a:xfrm>
+                <a:off x="10875883" y="4506494"/>
+                <a:ext cx="458158" cy="276521"/>
+                <a:chOff x="9217689" y="3544990"/>
+                <a:chExt cx="1532985" cy="914401"/>
+              </a:xfrm>
+            </p:grpSpPr>
+            <p:pic>
+              <p:nvPicPr>
+                <p:cNvPr id="63" name="Grafik 62" descr="Drahtlos">
+                  <a:extLst>
+                    <a:ext uri="{FF2B5EF4-FFF2-40B4-BE49-F238E27FC236}">
+                      <a16:creationId xmlns:a16="http://schemas.microsoft.com/office/drawing/2014/main" id="{0730521A-D560-4E10-A773-D8BFF185CADB}"/>
+                    </a:ext>
+                  </a:extLst>
+                </p:cNvPr>
+                <p:cNvPicPr>
+                  <a:picLocks noChangeAspect="1"/>
+                </p:cNvPicPr>
+                <p:nvPr/>
+              </p:nvPicPr>
+              <p:blipFill>
+                <a:blip r:embed="rId10">
+                  <a:extLst>
+                    <a:ext uri="{28A0092B-C50C-407E-A947-70E740481C1C}">
+                      <a14:useLocalDpi xmlns:a14="http://schemas.microsoft.com/office/drawing/2010/main" val="0"/>
+                    </a:ext>
+                    <a:ext uri="{96DAC541-7B7A-43D3-8B79-37D633B846F1}">
+                      <asvg:svgBlip xmlns:asvg="http://schemas.microsoft.com/office/drawing/2016/SVG/main" r:embed="rId11"/>
+                    </a:ext>
+                  </a:extLst>
+                </a:blip>
+                <a:stretch>
+                  <a:fillRect/>
+                </a:stretch>
+              </p:blipFill>
+              <p:spPr>
+                <a:xfrm rot="-2700000">
+                  <a:off x="9217689" y="3544990"/>
+                  <a:ext cx="914400" cy="914400"/>
+                </a:xfrm>
+                <a:prstGeom prst="rect">
+                  <a:avLst/>
+                </a:prstGeom>
+              </p:spPr>
+            </p:pic>
+            <p:pic>
+              <p:nvPicPr>
+                <p:cNvPr id="64" name="Grafik 63" descr="Drahtlos">
+                  <a:extLst>
+                    <a:ext uri="{FF2B5EF4-FFF2-40B4-BE49-F238E27FC236}">
+                      <a16:creationId xmlns:a16="http://schemas.microsoft.com/office/drawing/2014/main" id="{E5A16126-EE54-4040-8CA7-0CDA95813E1A}"/>
+                    </a:ext>
+                  </a:extLst>
+                </p:cNvPr>
+                <p:cNvPicPr>
+                  <a:picLocks noChangeAspect="1"/>
+                </p:cNvPicPr>
+                <p:nvPr/>
+              </p:nvPicPr>
+              <p:blipFill>
+                <a:blip r:embed="rId10">
+                  <a:extLst>
+                    <a:ext uri="{28A0092B-C50C-407E-A947-70E740481C1C}">
+                      <a14:useLocalDpi xmlns:a14="http://schemas.microsoft.com/office/drawing/2010/main" val="0"/>
+                    </a:ext>
+                    <a:ext uri="{96DAC541-7B7A-43D3-8B79-37D633B846F1}">
+                      <asvg:svgBlip xmlns:asvg="http://schemas.microsoft.com/office/drawing/2016/SVG/main" r:embed="rId11"/>
+                    </a:ext>
+                  </a:extLst>
+                </a:blip>
+                <a:stretch>
+                  <a:fillRect/>
+                </a:stretch>
+              </p:blipFill>
+              <p:spPr>
+                <a:xfrm rot="18900000" flipH="1" flipV="1">
+                  <a:off x="9836274" y="3544991"/>
+                  <a:ext cx="914400" cy="914400"/>
+                </a:xfrm>
+                <a:prstGeom prst="rect">
+                  <a:avLst/>
+                </a:prstGeom>
+              </p:spPr>
+            </p:pic>
+          </p:grpSp>
+        </p:grpSp>
+      </p:grpSp>
+      <p:grpSp>
+        <p:nvGrpSpPr>
+          <p:cNvPr id="87" name="Gruppieren 86">
+            <a:extLst>
+              <a:ext uri="{FF2B5EF4-FFF2-40B4-BE49-F238E27FC236}">
+                <a16:creationId xmlns:a16="http://schemas.microsoft.com/office/drawing/2014/main" id="{4C1DF41B-AA15-498F-81F2-91D1A63B5D3F}"/>
+              </a:ext>
+            </a:extLst>
+          </p:cNvPr>
+          <p:cNvGrpSpPr/>
+          <p:nvPr/>
+        </p:nvGrpSpPr>
+        <p:grpSpPr>
+          <a:xfrm>
+            <a:off x="9992032" y="2955947"/>
+            <a:ext cx="864001" cy="864000"/>
+            <a:chOff x="7487953" y="3577326"/>
+            <a:chExt cx="864001" cy="864000"/>
+          </a:xfrm>
+        </p:grpSpPr>
+        <p:grpSp>
+          <p:nvGrpSpPr>
+            <p:cNvPr id="88" name="Gruppieren 87">
+              <a:extLst>
+                <a:ext uri="{FF2B5EF4-FFF2-40B4-BE49-F238E27FC236}">
+                  <a16:creationId xmlns:a16="http://schemas.microsoft.com/office/drawing/2014/main" id="{BCED10EE-4985-4878-90A7-5450A03CB45B}"/>
+                </a:ext>
+              </a:extLst>
+            </p:cNvPr>
+            <p:cNvGrpSpPr>
+              <a:grpSpLocks noChangeAspect="1"/>
+            </p:cNvGrpSpPr>
+            <p:nvPr/>
+          </p:nvGrpSpPr>
+          <p:grpSpPr>
+            <a:xfrm>
+              <a:off x="7487953" y="3577326"/>
+              <a:ext cx="864001" cy="864000"/>
+              <a:chOff x="1925186" y="900986"/>
+              <a:chExt cx="1219200" cy="1219200"/>
+            </a:xfrm>
+          </p:grpSpPr>
+          <p:sp>
+            <p:nvSpPr>
+              <p:cNvPr id="90" name="Rechteck 89">
+                <a:extLst>
+                  <a:ext uri="{FF2B5EF4-FFF2-40B4-BE49-F238E27FC236}">
+                    <a16:creationId xmlns:a16="http://schemas.microsoft.com/office/drawing/2014/main" id="{359999A1-FB7A-48E8-B99D-65EF6192FBE8}"/>
+                  </a:ext>
+                </a:extLst>
+              </p:cNvPr>
+              <p:cNvSpPr/>
+              <p:nvPr/>
+            </p:nvSpPr>
+            <p:spPr>
+              <a:xfrm>
+                <a:off x="1925186" y="900986"/>
+                <a:ext cx="1219200" cy="732552"/>
+              </a:xfrm>
+              <a:prstGeom prst="rect">
+                <a:avLst/>
+              </a:prstGeom>
+              <a:solidFill>
+                <a:srgbClr val="000000"/>
+              </a:solidFill>
+              <a:ln>
+                <a:solidFill>
+                  <a:schemeClr val="tx1"/>
+                </a:solidFill>
+              </a:ln>
+            </p:spPr>
+            <p:style>
+              <a:lnRef idx="2">
+                <a:schemeClr val="accent1">
+                  <a:shade val="50000"/>
+                </a:schemeClr>
+              </a:lnRef>
+              <a:fillRef idx="1">
+                <a:schemeClr val="accent1"/>
+              </a:fillRef>
+              <a:effectRef idx="0">
+                <a:schemeClr val="accent1"/>
+              </a:effectRef>
+              <a:fontRef idx="minor">
+                <a:schemeClr val="lt1"/>
+              </a:fontRef>
+            </p:style>
+            <p:txBody>
+              <a:bodyPr rtlCol="0" anchor="ctr"/>
+              <a:lstStyle/>
+              <a:p>
+                <a:pPr algn="ctr"/>
+                <a:endParaRPr lang="de-DE" sz="1400" dirty="0">
+                  <a:solidFill>
+                    <a:srgbClr val="00FF90"/>
+                  </a:solidFill>
+                  <a:latin typeface="Euro Caps" pitchFamily="2" charset="0"/>
+                </a:endParaRPr>
+              </a:p>
+            </p:txBody>
+          </p:sp>
+          <p:sp>
+            <p:nvSpPr>
+              <p:cNvPr id="91" name="Rechteck 90">
+                <a:extLst>
+                  <a:ext uri="{FF2B5EF4-FFF2-40B4-BE49-F238E27FC236}">
+                    <a16:creationId xmlns:a16="http://schemas.microsoft.com/office/drawing/2014/main" id="{5EBA46BB-A55F-4AB3-9EF0-394D9B4F7AF5}"/>
+                  </a:ext>
+                </a:extLst>
+              </p:cNvPr>
+              <p:cNvSpPr/>
+              <p:nvPr/>
+            </p:nvSpPr>
+            <p:spPr>
+              <a:xfrm>
+                <a:off x="1925186" y="1633539"/>
+                <a:ext cx="1219200" cy="486647"/>
+              </a:xfrm>
+              <a:prstGeom prst="rect">
+                <a:avLst/>
+              </a:prstGeom>
+              <a:solidFill>
+                <a:srgbClr val="FF0000"/>
+              </a:solidFill>
+              <a:ln>
+                <a:solidFill>
+                  <a:srgbClr val="FF0000"/>
+                </a:solidFill>
+              </a:ln>
+            </p:spPr>
+            <p:style>
+              <a:lnRef idx="2">
+                <a:schemeClr val="accent1">
+                  <a:shade val="50000"/>
+                </a:schemeClr>
+              </a:lnRef>
+              <a:fillRef idx="1">
+                <a:schemeClr val="accent1"/>
+              </a:fillRef>
+              <a:effectRef idx="0">
+                <a:schemeClr val="accent1"/>
+              </a:effectRef>
+              <a:fontRef idx="minor">
+                <a:schemeClr val="lt1"/>
+              </a:fontRef>
+            </p:style>
+            <p:txBody>
+              <a:bodyPr rtlCol="0" anchor="ctr"/>
+              <a:lstStyle/>
+              <a:p>
+                <a:pPr algn="ctr"/>
+                <a:r>
+                  <a:rPr lang="de-DE" b="1" dirty="0" err="1">
+                    <a:solidFill>
+                      <a:srgbClr val="000000"/>
+                    </a:solidFill>
+                    <a:latin typeface="Euro Caps" pitchFamily="2" charset="0"/>
+                  </a:rPr>
+                  <a:t>Chaff</a:t>
+                </a:r>
+                <a:endParaRPr lang="en-DE" b="1" dirty="0">
+                  <a:solidFill>
+                    <a:srgbClr val="000000"/>
+                  </a:solidFill>
+                  <a:latin typeface="Euro Caps" pitchFamily="2" charset="0"/>
+                </a:endParaRPr>
+              </a:p>
+            </p:txBody>
+          </p:sp>
+        </p:grpSp>
+        <p:pic>
+          <p:nvPicPr>
+            <p:cNvPr id="89" name="Grafik 88" descr="Warnung">
+              <a:extLst>
+                <a:ext uri="{FF2B5EF4-FFF2-40B4-BE49-F238E27FC236}">
+                  <a16:creationId xmlns:a16="http://schemas.microsoft.com/office/drawing/2014/main" id="{758103F0-5553-41B4-B9F9-A24822911863}"/>
+                </a:ext>
+              </a:extLst>
+            </p:cNvPr>
+            <p:cNvPicPr>
+              <a:picLocks noChangeAspect="1"/>
+            </p:cNvPicPr>
+            <p:nvPr/>
+          </p:nvPicPr>
+          <p:blipFill>
+            <a:blip r:embed="rId12">
+              <a:extLst>
+                <a:ext uri="{28A0092B-C50C-407E-A947-70E740481C1C}">
+                  <a14:useLocalDpi xmlns:a14="http://schemas.microsoft.com/office/drawing/2010/main" val="0"/>
+                </a:ext>
+                <a:ext uri="{96DAC541-7B7A-43D3-8B79-37D633B846F1}">
+                  <asvg:svgBlip xmlns:asvg="http://schemas.microsoft.com/office/drawing/2016/SVG/main" r:embed="rId13"/>
+                </a:ext>
+              </a:extLst>
+            </a:blip>
+            <a:stretch>
+              <a:fillRect/>
+            </a:stretch>
+          </p:blipFill>
+          <p:spPr>
+            <a:xfrm>
+              <a:off x="7721953" y="3621065"/>
+              <a:ext cx="396000" cy="396000"/>
+            </a:xfrm>
+            <a:prstGeom prst="rect">
+              <a:avLst/>
+            </a:prstGeom>
+          </p:spPr>
+        </p:pic>
+      </p:grpSp>
+      <p:grpSp>
+        <p:nvGrpSpPr>
+          <p:cNvPr id="15" name="Gruppieren 14">
+            <a:extLst>
+              <a:ext uri="{FF2B5EF4-FFF2-40B4-BE49-F238E27FC236}">
+                <a16:creationId xmlns:a16="http://schemas.microsoft.com/office/drawing/2014/main" id="{18B310AA-7307-4BA1-B045-9D202058F469}"/>
+              </a:ext>
+            </a:extLst>
+          </p:cNvPr>
+          <p:cNvGrpSpPr/>
+          <p:nvPr/>
+        </p:nvGrpSpPr>
+        <p:grpSpPr>
+          <a:xfrm>
+            <a:off x="8970008" y="2955947"/>
+            <a:ext cx="864001" cy="864000"/>
+            <a:chOff x="8970008" y="2955947"/>
+            <a:chExt cx="864001" cy="864000"/>
+          </a:xfrm>
+        </p:grpSpPr>
+        <p:grpSp>
+          <p:nvGrpSpPr>
+            <p:cNvPr id="92" name="Gruppieren 91">
+              <a:extLst>
+                <a:ext uri="{FF2B5EF4-FFF2-40B4-BE49-F238E27FC236}">
+                  <a16:creationId xmlns:a16="http://schemas.microsoft.com/office/drawing/2014/main" id="{536731B0-2900-4326-B642-1D3BE4A6EDEF}"/>
+                </a:ext>
+              </a:extLst>
+            </p:cNvPr>
+            <p:cNvGrpSpPr>
+              <a:grpSpLocks noChangeAspect="1"/>
+            </p:cNvGrpSpPr>
+            <p:nvPr/>
+          </p:nvGrpSpPr>
+          <p:grpSpPr>
+            <a:xfrm>
+              <a:off x="8970008" y="2955947"/>
+              <a:ext cx="864001" cy="864000"/>
+              <a:chOff x="1925186" y="900986"/>
+              <a:chExt cx="1219200" cy="1219199"/>
+            </a:xfrm>
+          </p:grpSpPr>
+          <p:sp>
+            <p:nvSpPr>
+              <p:cNvPr id="93" name="Rechteck 92">
+                <a:extLst>
+                  <a:ext uri="{FF2B5EF4-FFF2-40B4-BE49-F238E27FC236}">
+                    <a16:creationId xmlns:a16="http://schemas.microsoft.com/office/drawing/2014/main" id="{E0273D86-3A90-4105-AAD9-A9165E33F627}"/>
+                  </a:ext>
+                </a:extLst>
+              </p:cNvPr>
+              <p:cNvSpPr/>
+              <p:nvPr/>
+            </p:nvSpPr>
+            <p:spPr>
+              <a:xfrm>
+                <a:off x="1925186" y="900986"/>
+                <a:ext cx="1219200" cy="732552"/>
+              </a:xfrm>
+              <a:prstGeom prst="rect">
+                <a:avLst/>
+              </a:prstGeom>
+              <a:solidFill>
+                <a:srgbClr val="000000"/>
+              </a:solidFill>
+              <a:ln>
+                <a:solidFill>
+                  <a:schemeClr val="tx1"/>
+                </a:solidFill>
+              </a:ln>
+            </p:spPr>
+            <p:style>
+              <a:lnRef idx="2">
+                <a:schemeClr val="accent1">
+                  <a:shade val="50000"/>
+                </a:schemeClr>
+              </a:lnRef>
+              <a:fillRef idx="1">
+                <a:schemeClr val="accent1"/>
+              </a:fillRef>
+              <a:effectRef idx="0">
+                <a:schemeClr val="accent1"/>
+              </a:effectRef>
+              <a:fontRef idx="minor">
+                <a:schemeClr val="lt1"/>
+              </a:fontRef>
+            </p:style>
+            <p:txBody>
+              <a:bodyPr rtlCol="0" anchor="ctr"/>
+              <a:lstStyle/>
+              <a:p>
+                <a:pPr algn="ctr"/>
+                <a:endParaRPr lang="de-DE" dirty="0">
+                  <a:solidFill>
+                    <a:srgbClr val="00D2FF"/>
+                  </a:solidFill>
+                  <a:latin typeface="Euro Caps" pitchFamily="2" charset="0"/>
+                </a:endParaRPr>
+              </a:p>
+            </p:txBody>
+          </p:sp>
+          <p:sp>
+            <p:nvSpPr>
+              <p:cNvPr id="94" name="Rechteck 93">
+                <a:extLst>
+                  <a:ext uri="{FF2B5EF4-FFF2-40B4-BE49-F238E27FC236}">
+                    <a16:creationId xmlns:a16="http://schemas.microsoft.com/office/drawing/2014/main" id="{3BBAE480-FA94-449C-B75B-62B74C4371F5}"/>
+                  </a:ext>
+                </a:extLst>
+              </p:cNvPr>
+              <p:cNvSpPr/>
+              <p:nvPr/>
+            </p:nvSpPr>
+            <p:spPr>
+              <a:xfrm>
+                <a:off x="1925186" y="1633538"/>
+                <a:ext cx="1219200" cy="486647"/>
+              </a:xfrm>
+              <a:prstGeom prst="rect">
+                <a:avLst/>
+              </a:prstGeom>
+              <a:solidFill>
+                <a:srgbClr val="71D6FF"/>
+              </a:solidFill>
+              <a:ln>
+                <a:solidFill>
+                  <a:srgbClr val="71D6FF"/>
+                </a:solidFill>
+              </a:ln>
+            </p:spPr>
+            <p:style>
+              <a:lnRef idx="2">
+                <a:schemeClr val="accent1">
+                  <a:shade val="50000"/>
+                </a:schemeClr>
+              </a:lnRef>
+              <a:fillRef idx="1">
+                <a:schemeClr val="accent1"/>
+              </a:fillRef>
+              <a:effectRef idx="0">
+                <a:schemeClr val="accent1"/>
+              </a:effectRef>
+              <a:fontRef idx="minor">
+                <a:schemeClr val="lt1"/>
+              </a:fontRef>
+            </p:style>
+            <p:txBody>
+              <a:bodyPr rtlCol="0" anchor="ctr"/>
+              <a:lstStyle/>
+              <a:p>
+                <a:pPr algn="ctr"/>
+                <a:r>
+                  <a:rPr lang="de-DE" b="1" dirty="0" err="1">
+                    <a:solidFill>
+                      <a:srgbClr val="000000"/>
+                    </a:solidFill>
+                    <a:latin typeface="Euro Caps" pitchFamily="2" charset="0"/>
+                  </a:rPr>
+                  <a:t>Chaff</a:t>
+                </a:r>
+                <a:endParaRPr lang="en-DE" b="1" dirty="0">
+                  <a:solidFill>
+                    <a:srgbClr val="000000"/>
+                  </a:solidFill>
+                  <a:latin typeface="Euro Caps" pitchFamily="2" charset="0"/>
+                </a:endParaRPr>
+              </a:p>
+            </p:txBody>
+          </p:sp>
+        </p:grpSp>
+        <p:pic>
+          <p:nvPicPr>
+            <p:cNvPr id="95" name="Grafik 94" descr="Warnung">
+              <a:extLst>
+                <a:ext uri="{FF2B5EF4-FFF2-40B4-BE49-F238E27FC236}">
+                  <a16:creationId xmlns:a16="http://schemas.microsoft.com/office/drawing/2014/main" id="{DAC51423-EE14-424C-954C-5CD6E3F150EE}"/>
+                </a:ext>
+              </a:extLst>
+            </p:cNvPr>
+            <p:cNvPicPr>
+              <a:picLocks noChangeAspect="1"/>
+            </p:cNvPicPr>
+            <p:nvPr/>
+          </p:nvPicPr>
+          <p:blipFill>
+            <a:blip r:embed="rId14">
+              <a:extLst>
+                <a:ext uri="{28A0092B-C50C-407E-A947-70E740481C1C}">
+                  <a14:useLocalDpi xmlns:a14="http://schemas.microsoft.com/office/drawing/2010/main" val="0"/>
+                </a:ext>
+                <a:ext uri="{96DAC541-7B7A-43D3-8B79-37D633B846F1}">
+                  <asvg:svgBlip xmlns:asvg="http://schemas.microsoft.com/office/drawing/2016/SVG/main" r:embed="rId15"/>
+                </a:ext>
+              </a:extLst>
+            </a:blip>
+            <a:stretch>
+              <a:fillRect/>
+            </a:stretch>
+          </p:blipFill>
+          <p:spPr>
+            <a:xfrm>
+              <a:off x="9204008" y="3013964"/>
+              <a:ext cx="396000" cy="396000"/>
+            </a:xfrm>
+            <a:prstGeom prst="rect">
+              <a:avLst/>
+            </a:prstGeom>
+          </p:spPr>
+        </p:pic>
+      </p:grpSp>
+      <p:grpSp>
+        <p:nvGrpSpPr>
+          <p:cNvPr id="22" name="Gruppieren 21">
+            <a:extLst>
+              <a:ext uri="{FF2B5EF4-FFF2-40B4-BE49-F238E27FC236}">
+                <a16:creationId xmlns:a16="http://schemas.microsoft.com/office/drawing/2014/main" id="{217F333D-2367-44B8-9931-CE310FA43CF8}"/>
+              </a:ext>
+            </a:extLst>
+          </p:cNvPr>
+          <p:cNvGrpSpPr/>
+          <p:nvPr/>
+        </p:nvGrpSpPr>
+        <p:grpSpPr>
+          <a:xfrm>
+            <a:off x="8989605" y="3976561"/>
+            <a:ext cx="864001" cy="864000"/>
+            <a:chOff x="8989605" y="3976561"/>
+            <a:chExt cx="864001" cy="864000"/>
+          </a:xfrm>
+        </p:grpSpPr>
+        <p:grpSp>
+          <p:nvGrpSpPr>
+            <p:cNvPr id="102" name="Gruppieren 101">
+              <a:extLst>
+                <a:ext uri="{FF2B5EF4-FFF2-40B4-BE49-F238E27FC236}">
+                  <a16:creationId xmlns:a16="http://schemas.microsoft.com/office/drawing/2014/main" id="{0FC9DE83-7906-4932-B1E4-C7CC112726B1}"/>
+                </a:ext>
+              </a:extLst>
+            </p:cNvPr>
+            <p:cNvGrpSpPr>
+              <a:grpSpLocks noChangeAspect="1"/>
+            </p:cNvGrpSpPr>
+            <p:nvPr/>
+          </p:nvGrpSpPr>
+          <p:grpSpPr>
+            <a:xfrm>
+              <a:off x="8989605" y="3976561"/>
+              <a:ext cx="864001" cy="864000"/>
+              <a:chOff x="1925186" y="900986"/>
+              <a:chExt cx="1219200" cy="1219199"/>
+            </a:xfrm>
+          </p:grpSpPr>
+          <p:sp>
+            <p:nvSpPr>
+              <p:cNvPr id="104" name="Rechteck 103">
+                <a:extLst>
+                  <a:ext uri="{FF2B5EF4-FFF2-40B4-BE49-F238E27FC236}">
+                    <a16:creationId xmlns:a16="http://schemas.microsoft.com/office/drawing/2014/main" id="{0F03BDA3-08EB-41B2-80D9-DC191EC77429}"/>
+                  </a:ext>
+                </a:extLst>
+              </p:cNvPr>
+              <p:cNvSpPr/>
+              <p:nvPr/>
+            </p:nvSpPr>
+            <p:spPr>
+              <a:xfrm>
+                <a:off x="1925186" y="900986"/>
+                <a:ext cx="1219200" cy="732552"/>
+              </a:xfrm>
+              <a:prstGeom prst="rect">
+                <a:avLst/>
+              </a:prstGeom>
+              <a:solidFill>
+                <a:srgbClr val="000000"/>
+              </a:solidFill>
+              <a:ln>
+                <a:solidFill>
+                  <a:schemeClr val="tx1"/>
+                </a:solidFill>
+              </a:ln>
+            </p:spPr>
+            <p:style>
+              <a:lnRef idx="2">
+                <a:schemeClr val="accent1">
+                  <a:shade val="50000"/>
+                </a:schemeClr>
+              </a:lnRef>
+              <a:fillRef idx="1">
+                <a:schemeClr val="accent1"/>
+              </a:fillRef>
+              <a:effectRef idx="0">
+                <a:schemeClr val="accent1"/>
+              </a:effectRef>
+              <a:fontRef idx="minor">
+                <a:schemeClr val="lt1"/>
+              </a:fontRef>
+            </p:style>
+            <p:txBody>
+              <a:bodyPr rtlCol="0" anchor="ctr"/>
+              <a:lstStyle/>
+              <a:p>
+                <a:pPr algn="ctr"/>
+                <a:endParaRPr lang="de-DE" dirty="0">
+                  <a:solidFill>
+                    <a:srgbClr val="00D2FF"/>
+                  </a:solidFill>
+                  <a:latin typeface="Euro Caps" pitchFamily="2" charset="0"/>
+                </a:endParaRPr>
+              </a:p>
+            </p:txBody>
+          </p:sp>
+          <p:sp>
+            <p:nvSpPr>
+              <p:cNvPr id="105" name="Rechteck 104">
+                <a:extLst>
+                  <a:ext uri="{FF2B5EF4-FFF2-40B4-BE49-F238E27FC236}">
+                    <a16:creationId xmlns:a16="http://schemas.microsoft.com/office/drawing/2014/main" id="{BE7DE060-0663-4717-94DA-74ECDED06F5F}"/>
+                  </a:ext>
+                </a:extLst>
+              </p:cNvPr>
+              <p:cNvSpPr/>
+              <p:nvPr/>
+            </p:nvSpPr>
+            <p:spPr>
+              <a:xfrm>
+                <a:off x="1925186" y="1633538"/>
+                <a:ext cx="1219200" cy="486647"/>
+              </a:xfrm>
+              <a:prstGeom prst="rect">
+                <a:avLst/>
+              </a:prstGeom>
+              <a:solidFill>
+                <a:srgbClr val="71D6FF"/>
+              </a:solidFill>
+              <a:ln>
+                <a:solidFill>
+                  <a:srgbClr val="71D6FF"/>
+                </a:solidFill>
+              </a:ln>
+            </p:spPr>
+            <p:style>
+              <a:lnRef idx="2">
+                <a:schemeClr val="accent1">
+                  <a:shade val="50000"/>
+                </a:schemeClr>
+              </a:lnRef>
+              <a:fillRef idx="1">
+                <a:schemeClr val="accent1"/>
+              </a:fillRef>
+              <a:effectRef idx="0">
+                <a:schemeClr val="accent1"/>
+              </a:effectRef>
+              <a:fontRef idx="minor">
+                <a:schemeClr val="lt1"/>
+              </a:fontRef>
+            </p:style>
+            <p:txBody>
+              <a:bodyPr rtlCol="0" anchor="ctr"/>
+              <a:lstStyle/>
+              <a:p>
+                <a:pPr algn="ctr"/>
+                <a:r>
+                  <a:rPr lang="de-DE" b="1" dirty="0">
+                    <a:solidFill>
+                      <a:srgbClr val="000000"/>
+                    </a:solidFill>
+                    <a:latin typeface="Euro Caps" pitchFamily="2" charset="0"/>
+                  </a:rPr>
+                  <a:t>ECM</a:t>
+                </a:r>
+                <a:endParaRPr lang="en-DE" b="1" dirty="0">
+                  <a:solidFill>
+                    <a:srgbClr val="000000"/>
+                  </a:solidFill>
+                  <a:latin typeface="Euro Caps" pitchFamily="2" charset="0"/>
+                </a:endParaRPr>
+              </a:p>
+            </p:txBody>
+          </p:sp>
+        </p:grpSp>
+        <p:pic>
+          <p:nvPicPr>
+            <p:cNvPr id="21" name="Grafik 20" descr="Blitzschlag">
+              <a:extLst>
+                <a:ext uri="{FF2B5EF4-FFF2-40B4-BE49-F238E27FC236}">
+                  <a16:creationId xmlns:a16="http://schemas.microsoft.com/office/drawing/2014/main" id="{D2CF1A07-D000-477D-B1AE-250EAAA1F7E0}"/>
+                </a:ext>
+              </a:extLst>
+            </p:cNvPr>
+            <p:cNvPicPr>
+              <a:picLocks noChangeAspect="1"/>
+            </p:cNvPicPr>
+            <p:nvPr/>
+          </p:nvPicPr>
+          <p:blipFill>
+            <a:blip r:embed="rId16">
+              <a:extLst>
+                <a:ext uri="{28A0092B-C50C-407E-A947-70E740481C1C}">
+                  <a14:useLocalDpi xmlns:a14="http://schemas.microsoft.com/office/drawing/2010/main" val="0"/>
+                </a:ext>
+                <a:ext uri="{96DAC541-7B7A-43D3-8B79-37D633B846F1}">
+                  <asvg:svgBlip xmlns:asvg="http://schemas.microsoft.com/office/drawing/2016/SVG/main" r:embed="rId17"/>
+                </a:ext>
+              </a:extLst>
+            </a:blip>
+            <a:stretch>
+              <a:fillRect/>
+            </a:stretch>
+          </p:blipFill>
+          <p:spPr>
+            <a:xfrm>
+              <a:off x="9223605" y="4048928"/>
+              <a:ext cx="396000" cy="396000"/>
+            </a:xfrm>
+            <a:prstGeom prst="rect">
+              <a:avLst/>
+            </a:prstGeom>
+          </p:spPr>
+        </p:pic>
+      </p:grpSp>
     </p:spTree>
     <p:extLst>
       <p:ext uri="{BB962C8B-B14F-4D97-AF65-F5344CB8AC3E}">
@@ -28526,7 +33356,7 @@
 </p:sld>
 </file>
 
-<file path=ppt/slides/slide7.xml><?xml version="1.0" encoding="utf-8"?>
+<file path=ppt/slides/slide8.xml><?xml version="1.0" encoding="utf-8"?>
 <p:sld xmlns:a="http://schemas.openxmlformats.org/drawingml/2006/main" xmlns:r="http://schemas.openxmlformats.org/officeDocument/2006/relationships" xmlns:p="http://schemas.openxmlformats.org/presentationml/2006/main">
   <p:cSld>
     <p:spTree>
@@ -31350,11 +36180,11 @@
                 <a:avLst/>
               </a:prstGeom>
               <a:solidFill>
-                <a:srgbClr val="00B050"/>
+                <a:schemeClr val="tx1"/>
               </a:solidFill>
               <a:ln>
                 <a:solidFill>
-                  <a:srgbClr val="00B050"/>
+                  <a:schemeClr val="tx1"/>
                 </a:solidFill>
               </a:ln>
             </p:spPr>
@@ -31382,7 +36212,7 @@
                 <a:r>
                   <a:rPr lang="de-DE" b="1" dirty="0">
                     <a:solidFill>
-                      <a:srgbClr val="000000"/>
+                      <a:srgbClr val="00B050"/>
                     </a:solidFill>
                     <a:latin typeface="Euro Caps" pitchFamily="2" charset="0"/>
                   </a:rPr>
@@ -31390,7 +36220,7 @@
                 </a:r>
                 <a:endParaRPr lang="en-DE" b="1" dirty="0">
                   <a:solidFill>
-                    <a:srgbClr val="000000"/>
+                    <a:srgbClr val="00B050"/>
                   </a:solidFill>
                   <a:latin typeface="Euro Caps" pitchFamily="2" charset="0"/>
                 </a:endParaRPr>
@@ -31426,8 +36256,8 @@
           </p:blipFill>
           <p:spPr>
             <a:xfrm>
-              <a:off x="6138266" y="5664739"/>
-              <a:ext cx="535873" cy="609524"/>
+              <a:off x="6170020" y="5684100"/>
+              <a:ext cx="491278" cy="558800"/>
             </a:xfrm>
             <a:prstGeom prst="rect">
               <a:avLst/>
@@ -31557,11 +36387,11 @@
                 <a:avLst/>
               </a:prstGeom>
               <a:solidFill>
-                <a:srgbClr val="00B050"/>
+                <a:schemeClr val="tx1"/>
               </a:solidFill>
               <a:ln>
                 <a:solidFill>
-                  <a:srgbClr val="00B050"/>
+                  <a:schemeClr val="tx1"/>
                 </a:solidFill>
               </a:ln>
             </p:spPr>
@@ -31589,7 +36419,7 @@
                 <a:r>
                   <a:rPr lang="de-DE" b="1" dirty="0">
                     <a:solidFill>
-                      <a:srgbClr val="000000"/>
+                      <a:srgbClr val="00B050"/>
                     </a:solidFill>
                     <a:latin typeface="Euro Caps" pitchFamily="2" charset="0"/>
                   </a:rPr>
@@ -31597,7 +36427,7 @@
                 </a:r>
                 <a:endParaRPr lang="en-DE" b="1" dirty="0">
                   <a:solidFill>
-                    <a:srgbClr val="000000"/>
+                    <a:srgbClr val="00B050"/>
                   </a:solidFill>
                   <a:latin typeface="Euro Caps" pitchFamily="2" charset="0"/>
                 </a:endParaRPr>
@@ -31633,8 +36463,8 @@
           </p:blipFill>
           <p:spPr>
             <a:xfrm>
-              <a:off x="7489877" y="5633820"/>
-              <a:ext cx="662857" cy="662857"/>
+              <a:off x="7509920" y="5679676"/>
+              <a:ext cx="558799" cy="558800"/>
             </a:xfrm>
             <a:prstGeom prst="rect">
               <a:avLst/>
@@ -31764,11 +36594,11 @@
                 <a:avLst/>
               </a:prstGeom>
               <a:solidFill>
-                <a:srgbClr val="00B050"/>
+                <a:schemeClr val="tx1"/>
               </a:solidFill>
               <a:ln>
                 <a:solidFill>
-                  <a:srgbClr val="00B050"/>
+                  <a:schemeClr val="tx1"/>
                 </a:solidFill>
               </a:ln>
             </p:spPr>
@@ -31796,7 +36626,7 @@
                 <a:r>
                   <a:rPr lang="de-DE" b="1" dirty="0">
                     <a:solidFill>
-                      <a:srgbClr val="000000"/>
+                      <a:srgbClr val="00B050"/>
                     </a:solidFill>
                     <a:latin typeface="Euro Caps" pitchFamily="2" charset="0"/>
                   </a:rPr>
@@ -31804,7 +36634,7 @@
                 </a:r>
                 <a:endParaRPr lang="en-DE" b="1" dirty="0">
                   <a:solidFill>
-                    <a:srgbClr val="000000"/>
+                    <a:srgbClr val="00B050"/>
                   </a:solidFill>
                   <a:latin typeface="Euro Caps" pitchFamily="2" charset="0"/>
                 </a:endParaRPr>
@@ -31840,8 +36670,8 @@
           </p:blipFill>
           <p:spPr>
             <a:xfrm>
-              <a:off x="8992804" y="5607715"/>
-              <a:ext cx="424127" cy="723809"/>
+              <a:off x="9040704" y="5693121"/>
+              <a:ext cx="327437" cy="558800"/>
             </a:xfrm>
             <a:prstGeom prst="rect">
               <a:avLst/>
@@ -31971,11 +36801,11 @@
                 <a:avLst/>
               </a:prstGeom>
               <a:solidFill>
-                <a:srgbClr val="00B050"/>
+                <a:schemeClr val="tx1"/>
               </a:solidFill>
               <a:ln>
                 <a:solidFill>
-                  <a:srgbClr val="00B050"/>
+                  <a:schemeClr val="tx1"/>
                 </a:solidFill>
               </a:ln>
             </p:spPr>
@@ -32003,7 +36833,7 @@
                 <a:r>
                   <a:rPr lang="de-DE" b="1" dirty="0">
                     <a:solidFill>
-                      <a:srgbClr val="000000"/>
+                      <a:srgbClr val="00B050"/>
                     </a:solidFill>
                     <a:latin typeface="Euro Caps" pitchFamily="2" charset="0"/>
                   </a:rPr>
@@ -32011,7 +36841,7 @@
                 </a:r>
                 <a:endParaRPr lang="en-DE" b="1" dirty="0">
                   <a:solidFill>
-                    <a:srgbClr val="000000"/>
+                    <a:srgbClr val="00B050"/>
                   </a:solidFill>
                   <a:latin typeface="Euro Caps" pitchFamily="2" charset="0"/>
                 </a:endParaRPr>
@@ -32047,8 +36877,8 @@
           </p:blipFill>
           <p:spPr>
             <a:xfrm>
-              <a:off x="10337395" y="5721092"/>
-              <a:ext cx="561270" cy="502857"/>
+              <a:off x="10306174" y="5688685"/>
+              <a:ext cx="623710" cy="558800"/>
             </a:xfrm>
             <a:prstGeom prst="rect">
               <a:avLst/>
@@ -32433,6 +37263,2614 @@
           </p:txBody>
         </p:sp>
       </p:grpSp>
+      <p:grpSp>
+        <p:nvGrpSpPr>
+          <p:cNvPr id="13" name="Gruppieren 12">
+            <a:extLst>
+              <a:ext uri="{FF2B5EF4-FFF2-40B4-BE49-F238E27FC236}">
+                <a16:creationId xmlns:a16="http://schemas.microsoft.com/office/drawing/2014/main" id="{0D56E55B-EBC7-4576-9AE0-F8ADC051E45B}"/>
+              </a:ext>
+            </a:extLst>
+          </p:cNvPr>
+          <p:cNvGrpSpPr/>
+          <p:nvPr/>
+        </p:nvGrpSpPr>
+        <p:grpSpPr>
+          <a:xfrm>
+            <a:off x="7487953" y="574906"/>
+            <a:ext cx="864001" cy="892237"/>
+            <a:chOff x="7487953" y="574906"/>
+            <a:chExt cx="864001" cy="892237"/>
+          </a:xfrm>
+        </p:grpSpPr>
+        <p:grpSp>
+          <p:nvGrpSpPr>
+            <p:cNvPr id="12" name="Gruppieren 11">
+              <a:extLst>
+                <a:ext uri="{FF2B5EF4-FFF2-40B4-BE49-F238E27FC236}">
+                  <a16:creationId xmlns:a16="http://schemas.microsoft.com/office/drawing/2014/main" id="{C9FC4176-9751-4994-9068-81171D264273}"/>
+                </a:ext>
+              </a:extLst>
+            </p:cNvPr>
+            <p:cNvGrpSpPr/>
+            <p:nvPr/>
+          </p:nvGrpSpPr>
+          <p:grpSpPr>
+            <a:xfrm>
+              <a:off x="7487953" y="574906"/>
+              <a:ext cx="864001" cy="864000"/>
+              <a:chOff x="3926840" y="1611363"/>
+              <a:chExt cx="864001" cy="864000"/>
+            </a:xfrm>
+          </p:grpSpPr>
+          <p:grpSp>
+            <p:nvGrpSpPr>
+              <p:cNvPr id="105" name="Gruppieren 104">
+                <a:extLst>
+                  <a:ext uri="{FF2B5EF4-FFF2-40B4-BE49-F238E27FC236}">
+                    <a16:creationId xmlns:a16="http://schemas.microsoft.com/office/drawing/2014/main" id="{CB0340BB-478B-4564-B23F-7533A751DFD2}"/>
+                  </a:ext>
+                </a:extLst>
+              </p:cNvPr>
+              <p:cNvGrpSpPr/>
+              <p:nvPr/>
+            </p:nvGrpSpPr>
+            <p:grpSpPr>
+              <a:xfrm>
+                <a:off x="3926840" y="1611363"/>
+                <a:ext cx="864001" cy="864000"/>
+                <a:chOff x="1925186" y="900986"/>
+                <a:chExt cx="1219200" cy="1219199"/>
+              </a:xfrm>
+            </p:grpSpPr>
+            <p:sp>
+              <p:nvSpPr>
+                <p:cNvPr id="107" name="Rechteck 106">
+                  <a:extLst>
+                    <a:ext uri="{FF2B5EF4-FFF2-40B4-BE49-F238E27FC236}">
+                      <a16:creationId xmlns:a16="http://schemas.microsoft.com/office/drawing/2014/main" id="{42A76933-33B2-4CF8-A7AD-D8BE67E9C779}"/>
+                    </a:ext>
+                  </a:extLst>
+                </p:cNvPr>
+                <p:cNvSpPr/>
+                <p:nvPr/>
+              </p:nvSpPr>
+              <p:spPr>
+                <a:xfrm>
+                  <a:off x="1925186" y="900986"/>
+                  <a:ext cx="1219200" cy="732552"/>
+                </a:xfrm>
+                <a:prstGeom prst="rect">
+                  <a:avLst/>
+                </a:prstGeom>
+                <a:solidFill>
+                  <a:srgbClr val="000000"/>
+                </a:solidFill>
+                <a:ln>
+                  <a:solidFill>
+                    <a:schemeClr val="tx1"/>
+                  </a:solidFill>
+                </a:ln>
+              </p:spPr>
+              <p:style>
+                <a:lnRef idx="2">
+                  <a:schemeClr val="accent1">
+                    <a:shade val="50000"/>
+                  </a:schemeClr>
+                </a:lnRef>
+                <a:fillRef idx="1">
+                  <a:schemeClr val="accent1"/>
+                </a:fillRef>
+                <a:effectRef idx="0">
+                  <a:schemeClr val="accent1"/>
+                </a:effectRef>
+                <a:fontRef idx="minor">
+                  <a:schemeClr val="lt1"/>
+                </a:fontRef>
+              </p:style>
+              <p:txBody>
+                <a:bodyPr rtlCol="0" anchor="ctr"/>
+                <a:lstStyle/>
+                <a:p>
+                  <a:pPr algn="ctr"/>
+                  <a:endParaRPr lang="de-DE" sz="1400" dirty="0">
+                    <a:solidFill>
+                      <a:srgbClr val="00FF90"/>
+                    </a:solidFill>
+                    <a:latin typeface="Euro Caps" pitchFamily="2" charset="0"/>
+                  </a:endParaRPr>
+                </a:p>
+              </p:txBody>
+            </p:sp>
+            <p:sp>
+              <p:nvSpPr>
+                <p:cNvPr id="108" name="Rechteck 107">
+                  <a:extLst>
+                    <a:ext uri="{FF2B5EF4-FFF2-40B4-BE49-F238E27FC236}">
+                      <a16:creationId xmlns:a16="http://schemas.microsoft.com/office/drawing/2014/main" id="{BF78331C-A31B-4AD9-BE96-36C147423650}"/>
+                    </a:ext>
+                  </a:extLst>
+                </p:cNvPr>
+                <p:cNvSpPr/>
+                <p:nvPr/>
+              </p:nvSpPr>
+              <p:spPr>
+                <a:xfrm>
+                  <a:off x="1925186" y="1633538"/>
+                  <a:ext cx="1219200" cy="486647"/>
+                </a:xfrm>
+                <a:prstGeom prst="rect">
+                  <a:avLst/>
+                </a:prstGeom>
+                <a:solidFill>
+                  <a:srgbClr val="00FF90"/>
+                </a:solidFill>
+                <a:ln>
+                  <a:solidFill>
+                    <a:srgbClr val="00FF90"/>
+                  </a:solidFill>
+                </a:ln>
+              </p:spPr>
+              <p:style>
+                <a:lnRef idx="2">
+                  <a:schemeClr val="accent1">
+                    <a:shade val="50000"/>
+                  </a:schemeClr>
+                </a:lnRef>
+                <a:fillRef idx="1">
+                  <a:schemeClr val="accent1"/>
+                </a:fillRef>
+                <a:effectRef idx="0">
+                  <a:schemeClr val="accent1"/>
+                </a:effectRef>
+                <a:fontRef idx="minor">
+                  <a:schemeClr val="lt1"/>
+                </a:fontRef>
+              </p:style>
+              <p:txBody>
+                <a:bodyPr rtlCol="0" anchor="ctr"/>
+                <a:lstStyle/>
+                <a:p>
+                  <a:pPr algn="ctr"/>
+                  <a:endParaRPr lang="en-DE" sz="1400" b="1" dirty="0">
+                    <a:solidFill>
+                      <a:srgbClr val="000000"/>
+                    </a:solidFill>
+                    <a:latin typeface="Euro Caps" pitchFamily="2" charset="0"/>
+                  </a:endParaRPr>
+                </a:p>
+              </p:txBody>
+            </p:sp>
+          </p:grpSp>
+          <p:pic>
+            <p:nvPicPr>
+              <p:cNvPr id="102" name="Grafik 101" descr="Senden">
+                <a:extLst>
+                  <a:ext uri="{FF2B5EF4-FFF2-40B4-BE49-F238E27FC236}">
+                    <a16:creationId xmlns:a16="http://schemas.microsoft.com/office/drawing/2014/main" id="{9DF04D2E-6760-464B-9A8D-F3EF708B229F}"/>
+                  </a:ext>
+                </a:extLst>
+              </p:cNvPr>
+              <p:cNvPicPr>
+                <a:picLocks noChangeAspect="1"/>
+              </p:cNvPicPr>
+              <p:nvPr/>
+            </p:nvPicPr>
+            <p:blipFill>
+              <a:blip r:embed="rId7">
+                <a:extLst>
+                  <a:ext uri="{28A0092B-C50C-407E-A947-70E740481C1C}">
+                    <a14:useLocalDpi xmlns:a14="http://schemas.microsoft.com/office/drawing/2010/main" val="0"/>
+                  </a:ext>
+                  <a:ext uri="{96DAC541-7B7A-43D3-8B79-37D633B846F1}">
+                    <asvg:svgBlip xmlns:asvg="http://schemas.microsoft.com/office/drawing/2016/SVG/main" r:embed="rId8"/>
+                  </a:ext>
+                </a:extLst>
+              </a:blip>
+              <a:stretch>
+                <a:fillRect/>
+              </a:stretch>
+            </p:blipFill>
+            <p:spPr>
+              <a:xfrm>
+                <a:off x="4164566" y="1673288"/>
+                <a:ext cx="396000" cy="396000"/>
+              </a:xfrm>
+              <a:prstGeom prst="rect">
+                <a:avLst/>
+              </a:prstGeom>
+            </p:spPr>
+          </p:pic>
+        </p:grpSp>
+        <p:pic>
+          <p:nvPicPr>
+            <p:cNvPr id="86" name="Grafik 85" descr="Linienpfeil: Gerade">
+              <a:extLst>
+                <a:ext uri="{FF2B5EF4-FFF2-40B4-BE49-F238E27FC236}">
+                  <a16:creationId xmlns:a16="http://schemas.microsoft.com/office/drawing/2014/main" id="{B5E4F7F7-8380-41CB-85B9-3B3B5DD2EFE3}"/>
+                </a:ext>
+              </a:extLst>
+            </p:cNvPr>
+            <p:cNvPicPr>
+              <a:picLocks noChangeAspect="1"/>
+            </p:cNvPicPr>
+            <p:nvPr/>
+          </p:nvPicPr>
+          <p:blipFill>
+            <a:blip r:embed="rId9">
+              <a:extLst>
+                <a:ext uri="{28A0092B-C50C-407E-A947-70E740481C1C}">
+                  <a14:useLocalDpi xmlns:a14="http://schemas.microsoft.com/office/drawing/2010/main" val="0"/>
+                </a:ext>
+                <a:ext uri="{96DAC541-7B7A-43D3-8B79-37D633B846F1}">
+                  <asvg:svgBlip xmlns:asvg="http://schemas.microsoft.com/office/drawing/2016/SVG/main" r:embed="rId10"/>
+                </a:ext>
+              </a:extLst>
+            </a:blip>
+            <a:stretch>
+              <a:fillRect/>
+            </a:stretch>
+          </p:blipFill>
+          <p:spPr>
+            <a:xfrm rot="10800000">
+              <a:off x="7725679" y="1071143"/>
+              <a:ext cx="396000" cy="396000"/>
+            </a:xfrm>
+            <a:prstGeom prst="rect">
+              <a:avLst/>
+            </a:prstGeom>
+          </p:spPr>
+        </p:pic>
+      </p:grpSp>
+      <p:grpSp>
+        <p:nvGrpSpPr>
+          <p:cNvPr id="89" name="Gruppieren 88">
+            <a:extLst>
+              <a:ext uri="{FF2B5EF4-FFF2-40B4-BE49-F238E27FC236}">
+                <a16:creationId xmlns:a16="http://schemas.microsoft.com/office/drawing/2014/main" id="{5AD77733-B098-46F5-8B67-D1B89917EB3C}"/>
+              </a:ext>
+            </a:extLst>
+          </p:cNvPr>
+          <p:cNvGrpSpPr/>
+          <p:nvPr/>
+        </p:nvGrpSpPr>
+        <p:grpSpPr>
+          <a:xfrm>
+            <a:off x="8479015" y="573926"/>
+            <a:ext cx="864001" cy="864000"/>
+            <a:chOff x="6242094" y="5472306"/>
+            <a:chExt cx="864001" cy="864000"/>
+          </a:xfrm>
+        </p:grpSpPr>
+        <p:grpSp>
+          <p:nvGrpSpPr>
+            <p:cNvPr id="90" name="Gruppieren 89">
+              <a:extLst>
+                <a:ext uri="{FF2B5EF4-FFF2-40B4-BE49-F238E27FC236}">
+                  <a16:creationId xmlns:a16="http://schemas.microsoft.com/office/drawing/2014/main" id="{F5F4492A-98A2-447B-9EC8-C84199C56FFD}"/>
+                </a:ext>
+              </a:extLst>
+            </p:cNvPr>
+            <p:cNvGrpSpPr/>
+            <p:nvPr/>
+          </p:nvGrpSpPr>
+          <p:grpSpPr>
+            <a:xfrm>
+              <a:off x="6242094" y="5472306"/>
+              <a:ext cx="864001" cy="864000"/>
+              <a:chOff x="1925186" y="900986"/>
+              <a:chExt cx="1219200" cy="1219199"/>
+            </a:xfrm>
+          </p:grpSpPr>
+          <p:sp>
+            <p:nvSpPr>
+              <p:cNvPr id="92" name="Rechteck 91">
+                <a:extLst>
+                  <a:ext uri="{FF2B5EF4-FFF2-40B4-BE49-F238E27FC236}">
+                    <a16:creationId xmlns:a16="http://schemas.microsoft.com/office/drawing/2014/main" id="{D462F623-8B5C-4BC9-8164-49D5653B9E68}"/>
+                  </a:ext>
+                </a:extLst>
+              </p:cNvPr>
+              <p:cNvSpPr/>
+              <p:nvPr/>
+            </p:nvSpPr>
+            <p:spPr>
+              <a:xfrm>
+                <a:off x="1925186" y="900986"/>
+                <a:ext cx="1219200" cy="732552"/>
+              </a:xfrm>
+              <a:prstGeom prst="rect">
+                <a:avLst/>
+              </a:prstGeom>
+              <a:solidFill>
+                <a:srgbClr val="000000"/>
+              </a:solidFill>
+              <a:ln>
+                <a:solidFill>
+                  <a:schemeClr val="tx1"/>
+                </a:solidFill>
+              </a:ln>
+            </p:spPr>
+            <p:style>
+              <a:lnRef idx="2">
+                <a:schemeClr val="accent1">
+                  <a:shade val="50000"/>
+                </a:schemeClr>
+              </a:lnRef>
+              <a:fillRef idx="1">
+                <a:schemeClr val="accent1"/>
+              </a:fillRef>
+              <a:effectRef idx="0">
+                <a:schemeClr val="accent1"/>
+              </a:effectRef>
+              <a:fontRef idx="minor">
+                <a:schemeClr val="lt1"/>
+              </a:fontRef>
+            </p:style>
+            <p:txBody>
+              <a:bodyPr rtlCol="0" anchor="ctr"/>
+              <a:lstStyle/>
+              <a:p>
+                <a:pPr algn="ctr"/>
+                <a:br>
+                  <a:rPr lang="de-DE" dirty="0">
+                    <a:solidFill>
+                      <a:srgbClr val="FF8800"/>
+                    </a:solidFill>
+                    <a:latin typeface="Euro Caps" pitchFamily="2" charset="0"/>
+                  </a:rPr>
+                </a:br>
+                <a:endParaRPr lang="de-DE" dirty="0">
+                  <a:solidFill>
+                    <a:srgbClr val="FF8800"/>
+                  </a:solidFill>
+                  <a:latin typeface="Euro Caps" pitchFamily="2" charset="0"/>
+                </a:endParaRPr>
+              </a:p>
+            </p:txBody>
+          </p:sp>
+          <p:sp>
+            <p:nvSpPr>
+              <p:cNvPr id="93" name="Rechteck 92">
+                <a:extLst>
+                  <a:ext uri="{FF2B5EF4-FFF2-40B4-BE49-F238E27FC236}">
+                    <a16:creationId xmlns:a16="http://schemas.microsoft.com/office/drawing/2014/main" id="{5C1F721A-FAD3-467A-BE4C-841E29263EDC}"/>
+                  </a:ext>
+                </a:extLst>
+              </p:cNvPr>
+              <p:cNvSpPr/>
+              <p:nvPr/>
+            </p:nvSpPr>
+            <p:spPr>
+              <a:xfrm>
+                <a:off x="1925186" y="1633538"/>
+                <a:ext cx="1219200" cy="486647"/>
+              </a:xfrm>
+              <a:prstGeom prst="rect">
+                <a:avLst/>
+              </a:prstGeom>
+              <a:solidFill>
+                <a:srgbClr val="00FF90"/>
+              </a:solidFill>
+              <a:ln>
+                <a:solidFill>
+                  <a:srgbClr val="00FF90"/>
+                </a:solidFill>
+              </a:ln>
+            </p:spPr>
+            <p:style>
+              <a:lnRef idx="2">
+                <a:schemeClr val="accent1">
+                  <a:shade val="50000"/>
+                </a:schemeClr>
+              </a:lnRef>
+              <a:fillRef idx="1">
+                <a:schemeClr val="accent1"/>
+              </a:fillRef>
+              <a:effectRef idx="0">
+                <a:schemeClr val="accent1"/>
+              </a:effectRef>
+              <a:fontRef idx="minor">
+                <a:schemeClr val="lt1"/>
+              </a:fontRef>
+            </p:style>
+            <p:txBody>
+              <a:bodyPr rtlCol="0" anchor="ctr"/>
+              <a:lstStyle/>
+              <a:p>
+                <a:pPr algn="ctr"/>
+                <a:r>
+                  <a:rPr lang="de-DE" b="1" dirty="0">
+                    <a:solidFill>
+                      <a:srgbClr val="000000"/>
+                    </a:solidFill>
+                    <a:latin typeface="Euro Caps" pitchFamily="2" charset="0"/>
+                  </a:rPr>
+                  <a:t>SET</a:t>
+                </a:r>
+              </a:p>
+            </p:txBody>
+          </p:sp>
+        </p:grpSp>
+        <p:pic>
+          <p:nvPicPr>
+            <p:cNvPr id="91" name="Grafik 90" descr="Ziel">
+              <a:extLst>
+                <a:ext uri="{FF2B5EF4-FFF2-40B4-BE49-F238E27FC236}">
+                  <a16:creationId xmlns:a16="http://schemas.microsoft.com/office/drawing/2014/main" id="{6D80F741-191F-4038-B22A-337BD0F8BC1A}"/>
+                </a:ext>
+              </a:extLst>
+            </p:cNvPr>
+            <p:cNvPicPr>
+              <a:picLocks noChangeAspect="1"/>
+            </p:cNvPicPr>
+            <p:nvPr/>
+          </p:nvPicPr>
+          <p:blipFill>
+            <a:blip r:embed="rId11">
+              <a:extLst>
+                <a:ext uri="{28A0092B-C50C-407E-A947-70E740481C1C}">
+                  <a14:useLocalDpi xmlns:a14="http://schemas.microsoft.com/office/drawing/2010/main" val="0"/>
+                </a:ext>
+                <a:ext uri="{96DAC541-7B7A-43D3-8B79-37D633B846F1}">
+                  <asvg:svgBlip xmlns:asvg="http://schemas.microsoft.com/office/drawing/2016/SVG/main" r:embed="rId12"/>
+                </a:ext>
+              </a:extLst>
+            </a:blip>
+            <a:stretch>
+              <a:fillRect/>
+            </a:stretch>
+          </p:blipFill>
+          <p:spPr>
+            <a:xfrm>
+              <a:off x="6476094" y="5520092"/>
+              <a:ext cx="396000" cy="396000"/>
+            </a:xfrm>
+            <a:prstGeom prst="rect">
+              <a:avLst/>
+            </a:prstGeom>
+          </p:spPr>
+        </p:pic>
+      </p:grpSp>
+      <p:grpSp>
+        <p:nvGrpSpPr>
+          <p:cNvPr id="11" name="Gruppieren 10">
+            <a:extLst>
+              <a:ext uri="{FF2B5EF4-FFF2-40B4-BE49-F238E27FC236}">
+                <a16:creationId xmlns:a16="http://schemas.microsoft.com/office/drawing/2014/main" id="{56D66EED-9DDB-4CF5-B74A-C50CDC860409}"/>
+              </a:ext>
+            </a:extLst>
+          </p:cNvPr>
+          <p:cNvGrpSpPr/>
+          <p:nvPr/>
+        </p:nvGrpSpPr>
+        <p:grpSpPr>
+          <a:xfrm>
+            <a:off x="6496891" y="573926"/>
+            <a:ext cx="864001" cy="889566"/>
+            <a:chOff x="4899303" y="1614163"/>
+            <a:chExt cx="864001" cy="889566"/>
+          </a:xfrm>
+        </p:grpSpPr>
+        <p:grpSp>
+          <p:nvGrpSpPr>
+            <p:cNvPr id="114" name="Gruppieren 113">
+              <a:extLst>
+                <a:ext uri="{FF2B5EF4-FFF2-40B4-BE49-F238E27FC236}">
+                  <a16:creationId xmlns:a16="http://schemas.microsoft.com/office/drawing/2014/main" id="{A45C8B52-7B36-42E2-A2C8-A9C520C92CDC}"/>
+                </a:ext>
+              </a:extLst>
+            </p:cNvPr>
+            <p:cNvGrpSpPr/>
+            <p:nvPr/>
+          </p:nvGrpSpPr>
+          <p:grpSpPr>
+            <a:xfrm>
+              <a:off x="4899303" y="1614163"/>
+              <a:ext cx="864001" cy="864000"/>
+              <a:chOff x="1925186" y="900986"/>
+              <a:chExt cx="1219200" cy="1219199"/>
+            </a:xfrm>
+          </p:grpSpPr>
+          <p:sp>
+            <p:nvSpPr>
+              <p:cNvPr id="115" name="Rechteck 114">
+                <a:extLst>
+                  <a:ext uri="{FF2B5EF4-FFF2-40B4-BE49-F238E27FC236}">
+                    <a16:creationId xmlns:a16="http://schemas.microsoft.com/office/drawing/2014/main" id="{50EAC414-DCEA-4FF5-8403-5490BBF5886A}"/>
+                  </a:ext>
+                </a:extLst>
+              </p:cNvPr>
+              <p:cNvSpPr/>
+              <p:nvPr/>
+            </p:nvSpPr>
+            <p:spPr>
+              <a:xfrm>
+                <a:off x="1925186" y="900986"/>
+                <a:ext cx="1219200" cy="732552"/>
+              </a:xfrm>
+              <a:prstGeom prst="rect">
+                <a:avLst/>
+              </a:prstGeom>
+              <a:solidFill>
+                <a:srgbClr val="000000"/>
+              </a:solidFill>
+              <a:ln>
+                <a:solidFill>
+                  <a:schemeClr val="tx1"/>
+                </a:solidFill>
+              </a:ln>
+            </p:spPr>
+            <p:style>
+              <a:lnRef idx="2">
+                <a:schemeClr val="accent1">
+                  <a:shade val="50000"/>
+                </a:schemeClr>
+              </a:lnRef>
+              <a:fillRef idx="1">
+                <a:schemeClr val="accent1"/>
+              </a:fillRef>
+              <a:effectRef idx="0">
+                <a:schemeClr val="accent1"/>
+              </a:effectRef>
+              <a:fontRef idx="minor">
+                <a:schemeClr val="lt1"/>
+              </a:fontRef>
+            </p:style>
+            <p:txBody>
+              <a:bodyPr rtlCol="0" anchor="ctr"/>
+              <a:lstStyle/>
+              <a:p>
+                <a:pPr algn="ctr"/>
+                <a:endParaRPr lang="de-DE" sz="1400" dirty="0">
+                  <a:solidFill>
+                    <a:srgbClr val="00FF90"/>
+                  </a:solidFill>
+                  <a:latin typeface="Euro Caps" pitchFamily="2" charset="0"/>
+                </a:endParaRPr>
+              </a:p>
+            </p:txBody>
+          </p:sp>
+          <p:sp>
+            <p:nvSpPr>
+              <p:cNvPr id="116" name="Rechteck 115">
+                <a:extLst>
+                  <a:ext uri="{FF2B5EF4-FFF2-40B4-BE49-F238E27FC236}">
+                    <a16:creationId xmlns:a16="http://schemas.microsoft.com/office/drawing/2014/main" id="{8116091D-E773-46C3-B630-988A09B9D567}"/>
+                  </a:ext>
+                </a:extLst>
+              </p:cNvPr>
+              <p:cNvSpPr/>
+              <p:nvPr/>
+            </p:nvSpPr>
+            <p:spPr>
+              <a:xfrm>
+                <a:off x="1925186" y="1633538"/>
+                <a:ext cx="1219200" cy="486647"/>
+              </a:xfrm>
+              <a:prstGeom prst="rect">
+                <a:avLst/>
+              </a:prstGeom>
+              <a:solidFill>
+                <a:srgbClr val="00FF90"/>
+              </a:solidFill>
+              <a:ln>
+                <a:solidFill>
+                  <a:srgbClr val="00FF90"/>
+                </a:solidFill>
+              </a:ln>
+            </p:spPr>
+            <p:style>
+              <a:lnRef idx="2">
+                <a:schemeClr val="accent1">
+                  <a:shade val="50000"/>
+                </a:schemeClr>
+              </a:lnRef>
+              <a:fillRef idx="1">
+                <a:schemeClr val="accent1"/>
+              </a:fillRef>
+              <a:effectRef idx="0">
+                <a:schemeClr val="accent1"/>
+              </a:effectRef>
+              <a:fontRef idx="minor">
+                <a:schemeClr val="lt1"/>
+              </a:fontRef>
+            </p:style>
+            <p:txBody>
+              <a:bodyPr rtlCol="0" anchor="ctr"/>
+              <a:lstStyle/>
+              <a:p>
+                <a:pPr algn="ctr"/>
+                <a:endParaRPr lang="en-DE" sz="1400" b="1" dirty="0">
+                  <a:solidFill>
+                    <a:srgbClr val="000000"/>
+                  </a:solidFill>
+                  <a:latin typeface="Euro Caps" pitchFamily="2" charset="0"/>
+                </a:endParaRPr>
+              </a:p>
+            </p:txBody>
+          </p:sp>
+        </p:grpSp>
+        <p:pic>
+          <p:nvPicPr>
+            <p:cNvPr id="117" name="Grafik 116" descr="Linienpfeil: Gerade">
+              <a:extLst>
+                <a:ext uri="{FF2B5EF4-FFF2-40B4-BE49-F238E27FC236}">
+                  <a16:creationId xmlns:a16="http://schemas.microsoft.com/office/drawing/2014/main" id="{3CF81C57-6A41-466F-85FE-F67B0FFC6F64}"/>
+                </a:ext>
+              </a:extLst>
+            </p:cNvPr>
+            <p:cNvPicPr>
+              <a:picLocks noChangeAspect="1"/>
+            </p:cNvPicPr>
+            <p:nvPr/>
+          </p:nvPicPr>
+          <p:blipFill>
+            <a:blip r:embed="rId9">
+              <a:extLst>
+                <a:ext uri="{28A0092B-C50C-407E-A947-70E740481C1C}">
+                  <a14:useLocalDpi xmlns:a14="http://schemas.microsoft.com/office/drawing/2010/main" val="0"/>
+                </a:ext>
+                <a:ext uri="{96DAC541-7B7A-43D3-8B79-37D633B846F1}">
+                  <asvg:svgBlip xmlns:asvg="http://schemas.microsoft.com/office/drawing/2016/SVG/main" r:embed="rId10"/>
+                </a:ext>
+              </a:extLst>
+            </a:blip>
+            <a:stretch>
+              <a:fillRect/>
+            </a:stretch>
+          </p:blipFill>
+          <p:spPr>
+            <a:xfrm>
+              <a:off x="5135515" y="2107729"/>
+              <a:ext cx="396000" cy="396000"/>
+            </a:xfrm>
+            <a:prstGeom prst="rect">
+              <a:avLst/>
+            </a:prstGeom>
+          </p:spPr>
+        </p:pic>
+        <p:pic>
+          <p:nvPicPr>
+            <p:cNvPr id="118" name="Grafik 117" descr="Senden">
+              <a:extLst>
+                <a:ext uri="{FF2B5EF4-FFF2-40B4-BE49-F238E27FC236}">
+                  <a16:creationId xmlns:a16="http://schemas.microsoft.com/office/drawing/2014/main" id="{41DE9205-AA49-46D8-A634-7270F0618D44}"/>
+                </a:ext>
+              </a:extLst>
+            </p:cNvPr>
+            <p:cNvPicPr>
+              <a:picLocks noChangeAspect="1"/>
+            </p:cNvPicPr>
+            <p:nvPr/>
+          </p:nvPicPr>
+          <p:blipFill>
+            <a:blip r:embed="rId7">
+              <a:extLst>
+                <a:ext uri="{28A0092B-C50C-407E-A947-70E740481C1C}">
+                  <a14:useLocalDpi xmlns:a14="http://schemas.microsoft.com/office/drawing/2010/main" val="0"/>
+                </a:ext>
+                <a:ext uri="{96DAC541-7B7A-43D3-8B79-37D633B846F1}">
+                  <asvg:svgBlip xmlns:asvg="http://schemas.microsoft.com/office/drawing/2016/SVG/main" r:embed="rId8"/>
+                </a:ext>
+              </a:extLst>
+            </a:blip>
+            <a:stretch>
+              <a:fillRect/>
+            </a:stretch>
+          </p:blipFill>
+          <p:spPr>
+            <a:xfrm>
+              <a:off x="5137029" y="1676088"/>
+              <a:ext cx="396000" cy="396000"/>
+            </a:xfrm>
+            <a:prstGeom prst="rect">
+              <a:avLst/>
+            </a:prstGeom>
+          </p:spPr>
+        </p:pic>
+      </p:grpSp>
+      <p:grpSp>
+        <p:nvGrpSpPr>
+          <p:cNvPr id="122" name="Gruppieren 121">
+            <a:extLst>
+              <a:ext uri="{FF2B5EF4-FFF2-40B4-BE49-F238E27FC236}">
+                <a16:creationId xmlns:a16="http://schemas.microsoft.com/office/drawing/2014/main" id="{B623D833-A90A-4A52-B2B1-EC351B03D104}"/>
+              </a:ext>
+            </a:extLst>
+          </p:cNvPr>
+          <p:cNvGrpSpPr/>
+          <p:nvPr/>
+        </p:nvGrpSpPr>
+        <p:grpSpPr>
+          <a:xfrm>
+            <a:off x="7487953" y="1580238"/>
+            <a:ext cx="864001" cy="892237"/>
+            <a:chOff x="7487953" y="574906"/>
+            <a:chExt cx="864001" cy="892237"/>
+          </a:xfrm>
+        </p:grpSpPr>
+        <p:grpSp>
+          <p:nvGrpSpPr>
+            <p:cNvPr id="123" name="Gruppieren 122">
+              <a:extLst>
+                <a:ext uri="{FF2B5EF4-FFF2-40B4-BE49-F238E27FC236}">
+                  <a16:creationId xmlns:a16="http://schemas.microsoft.com/office/drawing/2014/main" id="{0618425A-BEAC-4C5A-8862-B4D3F0F78686}"/>
+                </a:ext>
+              </a:extLst>
+            </p:cNvPr>
+            <p:cNvGrpSpPr/>
+            <p:nvPr/>
+          </p:nvGrpSpPr>
+          <p:grpSpPr>
+            <a:xfrm>
+              <a:off x="7487953" y="574906"/>
+              <a:ext cx="864001" cy="864000"/>
+              <a:chOff x="3926840" y="1611363"/>
+              <a:chExt cx="864001" cy="864000"/>
+            </a:xfrm>
+          </p:grpSpPr>
+          <p:grpSp>
+            <p:nvGrpSpPr>
+              <p:cNvPr id="125" name="Gruppieren 124">
+                <a:extLst>
+                  <a:ext uri="{FF2B5EF4-FFF2-40B4-BE49-F238E27FC236}">
+                    <a16:creationId xmlns:a16="http://schemas.microsoft.com/office/drawing/2014/main" id="{2E4CD88D-7633-434F-A48B-4E3686E940E3}"/>
+                  </a:ext>
+                </a:extLst>
+              </p:cNvPr>
+              <p:cNvGrpSpPr/>
+              <p:nvPr/>
+            </p:nvGrpSpPr>
+            <p:grpSpPr>
+              <a:xfrm>
+                <a:off x="3926840" y="1611363"/>
+                <a:ext cx="864001" cy="864000"/>
+                <a:chOff x="1925186" y="900986"/>
+                <a:chExt cx="1219200" cy="1219199"/>
+              </a:xfrm>
+            </p:grpSpPr>
+            <p:sp>
+              <p:nvSpPr>
+                <p:cNvPr id="127" name="Rechteck 126">
+                  <a:extLst>
+                    <a:ext uri="{FF2B5EF4-FFF2-40B4-BE49-F238E27FC236}">
+                      <a16:creationId xmlns:a16="http://schemas.microsoft.com/office/drawing/2014/main" id="{268DC1B4-35F4-4538-9C0D-9EDFC80698D8}"/>
+                    </a:ext>
+                  </a:extLst>
+                </p:cNvPr>
+                <p:cNvSpPr/>
+                <p:nvPr/>
+              </p:nvSpPr>
+              <p:spPr>
+                <a:xfrm>
+                  <a:off x="1925186" y="900986"/>
+                  <a:ext cx="1219200" cy="732552"/>
+                </a:xfrm>
+                <a:prstGeom prst="rect">
+                  <a:avLst/>
+                </a:prstGeom>
+                <a:solidFill>
+                  <a:srgbClr val="000000"/>
+                </a:solidFill>
+                <a:ln>
+                  <a:solidFill>
+                    <a:schemeClr val="tx1"/>
+                  </a:solidFill>
+                </a:ln>
+              </p:spPr>
+              <p:style>
+                <a:lnRef idx="2">
+                  <a:schemeClr val="accent1">
+                    <a:shade val="50000"/>
+                  </a:schemeClr>
+                </a:lnRef>
+                <a:fillRef idx="1">
+                  <a:schemeClr val="accent1"/>
+                </a:fillRef>
+                <a:effectRef idx="0">
+                  <a:schemeClr val="accent1"/>
+                </a:effectRef>
+                <a:fontRef idx="minor">
+                  <a:schemeClr val="lt1"/>
+                </a:fontRef>
+              </p:style>
+              <p:txBody>
+                <a:bodyPr rtlCol="0" anchor="ctr"/>
+                <a:lstStyle/>
+                <a:p>
+                  <a:pPr algn="ctr"/>
+                  <a:endParaRPr lang="de-DE" sz="1400" dirty="0">
+                    <a:solidFill>
+                      <a:srgbClr val="00FF90"/>
+                    </a:solidFill>
+                    <a:latin typeface="Euro Caps" pitchFamily="2" charset="0"/>
+                  </a:endParaRPr>
+                </a:p>
+              </p:txBody>
+            </p:sp>
+            <p:sp>
+              <p:nvSpPr>
+                <p:cNvPr id="128" name="Rechteck 127">
+                  <a:extLst>
+                    <a:ext uri="{FF2B5EF4-FFF2-40B4-BE49-F238E27FC236}">
+                      <a16:creationId xmlns:a16="http://schemas.microsoft.com/office/drawing/2014/main" id="{51087AB2-4BBC-4629-A530-B3415B912EC3}"/>
+                    </a:ext>
+                  </a:extLst>
+                </p:cNvPr>
+                <p:cNvSpPr/>
+                <p:nvPr/>
+              </p:nvSpPr>
+              <p:spPr>
+                <a:xfrm>
+                  <a:off x="1925186" y="1633538"/>
+                  <a:ext cx="1219200" cy="486647"/>
+                </a:xfrm>
+                <a:prstGeom prst="rect">
+                  <a:avLst/>
+                </a:prstGeom>
+                <a:solidFill>
+                  <a:srgbClr val="00FF90"/>
+                </a:solidFill>
+                <a:ln>
+                  <a:solidFill>
+                    <a:srgbClr val="00FF90"/>
+                  </a:solidFill>
+                </a:ln>
+              </p:spPr>
+              <p:style>
+                <a:lnRef idx="2">
+                  <a:schemeClr val="accent1">
+                    <a:shade val="50000"/>
+                  </a:schemeClr>
+                </a:lnRef>
+                <a:fillRef idx="1">
+                  <a:schemeClr val="accent1"/>
+                </a:fillRef>
+                <a:effectRef idx="0">
+                  <a:schemeClr val="accent1"/>
+                </a:effectRef>
+                <a:fontRef idx="minor">
+                  <a:schemeClr val="lt1"/>
+                </a:fontRef>
+              </p:style>
+              <p:txBody>
+                <a:bodyPr rtlCol="0" anchor="ctr"/>
+                <a:lstStyle/>
+                <a:p>
+                  <a:pPr algn="ctr"/>
+                  <a:endParaRPr lang="en-DE" sz="1400" b="1" dirty="0">
+                    <a:solidFill>
+                      <a:srgbClr val="000000"/>
+                    </a:solidFill>
+                    <a:latin typeface="Euro Caps" pitchFamily="2" charset="0"/>
+                  </a:endParaRPr>
+                </a:p>
+              </p:txBody>
+            </p:sp>
+          </p:grpSp>
+          <p:pic>
+            <p:nvPicPr>
+              <p:cNvPr id="126" name="Grafik 125" descr="Senden">
+                <a:extLst>
+                  <a:ext uri="{FF2B5EF4-FFF2-40B4-BE49-F238E27FC236}">
+                    <a16:creationId xmlns:a16="http://schemas.microsoft.com/office/drawing/2014/main" id="{F94F0FCE-0723-4FDA-B38B-F821405F4A94}"/>
+                  </a:ext>
+                </a:extLst>
+              </p:cNvPr>
+              <p:cNvPicPr>
+                <a:picLocks noChangeAspect="1"/>
+              </p:cNvPicPr>
+              <p:nvPr/>
+            </p:nvPicPr>
+            <p:blipFill>
+              <a:blip r:embed="rId13">
+                <a:extLst>
+                  <a:ext uri="{28A0092B-C50C-407E-A947-70E740481C1C}">
+                    <a14:useLocalDpi xmlns:a14="http://schemas.microsoft.com/office/drawing/2010/main" val="0"/>
+                  </a:ext>
+                  <a:ext uri="{96DAC541-7B7A-43D3-8B79-37D633B846F1}">
+                    <asvg:svgBlip xmlns:asvg="http://schemas.microsoft.com/office/drawing/2016/SVG/main" r:embed="rId14"/>
+                  </a:ext>
+                </a:extLst>
+              </a:blip>
+              <a:stretch>
+                <a:fillRect/>
+              </a:stretch>
+            </p:blipFill>
+            <p:spPr>
+              <a:xfrm>
+                <a:off x="4164566" y="1673288"/>
+                <a:ext cx="396000" cy="396000"/>
+              </a:xfrm>
+              <a:prstGeom prst="rect">
+                <a:avLst/>
+              </a:prstGeom>
+            </p:spPr>
+          </p:pic>
+        </p:grpSp>
+        <p:pic>
+          <p:nvPicPr>
+            <p:cNvPr id="124" name="Grafik 123" descr="Linienpfeil: Gerade">
+              <a:extLst>
+                <a:ext uri="{FF2B5EF4-FFF2-40B4-BE49-F238E27FC236}">
+                  <a16:creationId xmlns:a16="http://schemas.microsoft.com/office/drawing/2014/main" id="{9F414EFE-5189-4CFE-BD39-7AF7F6BB4D1F}"/>
+                </a:ext>
+              </a:extLst>
+            </p:cNvPr>
+            <p:cNvPicPr>
+              <a:picLocks noChangeAspect="1"/>
+            </p:cNvPicPr>
+            <p:nvPr/>
+          </p:nvPicPr>
+          <p:blipFill>
+            <a:blip r:embed="rId9">
+              <a:extLst>
+                <a:ext uri="{28A0092B-C50C-407E-A947-70E740481C1C}">
+                  <a14:useLocalDpi xmlns:a14="http://schemas.microsoft.com/office/drawing/2010/main" val="0"/>
+                </a:ext>
+                <a:ext uri="{96DAC541-7B7A-43D3-8B79-37D633B846F1}">
+                  <asvg:svgBlip xmlns:asvg="http://schemas.microsoft.com/office/drawing/2016/SVG/main" r:embed="rId10"/>
+                </a:ext>
+              </a:extLst>
+            </a:blip>
+            <a:stretch>
+              <a:fillRect/>
+            </a:stretch>
+          </p:blipFill>
+          <p:spPr>
+            <a:xfrm rot="10800000">
+              <a:off x="7725679" y="1071143"/>
+              <a:ext cx="396000" cy="396000"/>
+            </a:xfrm>
+            <a:prstGeom prst="rect">
+              <a:avLst/>
+            </a:prstGeom>
+          </p:spPr>
+        </p:pic>
+      </p:grpSp>
+      <p:grpSp>
+        <p:nvGrpSpPr>
+          <p:cNvPr id="129" name="Gruppieren 128">
+            <a:extLst>
+              <a:ext uri="{FF2B5EF4-FFF2-40B4-BE49-F238E27FC236}">
+                <a16:creationId xmlns:a16="http://schemas.microsoft.com/office/drawing/2014/main" id="{0C84C972-A7D5-4163-A308-88BC638ADC1B}"/>
+              </a:ext>
+            </a:extLst>
+          </p:cNvPr>
+          <p:cNvGrpSpPr/>
+          <p:nvPr/>
+        </p:nvGrpSpPr>
+        <p:grpSpPr>
+          <a:xfrm>
+            <a:off x="6496891" y="1579258"/>
+            <a:ext cx="864001" cy="889566"/>
+            <a:chOff x="4899303" y="1614163"/>
+            <a:chExt cx="864001" cy="889566"/>
+          </a:xfrm>
+        </p:grpSpPr>
+        <p:grpSp>
+          <p:nvGrpSpPr>
+            <p:cNvPr id="130" name="Gruppieren 129">
+              <a:extLst>
+                <a:ext uri="{FF2B5EF4-FFF2-40B4-BE49-F238E27FC236}">
+                  <a16:creationId xmlns:a16="http://schemas.microsoft.com/office/drawing/2014/main" id="{DB318C3D-7D28-4613-9A84-D11E02013D50}"/>
+                </a:ext>
+              </a:extLst>
+            </p:cNvPr>
+            <p:cNvGrpSpPr/>
+            <p:nvPr/>
+          </p:nvGrpSpPr>
+          <p:grpSpPr>
+            <a:xfrm>
+              <a:off x="4899303" y="1614163"/>
+              <a:ext cx="864001" cy="864000"/>
+              <a:chOff x="1925186" y="900986"/>
+              <a:chExt cx="1219200" cy="1219199"/>
+            </a:xfrm>
+          </p:grpSpPr>
+          <p:sp>
+            <p:nvSpPr>
+              <p:cNvPr id="133" name="Rechteck 132">
+                <a:extLst>
+                  <a:ext uri="{FF2B5EF4-FFF2-40B4-BE49-F238E27FC236}">
+                    <a16:creationId xmlns:a16="http://schemas.microsoft.com/office/drawing/2014/main" id="{A920B662-EEBE-415C-A657-47E86DBB9A20}"/>
+                  </a:ext>
+                </a:extLst>
+              </p:cNvPr>
+              <p:cNvSpPr/>
+              <p:nvPr/>
+            </p:nvSpPr>
+            <p:spPr>
+              <a:xfrm>
+                <a:off x="1925186" y="900986"/>
+                <a:ext cx="1219200" cy="732552"/>
+              </a:xfrm>
+              <a:prstGeom prst="rect">
+                <a:avLst/>
+              </a:prstGeom>
+              <a:solidFill>
+                <a:srgbClr val="000000"/>
+              </a:solidFill>
+              <a:ln>
+                <a:solidFill>
+                  <a:schemeClr val="tx1"/>
+                </a:solidFill>
+              </a:ln>
+            </p:spPr>
+            <p:style>
+              <a:lnRef idx="2">
+                <a:schemeClr val="accent1">
+                  <a:shade val="50000"/>
+                </a:schemeClr>
+              </a:lnRef>
+              <a:fillRef idx="1">
+                <a:schemeClr val="accent1"/>
+              </a:fillRef>
+              <a:effectRef idx="0">
+                <a:schemeClr val="accent1"/>
+              </a:effectRef>
+              <a:fontRef idx="minor">
+                <a:schemeClr val="lt1"/>
+              </a:fontRef>
+            </p:style>
+            <p:txBody>
+              <a:bodyPr rtlCol="0" anchor="ctr"/>
+              <a:lstStyle/>
+              <a:p>
+                <a:pPr algn="ctr"/>
+                <a:endParaRPr lang="de-DE" sz="1400" dirty="0">
+                  <a:solidFill>
+                    <a:srgbClr val="00FF90"/>
+                  </a:solidFill>
+                  <a:latin typeface="Euro Caps" pitchFamily="2" charset="0"/>
+                </a:endParaRPr>
+              </a:p>
+            </p:txBody>
+          </p:sp>
+          <p:sp>
+            <p:nvSpPr>
+              <p:cNvPr id="134" name="Rechteck 133">
+                <a:extLst>
+                  <a:ext uri="{FF2B5EF4-FFF2-40B4-BE49-F238E27FC236}">
+                    <a16:creationId xmlns:a16="http://schemas.microsoft.com/office/drawing/2014/main" id="{FC4EC7EE-F271-45AC-9173-0CCD7B3E4D26}"/>
+                  </a:ext>
+                </a:extLst>
+              </p:cNvPr>
+              <p:cNvSpPr/>
+              <p:nvPr/>
+            </p:nvSpPr>
+            <p:spPr>
+              <a:xfrm>
+                <a:off x="1925186" y="1633538"/>
+                <a:ext cx="1219200" cy="486647"/>
+              </a:xfrm>
+              <a:prstGeom prst="rect">
+                <a:avLst/>
+              </a:prstGeom>
+              <a:solidFill>
+                <a:srgbClr val="00FF90"/>
+              </a:solidFill>
+              <a:ln>
+                <a:solidFill>
+                  <a:srgbClr val="00FF90"/>
+                </a:solidFill>
+              </a:ln>
+            </p:spPr>
+            <p:style>
+              <a:lnRef idx="2">
+                <a:schemeClr val="accent1">
+                  <a:shade val="50000"/>
+                </a:schemeClr>
+              </a:lnRef>
+              <a:fillRef idx="1">
+                <a:schemeClr val="accent1"/>
+              </a:fillRef>
+              <a:effectRef idx="0">
+                <a:schemeClr val="accent1"/>
+              </a:effectRef>
+              <a:fontRef idx="minor">
+                <a:schemeClr val="lt1"/>
+              </a:fontRef>
+            </p:style>
+            <p:txBody>
+              <a:bodyPr rtlCol="0" anchor="ctr"/>
+              <a:lstStyle/>
+              <a:p>
+                <a:pPr algn="ctr"/>
+                <a:endParaRPr lang="en-DE" sz="1400" b="1" dirty="0">
+                  <a:solidFill>
+                    <a:srgbClr val="000000"/>
+                  </a:solidFill>
+                  <a:latin typeface="Euro Caps" pitchFamily="2" charset="0"/>
+                </a:endParaRPr>
+              </a:p>
+            </p:txBody>
+          </p:sp>
+        </p:grpSp>
+        <p:pic>
+          <p:nvPicPr>
+            <p:cNvPr id="131" name="Grafik 130" descr="Linienpfeil: Gerade">
+              <a:extLst>
+                <a:ext uri="{FF2B5EF4-FFF2-40B4-BE49-F238E27FC236}">
+                  <a16:creationId xmlns:a16="http://schemas.microsoft.com/office/drawing/2014/main" id="{05CA06B3-390C-453B-8D4C-E68A7776AE35}"/>
+                </a:ext>
+              </a:extLst>
+            </p:cNvPr>
+            <p:cNvPicPr>
+              <a:picLocks noChangeAspect="1"/>
+            </p:cNvPicPr>
+            <p:nvPr/>
+          </p:nvPicPr>
+          <p:blipFill>
+            <a:blip r:embed="rId9">
+              <a:extLst>
+                <a:ext uri="{28A0092B-C50C-407E-A947-70E740481C1C}">
+                  <a14:useLocalDpi xmlns:a14="http://schemas.microsoft.com/office/drawing/2010/main" val="0"/>
+                </a:ext>
+                <a:ext uri="{96DAC541-7B7A-43D3-8B79-37D633B846F1}">
+                  <asvg:svgBlip xmlns:asvg="http://schemas.microsoft.com/office/drawing/2016/SVG/main" r:embed="rId10"/>
+                </a:ext>
+              </a:extLst>
+            </a:blip>
+            <a:stretch>
+              <a:fillRect/>
+            </a:stretch>
+          </p:blipFill>
+          <p:spPr>
+            <a:xfrm>
+              <a:off x="5135515" y="2107729"/>
+              <a:ext cx="396000" cy="396000"/>
+            </a:xfrm>
+            <a:prstGeom prst="rect">
+              <a:avLst/>
+            </a:prstGeom>
+          </p:spPr>
+        </p:pic>
+        <p:pic>
+          <p:nvPicPr>
+            <p:cNvPr id="132" name="Grafik 131" descr="Senden">
+              <a:extLst>
+                <a:ext uri="{FF2B5EF4-FFF2-40B4-BE49-F238E27FC236}">
+                  <a16:creationId xmlns:a16="http://schemas.microsoft.com/office/drawing/2014/main" id="{EB228660-3EC1-4609-AC95-625B939FE10A}"/>
+                </a:ext>
+              </a:extLst>
+            </p:cNvPr>
+            <p:cNvPicPr>
+              <a:picLocks noChangeAspect="1"/>
+            </p:cNvPicPr>
+            <p:nvPr/>
+          </p:nvPicPr>
+          <p:blipFill>
+            <a:blip r:embed="rId13">
+              <a:extLst>
+                <a:ext uri="{28A0092B-C50C-407E-A947-70E740481C1C}">
+                  <a14:useLocalDpi xmlns:a14="http://schemas.microsoft.com/office/drawing/2010/main" val="0"/>
+                </a:ext>
+                <a:ext uri="{96DAC541-7B7A-43D3-8B79-37D633B846F1}">
+                  <asvg:svgBlip xmlns:asvg="http://schemas.microsoft.com/office/drawing/2016/SVG/main" r:embed="rId14"/>
+                </a:ext>
+              </a:extLst>
+            </a:blip>
+            <a:stretch>
+              <a:fillRect/>
+            </a:stretch>
+          </p:blipFill>
+          <p:spPr>
+            <a:xfrm>
+              <a:off x="5137029" y="1676088"/>
+              <a:ext cx="396000" cy="396000"/>
+            </a:xfrm>
+            <a:prstGeom prst="rect">
+              <a:avLst/>
+            </a:prstGeom>
+          </p:spPr>
+        </p:pic>
+      </p:grpSp>
+      <p:grpSp>
+        <p:nvGrpSpPr>
+          <p:cNvPr id="16" name="Gruppieren 15">
+            <a:extLst>
+              <a:ext uri="{FF2B5EF4-FFF2-40B4-BE49-F238E27FC236}">
+                <a16:creationId xmlns:a16="http://schemas.microsoft.com/office/drawing/2014/main" id="{9E76BFD7-9706-47AF-9528-23BE662895F8}"/>
+              </a:ext>
+            </a:extLst>
+          </p:cNvPr>
+          <p:cNvGrpSpPr/>
+          <p:nvPr/>
+        </p:nvGrpSpPr>
+        <p:grpSpPr>
+          <a:xfrm>
+            <a:off x="6496891" y="2585435"/>
+            <a:ext cx="864001" cy="889566"/>
+            <a:chOff x="6496891" y="2585435"/>
+            <a:chExt cx="864001" cy="889566"/>
+          </a:xfrm>
+        </p:grpSpPr>
+        <p:grpSp>
+          <p:nvGrpSpPr>
+            <p:cNvPr id="142" name="Gruppieren 141">
+              <a:extLst>
+                <a:ext uri="{FF2B5EF4-FFF2-40B4-BE49-F238E27FC236}">
+                  <a16:creationId xmlns:a16="http://schemas.microsoft.com/office/drawing/2014/main" id="{7A2E630B-5F82-4B6A-9A02-C386DE59F111}"/>
+                </a:ext>
+              </a:extLst>
+            </p:cNvPr>
+            <p:cNvGrpSpPr/>
+            <p:nvPr/>
+          </p:nvGrpSpPr>
+          <p:grpSpPr>
+            <a:xfrm>
+              <a:off x="6496891" y="2585435"/>
+              <a:ext cx="864001" cy="889566"/>
+              <a:chOff x="4899303" y="1614163"/>
+              <a:chExt cx="864001" cy="889566"/>
+            </a:xfrm>
+          </p:grpSpPr>
+          <p:grpSp>
+            <p:nvGrpSpPr>
+              <p:cNvPr id="143" name="Gruppieren 142">
+                <a:extLst>
+                  <a:ext uri="{FF2B5EF4-FFF2-40B4-BE49-F238E27FC236}">
+                    <a16:creationId xmlns:a16="http://schemas.microsoft.com/office/drawing/2014/main" id="{BDA05D73-14E9-4A23-9301-A3DE29B75830}"/>
+                  </a:ext>
+                </a:extLst>
+              </p:cNvPr>
+              <p:cNvGrpSpPr/>
+              <p:nvPr/>
+            </p:nvGrpSpPr>
+            <p:grpSpPr>
+              <a:xfrm>
+                <a:off x="4899303" y="1614163"/>
+                <a:ext cx="864001" cy="864000"/>
+                <a:chOff x="1925186" y="900986"/>
+                <a:chExt cx="1219200" cy="1219199"/>
+              </a:xfrm>
+            </p:grpSpPr>
+            <p:sp>
+              <p:nvSpPr>
+                <p:cNvPr id="146" name="Rechteck 145">
+                  <a:extLst>
+                    <a:ext uri="{FF2B5EF4-FFF2-40B4-BE49-F238E27FC236}">
+                      <a16:creationId xmlns:a16="http://schemas.microsoft.com/office/drawing/2014/main" id="{27BA92B0-EC7F-4581-A279-1D32305F7283}"/>
+                    </a:ext>
+                  </a:extLst>
+                </p:cNvPr>
+                <p:cNvSpPr/>
+                <p:nvPr/>
+              </p:nvSpPr>
+              <p:spPr>
+                <a:xfrm>
+                  <a:off x="1925186" y="900986"/>
+                  <a:ext cx="1219200" cy="732552"/>
+                </a:xfrm>
+                <a:prstGeom prst="rect">
+                  <a:avLst/>
+                </a:prstGeom>
+                <a:solidFill>
+                  <a:srgbClr val="000000"/>
+                </a:solidFill>
+                <a:ln>
+                  <a:solidFill>
+                    <a:schemeClr val="tx1"/>
+                  </a:solidFill>
+                </a:ln>
+              </p:spPr>
+              <p:style>
+                <a:lnRef idx="2">
+                  <a:schemeClr val="accent1">
+                    <a:shade val="50000"/>
+                  </a:schemeClr>
+                </a:lnRef>
+                <a:fillRef idx="1">
+                  <a:schemeClr val="accent1"/>
+                </a:fillRef>
+                <a:effectRef idx="0">
+                  <a:schemeClr val="accent1"/>
+                </a:effectRef>
+                <a:fontRef idx="minor">
+                  <a:schemeClr val="lt1"/>
+                </a:fontRef>
+              </p:style>
+              <p:txBody>
+                <a:bodyPr rtlCol="0" anchor="ctr"/>
+                <a:lstStyle/>
+                <a:p>
+                  <a:pPr algn="ctr"/>
+                  <a:endParaRPr lang="de-DE" sz="1400" dirty="0">
+                    <a:solidFill>
+                      <a:srgbClr val="00FF90"/>
+                    </a:solidFill>
+                    <a:latin typeface="Euro Caps" pitchFamily="2" charset="0"/>
+                  </a:endParaRPr>
+                </a:p>
+              </p:txBody>
+            </p:sp>
+            <p:sp>
+              <p:nvSpPr>
+                <p:cNvPr id="147" name="Rechteck 146">
+                  <a:extLst>
+                    <a:ext uri="{FF2B5EF4-FFF2-40B4-BE49-F238E27FC236}">
+                      <a16:creationId xmlns:a16="http://schemas.microsoft.com/office/drawing/2014/main" id="{92A55387-F06B-49BC-A8AF-3D77DDD459A0}"/>
+                    </a:ext>
+                  </a:extLst>
+                </p:cNvPr>
+                <p:cNvSpPr/>
+                <p:nvPr/>
+              </p:nvSpPr>
+              <p:spPr>
+                <a:xfrm>
+                  <a:off x="1925186" y="1633538"/>
+                  <a:ext cx="1219200" cy="486647"/>
+                </a:xfrm>
+                <a:prstGeom prst="rect">
+                  <a:avLst/>
+                </a:prstGeom>
+                <a:solidFill>
+                  <a:srgbClr val="00FF90"/>
+                </a:solidFill>
+                <a:ln>
+                  <a:solidFill>
+                    <a:srgbClr val="00FF90"/>
+                  </a:solidFill>
+                </a:ln>
+              </p:spPr>
+              <p:style>
+                <a:lnRef idx="2">
+                  <a:schemeClr val="accent1">
+                    <a:shade val="50000"/>
+                  </a:schemeClr>
+                </a:lnRef>
+                <a:fillRef idx="1">
+                  <a:schemeClr val="accent1"/>
+                </a:fillRef>
+                <a:effectRef idx="0">
+                  <a:schemeClr val="accent1"/>
+                </a:effectRef>
+                <a:fontRef idx="minor">
+                  <a:schemeClr val="lt1"/>
+                </a:fontRef>
+              </p:style>
+              <p:txBody>
+                <a:bodyPr rtlCol="0" anchor="ctr"/>
+                <a:lstStyle/>
+                <a:p>
+                  <a:pPr algn="ctr"/>
+                  <a:endParaRPr lang="en-DE" sz="1400" b="1" dirty="0">
+                    <a:solidFill>
+                      <a:srgbClr val="000000"/>
+                    </a:solidFill>
+                    <a:latin typeface="Euro Caps" pitchFamily="2" charset="0"/>
+                  </a:endParaRPr>
+                </a:p>
+              </p:txBody>
+            </p:sp>
+          </p:grpSp>
+          <p:pic>
+            <p:nvPicPr>
+              <p:cNvPr id="144" name="Grafik 143" descr="Linienpfeil: Gerade">
+                <a:extLst>
+                  <a:ext uri="{FF2B5EF4-FFF2-40B4-BE49-F238E27FC236}">
+                    <a16:creationId xmlns:a16="http://schemas.microsoft.com/office/drawing/2014/main" id="{6FE15227-96E4-459E-ACAC-9917A9CB0C2C}"/>
+                  </a:ext>
+                </a:extLst>
+              </p:cNvPr>
+              <p:cNvPicPr>
+                <a:picLocks noChangeAspect="1"/>
+              </p:cNvPicPr>
+              <p:nvPr/>
+            </p:nvPicPr>
+            <p:blipFill>
+              <a:blip r:embed="rId9">
+                <a:extLst>
+                  <a:ext uri="{28A0092B-C50C-407E-A947-70E740481C1C}">
+                    <a14:useLocalDpi xmlns:a14="http://schemas.microsoft.com/office/drawing/2010/main" val="0"/>
+                  </a:ext>
+                  <a:ext uri="{96DAC541-7B7A-43D3-8B79-37D633B846F1}">
+                    <asvg:svgBlip xmlns:asvg="http://schemas.microsoft.com/office/drawing/2016/SVG/main" r:embed="rId10"/>
+                  </a:ext>
+                </a:extLst>
+              </a:blip>
+              <a:stretch>
+                <a:fillRect/>
+              </a:stretch>
+            </p:blipFill>
+            <p:spPr>
+              <a:xfrm>
+                <a:off x="5135515" y="2107729"/>
+                <a:ext cx="396000" cy="396000"/>
+              </a:xfrm>
+              <a:prstGeom prst="rect">
+                <a:avLst/>
+              </a:prstGeom>
+            </p:spPr>
+          </p:pic>
+          <p:pic>
+            <p:nvPicPr>
+              <p:cNvPr id="145" name="Grafik 144" descr="Senden">
+                <a:extLst>
+                  <a:ext uri="{FF2B5EF4-FFF2-40B4-BE49-F238E27FC236}">
+                    <a16:creationId xmlns:a16="http://schemas.microsoft.com/office/drawing/2014/main" id="{019B792D-5181-4D6D-800D-942652BA1B45}"/>
+                  </a:ext>
+                </a:extLst>
+              </p:cNvPr>
+              <p:cNvPicPr>
+                <a:picLocks noChangeAspect="1"/>
+              </p:cNvPicPr>
+              <p:nvPr/>
+            </p:nvPicPr>
+            <p:blipFill>
+              <a:blip r:embed="rId7">
+                <a:extLst>
+                  <a:ext uri="{28A0092B-C50C-407E-A947-70E740481C1C}">
+                    <a14:useLocalDpi xmlns:a14="http://schemas.microsoft.com/office/drawing/2010/main" val="0"/>
+                  </a:ext>
+                  <a:ext uri="{96DAC541-7B7A-43D3-8B79-37D633B846F1}">
+                    <asvg:svgBlip xmlns:asvg="http://schemas.microsoft.com/office/drawing/2016/SVG/main" r:embed="rId8"/>
+                  </a:ext>
+                </a:extLst>
+              </a:blip>
+              <a:stretch>
+                <a:fillRect/>
+              </a:stretch>
+            </p:blipFill>
+            <p:spPr>
+              <a:xfrm>
+                <a:off x="5137029" y="1676088"/>
+                <a:ext cx="396000" cy="396000"/>
+              </a:xfrm>
+              <a:prstGeom prst="rect">
+                <a:avLst/>
+              </a:prstGeom>
+            </p:spPr>
+          </p:pic>
+        </p:grpSp>
+        <p:pic>
+          <p:nvPicPr>
+            <p:cNvPr id="103" name="Grafik 102" descr="Lupe">
+              <a:extLst>
+                <a:ext uri="{FF2B5EF4-FFF2-40B4-BE49-F238E27FC236}">
+                  <a16:creationId xmlns:a16="http://schemas.microsoft.com/office/drawing/2014/main" id="{48D3B1E2-3D28-4C41-A677-4702FFEB0C60}"/>
+                </a:ext>
+              </a:extLst>
+            </p:cNvPr>
+            <p:cNvPicPr>
+              <a:picLocks noChangeAspect="1"/>
+            </p:cNvPicPr>
+            <p:nvPr/>
+          </p:nvPicPr>
+          <p:blipFill>
+            <a:blip r:embed="rId15">
+              <a:extLst>
+                <a:ext uri="{28A0092B-C50C-407E-A947-70E740481C1C}">
+                  <a14:useLocalDpi xmlns:a14="http://schemas.microsoft.com/office/drawing/2010/main" val="0"/>
+                </a:ext>
+                <a:ext uri="{96DAC541-7B7A-43D3-8B79-37D633B846F1}">
+                  <asvg:svgBlip xmlns:asvg="http://schemas.microsoft.com/office/drawing/2016/SVG/main" r:embed="rId16"/>
+                </a:ext>
+              </a:extLst>
+            </a:blip>
+            <a:stretch>
+              <a:fillRect/>
+            </a:stretch>
+          </p:blipFill>
+          <p:spPr>
+            <a:xfrm>
+              <a:off x="6901756" y="2677964"/>
+              <a:ext cx="396000" cy="396000"/>
+            </a:xfrm>
+            <a:prstGeom prst="rect">
+              <a:avLst/>
+            </a:prstGeom>
+          </p:spPr>
+        </p:pic>
+      </p:grpSp>
+      <p:grpSp>
+        <p:nvGrpSpPr>
+          <p:cNvPr id="15" name="Gruppieren 14">
+            <a:extLst>
+              <a:ext uri="{FF2B5EF4-FFF2-40B4-BE49-F238E27FC236}">
+                <a16:creationId xmlns:a16="http://schemas.microsoft.com/office/drawing/2014/main" id="{2FF17FC0-C2A3-4689-A890-64C3BA46FC3A}"/>
+              </a:ext>
+            </a:extLst>
+          </p:cNvPr>
+          <p:cNvGrpSpPr/>
+          <p:nvPr/>
+        </p:nvGrpSpPr>
+        <p:grpSpPr>
+          <a:xfrm>
+            <a:off x="7487953" y="2586415"/>
+            <a:ext cx="864001" cy="892237"/>
+            <a:chOff x="7487953" y="2586415"/>
+            <a:chExt cx="864001" cy="892237"/>
+          </a:xfrm>
+        </p:grpSpPr>
+        <p:grpSp>
+          <p:nvGrpSpPr>
+            <p:cNvPr id="135" name="Gruppieren 134">
+              <a:extLst>
+                <a:ext uri="{FF2B5EF4-FFF2-40B4-BE49-F238E27FC236}">
+                  <a16:creationId xmlns:a16="http://schemas.microsoft.com/office/drawing/2014/main" id="{4620EC2B-BDCF-4744-9B24-4AE5A99A1088}"/>
+                </a:ext>
+              </a:extLst>
+            </p:cNvPr>
+            <p:cNvGrpSpPr/>
+            <p:nvPr/>
+          </p:nvGrpSpPr>
+          <p:grpSpPr>
+            <a:xfrm>
+              <a:off x="7487953" y="2586415"/>
+              <a:ext cx="864001" cy="892237"/>
+              <a:chOff x="7487953" y="574906"/>
+              <a:chExt cx="864001" cy="892237"/>
+            </a:xfrm>
+          </p:grpSpPr>
+          <p:grpSp>
+            <p:nvGrpSpPr>
+              <p:cNvPr id="136" name="Gruppieren 135">
+                <a:extLst>
+                  <a:ext uri="{FF2B5EF4-FFF2-40B4-BE49-F238E27FC236}">
+                    <a16:creationId xmlns:a16="http://schemas.microsoft.com/office/drawing/2014/main" id="{AA59F890-D002-4147-9D7F-3FF56950591A}"/>
+                  </a:ext>
+                </a:extLst>
+              </p:cNvPr>
+              <p:cNvGrpSpPr/>
+              <p:nvPr/>
+            </p:nvGrpSpPr>
+            <p:grpSpPr>
+              <a:xfrm>
+                <a:off x="7487953" y="574906"/>
+                <a:ext cx="864001" cy="864000"/>
+                <a:chOff x="3926840" y="1611363"/>
+                <a:chExt cx="864001" cy="864000"/>
+              </a:xfrm>
+            </p:grpSpPr>
+            <p:grpSp>
+              <p:nvGrpSpPr>
+                <p:cNvPr id="138" name="Gruppieren 137">
+                  <a:extLst>
+                    <a:ext uri="{FF2B5EF4-FFF2-40B4-BE49-F238E27FC236}">
+                      <a16:creationId xmlns:a16="http://schemas.microsoft.com/office/drawing/2014/main" id="{DEB4EC3C-2C57-47E7-B64C-5F23339E9DAF}"/>
+                    </a:ext>
+                  </a:extLst>
+                </p:cNvPr>
+                <p:cNvGrpSpPr/>
+                <p:nvPr/>
+              </p:nvGrpSpPr>
+              <p:grpSpPr>
+                <a:xfrm>
+                  <a:off x="3926840" y="1611363"/>
+                  <a:ext cx="864001" cy="864000"/>
+                  <a:chOff x="1925186" y="900986"/>
+                  <a:chExt cx="1219200" cy="1219199"/>
+                </a:xfrm>
+              </p:grpSpPr>
+              <p:sp>
+                <p:nvSpPr>
+                  <p:cNvPr id="140" name="Rechteck 139">
+                    <a:extLst>
+                      <a:ext uri="{FF2B5EF4-FFF2-40B4-BE49-F238E27FC236}">
+                        <a16:creationId xmlns:a16="http://schemas.microsoft.com/office/drawing/2014/main" id="{001683BC-5E6B-4872-AE07-3310E2A7661F}"/>
+                      </a:ext>
+                    </a:extLst>
+                  </p:cNvPr>
+                  <p:cNvSpPr/>
+                  <p:nvPr/>
+                </p:nvSpPr>
+                <p:spPr>
+                  <a:xfrm>
+                    <a:off x="1925186" y="900986"/>
+                    <a:ext cx="1219200" cy="732552"/>
+                  </a:xfrm>
+                  <a:prstGeom prst="rect">
+                    <a:avLst/>
+                  </a:prstGeom>
+                  <a:solidFill>
+                    <a:srgbClr val="000000"/>
+                  </a:solidFill>
+                  <a:ln>
+                    <a:solidFill>
+                      <a:schemeClr val="tx1"/>
+                    </a:solidFill>
+                  </a:ln>
+                </p:spPr>
+                <p:style>
+                  <a:lnRef idx="2">
+                    <a:schemeClr val="accent1">
+                      <a:shade val="50000"/>
+                    </a:schemeClr>
+                  </a:lnRef>
+                  <a:fillRef idx="1">
+                    <a:schemeClr val="accent1"/>
+                  </a:fillRef>
+                  <a:effectRef idx="0">
+                    <a:schemeClr val="accent1"/>
+                  </a:effectRef>
+                  <a:fontRef idx="minor">
+                    <a:schemeClr val="lt1"/>
+                  </a:fontRef>
+                </p:style>
+                <p:txBody>
+                  <a:bodyPr rtlCol="0" anchor="ctr"/>
+                  <a:lstStyle/>
+                  <a:p>
+                    <a:pPr algn="ctr"/>
+                    <a:endParaRPr lang="de-DE" sz="1400" dirty="0">
+                      <a:solidFill>
+                        <a:srgbClr val="00FF90"/>
+                      </a:solidFill>
+                      <a:latin typeface="Euro Caps" pitchFamily="2" charset="0"/>
+                    </a:endParaRPr>
+                  </a:p>
+                </p:txBody>
+              </p:sp>
+              <p:sp>
+                <p:nvSpPr>
+                  <p:cNvPr id="141" name="Rechteck 140">
+                    <a:extLst>
+                      <a:ext uri="{FF2B5EF4-FFF2-40B4-BE49-F238E27FC236}">
+                        <a16:creationId xmlns:a16="http://schemas.microsoft.com/office/drawing/2014/main" id="{10AC6142-EF7C-47EE-8606-404ECEA09903}"/>
+                      </a:ext>
+                    </a:extLst>
+                  </p:cNvPr>
+                  <p:cNvSpPr/>
+                  <p:nvPr/>
+                </p:nvSpPr>
+                <p:spPr>
+                  <a:xfrm>
+                    <a:off x="1925186" y="1633538"/>
+                    <a:ext cx="1219200" cy="486647"/>
+                  </a:xfrm>
+                  <a:prstGeom prst="rect">
+                    <a:avLst/>
+                  </a:prstGeom>
+                  <a:solidFill>
+                    <a:srgbClr val="00FF90"/>
+                  </a:solidFill>
+                  <a:ln>
+                    <a:solidFill>
+                      <a:srgbClr val="00FF90"/>
+                    </a:solidFill>
+                  </a:ln>
+                </p:spPr>
+                <p:style>
+                  <a:lnRef idx="2">
+                    <a:schemeClr val="accent1">
+                      <a:shade val="50000"/>
+                    </a:schemeClr>
+                  </a:lnRef>
+                  <a:fillRef idx="1">
+                    <a:schemeClr val="accent1"/>
+                  </a:fillRef>
+                  <a:effectRef idx="0">
+                    <a:schemeClr val="accent1"/>
+                  </a:effectRef>
+                  <a:fontRef idx="minor">
+                    <a:schemeClr val="lt1"/>
+                  </a:fontRef>
+                </p:style>
+                <p:txBody>
+                  <a:bodyPr rtlCol="0" anchor="ctr"/>
+                  <a:lstStyle/>
+                  <a:p>
+                    <a:pPr algn="ctr"/>
+                    <a:endParaRPr lang="en-DE" sz="1400" b="1" dirty="0">
+                      <a:solidFill>
+                        <a:srgbClr val="000000"/>
+                      </a:solidFill>
+                      <a:latin typeface="Euro Caps" pitchFamily="2" charset="0"/>
+                    </a:endParaRPr>
+                  </a:p>
+                </p:txBody>
+              </p:sp>
+            </p:grpSp>
+            <p:pic>
+              <p:nvPicPr>
+                <p:cNvPr id="139" name="Grafik 138" descr="Senden">
+                  <a:extLst>
+                    <a:ext uri="{FF2B5EF4-FFF2-40B4-BE49-F238E27FC236}">
+                      <a16:creationId xmlns:a16="http://schemas.microsoft.com/office/drawing/2014/main" id="{E3D4136C-E490-48CD-B3A7-ED26CE885D30}"/>
+                    </a:ext>
+                  </a:extLst>
+                </p:cNvPr>
+                <p:cNvPicPr>
+                  <a:picLocks noChangeAspect="1"/>
+                </p:cNvPicPr>
+                <p:nvPr/>
+              </p:nvPicPr>
+              <p:blipFill>
+                <a:blip r:embed="rId7">
+                  <a:extLst>
+                    <a:ext uri="{28A0092B-C50C-407E-A947-70E740481C1C}">
+                      <a14:useLocalDpi xmlns:a14="http://schemas.microsoft.com/office/drawing/2010/main" val="0"/>
+                    </a:ext>
+                    <a:ext uri="{96DAC541-7B7A-43D3-8B79-37D633B846F1}">
+                      <asvg:svgBlip xmlns:asvg="http://schemas.microsoft.com/office/drawing/2016/SVG/main" r:embed="rId8"/>
+                    </a:ext>
+                  </a:extLst>
+                </a:blip>
+                <a:stretch>
+                  <a:fillRect/>
+                </a:stretch>
+              </p:blipFill>
+              <p:spPr>
+                <a:xfrm>
+                  <a:off x="4164566" y="1673288"/>
+                  <a:ext cx="396000" cy="396000"/>
+                </a:xfrm>
+                <a:prstGeom prst="rect">
+                  <a:avLst/>
+                </a:prstGeom>
+              </p:spPr>
+            </p:pic>
+          </p:grpSp>
+          <p:pic>
+            <p:nvPicPr>
+              <p:cNvPr id="137" name="Grafik 136" descr="Linienpfeil: Gerade">
+                <a:extLst>
+                  <a:ext uri="{FF2B5EF4-FFF2-40B4-BE49-F238E27FC236}">
+                    <a16:creationId xmlns:a16="http://schemas.microsoft.com/office/drawing/2014/main" id="{B87F48DB-D07D-4099-9D04-98AE90DC5DF9}"/>
+                  </a:ext>
+                </a:extLst>
+              </p:cNvPr>
+              <p:cNvPicPr>
+                <a:picLocks noChangeAspect="1"/>
+              </p:cNvPicPr>
+              <p:nvPr/>
+            </p:nvPicPr>
+            <p:blipFill>
+              <a:blip r:embed="rId9">
+                <a:extLst>
+                  <a:ext uri="{28A0092B-C50C-407E-A947-70E740481C1C}">
+                    <a14:useLocalDpi xmlns:a14="http://schemas.microsoft.com/office/drawing/2010/main" val="0"/>
+                  </a:ext>
+                  <a:ext uri="{96DAC541-7B7A-43D3-8B79-37D633B846F1}">
+                    <asvg:svgBlip xmlns:asvg="http://schemas.microsoft.com/office/drawing/2016/SVG/main" r:embed="rId10"/>
+                  </a:ext>
+                </a:extLst>
+              </a:blip>
+              <a:stretch>
+                <a:fillRect/>
+              </a:stretch>
+            </p:blipFill>
+            <p:spPr>
+              <a:xfrm rot="10800000">
+                <a:off x="7725679" y="1071143"/>
+                <a:ext cx="396000" cy="396000"/>
+              </a:xfrm>
+              <a:prstGeom prst="rect">
+                <a:avLst/>
+              </a:prstGeom>
+            </p:spPr>
+          </p:pic>
+        </p:grpSp>
+        <p:pic>
+          <p:nvPicPr>
+            <p:cNvPr id="148" name="Grafik 147" descr="Lupe">
+              <a:extLst>
+                <a:ext uri="{FF2B5EF4-FFF2-40B4-BE49-F238E27FC236}">
+                  <a16:creationId xmlns:a16="http://schemas.microsoft.com/office/drawing/2014/main" id="{7738DE85-A6C2-44FF-B1A4-41DAD81DA89A}"/>
+                </a:ext>
+              </a:extLst>
+            </p:cNvPr>
+            <p:cNvPicPr>
+              <a:picLocks noChangeAspect="1"/>
+            </p:cNvPicPr>
+            <p:nvPr/>
+          </p:nvPicPr>
+          <p:blipFill>
+            <a:blip r:embed="rId15">
+              <a:extLst>
+                <a:ext uri="{28A0092B-C50C-407E-A947-70E740481C1C}">
+                  <a14:useLocalDpi xmlns:a14="http://schemas.microsoft.com/office/drawing/2010/main" val="0"/>
+                </a:ext>
+                <a:ext uri="{96DAC541-7B7A-43D3-8B79-37D633B846F1}">
+                  <asvg:svgBlip xmlns:asvg="http://schemas.microsoft.com/office/drawing/2016/SVG/main" r:embed="rId16"/>
+                </a:ext>
+              </a:extLst>
+            </a:blip>
+            <a:stretch>
+              <a:fillRect/>
+            </a:stretch>
+          </p:blipFill>
+          <p:spPr>
+            <a:xfrm>
+              <a:off x="7897264" y="2671235"/>
+              <a:ext cx="396000" cy="396000"/>
+            </a:xfrm>
+            <a:prstGeom prst="rect">
+              <a:avLst/>
+            </a:prstGeom>
+          </p:spPr>
+        </p:pic>
+      </p:grpSp>
+      <p:grpSp>
+        <p:nvGrpSpPr>
+          <p:cNvPr id="149" name="Gruppieren 148">
+            <a:extLst>
+              <a:ext uri="{FF2B5EF4-FFF2-40B4-BE49-F238E27FC236}">
+                <a16:creationId xmlns:a16="http://schemas.microsoft.com/office/drawing/2014/main" id="{309697D8-3548-46F0-8EAB-D9B59E74C74F}"/>
+              </a:ext>
+            </a:extLst>
+          </p:cNvPr>
+          <p:cNvGrpSpPr>
+            <a:grpSpLocks noChangeAspect="1"/>
+          </p:cNvGrpSpPr>
+          <p:nvPr/>
+        </p:nvGrpSpPr>
+        <p:grpSpPr>
+          <a:xfrm>
+            <a:off x="6496890" y="3587828"/>
+            <a:ext cx="864001" cy="864000"/>
+            <a:chOff x="1925186" y="900986"/>
+            <a:chExt cx="1219200" cy="1219200"/>
+          </a:xfrm>
+        </p:grpSpPr>
+        <p:sp>
+          <p:nvSpPr>
+            <p:cNvPr id="150" name="Rechteck 149">
+              <a:extLst>
+                <a:ext uri="{FF2B5EF4-FFF2-40B4-BE49-F238E27FC236}">
+                  <a16:creationId xmlns:a16="http://schemas.microsoft.com/office/drawing/2014/main" id="{FFA6CC1B-58A3-4B2A-A9A6-CE942410FC3E}"/>
+                </a:ext>
+              </a:extLst>
+            </p:cNvPr>
+            <p:cNvSpPr/>
+            <p:nvPr/>
+          </p:nvSpPr>
+          <p:spPr>
+            <a:xfrm>
+              <a:off x="1925186" y="900986"/>
+              <a:ext cx="1219200" cy="732552"/>
+            </a:xfrm>
+            <a:prstGeom prst="rect">
+              <a:avLst/>
+            </a:prstGeom>
+            <a:solidFill>
+              <a:srgbClr val="000000"/>
+            </a:solidFill>
+            <a:ln>
+              <a:solidFill>
+                <a:schemeClr val="tx1"/>
+              </a:solidFill>
+            </a:ln>
+          </p:spPr>
+          <p:style>
+            <a:lnRef idx="2">
+              <a:schemeClr val="accent1">
+                <a:shade val="50000"/>
+              </a:schemeClr>
+            </a:lnRef>
+            <a:fillRef idx="1">
+              <a:schemeClr val="accent1"/>
+            </a:fillRef>
+            <a:effectRef idx="0">
+              <a:schemeClr val="accent1"/>
+            </a:effectRef>
+            <a:fontRef idx="minor">
+              <a:schemeClr val="lt1"/>
+            </a:fontRef>
+          </p:style>
+          <p:txBody>
+            <a:bodyPr rtlCol="0" anchor="ctr"/>
+            <a:lstStyle/>
+            <a:p>
+              <a:pPr algn="ctr"/>
+              <a:endParaRPr lang="de-DE" sz="1400" dirty="0">
+                <a:solidFill>
+                  <a:srgbClr val="00FF90"/>
+                </a:solidFill>
+                <a:latin typeface="Euro Caps" pitchFamily="2" charset="0"/>
+              </a:endParaRPr>
+            </a:p>
+          </p:txBody>
+        </p:sp>
+        <p:sp>
+          <p:nvSpPr>
+            <p:cNvPr id="151" name="Rechteck 150">
+              <a:extLst>
+                <a:ext uri="{FF2B5EF4-FFF2-40B4-BE49-F238E27FC236}">
+                  <a16:creationId xmlns:a16="http://schemas.microsoft.com/office/drawing/2014/main" id="{2C90D70B-B4B5-4042-BBF6-24DBB5AEE78D}"/>
+                </a:ext>
+              </a:extLst>
+            </p:cNvPr>
+            <p:cNvSpPr/>
+            <p:nvPr/>
+          </p:nvSpPr>
+          <p:spPr>
+            <a:xfrm>
+              <a:off x="1925186" y="1633539"/>
+              <a:ext cx="1219200" cy="486647"/>
+            </a:xfrm>
+            <a:prstGeom prst="rect">
+              <a:avLst/>
+            </a:prstGeom>
+            <a:solidFill>
+              <a:srgbClr val="00FF90"/>
+            </a:solidFill>
+            <a:ln>
+              <a:solidFill>
+                <a:srgbClr val="00FF90"/>
+              </a:solidFill>
+            </a:ln>
+          </p:spPr>
+          <p:style>
+            <a:lnRef idx="2">
+              <a:schemeClr val="accent1">
+                <a:shade val="50000"/>
+              </a:schemeClr>
+            </a:lnRef>
+            <a:fillRef idx="1">
+              <a:schemeClr val="accent1"/>
+            </a:fillRef>
+            <a:effectRef idx="0">
+              <a:schemeClr val="accent1"/>
+            </a:effectRef>
+            <a:fontRef idx="minor">
+              <a:schemeClr val="lt1"/>
+            </a:fontRef>
+          </p:style>
+          <p:txBody>
+            <a:bodyPr rtlCol="0" anchor="ctr"/>
+            <a:lstStyle/>
+            <a:p>
+              <a:pPr algn="ctr"/>
+              <a:r>
+                <a:rPr lang="de-DE" b="1" dirty="0">
+                  <a:solidFill>
+                    <a:srgbClr val="000000"/>
+                  </a:solidFill>
+                  <a:latin typeface="Euro Caps" pitchFamily="2" charset="0"/>
+                </a:rPr>
+                <a:t>STBY</a:t>
+              </a:r>
+              <a:endParaRPr lang="en-DE" b="1" dirty="0">
+                <a:solidFill>
+                  <a:srgbClr val="000000"/>
+                </a:solidFill>
+                <a:latin typeface="Euro Caps" pitchFamily="2" charset="0"/>
+              </a:endParaRPr>
+            </a:p>
+          </p:txBody>
+        </p:sp>
+      </p:grpSp>
+      <p:grpSp>
+        <p:nvGrpSpPr>
+          <p:cNvPr id="14" name="Gruppieren 13">
+            <a:extLst>
+              <a:ext uri="{FF2B5EF4-FFF2-40B4-BE49-F238E27FC236}">
+                <a16:creationId xmlns:a16="http://schemas.microsoft.com/office/drawing/2014/main" id="{47279BB9-E30C-4D49-9C80-17833A237697}"/>
+              </a:ext>
+            </a:extLst>
+          </p:cNvPr>
+          <p:cNvGrpSpPr/>
+          <p:nvPr/>
+        </p:nvGrpSpPr>
+        <p:grpSpPr>
+          <a:xfrm>
+            <a:off x="7487953" y="3577326"/>
+            <a:ext cx="864001" cy="864000"/>
+            <a:chOff x="7487953" y="3577326"/>
+            <a:chExt cx="864001" cy="864000"/>
+          </a:xfrm>
+        </p:grpSpPr>
+        <p:grpSp>
+          <p:nvGrpSpPr>
+            <p:cNvPr id="152" name="Gruppieren 151">
+              <a:extLst>
+                <a:ext uri="{FF2B5EF4-FFF2-40B4-BE49-F238E27FC236}">
+                  <a16:creationId xmlns:a16="http://schemas.microsoft.com/office/drawing/2014/main" id="{0AC69CA1-F8D9-46BE-AE24-1CB96CDF357B}"/>
+                </a:ext>
+              </a:extLst>
+            </p:cNvPr>
+            <p:cNvGrpSpPr>
+              <a:grpSpLocks noChangeAspect="1"/>
+            </p:cNvGrpSpPr>
+            <p:nvPr/>
+          </p:nvGrpSpPr>
+          <p:grpSpPr>
+            <a:xfrm>
+              <a:off x="7487953" y="3577326"/>
+              <a:ext cx="864001" cy="864000"/>
+              <a:chOff x="1925186" y="900986"/>
+              <a:chExt cx="1219200" cy="1219200"/>
+            </a:xfrm>
+          </p:grpSpPr>
+          <p:sp>
+            <p:nvSpPr>
+              <p:cNvPr id="153" name="Rechteck 152">
+                <a:extLst>
+                  <a:ext uri="{FF2B5EF4-FFF2-40B4-BE49-F238E27FC236}">
+                    <a16:creationId xmlns:a16="http://schemas.microsoft.com/office/drawing/2014/main" id="{0F0860D1-457A-47EB-8DA4-281D2E2A64BD}"/>
+                  </a:ext>
+                </a:extLst>
+              </p:cNvPr>
+              <p:cNvSpPr/>
+              <p:nvPr/>
+            </p:nvSpPr>
+            <p:spPr>
+              <a:xfrm>
+                <a:off x="1925186" y="900986"/>
+                <a:ext cx="1219200" cy="732552"/>
+              </a:xfrm>
+              <a:prstGeom prst="rect">
+                <a:avLst/>
+              </a:prstGeom>
+              <a:solidFill>
+                <a:srgbClr val="000000"/>
+              </a:solidFill>
+              <a:ln>
+                <a:solidFill>
+                  <a:schemeClr val="tx1"/>
+                </a:solidFill>
+              </a:ln>
+            </p:spPr>
+            <p:style>
+              <a:lnRef idx="2">
+                <a:schemeClr val="accent1">
+                  <a:shade val="50000"/>
+                </a:schemeClr>
+              </a:lnRef>
+              <a:fillRef idx="1">
+                <a:schemeClr val="accent1"/>
+              </a:fillRef>
+              <a:effectRef idx="0">
+                <a:schemeClr val="accent1"/>
+              </a:effectRef>
+              <a:fontRef idx="minor">
+                <a:schemeClr val="lt1"/>
+              </a:fontRef>
+            </p:style>
+            <p:txBody>
+              <a:bodyPr rtlCol="0" anchor="ctr"/>
+              <a:lstStyle/>
+              <a:p>
+                <a:pPr algn="ctr"/>
+                <a:endParaRPr lang="de-DE" sz="1400" dirty="0">
+                  <a:solidFill>
+                    <a:srgbClr val="00FF90"/>
+                  </a:solidFill>
+                  <a:latin typeface="Euro Caps" pitchFamily="2" charset="0"/>
+                </a:endParaRPr>
+              </a:p>
+            </p:txBody>
+          </p:sp>
+          <p:sp>
+            <p:nvSpPr>
+              <p:cNvPr id="154" name="Rechteck 153">
+                <a:extLst>
+                  <a:ext uri="{FF2B5EF4-FFF2-40B4-BE49-F238E27FC236}">
+                    <a16:creationId xmlns:a16="http://schemas.microsoft.com/office/drawing/2014/main" id="{16EBBE63-0FDE-4E5B-8FFA-D130291BDE3C}"/>
+                  </a:ext>
+                </a:extLst>
+              </p:cNvPr>
+              <p:cNvSpPr/>
+              <p:nvPr/>
+            </p:nvSpPr>
+            <p:spPr>
+              <a:xfrm>
+                <a:off x="1925186" y="1633539"/>
+                <a:ext cx="1219200" cy="486647"/>
+              </a:xfrm>
+              <a:prstGeom prst="rect">
+                <a:avLst/>
+              </a:prstGeom>
+              <a:solidFill>
+                <a:srgbClr val="00FF90"/>
+              </a:solidFill>
+              <a:ln>
+                <a:solidFill>
+                  <a:srgbClr val="00FF90"/>
+                </a:solidFill>
+              </a:ln>
+            </p:spPr>
+            <p:style>
+              <a:lnRef idx="2">
+                <a:schemeClr val="accent1">
+                  <a:shade val="50000"/>
+                </a:schemeClr>
+              </a:lnRef>
+              <a:fillRef idx="1">
+                <a:schemeClr val="accent1"/>
+              </a:fillRef>
+              <a:effectRef idx="0">
+                <a:schemeClr val="accent1"/>
+              </a:effectRef>
+              <a:fontRef idx="minor">
+                <a:schemeClr val="lt1"/>
+              </a:fontRef>
+            </p:style>
+            <p:txBody>
+              <a:bodyPr rtlCol="0" anchor="ctr"/>
+              <a:lstStyle/>
+              <a:p>
+                <a:pPr algn="ctr"/>
+                <a:r>
+                  <a:rPr lang="de-DE" b="1" dirty="0">
+                    <a:solidFill>
+                      <a:srgbClr val="000000"/>
+                    </a:solidFill>
+                    <a:latin typeface="Euro Caps" pitchFamily="2" charset="0"/>
+                  </a:rPr>
+                  <a:t>Set</a:t>
+                </a:r>
+                <a:endParaRPr lang="en-DE" b="1" dirty="0">
+                  <a:solidFill>
+                    <a:srgbClr val="000000"/>
+                  </a:solidFill>
+                  <a:latin typeface="Euro Caps" pitchFamily="2" charset="0"/>
+                </a:endParaRPr>
+              </a:p>
+            </p:txBody>
+          </p:sp>
+        </p:grpSp>
+        <p:pic>
+          <p:nvPicPr>
+            <p:cNvPr id="8" name="Grafik 7" descr="Warnung">
+              <a:extLst>
+                <a:ext uri="{FF2B5EF4-FFF2-40B4-BE49-F238E27FC236}">
+                  <a16:creationId xmlns:a16="http://schemas.microsoft.com/office/drawing/2014/main" id="{95CB74DF-C8ED-4B48-9DDF-0F35B8FFD9DB}"/>
+                </a:ext>
+              </a:extLst>
+            </p:cNvPr>
+            <p:cNvPicPr>
+              <a:picLocks noChangeAspect="1"/>
+            </p:cNvPicPr>
+            <p:nvPr/>
+          </p:nvPicPr>
+          <p:blipFill>
+            <a:blip r:embed="rId17">
+              <a:extLst>
+                <a:ext uri="{28A0092B-C50C-407E-A947-70E740481C1C}">
+                  <a14:useLocalDpi xmlns:a14="http://schemas.microsoft.com/office/drawing/2010/main" val="0"/>
+                </a:ext>
+                <a:ext uri="{96DAC541-7B7A-43D3-8B79-37D633B846F1}">
+                  <asvg:svgBlip xmlns:asvg="http://schemas.microsoft.com/office/drawing/2016/SVG/main" r:embed="rId18"/>
+                </a:ext>
+              </a:extLst>
+            </a:blip>
+            <a:stretch>
+              <a:fillRect/>
+            </a:stretch>
+          </p:blipFill>
+          <p:spPr>
+            <a:xfrm>
+              <a:off x="7721953" y="3621065"/>
+              <a:ext cx="396000" cy="396000"/>
+            </a:xfrm>
+            <a:prstGeom prst="rect">
+              <a:avLst/>
+            </a:prstGeom>
+          </p:spPr>
+        </p:pic>
+      </p:grpSp>
+      <p:grpSp>
+        <p:nvGrpSpPr>
+          <p:cNvPr id="155" name="Gruppieren 154">
+            <a:extLst>
+              <a:ext uri="{FF2B5EF4-FFF2-40B4-BE49-F238E27FC236}">
+                <a16:creationId xmlns:a16="http://schemas.microsoft.com/office/drawing/2014/main" id="{C6A69F96-9A18-4056-A93D-409EF7DA097E}"/>
+              </a:ext>
+            </a:extLst>
+          </p:cNvPr>
+          <p:cNvGrpSpPr/>
+          <p:nvPr/>
+        </p:nvGrpSpPr>
+        <p:grpSpPr>
+          <a:xfrm>
+            <a:off x="9470077" y="573926"/>
+            <a:ext cx="864001" cy="864000"/>
+            <a:chOff x="8557522" y="810816"/>
+            <a:chExt cx="864001" cy="864000"/>
+          </a:xfrm>
+        </p:grpSpPr>
+        <p:grpSp>
+          <p:nvGrpSpPr>
+            <p:cNvPr id="156" name="Gruppieren 155">
+              <a:extLst>
+                <a:ext uri="{FF2B5EF4-FFF2-40B4-BE49-F238E27FC236}">
+                  <a16:creationId xmlns:a16="http://schemas.microsoft.com/office/drawing/2014/main" id="{87E4BDEA-79B9-4E51-945E-B7DBD5F73CA5}"/>
+                </a:ext>
+              </a:extLst>
+            </p:cNvPr>
+            <p:cNvGrpSpPr/>
+            <p:nvPr/>
+          </p:nvGrpSpPr>
+          <p:grpSpPr>
+            <a:xfrm>
+              <a:off x="8557522" y="810816"/>
+              <a:ext cx="864001" cy="864000"/>
+              <a:chOff x="1925186" y="900986"/>
+              <a:chExt cx="1219200" cy="1219199"/>
+            </a:xfrm>
+          </p:grpSpPr>
+          <p:sp>
+            <p:nvSpPr>
+              <p:cNvPr id="158" name="Rechteck 157">
+                <a:extLst>
+                  <a:ext uri="{FF2B5EF4-FFF2-40B4-BE49-F238E27FC236}">
+                    <a16:creationId xmlns:a16="http://schemas.microsoft.com/office/drawing/2014/main" id="{EA440D91-1834-4C30-AF4A-6B8565300269}"/>
+                  </a:ext>
+                </a:extLst>
+              </p:cNvPr>
+              <p:cNvSpPr/>
+              <p:nvPr/>
+            </p:nvSpPr>
+            <p:spPr>
+              <a:xfrm>
+                <a:off x="1925186" y="900986"/>
+                <a:ext cx="1219200" cy="732552"/>
+              </a:xfrm>
+              <a:prstGeom prst="rect">
+                <a:avLst/>
+              </a:prstGeom>
+              <a:solidFill>
+                <a:srgbClr val="000000"/>
+              </a:solidFill>
+              <a:ln>
+                <a:solidFill>
+                  <a:schemeClr val="tx1"/>
+                </a:solidFill>
+              </a:ln>
+            </p:spPr>
+            <p:style>
+              <a:lnRef idx="2">
+                <a:schemeClr val="accent1">
+                  <a:shade val="50000"/>
+                </a:schemeClr>
+              </a:lnRef>
+              <a:fillRef idx="1">
+                <a:schemeClr val="accent1"/>
+              </a:fillRef>
+              <a:effectRef idx="0">
+                <a:schemeClr val="accent1"/>
+              </a:effectRef>
+              <a:fontRef idx="minor">
+                <a:schemeClr val="lt1"/>
+              </a:fontRef>
+            </p:style>
+            <p:txBody>
+              <a:bodyPr rtlCol="0" anchor="ctr"/>
+              <a:lstStyle/>
+              <a:p>
+                <a:pPr algn="ctr"/>
+                <a:br>
+                  <a:rPr lang="de-DE" dirty="0">
+                    <a:solidFill>
+                      <a:srgbClr val="FF8800"/>
+                    </a:solidFill>
+                    <a:latin typeface="Euro Caps" pitchFamily="2" charset="0"/>
+                  </a:rPr>
+                </a:br>
+                <a:endParaRPr lang="de-DE" dirty="0">
+                  <a:solidFill>
+                    <a:srgbClr val="FF8800"/>
+                  </a:solidFill>
+                  <a:latin typeface="Euro Caps" pitchFamily="2" charset="0"/>
+                </a:endParaRPr>
+              </a:p>
+            </p:txBody>
+          </p:sp>
+          <p:sp>
+            <p:nvSpPr>
+              <p:cNvPr id="159" name="Rechteck 158">
+                <a:extLst>
+                  <a:ext uri="{FF2B5EF4-FFF2-40B4-BE49-F238E27FC236}">
+                    <a16:creationId xmlns:a16="http://schemas.microsoft.com/office/drawing/2014/main" id="{868F8D7F-61AE-474B-8881-96C3844862E3}"/>
+                  </a:ext>
+                </a:extLst>
+              </p:cNvPr>
+              <p:cNvSpPr/>
+              <p:nvPr/>
+            </p:nvSpPr>
+            <p:spPr>
+              <a:xfrm>
+                <a:off x="1925186" y="1633538"/>
+                <a:ext cx="1219200" cy="486647"/>
+              </a:xfrm>
+              <a:prstGeom prst="rect">
+                <a:avLst/>
+              </a:prstGeom>
+              <a:solidFill>
+                <a:srgbClr val="00FF90"/>
+              </a:solidFill>
+              <a:ln>
+                <a:solidFill>
+                  <a:srgbClr val="00FF90"/>
+                </a:solidFill>
+              </a:ln>
+            </p:spPr>
+            <p:style>
+              <a:lnRef idx="2">
+                <a:schemeClr val="accent1">
+                  <a:shade val="50000"/>
+                </a:schemeClr>
+              </a:lnRef>
+              <a:fillRef idx="1">
+                <a:schemeClr val="accent1"/>
+              </a:fillRef>
+              <a:effectRef idx="0">
+                <a:schemeClr val="accent1"/>
+              </a:effectRef>
+              <a:fontRef idx="minor">
+                <a:schemeClr val="lt1"/>
+              </a:fontRef>
+            </p:style>
+            <p:txBody>
+              <a:bodyPr rtlCol="0" anchor="ctr"/>
+              <a:lstStyle/>
+              <a:p>
+                <a:pPr algn="ctr"/>
+                <a:r>
+                  <a:rPr lang="de-DE" b="1" dirty="0">
+                    <a:solidFill>
+                      <a:srgbClr val="000000"/>
+                    </a:solidFill>
+                    <a:latin typeface="Euro Caps"/>
+                  </a:rPr>
+                  <a:t>Route</a:t>
+                </a:r>
+                <a:endParaRPr lang="en-DE" b="1" dirty="0">
+                  <a:solidFill>
+                    <a:srgbClr val="000000"/>
+                  </a:solidFill>
+                  <a:latin typeface="Euro Caps"/>
+                </a:endParaRPr>
+              </a:p>
+            </p:txBody>
+          </p:sp>
+        </p:grpSp>
+        <p:pic>
+          <p:nvPicPr>
+            <p:cNvPr id="157" name="Grafik 156">
+              <a:extLst>
+                <a:ext uri="{FF2B5EF4-FFF2-40B4-BE49-F238E27FC236}">
+                  <a16:creationId xmlns:a16="http://schemas.microsoft.com/office/drawing/2014/main" id="{DB1B8E7E-0DA0-4FB8-A4DD-717A0EF0F0E0}"/>
+                </a:ext>
+              </a:extLst>
+            </p:cNvPr>
+            <p:cNvPicPr>
+              <a:picLocks noChangeAspect="1"/>
+            </p:cNvPicPr>
+            <p:nvPr/>
+          </p:nvPicPr>
+          <p:blipFill>
+            <a:blip r:embed="rId19">
+              <a:duotone>
+                <a:prstClr val="black"/>
+                <a:schemeClr val="accent6">
+                  <a:tint val="45000"/>
+                  <a:satMod val="400000"/>
+                </a:schemeClr>
+              </a:duotone>
+              <a:extLst>
+                <a:ext uri="{28A0092B-C50C-407E-A947-70E740481C1C}">
+                  <a14:useLocalDpi xmlns:a14="http://schemas.microsoft.com/office/drawing/2010/main" val="0"/>
+                </a:ext>
+              </a:extLst>
+            </a:blip>
+            <a:stretch>
+              <a:fillRect/>
+            </a:stretch>
+          </p:blipFill>
+          <p:spPr>
+            <a:xfrm>
+              <a:off x="8868288" y="859696"/>
+              <a:ext cx="242467" cy="410767"/>
+            </a:xfrm>
+            <a:prstGeom prst="rect">
+              <a:avLst/>
+            </a:prstGeom>
+          </p:spPr>
+        </p:pic>
+      </p:grpSp>
+      <p:grpSp>
+        <p:nvGrpSpPr>
+          <p:cNvPr id="160" name="Gruppieren 159">
+            <a:extLst>
+              <a:ext uri="{FF2B5EF4-FFF2-40B4-BE49-F238E27FC236}">
+                <a16:creationId xmlns:a16="http://schemas.microsoft.com/office/drawing/2014/main" id="{EDCFD9D7-0CA8-4146-84D0-BCF2CB0EEFC1}"/>
+              </a:ext>
+            </a:extLst>
+          </p:cNvPr>
+          <p:cNvGrpSpPr>
+            <a:grpSpLocks noChangeAspect="1"/>
+          </p:cNvGrpSpPr>
+          <p:nvPr/>
+        </p:nvGrpSpPr>
+        <p:grpSpPr>
+          <a:xfrm>
+            <a:off x="10294882" y="5311532"/>
+            <a:ext cx="864001" cy="864000"/>
+            <a:chOff x="2967893" y="5603225"/>
+            <a:chExt cx="1219200" cy="1219199"/>
+          </a:xfrm>
+        </p:grpSpPr>
+        <p:grpSp>
+          <p:nvGrpSpPr>
+            <p:cNvPr id="162" name="Gruppieren 161">
+              <a:extLst>
+                <a:ext uri="{FF2B5EF4-FFF2-40B4-BE49-F238E27FC236}">
+                  <a16:creationId xmlns:a16="http://schemas.microsoft.com/office/drawing/2014/main" id="{03A86EAD-5903-4475-9286-1DD730C5E088}"/>
+                </a:ext>
+              </a:extLst>
+            </p:cNvPr>
+            <p:cNvGrpSpPr/>
+            <p:nvPr/>
+          </p:nvGrpSpPr>
+          <p:grpSpPr>
+            <a:xfrm>
+              <a:off x="2967893" y="5603225"/>
+              <a:ext cx="1219200" cy="1219199"/>
+              <a:chOff x="1925186" y="900986"/>
+              <a:chExt cx="1219200" cy="1219199"/>
+            </a:xfrm>
+          </p:grpSpPr>
+          <p:sp>
+            <p:nvSpPr>
+              <p:cNvPr id="165" name="Rechteck 164">
+                <a:extLst>
+                  <a:ext uri="{FF2B5EF4-FFF2-40B4-BE49-F238E27FC236}">
+                    <a16:creationId xmlns:a16="http://schemas.microsoft.com/office/drawing/2014/main" id="{F5AFF976-31C7-4690-8AC4-711AA3030611}"/>
+                  </a:ext>
+                </a:extLst>
+              </p:cNvPr>
+              <p:cNvSpPr/>
+              <p:nvPr/>
+            </p:nvSpPr>
+            <p:spPr>
+              <a:xfrm>
+                <a:off x="1925186" y="900986"/>
+                <a:ext cx="1219200" cy="732552"/>
+              </a:xfrm>
+              <a:prstGeom prst="rect">
+                <a:avLst/>
+              </a:prstGeom>
+              <a:solidFill>
+                <a:srgbClr val="000000"/>
+              </a:solidFill>
+              <a:ln>
+                <a:solidFill>
+                  <a:schemeClr val="tx1"/>
+                </a:solidFill>
+              </a:ln>
+            </p:spPr>
+            <p:style>
+              <a:lnRef idx="2">
+                <a:schemeClr val="accent1">
+                  <a:shade val="50000"/>
+                </a:schemeClr>
+              </a:lnRef>
+              <a:fillRef idx="1">
+                <a:schemeClr val="accent1"/>
+              </a:fillRef>
+              <a:effectRef idx="0">
+                <a:schemeClr val="accent1"/>
+              </a:effectRef>
+              <a:fontRef idx="minor">
+                <a:schemeClr val="lt1"/>
+              </a:fontRef>
+            </p:style>
+            <p:txBody>
+              <a:bodyPr rtlCol="0" anchor="ctr"/>
+              <a:lstStyle/>
+              <a:p>
+                <a:pPr algn="ctr"/>
+                <a:endParaRPr lang="de-DE" dirty="0">
+                  <a:solidFill>
+                    <a:srgbClr val="00B050"/>
+                  </a:solidFill>
+                  <a:latin typeface="Euro Caps" pitchFamily="2" charset="0"/>
+                </a:endParaRPr>
+              </a:p>
+            </p:txBody>
+          </p:sp>
+          <p:sp>
+            <p:nvSpPr>
+              <p:cNvPr id="167" name="Rechteck 166">
+                <a:extLst>
+                  <a:ext uri="{FF2B5EF4-FFF2-40B4-BE49-F238E27FC236}">
+                    <a16:creationId xmlns:a16="http://schemas.microsoft.com/office/drawing/2014/main" id="{1428C30D-1805-4AC1-9392-9D6E039542D3}"/>
+                  </a:ext>
+                </a:extLst>
+              </p:cNvPr>
+              <p:cNvSpPr/>
+              <p:nvPr/>
+            </p:nvSpPr>
+            <p:spPr>
+              <a:xfrm>
+                <a:off x="1925186" y="1633538"/>
+                <a:ext cx="1219200" cy="486647"/>
+              </a:xfrm>
+              <a:prstGeom prst="rect">
+                <a:avLst/>
+              </a:prstGeom>
+              <a:solidFill>
+                <a:srgbClr val="00B050"/>
+              </a:solidFill>
+              <a:ln>
+                <a:solidFill>
+                  <a:srgbClr val="00B050"/>
+                </a:solidFill>
+              </a:ln>
+            </p:spPr>
+            <p:style>
+              <a:lnRef idx="2">
+                <a:schemeClr val="accent1">
+                  <a:shade val="50000"/>
+                </a:schemeClr>
+              </a:lnRef>
+              <a:fillRef idx="1">
+                <a:schemeClr val="accent1"/>
+              </a:fillRef>
+              <a:effectRef idx="0">
+                <a:schemeClr val="accent1"/>
+              </a:effectRef>
+              <a:fontRef idx="minor">
+                <a:schemeClr val="lt1"/>
+              </a:fontRef>
+            </p:style>
+            <p:txBody>
+              <a:bodyPr rtlCol="0" anchor="ctr"/>
+              <a:lstStyle/>
+              <a:p>
+                <a:pPr algn="ctr"/>
+                <a:r>
+                  <a:rPr lang="de-DE" b="1" dirty="0">
+                    <a:solidFill>
+                      <a:srgbClr val="000000"/>
+                    </a:solidFill>
+                    <a:latin typeface="Euro Caps" pitchFamily="2" charset="0"/>
+                  </a:rPr>
+                  <a:t>SEL</a:t>
+                </a:r>
+                <a:endParaRPr lang="en-DE" b="1" dirty="0">
+                  <a:solidFill>
+                    <a:srgbClr val="000000"/>
+                  </a:solidFill>
+                  <a:latin typeface="Euro Caps" pitchFamily="2" charset="0"/>
+                </a:endParaRPr>
+              </a:p>
+            </p:txBody>
+          </p:sp>
+        </p:grpSp>
+        <p:pic>
+          <p:nvPicPr>
+            <p:cNvPr id="164" name="Grafik 163">
+              <a:extLst>
+                <a:ext uri="{FF2B5EF4-FFF2-40B4-BE49-F238E27FC236}">
+                  <a16:creationId xmlns:a16="http://schemas.microsoft.com/office/drawing/2014/main" id="{A96A6B71-1E5A-40DA-9F92-70515B0CAC6E}"/>
+                </a:ext>
+              </a:extLst>
+            </p:cNvPr>
+            <p:cNvPicPr>
+              <a:picLocks noChangeAspect="1"/>
+            </p:cNvPicPr>
+            <p:nvPr/>
+          </p:nvPicPr>
+          <p:blipFill>
+            <a:blip r:embed="rId6">
+              <a:extLst>
+                <a:ext uri="{28A0092B-C50C-407E-A947-70E740481C1C}">
+                  <a14:useLocalDpi xmlns:a14="http://schemas.microsoft.com/office/drawing/2010/main" val="0"/>
+                </a:ext>
+              </a:extLst>
+            </a:blip>
+            <a:stretch>
+              <a:fillRect/>
+            </a:stretch>
+          </p:blipFill>
+          <p:spPr>
+            <a:xfrm>
+              <a:off x="3280729" y="5661452"/>
+              <a:ext cx="631593" cy="607592"/>
+            </a:xfrm>
+            <a:prstGeom prst="rect">
+              <a:avLst/>
+            </a:prstGeom>
+          </p:spPr>
+        </p:pic>
+      </p:grpSp>
     </p:spTree>
     <p:extLst>
       <p:ext uri="{BB962C8B-B14F-4D97-AF65-F5344CB8AC3E}">
@@ -32446,7 +39884,7 @@
 </p:sld>
 </file>
 
-<file path=ppt/slides/slide8.xml><?xml version="1.0" encoding="utf-8"?>
+<file path=ppt/slides/slide9.xml><?xml version="1.0" encoding="utf-8"?>
 <p:sld xmlns:a="http://schemas.openxmlformats.org/drawingml/2006/main" xmlns:r="http://schemas.openxmlformats.org/officeDocument/2006/relationships" xmlns:p="http://schemas.openxmlformats.org/presentationml/2006/main">
   <p:cSld>
     <p:spTree>
